--- a/fig.pptx
+++ b/fig.pptx
@@ -8,6 +8,7 @@
     <p:sldId id="257" r:id="rId2"/>
     <p:sldId id="256" r:id="rId3"/>
     <p:sldId id="258" r:id="rId4"/>
+    <p:sldId id="259" r:id="rId5"/>
   </p:sldIdLst>
   <p:sldSz cx="12192000" cy="6858000"/>
   <p:notesSz cx="6858000" cy="9144000"/>
@@ -2986,553 +2987,616 @@
           <a:chExt cx="0" cy="0"/>
         </a:xfrm>
       </p:grpSpPr>
-      <p:sp>
-        <p:nvSpPr>
-          <p:cNvPr id="4" name="Rectangle 3">
+      <p:grpSp>
+        <p:nvGrpSpPr>
+          <p:cNvPr id="13" name="组合 12">
             <a:extLst>
               <a:ext uri="{FF2B5EF4-FFF2-40B4-BE49-F238E27FC236}">
-                <a16:creationId xmlns:a16="http://schemas.microsoft.com/office/drawing/2014/main" id="{364A69E1-BD6E-4BA3-B354-0D34E9CBA940}"/>
+                <a16:creationId xmlns:a16="http://schemas.microsoft.com/office/drawing/2014/main" id="{3E6F1E07-F6E0-44CB-8306-F53AE02B6368}"/>
               </a:ext>
             </a:extLst>
           </p:cNvPr>
-          <p:cNvSpPr/>
+          <p:cNvGrpSpPr/>
           <p:nvPr/>
-        </p:nvSpPr>
-        <p:spPr>
+        </p:nvGrpSpPr>
+        <p:grpSpPr>
           <a:xfrm>
-            <a:off x="5475515" y="1783443"/>
-            <a:ext cx="2313213" cy="916214"/>
+            <a:off x="3154236" y="457043"/>
+            <a:ext cx="3417897" cy="3131613"/>
+            <a:chOff x="3154236" y="457043"/>
+            <a:chExt cx="3417897" cy="3131613"/>
           </a:xfrm>
-          <a:prstGeom prst="rect">
-            <a:avLst/>
-          </a:prstGeom>
-          <a:ln w="28575"/>
-        </p:spPr>
-        <p:style>
-          <a:lnRef idx="2">
-            <a:schemeClr val="dk1"/>
-          </a:lnRef>
-          <a:fillRef idx="1">
-            <a:schemeClr val="lt1"/>
-          </a:fillRef>
-          <a:effectRef idx="0">
-            <a:schemeClr val="dk1"/>
-          </a:effectRef>
-          <a:fontRef idx="minor">
-            <a:schemeClr val="dk1"/>
-          </a:fontRef>
-        </p:style>
-        <p:txBody>
-          <a:bodyPr rtlCol="0" anchor="ctr"/>
-          <a:lstStyle/>
-          <a:p>
-            <a:pPr algn="ctr"/>
-            <a:r>
-              <a:rPr lang="en-US" b="1" dirty="0">
+        </p:grpSpPr>
+        <p:sp>
+          <p:nvSpPr>
+            <p:cNvPr id="16" name="Rectangle 3">
+              <a:extLst>
+                <a:ext uri="{FF2B5EF4-FFF2-40B4-BE49-F238E27FC236}">
+                  <a16:creationId xmlns:a16="http://schemas.microsoft.com/office/drawing/2014/main" id="{7FEF62A9-BCBC-46B3-B469-BC10E925E52E}"/>
+                </a:ext>
+              </a:extLst>
+            </p:cNvPr>
+            <p:cNvSpPr/>
+            <p:nvPr/>
+          </p:nvSpPr>
+          <p:spPr>
+            <a:xfrm>
+              <a:off x="5096133" y="1754259"/>
+              <a:ext cx="1476000" cy="916214"/>
+            </a:xfrm>
+            <a:prstGeom prst="rect">
+              <a:avLst/>
+            </a:prstGeom>
+            <a:ln w="38100"/>
+          </p:spPr>
+          <p:style>
+            <a:lnRef idx="2">
+              <a:schemeClr val="dk1"/>
+            </a:lnRef>
+            <a:fillRef idx="1">
+              <a:schemeClr val="lt1"/>
+            </a:fillRef>
+            <a:effectRef idx="0">
+              <a:schemeClr val="dk1"/>
+            </a:effectRef>
+            <a:fontRef idx="minor">
+              <a:schemeClr val="dk1"/>
+            </a:fontRef>
+          </p:style>
+          <p:txBody>
+            <a:bodyPr rtlCol="0" anchor="ctr"/>
+            <a:lstStyle/>
+            <a:p>
+              <a:pPr algn="ctr"/>
+              <a:r>
+                <a:rPr lang="en-US" dirty="0">
+                  <a:cs typeface="Calibri"/>
+                </a:rPr>
+                <a:t>Human </a:t>
+              </a:r>
+              <a:endParaRPr lang="en-US" dirty="0"/>
+            </a:p>
+            <a:p>
+              <a:pPr algn="ctr"/>
+              <a:r>
+                <a:rPr lang="en-US" dirty="0">
+                  <a:cs typeface="Calibri"/>
+                </a:rPr>
+                <a:t>Edit &amp; Review &amp; Adjustment</a:t>
+              </a:r>
+            </a:p>
+          </p:txBody>
+        </p:sp>
+        <p:sp>
+          <p:nvSpPr>
+            <p:cNvPr id="17" name="Rectangle 4">
+              <a:extLst>
+                <a:ext uri="{FF2B5EF4-FFF2-40B4-BE49-F238E27FC236}">
+                  <a16:creationId xmlns:a16="http://schemas.microsoft.com/office/drawing/2014/main" id="{066EDA54-2FBB-47FC-BB70-A32ED0B88599}"/>
+                </a:ext>
+              </a:extLst>
+            </p:cNvPr>
+            <p:cNvSpPr/>
+            <p:nvPr/>
+          </p:nvSpPr>
+          <p:spPr>
+            <a:xfrm>
+              <a:off x="3154238" y="1754258"/>
+              <a:ext cx="1476000" cy="916214"/>
+            </a:xfrm>
+            <a:prstGeom prst="rect">
+              <a:avLst/>
+            </a:prstGeom>
+            <a:ln w="38100"/>
+          </p:spPr>
+          <p:style>
+            <a:lnRef idx="2">
+              <a:schemeClr val="dk1"/>
+            </a:lnRef>
+            <a:fillRef idx="1">
+              <a:schemeClr val="lt1"/>
+            </a:fillRef>
+            <a:effectRef idx="0">
+              <a:schemeClr val="dk1"/>
+            </a:effectRef>
+            <a:fontRef idx="minor">
+              <a:schemeClr val="dk1"/>
+            </a:fontRef>
+          </p:style>
+          <p:txBody>
+            <a:bodyPr rtlCol="0" anchor="ctr"/>
+            <a:lstStyle/>
+            <a:p>
+              <a:pPr algn="ctr"/>
+              <a:r>
+                <a:rPr lang="en-US" dirty="0">
+                  <a:cs typeface="Calibri"/>
+                </a:rPr>
+                <a:t>AI-based </a:t>
+              </a:r>
+              <a:endParaRPr lang="en-US" dirty="0"/>
+            </a:p>
+            <a:p>
+              <a:pPr algn="ctr"/>
+              <a:r>
+                <a:rPr lang="en-US" dirty="0">
+                  <a:cs typeface="Calibri"/>
+                </a:rPr>
+                <a:t>Automatic </a:t>
+              </a:r>
+            </a:p>
+            <a:p>
+              <a:pPr algn="ctr"/>
+              <a:r>
+                <a:rPr lang="en-US" dirty="0">
+                  <a:cs typeface="Calibri"/>
+                </a:rPr>
+                <a:t>Annotation</a:t>
+              </a:r>
+            </a:p>
+          </p:txBody>
+        </p:sp>
+        <p:sp>
+          <p:nvSpPr>
+            <p:cNvPr id="18" name="Rectangle 5">
+              <a:extLst>
+                <a:ext uri="{FF2B5EF4-FFF2-40B4-BE49-F238E27FC236}">
+                  <a16:creationId xmlns:a16="http://schemas.microsoft.com/office/drawing/2014/main" id="{9E0B5F7F-A652-4ABF-ABA6-B62E75146FB6}"/>
+                </a:ext>
+              </a:extLst>
+            </p:cNvPr>
+            <p:cNvSpPr/>
+            <p:nvPr/>
+          </p:nvSpPr>
+          <p:spPr>
+            <a:xfrm>
+              <a:off x="5096132" y="457044"/>
+              <a:ext cx="1476000" cy="916214"/>
+            </a:xfrm>
+            <a:prstGeom prst="rect">
+              <a:avLst/>
+            </a:prstGeom>
+            <a:ln w="38100"/>
+          </p:spPr>
+          <p:style>
+            <a:lnRef idx="2">
+              <a:schemeClr val="dk1"/>
+            </a:lnRef>
+            <a:fillRef idx="1">
+              <a:schemeClr val="lt1"/>
+            </a:fillRef>
+            <a:effectRef idx="0">
+              <a:schemeClr val="dk1"/>
+            </a:effectRef>
+            <a:fontRef idx="minor">
+              <a:schemeClr val="dk1"/>
+            </a:fontRef>
+          </p:style>
+          <p:txBody>
+            <a:bodyPr rtlCol="0" anchor="ctr"/>
+            <a:lstStyle/>
+            <a:p>
+              <a:pPr algn="ctr"/>
+              <a:r>
+                <a:rPr lang="en-US" dirty="0">
+                  <a:cs typeface="Calibri"/>
+                </a:rPr>
+                <a:t>Finely </a:t>
+              </a:r>
+            </a:p>
+            <a:p>
+              <a:pPr algn="ctr"/>
+              <a:r>
+                <a:rPr lang="en-US" dirty="0">
+                  <a:cs typeface="Calibri"/>
+                </a:rPr>
+                <a:t>Annotated </a:t>
+              </a:r>
+            </a:p>
+            <a:p>
+              <a:pPr algn="ctr"/>
+              <a:r>
+                <a:rPr lang="en-US" dirty="0">
+                  <a:cs typeface="Calibri"/>
+                </a:rPr>
+                <a:t>Data</a:t>
+              </a:r>
+            </a:p>
+          </p:txBody>
+        </p:sp>
+        <p:sp>
+          <p:nvSpPr>
+            <p:cNvPr id="19" name="Arrow: Right 6">
+              <a:extLst>
+                <a:ext uri="{FF2B5EF4-FFF2-40B4-BE49-F238E27FC236}">
+                  <a16:creationId xmlns:a16="http://schemas.microsoft.com/office/drawing/2014/main" id="{005C3CA1-8C33-4B6A-B788-7AF3D7A0A733}"/>
+                </a:ext>
+              </a:extLst>
+            </p:cNvPr>
+            <p:cNvSpPr/>
+            <p:nvPr/>
+          </p:nvSpPr>
+          <p:spPr>
+            <a:xfrm rot="10800000">
+              <a:off x="4652331" y="760373"/>
+              <a:ext cx="426357" cy="308428"/>
+            </a:xfrm>
+            <a:prstGeom prst="rightArrow">
+              <a:avLst/>
+            </a:prstGeom>
+            <a:ln w="38100"/>
+          </p:spPr>
+          <p:style>
+            <a:lnRef idx="2">
+              <a:schemeClr val="dk1"/>
+            </a:lnRef>
+            <a:fillRef idx="1">
+              <a:schemeClr val="lt1"/>
+            </a:fillRef>
+            <a:effectRef idx="0">
+              <a:schemeClr val="dk1"/>
+            </a:effectRef>
+            <a:fontRef idx="minor">
+              <a:schemeClr val="dk1"/>
+            </a:fontRef>
+          </p:style>
+          <p:txBody>
+            <a:bodyPr rtlCol="0" anchor="ctr"/>
+            <a:lstStyle/>
+            <a:p>
+              <a:pPr algn="ctr"/>
+              <a:endParaRPr lang="en-US"/>
+            </a:p>
+          </p:txBody>
+        </p:sp>
+        <p:sp>
+          <p:nvSpPr>
+            <p:cNvPr id="20" name="Arrow: Down 7">
+              <a:extLst>
+                <a:ext uri="{FF2B5EF4-FFF2-40B4-BE49-F238E27FC236}">
+                  <a16:creationId xmlns:a16="http://schemas.microsoft.com/office/drawing/2014/main" id="{9FBA81F0-4063-4174-8384-04B5E13F4C79}"/>
+                </a:ext>
+              </a:extLst>
+            </p:cNvPr>
+            <p:cNvSpPr/>
+            <p:nvPr/>
+          </p:nvSpPr>
+          <p:spPr>
+            <a:xfrm rot="10800000">
+              <a:off x="5694885" y="2699403"/>
+              <a:ext cx="335643" cy="381001"/>
+            </a:xfrm>
+            <a:prstGeom prst="downArrow">
+              <a:avLst/>
+            </a:prstGeom>
+            <a:ln w="38100"/>
+          </p:spPr>
+          <p:style>
+            <a:lnRef idx="2">
+              <a:schemeClr val="dk1"/>
+            </a:lnRef>
+            <a:fillRef idx="1">
+              <a:schemeClr val="lt1"/>
+            </a:fillRef>
+            <a:effectRef idx="0">
+              <a:schemeClr val="dk1"/>
+            </a:effectRef>
+            <a:fontRef idx="minor">
+              <a:schemeClr val="dk1"/>
+            </a:fontRef>
+          </p:style>
+          <p:txBody>
+            <a:bodyPr rtlCol="0" anchor="ctr"/>
+            <a:lstStyle/>
+            <a:p>
+              <a:pPr algn="ctr"/>
+              <a:endParaRPr lang="en-US"/>
+            </a:p>
+          </p:txBody>
+        </p:sp>
+        <p:sp>
+          <p:nvSpPr>
+            <p:cNvPr id="21" name="Rectangle 8">
+              <a:extLst>
+                <a:ext uri="{FF2B5EF4-FFF2-40B4-BE49-F238E27FC236}">
+                  <a16:creationId xmlns:a16="http://schemas.microsoft.com/office/drawing/2014/main" id="{DF6F8CC9-DEC3-47D2-AC8C-9790F80A124A}"/>
+                </a:ext>
+              </a:extLst>
+            </p:cNvPr>
+            <p:cNvSpPr/>
+            <p:nvPr/>
+          </p:nvSpPr>
+          <p:spPr>
+            <a:xfrm>
+              <a:off x="3154237" y="457043"/>
+              <a:ext cx="1476000" cy="916214"/>
+            </a:xfrm>
+            <a:prstGeom prst="rect">
+              <a:avLst/>
+            </a:prstGeom>
+            <a:ln w="38100"/>
+          </p:spPr>
+          <p:style>
+            <a:lnRef idx="2">
+              <a:schemeClr val="dk1"/>
+            </a:lnRef>
+            <a:fillRef idx="1">
+              <a:schemeClr val="lt1"/>
+            </a:fillRef>
+            <a:effectRef idx="0">
+              <a:schemeClr val="dk1"/>
+            </a:effectRef>
+            <a:fontRef idx="minor">
+              <a:schemeClr val="dk1"/>
+            </a:fontRef>
+          </p:style>
+          <p:txBody>
+            <a:bodyPr rtlCol="0" anchor="ctr"/>
+            <a:lstStyle/>
+            <a:p>
+              <a:pPr algn="ctr"/>
+              <a:r>
+                <a:rPr lang="en-US" altLang="zh-CN" dirty="0">
+                  <a:cs typeface="Calibri"/>
+                </a:rPr>
+                <a:t>Artificial </a:t>
+              </a:r>
+            </a:p>
+            <a:p>
+              <a:pPr algn="ctr"/>
+              <a:r>
+                <a:rPr lang="en-US" altLang="zh-CN" dirty="0">
+                  <a:cs typeface="Calibri"/>
+                </a:rPr>
+                <a:t>Intelligence</a:t>
+              </a:r>
+              <a:endParaRPr lang="en-US" dirty="0">
                 <a:cs typeface="Calibri"/>
-              </a:rPr>
-              <a:t>Human </a:t>
-            </a:r>
-            <a:endParaRPr lang="en-US" b="1"/>
-          </a:p>
-          <a:p>
-            <a:pPr algn="ctr"/>
-            <a:r>
-              <a:rPr lang="en-US" b="1" dirty="0">
-                <a:cs typeface="Calibri"/>
-              </a:rPr>
-              <a:t>Edit &amp; Review &amp; Adjustment</a:t>
-            </a:r>
-          </a:p>
-        </p:txBody>
-      </p:sp>
-      <p:sp>
-        <p:nvSpPr>
-          <p:cNvPr id="5" name="Rectangle 4">
-            <a:extLst>
-              <a:ext uri="{FF2B5EF4-FFF2-40B4-BE49-F238E27FC236}">
-                <a16:creationId xmlns:a16="http://schemas.microsoft.com/office/drawing/2014/main" id="{C544D5D2-D9F2-493B-963E-0AA26B9CE297}"/>
-              </a:ext>
-            </a:extLst>
-          </p:cNvPr>
-          <p:cNvSpPr/>
-          <p:nvPr/>
-        </p:nvSpPr>
-        <p:spPr>
-          <a:xfrm>
-            <a:off x="2735943" y="1783442"/>
-            <a:ext cx="2313213" cy="916214"/>
-          </a:xfrm>
-          <a:prstGeom prst="rect">
-            <a:avLst/>
-          </a:prstGeom>
-          <a:ln w="28575"/>
-        </p:spPr>
-        <p:style>
-          <a:lnRef idx="2">
-            <a:schemeClr val="dk1"/>
-          </a:lnRef>
-          <a:fillRef idx="1">
-            <a:schemeClr val="lt1"/>
-          </a:fillRef>
-          <a:effectRef idx="0">
-            <a:schemeClr val="dk1"/>
-          </a:effectRef>
-          <a:fontRef idx="minor">
-            <a:schemeClr val="dk1"/>
-          </a:fontRef>
-        </p:style>
-        <p:txBody>
-          <a:bodyPr rtlCol="0" anchor="ctr"/>
-          <a:lstStyle/>
-          <a:p>
-            <a:pPr algn="ctr"/>
-            <a:r>
-              <a:rPr lang="en-US" b="1" dirty="0">
-                <a:cs typeface="Calibri"/>
-              </a:rPr>
-              <a:t>AI-based </a:t>
-            </a:r>
-            <a:endParaRPr lang="en-US" b="1" dirty="0"/>
-          </a:p>
-          <a:p>
-            <a:pPr algn="ctr"/>
-            <a:r>
-              <a:rPr lang="en-US" b="1" dirty="0">
-                <a:cs typeface="Calibri"/>
-              </a:rPr>
-              <a:t>Automatic </a:t>
-            </a:r>
-            <a:r>
-              <a:rPr lang="en-US" b="1">
-                <a:cs typeface="Calibri"/>
-              </a:rPr>
-              <a:t>Annotation</a:t>
-            </a:r>
-          </a:p>
-        </p:txBody>
-      </p:sp>
-      <p:sp>
-        <p:nvSpPr>
-          <p:cNvPr id="6" name="Rectangle 5">
-            <a:extLst>
-              <a:ext uri="{FF2B5EF4-FFF2-40B4-BE49-F238E27FC236}">
-                <a16:creationId xmlns:a16="http://schemas.microsoft.com/office/drawing/2014/main" id="{12BA5469-0BEA-4AA7-86CF-75958A5BD376}"/>
-              </a:ext>
-            </a:extLst>
-          </p:cNvPr>
-          <p:cNvSpPr/>
-          <p:nvPr/>
-        </p:nvSpPr>
-        <p:spPr>
-          <a:xfrm>
-            <a:off x="5475514" y="486228"/>
-            <a:ext cx="2313213" cy="916214"/>
-          </a:xfrm>
-          <a:prstGeom prst="rect">
-            <a:avLst/>
-          </a:prstGeom>
-          <a:ln w="28575"/>
-        </p:spPr>
-        <p:style>
-          <a:lnRef idx="2">
-            <a:schemeClr val="dk1"/>
-          </a:lnRef>
-          <a:fillRef idx="1">
-            <a:schemeClr val="lt1"/>
-          </a:fillRef>
-          <a:effectRef idx="0">
-            <a:schemeClr val="dk1"/>
-          </a:effectRef>
-          <a:fontRef idx="minor">
-            <a:schemeClr val="dk1"/>
-          </a:fontRef>
-        </p:style>
-        <p:txBody>
-          <a:bodyPr rtlCol="0" anchor="ctr"/>
-          <a:lstStyle/>
-          <a:p>
-            <a:pPr algn="ctr"/>
-            <a:r>
-              <a:rPr lang="en-US" b="1" dirty="0">
-                <a:cs typeface="Calibri"/>
-              </a:rPr>
-              <a:t>Finely Annotated Data</a:t>
-            </a:r>
-          </a:p>
-        </p:txBody>
-      </p:sp>
-      <p:sp>
-        <p:nvSpPr>
-          <p:cNvPr id="7" name="Arrow: Right 6">
-            <a:extLst>
-              <a:ext uri="{FF2B5EF4-FFF2-40B4-BE49-F238E27FC236}">
-                <a16:creationId xmlns:a16="http://schemas.microsoft.com/office/drawing/2014/main" id="{C3D8D7EF-29E3-477D-8586-DB676BE410EA}"/>
-              </a:ext>
-            </a:extLst>
-          </p:cNvPr>
-          <p:cNvSpPr/>
-          <p:nvPr/>
-        </p:nvSpPr>
-        <p:spPr>
-          <a:xfrm rot="10800000">
-            <a:off x="5051171" y="789557"/>
-            <a:ext cx="426357" cy="308428"/>
-          </a:xfrm>
-          <a:prstGeom prst="rightArrow">
-            <a:avLst/>
-          </a:prstGeom>
-          <a:ln w="28575"/>
-        </p:spPr>
-        <p:style>
-          <a:lnRef idx="2">
-            <a:schemeClr val="dk1"/>
-          </a:lnRef>
-          <a:fillRef idx="1">
-            <a:schemeClr val="lt1"/>
-          </a:fillRef>
-          <a:effectRef idx="0">
-            <a:schemeClr val="dk1"/>
-          </a:effectRef>
-          <a:fontRef idx="minor">
-            <a:schemeClr val="dk1"/>
-          </a:fontRef>
-        </p:style>
-        <p:txBody>
-          <a:bodyPr rtlCol="0" anchor="ctr"/>
-          <a:lstStyle/>
-          <a:p>
-            <a:pPr algn="ctr"/>
-            <a:endParaRPr lang="en-US" b="1"/>
-          </a:p>
-        </p:txBody>
-      </p:sp>
-      <p:sp>
-        <p:nvSpPr>
-          <p:cNvPr id="8" name="Arrow: Down 7">
-            <a:extLst>
-              <a:ext uri="{FF2B5EF4-FFF2-40B4-BE49-F238E27FC236}">
-                <a16:creationId xmlns:a16="http://schemas.microsoft.com/office/drawing/2014/main" id="{3460E843-AF1A-426A-A43F-D2A771AF8B90}"/>
-              </a:ext>
-            </a:extLst>
-          </p:cNvPr>
-          <p:cNvSpPr/>
-          <p:nvPr/>
-        </p:nvSpPr>
-        <p:spPr>
-          <a:xfrm rot="10800000">
-            <a:off x="6502290" y="2699403"/>
-            <a:ext cx="335643" cy="381001"/>
-          </a:xfrm>
-          <a:prstGeom prst="downArrow">
-            <a:avLst/>
-          </a:prstGeom>
-          <a:ln w="28575"/>
-        </p:spPr>
-        <p:style>
-          <a:lnRef idx="2">
-            <a:schemeClr val="dk1"/>
-          </a:lnRef>
-          <a:fillRef idx="1">
-            <a:schemeClr val="lt1"/>
-          </a:fillRef>
-          <a:effectRef idx="0">
-            <a:schemeClr val="dk1"/>
-          </a:effectRef>
-          <a:fontRef idx="minor">
-            <a:schemeClr val="dk1"/>
-          </a:fontRef>
-        </p:style>
-        <p:txBody>
-          <a:bodyPr rtlCol="0" anchor="ctr"/>
-          <a:lstStyle/>
-          <a:p>
-            <a:pPr algn="ctr"/>
-            <a:endParaRPr lang="en-US" b="1"/>
-          </a:p>
-        </p:txBody>
-      </p:sp>
-      <p:sp>
-        <p:nvSpPr>
-          <p:cNvPr id="9" name="Rectangle 8">
-            <a:extLst>
-              <a:ext uri="{FF2B5EF4-FFF2-40B4-BE49-F238E27FC236}">
-                <a16:creationId xmlns:a16="http://schemas.microsoft.com/office/drawing/2014/main" id="{DE5F7B33-21DC-4ACC-90F8-B599C4163E33}"/>
-              </a:ext>
-            </a:extLst>
-          </p:cNvPr>
-          <p:cNvSpPr/>
-          <p:nvPr/>
-        </p:nvSpPr>
-        <p:spPr>
-          <a:xfrm>
-            <a:off x="2735942" y="486227"/>
-            <a:ext cx="2313213" cy="916214"/>
-          </a:xfrm>
-          <a:prstGeom prst="rect">
-            <a:avLst/>
-          </a:prstGeom>
-          <a:ln w="28575"/>
-        </p:spPr>
-        <p:style>
-          <a:lnRef idx="2">
-            <a:schemeClr val="dk1"/>
-          </a:lnRef>
-          <a:fillRef idx="1">
-            <a:schemeClr val="lt1"/>
-          </a:fillRef>
-          <a:effectRef idx="0">
-            <a:schemeClr val="dk1"/>
-          </a:effectRef>
-          <a:fontRef idx="minor">
-            <a:schemeClr val="dk1"/>
-          </a:fontRef>
-        </p:style>
-        <p:txBody>
-          <a:bodyPr rtlCol="0" anchor="ctr"/>
-          <a:lstStyle/>
-          <a:p>
-            <a:pPr algn="ctr"/>
-            <a:r>
-              <a:rPr lang="en-US" b="1" dirty="0">
-                <a:cs typeface="Calibri"/>
-              </a:rPr>
-              <a:t>AI Model</a:t>
-            </a:r>
-          </a:p>
-        </p:txBody>
-      </p:sp>
-      <p:sp>
-        <p:nvSpPr>
-          <p:cNvPr id="10" name="Arrow: Right 9">
-            <a:extLst>
-              <a:ext uri="{FF2B5EF4-FFF2-40B4-BE49-F238E27FC236}">
-                <a16:creationId xmlns:a16="http://schemas.microsoft.com/office/drawing/2014/main" id="{90F13645-71EE-4B76-A23A-5CC1104455DB}"/>
-              </a:ext>
-            </a:extLst>
-          </p:cNvPr>
-          <p:cNvSpPr/>
-          <p:nvPr/>
-        </p:nvSpPr>
-        <p:spPr>
-          <a:xfrm>
-            <a:off x="5051170" y="2086771"/>
-            <a:ext cx="426357" cy="308428"/>
-          </a:xfrm>
-          <a:prstGeom prst="rightArrow">
-            <a:avLst/>
-          </a:prstGeom>
-          <a:ln w="28575"/>
-        </p:spPr>
-        <p:style>
-          <a:lnRef idx="2">
-            <a:schemeClr val="dk1"/>
-          </a:lnRef>
-          <a:fillRef idx="1">
-            <a:schemeClr val="lt1"/>
-          </a:fillRef>
-          <a:effectRef idx="0">
-            <a:schemeClr val="dk1"/>
-          </a:effectRef>
-          <a:fontRef idx="minor">
-            <a:schemeClr val="dk1"/>
-          </a:fontRef>
-        </p:style>
-        <p:txBody>
-          <a:bodyPr rtlCol="0" anchor="ctr"/>
-          <a:lstStyle/>
-          <a:p>
-            <a:pPr algn="ctr"/>
-            <a:endParaRPr lang="en-US" b="1"/>
-          </a:p>
-        </p:txBody>
-      </p:sp>
-      <p:sp>
-        <p:nvSpPr>
-          <p:cNvPr id="11" name="Arrow: Down 10">
-            <a:extLst>
-              <a:ext uri="{FF2B5EF4-FFF2-40B4-BE49-F238E27FC236}">
-                <a16:creationId xmlns:a16="http://schemas.microsoft.com/office/drawing/2014/main" id="{E4F30413-5297-47B7-B30C-C45BF792BC55}"/>
-              </a:ext>
-            </a:extLst>
-          </p:cNvPr>
-          <p:cNvSpPr/>
-          <p:nvPr/>
-        </p:nvSpPr>
-        <p:spPr>
-          <a:xfrm rot="10800000">
-            <a:off x="3726433" y="2699403"/>
-            <a:ext cx="335643" cy="381001"/>
-          </a:xfrm>
-          <a:prstGeom prst="downArrow">
-            <a:avLst/>
-          </a:prstGeom>
-          <a:ln w="28575"/>
-        </p:spPr>
-        <p:style>
-          <a:lnRef idx="2">
-            <a:schemeClr val="dk1"/>
-          </a:lnRef>
-          <a:fillRef idx="1">
-            <a:schemeClr val="lt1"/>
-          </a:fillRef>
-          <a:effectRef idx="0">
-            <a:schemeClr val="dk1"/>
-          </a:effectRef>
-          <a:fontRef idx="minor">
-            <a:schemeClr val="dk1"/>
-          </a:fontRef>
-        </p:style>
-        <p:txBody>
-          <a:bodyPr rtlCol="0" anchor="ctr"/>
-          <a:lstStyle/>
-          <a:p>
-            <a:pPr algn="ctr"/>
-            <a:endParaRPr lang="en-US" b="1"/>
-          </a:p>
-        </p:txBody>
-      </p:sp>
-      <p:sp>
-        <p:nvSpPr>
-          <p:cNvPr id="12" name="Rectangle 11">
-            <a:extLst>
-              <a:ext uri="{FF2B5EF4-FFF2-40B4-BE49-F238E27FC236}">
-                <a16:creationId xmlns:a16="http://schemas.microsoft.com/office/drawing/2014/main" id="{C4652939-2F46-4293-8381-8041380F8472}"/>
-              </a:ext>
-            </a:extLst>
-          </p:cNvPr>
-          <p:cNvSpPr/>
-          <p:nvPr/>
-        </p:nvSpPr>
-        <p:spPr>
-          <a:xfrm>
-            <a:off x="2735940" y="3080656"/>
-            <a:ext cx="5052784" cy="508000"/>
-          </a:xfrm>
-          <a:prstGeom prst="rect">
-            <a:avLst/>
-          </a:prstGeom>
-          <a:ln w="28575"/>
-        </p:spPr>
-        <p:style>
-          <a:lnRef idx="2">
-            <a:schemeClr val="dk1"/>
-          </a:lnRef>
-          <a:fillRef idx="1">
-            <a:schemeClr val="lt1"/>
-          </a:fillRef>
-          <a:effectRef idx="0">
-            <a:schemeClr val="dk1"/>
-          </a:effectRef>
-          <a:fontRef idx="minor">
-            <a:schemeClr val="dk1"/>
-          </a:fontRef>
-        </p:style>
-        <p:txBody>
-          <a:bodyPr rtlCol="0" anchor="ctr"/>
-          <a:lstStyle/>
-          <a:p>
-            <a:pPr algn="ctr"/>
-            <a:r>
-              <a:rPr lang="en-US" b="1" dirty="0">
-                <a:cs typeface="Calibri"/>
-              </a:rPr>
-              <a:t>Raw Data</a:t>
-            </a:r>
-            <a:endParaRPr lang="en-US" b="1" dirty="0"/>
-          </a:p>
-        </p:txBody>
-      </p:sp>
-      <p:sp>
-        <p:nvSpPr>
-          <p:cNvPr id="14" name="Arrow: Down 13">
-            <a:extLst>
-              <a:ext uri="{FF2B5EF4-FFF2-40B4-BE49-F238E27FC236}">
-                <a16:creationId xmlns:a16="http://schemas.microsoft.com/office/drawing/2014/main" id="{3EB036D7-D145-468E-852B-7C5D0676C736}"/>
-              </a:ext>
-            </a:extLst>
-          </p:cNvPr>
-          <p:cNvSpPr/>
-          <p:nvPr/>
-        </p:nvSpPr>
-        <p:spPr>
-          <a:xfrm>
-            <a:off x="3726433" y="1402188"/>
-            <a:ext cx="335643" cy="381001"/>
-          </a:xfrm>
-          <a:prstGeom prst="downArrow">
-            <a:avLst/>
-          </a:prstGeom>
-          <a:ln w="28575"/>
-        </p:spPr>
-        <p:style>
-          <a:lnRef idx="2">
-            <a:schemeClr val="dk1"/>
-          </a:lnRef>
-          <a:fillRef idx="1">
-            <a:schemeClr val="lt1"/>
-          </a:fillRef>
-          <a:effectRef idx="0">
-            <a:schemeClr val="dk1"/>
-          </a:effectRef>
-          <a:fontRef idx="minor">
-            <a:schemeClr val="dk1"/>
-          </a:fontRef>
-        </p:style>
-        <p:txBody>
-          <a:bodyPr rtlCol="0" anchor="ctr"/>
-          <a:lstStyle/>
-          <a:p>
-            <a:pPr algn="ctr"/>
-            <a:endParaRPr lang="en-US" b="1"/>
-          </a:p>
-        </p:txBody>
-      </p:sp>
-      <p:sp>
-        <p:nvSpPr>
-          <p:cNvPr id="15" name="Arrow: Down 14">
-            <a:extLst>
-              <a:ext uri="{FF2B5EF4-FFF2-40B4-BE49-F238E27FC236}">
-                <a16:creationId xmlns:a16="http://schemas.microsoft.com/office/drawing/2014/main" id="{8E469DD1-18CA-4C56-9630-8ADD2F63F477}"/>
-              </a:ext>
-            </a:extLst>
-          </p:cNvPr>
-          <p:cNvSpPr/>
-          <p:nvPr/>
-        </p:nvSpPr>
-        <p:spPr>
-          <a:xfrm rot="10800000">
-            <a:off x="6502290" y="1402188"/>
-            <a:ext cx="335643" cy="381001"/>
-          </a:xfrm>
-          <a:prstGeom prst="downArrow">
-            <a:avLst/>
-          </a:prstGeom>
-          <a:ln w="28575"/>
-        </p:spPr>
-        <p:style>
-          <a:lnRef idx="2">
-            <a:schemeClr val="dk1"/>
-          </a:lnRef>
-          <a:fillRef idx="1">
-            <a:schemeClr val="lt1"/>
-          </a:fillRef>
-          <a:effectRef idx="0">
-            <a:schemeClr val="dk1"/>
-          </a:effectRef>
-          <a:fontRef idx="minor">
-            <a:schemeClr val="dk1"/>
-          </a:fontRef>
-        </p:style>
-        <p:txBody>
-          <a:bodyPr rtlCol="0" anchor="ctr"/>
-          <a:lstStyle/>
-          <a:p>
-            <a:pPr algn="ctr"/>
-            <a:endParaRPr lang="en-US" b="1"/>
-          </a:p>
-        </p:txBody>
-      </p:sp>
+              </a:endParaRPr>
+            </a:p>
+            <a:p>
+              <a:pPr algn="ctr"/>
+              <a:r>
+                <a:rPr lang="en-US" dirty="0">
+                  <a:cs typeface="Calibri"/>
+                </a:rPr>
+                <a:t>(AI) Model</a:t>
+              </a:r>
+            </a:p>
+          </p:txBody>
+        </p:sp>
+        <p:sp>
+          <p:nvSpPr>
+            <p:cNvPr id="22" name="Arrow: Right 9">
+              <a:extLst>
+                <a:ext uri="{FF2B5EF4-FFF2-40B4-BE49-F238E27FC236}">
+                  <a16:creationId xmlns:a16="http://schemas.microsoft.com/office/drawing/2014/main" id="{EEF598E3-237D-49CC-8550-74EBA054F160}"/>
+                </a:ext>
+              </a:extLst>
+            </p:cNvPr>
+            <p:cNvSpPr/>
+            <p:nvPr/>
+          </p:nvSpPr>
+          <p:spPr>
+            <a:xfrm>
+              <a:off x="4652330" y="2057587"/>
+              <a:ext cx="426357" cy="308428"/>
+            </a:xfrm>
+            <a:prstGeom prst="rightArrow">
+              <a:avLst/>
+            </a:prstGeom>
+            <a:ln w="38100"/>
+          </p:spPr>
+          <p:style>
+            <a:lnRef idx="2">
+              <a:schemeClr val="dk1"/>
+            </a:lnRef>
+            <a:fillRef idx="1">
+              <a:schemeClr val="lt1"/>
+            </a:fillRef>
+            <a:effectRef idx="0">
+              <a:schemeClr val="dk1"/>
+            </a:effectRef>
+            <a:fontRef idx="minor">
+              <a:schemeClr val="dk1"/>
+            </a:fontRef>
+          </p:style>
+          <p:txBody>
+            <a:bodyPr rtlCol="0" anchor="ctr"/>
+            <a:lstStyle/>
+            <a:p>
+              <a:pPr algn="ctr"/>
+              <a:endParaRPr lang="en-US"/>
+            </a:p>
+          </p:txBody>
+        </p:sp>
+        <p:sp>
+          <p:nvSpPr>
+            <p:cNvPr id="23" name="Arrow: Down 10">
+              <a:extLst>
+                <a:ext uri="{FF2B5EF4-FFF2-40B4-BE49-F238E27FC236}">
+                  <a16:creationId xmlns:a16="http://schemas.microsoft.com/office/drawing/2014/main" id="{81588FC0-A3CA-421E-8619-185755F182D5}"/>
+                </a:ext>
+              </a:extLst>
+            </p:cNvPr>
+            <p:cNvSpPr/>
+            <p:nvPr/>
+          </p:nvSpPr>
+          <p:spPr>
+            <a:xfrm rot="10800000">
+              <a:off x="3726433" y="2699403"/>
+              <a:ext cx="335643" cy="381001"/>
+            </a:xfrm>
+            <a:prstGeom prst="downArrow">
+              <a:avLst/>
+            </a:prstGeom>
+            <a:ln w="38100"/>
+          </p:spPr>
+          <p:style>
+            <a:lnRef idx="2">
+              <a:schemeClr val="dk1"/>
+            </a:lnRef>
+            <a:fillRef idx="1">
+              <a:schemeClr val="lt1"/>
+            </a:fillRef>
+            <a:effectRef idx="0">
+              <a:schemeClr val="dk1"/>
+            </a:effectRef>
+            <a:fontRef idx="minor">
+              <a:schemeClr val="dk1"/>
+            </a:fontRef>
+          </p:style>
+          <p:txBody>
+            <a:bodyPr rtlCol="0" anchor="ctr"/>
+            <a:lstStyle/>
+            <a:p>
+              <a:pPr algn="ctr"/>
+              <a:endParaRPr lang="en-US"/>
+            </a:p>
+          </p:txBody>
+        </p:sp>
+        <p:sp>
+          <p:nvSpPr>
+            <p:cNvPr id="24" name="Rectangle 11">
+              <a:extLst>
+                <a:ext uri="{FF2B5EF4-FFF2-40B4-BE49-F238E27FC236}">
+                  <a16:creationId xmlns:a16="http://schemas.microsoft.com/office/drawing/2014/main" id="{3CF199BA-C458-4BA5-933D-2E6C47268CEB}"/>
+                </a:ext>
+              </a:extLst>
+            </p:cNvPr>
+            <p:cNvSpPr/>
+            <p:nvPr/>
+          </p:nvSpPr>
+          <p:spPr>
+            <a:xfrm>
+              <a:off x="3154236" y="3080656"/>
+              <a:ext cx="3417895" cy="508000"/>
+            </a:xfrm>
+            <a:prstGeom prst="rect">
+              <a:avLst/>
+            </a:prstGeom>
+            <a:ln w="38100"/>
+          </p:spPr>
+          <p:style>
+            <a:lnRef idx="2">
+              <a:schemeClr val="dk1"/>
+            </a:lnRef>
+            <a:fillRef idx="1">
+              <a:schemeClr val="lt1"/>
+            </a:fillRef>
+            <a:effectRef idx="0">
+              <a:schemeClr val="dk1"/>
+            </a:effectRef>
+            <a:fontRef idx="minor">
+              <a:schemeClr val="dk1"/>
+            </a:fontRef>
+          </p:style>
+          <p:txBody>
+            <a:bodyPr rtlCol="0" anchor="ctr"/>
+            <a:lstStyle/>
+            <a:p>
+              <a:pPr algn="ctr"/>
+              <a:r>
+                <a:rPr lang="en-US" dirty="0">
+                  <a:cs typeface="Calibri"/>
+                </a:rPr>
+                <a:t>Raw Data</a:t>
+              </a:r>
+              <a:endParaRPr lang="en-US" dirty="0"/>
+            </a:p>
+          </p:txBody>
+        </p:sp>
+        <p:sp>
+          <p:nvSpPr>
+            <p:cNvPr id="25" name="Arrow: Down 13">
+              <a:extLst>
+                <a:ext uri="{FF2B5EF4-FFF2-40B4-BE49-F238E27FC236}">
+                  <a16:creationId xmlns:a16="http://schemas.microsoft.com/office/drawing/2014/main" id="{577964AD-BCF4-46ED-AC73-22A1370E111F}"/>
+                </a:ext>
+              </a:extLst>
+            </p:cNvPr>
+            <p:cNvSpPr/>
+            <p:nvPr/>
+          </p:nvSpPr>
+          <p:spPr>
+            <a:xfrm>
+              <a:off x="3726433" y="1373004"/>
+              <a:ext cx="335643" cy="381001"/>
+            </a:xfrm>
+            <a:prstGeom prst="downArrow">
+              <a:avLst/>
+            </a:prstGeom>
+            <a:ln w="38100"/>
+          </p:spPr>
+          <p:style>
+            <a:lnRef idx="2">
+              <a:schemeClr val="dk1"/>
+            </a:lnRef>
+            <a:fillRef idx="1">
+              <a:schemeClr val="lt1"/>
+            </a:fillRef>
+            <a:effectRef idx="0">
+              <a:schemeClr val="dk1"/>
+            </a:effectRef>
+            <a:fontRef idx="minor">
+              <a:schemeClr val="dk1"/>
+            </a:fontRef>
+          </p:style>
+          <p:txBody>
+            <a:bodyPr rtlCol="0" anchor="ctr"/>
+            <a:lstStyle/>
+            <a:p>
+              <a:pPr algn="ctr"/>
+              <a:endParaRPr lang="en-US"/>
+            </a:p>
+          </p:txBody>
+        </p:sp>
+        <p:sp>
+          <p:nvSpPr>
+            <p:cNvPr id="26" name="Arrow: Down 14">
+              <a:extLst>
+                <a:ext uri="{FF2B5EF4-FFF2-40B4-BE49-F238E27FC236}">
+                  <a16:creationId xmlns:a16="http://schemas.microsoft.com/office/drawing/2014/main" id="{19BE9B33-2AB6-4269-BC85-09B91387447A}"/>
+                </a:ext>
+              </a:extLst>
+            </p:cNvPr>
+            <p:cNvSpPr/>
+            <p:nvPr/>
+          </p:nvSpPr>
+          <p:spPr>
+            <a:xfrm rot="10800000">
+              <a:off x="5694885" y="1373004"/>
+              <a:ext cx="335643" cy="381001"/>
+            </a:xfrm>
+            <a:prstGeom prst="downArrow">
+              <a:avLst/>
+            </a:prstGeom>
+            <a:ln w="38100"/>
+          </p:spPr>
+          <p:style>
+            <a:lnRef idx="2">
+              <a:schemeClr val="dk1"/>
+            </a:lnRef>
+            <a:fillRef idx="1">
+              <a:schemeClr val="lt1"/>
+            </a:fillRef>
+            <a:effectRef idx="0">
+              <a:schemeClr val="dk1"/>
+            </a:effectRef>
+            <a:fontRef idx="minor">
+              <a:schemeClr val="dk1"/>
+            </a:fontRef>
+          </p:style>
+          <p:txBody>
+            <a:bodyPr rtlCol="0" anchor="ctr"/>
+            <a:lstStyle/>
+            <a:p>
+              <a:pPr algn="ctr"/>
+              <a:endParaRPr lang="en-US"/>
+            </a:p>
+          </p:txBody>
+        </p:sp>
+      </p:grpSp>
     </p:spTree>
     <p:extLst>
       <p:ext uri="{BB962C8B-B14F-4D97-AF65-F5344CB8AC3E}">
@@ -3563,1144 +3627,1821 @@
           <a:chExt cx="0" cy="0"/>
         </a:xfrm>
       </p:grpSpPr>
-      <p:sp>
-        <p:nvSpPr>
-          <p:cNvPr id="13" name="Rectangle 12">
+      <p:grpSp>
+        <p:nvGrpSpPr>
+          <p:cNvPr id="20" name="组合 19">
             <a:extLst>
               <a:ext uri="{FF2B5EF4-FFF2-40B4-BE49-F238E27FC236}">
-                <a16:creationId xmlns:a16="http://schemas.microsoft.com/office/drawing/2014/main" id="{3A2B9127-10BD-4BC0-BE5C-CD7A85D3036E}"/>
+                <a16:creationId xmlns:a16="http://schemas.microsoft.com/office/drawing/2014/main" id="{6E26802F-BEFD-45E7-9176-6E99E03BDB1B}"/>
               </a:ext>
             </a:extLst>
           </p:cNvPr>
-          <p:cNvSpPr/>
+          <p:cNvGrpSpPr/>
           <p:nvPr/>
-        </p:nvSpPr>
-        <p:spPr>
+        </p:nvGrpSpPr>
+        <p:grpSpPr>
           <a:xfrm>
-            <a:off x="7019592" y="333235"/>
-            <a:ext cx="2096822" cy="3458762"/>
+            <a:off x="5442390" y="836576"/>
+            <a:ext cx="6391072" cy="4132478"/>
+            <a:chOff x="2626970" y="758755"/>
+            <a:chExt cx="6391072" cy="4132478"/>
           </a:xfrm>
-          <a:prstGeom prst="rect">
-            <a:avLst/>
-          </a:prstGeom>
-          <a:ln w="28575"/>
-        </p:spPr>
-        <p:style>
-          <a:lnRef idx="2">
-            <a:schemeClr val="dk1"/>
-          </a:lnRef>
-          <a:fillRef idx="1">
-            <a:schemeClr val="lt1"/>
-          </a:fillRef>
-          <a:effectRef idx="0">
-            <a:schemeClr val="dk1"/>
-          </a:effectRef>
-          <a:fontRef idx="minor">
-            <a:schemeClr val="dk1"/>
-          </a:fontRef>
-        </p:style>
-        <p:txBody>
-          <a:bodyPr rtlCol="0" anchor="ctr"/>
-          <a:lstStyle/>
-          <a:p>
-            <a:pPr algn="ctr"/>
-            <a:r>
-              <a:rPr lang="en-US" dirty="0">
+        </p:grpSpPr>
+        <p:sp>
+          <p:nvSpPr>
+            <p:cNvPr id="21" name="Rectangle 12">
+              <a:extLst>
+                <a:ext uri="{FF2B5EF4-FFF2-40B4-BE49-F238E27FC236}">
+                  <a16:creationId xmlns:a16="http://schemas.microsoft.com/office/drawing/2014/main" id="{E8010EF8-F337-41C3-A2C6-8B2A458EF5E4}"/>
+                </a:ext>
+              </a:extLst>
+            </p:cNvPr>
+            <p:cNvSpPr/>
+            <p:nvPr/>
+          </p:nvSpPr>
+          <p:spPr>
+            <a:xfrm>
+              <a:off x="7146042" y="758755"/>
+              <a:ext cx="1872000" cy="2955419"/>
+            </a:xfrm>
+            <a:prstGeom prst="rect">
+              <a:avLst/>
+            </a:prstGeom>
+            <a:ln w="38100"/>
+          </p:spPr>
+          <p:style>
+            <a:lnRef idx="2">
+              <a:schemeClr val="dk1"/>
+            </a:lnRef>
+            <a:fillRef idx="1">
+              <a:schemeClr val="lt1"/>
+            </a:fillRef>
+            <a:effectRef idx="0">
+              <a:schemeClr val="dk1"/>
+            </a:effectRef>
+            <a:fontRef idx="minor">
+              <a:schemeClr val="dk1"/>
+            </a:fontRef>
+          </p:style>
+          <p:txBody>
+            <a:bodyPr rtlCol="0" anchor="ctr"/>
+            <a:lstStyle/>
+            <a:p>
+              <a:pPr algn="ctr"/>
+              <a:r>
+                <a:rPr lang="en-US" dirty="0">
+                  <a:cs typeface="Calibri"/>
+                </a:rPr>
+                <a:t>Operation</a:t>
+              </a:r>
+            </a:p>
+            <a:p>
+              <a:pPr algn="ctr"/>
+              <a:endParaRPr lang="en-US" dirty="0">
                 <a:cs typeface="Calibri"/>
-              </a:rPr>
-              <a:t>Operation</a:t>
-            </a:r>
-          </a:p>
-          <a:p>
-            <a:pPr algn="ctr"/>
-            <a:endParaRPr lang="en-US" dirty="0">
-              <a:cs typeface="Calibri"/>
-            </a:endParaRPr>
-          </a:p>
-          <a:p>
-            <a:pPr algn="ctr"/>
-            <a:endParaRPr lang="en-US" dirty="0">
-              <a:cs typeface="Calibri"/>
-            </a:endParaRPr>
-          </a:p>
-          <a:p>
-            <a:pPr algn="ctr"/>
-            <a:endParaRPr lang="en-US" dirty="0">
-              <a:cs typeface="Calibri"/>
-            </a:endParaRPr>
-          </a:p>
-          <a:p>
-            <a:pPr algn="ctr"/>
-            <a:endParaRPr lang="en-US" dirty="0">
-              <a:cs typeface="Calibri"/>
-            </a:endParaRPr>
-          </a:p>
-          <a:p>
-            <a:pPr algn="ctr"/>
-            <a:endParaRPr lang="en-US" dirty="0">
-              <a:cs typeface="Calibri"/>
-            </a:endParaRPr>
-          </a:p>
-          <a:p>
-            <a:pPr algn="ctr"/>
-            <a:endParaRPr lang="en-US" dirty="0">
-              <a:cs typeface="Calibri"/>
-            </a:endParaRPr>
-          </a:p>
-          <a:p>
-            <a:pPr algn="ctr"/>
-            <a:endParaRPr lang="en-US" dirty="0">
-              <a:cs typeface="Calibri"/>
-            </a:endParaRPr>
-          </a:p>
-          <a:p>
-            <a:pPr algn="ctr"/>
-            <a:endParaRPr lang="en-US" dirty="0">
-              <a:cs typeface="Calibri"/>
-            </a:endParaRPr>
-          </a:p>
-          <a:p>
-            <a:pPr algn="ctr"/>
-            <a:endParaRPr lang="en-US" dirty="0">
-              <a:cs typeface="Calibri"/>
-            </a:endParaRPr>
-          </a:p>
-        </p:txBody>
-      </p:sp>
-      <p:sp>
-        <p:nvSpPr>
-          <p:cNvPr id="5" name="Rectangle 4">
+              </a:endParaRPr>
+            </a:p>
+            <a:p>
+              <a:pPr algn="ctr"/>
+              <a:endParaRPr lang="en-US" dirty="0">
+                <a:cs typeface="Calibri"/>
+              </a:endParaRPr>
+            </a:p>
+            <a:p>
+              <a:pPr algn="ctr"/>
+              <a:endParaRPr lang="en-US" dirty="0">
+                <a:cs typeface="Calibri"/>
+              </a:endParaRPr>
+            </a:p>
+            <a:p>
+              <a:pPr algn="ctr"/>
+              <a:endParaRPr lang="en-US" dirty="0">
+                <a:cs typeface="Calibri"/>
+              </a:endParaRPr>
+            </a:p>
+            <a:p>
+              <a:pPr algn="ctr"/>
+              <a:endParaRPr lang="en-US" dirty="0">
+                <a:cs typeface="Calibri"/>
+              </a:endParaRPr>
+            </a:p>
+            <a:p>
+              <a:pPr algn="ctr"/>
+              <a:endParaRPr lang="en-US" dirty="0">
+                <a:cs typeface="Calibri"/>
+              </a:endParaRPr>
+            </a:p>
+            <a:p>
+              <a:pPr algn="ctr"/>
+              <a:endParaRPr lang="en-US" dirty="0">
+                <a:cs typeface="Calibri"/>
+              </a:endParaRPr>
+            </a:p>
+            <a:p>
+              <a:pPr algn="ctr"/>
+              <a:endParaRPr lang="en-US" dirty="0">
+                <a:cs typeface="Calibri"/>
+              </a:endParaRPr>
+            </a:p>
+            <a:p>
+              <a:pPr algn="ctr"/>
+              <a:endParaRPr lang="en-US" dirty="0">
+                <a:cs typeface="Calibri"/>
+              </a:endParaRPr>
+            </a:p>
+          </p:txBody>
+        </p:sp>
+        <p:sp>
+          <p:nvSpPr>
+            <p:cNvPr id="22" name="Rectangle 4">
+              <a:extLst>
+                <a:ext uri="{FF2B5EF4-FFF2-40B4-BE49-F238E27FC236}">
+                  <a16:creationId xmlns:a16="http://schemas.microsoft.com/office/drawing/2014/main" id="{56C3388D-5E47-44C9-B56B-7982BDD83986}"/>
+                </a:ext>
+              </a:extLst>
+            </p:cNvPr>
+            <p:cNvSpPr/>
+            <p:nvPr/>
+          </p:nvSpPr>
+          <p:spPr>
+            <a:xfrm>
+              <a:off x="4877764" y="758756"/>
+              <a:ext cx="1872000" cy="2955419"/>
+            </a:xfrm>
+            <a:prstGeom prst="rect">
+              <a:avLst/>
+            </a:prstGeom>
+            <a:ln w="38100"/>
+          </p:spPr>
+          <p:style>
+            <a:lnRef idx="2">
+              <a:schemeClr val="dk1"/>
+            </a:lnRef>
+            <a:fillRef idx="1">
+              <a:schemeClr val="lt1"/>
+            </a:fillRef>
+            <a:effectRef idx="0">
+              <a:schemeClr val="dk1"/>
+            </a:effectRef>
+            <a:fontRef idx="minor">
+              <a:schemeClr val="dk1"/>
+            </a:fontRef>
+          </p:style>
+          <p:txBody>
+            <a:bodyPr rtlCol="0" anchor="ctr"/>
+            <a:lstStyle/>
+            <a:p>
+              <a:pPr algn="ctr"/>
+              <a:r>
+                <a:rPr lang="en-US" dirty="0">
+                  <a:cs typeface="Calibri"/>
+                </a:rPr>
+                <a:t>Visualization</a:t>
+              </a:r>
+            </a:p>
+            <a:p>
+              <a:pPr algn="ctr"/>
+              <a:endParaRPr lang="en-US" dirty="0">
+                <a:cs typeface="Calibri"/>
+              </a:endParaRPr>
+            </a:p>
+            <a:p>
+              <a:pPr algn="ctr"/>
+              <a:endParaRPr lang="en-US" dirty="0">
+                <a:cs typeface="Calibri"/>
+              </a:endParaRPr>
+            </a:p>
+            <a:p>
+              <a:pPr algn="ctr"/>
+              <a:endParaRPr lang="en-US" dirty="0">
+                <a:cs typeface="Calibri"/>
+              </a:endParaRPr>
+            </a:p>
+            <a:p>
+              <a:pPr algn="ctr"/>
+              <a:endParaRPr lang="en-US" dirty="0">
+                <a:cs typeface="Calibri"/>
+              </a:endParaRPr>
+            </a:p>
+            <a:p>
+              <a:pPr algn="ctr"/>
+              <a:endParaRPr lang="en-US" dirty="0">
+                <a:cs typeface="Calibri"/>
+              </a:endParaRPr>
+            </a:p>
+            <a:p>
+              <a:pPr algn="ctr"/>
+              <a:endParaRPr lang="en-US" dirty="0">
+                <a:cs typeface="Calibri"/>
+              </a:endParaRPr>
+            </a:p>
+            <a:p>
+              <a:pPr algn="ctr"/>
+              <a:endParaRPr lang="en-US" dirty="0">
+                <a:cs typeface="Calibri"/>
+              </a:endParaRPr>
+            </a:p>
+            <a:p>
+              <a:pPr algn="ctr"/>
+              <a:endParaRPr lang="en-US" dirty="0">
+                <a:cs typeface="Calibri"/>
+              </a:endParaRPr>
+            </a:p>
+            <a:p>
+              <a:pPr algn="ctr"/>
+              <a:endParaRPr lang="en-US" dirty="0">
+                <a:cs typeface="Calibri"/>
+              </a:endParaRPr>
+            </a:p>
+          </p:txBody>
+        </p:sp>
+        <p:sp>
+          <p:nvSpPr>
+            <p:cNvPr id="23" name="Rectangle 6">
+              <a:extLst>
+                <a:ext uri="{FF2B5EF4-FFF2-40B4-BE49-F238E27FC236}">
+                  <a16:creationId xmlns:a16="http://schemas.microsoft.com/office/drawing/2014/main" id="{CF602318-797A-4AED-A343-DE03749A70D7}"/>
+                </a:ext>
+              </a:extLst>
+            </p:cNvPr>
+            <p:cNvSpPr/>
+            <p:nvPr/>
+          </p:nvSpPr>
+          <p:spPr>
+            <a:xfrm>
+              <a:off x="4960270" y="2019654"/>
+              <a:ext cx="1692000" cy="719191"/>
+            </a:xfrm>
+            <a:prstGeom prst="rect">
+              <a:avLst/>
+            </a:prstGeom>
+            <a:ln w="38100"/>
+          </p:spPr>
+          <p:style>
+            <a:lnRef idx="2">
+              <a:schemeClr val="dk1"/>
+            </a:lnRef>
+            <a:fillRef idx="1">
+              <a:schemeClr val="lt1"/>
+            </a:fillRef>
+            <a:effectRef idx="0">
+              <a:schemeClr val="dk1"/>
+            </a:effectRef>
+            <a:fontRef idx="minor">
+              <a:schemeClr val="dk1"/>
+            </a:fontRef>
+          </p:style>
+          <p:txBody>
+            <a:bodyPr rtlCol="0" anchor="ctr"/>
+            <a:lstStyle/>
+            <a:p>
+              <a:pPr algn="ctr"/>
+              <a:r>
+                <a:rPr lang="en-US" dirty="0">
+                  <a:ea typeface="+mn-lt"/>
+                  <a:cs typeface="+mn-lt"/>
+                </a:rPr>
+                <a:t>3D-2D</a:t>
+              </a:r>
+              <a:r>
+                <a:rPr lang="en-US" dirty="0">
+                  <a:cs typeface="Calibri"/>
+                </a:rPr>
+                <a:t> </a:t>
+              </a:r>
+              <a:endParaRPr lang="en-US" dirty="0">
+                <a:ea typeface="+mn-lt"/>
+                <a:cs typeface="+mn-lt"/>
+              </a:endParaRPr>
+            </a:p>
+            <a:p>
+              <a:pPr algn="ctr"/>
+              <a:r>
+                <a:rPr lang="en-US" dirty="0">
+                  <a:cs typeface="Calibri"/>
+                </a:rPr>
+                <a:t>Fusion</a:t>
+              </a:r>
+              <a:endParaRPr lang="en-US" dirty="0"/>
+            </a:p>
+          </p:txBody>
+        </p:sp>
+        <p:sp>
+          <p:nvSpPr>
+            <p:cNvPr id="24" name="Rectangle 7">
+              <a:extLst>
+                <a:ext uri="{FF2B5EF4-FFF2-40B4-BE49-F238E27FC236}">
+                  <a16:creationId xmlns:a16="http://schemas.microsoft.com/office/drawing/2014/main" id="{609ABED1-0818-42AE-9FAE-CCA816569514}"/>
+                </a:ext>
+              </a:extLst>
+            </p:cNvPr>
+            <p:cNvSpPr/>
+            <p:nvPr/>
+          </p:nvSpPr>
+          <p:spPr>
+            <a:xfrm>
+              <a:off x="4960269" y="1161741"/>
+              <a:ext cx="1692000" cy="719191"/>
+            </a:xfrm>
+            <a:prstGeom prst="rect">
+              <a:avLst/>
+            </a:prstGeom>
+            <a:ln w="38100"/>
+          </p:spPr>
+          <p:style>
+            <a:lnRef idx="2">
+              <a:schemeClr val="dk1"/>
+            </a:lnRef>
+            <a:fillRef idx="1">
+              <a:schemeClr val="lt1"/>
+            </a:fillRef>
+            <a:effectRef idx="0">
+              <a:schemeClr val="dk1"/>
+            </a:effectRef>
+            <a:fontRef idx="minor">
+              <a:schemeClr val="dk1"/>
+            </a:fontRef>
+          </p:style>
+          <p:txBody>
+            <a:bodyPr rtlCol="0" anchor="ctr"/>
+            <a:lstStyle/>
+            <a:p>
+              <a:pPr algn="ctr"/>
+              <a:r>
+                <a:rPr lang="en-US" dirty="0">
+                  <a:cs typeface="Calibri"/>
+                </a:rPr>
+                <a:t>Space/Temporal</a:t>
+              </a:r>
+            </a:p>
+            <a:p>
+              <a:pPr algn="ctr"/>
+              <a:r>
+                <a:rPr lang="en-US" dirty="0">
+                  <a:cs typeface="Calibri"/>
+                </a:rPr>
+                <a:t>Navigation</a:t>
+              </a:r>
+            </a:p>
+          </p:txBody>
+        </p:sp>
+        <p:sp>
+          <p:nvSpPr>
+            <p:cNvPr id="29" name="Rectangle 8">
+              <a:extLst>
+                <a:ext uri="{FF2B5EF4-FFF2-40B4-BE49-F238E27FC236}">
+                  <a16:creationId xmlns:a16="http://schemas.microsoft.com/office/drawing/2014/main" id="{99424E64-C6AF-4AC3-B6A0-F0C8F313EBE0}"/>
+                </a:ext>
+              </a:extLst>
+            </p:cNvPr>
+            <p:cNvSpPr/>
+            <p:nvPr/>
+          </p:nvSpPr>
+          <p:spPr>
+            <a:xfrm>
+              <a:off x="4960269" y="2907328"/>
+              <a:ext cx="1692000" cy="719191"/>
+            </a:xfrm>
+            <a:prstGeom prst="rect">
+              <a:avLst/>
+            </a:prstGeom>
+            <a:ln w="38100"/>
+          </p:spPr>
+          <p:style>
+            <a:lnRef idx="2">
+              <a:schemeClr val="dk1"/>
+            </a:lnRef>
+            <a:fillRef idx="1">
+              <a:schemeClr val="lt1"/>
+            </a:fillRef>
+            <a:effectRef idx="0">
+              <a:schemeClr val="dk1"/>
+            </a:effectRef>
+            <a:fontRef idx="minor">
+              <a:schemeClr val="dk1"/>
+            </a:fontRef>
+          </p:style>
+          <p:txBody>
+            <a:bodyPr rtlCol="0" anchor="ctr"/>
+            <a:lstStyle/>
+            <a:p>
+              <a:pPr algn="ctr"/>
+              <a:r>
+                <a:rPr lang="en-US" dirty="0">
+                  <a:cs typeface="Calibri"/>
+                </a:rPr>
+                <a:t>Multi-View Display</a:t>
+              </a:r>
+            </a:p>
+          </p:txBody>
+        </p:sp>
+        <p:sp>
+          <p:nvSpPr>
+            <p:cNvPr id="30" name="Rectangle 9">
+              <a:extLst>
+                <a:ext uri="{FF2B5EF4-FFF2-40B4-BE49-F238E27FC236}">
+                  <a16:creationId xmlns:a16="http://schemas.microsoft.com/office/drawing/2014/main" id="{55DBF4FD-3EC5-49BA-8E1F-5B7FEA47DFAC}"/>
+                </a:ext>
+              </a:extLst>
+            </p:cNvPr>
+            <p:cNvSpPr/>
+            <p:nvPr/>
+          </p:nvSpPr>
+          <p:spPr>
+            <a:xfrm>
+              <a:off x="7223745" y="1161331"/>
+              <a:ext cx="1692000" cy="719191"/>
+            </a:xfrm>
+            <a:prstGeom prst="rect">
+              <a:avLst/>
+            </a:prstGeom>
+            <a:ln w="38100"/>
+          </p:spPr>
+          <p:style>
+            <a:lnRef idx="2">
+              <a:schemeClr val="dk1"/>
+            </a:lnRef>
+            <a:fillRef idx="1">
+              <a:schemeClr val="lt1"/>
+            </a:fillRef>
+            <a:effectRef idx="0">
+              <a:schemeClr val="dk1"/>
+            </a:effectRef>
+            <a:fontRef idx="minor">
+              <a:schemeClr val="dk1"/>
+            </a:fontRef>
+          </p:style>
+          <p:txBody>
+            <a:bodyPr rtlCol="0" anchor="ctr"/>
+            <a:lstStyle/>
+            <a:p>
+              <a:pPr algn="ctr"/>
+              <a:r>
+                <a:rPr lang="en-US" dirty="0">
+                  <a:cs typeface="Calibri"/>
+                </a:rPr>
+                <a:t>Basic</a:t>
+              </a:r>
+            </a:p>
+            <a:p>
+              <a:pPr algn="ctr"/>
+              <a:r>
+                <a:rPr lang="en-US" dirty="0">
+                  <a:cs typeface="Calibri"/>
+                </a:rPr>
+                <a:t>3D Box Edit</a:t>
+              </a:r>
+            </a:p>
+          </p:txBody>
+        </p:sp>
+        <p:sp>
+          <p:nvSpPr>
+            <p:cNvPr id="31" name="Rectangle 10">
+              <a:extLst>
+                <a:ext uri="{FF2B5EF4-FFF2-40B4-BE49-F238E27FC236}">
+                  <a16:creationId xmlns:a16="http://schemas.microsoft.com/office/drawing/2014/main" id="{B7126E00-0D54-4711-B046-32DC4C0E8FA0}"/>
+                </a:ext>
+              </a:extLst>
+            </p:cNvPr>
+            <p:cNvSpPr/>
+            <p:nvPr/>
+          </p:nvSpPr>
+          <p:spPr>
+            <a:xfrm>
+              <a:off x="7223744" y="2023117"/>
+              <a:ext cx="1692000" cy="719191"/>
+            </a:xfrm>
+            <a:prstGeom prst="rect">
+              <a:avLst/>
+            </a:prstGeom>
+            <a:ln w="38100"/>
+          </p:spPr>
+          <p:style>
+            <a:lnRef idx="2">
+              <a:schemeClr val="dk1"/>
+            </a:lnRef>
+            <a:fillRef idx="1">
+              <a:schemeClr val="lt1"/>
+            </a:fillRef>
+            <a:effectRef idx="0">
+              <a:schemeClr val="dk1"/>
+            </a:effectRef>
+            <a:fontRef idx="minor">
+              <a:schemeClr val="dk1"/>
+            </a:fontRef>
+          </p:style>
+          <p:txBody>
+            <a:bodyPr rtlCol="0" anchor="ctr"/>
+            <a:lstStyle/>
+            <a:p>
+              <a:pPr algn="ctr"/>
+              <a:r>
+                <a:rPr lang="en-US" dirty="0">
+                  <a:cs typeface="Calibri"/>
+                </a:rPr>
+                <a:t>Algorithm Assisted Edit</a:t>
+              </a:r>
+            </a:p>
+          </p:txBody>
+        </p:sp>
+        <p:sp>
+          <p:nvSpPr>
+            <p:cNvPr id="32" name="Rectangle 11">
+              <a:extLst>
+                <a:ext uri="{FF2B5EF4-FFF2-40B4-BE49-F238E27FC236}">
+                  <a16:creationId xmlns:a16="http://schemas.microsoft.com/office/drawing/2014/main" id="{47711DD5-4DB8-4B4F-B2FF-EECAB4086A10}"/>
+                </a:ext>
+              </a:extLst>
+            </p:cNvPr>
+            <p:cNvSpPr/>
+            <p:nvPr/>
+          </p:nvSpPr>
+          <p:spPr>
+            <a:xfrm>
+              <a:off x="7223743" y="2903044"/>
+              <a:ext cx="1692000" cy="719191"/>
+            </a:xfrm>
+            <a:prstGeom prst="rect">
+              <a:avLst/>
+            </a:prstGeom>
+            <a:ln w="38100"/>
+          </p:spPr>
+          <p:style>
+            <a:lnRef idx="2">
+              <a:schemeClr val="dk1"/>
+            </a:lnRef>
+            <a:fillRef idx="1">
+              <a:schemeClr val="lt1"/>
+            </a:fillRef>
+            <a:effectRef idx="0">
+              <a:schemeClr val="dk1"/>
+            </a:effectRef>
+            <a:fontRef idx="minor">
+              <a:schemeClr val="dk1"/>
+            </a:fontRef>
+          </p:style>
+          <p:txBody>
+            <a:bodyPr rtlCol="0" anchor="ctr"/>
+            <a:lstStyle/>
+            <a:p>
+              <a:pPr algn="ctr"/>
+              <a:r>
+                <a:rPr lang="en-US" altLang="zh-CN" dirty="0">
+                  <a:cs typeface="Calibri"/>
+                </a:rPr>
+                <a:t>Error</a:t>
+              </a:r>
+            </a:p>
+            <a:p>
+              <a:pPr algn="ctr"/>
+              <a:r>
+                <a:rPr lang="en-US" dirty="0">
+                  <a:cs typeface="Calibri"/>
+                </a:rPr>
+                <a:t>Detection</a:t>
+              </a:r>
+              <a:endParaRPr lang="en-US" dirty="0"/>
+            </a:p>
+          </p:txBody>
+        </p:sp>
+        <p:sp>
+          <p:nvSpPr>
+            <p:cNvPr id="33" name="Rectangle 15">
+              <a:extLst>
+                <a:ext uri="{FF2B5EF4-FFF2-40B4-BE49-F238E27FC236}">
+                  <a16:creationId xmlns:a16="http://schemas.microsoft.com/office/drawing/2014/main" id="{26C01626-0560-471E-8A1A-4FA600922967}"/>
+                </a:ext>
+              </a:extLst>
+            </p:cNvPr>
+            <p:cNvSpPr/>
+            <p:nvPr/>
+          </p:nvSpPr>
+          <p:spPr>
+            <a:xfrm>
+              <a:off x="2626970" y="758757"/>
+              <a:ext cx="1872000" cy="2955418"/>
+            </a:xfrm>
+            <a:prstGeom prst="rect">
+              <a:avLst/>
+            </a:prstGeom>
+            <a:ln w="38100"/>
+          </p:spPr>
+          <p:style>
+            <a:lnRef idx="2">
+              <a:schemeClr val="dk1"/>
+            </a:lnRef>
+            <a:fillRef idx="1">
+              <a:schemeClr val="lt1"/>
+            </a:fillRef>
+            <a:effectRef idx="0">
+              <a:schemeClr val="dk1"/>
+            </a:effectRef>
+            <a:fontRef idx="minor">
+              <a:schemeClr val="dk1"/>
+            </a:fontRef>
+          </p:style>
+          <p:txBody>
+            <a:bodyPr rtlCol="0" anchor="ctr"/>
+            <a:lstStyle/>
+            <a:p>
+              <a:pPr algn="ctr"/>
+              <a:r>
+                <a:rPr lang="en-US" dirty="0">
+                  <a:cs typeface="Calibri"/>
+                </a:rPr>
+                <a:t>Pre-Processing</a:t>
+              </a:r>
+            </a:p>
+            <a:p>
+              <a:pPr algn="ctr"/>
+              <a:endParaRPr lang="en-US" dirty="0">
+                <a:cs typeface="Calibri"/>
+              </a:endParaRPr>
+            </a:p>
+            <a:p>
+              <a:pPr algn="ctr"/>
+              <a:endParaRPr lang="en-US" dirty="0">
+                <a:cs typeface="Calibri"/>
+              </a:endParaRPr>
+            </a:p>
+            <a:p>
+              <a:pPr algn="ctr"/>
+              <a:endParaRPr lang="en-US" dirty="0">
+                <a:cs typeface="Calibri"/>
+              </a:endParaRPr>
+            </a:p>
+            <a:p>
+              <a:pPr algn="ctr"/>
+              <a:endParaRPr lang="en-US" dirty="0">
+                <a:cs typeface="Calibri"/>
+              </a:endParaRPr>
+            </a:p>
+            <a:p>
+              <a:pPr algn="ctr"/>
+              <a:endParaRPr lang="en-US" dirty="0">
+                <a:cs typeface="Calibri"/>
+              </a:endParaRPr>
+            </a:p>
+            <a:p>
+              <a:pPr algn="ctr"/>
+              <a:endParaRPr lang="en-US" dirty="0">
+                <a:cs typeface="Calibri"/>
+              </a:endParaRPr>
+            </a:p>
+            <a:p>
+              <a:pPr algn="ctr"/>
+              <a:endParaRPr lang="en-US" dirty="0">
+                <a:cs typeface="Calibri"/>
+              </a:endParaRPr>
+            </a:p>
+            <a:p>
+              <a:pPr algn="ctr"/>
+              <a:endParaRPr lang="en-US" dirty="0">
+                <a:cs typeface="Calibri"/>
+              </a:endParaRPr>
+            </a:p>
+            <a:p>
+              <a:pPr algn="ctr"/>
+              <a:endParaRPr lang="en-US" dirty="0">
+                <a:cs typeface="Calibri"/>
+              </a:endParaRPr>
+            </a:p>
+          </p:txBody>
+        </p:sp>
+        <p:sp>
+          <p:nvSpPr>
+            <p:cNvPr id="34" name="Rectangle 16">
+              <a:extLst>
+                <a:ext uri="{FF2B5EF4-FFF2-40B4-BE49-F238E27FC236}">
+                  <a16:creationId xmlns:a16="http://schemas.microsoft.com/office/drawing/2014/main" id="{2BF8D243-F9C4-4939-8EE5-91A7B013C42E}"/>
+                </a:ext>
+              </a:extLst>
+            </p:cNvPr>
+            <p:cNvSpPr/>
+            <p:nvPr/>
+          </p:nvSpPr>
+          <p:spPr>
+            <a:xfrm>
+              <a:off x="2710133" y="2028725"/>
+              <a:ext cx="1692000" cy="719191"/>
+            </a:xfrm>
+            <a:prstGeom prst="rect">
+              <a:avLst/>
+            </a:prstGeom>
+            <a:ln w="38100"/>
+          </p:spPr>
+          <p:style>
+            <a:lnRef idx="2">
+              <a:schemeClr val="dk1"/>
+            </a:lnRef>
+            <a:fillRef idx="1">
+              <a:schemeClr val="lt1"/>
+            </a:fillRef>
+            <a:effectRef idx="0">
+              <a:schemeClr val="dk1"/>
+            </a:effectRef>
+            <a:fontRef idx="minor">
+              <a:schemeClr val="dk1"/>
+            </a:fontRef>
+          </p:style>
+          <p:txBody>
+            <a:bodyPr rtlCol="0" anchor="ctr"/>
+            <a:lstStyle/>
+            <a:p>
+              <a:pPr algn="ctr"/>
+              <a:r>
+                <a:rPr lang="en-US" dirty="0">
+                  <a:cs typeface="Calibri"/>
+                </a:rPr>
+                <a:t>Data Clean</a:t>
+              </a:r>
+              <a:endParaRPr lang="en-US" dirty="0"/>
+            </a:p>
+          </p:txBody>
+        </p:sp>
+        <p:sp>
+          <p:nvSpPr>
+            <p:cNvPr id="35" name="Rectangle 18">
+              <a:extLst>
+                <a:ext uri="{FF2B5EF4-FFF2-40B4-BE49-F238E27FC236}">
+                  <a16:creationId xmlns:a16="http://schemas.microsoft.com/office/drawing/2014/main" id="{00DA5C8E-2322-44E1-9F80-60256BA3E762}"/>
+                </a:ext>
+              </a:extLst>
+            </p:cNvPr>
+            <p:cNvSpPr/>
+            <p:nvPr/>
+          </p:nvSpPr>
+          <p:spPr>
+            <a:xfrm>
+              <a:off x="2710132" y="2916399"/>
+              <a:ext cx="1692000" cy="719191"/>
+            </a:xfrm>
+            <a:prstGeom prst="rect">
+              <a:avLst/>
+            </a:prstGeom>
+            <a:ln w="38100"/>
+          </p:spPr>
+          <p:style>
+            <a:lnRef idx="2">
+              <a:schemeClr val="dk1"/>
+            </a:lnRef>
+            <a:fillRef idx="1">
+              <a:schemeClr val="lt1"/>
+            </a:fillRef>
+            <a:effectRef idx="0">
+              <a:schemeClr val="dk1"/>
+            </a:effectRef>
+            <a:fontRef idx="minor">
+              <a:schemeClr val="dk1"/>
+            </a:fontRef>
+          </p:style>
+          <p:txBody>
+            <a:bodyPr rtlCol="0" anchor="ctr"/>
+            <a:lstStyle/>
+            <a:p>
+              <a:pPr algn="ctr">
+                <a:lnSpc>
+                  <a:spcPts val="2000"/>
+                </a:lnSpc>
+              </a:pPr>
+              <a:endParaRPr lang="en-US" dirty="0">
+                <a:ea typeface="+mn-lt"/>
+                <a:cs typeface="+mn-lt"/>
+              </a:endParaRPr>
+            </a:p>
+            <a:p>
+              <a:pPr algn="ctr">
+                <a:lnSpc>
+                  <a:spcPts val="2000"/>
+                </a:lnSpc>
+              </a:pPr>
+              <a:r>
+                <a:rPr lang="en-US" dirty="0">
+                  <a:ea typeface="+mn-lt"/>
+                  <a:cs typeface="+mn-lt"/>
+                </a:rPr>
+                <a:t>Automatic Initial</a:t>
+              </a:r>
+            </a:p>
+            <a:p>
+              <a:pPr algn="ctr">
+                <a:lnSpc>
+                  <a:spcPts val="2000"/>
+                </a:lnSpc>
+              </a:pPr>
+              <a:r>
+                <a:rPr lang="en-US" dirty="0">
+                  <a:ea typeface="+mn-lt"/>
+                  <a:cs typeface="+mn-lt"/>
+                </a:rPr>
+                <a:t> Annotation</a:t>
+              </a:r>
+            </a:p>
+            <a:p>
+              <a:pPr algn="ctr">
+                <a:lnSpc>
+                  <a:spcPts val="2000"/>
+                </a:lnSpc>
+              </a:pPr>
+              <a:endParaRPr lang="en-US" dirty="0">
+                <a:cs typeface="Calibri"/>
+              </a:endParaRPr>
+            </a:p>
+          </p:txBody>
+        </p:sp>
+        <p:sp>
+          <p:nvSpPr>
+            <p:cNvPr id="36" name="Rectangle 17">
+              <a:extLst>
+                <a:ext uri="{FF2B5EF4-FFF2-40B4-BE49-F238E27FC236}">
+                  <a16:creationId xmlns:a16="http://schemas.microsoft.com/office/drawing/2014/main" id="{F79206C8-7A44-496D-9C08-FA51FD44E261}"/>
+                </a:ext>
+              </a:extLst>
+            </p:cNvPr>
+            <p:cNvSpPr/>
+            <p:nvPr/>
+          </p:nvSpPr>
+          <p:spPr>
+            <a:xfrm>
+              <a:off x="2710132" y="1170812"/>
+              <a:ext cx="1692000" cy="719191"/>
+            </a:xfrm>
+            <a:prstGeom prst="rect">
+              <a:avLst/>
+            </a:prstGeom>
+            <a:ln w="38100"/>
+          </p:spPr>
+          <p:style>
+            <a:lnRef idx="2">
+              <a:schemeClr val="dk1"/>
+            </a:lnRef>
+            <a:fillRef idx="1">
+              <a:schemeClr val="lt1"/>
+            </a:fillRef>
+            <a:effectRef idx="0">
+              <a:schemeClr val="dk1"/>
+            </a:effectRef>
+            <a:fontRef idx="minor">
+              <a:schemeClr val="dk1"/>
+            </a:fontRef>
+          </p:style>
+          <p:txBody>
+            <a:bodyPr rtlCol="0" anchor="ctr"/>
+            <a:lstStyle/>
+            <a:p>
+              <a:pPr algn="ctr"/>
+              <a:r>
+                <a:rPr lang="en-US" dirty="0">
+                  <a:cs typeface="Calibri"/>
+                </a:rPr>
+                <a:t>Calibration</a:t>
+              </a:r>
+            </a:p>
+          </p:txBody>
+        </p:sp>
+        <p:sp>
+          <p:nvSpPr>
+            <p:cNvPr id="37" name="Rectangle 24">
+              <a:extLst>
+                <a:ext uri="{FF2B5EF4-FFF2-40B4-BE49-F238E27FC236}">
+                  <a16:creationId xmlns:a16="http://schemas.microsoft.com/office/drawing/2014/main" id="{BE587C43-D133-486E-AAD3-96A2E54526B3}"/>
+                </a:ext>
+              </a:extLst>
+            </p:cNvPr>
+            <p:cNvSpPr/>
+            <p:nvPr/>
+          </p:nvSpPr>
+          <p:spPr>
+            <a:xfrm>
+              <a:off x="2626970" y="4153900"/>
+              <a:ext cx="6391072" cy="737333"/>
+            </a:xfrm>
+            <a:prstGeom prst="rect">
+              <a:avLst/>
+            </a:prstGeom>
+            <a:ln w="38100"/>
+          </p:spPr>
+          <p:style>
+            <a:lnRef idx="2">
+              <a:schemeClr val="dk1"/>
+            </a:lnRef>
+            <a:fillRef idx="1">
+              <a:schemeClr val="lt1"/>
+            </a:fillRef>
+            <a:effectRef idx="0">
+              <a:schemeClr val="dk1"/>
+            </a:effectRef>
+            <a:fontRef idx="minor">
+              <a:schemeClr val="dk1"/>
+            </a:fontRef>
+          </p:style>
+          <p:txBody>
+            <a:bodyPr rtlCol="0" anchor="ctr"/>
+            <a:lstStyle/>
+            <a:p>
+              <a:pPr algn="ctr"/>
+              <a:r>
+                <a:rPr lang="en-US" dirty="0">
+                  <a:cs typeface="Calibri"/>
+                </a:rPr>
+                <a:t>Data Management </a:t>
+              </a:r>
+              <a:r>
+                <a:rPr lang="en-US" altLang="zh-CN" dirty="0">
+                  <a:cs typeface="Calibri"/>
+                </a:rPr>
+                <a:t>System </a:t>
+              </a:r>
+              <a:r>
+                <a:rPr lang="en-US" dirty="0">
+                  <a:cs typeface="Calibri"/>
+                </a:rPr>
+                <a:t>&amp; </a:t>
+              </a:r>
+              <a:r>
+                <a:rPr lang="en-US" altLang="zh-CN" dirty="0">
+                  <a:cs typeface="Calibri"/>
+                </a:rPr>
+                <a:t>User Interaction Platform</a:t>
+              </a:r>
+              <a:endParaRPr lang="en-US" dirty="0">
+                <a:cs typeface="Calibri"/>
+              </a:endParaRPr>
+            </a:p>
+          </p:txBody>
+        </p:sp>
+        <p:sp>
+          <p:nvSpPr>
+            <p:cNvPr id="38" name="Arrow: Up 1">
+              <a:extLst>
+                <a:ext uri="{FF2B5EF4-FFF2-40B4-BE49-F238E27FC236}">
+                  <a16:creationId xmlns:a16="http://schemas.microsoft.com/office/drawing/2014/main" id="{37B6E0A7-30AA-4A2A-A321-6AE78702526E}"/>
+                </a:ext>
+              </a:extLst>
+            </p:cNvPr>
+            <p:cNvSpPr/>
+            <p:nvPr/>
+          </p:nvSpPr>
+          <p:spPr>
+            <a:xfrm>
+              <a:off x="5683520" y="3755178"/>
+              <a:ext cx="281214" cy="399143"/>
+            </a:xfrm>
+            <a:prstGeom prst="upArrow">
+              <a:avLst/>
+            </a:prstGeom>
+            <a:ln w="38100"/>
+          </p:spPr>
+          <p:style>
+            <a:lnRef idx="2">
+              <a:schemeClr val="dk1"/>
+            </a:lnRef>
+            <a:fillRef idx="1">
+              <a:schemeClr val="lt1"/>
+            </a:fillRef>
+            <a:effectRef idx="0">
+              <a:schemeClr val="dk1"/>
+            </a:effectRef>
+            <a:fontRef idx="minor">
+              <a:schemeClr val="dk1"/>
+            </a:fontRef>
+          </p:style>
+          <p:txBody>
+            <a:bodyPr rtlCol="0" anchor="ctr"/>
+            <a:lstStyle/>
+            <a:p>
+              <a:pPr algn="ctr"/>
+              <a:endParaRPr lang="en-US"/>
+            </a:p>
+          </p:txBody>
+        </p:sp>
+        <p:sp>
+          <p:nvSpPr>
+            <p:cNvPr id="39" name="Arrow: Up-Down 3">
+              <a:extLst>
+                <a:ext uri="{FF2B5EF4-FFF2-40B4-BE49-F238E27FC236}">
+                  <a16:creationId xmlns:a16="http://schemas.microsoft.com/office/drawing/2014/main" id="{594A5BAA-29C0-42CC-88BA-BECE5D77FBF9}"/>
+                </a:ext>
+              </a:extLst>
+            </p:cNvPr>
+            <p:cNvSpPr/>
+            <p:nvPr/>
+          </p:nvSpPr>
+          <p:spPr>
+            <a:xfrm>
+              <a:off x="3433668" y="3749449"/>
+              <a:ext cx="244928" cy="399144"/>
+            </a:xfrm>
+            <a:prstGeom prst="upDownArrow">
+              <a:avLst/>
+            </a:prstGeom>
+            <a:solidFill>
+              <a:schemeClr val="bg1"/>
+            </a:solidFill>
+            <a:ln w="38100">
+              <a:solidFill>
+                <a:schemeClr val="tx1"/>
+              </a:solidFill>
+            </a:ln>
+          </p:spPr>
+          <p:style>
+            <a:lnRef idx="2">
+              <a:schemeClr val="accent1">
+                <a:shade val="50000"/>
+              </a:schemeClr>
+            </a:lnRef>
+            <a:fillRef idx="1">
+              <a:schemeClr val="accent1"/>
+            </a:fillRef>
+            <a:effectRef idx="0">
+              <a:schemeClr val="accent1"/>
+            </a:effectRef>
+            <a:fontRef idx="minor">
+              <a:schemeClr val="lt1"/>
+            </a:fontRef>
+          </p:style>
+          <p:txBody>
+            <a:bodyPr rtlCol="0" anchor="ctr"/>
+            <a:lstStyle/>
+            <a:p>
+              <a:pPr algn="ctr"/>
+              <a:endParaRPr lang="en-US"/>
+            </a:p>
+          </p:txBody>
+        </p:sp>
+        <p:sp>
+          <p:nvSpPr>
+            <p:cNvPr id="40" name="Arrow: Up-Down 25">
+              <a:extLst>
+                <a:ext uri="{FF2B5EF4-FFF2-40B4-BE49-F238E27FC236}">
+                  <a16:creationId xmlns:a16="http://schemas.microsoft.com/office/drawing/2014/main" id="{0A0D4A37-C976-4DDE-B761-9B08B43D767D}"/>
+                </a:ext>
+              </a:extLst>
+            </p:cNvPr>
+            <p:cNvSpPr/>
+            <p:nvPr/>
+          </p:nvSpPr>
+          <p:spPr>
+            <a:xfrm>
+              <a:off x="7943034" y="3749449"/>
+              <a:ext cx="244928" cy="399144"/>
+            </a:xfrm>
+            <a:prstGeom prst="upDownArrow">
+              <a:avLst/>
+            </a:prstGeom>
+            <a:solidFill>
+              <a:schemeClr val="bg1"/>
+            </a:solidFill>
+            <a:ln w="38100">
+              <a:solidFill>
+                <a:schemeClr val="tx1"/>
+              </a:solidFill>
+            </a:ln>
+          </p:spPr>
+          <p:style>
+            <a:lnRef idx="2">
+              <a:schemeClr val="accent1">
+                <a:shade val="50000"/>
+              </a:schemeClr>
+            </a:lnRef>
+            <a:fillRef idx="1">
+              <a:schemeClr val="accent1"/>
+            </a:fillRef>
+            <a:effectRef idx="0">
+              <a:schemeClr val="accent1"/>
+            </a:effectRef>
+            <a:fontRef idx="minor">
+              <a:schemeClr val="lt1"/>
+            </a:fontRef>
+          </p:style>
+          <p:txBody>
+            <a:bodyPr rtlCol="0" anchor="ctr"/>
+            <a:lstStyle/>
+            <a:p>
+              <a:pPr algn="ctr"/>
+              <a:endParaRPr lang="en-US"/>
+            </a:p>
+          </p:txBody>
+        </p:sp>
+        <p:sp>
+          <p:nvSpPr>
+            <p:cNvPr id="41" name="Arrow: Up-Down 26">
+              <a:extLst>
+                <a:ext uri="{FF2B5EF4-FFF2-40B4-BE49-F238E27FC236}">
+                  <a16:creationId xmlns:a16="http://schemas.microsoft.com/office/drawing/2014/main" id="{FE7C558C-C781-4A07-9065-079113BADAAF}"/>
+                </a:ext>
+              </a:extLst>
+            </p:cNvPr>
+            <p:cNvSpPr/>
+            <p:nvPr/>
+          </p:nvSpPr>
+          <p:spPr>
+            <a:xfrm rot="16200000">
+              <a:off x="6818955" y="2188748"/>
+              <a:ext cx="244928" cy="399144"/>
+            </a:xfrm>
+            <a:prstGeom prst="upDownArrow">
+              <a:avLst/>
+            </a:prstGeom>
+            <a:solidFill>
+              <a:schemeClr val="bg1"/>
+            </a:solidFill>
+            <a:ln w="38100">
+              <a:solidFill>
+                <a:schemeClr val="tx1"/>
+              </a:solidFill>
+            </a:ln>
+          </p:spPr>
+          <p:style>
+            <a:lnRef idx="2">
+              <a:schemeClr val="accent1">
+                <a:shade val="50000"/>
+              </a:schemeClr>
+            </a:lnRef>
+            <a:fillRef idx="1">
+              <a:schemeClr val="accent1"/>
+            </a:fillRef>
+            <a:effectRef idx="0">
+              <a:schemeClr val="accent1"/>
+            </a:effectRef>
+            <a:fontRef idx="minor">
+              <a:schemeClr val="lt1"/>
+            </a:fontRef>
+          </p:style>
+          <p:txBody>
+            <a:bodyPr rtlCol="0" anchor="ctr"/>
+            <a:lstStyle/>
+            <a:p>
+              <a:pPr algn="ctr"/>
+              <a:endParaRPr lang="en-US"/>
+            </a:p>
+          </p:txBody>
+        </p:sp>
+        <p:sp>
+          <p:nvSpPr>
+            <p:cNvPr id="42" name="Arrow: Up-Down 27">
+              <a:extLst>
+                <a:ext uri="{FF2B5EF4-FFF2-40B4-BE49-F238E27FC236}">
+                  <a16:creationId xmlns:a16="http://schemas.microsoft.com/office/drawing/2014/main" id="{CE1514E6-F3E4-4963-82F2-5985DE8F39F8}"/>
+                </a:ext>
+              </a:extLst>
+            </p:cNvPr>
+            <p:cNvSpPr/>
+            <p:nvPr/>
+          </p:nvSpPr>
+          <p:spPr>
+            <a:xfrm rot="16200000">
+              <a:off x="4559741" y="2188748"/>
+              <a:ext cx="244928" cy="399144"/>
+            </a:xfrm>
+            <a:prstGeom prst="upDownArrow">
+              <a:avLst/>
+            </a:prstGeom>
+            <a:solidFill>
+              <a:schemeClr val="bg1"/>
+            </a:solidFill>
+            <a:ln w="38100">
+              <a:solidFill>
+                <a:schemeClr val="tx1"/>
+              </a:solidFill>
+            </a:ln>
+          </p:spPr>
+          <p:style>
+            <a:lnRef idx="2">
+              <a:schemeClr val="accent1">
+                <a:shade val="50000"/>
+              </a:schemeClr>
+            </a:lnRef>
+            <a:fillRef idx="1">
+              <a:schemeClr val="accent1"/>
+            </a:fillRef>
+            <a:effectRef idx="0">
+              <a:schemeClr val="accent1"/>
+            </a:effectRef>
+            <a:fontRef idx="minor">
+              <a:schemeClr val="lt1"/>
+            </a:fontRef>
+          </p:style>
+          <p:txBody>
+            <a:bodyPr rtlCol="0" anchor="ctr"/>
+            <a:lstStyle/>
+            <a:p>
+              <a:pPr algn="ctr"/>
+              <a:endParaRPr lang="en-US"/>
+            </a:p>
+          </p:txBody>
+        </p:sp>
+      </p:grpSp>
+      <p:grpSp>
+        <p:nvGrpSpPr>
+          <p:cNvPr id="43" name="组合 42">
             <a:extLst>
               <a:ext uri="{FF2B5EF4-FFF2-40B4-BE49-F238E27FC236}">
-                <a16:creationId xmlns:a16="http://schemas.microsoft.com/office/drawing/2014/main" id="{A120E424-8894-460F-AD26-69B19D3FC84A}"/>
+                <a16:creationId xmlns:a16="http://schemas.microsoft.com/office/drawing/2014/main" id="{E1BF1DC0-E5E7-4CBD-A48D-55DDBDC732C0}"/>
               </a:ext>
             </a:extLst>
           </p:cNvPr>
-          <p:cNvSpPr/>
+          <p:cNvGrpSpPr/>
           <p:nvPr/>
-        </p:nvSpPr>
-        <p:spPr>
+        </p:nvGrpSpPr>
+        <p:grpSpPr>
           <a:xfrm>
-            <a:off x="4488665" y="333236"/>
-            <a:ext cx="2124035" cy="3458762"/>
+            <a:off x="709895" y="836576"/>
+            <a:ext cx="4336217" cy="4188074"/>
+            <a:chOff x="3154236" y="457043"/>
+            <a:chExt cx="3417897" cy="3131613"/>
           </a:xfrm>
-          <a:prstGeom prst="rect">
-            <a:avLst/>
-          </a:prstGeom>
-          <a:ln w="28575"/>
-        </p:spPr>
-        <p:style>
-          <a:lnRef idx="2">
-            <a:schemeClr val="dk1"/>
-          </a:lnRef>
-          <a:fillRef idx="1">
-            <a:schemeClr val="lt1"/>
-          </a:fillRef>
-          <a:effectRef idx="0">
-            <a:schemeClr val="dk1"/>
-          </a:effectRef>
-          <a:fontRef idx="minor">
-            <a:schemeClr val="dk1"/>
-          </a:fontRef>
-        </p:style>
-        <p:txBody>
-          <a:bodyPr rtlCol="0" anchor="ctr"/>
-          <a:lstStyle/>
-          <a:p>
-            <a:pPr algn="ctr"/>
-            <a:r>
-              <a:rPr lang="en-US" dirty="0">
+        </p:grpSpPr>
+        <p:sp>
+          <p:nvSpPr>
+            <p:cNvPr id="44" name="Rectangle 3">
+              <a:extLst>
+                <a:ext uri="{FF2B5EF4-FFF2-40B4-BE49-F238E27FC236}">
+                  <a16:creationId xmlns:a16="http://schemas.microsoft.com/office/drawing/2014/main" id="{E88F1A38-F623-4CDC-8B93-F2F7F39285EB}"/>
+                </a:ext>
+              </a:extLst>
+            </p:cNvPr>
+            <p:cNvSpPr/>
+            <p:nvPr/>
+          </p:nvSpPr>
+          <p:spPr>
+            <a:xfrm>
+              <a:off x="5096133" y="1754259"/>
+              <a:ext cx="1476000" cy="916214"/>
+            </a:xfrm>
+            <a:prstGeom prst="rect">
+              <a:avLst/>
+            </a:prstGeom>
+            <a:ln w="38100"/>
+          </p:spPr>
+          <p:style>
+            <a:lnRef idx="2">
+              <a:schemeClr val="dk1"/>
+            </a:lnRef>
+            <a:fillRef idx="1">
+              <a:schemeClr val="lt1"/>
+            </a:fillRef>
+            <a:effectRef idx="0">
+              <a:schemeClr val="dk1"/>
+            </a:effectRef>
+            <a:fontRef idx="minor">
+              <a:schemeClr val="dk1"/>
+            </a:fontRef>
+          </p:style>
+          <p:txBody>
+            <a:bodyPr rtlCol="0" anchor="ctr"/>
+            <a:lstStyle/>
+            <a:p>
+              <a:pPr algn="ctr"/>
+              <a:r>
+                <a:rPr lang="en-US" dirty="0">
+                  <a:cs typeface="Calibri"/>
+                </a:rPr>
+                <a:t>Human </a:t>
+              </a:r>
+              <a:endParaRPr lang="en-US" dirty="0"/>
+            </a:p>
+            <a:p>
+              <a:pPr algn="ctr"/>
+              <a:r>
+                <a:rPr lang="en-US" dirty="0">
+                  <a:cs typeface="Calibri"/>
+                </a:rPr>
+                <a:t>Edit &amp; Review &amp; Adjustment</a:t>
+              </a:r>
+            </a:p>
+          </p:txBody>
+        </p:sp>
+        <p:sp>
+          <p:nvSpPr>
+            <p:cNvPr id="45" name="Rectangle 4">
+              <a:extLst>
+                <a:ext uri="{FF2B5EF4-FFF2-40B4-BE49-F238E27FC236}">
+                  <a16:creationId xmlns:a16="http://schemas.microsoft.com/office/drawing/2014/main" id="{A55FCC92-F0D8-44A2-9E58-813D0279DAEF}"/>
+                </a:ext>
+              </a:extLst>
+            </p:cNvPr>
+            <p:cNvSpPr/>
+            <p:nvPr/>
+          </p:nvSpPr>
+          <p:spPr>
+            <a:xfrm>
+              <a:off x="3154238" y="1754258"/>
+              <a:ext cx="1476000" cy="916214"/>
+            </a:xfrm>
+            <a:prstGeom prst="rect">
+              <a:avLst/>
+            </a:prstGeom>
+            <a:ln w="38100"/>
+          </p:spPr>
+          <p:style>
+            <a:lnRef idx="2">
+              <a:schemeClr val="dk1"/>
+            </a:lnRef>
+            <a:fillRef idx="1">
+              <a:schemeClr val="lt1"/>
+            </a:fillRef>
+            <a:effectRef idx="0">
+              <a:schemeClr val="dk1"/>
+            </a:effectRef>
+            <a:fontRef idx="minor">
+              <a:schemeClr val="dk1"/>
+            </a:fontRef>
+          </p:style>
+          <p:txBody>
+            <a:bodyPr rtlCol="0" anchor="ctr"/>
+            <a:lstStyle/>
+            <a:p>
+              <a:pPr algn="ctr"/>
+              <a:r>
+                <a:rPr lang="en-US" dirty="0">
+                  <a:cs typeface="Calibri"/>
+                </a:rPr>
+                <a:t>AI-based </a:t>
+              </a:r>
+              <a:endParaRPr lang="en-US" dirty="0"/>
+            </a:p>
+            <a:p>
+              <a:pPr algn="ctr"/>
+              <a:r>
+                <a:rPr lang="en-US" dirty="0">
+                  <a:cs typeface="Calibri"/>
+                </a:rPr>
+                <a:t>Automatic </a:t>
+              </a:r>
+            </a:p>
+            <a:p>
+              <a:pPr algn="ctr"/>
+              <a:r>
+                <a:rPr lang="en-US" dirty="0">
+                  <a:cs typeface="Calibri"/>
+                </a:rPr>
+                <a:t>Annotation</a:t>
+              </a:r>
+            </a:p>
+          </p:txBody>
+        </p:sp>
+        <p:sp>
+          <p:nvSpPr>
+            <p:cNvPr id="46" name="Rectangle 5">
+              <a:extLst>
+                <a:ext uri="{FF2B5EF4-FFF2-40B4-BE49-F238E27FC236}">
+                  <a16:creationId xmlns:a16="http://schemas.microsoft.com/office/drawing/2014/main" id="{2624F5C5-B569-49E3-A51E-024916D7418E}"/>
+                </a:ext>
+              </a:extLst>
+            </p:cNvPr>
+            <p:cNvSpPr/>
+            <p:nvPr/>
+          </p:nvSpPr>
+          <p:spPr>
+            <a:xfrm>
+              <a:off x="5096132" y="457044"/>
+              <a:ext cx="1476000" cy="916214"/>
+            </a:xfrm>
+            <a:prstGeom prst="rect">
+              <a:avLst/>
+            </a:prstGeom>
+            <a:ln w="38100"/>
+          </p:spPr>
+          <p:style>
+            <a:lnRef idx="2">
+              <a:schemeClr val="dk1"/>
+            </a:lnRef>
+            <a:fillRef idx="1">
+              <a:schemeClr val="lt1"/>
+            </a:fillRef>
+            <a:effectRef idx="0">
+              <a:schemeClr val="dk1"/>
+            </a:effectRef>
+            <a:fontRef idx="minor">
+              <a:schemeClr val="dk1"/>
+            </a:fontRef>
+          </p:style>
+          <p:txBody>
+            <a:bodyPr rtlCol="0" anchor="ctr"/>
+            <a:lstStyle/>
+            <a:p>
+              <a:pPr algn="ctr"/>
+              <a:r>
+                <a:rPr lang="en-US" dirty="0">
+                  <a:cs typeface="Calibri"/>
+                </a:rPr>
+                <a:t>Finely </a:t>
+              </a:r>
+            </a:p>
+            <a:p>
+              <a:pPr algn="ctr"/>
+              <a:r>
+                <a:rPr lang="en-US" dirty="0">
+                  <a:cs typeface="Calibri"/>
+                </a:rPr>
+                <a:t>Annotated </a:t>
+              </a:r>
+            </a:p>
+            <a:p>
+              <a:pPr algn="ctr"/>
+              <a:r>
+                <a:rPr lang="en-US" dirty="0">
+                  <a:cs typeface="Calibri"/>
+                </a:rPr>
+                <a:t>Data</a:t>
+              </a:r>
+            </a:p>
+          </p:txBody>
+        </p:sp>
+        <p:sp>
+          <p:nvSpPr>
+            <p:cNvPr id="47" name="Arrow: Right 6">
+              <a:extLst>
+                <a:ext uri="{FF2B5EF4-FFF2-40B4-BE49-F238E27FC236}">
+                  <a16:creationId xmlns:a16="http://schemas.microsoft.com/office/drawing/2014/main" id="{B85B9269-B895-4120-9E9C-A9D164547C4A}"/>
+                </a:ext>
+              </a:extLst>
+            </p:cNvPr>
+            <p:cNvSpPr/>
+            <p:nvPr/>
+          </p:nvSpPr>
+          <p:spPr>
+            <a:xfrm rot="10800000">
+              <a:off x="4652331" y="760373"/>
+              <a:ext cx="426357" cy="308428"/>
+            </a:xfrm>
+            <a:prstGeom prst="rightArrow">
+              <a:avLst/>
+            </a:prstGeom>
+            <a:ln w="38100"/>
+          </p:spPr>
+          <p:style>
+            <a:lnRef idx="2">
+              <a:schemeClr val="dk1"/>
+            </a:lnRef>
+            <a:fillRef idx="1">
+              <a:schemeClr val="lt1"/>
+            </a:fillRef>
+            <a:effectRef idx="0">
+              <a:schemeClr val="dk1"/>
+            </a:effectRef>
+            <a:fontRef idx="minor">
+              <a:schemeClr val="dk1"/>
+            </a:fontRef>
+          </p:style>
+          <p:txBody>
+            <a:bodyPr rtlCol="0" anchor="ctr"/>
+            <a:lstStyle/>
+            <a:p>
+              <a:pPr algn="ctr"/>
+              <a:endParaRPr lang="en-US"/>
+            </a:p>
+          </p:txBody>
+        </p:sp>
+        <p:sp>
+          <p:nvSpPr>
+            <p:cNvPr id="48" name="Arrow: Down 7">
+              <a:extLst>
+                <a:ext uri="{FF2B5EF4-FFF2-40B4-BE49-F238E27FC236}">
+                  <a16:creationId xmlns:a16="http://schemas.microsoft.com/office/drawing/2014/main" id="{A1D4C010-79B2-4E04-A059-E580701D9FFF}"/>
+                </a:ext>
+              </a:extLst>
+            </p:cNvPr>
+            <p:cNvSpPr/>
+            <p:nvPr/>
+          </p:nvSpPr>
+          <p:spPr>
+            <a:xfrm rot="10800000">
+              <a:off x="5694885" y="2699403"/>
+              <a:ext cx="335643" cy="381001"/>
+            </a:xfrm>
+            <a:prstGeom prst="downArrow">
+              <a:avLst/>
+            </a:prstGeom>
+            <a:ln w="38100"/>
+          </p:spPr>
+          <p:style>
+            <a:lnRef idx="2">
+              <a:schemeClr val="dk1"/>
+            </a:lnRef>
+            <a:fillRef idx="1">
+              <a:schemeClr val="lt1"/>
+            </a:fillRef>
+            <a:effectRef idx="0">
+              <a:schemeClr val="dk1"/>
+            </a:effectRef>
+            <a:fontRef idx="minor">
+              <a:schemeClr val="dk1"/>
+            </a:fontRef>
+          </p:style>
+          <p:txBody>
+            <a:bodyPr rtlCol="0" anchor="ctr"/>
+            <a:lstStyle/>
+            <a:p>
+              <a:pPr algn="ctr"/>
+              <a:endParaRPr lang="en-US"/>
+            </a:p>
+          </p:txBody>
+        </p:sp>
+        <p:sp>
+          <p:nvSpPr>
+            <p:cNvPr id="49" name="Rectangle 8">
+              <a:extLst>
+                <a:ext uri="{FF2B5EF4-FFF2-40B4-BE49-F238E27FC236}">
+                  <a16:creationId xmlns:a16="http://schemas.microsoft.com/office/drawing/2014/main" id="{DB5BD102-1841-4D3B-8067-7B9AA7AC0EAD}"/>
+                </a:ext>
+              </a:extLst>
+            </p:cNvPr>
+            <p:cNvSpPr/>
+            <p:nvPr/>
+          </p:nvSpPr>
+          <p:spPr>
+            <a:xfrm>
+              <a:off x="3154237" y="457043"/>
+              <a:ext cx="1476000" cy="916214"/>
+            </a:xfrm>
+            <a:prstGeom prst="rect">
+              <a:avLst/>
+            </a:prstGeom>
+            <a:ln w="38100"/>
+          </p:spPr>
+          <p:style>
+            <a:lnRef idx="2">
+              <a:schemeClr val="dk1"/>
+            </a:lnRef>
+            <a:fillRef idx="1">
+              <a:schemeClr val="lt1"/>
+            </a:fillRef>
+            <a:effectRef idx="0">
+              <a:schemeClr val="dk1"/>
+            </a:effectRef>
+            <a:fontRef idx="minor">
+              <a:schemeClr val="dk1"/>
+            </a:fontRef>
+          </p:style>
+          <p:txBody>
+            <a:bodyPr rtlCol="0" anchor="ctr"/>
+            <a:lstStyle/>
+            <a:p>
+              <a:pPr algn="ctr"/>
+              <a:r>
+                <a:rPr lang="en-US" altLang="zh-CN" dirty="0">
+                  <a:cs typeface="Calibri"/>
+                </a:rPr>
+                <a:t>Artificial </a:t>
+              </a:r>
+            </a:p>
+            <a:p>
+              <a:pPr algn="ctr"/>
+              <a:r>
+                <a:rPr lang="en-US" altLang="zh-CN" dirty="0">
+                  <a:cs typeface="Calibri"/>
+                </a:rPr>
+                <a:t>Intelligence</a:t>
+              </a:r>
+              <a:endParaRPr lang="en-US" dirty="0">
                 <a:cs typeface="Calibri"/>
-              </a:rPr>
-              <a:t>Visualization</a:t>
-            </a:r>
-          </a:p>
-          <a:p>
-            <a:pPr algn="ctr"/>
-            <a:endParaRPr lang="en-US" dirty="0">
-              <a:cs typeface="Calibri"/>
-            </a:endParaRPr>
-          </a:p>
-          <a:p>
-            <a:pPr algn="ctr"/>
-            <a:endParaRPr lang="en-US" dirty="0">
-              <a:cs typeface="Calibri"/>
-            </a:endParaRPr>
-          </a:p>
-          <a:p>
-            <a:pPr algn="ctr"/>
-            <a:endParaRPr lang="en-US" dirty="0">
-              <a:cs typeface="Calibri"/>
-            </a:endParaRPr>
-          </a:p>
-          <a:p>
-            <a:pPr algn="ctr"/>
-            <a:endParaRPr lang="en-US" dirty="0">
-              <a:cs typeface="Calibri"/>
-            </a:endParaRPr>
-          </a:p>
-          <a:p>
-            <a:pPr algn="ctr"/>
-            <a:endParaRPr lang="en-US" dirty="0">
-              <a:cs typeface="Calibri"/>
-            </a:endParaRPr>
-          </a:p>
-          <a:p>
-            <a:pPr algn="ctr"/>
-            <a:endParaRPr lang="en-US" dirty="0">
-              <a:cs typeface="Calibri"/>
-            </a:endParaRPr>
-          </a:p>
-          <a:p>
-            <a:pPr algn="ctr"/>
-            <a:endParaRPr lang="en-US" dirty="0">
-              <a:cs typeface="Calibri"/>
-            </a:endParaRPr>
-          </a:p>
-          <a:p>
-            <a:pPr algn="ctr"/>
-            <a:endParaRPr lang="en-US" dirty="0">
-              <a:cs typeface="Calibri"/>
-            </a:endParaRPr>
-          </a:p>
-          <a:p>
-            <a:pPr algn="ctr"/>
-            <a:endParaRPr lang="en-US" dirty="0">
-              <a:cs typeface="Calibri"/>
-            </a:endParaRPr>
-          </a:p>
-        </p:txBody>
-      </p:sp>
-      <p:sp>
-        <p:nvSpPr>
-          <p:cNvPr id="7" name="Rectangle 6">
-            <a:extLst>
-              <a:ext uri="{FF2B5EF4-FFF2-40B4-BE49-F238E27FC236}">
-                <a16:creationId xmlns:a16="http://schemas.microsoft.com/office/drawing/2014/main" id="{66785047-9C47-4F69-90AD-4178C13AA13D}"/>
-              </a:ext>
-            </a:extLst>
-          </p:cNvPr>
-          <p:cNvSpPr/>
-          <p:nvPr/>
-        </p:nvSpPr>
-        <p:spPr>
-          <a:xfrm>
-            <a:off x="4648995" y="2097476"/>
-            <a:ext cx="1797467" cy="719191"/>
-          </a:xfrm>
-          <a:prstGeom prst="rect">
-            <a:avLst/>
-          </a:prstGeom>
-          <a:ln w="28575"/>
-        </p:spPr>
-        <p:style>
-          <a:lnRef idx="2">
-            <a:schemeClr val="dk1"/>
-          </a:lnRef>
-          <a:fillRef idx="1">
-            <a:schemeClr val="lt1"/>
-          </a:fillRef>
-          <a:effectRef idx="0">
-            <a:schemeClr val="dk1"/>
-          </a:effectRef>
-          <a:fontRef idx="minor">
-            <a:schemeClr val="dk1"/>
-          </a:fontRef>
-        </p:style>
-        <p:txBody>
-          <a:bodyPr rtlCol="0" anchor="ctr"/>
-          <a:lstStyle/>
-          <a:p>
-            <a:pPr algn="ctr"/>
-            <a:r>
-              <a:rPr lang="en-US" dirty="0">
-                <a:ea typeface="+mn-lt"/>
-                <a:cs typeface="+mn-lt"/>
-              </a:rPr>
-              <a:t>3D-2D</a:t>
-            </a:r>
-            <a:r>
-              <a:rPr lang="en-US" dirty="0">
-                <a:cs typeface="Calibri"/>
-              </a:rPr>
-              <a:t> </a:t>
-            </a:r>
-            <a:endParaRPr lang="en-US" dirty="0">
-              <a:ea typeface="+mn-lt"/>
-              <a:cs typeface="+mn-lt"/>
-            </a:endParaRPr>
-          </a:p>
-          <a:p>
-            <a:pPr algn="ctr"/>
-            <a:r>
-              <a:rPr lang="en-US" dirty="0">
-                <a:cs typeface="Calibri"/>
-              </a:rPr>
-              <a:t>Fusion</a:t>
-            </a:r>
-            <a:endParaRPr lang="en-US" dirty="0"/>
-          </a:p>
-        </p:txBody>
-      </p:sp>
-      <p:sp>
-        <p:nvSpPr>
-          <p:cNvPr id="8" name="Rectangle 7">
-            <a:extLst>
-              <a:ext uri="{FF2B5EF4-FFF2-40B4-BE49-F238E27FC236}">
-                <a16:creationId xmlns:a16="http://schemas.microsoft.com/office/drawing/2014/main" id="{96E7CDAF-A050-43BA-A7DA-882BAD869AB9}"/>
-              </a:ext>
-            </a:extLst>
-          </p:cNvPr>
-          <p:cNvSpPr/>
-          <p:nvPr/>
-        </p:nvSpPr>
-        <p:spPr>
-          <a:xfrm>
-            <a:off x="4648994" y="1239563"/>
-            <a:ext cx="1797467" cy="719191"/>
-          </a:xfrm>
-          <a:prstGeom prst="rect">
-            <a:avLst/>
-          </a:prstGeom>
-          <a:ln w="28575"/>
-        </p:spPr>
-        <p:style>
-          <a:lnRef idx="2">
-            <a:schemeClr val="dk1"/>
-          </a:lnRef>
-          <a:fillRef idx="1">
-            <a:schemeClr val="lt1"/>
-          </a:fillRef>
-          <a:effectRef idx="0">
-            <a:schemeClr val="dk1"/>
-          </a:effectRef>
-          <a:fontRef idx="minor">
-            <a:schemeClr val="dk1"/>
-          </a:fontRef>
-        </p:style>
-        <p:txBody>
-          <a:bodyPr rtlCol="0" anchor="ctr"/>
-          <a:lstStyle/>
-          <a:p>
-            <a:pPr algn="ctr"/>
-            <a:r>
-              <a:rPr lang="en-US" dirty="0">
-                <a:cs typeface="Calibri"/>
-              </a:rPr>
-              <a:t>Space/Temporal</a:t>
-            </a:r>
-          </a:p>
-          <a:p>
-            <a:pPr algn="ctr"/>
-            <a:r>
-              <a:rPr lang="en-US" dirty="0">
-                <a:cs typeface="Calibri"/>
-              </a:rPr>
-              <a:t>Navigation</a:t>
-            </a:r>
-          </a:p>
-        </p:txBody>
-      </p:sp>
-      <p:sp>
-        <p:nvSpPr>
-          <p:cNvPr id="9" name="Rectangle 8">
-            <a:extLst>
-              <a:ext uri="{FF2B5EF4-FFF2-40B4-BE49-F238E27FC236}">
-                <a16:creationId xmlns:a16="http://schemas.microsoft.com/office/drawing/2014/main" id="{A1753C75-4E61-4BC5-AD1D-41770E754BDB}"/>
-              </a:ext>
-            </a:extLst>
-          </p:cNvPr>
-          <p:cNvSpPr/>
-          <p:nvPr/>
-        </p:nvSpPr>
-        <p:spPr>
-          <a:xfrm>
-            <a:off x="4648994" y="2985150"/>
-            <a:ext cx="1797467" cy="719191"/>
-          </a:xfrm>
-          <a:prstGeom prst="rect">
-            <a:avLst/>
-          </a:prstGeom>
-          <a:ln w="28575"/>
-        </p:spPr>
-        <p:style>
-          <a:lnRef idx="2">
-            <a:schemeClr val="dk1"/>
-          </a:lnRef>
-          <a:fillRef idx="1">
-            <a:schemeClr val="lt1"/>
-          </a:fillRef>
-          <a:effectRef idx="0">
-            <a:schemeClr val="dk1"/>
-          </a:effectRef>
-          <a:fontRef idx="minor">
-            <a:schemeClr val="dk1"/>
-          </a:fontRef>
-        </p:style>
-        <p:txBody>
-          <a:bodyPr rtlCol="0" anchor="ctr"/>
-          <a:lstStyle/>
-          <a:p>
-            <a:pPr algn="ctr"/>
-            <a:r>
-              <a:rPr lang="en-US" dirty="0">
-                <a:cs typeface="Calibri"/>
-              </a:rPr>
-              <a:t>Multi-View Display</a:t>
-            </a:r>
-          </a:p>
-        </p:txBody>
-      </p:sp>
-      <p:sp>
-        <p:nvSpPr>
-          <p:cNvPr id="10" name="Rectangle 9">
-            <a:extLst>
-              <a:ext uri="{FF2B5EF4-FFF2-40B4-BE49-F238E27FC236}">
-                <a16:creationId xmlns:a16="http://schemas.microsoft.com/office/drawing/2014/main" id="{D095EB22-9CB5-4AE8-A9F6-9CC50EBCDF12}"/>
-              </a:ext>
-            </a:extLst>
-          </p:cNvPr>
-          <p:cNvSpPr/>
-          <p:nvPr/>
-        </p:nvSpPr>
-        <p:spPr>
-          <a:xfrm>
-            <a:off x="7155663" y="1239153"/>
-            <a:ext cx="1797467" cy="719191"/>
-          </a:xfrm>
-          <a:prstGeom prst="rect">
-            <a:avLst/>
-          </a:prstGeom>
-          <a:ln w="28575"/>
-        </p:spPr>
-        <p:style>
-          <a:lnRef idx="2">
-            <a:schemeClr val="dk1"/>
-          </a:lnRef>
-          <a:fillRef idx="1">
-            <a:schemeClr val="lt1"/>
-          </a:fillRef>
-          <a:effectRef idx="0">
-            <a:schemeClr val="dk1"/>
-          </a:effectRef>
-          <a:fontRef idx="minor">
-            <a:schemeClr val="dk1"/>
-          </a:fontRef>
-        </p:style>
-        <p:txBody>
-          <a:bodyPr rtlCol="0" anchor="ctr"/>
-          <a:lstStyle/>
-          <a:p>
-            <a:pPr algn="ctr"/>
-            <a:r>
-              <a:rPr lang="en-US" dirty="0">
-                <a:cs typeface="Calibri"/>
-              </a:rPr>
-              <a:t>Basic</a:t>
-            </a:r>
-          </a:p>
-          <a:p>
-            <a:pPr algn="ctr"/>
-            <a:r>
-              <a:rPr lang="en-US" dirty="0">
-                <a:cs typeface="Calibri"/>
-              </a:rPr>
-              <a:t>3D Box Edit</a:t>
-            </a:r>
-          </a:p>
-        </p:txBody>
-      </p:sp>
-      <p:sp>
-        <p:nvSpPr>
-          <p:cNvPr id="11" name="Rectangle 10">
-            <a:extLst>
-              <a:ext uri="{FF2B5EF4-FFF2-40B4-BE49-F238E27FC236}">
-                <a16:creationId xmlns:a16="http://schemas.microsoft.com/office/drawing/2014/main" id="{922D2C39-BBBD-4AB7-8DC3-59679912598E}"/>
-              </a:ext>
-            </a:extLst>
-          </p:cNvPr>
-          <p:cNvSpPr/>
-          <p:nvPr/>
-        </p:nvSpPr>
-        <p:spPr>
-          <a:xfrm>
-            <a:off x="7155662" y="2100939"/>
-            <a:ext cx="1797467" cy="719191"/>
-          </a:xfrm>
-          <a:prstGeom prst="rect">
-            <a:avLst/>
-          </a:prstGeom>
-          <a:ln w="28575"/>
-        </p:spPr>
-        <p:style>
-          <a:lnRef idx="2">
-            <a:schemeClr val="dk1"/>
-          </a:lnRef>
-          <a:fillRef idx="1">
-            <a:schemeClr val="lt1"/>
-          </a:fillRef>
-          <a:effectRef idx="0">
-            <a:schemeClr val="dk1"/>
-          </a:effectRef>
-          <a:fontRef idx="minor">
-            <a:schemeClr val="dk1"/>
-          </a:fontRef>
-        </p:style>
-        <p:txBody>
-          <a:bodyPr rtlCol="0" anchor="ctr"/>
-          <a:lstStyle/>
-          <a:p>
-            <a:pPr algn="ctr"/>
-            <a:r>
-              <a:rPr lang="en-US" dirty="0">
-                <a:cs typeface="Calibri"/>
-              </a:rPr>
-              <a:t>Algorithm Assisted Edit</a:t>
-            </a:r>
-          </a:p>
-        </p:txBody>
-      </p:sp>
-      <p:sp>
-        <p:nvSpPr>
-          <p:cNvPr id="12" name="Rectangle 11">
-            <a:extLst>
-              <a:ext uri="{FF2B5EF4-FFF2-40B4-BE49-F238E27FC236}">
-                <a16:creationId xmlns:a16="http://schemas.microsoft.com/office/drawing/2014/main" id="{5CF2F3D9-D2BF-4856-9D79-353AC1A43EC5}"/>
-              </a:ext>
-            </a:extLst>
-          </p:cNvPr>
-          <p:cNvSpPr/>
-          <p:nvPr/>
-        </p:nvSpPr>
-        <p:spPr>
-          <a:xfrm>
-            <a:off x="7155661" y="2980866"/>
-            <a:ext cx="1797467" cy="719191"/>
-          </a:xfrm>
-          <a:prstGeom prst="rect">
-            <a:avLst/>
-          </a:prstGeom>
-          <a:ln w="28575"/>
-        </p:spPr>
-        <p:style>
-          <a:lnRef idx="2">
-            <a:schemeClr val="dk1"/>
-          </a:lnRef>
-          <a:fillRef idx="1">
-            <a:schemeClr val="lt1"/>
-          </a:fillRef>
-          <a:effectRef idx="0">
-            <a:schemeClr val="dk1"/>
-          </a:effectRef>
-          <a:fontRef idx="minor">
-            <a:schemeClr val="dk1"/>
-          </a:fontRef>
-        </p:style>
-        <p:txBody>
-          <a:bodyPr rtlCol="0" anchor="ctr"/>
-          <a:lstStyle/>
-          <a:p>
-            <a:pPr algn="ctr"/>
-            <a:r>
-              <a:rPr lang="en-US" dirty="0">
-                <a:cs typeface="Calibri"/>
-              </a:rPr>
-              <a:t>Consistency Check</a:t>
-            </a:r>
-            <a:endParaRPr lang="en-US" dirty="0"/>
-          </a:p>
-        </p:txBody>
-      </p:sp>
-      <p:sp>
-        <p:nvSpPr>
-          <p:cNvPr id="16" name="Rectangle 15">
-            <a:extLst>
-              <a:ext uri="{FF2B5EF4-FFF2-40B4-BE49-F238E27FC236}">
-                <a16:creationId xmlns:a16="http://schemas.microsoft.com/office/drawing/2014/main" id="{EA48CCF6-008B-4F20-8CDE-07F38866199F}"/>
-              </a:ext>
-            </a:extLst>
-          </p:cNvPr>
-          <p:cNvSpPr/>
-          <p:nvPr/>
-        </p:nvSpPr>
-        <p:spPr>
-          <a:xfrm>
-            <a:off x="1984949" y="333236"/>
-            <a:ext cx="2096822" cy="3458761"/>
-          </a:xfrm>
-          <a:prstGeom prst="rect">
-            <a:avLst/>
-          </a:prstGeom>
-          <a:ln w="28575"/>
-        </p:spPr>
-        <p:style>
-          <a:lnRef idx="2">
-            <a:schemeClr val="dk1"/>
-          </a:lnRef>
-          <a:fillRef idx="1">
-            <a:schemeClr val="lt1"/>
-          </a:fillRef>
-          <a:effectRef idx="0">
-            <a:schemeClr val="dk1"/>
-          </a:effectRef>
-          <a:fontRef idx="minor">
-            <a:schemeClr val="dk1"/>
-          </a:fontRef>
-        </p:style>
-        <p:txBody>
-          <a:bodyPr rtlCol="0" anchor="ctr"/>
-          <a:lstStyle/>
-          <a:p>
-            <a:pPr algn="ctr"/>
-            <a:r>
-              <a:rPr lang="en-US" dirty="0">
-                <a:cs typeface="Calibri"/>
-              </a:rPr>
-              <a:t>Pre-Processing</a:t>
-            </a:r>
-          </a:p>
-          <a:p>
-            <a:pPr algn="ctr"/>
-            <a:endParaRPr lang="en-US" dirty="0">
-              <a:cs typeface="Calibri"/>
-            </a:endParaRPr>
-          </a:p>
-          <a:p>
-            <a:pPr algn="ctr"/>
-            <a:endParaRPr lang="en-US" dirty="0">
-              <a:cs typeface="Calibri"/>
-            </a:endParaRPr>
-          </a:p>
-          <a:p>
-            <a:pPr algn="ctr"/>
-            <a:endParaRPr lang="en-US" dirty="0">
-              <a:cs typeface="Calibri"/>
-            </a:endParaRPr>
-          </a:p>
-          <a:p>
-            <a:pPr algn="ctr"/>
-            <a:endParaRPr lang="en-US" dirty="0">
-              <a:cs typeface="Calibri"/>
-            </a:endParaRPr>
-          </a:p>
-          <a:p>
-            <a:pPr algn="ctr"/>
-            <a:endParaRPr lang="en-US" dirty="0">
-              <a:cs typeface="Calibri"/>
-            </a:endParaRPr>
-          </a:p>
-          <a:p>
-            <a:pPr algn="ctr"/>
-            <a:endParaRPr lang="en-US" dirty="0">
-              <a:cs typeface="Calibri"/>
-            </a:endParaRPr>
-          </a:p>
-          <a:p>
-            <a:pPr algn="ctr"/>
-            <a:endParaRPr lang="en-US" dirty="0">
-              <a:cs typeface="Calibri"/>
-            </a:endParaRPr>
-          </a:p>
-          <a:p>
-            <a:pPr algn="ctr"/>
-            <a:endParaRPr lang="en-US" dirty="0">
-              <a:cs typeface="Calibri"/>
-            </a:endParaRPr>
-          </a:p>
-          <a:p>
-            <a:pPr algn="ctr"/>
-            <a:endParaRPr lang="en-US" dirty="0">
-              <a:cs typeface="Calibri"/>
-            </a:endParaRPr>
-          </a:p>
-        </p:txBody>
-      </p:sp>
-      <p:sp>
-        <p:nvSpPr>
-          <p:cNvPr id="17" name="Rectangle 16">
-            <a:extLst>
-              <a:ext uri="{FF2B5EF4-FFF2-40B4-BE49-F238E27FC236}">
-                <a16:creationId xmlns:a16="http://schemas.microsoft.com/office/drawing/2014/main" id="{D64B6349-261D-483B-815F-D3D35A61D9A8}"/>
-              </a:ext>
-            </a:extLst>
-          </p:cNvPr>
-          <p:cNvSpPr/>
-          <p:nvPr/>
-        </p:nvSpPr>
-        <p:spPr>
-          <a:xfrm>
-            <a:off x="2136208" y="2106547"/>
-            <a:ext cx="1797467" cy="719191"/>
-          </a:xfrm>
-          <a:prstGeom prst="rect">
-            <a:avLst/>
-          </a:prstGeom>
-          <a:ln w="28575"/>
-        </p:spPr>
-        <p:style>
-          <a:lnRef idx="2">
-            <a:schemeClr val="dk1"/>
-          </a:lnRef>
-          <a:fillRef idx="1">
-            <a:schemeClr val="lt1"/>
-          </a:fillRef>
-          <a:effectRef idx="0">
-            <a:schemeClr val="dk1"/>
-          </a:effectRef>
-          <a:fontRef idx="minor">
-            <a:schemeClr val="dk1"/>
-          </a:fontRef>
-        </p:style>
-        <p:txBody>
-          <a:bodyPr rtlCol="0" anchor="ctr"/>
-          <a:lstStyle/>
-          <a:p>
-            <a:pPr algn="ctr"/>
-            <a:r>
-              <a:rPr lang="en-US" dirty="0">
-                <a:cs typeface="Calibri"/>
-              </a:rPr>
-              <a:t>Data Clean</a:t>
-            </a:r>
-            <a:endParaRPr lang="en-US" dirty="0"/>
-          </a:p>
-        </p:txBody>
-      </p:sp>
-      <p:sp>
-        <p:nvSpPr>
-          <p:cNvPr id="19" name="Rectangle 18">
-            <a:extLst>
-              <a:ext uri="{FF2B5EF4-FFF2-40B4-BE49-F238E27FC236}">
-                <a16:creationId xmlns:a16="http://schemas.microsoft.com/office/drawing/2014/main" id="{A9F30D93-E8C0-48A8-8BCD-782F15C396B1}"/>
-              </a:ext>
-            </a:extLst>
-          </p:cNvPr>
-          <p:cNvSpPr/>
-          <p:nvPr/>
-        </p:nvSpPr>
-        <p:spPr>
-          <a:xfrm>
-            <a:off x="2136207" y="2994221"/>
-            <a:ext cx="1797467" cy="719191"/>
-          </a:xfrm>
-          <a:prstGeom prst="rect">
-            <a:avLst/>
-          </a:prstGeom>
-          <a:ln w="28575"/>
-        </p:spPr>
-        <p:style>
-          <a:lnRef idx="2">
-            <a:schemeClr val="dk1"/>
-          </a:lnRef>
-          <a:fillRef idx="1">
-            <a:schemeClr val="lt1"/>
-          </a:fillRef>
-          <a:effectRef idx="0">
-            <a:schemeClr val="dk1"/>
-          </a:effectRef>
-          <a:fontRef idx="minor">
-            <a:schemeClr val="dk1"/>
-          </a:fontRef>
-        </p:style>
-        <p:txBody>
-          <a:bodyPr rtlCol="0" anchor="ctr"/>
-          <a:lstStyle/>
-          <a:p>
-            <a:pPr algn="ctr"/>
-            <a:endParaRPr lang="en-US" sz="1600" dirty="0">
-              <a:ea typeface="+mn-lt"/>
-              <a:cs typeface="+mn-lt"/>
-            </a:endParaRPr>
-          </a:p>
-          <a:p>
-            <a:pPr algn="ctr"/>
-            <a:r>
-              <a:rPr lang="en-US" sz="1600" dirty="0">
-                <a:ea typeface="+mn-lt"/>
-                <a:cs typeface="+mn-lt"/>
-              </a:rPr>
-              <a:t>Automatic</a:t>
-            </a:r>
-          </a:p>
-          <a:p>
-            <a:pPr algn="ctr"/>
-            <a:r>
-              <a:rPr lang="en-US" sz="1600" dirty="0">
-                <a:ea typeface="+mn-lt"/>
-                <a:cs typeface="+mn-lt"/>
-              </a:rPr>
-              <a:t>Initial Annotation</a:t>
-            </a:r>
-          </a:p>
-          <a:p>
-            <a:pPr algn="ctr"/>
-            <a:endParaRPr lang="en-US" sz="1600" dirty="0">
-              <a:cs typeface="Calibri"/>
-            </a:endParaRPr>
-          </a:p>
-        </p:txBody>
-      </p:sp>
-      <p:sp>
-        <p:nvSpPr>
-          <p:cNvPr id="18" name="Rectangle 17">
-            <a:extLst>
-              <a:ext uri="{FF2B5EF4-FFF2-40B4-BE49-F238E27FC236}">
-                <a16:creationId xmlns:a16="http://schemas.microsoft.com/office/drawing/2014/main" id="{66283CF1-2BBA-43BD-86C6-2333F808431D}"/>
-              </a:ext>
-            </a:extLst>
-          </p:cNvPr>
-          <p:cNvSpPr/>
-          <p:nvPr/>
-        </p:nvSpPr>
-        <p:spPr>
-          <a:xfrm>
-            <a:off x="2136207" y="1248634"/>
-            <a:ext cx="1797467" cy="719191"/>
-          </a:xfrm>
-          <a:prstGeom prst="rect">
-            <a:avLst/>
-          </a:prstGeom>
-          <a:ln w="28575"/>
-        </p:spPr>
-        <p:style>
-          <a:lnRef idx="2">
-            <a:schemeClr val="dk1"/>
-          </a:lnRef>
-          <a:fillRef idx="1">
-            <a:schemeClr val="lt1"/>
-          </a:fillRef>
-          <a:effectRef idx="0">
-            <a:schemeClr val="dk1"/>
-          </a:effectRef>
-          <a:fontRef idx="minor">
-            <a:schemeClr val="dk1"/>
-          </a:fontRef>
-        </p:style>
-        <p:txBody>
-          <a:bodyPr rtlCol="0" anchor="ctr"/>
-          <a:lstStyle/>
-          <a:p>
-            <a:pPr algn="ctr"/>
-            <a:r>
-              <a:rPr lang="en-US" dirty="0">
-                <a:cs typeface="Calibri"/>
-              </a:rPr>
-              <a:t>Calibration</a:t>
-            </a:r>
-          </a:p>
-        </p:txBody>
-      </p:sp>
-      <p:sp>
-        <p:nvSpPr>
-          <p:cNvPr id="25" name="Rectangle 24">
-            <a:extLst>
-              <a:ext uri="{FF2B5EF4-FFF2-40B4-BE49-F238E27FC236}">
-                <a16:creationId xmlns:a16="http://schemas.microsoft.com/office/drawing/2014/main" id="{556F003F-6CB8-49C5-AAB1-C39A73D0A032}"/>
-              </a:ext>
-            </a:extLst>
-          </p:cNvPr>
-          <p:cNvSpPr/>
-          <p:nvPr/>
-        </p:nvSpPr>
-        <p:spPr>
-          <a:xfrm>
-            <a:off x="1981992" y="4200720"/>
-            <a:ext cx="7104251" cy="737333"/>
-          </a:xfrm>
-          <a:prstGeom prst="rect">
-            <a:avLst/>
-          </a:prstGeom>
-          <a:ln w="28575"/>
-        </p:spPr>
-        <p:style>
-          <a:lnRef idx="2">
-            <a:schemeClr val="dk1"/>
-          </a:lnRef>
-          <a:fillRef idx="1">
-            <a:schemeClr val="lt1"/>
-          </a:fillRef>
-          <a:effectRef idx="0">
-            <a:schemeClr val="dk1"/>
-          </a:effectRef>
-          <a:fontRef idx="minor">
-            <a:schemeClr val="dk1"/>
-          </a:fontRef>
-        </p:style>
-        <p:txBody>
-          <a:bodyPr rtlCol="0" anchor="ctr"/>
-          <a:lstStyle/>
-          <a:p>
-            <a:pPr algn="ctr"/>
-            <a:r>
-              <a:rPr lang="en-US" dirty="0">
-                <a:cs typeface="Calibri"/>
-              </a:rPr>
-              <a:t>Data Management</a:t>
-            </a:r>
-          </a:p>
-        </p:txBody>
-      </p:sp>
-      <p:sp>
-        <p:nvSpPr>
-          <p:cNvPr id="2" name="Arrow: Up 1">
-            <a:extLst>
-              <a:ext uri="{FF2B5EF4-FFF2-40B4-BE49-F238E27FC236}">
-                <a16:creationId xmlns:a16="http://schemas.microsoft.com/office/drawing/2014/main" id="{36CBAC90-AB02-4ABB-B29C-9F74C74AAE49}"/>
-              </a:ext>
-            </a:extLst>
-          </p:cNvPr>
-          <p:cNvSpPr/>
-          <p:nvPr/>
-        </p:nvSpPr>
-        <p:spPr>
-          <a:xfrm>
-            <a:off x="5418255" y="3792511"/>
-            <a:ext cx="281214" cy="399143"/>
-          </a:xfrm>
-          <a:prstGeom prst="upArrow">
-            <a:avLst/>
-          </a:prstGeom>
-          <a:ln w="28575"/>
-        </p:spPr>
-        <p:style>
-          <a:lnRef idx="2">
-            <a:schemeClr val="dk1"/>
-          </a:lnRef>
-          <a:fillRef idx="1">
-            <a:schemeClr val="lt1"/>
-          </a:fillRef>
-          <a:effectRef idx="0">
-            <a:schemeClr val="dk1"/>
-          </a:effectRef>
-          <a:fontRef idx="minor">
-            <a:schemeClr val="dk1"/>
-          </a:fontRef>
-        </p:style>
-        <p:txBody>
-          <a:bodyPr rtlCol="0" anchor="ctr"/>
-          <a:lstStyle/>
-          <a:p>
-            <a:pPr algn="ctr"/>
-            <a:endParaRPr lang="en-US"/>
-          </a:p>
-        </p:txBody>
-      </p:sp>
-      <p:sp>
-        <p:nvSpPr>
-          <p:cNvPr id="4" name="Arrow: Up-Down 3">
-            <a:extLst>
-              <a:ext uri="{FF2B5EF4-FFF2-40B4-BE49-F238E27FC236}">
-                <a16:creationId xmlns:a16="http://schemas.microsoft.com/office/drawing/2014/main" id="{582DA49B-879C-45A4-B0B5-D00F147E35F0}"/>
-              </a:ext>
-            </a:extLst>
-          </p:cNvPr>
-          <p:cNvSpPr/>
-          <p:nvPr/>
-        </p:nvSpPr>
-        <p:spPr>
-          <a:xfrm>
-            <a:off x="2912273" y="3798369"/>
-            <a:ext cx="244928" cy="399144"/>
-          </a:xfrm>
-          <a:prstGeom prst="upDownArrow">
-            <a:avLst/>
-          </a:prstGeom>
-          <a:solidFill>
-            <a:schemeClr val="bg1"/>
-          </a:solidFill>
-          <a:ln w="28575">
-            <a:solidFill>
-              <a:schemeClr val="tx1"/>
-            </a:solidFill>
-          </a:ln>
-        </p:spPr>
-        <p:style>
-          <a:lnRef idx="2">
-            <a:schemeClr val="accent1">
-              <a:shade val="50000"/>
-            </a:schemeClr>
-          </a:lnRef>
-          <a:fillRef idx="1">
-            <a:schemeClr val="accent1"/>
-          </a:fillRef>
-          <a:effectRef idx="0">
-            <a:schemeClr val="accent1"/>
-          </a:effectRef>
-          <a:fontRef idx="minor">
-            <a:schemeClr val="lt1"/>
-          </a:fontRef>
-        </p:style>
-        <p:txBody>
-          <a:bodyPr rtlCol="0" anchor="ctr"/>
-          <a:lstStyle/>
-          <a:p>
-            <a:pPr algn="ctr"/>
-            <a:endParaRPr lang="en-US"/>
-          </a:p>
-        </p:txBody>
-      </p:sp>
-      <p:sp>
-        <p:nvSpPr>
-          <p:cNvPr id="26" name="Arrow: Up-Down 25">
-            <a:extLst>
-              <a:ext uri="{FF2B5EF4-FFF2-40B4-BE49-F238E27FC236}">
-                <a16:creationId xmlns:a16="http://schemas.microsoft.com/office/drawing/2014/main" id="{A49F9598-7D85-469B-A6C5-8454FE891DFF}"/>
-              </a:ext>
-            </a:extLst>
-          </p:cNvPr>
-          <p:cNvSpPr/>
-          <p:nvPr/>
-        </p:nvSpPr>
-        <p:spPr>
-          <a:xfrm>
-            <a:off x="8046702" y="3798369"/>
-            <a:ext cx="244928" cy="399144"/>
-          </a:xfrm>
-          <a:prstGeom prst="upDownArrow">
-            <a:avLst/>
-          </a:prstGeom>
-          <a:solidFill>
-            <a:schemeClr val="bg1"/>
-          </a:solidFill>
-          <a:ln w="28575">
-            <a:solidFill>
-              <a:schemeClr val="tx1"/>
-            </a:solidFill>
-          </a:ln>
-        </p:spPr>
-        <p:style>
-          <a:lnRef idx="2">
-            <a:schemeClr val="accent1">
-              <a:shade val="50000"/>
-            </a:schemeClr>
-          </a:lnRef>
-          <a:fillRef idx="1">
-            <a:schemeClr val="accent1"/>
-          </a:fillRef>
-          <a:effectRef idx="0">
-            <a:schemeClr val="accent1"/>
-          </a:effectRef>
-          <a:fontRef idx="minor">
-            <a:schemeClr val="lt1"/>
-          </a:fontRef>
-        </p:style>
-        <p:txBody>
-          <a:bodyPr rtlCol="0" anchor="ctr"/>
-          <a:lstStyle/>
-          <a:p>
-            <a:pPr algn="ctr"/>
-            <a:endParaRPr lang="en-US"/>
-          </a:p>
-        </p:txBody>
-      </p:sp>
-      <p:sp>
-        <p:nvSpPr>
-          <p:cNvPr id="27" name="Arrow: Up-Down 26">
-            <a:extLst>
-              <a:ext uri="{FF2B5EF4-FFF2-40B4-BE49-F238E27FC236}">
-                <a16:creationId xmlns:a16="http://schemas.microsoft.com/office/drawing/2014/main" id="{91E2E237-3051-4344-8469-95AF8457B159}"/>
-              </a:ext>
-            </a:extLst>
-          </p:cNvPr>
-          <p:cNvSpPr/>
-          <p:nvPr/>
-        </p:nvSpPr>
-        <p:spPr>
-          <a:xfrm rot="-5400000">
-            <a:off x="6695058" y="1829869"/>
-            <a:ext cx="244928" cy="399144"/>
-          </a:xfrm>
-          <a:prstGeom prst="upDownArrow">
-            <a:avLst/>
-          </a:prstGeom>
-          <a:solidFill>
-            <a:schemeClr val="bg1"/>
-          </a:solidFill>
-          <a:ln w="28575">
-            <a:solidFill>
-              <a:schemeClr val="tx1"/>
-            </a:solidFill>
-          </a:ln>
-        </p:spPr>
-        <p:style>
-          <a:lnRef idx="2">
-            <a:schemeClr val="accent1">
-              <a:shade val="50000"/>
-            </a:schemeClr>
-          </a:lnRef>
-          <a:fillRef idx="1">
-            <a:schemeClr val="accent1"/>
-          </a:fillRef>
-          <a:effectRef idx="0">
-            <a:schemeClr val="accent1"/>
-          </a:effectRef>
-          <a:fontRef idx="minor">
-            <a:schemeClr val="lt1"/>
-          </a:fontRef>
-        </p:style>
-        <p:txBody>
-          <a:bodyPr rtlCol="0" anchor="ctr"/>
-          <a:lstStyle/>
-          <a:p>
-            <a:pPr algn="ctr"/>
-            <a:endParaRPr lang="en-US"/>
-          </a:p>
-        </p:txBody>
-      </p:sp>
-      <p:sp>
-        <p:nvSpPr>
-          <p:cNvPr id="28" name="Arrow: Up-Down 27">
-            <a:extLst>
-              <a:ext uri="{FF2B5EF4-FFF2-40B4-BE49-F238E27FC236}">
-                <a16:creationId xmlns:a16="http://schemas.microsoft.com/office/drawing/2014/main" id="{E21CA8DD-7906-4629-882B-59E3DC98079D}"/>
-              </a:ext>
-            </a:extLst>
-          </p:cNvPr>
-          <p:cNvSpPr/>
-          <p:nvPr/>
-        </p:nvSpPr>
-        <p:spPr>
-          <a:xfrm rot="16200000">
-            <a:off x="4168409" y="1825588"/>
-            <a:ext cx="244928" cy="407705"/>
-          </a:xfrm>
-          <a:prstGeom prst="upDownArrow">
-            <a:avLst/>
-          </a:prstGeom>
-          <a:solidFill>
-            <a:schemeClr val="bg1"/>
-          </a:solidFill>
-          <a:ln w="28575">
-            <a:solidFill>
-              <a:schemeClr val="tx1"/>
-            </a:solidFill>
-          </a:ln>
-        </p:spPr>
-        <p:style>
-          <a:lnRef idx="2">
-            <a:schemeClr val="accent1">
-              <a:shade val="50000"/>
-            </a:schemeClr>
-          </a:lnRef>
-          <a:fillRef idx="1">
-            <a:schemeClr val="accent1"/>
-          </a:fillRef>
-          <a:effectRef idx="0">
-            <a:schemeClr val="accent1"/>
-          </a:effectRef>
-          <a:fontRef idx="minor">
-            <a:schemeClr val="lt1"/>
-          </a:fontRef>
-        </p:style>
-        <p:txBody>
-          <a:bodyPr rtlCol="0" anchor="ctr"/>
-          <a:lstStyle/>
-          <a:p>
-            <a:pPr algn="ctr"/>
-            <a:endParaRPr lang="en-US"/>
-          </a:p>
-        </p:txBody>
-      </p:sp>
+              </a:endParaRPr>
+            </a:p>
+            <a:p>
+              <a:pPr algn="ctr"/>
+              <a:r>
+                <a:rPr lang="en-US" dirty="0">
+                  <a:cs typeface="Calibri"/>
+                </a:rPr>
+                <a:t>(AI) Model</a:t>
+              </a:r>
+            </a:p>
+          </p:txBody>
+        </p:sp>
+        <p:sp>
+          <p:nvSpPr>
+            <p:cNvPr id="50" name="Arrow: Right 9">
+              <a:extLst>
+                <a:ext uri="{FF2B5EF4-FFF2-40B4-BE49-F238E27FC236}">
+                  <a16:creationId xmlns:a16="http://schemas.microsoft.com/office/drawing/2014/main" id="{54A5FBA2-C8A8-4399-92C5-EFB405A7A3BD}"/>
+                </a:ext>
+              </a:extLst>
+            </p:cNvPr>
+            <p:cNvSpPr/>
+            <p:nvPr/>
+          </p:nvSpPr>
+          <p:spPr>
+            <a:xfrm>
+              <a:off x="4652330" y="2057587"/>
+              <a:ext cx="426357" cy="308428"/>
+            </a:xfrm>
+            <a:prstGeom prst="rightArrow">
+              <a:avLst/>
+            </a:prstGeom>
+            <a:ln w="38100"/>
+          </p:spPr>
+          <p:style>
+            <a:lnRef idx="2">
+              <a:schemeClr val="dk1"/>
+            </a:lnRef>
+            <a:fillRef idx="1">
+              <a:schemeClr val="lt1"/>
+            </a:fillRef>
+            <a:effectRef idx="0">
+              <a:schemeClr val="dk1"/>
+            </a:effectRef>
+            <a:fontRef idx="minor">
+              <a:schemeClr val="dk1"/>
+            </a:fontRef>
+          </p:style>
+          <p:txBody>
+            <a:bodyPr rtlCol="0" anchor="ctr"/>
+            <a:lstStyle/>
+            <a:p>
+              <a:pPr algn="ctr"/>
+              <a:endParaRPr lang="en-US"/>
+            </a:p>
+          </p:txBody>
+        </p:sp>
+        <p:sp>
+          <p:nvSpPr>
+            <p:cNvPr id="51" name="Arrow: Down 10">
+              <a:extLst>
+                <a:ext uri="{FF2B5EF4-FFF2-40B4-BE49-F238E27FC236}">
+                  <a16:creationId xmlns:a16="http://schemas.microsoft.com/office/drawing/2014/main" id="{23EB1552-60A8-48F7-B366-C3DDCF74979B}"/>
+                </a:ext>
+              </a:extLst>
+            </p:cNvPr>
+            <p:cNvSpPr/>
+            <p:nvPr/>
+          </p:nvSpPr>
+          <p:spPr>
+            <a:xfrm rot="10800000">
+              <a:off x="3726433" y="2699403"/>
+              <a:ext cx="335643" cy="381001"/>
+            </a:xfrm>
+            <a:prstGeom prst="downArrow">
+              <a:avLst/>
+            </a:prstGeom>
+            <a:ln w="38100"/>
+          </p:spPr>
+          <p:style>
+            <a:lnRef idx="2">
+              <a:schemeClr val="dk1"/>
+            </a:lnRef>
+            <a:fillRef idx="1">
+              <a:schemeClr val="lt1"/>
+            </a:fillRef>
+            <a:effectRef idx="0">
+              <a:schemeClr val="dk1"/>
+            </a:effectRef>
+            <a:fontRef idx="minor">
+              <a:schemeClr val="dk1"/>
+            </a:fontRef>
+          </p:style>
+          <p:txBody>
+            <a:bodyPr rtlCol="0" anchor="ctr"/>
+            <a:lstStyle/>
+            <a:p>
+              <a:pPr algn="ctr"/>
+              <a:endParaRPr lang="en-US"/>
+            </a:p>
+          </p:txBody>
+        </p:sp>
+        <p:sp>
+          <p:nvSpPr>
+            <p:cNvPr id="52" name="Rectangle 11">
+              <a:extLst>
+                <a:ext uri="{FF2B5EF4-FFF2-40B4-BE49-F238E27FC236}">
+                  <a16:creationId xmlns:a16="http://schemas.microsoft.com/office/drawing/2014/main" id="{92CD6600-7187-43AA-8304-2CFF97F44B1B}"/>
+                </a:ext>
+              </a:extLst>
+            </p:cNvPr>
+            <p:cNvSpPr/>
+            <p:nvPr/>
+          </p:nvSpPr>
+          <p:spPr>
+            <a:xfrm>
+              <a:off x="3154236" y="3080656"/>
+              <a:ext cx="3417895" cy="508000"/>
+            </a:xfrm>
+            <a:prstGeom prst="rect">
+              <a:avLst/>
+            </a:prstGeom>
+            <a:ln w="38100"/>
+          </p:spPr>
+          <p:style>
+            <a:lnRef idx="2">
+              <a:schemeClr val="dk1"/>
+            </a:lnRef>
+            <a:fillRef idx="1">
+              <a:schemeClr val="lt1"/>
+            </a:fillRef>
+            <a:effectRef idx="0">
+              <a:schemeClr val="dk1"/>
+            </a:effectRef>
+            <a:fontRef idx="minor">
+              <a:schemeClr val="dk1"/>
+            </a:fontRef>
+          </p:style>
+          <p:txBody>
+            <a:bodyPr rtlCol="0" anchor="ctr"/>
+            <a:lstStyle/>
+            <a:p>
+              <a:pPr algn="ctr"/>
+              <a:r>
+                <a:rPr lang="en-US" dirty="0">
+                  <a:cs typeface="Calibri"/>
+                </a:rPr>
+                <a:t>Raw Data</a:t>
+              </a:r>
+              <a:endParaRPr lang="en-US" dirty="0"/>
+            </a:p>
+          </p:txBody>
+        </p:sp>
+        <p:sp>
+          <p:nvSpPr>
+            <p:cNvPr id="53" name="Arrow: Down 13">
+              <a:extLst>
+                <a:ext uri="{FF2B5EF4-FFF2-40B4-BE49-F238E27FC236}">
+                  <a16:creationId xmlns:a16="http://schemas.microsoft.com/office/drawing/2014/main" id="{94BE1C31-F6B0-4A07-BCEE-46F05DB6E803}"/>
+                </a:ext>
+              </a:extLst>
+            </p:cNvPr>
+            <p:cNvSpPr/>
+            <p:nvPr/>
+          </p:nvSpPr>
+          <p:spPr>
+            <a:xfrm>
+              <a:off x="3726433" y="1373004"/>
+              <a:ext cx="335643" cy="381001"/>
+            </a:xfrm>
+            <a:prstGeom prst="downArrow">
+              <a:avLst/>
+            </a:prstGeom>
+            <a:ln w="38100"/>
+          </p:spPr>
+          <p:style>
+            <a:lnRef idx="2">
+              <a:schemeClr val="dk1"/>
+            </a:lnRef>
+            <a:fillRef idx="1">
+              <a:schemeClr val="lt1"/>
+            </a:fillRef>
+            <a:effectRef idx="0">
+              <a:schemeClr val="dk1"/>
+            </a:effectRef>
+            <a:fontRef idx="minor">
+              <a:schemeClr val="dk1"/>
+            </a:fontRef>
+          </p:style>
+          <p:txBody>
+            <a:bodyPr rtlCol="0" anchor="ctr"/>
+            <a:lstStyle/>
+            <a:p>
+              <a:pPr algn="ctr"/>
+              <a:endParaRPr lang="en-US"/>
+            </a:p>
+          </p:txBody>
+        </p:sp>
+        <p:sp>
+          <p:nvSpPr>
+            <p:cNvPr id="54" name="Arrow: Down 14">
+              <a:extLst>
+                <a:ext uri="{FF2B5EF4-FFF2-40B4-BE49-F238E27FC236}">
+                  <a16:creationId xmlns:a16="http://schemas.microsoft.com/office/drawing/2014/main" id="{C5F58032-203C-4E72-A724-49C375E95A9D}"/>
+                </a:ext>
+              </a:extLst>
+            </p:cNvPr>
+            <p:cNvSpPr/>
+            <p:nvPr/>
+          </p:nvSpPr>
+          <p:spPr>
+            <a:xfrm rot="10800000">
+              <a:off x="5694885" y="1373004"/>
+              <a:ext cx="335643" cy="381001"/>
+            </a:xfrm>
+            <a:prstGeom prst="downArrow">
+              <a:avLst/>
+            </a:prstGeom>
+            <a:ln w="38100"/>
+          </p:spPr>
+          <p:style>
+            <a:lnRef idx="2">
+              <a:schemeClr val="dk1"/>
+            </a:lnRef>
+            <a:fillRef idx="1">
+              <a:schemeClr val="lt1"/>
+            </a:fillRef>
+            <a:effectRef idx="0">
+              <a:schemeClr val="dk1"/>
+            </a:effectRef>
+            <a:fontRef idx="minor">
+              <a:schemeClr val="dk1"/>
+            </a:fontRef>
+          </p:style>
+          <p:txBody>
+            <a:bodyPr rtlCol="0" anchor="ctr"/>
+            <a:lstStyle/>
+            <a:p>
+              <a:pPr algn="ctr"/>
+              <a:endParaRPr lang="en-US"/>
+            </a:p>
+          </p:txBody>
+        </p:sp>
+      </p:grpSp>
     </p:spTree>
     <p:extLst>
       <p:ext uri="{BB962C8B-B14F-4D97-AF65-F5344CB8AC3E}">
@@ -4884,43 +5625,6 @@
           </a:p>
         </p:txBody>
       </p:sp>
-      <p:cxnSp>
-        <p:nvCxnSpPr>
-          <p:cNvPr id="2" name="Straight Arrow Connector 1">
-            <a:extLst>
-              <a:ext uri="{FF2B5EF4-FFF2-40B4-BE49-F238E27FC236}">
-                <a16:creationId xmlns:a16="http://schemas.microsoft.com/office/drawing/2014/main" id="{3AD20685-8761-434E-B6BF-34C75C1B7CA2}"/>
-              </a:ext>
-            </a:extLst>
-          </p:cNvPr>
-          <p:cNvCxnSpPr/>
-          <p:nvPr/>
-        </p:nvCxnSpPr>
-        <p:spPr>
-          <a:xfrm flipV="1">
-            <a:off x="955496" y="3802294"/>
-            <a:ext cx="8870022" cy="1"/>
-          </a:xfrm>
-          <a:prstGeom prst="straightConnector1">
-            <a:avLst/>
-          </a:prstGeom>
-          <a:ln w="28575"/>
-        </p:spPr>
-        <p:style>
-          <a:lnRef idx="1">
-            <a:schemeClr val="accent1"/>
-          </a:lnRef>
-          <a:fillRef idx="0">
-            <a:schemeClr val="accent1"/>
-          </a:fillRef>
-          <a:effectRef idx="0">
-            <a:schemeClr val="accent1"/>
-          </a:effectRef>
-          <a:fontRef idx="minor">
-            <a:schemeClr val="tx1"/>
-          </a:fontRef>
-        </p:style>
-      </p:cxnSp>
       <p:sp>
         <p:nvSpPr>
           <p:cNvPr id="6" name="Rectangle 5">
@@ -4941,10 +5645,9 @@
           <a:prstGeom prst="rect">
             <a:avLst/>
           </a:prstGeom>
+          <a:noFill/>
           <a:ln w="28575">
-            <a:solidFill>
-              <a:schemeClr val="bg1"/>
-            </a:solidFill>
+            <a:noFill/>
           </a:ln>
         </p:spPr>
         <p:style>
@@ -4965,7 +5668,7 @@
           <a:bodyPr rtlCol="0" anchor="ctr"/>
           <a:lstStyle/>
           <a:p>
-            <a:pPr algn="r"/>
+            <a:pPr algn="ctr"/>
             <a:r>
               <a:rPr lang="en-US" dirty="0">
                 <a:cs typeface="Calibri"/>
@@ -5346,10 +6049,9 @@
           <a:prstGeom prst="rect">
             <a:avLst/>
           </a:prstGeom>
+          <a:noFill/>
           <a:ln w="28575">
-            <a:solidFill>
-              <a:schemeClr val="bg1"/>
-            </a:solidFill>
+            <a:noFill/>
           </a:ln>
         </p:spPr>
         <p:style>
@@ -5370,7 +6072,7 @@
           <a:bodyPr rtlCol="0" anchor="ctr"/>
           <a:lstStyle/>
           <a:p>
-            <a:pPr algn="r"/>
+            <a:pPr algn="ctr"/>
             <a:r>
               <a:rPr lang="en-US" dirty="0">
                 <a:cs typeface="Calibri"/>
@@ -5545,10 +6247,9 @@
           <a:prstGeom prst="rect">
             <a:avLst/>
           </a:prstGeom>
+          <a:noFill/>
           <a:ln w="28575">
-            <a:solidFill>
-              <a:schemeClr val="bg1"/>
-            </a:solidFill>
+            <a:noFill/>
           </a:ln>
         </p:spPr>
         <p:style>
@@ -5569,7 +6270,7 @@
           <a:bodyPr rtlCol="0" anchor="ctr"/>
           <a:lstStyle/>
           <a:p>
-            <a:pPr algn="r"/>
+            <a:pPr algn="ctr"/>
             <a:r>
               <a:rPr lang="en-US" dirty="0">
                 <a:cs typeface="Calibri"/>
@@ -5579,45 +6280,6 @@
           </a:p>
         </p:txBody>
       </p:sp>
-      <p:cxnSp>
-        <p:nvCxnSpPr>
-          <p:cNvPr id="16" name="Straight Arrow Connector 15">
-            <a:extLst>
-              <a:ext uri="{FF2B5EF4-FFF2-40B4-BE49-F238E27FC236}">
-                <a16:creationId xmlns:a16="http://schemas.microsoft.com/office/drawing/2014/main" id="{EFC066DD-B12A-4A34-AD79-9CDDED346FE0}"/>
-              </a:ext>
-            </a:extLst>
-          </p:cNvPr>
-          <p:cNvCxnSpPr>
-            <a:cxnSpLocks/>
-          </p:cNvCxnSpPr>
-          <p:nvPr/>
-        </p:nvCxnSpPr>
-        <p:spPr>
-          <a:xfrm flipV="1">
-            <a:off x="955497" y="3100227"/>
-            <a:ext cx="8870022" cy="1"/>
-          </a:xfrm>
-          <a:prstGeom prst="straightConnector1">
-            <a:avLst/>
-          </a:prstGeom>
-          <a:ln w="28575"/>
-        </p:spPr>
-        <p:style>
-          <a:lnRef idx="1">
-            <a:schemeClr val="accent1"/>
-          </a:lnRef>
-          <a:fillRef idx="0">
-            <a:schemeClr val="accent1"/>
-          </a:fillRef>
-          <a:effectRef idx="0">
-            <a:schemeClr val="accent1"/>
-          </a:effectRef>
-          <a:fontRef idx="minor">
-            <a:schemeClr val="tx1"/>
-          </a:fontRef>
-        </p:style>
-      </p:cxnSp>
       <p:sp>
         <p:nvSpPr>
           <p:cNvPr id="19" name="Rectangle 18">
@@ -6043,7 +6705,7 @@
           <a:p>
             <a:pPr algn="ctr"/>
             <a:r>
-              <a:rPr lang="en-US" sz="1600">
+              <a:rPr lang="en-US" sz="1600" dirty="0">
                 <a:ea typeface="+mn-lt"/>
                 <a:cs typeface="+mn-lt"/>
               </a:rPr>
@@ -6188,7 +6850,7 @@
           <a:p>
             <a:pPr algn="ctr"/>
             <a:r>
-              <a:rPr lang="en-US" sz="1400">
+              <a:rPr lang="en-US" sz="1400" dirty="0">
                 <a:ea typeface="+mn-lt"/>
                 <a:cs typeface="+mn-lt"/>
               </a:rPr>
@@ -6198,7 +6860,7 @@
           <a:p>
             <a:pPr algn="ctr"/>
             <a:r>
-              <a:rPr lang="en-US" sz="1400">
+              <a:rPr lang="en-US" sz="1400" dirty="0">
                 <a:ea typeface="+mn-lt"/>
                 <a:cs typeface="+mn-lt"/>
               </a:rPr>
@@ -6941,54 +7603,24 @@
           <a:p>
             <a:pPr algn="ctr"/>
             <a:r>
-              <a:rPr lang="en-US">
+              <a:rPr lang="en-US" dirty="0">
                 <a:cs typeface="Calibri"/>
               </a:rPr>
-              <a:t>3D&amp;2D Edit</a:t>
+              <a:t>3D&amp;2D </a:t>
             </a:r>
-            <a:endParaRPr lang="en-US"/>
+          </a:p>
+          <a:p>
+            <a:pPr algn="ctr"/>
+            <a:r>
+              <a:rPr lang="en-US" dirty="0">
+                <a:cs typeface="Calibri"/>
+              </a:rPr>
+              <a:t>Annotation</a:t>
+            </a:r>
+            <a:endParaRPr lang="en-US" dirty="0"/>
           </a:p>
         </p:txBody>
       </p:sp>
-      <p:cxnSp>
-        <p:nvCxnSpPr>
-          <p:cNvPr id="17" name="Straight Arrow Connector 16">
-            <a:extLst>
-              <a:ext uri="{FF2B5EF4-FFF2-40B4-BE49-F238E27FC236}">
-                <a16:creationId xmlns:a16="http://schemas.microsoft.com/office/drawing/2014/main" id="{F7F3D6A7-BE97-4070-B282-D6103EED7F9B}"/>
-              </a:ext>
-            </a:extLst>
-          </p:cNvPr>
-          <p:cNvCxnSpPr>
-            <a:cxnSpLocks/>
-          </p:cNvCxnSpPr>
-          <p:nvPr/>
-        </p:nvCxnSpPr>
-        <p:spPr>
-          <a:xfrm flipV="1">
-            <a:off x="964058" y="2432407"/>
-            <a:ext cx="8870022" cy="1"/>
-          </a:xfrm>
-          <a:prstGeom prst="straightConnector1">
-            <a:avLst/>
-          </a:prstGeom>
-          <a:ln w="28575"/>
-        </p:spPr>
-        <p:style>
-          <a:lnRef idx="1">
-            <a:schemeClr val="accent1"/>
-          </a:lnRef>
-          <a:fillRef idx="0">
-            <a:schemeClr val="accent1"/>
-          </a:fillRef>
-          <a:effectRef idx="0">
-            <a:schemeClr val="accent1"/>
-          </a:effectRef>
-          <a:fontRef idx="minor">
-            <a:schemeClr val="tx1"/>
-          </a:fontRef>
-        </p:style>
-      </p:cxnSp>
       <p:sp>
         <p:nvSpPr>
           <p:cNvPr id="28" name="Rectangle 27">
@@ -7156,9 +7788,10 @@
           <a:prstGeom prst="rect">
             <a:avLst/>
           </a:prstGeom>
-          <a:ln w="28575">
+          <a:noFill/>
+          <a:ln w="38100">
             <a:solidFill>
-              <a:schemeClr val="bg1"/>
+              <a:schemeClr val="tx1"/>
             </a:solidFill>
           </a:ln>
         </p:spPr>
@@ -7180,14 +7813,14 @@
           <a:bodyPr rtlCol="0" anchor="ctr"/>
           <a:lstStyle/>
           <a:p>
-            <a:pPr algn="r"/>
+            <a:pPr algn="ctr"/>
             <a:r>
               <a:rPr lang="en-US" dirty="0">
                 <a:cs typeface="Calibri"/>
               </a:rPr>
               <a:t>Operation</a:t>
             </a:r>
-            <a:endParaRPr lang="en-US"/>
+            <a:endParaRPr lang="en-US" dirty="0"/>
           </a:p>
         </p:txBody>
       </p:sp>
@@ -7338,10 +7971,3601 @@
           </a:p>
         </p:txBody>
       </p:sp>
+      <p:sp>
+        <p:nvSpPr>
+          <p:cNvPr id="8" name="矩形 7">
+            <a:extLst>
+              <a:ext uri="{FF2B5EF4-FFF2-40B4-BE49-F238E27FC236}">
+                <a16:creationId xmlns:a16="http://schemas.microsoft.com/office/drawing/2014/main" id="{48F18F0B-B9ED-4C1E-9BC3-D5A28FF5D0C4}"/>
+              </a:ext>
+            </a:extLst>
+          </p:cNvPr>
+          <p:cNvSpPr/>
+          <p:nvPr/>
+        </p:nvSpPr>
+        <p:spPr>
+          <a:xfrm>
+            <a:off x="924128" y="1786855"/>
+            <a:ext cx="8709111" cy="629343"/>
+          </a:xfrm>
+          <a:prstGeom prst="rect">
+            <a:avLst/>
+          </a:prstGeom>
+          <a:noFill/>
+          <a:ln w="38100">
+            <a:solidFill>
+              <a:schemeClr val="tx1"/>
+            </a:solidFill>
+            <a:prstDash val="sysDash"/>
+          </a:ln>
+        </p:spPr>
+        <p:style>
+          <a:lnRef idx="2">
+            <a:schemeClr val="accent1">
+              <a:shade val="50000"/>
+            </a:schemeClr>
+          </a:lnRef>
+          <a:fillRef idx="1">
+            <a:schemeClr val="accent1"/>
+          </a:fillRef>
+          <a:effectRef idx="0">
+            <a:schemeClr val="accent1"/>
+          </a:effectRef>
+          <a:fontRef idx="minor">
+            <a:schemeClr val="lt1"/>
+          </a:fontRef>
+        </p:style>
+        <p:txBody>
+          <a:bodyPr rtlCol="0" anchor="ctr"/>
+          <a:lstStyle/>
+          <a:p>
+            <a:pPr algn="ctr"/>
+            <a:endParaRPr lang="zh-CN" altLang="en-US"/>
+          </a:p>
+        </p:txBody>
+      </p:sp>
+      <p:sp>
+        <p:nvSpPr>
+          <p:cNvPr id="31" name="矩形 30">
+            <a:extLst>
+              <a:ext uri="{FF2B5EF4-FFF2-40B4-BE49-F238E27FC236}">
+                <a16:creationId xmlns:a16="http://schemas.microsoft.com/office/drawing/2014/main" id="{BF05AC7C-07E7-4675-90FF-DCAAB23BAB1D}"/>
+              </a:ext>
+            </a:extLst>
+          </p:cNvPr>
+          <p:cNvSpPr/>
+          <p:nvPr/>
+        </p:nvSpPr>
+        <p:spPr>
+          <a:xfrm>
+            <a:off x="924127" y="2464463"/>
+            <a:ext cx="8709111" cy="629343"/>
+          </a:xfrm>
+          <a:prstGeom prst="rect">
+            <a:avLst/>
+          </a:prstGeom>
+          <a:noFill/>
+          <a:ln w="38100">
+            <a:solidFill>
+              <a:schemeClr val="tx1"/>
+            </a:solidFill>
+            <a:prstDash val="sysDash"/>
+          </a:ln>
+        </p:spPr>
+        <p:style>
+          <a:lnRef idx="2">
+            <a:schemeClr val="accent1">
+              <a:shade val="50000"/>
+            </a:schemeClr>
+          </a:lnRef>
+          <a:fillRef idx="1">
+            <a:schemeClr val="accent1"/>
+          </a:fillRef>
+          <a:effectRef idx="0">
+            <a:schemeClr val="accent1"/>
+          </a:effectRef>
+          <a:fontRef idx="minor">
+            <a:schemeClr val="lt1"/>
+          </a:fontRef>
+        </p:style>
+        <p:txBody>
+          <a:bodyPr rtlCol="0" anchor="ctr"/>
+          <a:lstStyle/>
+          <a:p>
+            <a:pPr algn="ctr"/>
+            <a:endParaRPr lang="zh-CN" altLang="en-US"/>
+          </a:p>
+        </p:txBody>
+      </p:sp>
+      <p:sp>
+        <p:nvSpPr>
+          <p:cNvPr id="32" name="矩形 31">
+            <a:extLst>
+              <a:ext uri="{FF2B5EF4-FFF2-40B4-BE49-F238E27FC236}">
+                <a16:creationId xmlns:a16="http://schemas.microsoft.com/office/drawing/2014/main" id="{A492009B-BA1F-4333-ACF1-A25A7ADFB35D}"/>
+              </a:ext>
+            </a:extLst>
+          </p:cNvPr>
+          <p:cNvSpPr/>
+          <p:nvPr/>
+        </p:nvSpPr>
+        <p:spPr>
+          <a:xfrm>
+            <a:off x="924127" y="3155517"/>
+            <a:ext cx="8709111" cy="629343"/>
+          </a:xfrm>
+          <a:prstGeom prst="rect">
+            <a:avLst/>
+          </a:prstGeom>
+          <a:noFill/>
+          <a:ln w="38100">
+            <a:solidFill>
+              <a:schemeClr val="tx1"/>
+            </a:solidFill>
+            <a:prstDash val="sysDash"/>
+          </a:ln>
+        </p:spPr>
+        <p:style>
+          <a:lnRef idx="2">
+            <a:schemeClr val="accent1">
+              <a:shade val="50000"/>
+            </a:schemeClr>
+          </a:lnRef>
+          <a:fillRef idx="1">
+            <a:schemeClr val="accent1"/>
+          </a:fillRef>
+          <a:effectRef idx="0">
+            <a:schemeClr val="accent1"/>
+          </a:effectRef>
+          <a:fontRef idx="minor">
+            <a:schemeClr val="lt1"/>
+          </a:fontRef>
+        </p:style>
+        <p:txBody>
+          <a:bodyPr rtlCol="0" anchor="ctr"/>
+          <a:lstStyle/>
+          <a:p>
+            <a:pPr algn="ctr"/>
+            <a:endParaRPr lang="zh-CN" altLang="en-US"/>
+          </a:p>
+        </p:txBody>
+      </p:sp>
+      <p:sp>
+        <p:nvSpPr>
+          <p:cNvPr id="33" name="矩形 32">
+            <a:extLst>
+              <a:ext uri="{FF2B5EF4-FFF2-40B4-BE49-F238E27FC236}">
+                <a16:creationId xmlns:a16="http://schemas.microsoft.com/office/drawing/2014/main" id="{FD059757-DF40-4A22-B89A-5B2FA96B0345}"/>
+              </a:ext>
+            </a:extLst>
+          </p:cNvPr>
+          <p:cNvSpPr/>
+          <p:nvPr/>
+        </p:nvSpPr>
+        <p:spPr>
+          <a:xfrm>
+            <a:off x="924126" y="3848082"/>
+            <a:ext cx="8709111" cy="629343"/>
+          </a:xfrm>
+          <a:prstGeom prst="rect">
+            <a:avLst/>
+          </a:prstGeom>
+          <a:noFill/>
+          <a:ln w="38100">
+            <a:solidFill>
+              <a:schemeClr val="tx1"/>
+            </a:solidFill>
+            <a:prstDash val="sysDash"/>
+          </a:ln>
+        </p:spPr>
+        <p:style>
+          <a:lnRef idx="2">
+            <a:schemeClr val="accent1">
+              <a:shade val="50000"/>
+            </a:schemeClr>
+          </a:lnRef>
+          <a:fillRef idx="1">
+            <a:schemeClr val="accent1"/>
+          </a:fillRef>
+          <a:effectRef idx="0">
+            <a:schemeClr val="accent1"/>
+          </a:effectRef>
+          <a:fontRef idx="minor">
+            <a:schemeClr val="lt1"/>
+          </a:fontRef>
+        </p:style>
+        <p:txBody>
+          <a:bodyPr rtlCol="0" anchor="ctr"/>
+          <a:lstStyle/>
+          <a:p>
+            <a:pPr algn="ctr"/>
+            <a:endParaRPr lang="zh-CN" altLang="en-US"/>
+          </a:p>
+        </p:txBody>
+      </p:sp>
     </p:spTree>
     <p:extLst>
       <p:ext uri="{BB962C8B-B14F-4D97-AF65-F5344CB8AC3E}">
         <p14:creationId xmlns:p14="http://schemas.microsoft.com/office/powerpoint/2010/main" val="2738492383"/>
+      </p:ext>
+    </p:extLst>
+  </p:cSld>
+  <p:clrMapOvr>
+    <a:masterClrMapping/>
+  </p:clrMapOvr>
+</p:sld>
+</file>
+
+<file path=ppt/slides/slide4.xml><?xml version="1.0" encoding="utf-8"?>
+<p:sld xmlns:a="http://schemas.openxmlformats.org/drawingml/2006/main" xmlns:r="http://schemas.openxmlformats.org/officeDocument/2006/relationships" xmlns:p="http://schemas.openxmlformats.org/presentationml/2006/main">
+  <p:cSld>
+    <p:spTree>
+      <p:nvGrpSpPr>
+        <p:cNvPr id="1" name=""/>
+        <p:cNvGrpSpPr/>
+        <p:nvPr/>
+      </p:nvGrpSpPr>
+      <p:grpSpPr>
+        <a:xfrm>
+          <a:off x="0" y="0"/>
+          <a:ext cx="0" cy="0"/>
+          <a:chOff x="0" y="0"/>
+          <a:chExt cx="0" cy="0"/>
+        </a:xfrm>
+      </p:grpSpPr>
+      <p:grpSp>
+        <p:nvGrpSpPr>
+          <p:cNvPr id="4" name="组合 3">
+            <a:extLst>
+              <a:ext uri="{FF2B5EF4-FFF2-40B4-BE49-F238E27FC236}">
+                <a16:creationId xmlns:a16="http://schemas.microsoft.com/office/drawing/2014/main" id="{50F2273A-66DA-41AF-A48C-64EC61AB2855}"/>
+              </a:ext>
+            </a:extLst>
+          </p:cNvPr>
+          <p:cNvGrpSpPr/>
+          <p:nvPr/>
+        </p:nvGrpSpPr>
+        <p:grpSpPr>
+          <a:xfrm>
+            <a:off x="3248024" y="644098"/>
+            <a:ext cx="7496448" cy="4394899"/>
+            <a:chOff x="3248024" y="644098"/>
+            <a:chExt cx="7496448" cy="4394899"/>
+          </a:xfrm>
+        </p:grpSpPr>
+        <p:sp>
+          <p:nvSpPr>
+            <p:cNvPr id="5" name="Rectangle 3">
+              <a:extLst>
+                <a:ext uri="{FF2B5EF4-FFF2-40B4-BE49-F238E27FC236}">
+                  <a16:creationId xmlns:a16="http://schemas.microsoft.com/office/drawing/2014/main" id="{2B6D3AB2-5F2A-47C4-8C63-30878B0B5C6A}"/>
+                </a:ext>
+              </a:extLst>
+            </p:cNvPr>
+            <p:cNvSpPr/>
+            <p:nvPr/>
+          </p:nvSpPr>
+          <p:spPr>
+            <a:xfrm>
+              <a:off x="4559044" y="644098"/>
+              <a:ext cx="6185428" cy="4394899"/>
+            </a:xfrm>
+            <a:prstGeom prst="rect">
+              <a:avLst/>
+            </a:prstGeom>
+            <a:ln w="38100"/>
+          </p:spPr>
+          <p:style>
+            <a:lnRef idx="2">
+              <a:schemeClr val="dk1"/>
+            </a:lnRef>
+            <a:fillRef idx="1">
+              <a:schemeClr val="lt1"/>
+            </a:fillRef>
+            <a:effectRef idx="0">
+              <a:schemeClr val="dk1"/>
+            </a:effectRef>
+            <a:fontRef idx="minor">
+              <a:schemeClr val="dk1"/>
+            </a:fontRef>
+          </p:style>
+          <p:txBody>
+            <a:bodyPr rtlCol="0" anchor="ctr"/>
+            <a:lstStyle/>
+            <a:p>
+              <a:pPr algn="ctr"/>
+              <a:endParaRPr lang="en-US" sz="1400" dirty="0">
+                <a:latin typeface="Times New Roman" panose="02020603050405020304" pitchFamily="18" charset="0"/>
+                <a:cs typeface="Times New Roman" panose="02020603050405020304" pitchFamily="18" charset="0"/>
+              </a:endParaRPr>
+            </a:p>
+          </p:txBody>
+        </p:sp>
+        <p:sp>
+          <p:nvSpPr>
+            <p:cNvPr id="6" name="Rectangle 4">
+              <a:extLst>
+                <a:ext uri="{FF2B5EF4-FFF2-40B4-BE49-F238E27FC236}">
+                  <a16:creationId xmlns:a16="http://schemas.microsoft.com/office/drawing/2014/main" id="{6CC0ECD7-1913-4D31-8215-9F6DA80576FA}"/>
+                </a:ext>
+              </a:extLst>
+            </p:cNvPr>
+            <p:cNvSpPr/>
+            <p:nvPr/>
+          </p:nvSpPr>
+          <p:spPr>
+            <a:xfrm>
+              <a:off x="3248024" y="2895535"/>
+              <a:ext cx="1048489" cy="1080008"/>
+            </a:xfrm>
+            <a:prstGeom prst="rect">
+              <a:avLst/>
+            </a:prstGeom>
+            <a:ln w="38100"/>
+          </p:spPr>
+          <p:style>
+            <a:lnRef idx="2">
+              <a:schemeClr val="dk1"/>
+            </a:lnRef>
+            <a:fillRef idx="1">
+              <a:schemeClr val="lt1"/>
+            </a:fillRef>
+            <a:effectRef idx="0">
+              <a:schemeClr val="dk1"/>
+            </a:effectRef>
+            <a:fontRef idx="minor">
+              <a:schemeClr val="dk1"/>
+            </a:fontRef>
+          </p:style>
+          <p:txBody>
+            <a:bodyPr rtlCol="0" anchor="ctr"/>
+            <a:lstStyle/>
+            <a:p>
+              <a:pPr algn="ctr"/>
+              <a:r>
+                <a:rPr lang="en-US" sz="1400" dirty="0">
+                  <a:latin typeface="Times New Roman" panose="02020603050405020304" pitchFamily="18" charset="0"/>
+                  <a:cs typeface="Times New Roman" panose="02020603050405020304" pitchFamily="18" charset="0"/>
+                </a:rPr>
+                <a:t>AI-based </a:t>
+              </a:r>
+            </a:p>
+            <a:p>
+              <a:pPr algn="ctr"/>
+              <a:r>
+                <a:rPr lang="en-US" sz="1400" dirty="0">
+                  <a:latin typeface="Times New Roman" panose="02020603050405020304" pitchFamily="18" charset="0"/>
+                  <a:cs typeface="Times New Roman" panose="02020603050405020304" pitchFamily="18" charset="0"/>
+                </a:rPr>
+                <a:t>Automatic Annotation</a:t>
+              </a:r>
+            </a:p>
+          </p:txBody>
+        </p:sp>
+        <p:sp>
+          <p:nvSpPr>
+            <p:cNvPr id="7" name="Rectangle 5">
+              <a:extLst>
+                <a:ext uri="{FF2B5EF4-FFF2-40B4-BE49-F238E27FC236}">
+                  <a16:creationId xmlns:a16="http://schemas.microsoft.com/office/drawing/2014/main" id="{7B788E71-7730-4954-9B15-8886B006E02F}"/>
+                </a:ext>
+              </a:extLst>
+            </p:cNvPr>
+            <p:cNvSpPr/>
+            <p:nvPr/>
+          </p:nvSpPr>
+          <p:spPr>
+            <a:xfrm>
+              <a:off x="3248024" y="644098"/>
+              <a:ext cx="1041980" cy="718027"/>
+            </a:xfrm>
+            <a:prstGeom prst="rect">
+              <a:avLst/>
+            </a:prstGeom>
+            <a:ln w="38100"/>
+          </p:spPr>
+          <p:style>
+            <a:lnRef idx="2">
+              <a:schemeClr val="dk1"/>
+            </a:lnRef>
+            <a:fillRef idx="1">
+              <a:schemeClr val="lt1"/>
+            </a:fillRef>
+            <a:effectRef idx="0">
+              <a:schemeClr val="dk1"/>
+            </a:effectRef>
+            <a:fontRef idx="minor">
+              <a:schemeClr val="dk1"/>
+            </a:fontRef>
+          </p:style>
+          <p:txBody>
+            <a:bodyPr rtlCol="0" anchor="ctr"/>
+            <a:lstStyle/>
+            <a:p>
+              <a:pPr algn="ctr"/>
+              <a:r>
+                <a:rPr lang="en-US" sz="1400" dirty="0">
+                  <a:latin typeface="Times New Roman" panose="02020603050405020304" pitchFamily="18" charset="0"/>
+                  <a:cs typeface="Times New Roman" panose="02020603050405020304" pitchFamily="18" charset="0"/>
+                </a:rPr>
+                <a:t>Finely Annotated </a:t>
+              </a:r>
+            </a:p>
+            <a:p>
+              <a:pPr algn="ctr"/>
+              <a:r>
+                <a:rPr lang="en-US" sz="1400" dirty="0">
+                  <a:latin typeface="Times New Roman" panose="02020603050405020304" pitchFamily="18" charset="0"/>
+                  <a:cs typeface="Times New Roman" panose="02020603050405020304" pitchFamily="18" charset="0"/>
+                </a:rPr>
+                <a:t>Data</a:t>
+              </a:r>
+            </a:p>
+          </p:txBody>
+        </p:sp>
+        <p:sp>
+          <p:nvSpPr>
+            <p:cNvPr id="8" name="Rectangle 8">
+              <a:extLst>
+                <a:ext uri="{FF2B5EF4-FFF2-40B4-BE49-F238E27FC236}">
+                  <a16:creationId xmlns:a16="http://schemas.microsoft.com/office/drawing/2014/main" id="{BFFCA041-983A-4DCB-A175-A32C136B3957}"/>
+                </a:ext>
+              </a:extLst>
+            </p:cNvPr>
+            <p:cNvSpPr/>
+            <p:nvPr/>
+          </p:nvSpPr>
+          <p:spPr>
+            <a:xfrm>
+              <a:off x="3248025" y="1587343"/>
+              <a:ext cx="1048489" cy="1080008"/>
+            </a:xfrm>
+            <a:prstGeom prst="rect">
+              <a:avLst/>
+            </a:prstGeom>
+            <a:ln w="38100"/>
+          </p:spPr>
+          <p:style>
+            <a:lnRef idx="2">
+              <a:schemeClr val="dk1"/>
+            </a:lnRef>
+            <a:fillRef idx="1">
+              <a:schemeClr val="lt1"/>
+            </a:fillRef>
+            <a:effectRef idx="0">
+              <a:schemeClr val="dk1"/>
+            </a:effectRef>
+            <a:fontRef idx="minor">
+              <a:schemeClr val="dk1"/>
+            </a:fontRef>
+          </p:style>
+          <p:txBody>
+            <a:bodyPr rtlCol="0" anchor="ctr"/>
+            <a:lstStyle/>
+            <a:p>
+              <a:pPr algn="ctr"/>
+              <a:r>
+                <a:rPr lang="en-US" altLang="zh-CN" sz="1400" dirty="0">
+                  <a:latin typeface="Times New Roman" panose="02020603050405020304" pitchFamily="18" charset="0"/>
+                  <a:cs typeface="Times New Roman" panose="02020603050405020304" pitchFamily="18" charset="0"/>
+                </a:rPr>
+                <a:t>Artificial Intelligence</a:t>
+              </a:r>
+            </a:p>
+            <a:p>
+              <a:pPr algn="ctr"/>
+              <a:r>
+                <a:rPr lang="en-US" altLang="zh-CN" sz="1400" dirty="0">
+                  <a:latin typeface="Times New Roman" panose="02020603050405020304" pitchFamily="18" charset="0"/>
+                  <a:cs typeface="Times New Roman" panose="02020603050405020304" pitchFamily="18" charset="0"/>
+                </a:rPr>
+                <a:t> </a:t>
+              </a:r>
+              <a:r>
+                <a:rPr lang="en-US" sz="1400" dirty="0">
+                  <a:latin typeface="Times New Roman" panose="02020603050405020304" pitchFamily="18" charset="0"/>
+                  <a:cs typeface="Times New Roman" panose="02020603050405020304" pitchFamily="18" charset="0"/>
+                </a:rPr>
+                <a:t>(AI) Model</a:t>
+              </a:r>
+            </a:p>
+          </p:txBody>
+        </p:sp>
+        <p:sp>
+          <p:nvSpPr>
+            <p:cNvPr id="9" name="Rectangle 11">
+              <a:extLst>
+                <a:ext uri="{FF2B5EF4-FFF2-40B4-BE49-F238E27FC236}">
+                  <a16:creationId xmlns:a16="http://schemas.microsoft.com/office/drawing/2014/main" id="{93CBCB76-91D5-490D-836E-7C485E955AF4}"/>
+                </a:ext>
+              </a:extLst>
+            </p:cNvPr>
+            <p:cNvSpPr/>
+            <p:nvPr/>
+          </p:nvSpPr>
+          <p:spPr>
+            <a:xfrm>
+              <a:off x="3248024" y="4320968"/>
+              <a:ext cx="1048489" cy="718027"/>
+            </a:xfrm>
+            <a:prstGeom prst="rect">
+              <a:avLst/>
+            </a:prstGeom>
+            <a:ln w="38100"/>
+          </p:spPr>
+          <p:style>
+            <a:lnRef idx="2">
+              <a:schemeClr val="dk1"/>
+            </a:lnRef>
+            <a:fillRef idx="1">
+              <a:schemeClr val="lt1"/>
+            </a:fillRef>
+            <a:effectRef idx="0">
+              <a:schemeClr val="dk1"/>
+            </a:effectRef>
+            <a:fontRef idx="minor">
+              <a:schemeClr val="dk1"/>
+            </a:fontRef>
+          </p:style>
+          <p:txBody>
+            <a:bodyPr rtlCol="0" anchor="ctr"/>
+            <a:lstStyle/>
+            <a:p>
+              <a:pPr algn="ctr"/>
+              <a:r>
+                <a:rPr lang="en-US" sz="1400" dirty="0">
+                  <a:latin typeface="Times New Roman" panose="02020603050405020304" pitchFamily="18" charset="0"/>
+                  <a:cs typeface="Times New Roman" panose="02020603050405020304" pitchFamily="18" charset="0"/>
+                </a:rPr>
+                <a:t>Raw Data</a:t>
+              </a:r>
+            </a:p>
+          </p:txBody>
+        </p:sp>
+        <p:sp>
+          <p:nvSpPr>
+            <p:cNvPr id="10" name="Rectangle 23">
+              <a:extLst>
+                <a:ext uri="{FF2B5EF4-FFF2-40B4-BE49-F238E27FC236}">
+                  <a16:creationId xmlns:a16="http://schemas.microsoft.com/office/drawing/2014/main" id="{3ABE3F90-AD26-42B6-81A6-70EB305D3606}"/>
+                </a:ext>
+              </a:extLst>
+            </p:cNvPr>
+            <p:cNvSpPr/>
+            <p:nvPr/>
+          </p:nvSpPr>
+          <p:spPr>
+            <a:xfrm>
+              <a:off x="4715647" y="1592099"/>
+              <a:ext cx="1301497" cy="496686"/>
+            </a:xfrm>
+            <a:prstGeom prst="rect">
+              <a:avLst/>
+            </a:prstGeom>
+            <a:ln w="38100"/>
+          </p:spPr>
+          <p:style>
+            <a:lnRef idx="2">
+              <a:schemeClr val="dk1"/>
+            </a:lnRef>
+            <a:fillRef idx="1">
+              <a:schemeClr val="lt1"/>
+            </a:fillRef>
+            <a:effectRef idx="0">
+              <a:schemeClr val="dk1"/>
+            </a:effectRef>
+            <a:fontRef idx="minor">
+              <a:schemeClr val="dk1"/>
+            </a:fontRef>
+          </p:style>
+          <p:txBody>
+            <a:bodyPr rtlCol="0" anchor="ctr"/>
+            <a:lstStyle>
+              <a:defPPr>
+                <a:defRPr lang="en-US"/>
+              </a:defPPr>
+              <a:lvl1pPr marL="0" algn="l" defTabSz="914400" rtl="0" eaLnBrk="1" latinLnBrk="0" hangingPunct="1">
+                <a:defRPr sz="1800" kern="1200">
+                  <a:solidFill>
+                    <a:schemeClr val="dk1"/>
+                  </a:solidFill>
+                  <a:latin typeface="+mn-lt"/>
+                  <a:ea typeface="+mn-ea"/>
+                  <a:cs typeface="+mn-cs"/>
+                </a:defRPr>
+              </a:lvl1pPr>
+              <a:lvl2pPr marL="457200" algn="l" defTabSz="914400" rtl="0" eaLnBrk="1" latinLnBrk="0" hangingPunct="1">
+                <a:defRPr sz="1800" kern="1200">
+                  <a:solidFill>
+                    <a:schemeClr val="dk1"/>
+                  </a:solidFill>
+                  <a:latin typeface="+mn-lt"/>
+                  <a:ea typeface="+mn-ea"/>
+                  <a:cs typeface="+mn-cs"/>
+                </a:defRPr>
+              </a:lvl2pPr>
+              <a:lvl3pPr marL="914400" algn="l" defTabSz="914400" rtl="0" eaLnBrk="1" latinLnBrk="0" hangingPunct="1">
+                <a:defRPr sz="1800" kern="1200">
+                  <a:solidFill>
+                    <a:schemeClr val="dk1"/>
+                  </a:solidFill>
+                  <a:latin typeface="+mn-lt"/>
+                  <a:ea typeface="+mn-ea"/>
+                  <a:cs typeface="+mn-cs"/>
+                </a:defRPr>
+              </a:lvl3pPr>
+              <a:lvl4pPr marL="1371600" algn="l" defTabSz="914400" rtl="0" eaLnBrk="1" latinLnBrk="0" hangingPunct="1">
+                <a:defRPr sz="1800" kern="1200">
+                  <a:solidFill>
+                    <a:schemeClr val="dk1"/>
+                  </a:solidFill>
+                  <a:latin typeface="+mn-lt"/>
+                  <a:ea typeface="+mn-ea"/>
+                  <a:cs typeface="+mn-cs"/>
+                </a:defRPr>
+              </a:lvl4pPr>
+              <a:lvl5pPr marL="1828800" algn="l" defTabSz="914400" rtl="0" eaLnBrk="1" latinLnBrk="0" hangingPunct="1">
+                <a:defRPr sz="1800" kern="1200">
+                  <a:solidFill>
+                    <a:schemeClr val="dk1"/>
+                  </a:solidFill>
+                  <a:latin typeface="+mn-lt"/>
+                  <a:ea typeface="+mn-ea"/>
+                  <a:cs typeface="+mn-cs"/>
+                </a:defRPr>
+              </a:lvl5pPr>
+              <a:lvl6pPr marL="2286000" algn="l" defTabSz="914400" rtl="0" eaLnBrk="1" latinLnBrk="0" hangingPunct="1">
+                <a:defRPr sz="1800" kern="1200">
+                  <a:solidFill>
+                    <a:schemeClr val="dk1"/>
+                  </a:solidFill>
+                  <a:latin typeface="+mn-lt"/>
+                  <a:ea typeface="+mn-ea"/>
+                  <a:cs typeface="+mn-cs"/>
+                </a:defRPr>
+              </a:lvl6pPr>
+              <a:lvl7pPr marL="2743200" algn="l" defTabSz="914400" rtl="0" eaLnBrk="1" latinLnBrk="0" hangingPunct="1">
+                <a:defRPr sz="1800" kern="1200">
+                  <a:solidFill>
+                    <a:schemeClr val="dk1"/>
+                  </a:solidFill>
+                  <a:latin typeface="+mn-lt"/>
+                  <a:ea typeface="+mn-ea"/>
+                  <a:cs typeface="+mn-cs"/>
+                </a:defRPr>
+              </a:lvl7pPr>
+              <a:lvl8pPr marL="3200400" algn="l" defTabSz="914400" rtl="0" eaLnBrk="1" latinLnBrk="0" hangingPunct="1">
+                <a:defRPr sz="1800" kern="1200">
+                  <a:solidFill>
+                    <a:schemeClr val="dk1"/>
+                  </a:solidFill>
+                  <a:latin typeface="+mn-lt"/>
+                  <a:ea typeface="+mn-ea"/>
+                  <a:cs typeface="+mn-cs"/>
+                </a:defRPr>
+              </a:lvl8pPr>
+              <a:lvl9pPr marL="3657600" algn="l" defTabSz="914400" rtl="0" eaLnBrk="1" latinLnBrk="0" hangingPunct="1">
+                <a:defRPr sz="1800" kern="1200">
+                  <a:solidFill>
+                    <a:schemeClr val="dk1"/>
+                  </a:solidFill>
+                  <a:latin typeface="+mn-lt"/>
+                  <a:ea typeface="+mn-ea"/>
+                  <a:cs typeface="+mn-cs"/>
+                </a:defRPr>
+              </a:lvl9pPr>
+            </a:lstStyle>
+            <a:p>
+              <a:pPr algn="ctr"/>
+              <a:r>
+                <a:rPr lang="en-US" sz="1400" dirty="0">
+                  <a:latin typeface="Times New Roman" panose="02020603050405020304" pitchFamily="18" charset="0"/>
+                  <a:cs typeface="Times New Roman" panose="02020603050405020304" pitchFamily="18" charset="0"/>
+                </a:rPr>
+                <a:t>Semi-Auto</a:t>
+              </a:r>
+            </a:p>
+            <a:p>
+              <a:pPr algn="ctr"/>
+              <a:r>
+                <a:rPr lang="en-US" sz="1400" dirty="0">
+                  <a:latin typeface="Times New Roman" panose="02020603050405020304" pitchFamily="18" charset="0"/>
+                  <a:cs typeface="Times New Roman" panose="02020603050405020304" pitchFamily="18" charset="0"/>
+                </a:rPr>
+                <a:t>Annotation</a:t>
+              </a:r>
+            </a:p>
+          </p:txBody>
+        </p:sp>
+        <p:sp>
+          <p:nvSpPr>
+            <p:cNvPr id="11" name="Rectangle 24">
+              <a:extLst>
+                <a:ext uri="{FF2B5EF4-FFF2-40B4-BE49-F238E27FC236}">
+                  <a16:creationId xmlns:a16="http://schemas.microsoft.com/office/drawing/2014/main" id="{44C2E240-BDD1-419A-8F2D-2B818708968B}"/>
+                </a:ext>
+              </a:extLst>
+            </p:cNvPr>
+            <p:cNvSpPr/>
+            <p:nvPr/>
+          </p:nvSpPr>
+          <p:spPr>
+            <a:xfrm>
+              <a:off x="4715648" y="2242261"/>
+              <a:ext cx="1301497" cy="496686"/>
+            </a:xfrm>
+            <a:prstGeom prst="rect">
+              <a:avLst/>
+            </a:prstGeom>
+            <a:ln w="38100"/>
+          </p:spPr>
+          <p:style>
+            <a:lnRef idx="2">
+              <a:schemeClr val="dk1"/>
+            </a:lnRef>
+            <a:fillRef idx="1">
+              <a:schemeClr val="lt1"/>
+            </a:fillRef>
+            <a:effectRef idx="0">
+              <a:schemeClr val="dk1"/>
+            </a:effectRef>
+            <a:fontRef idx="minor">
+              <a:schemeClr val="dk1"/>
+            </a:fontRef>
+          </p:style>
+          <p:txBody>
+            <a:bodyPr rtlCol="0" anchor="ctr"/>
+            <a:lstStyle>
+              <a:defPPr>
+                <a:defRPr lang="en-US"/>
+              </a:defPPr>
+              <a:lvl1pPr marL="0" algn="l" defTabSz="914400" rtl="0" eaLnBrk="1" latinLnBrk="0" hangingPunct="1">
+                <a:defRPr sz="1800" kern="1200">
+                  <a:solidFill>
+                    <a:schemeClr val="dk1"/>
+                  </a:solidFill>
+                  <a:latin typeface="+mn-lt"/>
+                  <a:ea typeface="+mn-ea"/>
+                  <a:cs typeface="+mn-cs"/>
+                </a:defRPr>
+              </a:lvl1pPr>
+              <a:lvl2pPr marL="457200" algn="l" defTabSz="914400" rtl="0" eaLnBrk="1" latinLnBrk="0" hangingPunct="1">
+                <a:defRPr sz="1800" kern="1200">
+                  <a:solidFill>
+                    <a:schemeClr val="dk1"/>
+                  </a:solidFill>
+                  <a:latin typeface="+mn-lt"/>
+                  <a:ea typeface="+mn-ea"/>
+                  <a:cs typeface="+mn-cs"/>
+                </a:defRPr>
+              </a:lvl2pPr>
+              <a:lvl3pPr marL="914400" algn="l" defTabSz="914400" rtl="0" eaLnBrk="1" latinLnBrk="0" hangingPunct="1">
+                <a:defRPr sz="1800" kern="1200">
+                  <a:solidFill>
+                    <a:schemeClr val="dk1"/>
+                  </a:solidFill>
+                  <a:latin typeface="+mn-lt"/>
+                  <a:ea typeface="+mn-ea"/>
+                  <a:cs typeface="+mn-cs"/>
+                </a:defRPr>
+              </a:lvl3pPr>
+              <a:lvl4pPr marL="1371600" algn="l" defTabSz="914400" rtl="0" eaLnBrk="1" latinLnBrk="0" hangingPunct="1">
+                <a:defRPr sz="1800" kern="1200">
+                  <a:solidFill>
+                    <a:schemeClr val="dk1"/>
+                  </a:solidFill>
+                  <a:latin typeface="+mn-lt"/>
+                  <a:ea typeface="+mn-ea"/>
+                  <a:cs typeface="+mn-cs"/>
+                </a:defRPr>
+              </a:lvl4pPr>
+              <a:lvl5pPr marL="1828800" algn="l" defTabSz="914400" rtl="0" eaLnBrk="1" latinLnBrk="0" hangingPunct="1">
+                <a:defRPr sz="1800" kern="1200">
+                  <a:solidFill>
+                    <a:schemeClr val="dk1"/>
+                  </a:solidFill>
+                  <a:latin typeface="+mn-lt"/>
+                  <a:ea typeface="+mn-ea"/>
+                  <a:cs typeface="+mn-cs"/>
+                </a:defRPr>
+              </a:lvl5pPr>
+              <a:lvl6pPr marL="2286000" algn="l" defTabSz="914400" rtl="0" eaLnBrk="1" latinLnBrk="0" hangingPunct="1">
+                <a:defRPr sz="1800" kern="1200">
+                  <a:solidFill>
+                    <a:schemeClr val="dk1"/>
+                  </a:solidFill>
+                  <a:latin typeface="+mn-lt"/>
+                  <a:ea typeface="+mn-ea"/>
+                  <a:cs typeface="+mn-cs"/>
+                </a:defRPr>
+              </a:lvl6pPr>
+              <a:lvl7pPr marL="2743200" algn="l" defTabSz="914400" rtl="0" eaLnBrk="1" latinLnBrk="0" hangingPunct="1">
+                <a:defRPr sz="1800" kern="1200">
+                  <a:solidFill>
+                    <a:schemeClr val="dk1"/>
+                  </a:solidFill>
+                  <a:latin typeface="+mn-lt"/>
+                  <a:ea typeface="+mn-ea"/>
+                  <a:cs typeface="+mn-cs"/>
+                </a:defRPr>
+              </a:lvl7pPr>
+              <a:lvl8pPr marL="3200400" algn="l" defTabSz="914400" rtl="0" eaLnBrk="1" latinLnBrk="0" hangingPunct="1">
+                <a:defRPr sz="1800" kern="1200">
+                  <a:solidFill>
+                    <a:schemeClr val="dk1"/>
+                  </a:solidFill>
+                  <a:latin typeface="+mn-lt"/>
+                  <a:ea typeface="+mn-ea"/>
+                  <a:cs typeface="+mn-cs"/>
+                </a:defRPr>
+              </a:lvl8pPr>
+              <a:lvl9pPr marL="3657600" algn="l" defTabSz="914400" rtl="0" eaLnBrk="1" latinLnBrk="0" hangingPunct="1">
+                <a:defRPr sz="1800" kern="1200">
+                  <a:solidFill>
+                    <a:schemeClr val="dk1"/>
+                  </a:solidFill>
+                  <a:latin typeface="+mn-lt"/>
+                  <a:ea typeface="+mn-ea"/>
+                  <a:cs typeface="+mn-cs"/>
+                </a:defRPr>
+              </a:lvl9pPr>
+            </a:lstStyle>
+            <a:p>
+              <a:pPr algn="ctr"/>
+              <a:r>
+                <a:rPr lang="en-US" sz="1400" dirty="0">
+                  <a:latin typeface="Times New Roman" panose="02020603050405020304" pitchFamily="18" charset="0"/>
+                  <a:cs typeface="Times New Roman" panose="02020603050405020304" pitchFamily="18" charset="0"/>
+                </a:rPr>
+                <a:t>Boundary-Aware Rotation</a:t>
+              </a:r>
+            </a:p>
+          </p:txBody>
+        </p:sp>
+        <p:sp>
+          <p:nvSpPr>
+            <p:cNvPr id="12" name="Rectangle 25">
+              <a:extLst>
+                <a:ext uri="{FF2B5EF4-FFF2-40B4-BE49-F238E27FC236}">
+                  <a16:creationId xmlns:a16="http://schemas.microsoft.com/office/drawing/2014/main" id="{C3CDE44F-1152-42B9-B518-10EC9567941F}"/>
+                </a:ext>
+              </a:extLst>
+            </p:cNvPr>
+            <p:cNvSpPr/>
+            <p:nvPr/>
+          </p:nvSpPr>
+          <p:spPr>
+            <a:xfrm>
+              <a:off x="4705741" y="2897969"/>
+              <a:ext cx="1301497" cy="496686"/>
+            </a:xfrm>
+            <a:prstGeom prst="rect">
+              <a:avLst/>
+            </a:prstGeom>
+            <a:ln w="38100"/>
+          </p:spPr>
+          <p:style>
+            <a:lnRef idx="2">
+              <a:schemeClr val="dk1"/>
+            </a:lnRef>
+            <a:fillRef idx="1">
+              <a:schemeClr val="lt1"/>
+            </a:fillRef>
+            <a:effectRef idx="0">
+              <a:schemeClr val="dk1"/>
+            </a:effectRef>
+            <a:fontRef idx="minor">
+              <a:schemeClr val="dk1"/>
+            </a:fontRef>
+          </p:style>
+          <p:txBody>
+            <a:bodyPr rtlCol="0" anchor="ctr"/>
+            <a:lstStyle>
+              <a:defPPr>
+                <a:defRPr lang="en-US"/>
+              </a:defPPr>
+              <a:lvl1pPr marL="0" algn="l" defTabSz="914400" rtl="0" eaLnBrk="1" latinLnBrk="0" hangingPunct="1">
+                <a:defRPr sz="1800" kern="1200">
+                  <a:solidFill>
+                    <a:schemeClr val="dk1"/>
+                  </a:solidFill>
+                  <a:latin typeface="+mn-lt"/>
+                  <a:ea typeface="+mn-ea"/>
+                  <a:cs typeface="+mn-cs"/>
+                </a:defRPr>
+              </a:lvl1pPr>
+              <a:lvl2pPr marL="457200" algn="l" defTabSz="914400" rtl="0" eaLnBrk="1" latinLnBrk="0" hangingPunct="1">
+                <a:defRPr sz="1800" kern="1200">
+                  <a:solidFill>
+                    <a:schemeClr val="dk1"/>
+                  </a:solidFill>
+                  <a:latin typeface="+mn-lt"/>
+                  <a:ea typeface="+mn-ea"/>
+                  <a:cs typeface="+mn-cs"/>
+                </a:defRPr>
+              </a:lvl2pPr>
+              <a:lvl3pPr marL="914400" algn="l" defTabSz="914400" rtl="0" eaLnBrk="1" latinLnBrk="0" hangingPunct="1">
+                <a:defRPr sz="1800" kern="1200">
+                  <a:solidFill>
+                    <a:schemeClr val="dk1"/>
+                  </a:solidFill>
+                  <a:latin typeface="+mn-lt"/>
+                  <a:ea typeface="+mn-ea"/>
+                  <a:cs typeface="+mn-cs"/>
+                </a:defRPr>
+              </a:lvl3pPr>
+              <a:lvl4pPr marL="1371600" algn="l" defTabSz="914400" rtl="0" eaLnBrk="1" latinLnBrk="0" hangingPunct="1">
+                <a:defRPr sz="1800" kern="1200">
+                  <a:solidFill>
+                    <a:schemeClr val="dk1"/>
+                  </a:solidFill>
+                  <a:latin typeface="+mn-lt"/>
+                  <a:ea typeface="+mn-ea"/>
+                  <a:cs typeface="+mn-cs"/>
+                </a:defRPr>
+              </a:lvl4pPr>
+              <a:lvl5pPr marL="1828800" algn="l" defTabSz="914400" rtl="0" eaLnBrk="1" latinLnBrk="0" hangingPunct="1">
+                <a:defRPr sz="1800" kern="1200">
+                  <a:solidFill>
+                    <a:schemeClr val="dk1"/>
+                  </a:solidFill>
+                  <a:latin typeface="+mn-lt"/>
+                  <a:ea typeface="+mn-ea"/>
+                  <a:cs typeface="+mn-cs"/>
+                </a:defRPr>
+              </a:lvl5pPr>
+              <a:lvl6pPr marL="2286000" algn="l" defTabSz="914400" rtl="0" eaLnBrk="1" latinLnBrk="0" hangingPunct="1">
+                <a:defRPr sz="1800" kern="1200">
+                  <a:solidFill>
+                    <a:schemeClr val="dk1"/>
+                  </a:solidFill>
+                  <a:latin typeface="+mn-lt"/>
+                  <a:ea typeface="+mn-ea"/>
+                  <a:cs typeface="+mn-cs"/>
+                </a:defRPr>
+              </a:lvl6pPr>
+              <a:lvl7pPr marL="2743200" algn="l" defTabSz="914400" rtl="0" eaLnBrk="1" latinLnBrk="0" hangingPunct="1">
+                <a:defRPr sz="1800" kern="1200">
+                  <a:solidFill>
+                    <a:schemeClr val="dk1"/>
+                  </a:solidFill>
+                  <a:latin typeface="+mn-lt"/>
+                  <a:ea typeface="+mn-ea"/>
+                  <a:cs typeface="+mn-cs"/>
+                </a:defRPr>
+              </a:lvl7pPr>
+              <a:lvl8pPr marL="3200400" algn="l" defTabSz="914400" rtl="0" eaLnBrk="1" latinLnBrk="0" hangingPunct="1">
+                <a:defRPr sz="1800" kern="1200">
+                  <a:solidFill>
+                    <a:schemeClr val="dk1"/>
+                  </a:solidFill>
+                  <a:latin typeface="+mn-lt"/>
+                  <a:ea typeface="+mn-ea"/>
+                  <a:cs typeface="+mn-cs"/>
+                </a:defRPr>
+              </a:lvl8pPr>
+              <a:lvl9pPr marL="3657600" algn="l" defTabSz="914400" rtl="0" eaLnBrk="1" latinLnBrk="0" hangingPunct="1">
+                <a:defRPr sz="1800" kern="1200">
+                  <a:solidFill>
+                    <a:schemeClr val="dk1"/>
+                  </a:solidFill>
+                  <a:latin typeface="+mn-lt"/>
+                  <a:ea typeface="+mn-ea"/>
+                  <a:cs typeface="+mn-cs"/>
+                </a:defRPr>
+              </a:lvl9pPr>
+            </a:lstStyle>
+            <a:p>
+              <a:pPr algn="ctr"/>
+              <a:r>
+                <a:rPr lang="en-US" sz="1400" dirty="0">
+                  <a:latin typeface="Times New Roman" panose="02020603050405020304" pitchFamily="18" charset="0"/>
+                  <a:cs typeface="Times New Roman" panose="02020603050405020304" pitchFamily="18" charset="0"/>
+                </a:rPr>
+                <a:t>Auto-Shrink</a:t>
+              </a:r>
+            </a:p>
+          </p:txBody>
+        </p:sp>
+        <p:sp>
+          <p:nvSpPr>
+            <p:cNvPr id="13" name="Rectangle 26">
+              <a:extLst>
+                <a:ext uri="{FF2B5EF4-FFF2-40B4-BE49-F238E27FC236}">
+                  <a16:creationId xmlns:a16="http://schemas.microsoft.com/office/drawing/2014/main" id="{2342249F-05E6-48F8-A0AB-ADE00387A4C0}"/>
+                </a:ext>
+              </a:extLst>
+            </p:cNvPr>
+            <p:cNvSpPr/>
+            <p:nvPr/>
+          </p:nvSpPr>
+          <p:spPr>
+            <a:xfrm>
+              <a:off x="4715647" y="3548131"/>
+              <a:ext cx="1301497" cy="496686"/>
+            </a:xfrm>
+            <a:prstGeom prst="rect">
+              <a:avLst/>
+            </a:prstGeom>
+            <a:ln w="38100"/>
+          </p:spPr>
+          <p:style>
+            <a:lnRef idx="2">
+              <a:schemeClr val="dk1"/>
+            </a:lnRef>
+            <a:fillRef idx="1">
+              <a:schemeClr val="lt1"/>
+            </a:fillRef>
+            <a:effectRef idx="0">
+              <a:schemeClr val="dk1"/>
+            </a:effectRef>
+            <a:fontRef idx="minor">
+              <a:schemeClr val="dk1"/>
+            </a:fontRef>
+          </p:style>
+          <p:txBody>
+            <a:bodyPr rtlCol="0" anchor="ctr"/>
+            <a:lstStyle>
+              <a:defPPr>
+                <a:defRPr lang="en-US"/>
+              </a:defPPr>
+              <a:lvl1pPr marL="0" algn="l" defTabSz="914400" rtl="0" eaLnBrk="1" latinLnBrk="0" hangingPunct="1">
+                <a:defRPr sz="1800" kern="1200">
+                  <a:solidFill>
+                    <a:schemeClr val="dk1"/>
+                  </a:solidFill>
+                  <a:latin typeface="+mn-lt"/>
+                  <a:ea typeface="+mn-ea"/>
+                  <a:cs typeface="+mn-cs"/>
+                </a:defRPr>
+              </a:lvl1pPr>
+              <a:lvl2pPr marL="457200" algn="l" defTabSz="914400" rtl="0" eaLnBrk="1" latinLnBrk="0" hangingPunct="1">
+                <a:defRPr sz="1800" kern="1200">
+                  <a:solidFill>
+                    <a:schemeClr val="dk1"/>
+                  </a:solidFill>
+                  <a:latin typeface="+mn-lt"/>
+                  <a:ea typeface="+mn-ea"/>
+                  <a:cs typeface="+mn-cs"/>
+                </a:defRPr>
+              </a:lvl2pPr>
+              <a:lvl3pPr marL="914400" algn="l" defTabSz="914400" rtl="0" eaLnBrk="1" latinLnBrk="0" hangingPunct="1">
+                <a:defRPr sz="1800" kern="1200">
+                  <a:solidFill>
+                    <a:schemeClr val="dk1"/>
+                  </a:solidFill>
+                  <a:latin typeface="+mn-lt"/>
+                  <a:ea typeface="+mn-ea"/>
+                  <a:cs typeface="+mn-cs"/>
+                </a:defRPr>
+              </a:lvl3pPr>
+              <a:lvl4pPr marL="1371600" algn="l" defTabSz="914400" rtl="0" eaLnBrk="1" latinLnBrk="0" hangingPunct="1">
+                <a:defRPr sz="1800" kern="1200">
+                  <a:solidFill>
+                    <a:schemeClr val="dk1"/>
+                  </a:solidFill>
+                  <a:latin typeface="+mn-lt"/>
+                  <a:ea typeface="+mn-ea"/>
+                  <a:cs typeface="+mn-cs"/>
+                </a:defRPr>
+              </a:lvl4pPr>
+              <a:lvl5pPr marL="1828800" algn="l" defTabSz="914400" rtl="0" eaLnBrk="1" latinLnBrk="0" hangingPunct="1">
+                <a:defRPr sz="1800" kern="1200">
+                  <a:solidFill>
+                    <a:schemeClr val="dk1"/>
+                  </a:solidFill>
+                  <a:latin typeface="+mn-lt"/>
+                  <a:ea typeface="+mn-ea"/>
+                  <a:cs typeface="+mn-cs"/>
+                </a:defRPr>
+              </a:lvl5pPr>
+              <a:lvl6pPr marL="2286000" algn="l" defTabSz="914400" rtl="0" eaLnBrk="1" latinLnBrk="0" hangingPunct="1">
+                <a:defRPr sz="1800" kern="1200">
+                  <a:solidFill>
+                    <a:schemeClr val="dk1"/>
+                  </a:solidFill>
+                  <a:latin typeface="+mn-lt"/>
+                  <a:ea typeface="+mn-ea"/>
+                  <a:cs typeface="+mn-cs"/>
+                </a:defRPr>
+              </a:lvl6pPr>
+              <a:lvl7pPr marL="2743200" algn="l" defTabSz="914400" rtl="0" eaLnBrk="1" latinLnBrk="0" hangingPunct="1">
+                <a:defRPr sz="1800" kern="1200">
+                  <a:solidFill>
+                    <a:schemeClr val="dk1"/>
+                  </a:solidFill>
+                  <a:latin typeface="+mn-lt"/>
+                  <a:ea typeface="+mn-ea"/>
+                  <a:cs typeface="+mn-cs"/>
+                </a:defRPr>
+              </a:lvl7pPr>
+              <a:lvl8pPr marL="3200400" algn="l" defTabSz="914400" rtl="0" eaLnBrk="1" latinLnBrk="0" hangingPunct="1">
+                <a:defRPr sz="1800" kern="1200">
+                  <a:solidFill>
+                    <a:schemeClr val="dk1"/>
+                  </a:solidFill>
+                  <a:latin typeface="+mn-lt"/>
+                  <a:ea typeface="+mn-ea"/>
+                  <a:cs typeface="+mn-cs"/>
+                </a:defRPr>
+              </a:lvl8pPr>
+              <a:lvl9pPr marL="3657600" algn="l" defTabSz="914400" rtl="0" eaLnBrk="1" latinLnBrk="0" hangingPunct="1">
+                <a:defRPr sz="1800" kern="1200">
+                  <a:solidFill>
+                    <a:schemeClr val="dk1"/>
+                  </a:solidFill>
+                  <a:latin typeface="+mn-lt"/>
+                  <a:ea typeface="+mn-ea"/>
+                  <a:cs typeface="+mn-cs"/>
+                </a:defRPr>
+              </a:lvl9pPr>
+            </a:lstStyle>
+            <a:p>
+              <a:pPr algn="ctr"/>
+              <a:r>
+                <a:rPr lang="en-US" sz="1400" dirty="0">
+                  <a:latin typeface="Times New Roman" panose="02020603050405020304" pitchFamily="18" charset="0"/>
+                  <a:cs typeface="Times New Roman" panose="02020603050405020304" pitchFamily="18" charset="0"/>
+                </a:rPr>
+                <a:t>3D&amp;2D </a:t>
+              </a:r>
+            </a:p>
+            <a:p>
+              <a:pPr algn="ctr"/>
+              <a:r>
+                <a:rPr lang="en-US" sz="1400" dirty="0">
+                  <a:latin typeface="Times New Roman" panose="02020603050405020304" pitchFamily="18" charset="0"/>
+                  <a:cs typeface="Times New Roman" panose="02020603050405020304" pitchFamily="18" charset="0"/>
+                </a:rPr>
+                <a:t>Annotation</a:t>
+              </a:r>
+            </a:p>
+          </p:txBody>
+        </p:sp>
+        <p:sp>
+          <p:nvSpPr>
+            <p:cNvPr id="14" name="Rectangle 29">
+              <a:extLst>
+                <a:ext uri="{FF2B5EF4-FFF2-40B4-BE49-F238E27FC236}">
+                  <a16:creationId xmlns:a16="http://schemas.microsoft.com/office/drawing/2014/main" id="{81AB9ED5-E9B0-42AB-B7D9-CC62945238EB}"/>
+                </a:ext>
+              </a:extLst>
+            </p:cNvPr>
+            <p:cNvSpPr/>
+            <p:nvPr/>
+          </p:nvSpPr>
+          <p:spPr>
+            <a:xfrm>
+              <a:off x="4713819" y="4217052"/>
+              <a:ext cx="1301497" cy="496686"/>
+            </a:xfrm>
+            <a:prstGeom prst="rect">
+              <a:avLst/>
+            </a:prstGeom>
+            <a:ln w="38100"/>
+          </p:spPr>
+          <p:style>
+            <a:lnRef idx="2">
+              <a:schemeClr val="dk1"/>
+            </a:lnRef>
+            <a:fillRef idx="1">
+              <a:schemeClr val="lt1"/>
+            </a:fillRef>
+            <a:effectRef idx="0">
+              <a:schemeClr val="dk1"/>
+            </a:effectRef>
+            <a:fontRef idx="minor">
+              <a:schemeClr val="dk1"/>
+            </a:fontRef>
+          </p:style>
+          <p:txBody>
+            <a:bodyPr rtlCol="0" anchor="ctr"/>
+            <a:lstStyle>
+              <a:defPPr>
+                <a:defRPr lang="en-US"/>
+              </a:defPPr>
+              <a:lvl1pPr marL="0" algn="l" defTabSz="914400" rtl="0" eaLnBrk="1" latinLnBrk="0" hangingPunct="1">
+                <a:defRPr sz="1800" kern="1200">
+                  <a:solidFill>
+                    <a:schemeClr val="dk1"/>
+                  </a:solidFill>
+                  <a:latin typeface="+mn-lt"/>
+                  <a:ea typeface="+mn-ea"/>
+                  <a:cs typeface="+mn-cs"/>
+                </a:defRPr>
+              </a:lvl1pPr>
+              <a:lvl2pPr marL="457200" algn="l" defTabSz="914400" rtl="0" eaLnBrk="1" latinLnBrk="0" hangingPunct="1">
+                <a:defRPr sz="1800" kern="1200">
+                  <a:solidFill>
+                    <a:schemeClr val="dk1"/>
+                  </a:solidFill>
+                  <a:latin typeface="+mn-lt"/>
+                  <a:ea typeface="+mn-ea"/>
+                  <a:cs typeface="+mn-cs"/>
+                </a:defRPr>
+              </a:lvl2pPr>
+              <a:lvl3pPr marL="914400" algn="l" defTabSz="914400" rtl="0" eaLnBrk="1" latinLnBrk="0" hangingPunct="1">
+                <a:defRPr sz="1800" kern="1200">
+                  <a:solidFill>
+                    <a:schemeClr val="dk1"/>
+                  </a:solidFill>
+                  <a:latin typeface="+mn-lt"/>
+                  <a:ea typeface="+mn-ea"/>
+                  <a:cs typeface="+mn-cs"/>
+                </a:defRPr>
+              </a:lvl3pPr>
+              <a:lvl4pPr marL="1371600" algn="l" defTabSz="914400" rtl="0" eaLnBrk="1" latinLnBrk="0" hangingPunct="1">
+                <a:defRPr sz="1800" kern="1200">
+                  <a:solidFill>
+                    <a:schemeClr val="dk1"/>
+                  </a:solidFill>
+                  <a:latin typeface="+mn-lt"/>
+                  <a:ea typeface="+mn-ea"/>
+                  <a:cs typeface="+mn-cs"/>
+                </a:defRPr>
+              </a:lvl4pPr>
+              <a:lvl5pPr marL="1828800" algn="l" defTabSz="914400" rtl="0" eaLnBrk="1" latinLnBrk="0" hangingPunct="1">
+                <a:defRPr sz="1800" kern="1200">
+                  <a:solidFill>
+                    <a:schemeClr val="dk1"/>
+                  </a:solidFill>
+                  <a:latin typeface="+mn-lt"/>
+                  <a:ea typeface="+mn-ea"/>
+                  <a:cs typeface="+mn-cs"/>
+                </a:defRPr>
+              </a:lvl5pPr>
+              <a:lvl6pPr marL="2286000" algn="l" defTabSz="914400" rtl="0" eaLnBrk="1" latinLnBrk="0" hangingPunct="1">
+                <a:defRPr sz="1800" kern="1200">
+                  <a:solidFill>
+                    <a:schemeClr val="dk1"/>
+                  </a:solidFill>
+                  <a:latin typeface="+mn-lt"/>
+                  <a:ea typeface="+mn-ea"/>
+                  <a:cs typeface="+mn-cs"/>
+                </a:defRPr>
+              </a:lvl6pPr>
+              <a:lvl7pPr marL="2743200" algn="l" defTabSz="914400" rtl="0" eaLnBrk="1" latinLnBrk="0" hangingPunct="1">
+                <a:defRPr sz="1800" kern="1200">
+                  <a:solidFill>
+                    <a:schemeClr val="dk1"/>
+                  </a:solidFill>
+                  <a:latin typeface="+mn-lt"/>
+                  <a:ea typeface="+mn-ea"/>
+                  <a:cs typeface="+mn-cs"/>
+                </a:defRPr>
+              </a:lvl7pPr>
+              <a:lvl8pPr marL="3200400" algn="l" defTabSz="914400" rtl="0" eaLnBrk="1" latinLnBrk="0" hangingPunct="1">
+                <a:defRPr sz="1800" kern="1200">
+                  <a:solidFill>
+                    <a:schemeClr val="dk1"/>
+                  </a:solidFill>
+                  <a:latin typeface="+mn-lt"/>
+                  <a:ea typeface="+mn-ea"/>
+                  <a:cs typeface="+mn-cs"/>
+                </a:defRPr>
+              </a:lvl8pPr>
+              <a:lvl9pPr marL="3657600" algn="l" defTabSz="914400" rtl="0" eaLnBrk="1" latinLnBrk="0" hangingPunct="1">
+                <a:defRPr sz="1800" kern="1200">
+                  <a:solidFill>
+                    <a:schemeClr val="dk1"/>
+                  </a:solidFill>
+                  <a:latin typeface="+mn-lt"/>
+                  <a:ea typeface="+mn-ea"/>
+                  <a:cs typeface="+mn-cs"/>
+                </a:defRPr>
+              </a:lvl9pPr>
+            </a:lstStyle>
+            <a:p>
+              <a:pPr algn="ctr"/>
+              <a:r>
+                <a:rPr lang="en-US" sz="1400" dirty="0">
+                  <a:latin typeface="Times New Roman" panose="02020603050405020304" pitchFamily="18" charset="0"/>
+                  <a:cs typeface="Times New Roman" panose="02020603050405020304" pitchFamily="18" charset="0"/>
+                </a:rPr>
+                <a:t>Fast Toolbox</a:t>
+              </a:r>
+            </a:p>
+          </p:txBody>
+        </p:sp>
+        <p:sp>
+          <p:nvSpPr>
+            <p:cNvPr id="15" name="矩形 14">
+              <a:extLst>
+                <a:ext uri="{FF2B5EF4-FFF2-40B4-BE49-F238E27FC236}">
+                  <a16:creationId xmlns:a16="http://schemas.microsoft.com/office/drawing/2014/main" id="{9DAD2811-A8B7-4A60-8874-7B9A2DEE042D}"/>
+                </a:ext>
+              </a:extLst>
+            </p:cNvPr>
+            <p:cNvSpPr/>
+            <p:nvPr/>
+          </p:nvSpPr>
+          <p:spPr>
+            <a:xfrm>
+              <a:off x="4642871" y="1216828"/>
+              <a:ext cx="1447047" cy="3660065"/>
+            </a:xfrm>
+            <a:prstGeom prst="rect">
+              <a:avLst/>
+            </a:prstGeom>
+            <a:noFill/>
+            <a:ln w="31750">
+              <a:solidFill>
+                <a:schemeClr val="tx1"/>
+              </a:solidFill>
+              <a:prstDash val="dash"/>
+            </a:ln>
+          </p:spPr>
+          <p:style>
+            <a:lnRef idx="2">
+              <a:schemeClr val="accent1">
+                <a:shade val="50000"/>
+              </a:schemeClr>
+            </a:lnRef>
+            <a:fillRef idx="1">
+              <a:schemeClr val="accent1"/>
+            </a:fillRef>
+            <a:effectRef idx="0">
+              <a:schemeClr val="accent1"/>
+            </a:effectRef>
+            <a:fontRef idx="minor">
+              <a:schemeClr val="lt1"/>
+            </a:fontRef>
+          </p:style>
+          <p:txBody>
+            <a:bodyPr rtlCol="0" anchor="ctr"/>
+            <a:lstStyle/>
+            <a:p>
+              <a:pPr algn="ctr"/>
+              <a:endParaRPr lang="zh-CN" altLang="en-US"/>
+            </a:p>
+          </p:txBody>
+        </p:sp>
+        <p:sp>
+          <p:nvSpPr>
+            <p:cNvPr id="16" name="文本框 15">
+              <a:extLst>
+                <a:ext uri="{FF2B5EF4-FFF2-40B4-BE49-F238E27FC236}">
+                  <a16:creationId xmlns:a16="http://schemas.microsoft.com/office/drawing/2014/main" id="{78B470B1-2B76-4C27-A0B0-66868F3B8C33}"/>
+                </a:ext>
+              </a:extLst>
+            </p:cNvPr>
+            <p:cNvSpPr txBox="1"/>
+            <p:nvPr/>
+          </p:nvSpPr>
+          <p:spPr>
+            <a:xfrm>
+              <a:off x="4723475" y="1216829"/>
+              <a:ext cx="1293669" cy="323165"/>
+            </a:xfrm>
+            <a:prstGeom prst="rect">
+              <a:avLst/>
+            </a:prstGeom>
+            <a:noFill/>
+          </p:spPr>
+          <p:txBody>
+            <a:bodyPr wrap="square" rtlCol="0">
+              <a:spAutoFit/>
+            </a:bodyPr>
+            <a:lstStyle/>
+            <a:p>
+              <a:pPr algn="ctr"/>
+              <a:r>
+                <a:rPr lang="en-US" altLang="zh-CN" sz="1500" b="1" dirty="0">
+                  <a:latin typeface="Times New Roman" panose="02020603050405020304" pitchFamily="18" charset="0"/>
+                  <a:cs typeface="Times New Roman" panose="02020603050405020304" pitchFamily="18" charset="0"/>
+                </a:rPr>
+                <a:t>Operation</a:t>
+              </a:r>
+              <a:endParaRPr lang="zh-CN" altLang="en-US" sz="1500" b="1" dirty="0">
+                <a:latin typeface="Times New Roman" panose="02020603050405020304" pitchFamily="18" charset="0"/>
+                <a:cs typeface="Times New Roman" panose="02020603050405020304" pitchFamily="18" charset="0"/>
+              </a:endParaRPr>
+            </a:p>
+          </p:txBody>
+        </p:sp>
+        <p:sp>
+          <p:nvSpPr>
+            <p:cNvPr id="17" name="Rectangle 18">
+              <a:extLst>
+                <a:ext uri="{FF2B5EF4-FFF2-40B4-BE49-F238E27FC236}">
+                  <a16:creationId xmlns:a16="http://schemas.microsoft.com/office/drawing/2014/main" id="{8FDB81AD-01A9-41B8-8CF7-BDBDE021A2A5}"/>
+                </a:ext>
+              </a:extLst>
+            </p:cNvPr>
+            <p:cNvSpPr/>
+            <p:nvPr/>
+          </p:nvSpPr>
+          <p:spPr>
+            <a:xfrm>
+              <a:off x="6226100" y="1596281"/>
+              <a:ext cx="1301497" cy="492504"/>
+            </a:xfrm>
+            <a:prstGeom prst="rect">
+              <a:avLst/>
+            </a:prstGeom>
+            <a:ln w="38100"/>
+          </p:spPr>
+          <p:style>
+            <a:lnRef idx="2">
+              <a:schemeClr val="dk1"/>
+            </a:lnRef>
+            <a:fillRef idx="1">
+              <a:schemeClr val="lt1"/>
+            </a:fillRef>
+            <a:effectRef idx="0">
+              <a:schemeClr val="dk1"/>
+            </a:effectRef>
+            <a:fontRef idx="minor">
+              <a:schemeClr val="dk1"/>
+            </a:fontRef>
+          </p:style>
+          <p:txBody>
+            <a:bodyPr rtlCol="0" anchor="ctr"/>
+            <a:lstStyle>
+              <a:defPPr>
+                <a:defRPr lang="en-US"/>
+              </a:defPPr>
+              <a:lvl1pPr marL="0" algn="l" defTabSz="914400" rtl="0" eaLnBrk="1" latinLnBrk="0" hangingPunct="1">
+                <a:defRPr sz="1800" kern="1200">
+                  <a:solidFill>
+                    <a:schemeClr val="dk1"/>
+                  </a:solidFill>
+                  <a:latin typeface="+mn-lt"/>
+                  <a:ea typeface="+mn-ea"/>
+                  <a:cs typeface="+mn-cs"/>
+                </a:defRPr>
+              </a:lvl1pPr>
+              <a:lvl2pPr marL="457200" algn="l" defTabSz="914400" rtl="0" eaLnBrk="1" latinLnBrk="0" hangingPunct="1">
+                <a:defRPr sz="1800" kern="1200">
+                  <a:solidFill>
+                    <a:schemeClr val="dk1"/>
+                  </a:solidFill>
+                  <a:latin typeface="+mn-lt"/>
+                  <a:ea typeface="+mn-ea"/>
+                  <a:cs typeface="+mn-cs"/>
+                </a:defRPr>
+              </a:lvl2pPr>
+              <a:lvl3pPr marL="914400" algn="l" defTabSz="914400" rtl="0" eaLnBrk="1" latinLnBrk="0" hangingPunct="1">
+                <a:defRPr sz="1800" kern="1200">
+                  <a:solidFill>
+                    <a:schemeClr val="dk1"/>
+                  </a:solidFill>
+                  <a:latin typeface="+mn-lt"/>
+                  <a:ea typeface="+mn-ea"/>
+                  <a:cs typeface="+mn-cs"/>
+                </a:defRPr>
+              </a:lvl3pPr>
+              <a:lvl4pPr marL="1371600" algn="l" defTabSz="914400" rtl="0" eaLnBrk="1" latinLnBrk="0" hangingPunct="1">
+                <a:defRPr sz="1800" kern="1200">
+                  <a:solidFill>
+                    <a:schemeClr val="dk1"/>
+                  </a:solidFill>
+                  <a:latin typeface="+mn-lt"/>
+                  <a:ea typeface="+mn-ea"/>
+                  <a:cs typeface="+mn-cs"/>
+                </a:defRPr>
+              </a:lvl4pPr>
+              <a:lvl5pPr marL="1828800" algn="l" defTabSz="914400" rtl="0" eaLnBrk="1" latinLnBrk="0" hangingPunct="1">
+                <a:defRPr sz="1800" kern="1200">
+                  <a:solidFill>
+                    <a:schemeClr val="dk1"/>
+                  </a:solidFill>
+                  <a:latin typeface="+mn-lt"/>
+                  <a:ea typeface="+mn-ea"/>
+                  <a:cs typeface="+mn-cs"/>
+                </a:defRPr>
+              </a:lvl5pPr>
+              <a:lvl6pPr marL="2286000" algn="l" defTabSz="914400" rtl="0" eaLnBrk="1" latinLnBrk="0" hangingPunct="1">
+                <a:defRPr sz="1800" kern="1200">
+                  <a:solidFill>
+                    <a:schemeClr val="dk1"/>
+                  </a:solidFill>
+                  <a:latin typeface="+mn-lt"/>
+                  <a:ea typeface="+mn-ea"/>
+                  <a:cs typeface="+mn-cs"/>
+                </a:defRPr>
+              </a:lvl6pPr>
+              <a:lvl7pPr marL="2743200" algn="l" defTabSz="914400" rtl="0" eaLnBrk="1" latinLnBrk="0" hangingPunct="1">
+                <a:defRPr sz="1800" kern="1200">
+                  <a:solidFill>
+                    <a:schemeClr val="dk1"/>
+                  </a:solidFill>
+                  <a:latin typeface="+mn-lt"/>
+                  <a:ea typeface="+mn-ea"/>
+                  <a:cs typeface="+mn-cs"/>
+                </a:defRPr>
+              </a:lvl7pPr>
+              <a:lvl8pPr marL="3200400" algn="l" defTabSz="914400" rtl="0" eaLnBrk="1" latinLnBrk="0" hangingPunct="1">
+                <a:defRPr sz="1800" kern="1200">
+                  <a:solidFill>
+                    <a:schemeClr val="dk1"/>
+                  </a:solidFill>
+                  <a:latin typeface="+mn-lt"/>
+                  <a:ea typeface="+mn-ea"/>
+                  <a:cs typeface="+mn-cs"/>
+                </a:defRPr>
+              </a:lvl8pPr>
+              <a:lvl9pPr marL="3657600" algn="l" defTabSz="914400" rtl="0" eaLnBrk="1" latinLnBrk="0" hangingPunct="1">
+                <a:defRPr sz="1800" kern="1200">
+                  <a:solidFill>
+                    <a:schemeClr val="dk1"/>
+                  </a:solidFill>
+                  <a:latin typeface="+mn-lt"/>
+                  <a:ea typeface="+mn-ea"/>
+                  <a:cs typeface="+mn-cs"/>
+                </a:defRPr>
+              </a:lvl9pPr>
+            </a:lstStyle>
+            <a:p>
+              <a:pPr algn="ctr"/>
+              <a:r>
+                <a:rPr lang="en-US" sz="1400" dirty="0">
+                  <a:latin typeface="Times New Roman" panose="02020603050405020304" pitchFamily="18" charset="0"/>
+                  <a:cs typeface="Times New Roman" panose="02020603050405020304" pitchFamily="18" charset="0"/>
+                </a:rPr>
+                <a:t>Multi-View</a:t>
+              </a:r>
+            </a:p>
+          </p:txBody>
+        </p:sp>
+        <p:sp>
+          <p:nvSpPr>
+            <p:cNvPr id="18" name="Rectangle 19">
+              <a:extLst>
+                <a:ext uri="{FF2B5EF4-FFF2-40B4-BE49-F238E27FC236}">
+                  <a16:creationId xmlns:a16="http://schemas.microsoft.com/office/drawing/2014/main" id="{9A9B889B-7D1C-4242-AC1F-377DA784E874}"/>
+                </a:ext>
+              </a:extLst>
+            </p:cNvPr>
+            <p:cNvSpPr/>
+            <p:nvPr/>
+          </p:nvSpPr>
+          <p:spPr>
+            <a:xfrm>
+              <a:off x="6226100" y="2242261"/>
+              <a:ext cx="1301497" cy="496686"/>
+            </a:xfrm>
+            <a:prstGeom prst="rect">
+              <a:avLst/>
+            </a:prstGeom>
+            <a:ln w="38100"/>
+          </p:spPr>
+          <p:style>
+            <a:lnRef idx="2">
+              <a:schemeClr val="dk1"/>
+            </a:lnRef>
+            <a:fillRef idx="1">
+              <a:schemeClr val="lt1"/>
+            </a:fillRef>
+            <a:effectRef idx="0">
+              <a:schemeClr val="dk1"/>
+            </a:effectRef>
+            <a:fontRef idx="minor">
+              <a:schemeClr val="dk1"/>
+            </a:fontRef>
+          </p:style>
+          <p:txBody>
+            <a:bodyPr rtlCol="0" anchor="ctr"/>
+            <a:lstStyle>
+              <a:defPPr>
+                <a:defRPr lang="en-US"/>
+              </a:defPPr>
+              <a:lvl1pPr marL="0" algn="l" defTabSz="914400" rtl="0" eaLnBrk="1" latinLnBrk="0" hangingPunct="1">
+                <a:defRPr sz="1800" kern="1200">
+                  <a:solidFill>
+                    <a:schemeClr val="dk1"/>
+                  </a:solidFill>
+                  <a:latin typeface="+mn-lt"/>
+                  <a:ea typeface="+mn-ea"/>
+                  <a:cs typeface="+mn-cs"/>
+                </a:defRPr>
+              </a:lvl1pPr>
+              <a:lvl2pPr marL="457200" algn="l" defTabSz="914400" rtl="0" eaLnBrk="1" latinLnBrk="0" hangingPunct="1">
+                <a:defRPr sz="1800" kern="1200">
+                  <a:solidFill>
+                    <a:schemeClr val="dk1"/>
+                  </a:solidFill>
+                  <a:latin typeface="+mn-lt"/>
+                  <a:ea typeface="+mn-ea"/>
+                  <a:cs typeface="+mn-cs"/>
+                </a:defRPr>
+              </a:lvl2pPr>
+              <a:lvl3pPr marL="914400" algn="l" defTabSz="914400" rtl="0" eaLnBrk="1" latinLnBrk="0" hangingPunct="1">
+                <a:defRPr sz="1800" kern="1200">
+                  <a:solidFill>
+                    <a:schemeClr val="dk1"/>
+                  </a:solidFill>
+                  <a:latin typeface="+mn-lt"/>
+                  <a:ea typeface="+mn-ea"/>
+                  <a:cs typeface="+mn-cs"/>
+                </a:defRPr>
+              </a:lvl3pPr>
+              <a:lvl4pPr marL="1371600" algn="l" defTabSz="914400" rtl="0" eaLnBrk="1" latinLnBrk="0" hangingPunct="1">
+                <a:defRPr sz="1800" kern="1200">
+                  <a:solidFill>
+                    <a:schemeClr val="dk1"/>
+                  </a:solidFill>
+                  <a:latin typeface="+mn-lt"/>
+                  <a:ea typeface="+mn-ea"/>
+                  <a:cs typeface="+mn-cs"/>
+                </a:defRPr>
+              </a:lvl4pPr>
+              <a:lvl5pPr marL="1828800" algn="l" defTabSz="914400" rtl="0" eaLnBrk="1" latinLnBrk="0" hangingPunct="1">
+                <a:defRPr sz="1800" kern="1200">
+                  <a:solidFill>
+                    <a:schemeClr val="dk1"/>
+                  </a:solidFill>
+                  <a:latin typeface="+mn-lt"/>
+                  <a:ea typeface="+mn-ea"/>
+                  <a:cs typeface="+mn-cs"/>
+                </a:defRPr>
+              </a:lvl5pPr>
+              <a:lvl6pPr marL="2286000" algn="l" defTabSz="914400" rtl="0" eaLnBrk="1" latinLnBrk="0" hangingPunct="1">
+                <a:defRPr sz="1800" kern="1200">
+                  <a:solidFill>
+                    <a:schemeClr val="dk1"/>
+                  </a:solidFill>
+                  <a:latin typeface="+mn-lt"/>
+                  <a:ea typeface="+mn-ea"/>
+                  <a:cs typeface="+mn-cs"/>
+                </a:defRPr>
+              </a:lvl6pPr>
+              <a:lvl7pPr marL="2743200" algn="l" defTabSz="914400" rtl="0" eaLnBrk="1" latinLnBrk="0" hangingPunct="1">
+                <a:defRPr sz="1800" kern="1200">
+                  <a:solidFill>
+                    <a:schemeClr val="dk1"/>
+                  </a:solidFill>
+                  <a:latin typeface="+mn-lt"/>
+                  <a:ea typeface="+mn-ea"/>
+                  <a:cs typeface="+mn-cs"/>
+                </a:defRPr>
+              </a:lvl7pPr>
+              <a:lvl8pPr marL="3200400" algn="l" defTabSz="914400" rtl="0" eaLnBrk="1" latinLnBrk="0" hangingPunct="1">
+                <a:defRPr sz="1800" kern="1200">
+                  <a:solidFill>
+                    <a:schemeClr val="dk1"/>
+                  </a:solidFill>
+                  <a:latin typeface="+mn-lt"/>
+                  <a:ea typeface="+mn-ea"/>
+                  <a:cs typeface="+mn-cs"/>
+                </a:defRPr>
+              </a:lvl8pPr>
+              <a:lvl9pPr marL="3657600" algn="l" defTabSz="914400" rtl="0" eaLnBrk="1" latinLnBrk="0" hangingPunct="1">
+                <a:defRPr sz="1800" kern="1200">
+                  <a:solidFill>
+                    <a:schemeClr val="dk1"/>
+                  </a:solidFill>
+                  <a:latin typeface="+mn-lt"/>
+                  <a:ea typeface="+mn-ea"/>
+                  <a:cs typeface="+mn-cs"/>
+                </a:defRPr>
+              </a:lvl9pPr>
+            </a:lstStyle>
+            <a:p>
+              <a:pPr algn="ctr"/>
+              <a:r>
+                <a:rPr lang="en-US" sz="1400" dirty="0">
+                  <a:latin typeface="Times New Roman" panose="02020603050405020304" pitchFamily="18" charset="0"/>
+                  <a:cs typeface="Times New Roman" panose="02020603050405020304" pitchFamily="18" charset="0"/>
+                </a:rPr>
+                <a:t>3D-2D Fusion</a:t>
+              </a:r>
+            </a:p>
+          </p:txBody>
+        </p:sp>
+        <p:sp>
+          <p:nvSpPr>
+            <p:cNvPr id="19" name="Rectangle 20">
+              <a:extLst>
+                <a:ext uri="{FF2B5EF4-FFF2-40B4-BE49-F238E27FC236}">
+                  <a16:creationId xmlns:a16="http://schemas.microsoft.com/office/drawing/2014/main" id="{7657B7B8-757D-44C6-A55D-2634D2D32E33}"/>
+                </a:ext>
+              </a:extLst>
+            </p:cNvPr>
+            <p:cNvSpPr/>
+            <p:nvPr/>
+          </p:nvSpPr>
+          <p:spPr>
+            <a:xfrm>
+              <a:off x="6226099" y="2896570"/>
+              <a:ext cx="1301497" cy="505335"/>
+            </a:xfrm>
+            <a:prstGeom prst="rect">
+              <a:avLst/>
+            </a:prstGeom>
+            <a:ln w="38100"/>
+          </p:spPr>
+          <p:style>
+            <a:lnRef idx="2">
+              <a:schemeClr val="dk1"/>
+            </a:lnRef>
+            <a:fillRef idx="1">
+              <a:schemeClr val="lt1"/>
+            </a:fillRef>
+            <a:effectRef idx="0">
+              <a:schemeClr val="dk1"/>
+            </a:effectRef>
+            <a:fontRef idx="minor">
+              <a:schemeClr val="dk1"/>
+            </a:fontRef>
+          </p:style>
+          <p:txBody>
+            <a:bodyPr rtlCol="0" anchor="ctr"/>
+            <a:lstStyle>
+              <a:defPPr>
+                <a:defRPr lang="en-US"/>
+              </a:defPPr>
+              <a:lvl1pPr marL="0" algn="l" defTabSz="914400" rtl="0" eaLnBrk="1" latinLnBrk="0" hangingPunct="1">
+                <a:defRPr sz="1800" kern="1200">
+                  <a:solidFill>
+                    <a:schemeClr val="dk1"/>
+                  </a:solidFill>
+                  <a:latin typeface="+mn-lt"/>
+                  <a:ea typeface="+mn-ea"/>
+                  <a:cs typeface="+mn-cs"/>
+                </a:defRPr>
+              </a:lvl1pPr>
+              <a:lvl2pPr marL="457200" algn="l" defTabSz="914400" rtl="0" eaLnBrk="1" latinLnBrk="0" hangingPunct="1">
+                <a:defRPr sz="1800" kern="1200">
+                  <a:solidFill>
+                    <a:schemeClr val="dk1"/>
+                  </a:solidFill>
+                  <a:latin typeface="+mn-lt"/>
+                  <a:ea typeface="+mn-ea"/>
+                  <a:cs typeface="+mn-cs"/>
+                </a:defRPr>
+              </a:lvl2pPr>
+              <a:lvl3pPr marL="914400" algn="l" defTabSz="914400" rtl="0" eaLnBrk="1" latinLnBrk="0" hangingPunct="1">
+                <a:defRPr sz="1800" kern="1200">
+                  <a:solidFill>
+                    <a:schemeClr val="dk1"/>
+                  </a:solidFill>
+                  <a:latin typeface="+mn-lt"/>
+                  <a:ea typeface="+mn-ea"/>
+                  <a:cs typeface="+mn-cs"/>
+                </a:defRPr>
+              </a:lvl3pPr>
+              <a:lvl4pPr marL="1371600" algn="l" defTabSz="914400" rtl="0" eaLnBrk="1" latinLnBrk="0" hangingPunct="1">
+                <a:defRPr sz="1800" kern="1200">
+                  <a:solidFill>
+                    <a:schemeClr val="dk1"/>
+                  </a:solidFill>
+                  <a:latin typeface="+mn-lt"/>
+                  <a:ea typeface="+mn-ea"/>
+                  <a:cs typeface="+mn-cs"/>
+                </a:defRPr>
+              </a:lvl4pPr>
+              <a:lvl5pPr marL="1828800" algn="l" defTabSz="914400" rtl="0" eaLnBrk="1" latinLnBrk="0" hangingPunct="1">
+                <a:defRPr sz="1800" kern="1200">
+                  <a:solidFill>
+                    <a:schemeClr val="dk1"/>
+                  </a:solidFill>
+                  <a:latin typeface="+mn-lt"/>
+                  <a:ea typeface="+mn-ea"/>
+                  <a:cs typeface="+mn-cs"/>
+                </a:defRPr>
+              </a:lvl5pPr>
+              <a:lvl6pPr marL="2286000" algn="l" defTabSz="914400" rtl="0" eaLnBrk="1" latinLnBrk="0" hangingPunct="1">
+                <a:defRPr sz="1800" kern="1200">
+                  <a:solidFill>
+                    <a:schemeClr val="dk1"/>
+                  </a:solidFill>
+                  <a:latin typeface="+mn-lt"/>
+                  <a:ea typeface="+mn-ea"/>
+                  <a:cs typeface="+mn-cs"/>
+                </a:defRPr>
+              </a:lvl6pPr>
+              <a:lvl7pPr marL="2743200" algn="l" defTabSz="914400" rtl="0" eaLnBrk="1" latinLnBrk="0" hangingPunct="1">
+                <a:defRPr sz="1800" kern="1200">
+                  <a:solidFill>
+                    <a:schemeClr val="dk1"/>
+                  </a:solidFill>
+                  <a:latin typeface="+mn-lt"/>
+                  <a:ea typeface="+mn-ea"/>
+                  <a:cs typeface="+mn-cs"/>
+                </a:defRPr>
+              </a:lvl7pPr>
+              <a:lvl8pPr marL="3200400" algn="l" defTabSz="914400" rtl="0" eaLnBrk="1" latinLnBrk="0" hangingPunct="1">
+                <a:defRPr sz="1800" kern="1200">
+                  <a:solidFill>
+                    <a:schemeClr val="dk1"/>
+                  </a:solidFill>
+                  <a:latin typeface="+mn-lt"/>
+                  <a:ea typeface="+mn-ea"/>
+                  <a:cs typeface="+mn-cs"/>
+                </a:defRPr>
+              </a:lvl8pPr>
+              <a:lvl9pPr marL="3657600" algn="l" defTabSz="914400" rtl="0" eaLnBrk="1" latinLnBrk="0" hangingPunct="1">
+                <a:defRPr sz="1800" kern="1200">
+                  <a:solidFill>
+                    <a:schemeClr val="dk1"/>
+                  </a:solidFill>
+                  <a:latin typeface="+mn-lt"/>
+                  <a:ea typeface="+mn-ea"/>
+                  <a:cs typeface="+mn-cs"/>
+                </a:defRPr>
+              </a:lvl9pPr>
+            </a:lstStyle>
+            <a:p>
+              <a:pPr algn="ctr"/>
+              <a:r>
+                <a:rPr lang="en-US" sz="1400" dirty="0">
+                  <a:latin typeface="Times New Roman" panose="02020603050405020304" pitchFamily="18" charset="0"/>
+                  <a:ea typeface="+mn-lt"/>
+                  <a:cs typeface="Times New Roman" panose="02020603050405020304" pitchFamily="18" charset="0"/>
+                </a:rPr>
+                <a:t>Focus Mode</a:t>
+              </a:r>
+            </a:p>
+          </p:txBody>
+        </p:sp>
+        <p:sp>
+          <p:nvSpPr>
+            <p:cNvPr id="20" name="Rectangle 21">
+              <a:extLst>
+                <a:ext uri="{FF2B5EF4-FFF2-40B4-BE49-F238E27FC236}">
+                  <a16:creationId xmlns:a16="http://schemas.microsoft.com/office/drawing/2014/main" id="{9F670F95-B613-4661-8EB3-6FCFB8FA036C}"/>
+                </a:ext>
+              </a:extLst>
+            </p:cNvPr>
+            <p:cNvSpPr/>
+            <p:nvPr/>
+          </p:nvSpPr>
+          <p:spPr>
+            <a:xfrm>
+              <a:off x="6226098" y="3546732"/>
+              <a:ext cx="1301497" cy="496686"/>
+            </a:xfrm>
+            <a:prstGeom prst="rect">
+              <a:avLst/>
+            </a:prstGeom>
+            <a:ln w="38100"/>
+          </p:spPr>
+          <p:style>
+            <a:lnRef idx="2">
+              <a:schemeClr val="dk1"/>
+            </a:lnRef>
+            <a:fillRef idx="1">
+              <a:schemeClr val="lt1"/>
+            </a:fillRef>
+            <a:effectRef idx="0">
+              <a:schemeClr val="dk1"/>
+            </a:effectRef>
+            <a:fontRef idx="minor">
+              <a:schemeClr val="dk1"/>
+            </a:fontRef>
+          </p:style>
+          <p:txBody>
+            <a:bodyPr rtlCol="0" anchor="ctr"/>
+            <a:lstStyle>
+              <a:defPPr>
+                <a:defRPr lang="en-US"/>
+              </a:defPPr>
+              <a:lvl1pPr marL="0" algn="l" defTabSz="914400" rtl="0" eaLnBrk="1" latinLnBrk="0" hangingPunct="1">
+                <a:defRPr sz="1800" kern="1200">
+                  <a:solidFill>
+                    <a:schemeClr val="dk1"/>
+                  </a:solidFill>
+                  <a:latin typeface="+mn-lt"/>
+                  <a:ea typeface="+mn-ea"/>
+                  <a:cs typeface="+mn-cs"/>
+                </a:defRPr>
+              </a:lvl1pPr>
+              <a:lvl2pPr marL="457200" algn="l" defTabSz="914400" rtl="0" eaLnBrk="1" latinLnBrk="0" hangingPunct="1">
+                <a:defRPr sz="1800" kern="1200">
+                  <a:solidFill>
+                    <a:schemeClr val="dk1"/>
+                  </a:solidFill>
+                  <a:latin typeface="+mn-lt"/>
+                  <a:ea typeface="+mn-ea"/>
+                  <a:cs typeface="+mn-cs"/>
+                </a:defRPr>
+              </a:lvl2pPr>
+              <a:lvl3pPr marL="914400" algn="l" defTabSz="914400" rtl="0" eaLnBrk="1" latinLnBrk="0" hangingPunct="1">
+                <a:defRPr sz="1800" kern="1200">
+                  <a:solidFill>
+                    <a:schemeClr val="dk1"/>
+                  </a:solidFill>
+                  <a:latin typeface="+mn-lt"/>
+                  <a:ea typeface="+mn-ea"/>
+                  <a:cs typeface="+mn-cs"/>
+                </a:defRPr>
+              </a:lvl3pPr>
+              <a:lvl4pPr marL="1371600" algn="l" defTabSz="914400" rtl="0" eaLnBrk="1" latinLnBrk="0" hangingPunct="1">
+                <a:defRPr sz="1800" kern="1200">
+                  <a:solidFill>
+                    <a:schemeClr val="dk1"/>
+                  </a:solidFill>
+                  <a:latin typeface="+mn-lt"/>
+                  <a:ea typeface="+mn-ea"/>
+                  <a:cs typeface="+mn-cs"/>
+                </a:defRPr>
+              </a:lvl4pPr>
+              <a:lvl5pPr marL="1828800" algn="l" defTabSz="914400" rtl="0" eaLnBrk="1" latinLnBrk="0" hangingPunct="1">
+                <a:defRPr sz="1800" kern="1200">
+                  <a:solidFill>
+                    <a:schemeClr val="dk1"/>
+                  </a:solidFill>
+                  <a:latin typeface="+mn-lt"/>
+                  <a:ea typeface="+mn-ea"/>
+                  <a:cs typeface="+mn-cs"/>
+                </a:defRPr>
+              </a:lvl5pPr>
+              <a:lvl6pPr marL="2286000" algn="l" defTabSz="914400" rtl="0" eaLnBrk="1" latinLnBrk="0" hangingPunct="1">
+                <a:defRPr sz="1800" kern="1200">
+                  <a:solidFill>
+                    <a:schemeClr val="dk1"/>
+                  </a:solidFill>
+                  <a:latin typeface="+mn-lt"/>
+                  <a:ea typeface="+mn-ea"/>
+                  <a:cs typeface="+mn-cs"/>
+                </a:defRPr>
+              </a:lvl6pPr>
+              <a:lvl7pPr marL="2743200" algn="l" defTabSz="914400" rtl="0" eaLnBrk="1" latinLnBrk="0" hangingPunct="1">
+                <a:defRPr sz="1800" kern="1200">
+                  <a:solidFill>
+                    <a:schemeClr val="dk1"/>
+                  </a:solidFill>
+                  <a:latin typeface="+mn-lt"/>
+                  <a:ea typeface="+mn-ea"/>
+                  <a:cs typeface="+mn-cs"/>
+                </a:defRPr>
+              </a:lvl7pPr>
+              <a:lvl8pPr marL="3200400" algn="l" defTabSz="914400" rtl="0" eaLnBrk="1" latinLnBrk="0" hangingPunct="1">
+                <a:defRPr sz="1800" kern="1200">
+                  <a:solidFill>
+                    <a:schemeClr val="dk1"/>
+                  </a:solidFill>
+                  <a:latin typeface="+mn-lt"/>
+                  <a:ea typeface="+mn-ea"/>
+                  <a:cs typeface="+mn-cs"/>
+                </a:defRPr>
+              </a:lvl8pPr>
+              <a:lvl9pPr marL="3657600" algn="l" defTabSz="914400" rtl="0" eaLnBrk="1" latinLnBrk="0" hangingPunct="1">
+                <a:defRPr sz="1800" kern="1200">
+                  <a:solidFill>
+                    <a:schemeClr val="dk1"/>
+                  </a:solidFill>
+                  <a:latin typeface="+mn-lt"/>
+                  <a:ea typeface="+mn-ea"/>
+                  <a:cs typeface="+mn-cs"/>
+                </a:defRPr>
+              </a:lvl9pPr>
+            </a:lstStyle>
+            <a:p>
+              <a:pPr algn="ctr"/>
+              <a:r>
+                <a:rPr lang="en-US" sz="1400" dirty="0">
+                  <a:latin typeface="Times New Roman" panose="02020603050405020304" pitchFamily="18" charset="0"/>
+                  <a:ea typeface="+mn-lt"/>
+                  <a:cs typeface="Times New Roman" panose="02020603050405020304" pitchFamily="18" charset="0"/>
+                </a:rPr>
+                <a:t>Auto </a:t>
+              </a:r>
+            </a:p>
+            <a:p>
+              <a:pPr algn="ctr"/>
+              <a:r>
+                <a:rPr lang="en-US" sz="1400" dirty="0">
+                  <a:latin typeface="Times New Roman" panose="02020603050405020304" pitchFamily="18" charset="0"/>
+                  <a:ea typeface="+mn-lt"/>
+                  <a:cs typeface="Times New Roman" panose="02020603050405020304" pitchFamily="18" charset="0"/>
+                </a:rPr>
+                <a:t>Camera Switch</a:t>
+              </a:r>
+            </a:p>
+          </p:txBody>
+        </p:sp>
+        <p:sp>
+          <p:nvSpPr>
+            <p:cNvPr id="21" name="Rectangle 22">
+              <a:extLst>
+                <a:ext uri="{FF2B5EF4-FFF2-40B4-BE49-F238E27FC236}">
+                  <a16:creationId xmlns:a16="http://schemas.microsoft.com/office/drawing/2014/main" id="{4608F22B-DDF9-451A-A865-588BE784A709}"/>
+                </a:ext>
+              </a:extLst>
+            </p:cNvPr>
+            <p:cNvSpPr/>
+            <p:nvPr/>
+          </p:nvSpPr>
+          <p:spPr>
+            <a:xfrm>
+              <a:off x="6226098" y="4212050"/>
+              <a:ext cx="1301497" cy="496686"/>
+            </a:xfrm>
+            <a:prstGeom prst="rect">
+              <a:avLst/>
+            </a:prstGeom>
+            <a:ln w="38100"/>
+          </p:spPr>
+          <p:style>
+            <a:lnRef idx="2">
+              <a:schemeClr val="dk1"/>
+            </a:lnRef>
+            <a:fillRef idx="1">
+              <a:schemeClr val="lt1"/>
+            </a:fillRef>
+            <a:effectRef idx="0">
+              <a:schemeClr val="dk1"/>
+            </a:effectRef>
+            <a:fontRef idx="minor">
+              <a:schemeClr val="dk1"/>
+            </a:fontRef>
+          </p:style>
+          <p:txBody>
+            <a:bodyPr rtlCol="0" anchor="ctr"/>
+            <a:lstStyle>
+              <a:defPPr>
+                <a:defRPr lang="en-US"/>
+              </a:defPPr>
+              <a:lvl1pPr marL="0" algn="l" defTabSz="914400" rtl="0" eaLnBrk="1" latinLnBrk="0" hangingPunct="1">
+                <a:defRPr sz="1800" kern="1200">
+                  <a:solidFill>
+                    <a:schemeClr val="dk1"/>
+                  </a:solidFill>
+                  <a:latin typeface="+mn-lt"/>
+                  <a:ea typeface="+mn-ea"/>
+                  <a:cs typeface="+mn-cs"/>
+                </a:defRPr>
+              </a:lvl1pPr>
+              <a:lvl2pPr marL="457200" algn="l" defTabSz="914400" rtl="0" eaLnBrk="1" latinLnBrk="0" hangingPunct="1">
+                <a:defRPr sz="1800" kern="1200">
+                  <a:solidFill>
+                    <a:schemeClr val="dk1"/>
+                  </a:solidFill>
+                  <a:latin typeface="+mn-lt"/>
+                  <a:ea typeface="+mn-ea"/>
+                  <a:cs typeface="+mn-cs"/>
+                </a:defRPr>
+              </a:lvl2pPr>
+              <a:lvl3pPr marL="914400" algn="l" defTabSz="914400" rtl="0" eaLnBrk="1" latinLnBrk="0" hangingPunct="1">
+                <a:defRPr sz="1800" kern="1200">
+                  <a:solidFill>
+                    <a:schemeClr val="dk1"/>
+                  </a:solidFill>
+                  <a:latin typeface="+mn-lt"/>
+                  <a:ea typeface="+mn-ea"/>
+                  <a:cs typeface="+mn-cs"/>
+                </a:defRPr>
+              </a:lvl3pPr>
+              <a:lvl4pPr marL="1371600" algn="l" defTabSz="914400" rtl="0" eaLnBrk="1" latinLnBrk="0" hangingPunct="1">
+                <a:defRPr sz="1800" kern="1200">
+                  <a:solidFill>
+                    <a:schemeClr val="dk1"/>
+                  </a:solidFill>
+                  <a:latin typeface="+mn-lt"/>
+                  <a:ea typeface="+mn-ea"/>
+                  <a:cs typeface="+mn-cs"/>
+                </a:defRPr>
+              </a:lvl4pPr>
+              <a:lvl5pPr marL="1828800" algn="l" defTabSz="914400" rtl="0" eaLnBrk="1" latinLnBrk="0" hangingPunct="1">
+                <a:defRPr sz="1800" kern="1200">
+                  <a:solidFill>
+                    <a:schemeClr val="dk1"/>
+                  </a:solidFill>
+                  <a:latin typeface="+mn-lt"/>
+                  <a:ea typeface="+mn-ea"/>
+                  <a:cs typeface="+mn-cs"/>
+                </a:defRPr>
+              </a:lvl5pPr>
+              <a:lvl6pPr marL="2286000" algn="l" defTabSz="914400" rtl="0" eaLnBrk="1" latinLnBrk="0" hangingPunct="1">
+                <a:defRPr sz="1800" kern="1200">
+                  <a:solidFill>
+                    <a:schemeClr val="dk1"/>
+                  </a:solidFill>
+                  <a:latin typeface="+mn-lt"/>
+                  <a:ea typeface="+mn-ea"/>
+                  <a:cs typeface="+mn-cs"/>
+                </a:defRPr>
+              </a:lvl6pPr>
+              <a:lvl7pPr marL="2743200" algn="l" defTabSz="914400" rtl="0" eaLnBrk="1" latinLnBrk="0" hangingPunct="1">
+                <a:defRPr sz="1800" kern="1200">
+                  <a:solidFill>
+                    <a:schemeClr val="dk1"/>
+                  </a:solidFill>
+                  <a:latin typeface="+mn-lt"/>
+                  <a:ea typeface="+mn-ea"/>
+                  <a:cs typeface="+mn-cs"/>
+                </a:defRPr>
+              </a:lvl7pPr>
+              <a:lvl8pPr marL="3200400" algn="l" defTabSz="914400" rtl="0" eaLnBrk="1" latinLnBrk="0" hangingPunct="1">
+                <a:defRPr sz="1800" kern="1200">
+                  <a:solidFill>
+                    <a:schemeClr val="dk1"/>
+                  </a:solidFill>
+                  <a:latin typeface="+mn-lt"/>
+                  <a:ea typeface="+mn-ea"/>
+                  <a:cs typeface="+mn-cs"/>
+                </a:defRPr>
+              </a:lvl8pPr>
+              <a:lvl9pPr marL="3657600" algn="l" defTabSz="914400" rtl="0" eaLnBrk="1" latinLnBrk="0" hangingPunct="1">
+                <a:defRPr sz="1800" kern="1200">
+                  <a:solidFill>
+                    <a:schemeClr val="dk1"/>
+                  </a:solidFill>
+                  <a:latin typeface="+mn-lt"/>
+                  <a:ea typeface="+mn-ea"/>
+                  <a:cs typeface="+mn-cs"/>
+                </a:defRPr>
+              </a:lvl9pPr>
+            </a:lstStyle>
+            <a:p>
+              <a:pPr algn="ctr"/>
+              <a:r>
+                <a:rPr lang="en-US" sz="1400" dirty="0">
+                  <a:latin typeface="Times New Roman" panose="02020603050405020304" pitchFamily="18" charset="0"/>
+                  <a:cs typeface="Times New Roman" panose="02020603050405020304" pitchFamily="18" charset="0"/>
+                </a:rPr>
+                <a:t>Multi-Mode</a:t>
+              </a:r>
+            </a:p>
+            <a:p>
+              <a:pPr algn="ctr"/>
+              <a:r>
+                <a:rPr lang="en-US" sz="1400" dirty="0">
+                  <a:latin typeface="Times New Roman" panose="02020603050405020304" pitchFamily="18" charset="0"/>
+                  <a:cs typeface="Times New Roman" panose="02020603050405020304" pitchFamily="18" charset="0"/>
+                </a:rPr>
+                <a:t>Navigation</a:t>
+              </a:r>
+            </a:p>
+          </p:txBody>
+        </p:sp>
+        <p:sp>
+          <p:nvSpPr>
+            <p:cNvPr id="22" name="矩形 21">
+              <a:extLst>
+                <a:ext uri="{FF2B5EF4-FFF2-40B4-BE49-F238E27FC236}">
+                  <a16:creationId xmlns:a16="http://schemas.microsoft.com/office/drawing/2014/main" id="{E9DFF30D-1186-4200-B740-7C0486038A48}"/>
+                </a:ext>
+              </a:extLst>
+            </p:cNvPr>
+            <p:cNvSpPr/>
+            <p:nvPr/>
+          </p:nvSpPr>
+          <p:spPr>
+            <a:xfrm>
+              <a:off x="6157502" y="1216828"/>
+              <a:ext cx="1447047" cy="3660066"/>
+            </a:xfrm>
+            <a:prstGeom prst="rect">
+              <a:avLst/>
+            </a:prstGeom>
+            <a:noFill/>
+            <a:ln w="31750">
+              <a:solidFill>
+                <a:schemeClr val="tx1"/>
+              </a:solidFill>
+              <a:prstDash val="dash"/>
+            </a:ln>
+          </p:spPr>
+          <p:style>
+            <a:lnRef idx="2">
+              <a:schemeClr val="accent1">
+                <a:shade val="50000"/>
+              </a:schemeClr>
+            </a:lnRef>
+            <a:fillRef idx="1">
+              <a:schemeClr val="accent1"/>
+            </a:fillRef>
+            <a:effectRef idx="0">
+              <a:schemeClr val="accent1"/>
+            </a:effectRef>
+            <a:fontRef idx="minor">
+              <a:schemeClr val="lt1"/>
+            </a:fontRef>
+          </p:style>
+          <p:txBody>
+            <a:bodyPr rtlCol="0" anchor="ctr"/>
+            <a:lstStyle/>
+            <a:p>
+              <a:pPr algn="ctr"/>
+              <a:endParaRPr lang="zh-CN" altLang="en-US"/>
+            </a:p>
+          </p:txBody>
+        </p:sp>
+        <p:sp>
+          <p:nvSpPr>
+            <p:cNvPr id="23" name="文本框 22">
+              <a:extLst>
+                <a:ext uri="{FF2B5EF4-FFF2-40B4-BE49-F238E27FC236}">
+                  <a16:creationId xmlns:a16="http://schemas.microsoft.com/office/drawing/2014/main" id="{5483E514-4982-47C1-AC09-196FEDD7F5A8}"/>
+                </a:ext>
+              </a:extLst>
+            </p:cNvPr>
+            <p:cNvSpPr txBox="1"/>
+            <p:nvPr/>
+          </p:nvSpPr>
+          <p:spPr>
+            <a:xfrm>
+              <a:off x="6233607" y="1237057"/>
+              <a:ext cx="1301498" cy="323165"/>
+            </a:xfrm>
+            <a:prstGeom prst="rect">
+              <a:avLst/>
+            </a:prstGeom>
+            <a:noFill/>
+          </p:spPr>
+          <p:txBody>
+            <a:bodyPr wrap="square" rtlCol="0">
+              <a:spAutoFit/>
+            </a:bodyPr>
+            <a:lstStyle/>
+            <a:p>
+              <a:pPr algn="ctr"/>
+              <a:r>
+                <a:rPr lang="en-US" altLang="zh-CN" sz="1500" b="1" dirty="0">
+                  <a:latin typeface="Times New Roman" panose="02020603050405020304" pitchFamily="18" charset="0"/>
+                  <a:cs typeface="Times New Roman" panose="02020603050405020304" pitchFamily="18" charset="0"/>
+                </a:rPr>
+                <a:t>Visualization</a:t>
+              </a:r>
+              <a:endParaRPr lang="zh-CN" altLang="en-US" sz="1500" b="1" dirty="0">
+                <a:latin typeface="Times New Roman" panose="02020603050405020304" pitchFamily="18" charset="0"/>
+                <a:cs typeface="Times New Roman" panose="02020603050405020304" pitchFamily="18" charset="0"/>
+              </a:endParaRPr>
+            </a:p>
+          </p:txBody>
+        </p:sp>
+        <p:sp>
+          <p:nvSpPr>
+            <p:cNvPr id="24" name="Rectangle 8">
+              <a:extLst>
+                <a:ext uri="{FF2B5EF4-FFF2-40B4-BE49-F238E27FC236}">
+                  <a16:creationId xmlns:a16="http://schemas.microsoft.com/office/drawing/2014/main" id="{5C9B6E12-3A05-4155-8EE4-5273A7FD6E48}"/>
+                </a:ext>
+              </a:extLst>
+            </p:cNvPr>
+            <p:cNvSpPr/>
+            <p:nvPr/>
+          </p:nvSpPr>
+          <p:spPr>
+            <a:xfrm>
+              <a:off x="7748583" y="2245139"/>
+              <a:ext cx="1301496" cy="496686"/>
+            </a:xfrm>
+            <a:prstGeom prst="rect">
+              <a:avLst/>
+            </a:prstGeom>
+            <a:ln w="38100"/>
+          </p:spPr>
+          <p:style>
+            <a:lnRef idx="2">
+              <a:schemeClr val="dk1"/>
+            </a:lnRef>
+            <a:fillRef idx="1">
+              <a:schemeClr val="lt1"/>
+            </a:fillRef>
+            <a:effectRef idx="0">
+              <a:schemeClr val="dk1"/>
+            </a:effectRef>
+            <a:fontRef idx="minor">
+              <a:schemeClr val="dk1"/>
+            </a:fontRef>
+          </p:style>
+          <p:txBody>
+            <a:bodyPr rtlCol="0" anchor="ctr"/>
+            <a:lstStyle/>
+            <a:p>
+              <a:pPr algn="ctr"/>
+              <a:r>
+                <a:rPr lang="en-US" sz="1400" dirty="0">
+                  <a:latin typeface="Times New Roman" panose="02020603050405020304" pitchFamily="18" charset="0"/>
+                  <a:cs typeface="Times New Roman" panose="02020603050405020304" pitchFamily="18" charset="0"/>
+                </a:rPr>
+                <a:t>Ground Removal</a:t>
+              </a:r>
+            </a:p>
+          </p:txBody>
+        </p:sp>
+        <p:sp>
+          <p:nvSpPr>
+            <p:cNvPr id="25" name="Rectangle 9">
+              <a:extLst>
+                <a:ext uri="{FF2B5EF4-FFF2-40B4-BE49-F238E27FC236}">
+                  <a16:creationId xmlns:a16="http://schemas.microsoft.com/office/drawing/2014/main" id="{234DD4A8-3536-4977-8222-99BF92CECFCA}"/>
+                </a:ext>
+              </a:extLst>
+            </p:cNvPr>
+            <p:cNvSpPr/>
+            <p:nvPr/>
+          </p:nvSpPr>
+          <p:spPr>
+            <a:xfrm>
+              <a:off x="7748581" y="4217052"/>
+              <a:ext cx="1301497" cy="496686"/>
+            </a:xfrm>
+            <a:prstGeom prst="rect">
+              <a:avLst/>
+            </a:prstGeom>
+            <a:ln w="38100"/>
+          </p:spPr>
+          <p:style>
+            <a:lnRef idx="2">
+              <a:schemeClr val="dk1"/>
+            </a:lnRef>
+            <a:fillRef idx="1">
+              <a:schemeClr val="lt1"/>
+            </a:fillRef>
+            <a:effectRef idx="0">
+              <a:schemeClr val="dk1"/>
+            </a:effectRef>
+            <a:fontRef idx="minor">
+              <a:schemeClr val="dk1"/>
+            </a:fontRef>
+          </p:style>
+          <p:txBody>
+            <a:bodyPr rtlCol="0" anchor="ctr"/>
+            <a:lstStyle>
+              <a:defPPr>
+                <a:defRPr lang="en-US"/>
+              </a:defPPr>
+              <a:lvl1pPr marL="0" algn="l" defTabSz="914400" rtl="0" eaLnBrk="1" latinLnBrk="0" hangingPunct="1">
+                <a:defRPr sz="1800" kern="1200">
+                  <a:solidFill>
+                    <a:schemeClr val="dk1"/>
+                  </a:solidFill>
+                  <a:latin typeface="+mn-lt"/>
+                  <a:ea typeface="+mn-ea"/>
+                  <a:cs typeface="+mn-cs"/>
+                </a:defRPr>
+              </a:lvl1pPr>
+              <a:lvl2pPr marL="457200" algn="l" defTabSz="914400" rtl="0" eaLnBrk="1" latinLnBrk="0" hangingPunct="1">
+                <a:defRPr sz="1800" kern="1200">
+                  <a:solidFill>
+                    <a:schemeClr val="dk1"/>
+                  </a:solidFill>
+                  <a:latin typeface="+mn-lt"/>
+                  <a:ea typeface="+mn-ea"/>
+                  <a:cs typeface="+mn-cs"/>
+                </a:defRPr>
+              </a:lvl2pPr>
+              <a:lvl3pPr marL="914400" algn="l" defTabSz="914400" rtl="0" eaLnBrk="1" latinLnBrk="0" hangingPunct="1">
+                <a:defRPr sz="1800" kern="1200">
+                  <a:solidFill>
+                    <a:schemeClr val="dk1"/>
+                  </a:solidFill>
+                  <a:latin typeface="+mn-lt"/>
+                  <a:ea typeface="+mn-ea"/>
+                  <a:cs typeface="+mn-cs"/>
+                </a:defRPr>
+              </a:lvl3pPr>
+              <a:lvl4pPr marL="1371600" algn="l" defTabSz="914400" rtl="0" eaLnBrk="1" latinLnBrk="0" hangingPunct="1">
+                <a:defRPr sz="1800" kern="1200">
+                  <a:solidFill>
+                    <a:schemeClr val="dk1"/>
+                  </a:solidFill>
+                  <a:latin typeface="+mn-lt"/>
+                  <a:ea typeface="+mn-ea"/>
+                  <a:cs typeface="+mn-cs"/>
+                </a:defRPr>
+              </a:lvl4pPr>
+              <a:lvl5pPr marL="1828800" algn="l" defTabSz="914400" rtl="0" eaLnBrk="1" latinLnBrk="0" hangingPunct="1">
+                <a:defRPr sz="1800" kern="1200">
+                  <a:solidFill>
+                    <a:schemeClr val="dk1"/>
+                  </a:solidFill>
+                  <a:latin typeface="+mn-lt"/>
+                  <a:ea typeface="+mn-ea"/>
+                  <a:cs typeface="+mn-cs"/>
+                </a:defRPr>
+              </a:lvl5pPr>
+              <a:lvl6pPr marL="2286000" algn="l" defTabSz="914400" rtl="0" eaLnBrk="1" latinLnBrk="0" hangingPunct="1">
+                <a:defRPr sz="1800" kern="1200">
+                  <a:solidFill>
+                    <a:schemeClr val="dk1"/>
+                  </a:solidFill>
+                  <a:latin typeface="+mn-lt"/>
+                  <a:ea typeface="+mn-ea"/>
+                  <a:cs typeface="+mn-cs"/>
+                </a:defRPr>
+              </a:lvl6pPr>
+              <a:lvl7pPr marL="2743200" algn="l" defTabSz="914400" rtl="0" eaLnBrk="1" latinLnBrk="0" hangingPunct="1">
+                <a:defRPr sz="1800" kern="1200">
+                  <a:solidFill>
+                    <a:schemeClr val="dk1"/>
+                  </a:solidFill>
+                  <a:latin typeface="+mn-lt"/>
+                  <a:ea typeface="+mn-ea"/>
+                  <a:cs typeface="+mn-cs"/>
+                </a:defRPr>
+              </a:lvl7pPr>
+              <a:lvl8pPr marL="3200400" algn="l" defTabSz="914400" rtl="0" eaLnBrk="1" latinLnBrk="0" hangingPunct="1">
+                <a:defRPr sz="1800" kern="1200">
+                  <a:solidFill>
+                    <a:schemeClr val="dk1"/>
+                  </a:solidFill>
+                  <a:latin typeface="+mn-lt"/>
+                  <a:ea typeface="+mn-ea"/>
+                  <a:cs typeface="+mn-cs"/>
+                </a:defRPr>
+              </a:lvl8pPr>
+              <a:lvl9pPr marL="3657600" algn="l" defTabSz="914400" rtl="0" eaLnBrk="1" latinLnBrk="0" hangingPunct="1">
+                <a:defRPr sz="1800" kern="1200">
+                  <a:solidFill>
+                    <a:schemeClr val="dk1"/>
+                  </a:solidFill>
+                  <a:latin typeface="+mn-lt"/>
+                  <a:ea typeface="+mn-ea"/>
+                  <a:cs typeface="+mn-cs"/>
+                </a:defRPr>
+              </a:lvl9pPr>
+            </a:lstStyle>
+            <a:p>
+              <a:pPr algn="ctr"/>
+              <a:r>
+                <a:rPr lang="en-US" sz="1400" dirty="0">
+                  <a:latin typeface="Times New Roman" panose="02020603050405020304" pitchFamily="18" charset="0"/>
+                  <a:cs typeface="Times New Roman" panose="02020603050405020304" pitchFamily="18" charset="0"/>
+                </a:rPr>
+                <a:t>Registration</a:t>
+              </a:r>
+            </a:p>
+          </p:txBody>
+        </p:sp>
+        <p:sp>
+          <p:nvSpPr>
+            <p:cNvPr id="26" name="Rectangle 10">
+              <a:extLst>
+                <a:ext uri="{FF2B5EF4-FFF2-40B4-BE49-F238E27FC236}">
+                  <a16:creationId xmlns:a16="http://schemas.microsoft.com/office/drawing/2014/main" id="{328A6C37-31D0-4106-A76D-428D5ACAEDAF}"/>
+                </a:ext>
+              </a:extLst>
+            </p:cNvPr>
+            <p:cNvSpPr/>
+            <p:nvPr/>
+          </p:nvSpPr>
+          <p:spPr>
+            <a:xfrm>
+              <a:off x="7748583" y="2896570"/>
+              <a:ext cx="1301497" cy="496686"/>
+            </a:xfrm>
+            <a:prstGeom prst="rect">
+              <a:avLst/>
+            </a:prstGeom>
+            <a:ln w="38100"/>
+          </p:spPr>
+          <p:style>
+            <a:lnRef idx="2">
+              <a:schemeClr val="dk1"/>
+            </a:lnRef>
+            <a:fillRef idx="1">
+              <a:schemeClr val="lt1"/>
+            </a:fillRef>
+            <a:effectRef idx="0">
+              <a:schemeClr val="dk1"/>
+            </a:effectRef>
+            <a:fontRef idx="minor">
+              <a:schemeClr val="dk1"/>
+            </a:fontRef>
+          </p:style>
+          <p:txBody>
+            <a:bodyPr rtlCol="0" anchor="ctr"/>
+            <a:lstStyle>
+              <a:defPPr>
+                <a:defRPr lang="en-US"/>
+              </a:defPPr>
+              <a:lvl1pPr marL="0" algn="l" defTabSz="914400" rtl="0" eaLnBrk="1" latinLnBrk="0" hangingPunct="1">
+                <a:defRPr sz="1800" kern="1200">
+                  <a:solidFill>
+                    <a:schemeClr val="dk1"/>
+                  </a:solidFill>
+                  <a:latin typeface="+mn-lt"/>
+                  <a:ea typeface="+mn-ea"/>
+                  <a:cs typeface="+mn-cs"/>
+                </a:defRPr>
+              </a:lvl1pPr>
+              <a:lvl2pPr marL="457200" algn="l" defTabSz="914400" rtl="0" eaLnBrk="1" latinLnBrk="0" hangingPunct="1">
+                <a:defRPr sz="1800" kern="1200">
+                  <a:solidFill>
+                    <a:schemeClr val="dk1"/>
+                  </a:solidFill>
+                  <a:latin typeface="+mn-lt"/>
+                  <a:ea typeface="+mn-ea"/>
+                  <a:cs typeface="+mn-cs"/>
+                </a:defRPr>
+              </a:lvl2pPr>
+              <a:lvl3pPr marL="914400" algn="l" defTabSz="914400" rtl="0" eaLnBrk="1" latinLnBrk="0" hangingPunct="1">
+                <a:defRPr sz="1800" kern="1200">
+                  <a:solidFill>
+                    <a:schemeClr val="dk1"/>
+                  </a:solidFill>
+                  <a:latin typeface="+mn-lt"/>
+                  <a:ea typeface="+mn-ea"/>
+                  <a:cs typeface="+mn-cs"/>
+                </a:defRPr>
+              </a:lvl3pPr>
+              <a:lvl4pPr marL="1371600" algn="l" defTabSz="914400" rtl="0" eaLnBrk="1" latinLnBrk="0" hangingPunct="1">
+                <a:defRPr sz="1800" kern="1200">
+                  <a:solidFill>
+                    <a:schemeClr val="dk1"/>
+                  </a:solidFill>
+                  <a:latin typeface="+mn-lt"/>
+                  <a:ea typeface="+mn-ea"/>
+                  <a:cs typeface="+mn-cs"/>
+                </a:defRPr>
+              </a:lvl4pPr>
+              <a:lvl5pPr marL="1828800" algn="l" defTabSz="914400" rtl="0" eaLnBrk="1" latinLnBrk="0" hangingPunct="1">
+                <a:defRPr sz="1800" kern="1200">
+                  <a:solidFill>
+                    <a:schemeClr val="dk1"/>
+                  </a:solidFill>
+                  <a:latin typeface="+mn-lt"/>
+                  <a:ea typeface="+mn-ea"/>
+                  <a:cs typeface="+mn-cs"/>
+                </a:defRPr>
+              </a:lvl5pPr>
+              <a:lvl6pPr marL="2286000" algn="l" defTabSz="914400" rtl="0" eaLnBrk="1" latinLnBrk="0" hangingPunct="1">
+                <a:defRPr sz="1800" kern="1200">
+                  <a:solidFill>
+                    <a:schemeClr val="dk1"/>
+                  </a:solidFill>
+                  <a:latin typeface="+mn-lt"/>
+                  <a:ea typeface="+mn-ea"/>
+                  <a:cs typeface="+mn-cs"/>
+                </a:defRPr>
+              </a:lvl6pPr>
+              <a:lvl7pPr marL="2743200" algn="l" defTabSz="914400" rtl="0" eaLnBrk="1" latinLnBrk="0" hangingPunct="1">
+                <a:defRPr sz="1800" kern="1200">
+                  <a:solidFill>
+                    <a:schemeClr val="dk1"/>
+                  </a:solidFill>
+                  <a:latin typeface="+mn-lt"/>
+                  <a:ea typeface="+mn-ea"/>
+                  <a:cs typeface="+mn-cs"/>
+                </a:defRPr>
+              </a:lvl7pPr>
+              <a:lvl8pPr marL="3200400" algn="l" defTabSz="914400" rtl="0" eaLnBrk="1" latinLnBrk="0" hangingPunct="1">
+                <a:defRPr sz="1800" kern="1200">
+                  <a:solidFill>
+                    <a:schemeClr val="dk1"/>
+                  </a:solidFill>
+                  <a:latin typeface="+mn-lt"/>
+                  <a:ea typeface="+mn-ea"/>
+                  <a:cs typeface="+mn-cs"/>
+                </a:defRPr>
+              </a:lvl8pPr>
+              <a:lvl9pPr marL="3657600" algn="l" defTabSz="914400" rtl="0" eaLnBrk="1" latinLnBrk="0" hangingPunct="1">
+                <a:defRPr sz="1800" kern="1200">
+                  <a:solidFill>
+                    <a:schemeClr val="dk1"/>
+                  </a:solidFill>
+                  <a:latin typeface="+mn-lt"/>
+                  <a:ea typeface="+mn-ea"/>
+                  <a:cs typeface="+mn-cs"/>
+                </a:defRPr>
+              </a:lvl9pPr>
+            </a:lstStyle>
+            <a:p>
+              <a:pPr algn="ctr"/>
+              <a:r>
+                <a:rPr lang="en-US" sz="1400" dirty="0">
+                  <a:latin typeface="Times New Roman" panose="02020603050405020304" pitchFamily="18" charset="0"/>
+                  <a:cs typeface="Times New Roman" panose="02020603050405020304" pitchFamily="18" charset="0"/>
+                </a:rPr>
+                <a:t>Multi-Object</a:t>
+              </a:r>
+            </a:p>
+            <a:p>
+              <a:pPr algn="ctr"/>
+              <a:r>
+                <a:rPr lang="en-US" sz="1400" dirty="0">
+                  <a:latin typeface="Times New Roman" panose="02020603050405020304" pitchFamily="18" charset="0"/>
+                  <a:cs typeface="Times New Roman" panose="02020603050405020304" pitchFamily="18" charset="0"/>
+                </a:rPr>
+                <a:t>Tracking</a:t>
+              </a:r>
+            </a:p>
+          </p:txBody>
+        </p:sp>
+        <p:sp>
+          <p:nvSpPr>
+            <p:cNvPr id="27" name="Rectangle 14">
+              <a:extLst>
+                <a:ext uri="{FF2B5EF4-FFF2-40B4-BE49-F238E27FC236}">
+                  <a16:creationId xmlns:a16="http://schemas.microsoft.com/office/drawing/2014/main" id="{B0EDE907-86EA-46E4-BAF1-BD1E6F03A1E5}"/>
+                </a:ext>
+              </a:extLst>
+            </p:cNvPr>
+            <p:cNvSpPr/>
+            <p:nvPr/>
+          </p:nvSpPr>
+          <p:spPr>
+            <a:xfrm>
+              <a:off x="7748582" y="3546732"/>
+              <a:ext cx="1301497" cy="496686"/>
+            </a:xfrm>
+            <a:prstGeom prst="rect">
+              <a:avLst/>
+            </a:prstGeom>
+            <a:ln w="38100"/>
+          </p:spPr>
+          <p:style>
+            <a:lnRef idx="2">
+              <a:schemeClr val="dk1"/>
+            </a:lnRef>
+            <a:fillRef idx="1">
+              <a:schemeClr val="lt1"/>
+            </a:fillRef>
+            <a:effectRef idx="0">
+              <a:schemeClr val="dk1"/>
+            </a:effectRef>
+            <a:fontRef idx="minor">
+              <a:schemeClr val="dk1"/>
+            </a:fontRef>
+          </p:style>
+          <p:txBody>
+            <a:bodyPr rtlCol="0" anchor="ctr"/>
+            <a:lstStyle>
+              <a:defPPr>
+                <a:defRPr lang="en-US"/>
+              </a:defPPr>
+              <a:lvl1pPr marL="0" algn="l" defTabSz="914400" rtl="0" eaLnBrk="1" latinLnBrk="0" hangingPunct="1">
+                <a:defRPr sz="1800" kern="1200">
+                  <a:solidFill>
+                    <a:schemeClr val="dk1"/>
+                  </a:solidFill>
+                  <a:latin typeface="+mn-lt"/>
+                  <a:ea typeface="+mn-ea"/>
+                  <a:cs typeface="+mn-cs"/>
+                </a:defRPr>
+              </a:lvl1pPr>
+              <a:lvl2pPr marL="457200" algn="l" defTabSz="914400" rtl="0" eaLnBrk="1" latinLnBrk="0" hangingPunct="1">
+                <a:defRPr sz="1800" kern="1200">
+                  <a:solidFill>
+                    <a:schemeClr val="dk1"/>
+                  </a:solidFill>
+                  <a:latin typeface="+mn-lt"/>
+                  <a:ea typeface="+mn-ea"/>
+                  <a:cs typeface="+mn-cs"/>
+                </a:defRPr>
+              </a:lvl2pPr>
+              <a:lvl3pPr marL="914400" algn="l" defTabSz="914400" rtl="0" eaLnBrk="1" latinLnBrk="0" hangingPunct="1">
+                <a:defRPr sz="1800" kern="1200">
+                  <a:solidFill>
+                    <a:schemeClr val="dk1"/>
+                  </a:solidFill>
+                  <a:latin typeface="+mn-lt"/>
+                  <a:ea typeface="+mn-ea"/>
+                  <a:cs typeface="+mn-cs"/>
+                </a:defRPr>
+              </a:lvl3pPr>
+              <a:lvl4pPr marL="1371600" algn="l" defTabSz="914400" rtl="0" eaLnBrk="1" latinLnBrk="0" hangingPunct="1">
+                <a:defRPr sz="1800" kern="1200">
+                  <a:solidFill>
+                    <a:schemeClr val="dk1"/>
+                  </a:solidFill>
+                  <a:latin typeface="+mn-lt"/>
+                  <a:ea typeface="+mn-ea"/>
+                  <a:cs typeface="+mn-cs"/>
+                </a:defRPr>
+              </a:lvl4pPr>
+              <a:lvl5pPr marL="1828800" algn="l" defTabSz="914400" rtl="0" eaLnBrk="1" latinLnBrk="0" hangingPunct="1">
+                <a:defRPr sz="1800" kern="1200">
+                  <a:solidFill>
+                    <a:schemeClr val="dk1"/>
+                  </a:solidFill>
+                  <a:latin typeface="+mn-lt"/>
+                  <a:ea typeface="+mn-ea"/>
+                  <a:cs typeface="+mn-cs"/>
+                </a:defRPr>
+              </a:lvl5pPr>
+              <a:lvl6pPr marL="2286000" algn="l" defTabSz="914400" rtl="0" eaLnBrk="1" latinLnBrk="0" hangingPunct="1">
+                <a:defRPr sz="1800" kern="1200">
+                  <a:solidFill>
+                    <a:schemeClr val="dk1"/>
+                  </a:solidFill>
+                  <a:latin typeface="+mn-lt"/>
+                  <a:ea typeface="+mn-ea"/>
+                  <a:cs typeface="+mn-cs"/>
+                </a:defRPr>
+              </a:lvl6pPr>
+              <a:lvl7pPr marL="2743200" algn="l" defTabSz="914400" rtl="0" eaLnBrk="1" latinLnBrk="0" hangingPunct="1">
+                <a:defRPr sz="1800" kern="1200">
+                  <a:solidFill>
+                    <a:schemeClr val="dk1"/>
+                  </a:solidFill>
+                  <a:latin typeface="+mn-lt"/>
+                  <a:ea typeface="+mn-ea"/>
+                  <a:cs typeface="+mn-cs"/>
+                </a:defRPr>
+              </a:lvl7pPr>
+              <a:lvl8pPr marL="3200400" algn="l" defTabSz="914400" rtl="0" eaLnBrk="1" latinLnBrk="0" hangingPunct="1">
+                <a:defRPr sz="1800" kern="1200">
+                  <a:solidFill>
+                    <a:schemeClr val="dk1"/>
+                  </a:solidFill>
+                  <a:latin typeface="+mn-lt"/>
+                  <a:ea typeface="+mn-ea"/>
+                  <a:cs typeface="+mn-cs"/>
+                </a:defRPr>
+              </a:lvl8pPr>
+              <a:lvl9pPr marL="3657600" algn="l" defTabSz="914400" rtl="0" eaLnBrk="1" latinLnBrk="0" hangingPunct="1">
+                <a:defRPr sz="1800" kern="1200">
+                  <a:solidFill>
+                    <a:schemeClr val="dk1"/>
+                  </a:solidFill>
+                  <a:latin typeface="+mn-lt"/>
+                  <a:ea typeface="+mn-ea"/>
+                  <a:cs typeface="+mn-cs"/>
+                </a:defRPr>
+              </a:lvl9pPr>
+            </a:lstStyle>
+            <a:p>
+              <a:pPr algn="ctr"/>
+              <a:r>
+                <a:rPr lang="en-US" sz="1400" dirty="0">
+                  <a:latin typeface="Times New Roman" panose="02020603050405020304" pitchFamily="18" charset="0"/>
+                  <a:cs typeface="Times New Roman" panose="02020603050405020304" pitchFamily="18" charset="0"/>
+                </a:rPr>
+                <a:t>Geometry Projection</a:t>
+              </a:r>
+            </a:p>
+          </p:txBody>
+        </p:sp>
+        <p:sp>
+          <p:nvSpPr>
+            <p:cNvPr id="28" name="Rectangle 27">
+              <a:extLst>
+                <a:ext uri="{FF2B5EF4-FFF2-40B4-BE49-F238E27FC236}">
+                  <a16:creationId xmlns:a16="http://schemas.microsoft.com/office/drawing/2014/main" id="{C8F6D2C2-026D-4A8B-BE42-66699E6D4A9C}"/>
+                </a:ext>
+              </a:extLst>
+            </p:cNvPr>
+            <p:cNvSpPr/>
+            <p:nvPr/>
+          </p:nvSpPr>
+          <p:spPr>
+            <a:xfrm>
+              <a:off x="7748583" y="1594190"/>
+              <a:ext cx="1301497" cy="496686"/>
+            </a:xfrm>
+            <a:prstGeom prst="rect">
+              <a:avLst/>
+            </a:prstGeom>
+            <a:ln w="38100"/>
+          </p:spPr>
+          <p:style>
+            <a:lnRef idx="2">
+              <a:schemeClr val="dk1"/>
+            </a:lnRef>
+            <a:fillRef idx="1">
+              <a:schemeClr val="lt1"/>
+            </a:fillRef>
+            <a:effectRef idx="0">
+              <a:schemeClr val="dk1"/>
+            </a:effectRef>
+            <a:fontRef idx="minor">
+              <a:schemeClr val="dk1"/>
+            </a:fontRef>
+          </p:style>
+          <p:txBody>
+            <a:bodyPr rtlCol="0" anchor="ctr"/>
+            <a:lstStyle>
+              <a:defPPr>
+                <a:defRPr lang="en-US"/>
+              </a:defPPr>
+              <a:lvl1pPr marL="0" algn="l" defTabSz="914400" rtl="0" eaLnBrk="1" latinLnBrk="0" hangingPunct="1">
+                <a:defRPr sz="1800" kern="1200">
+                  <a:solidFill>
+                    <a:schemeClr val="dk1"/>
+                  </a:solidFill>
+                  <a:latin typeface="+mn-lt"/>
+                  <a:ea typeface="+mn-ea"/>
+                  <a:cs typeface="+mn-cs"/>
+                </a:defRPr>
+              </a:lvl1pPr>
+              <a:lvl2pPr marL="457200" algn="l" defTabSz="914400" rtl="0" eaLnBrk="1" latinLnBrk="0" hangingPunct="1">
+                <a:defRPr sz="1800" kern="1200">
+                  <a:solidFill>
+                    <a:schemeClr val="dk1"/>
+                  </a:solidFill>
+                  <a:latin typeface="+mn-lt"/>
+                  <a:ea typeface="+mn-ea"/>
+                  <a:cs typeface="+mn-cs"/>
+                </a:defRPr>
+              </a:lvl2pPr>
+              <a:lvl3pPr marL="914400" algn="l" defTabSz="914400" rtl="0" eaLnBrk="1" latinLnBrk="0" hangingPunct="1">
+                <a:defRPr sz="1800" kern="1200">
+                  <a:solidFill>
+                    <a:schemeClr val="dk1"/>
+                  </a:solidFill>
+                  <a:latin typeface="+mn-lt"/>
+                  <a:ea typeface="+mn-ea"/>
+                  <a:cs typeface="+mn-cs"/>
+                </a:defRPr>
+              </a:lvl3pPr>
+              <a:lvl4pPr marL="1371600" algn="l" defTabSz="914400" rtl="0" eaLnBrk="1" latinLnBrk="0" hangingPunct="1">
+                <a:defRPr sz="1800" kern="1200">
+                  <a:solidFill>
+                    <a:schemeClr val="dk1"/>
+                  </a:solidFill>
+                  <a:latin typeface="+mn-lt"/>
+                  <a:ea typeface="+mn-ea"/>
+                  <a:cs typeface="+mn-cs"/>
+                </a:defRPr>
+              </a:lvl4pPr>
+              <a:lvl5pPr marL="1828800" algn="l" defTabSz="914400" rtl="0" eaLnBrk="1" latinLnBrk="0" hangingPunct="1">
+                <a:defRPr sz="1800" kern="1200">
+                  <a:solidFill>
+                    <a:schemeClr val="dk1"/>
+                  </a:solidFill>
+                  <a:latin typeface="+mn-lt"/>
+                  <a:ea typeface="+mn-ea"/>
+                  <a:cs typeface="+mn-cs"/>
+                </a:defRPr>
+              </a:lvl5pPr>
+              <a:lvl6pPr marL="2286000" algn="l" defTabSz="914400" rtl="0" eaLnBrk="1" latinLnBrk="0" hangingPunct="1">
+                <a:defRPr sz="1800" kern="1200">
+                  <a:solidFill>
+                    <a:schemeClr val="dk1"/>
+                  </a:solidFill>
+                  <a:latin typeface="+mn-lt"/>
+                  <a:ea typeface="+mn-ea"/>
+                  <a:cs typeface="+mn-cs"/>
+                </a:defRPr>
+              </a:lvl6pPr>
+              <a:lvl7pPr marL="2743200" algn="l" defTabSz="914400" rtl="0" eaLnBrk="1" latinLnBrk="0" hangingPunct="1">
+                <a:defRPr sz="1800" kern="1200">
+                  <a:solidFill>
+                    <a:schemeClr val="dk1"/>
+                  </a:solidFill>
+                  <a:latin typeface="+mn-lt"/>
+                  <a:ea typeface="+mn-ea"/>
+                  <a:cs typeface="+mn-cs"/>
+                </a:defRPr>
+              </a:lvl7pPr>
+              <a:lvl8pPr marL="3200400" algn="l" defTabSz="914400" rtl="0" eaLnBrk="1" latinLnBrk="0" hangingPunct="1">
+                <a:defRPr sz="1800" kern="1200">
+                  <a:solidFill>
+                    <a:schemeClr val="dk1"/>
+                  </a:solidFill>
+                  <a:latin typeface="+mn-lt"/>
+                  <a:ea typeface="+mn-ea"/>
+                  <a:cs typeface="+mn-cs"/>
+                </a:defRPr>
+              </a:lvl8pPr>
+              <a:lvl9pPr marL="3657600" algn="l" defTabSz="914400" rtl="0" eaLnBrk="1" latinLnBrk="0" hangingPunct="1">
+                <a:defRPr sz="1800" kern="1200">
+                  <a:solidFill>
+                    <a:schemeClr val="dk1"/>
+                  </a:solidFill>
+                  <a:latin typeface="+mn-lt"/>
+                  <a:ea typeface="+mn-ea"/>
+                  <a:cs typeface="+mn-cs"/>
+                </a:defRPr>
+              </a:lvl9pPr>
+            </a:lstStyle>
+            <a:p>
+              <a:pPr algn="ctr"/>
+              <a:r>
+                <a:rPr lang="en-US" sz="1400" dirty="0">
+                  <a:latin typeface="Times New Roman" panose="02020603050405020304" pitchFamily="18" charset="0"/>
+                  <a:cs typeface="Times New Roman" panose="02020603050405020304" pitchFamily="18" charset="0"/>
+                </a:rPr>
+                <a:t>Point Cloud </a:t>
+              </a:r>
+            </a:p>
+            <a:p>
+              <a:pPr algn="ctr"/>
+              <a:r>
+                <a:rPr lang="en-US" sz="1400" dirty="0">
+                  <a:latin typeface="Times New Roman" panose="02020603050405020304" pitchFamily="18" charset="0"/>
+                  <a:cs typeface="Times New Roman" panose="02020603050405020304" pitchFamily="18" charset="0"/>
+                </a:rPr>
+                <a:t>Lib</a:t>
+              </a:r>
+            </a:p>
+          </p:txBody>
+        </p:sp>
+        <p:sp>
+          <p:nvSpPr>
+            <p:cNvPr id="29" name="矩形 28">
+              <a:extLst>
+                <a:ext uri="{FF2B5EF4-FFF2-40B4-BE49-F238E27FC236}">
+                  <a16:creationId xmlns:a16="http://schemas.microsoft.com/office/drawing/2014/main" id="{1378D87D-E6FB-4B32-B2F2-1375D9F304A8}"/>
+                </a:ext>
+              </a:extLst>
+            </p:cNvPr>
+            <p:cNvSpPr/>
+            <p:nvPr/>
+          </p:nvSpPr>
+          <p:spPr>
+            <a:xfrm>
+              <a:off x="7678793" y="1216828"/>
+              <a:ext cx="1447047" cy="3645988"/>
+            </a:xfrm>
+            <a:prstGeom prst="rect">
+              <a:avLst/>
+            </a:prstGeom>
+            <a:noFill/>
+            <a:ln w="31750">
+              <a:solidFill>
+                <a:schemeClr val="tx1"/>
+              </a:solidFill>
+              <a:prstDash val="dash"/>
+            </a:ln>
+          </p:spPr>
+          <p:style>
+            <a:lnRef idx="2">
+              <a:schemeClr val="accent1">
+                <a:shade val="50000"/>
+              </a:schemeClr>
+            </a:lnRef>
+            <a:fillRef idx="1">
+              <a:schemeClr val="accent1"/>
+            </a:fillRef>
+            <a:effectRef idx="0">
+              <a:schemeClr val="accent1"/>
+            </a:effectRef>
+            <a:fontRef idx="minor">
+              <a:schemeClr val="lt1"/>
+            </a:fontRef>
+          </p:style>
+          <p:txBody>
+            <a:bodyPr rtlCol="0" anchor="ctr"/>
+            <a:lstStyle/>
+            <a:p>
+              <a:pPr algn="ctr"/>
+              <a:endParaRPr lang="zh-CN" altLang="en-US"/>
+            </a:p>
+          </p:txBody>
+        </p:sp>
+        <p:sp>
+          <p:nvSpPr>
+            <p:cNvPr id="30" name="文本框 29">
+              <a:extLst>
+                <a:ext uri="{FF2B5EF4-FFF2-40B4-BE49-F238E27FC236}">
+                  <a16:creationId xmlns:a16="http://schemas.microsoft.com/office/drawing/2014/main" id="{240CB9DC-0FA4-4BCC-946B-EF13292DD0DC}"/>
+                </a:ext>
+              </a:extLst>
+            </p:cNvPr>
+            <p:cNvSpPr txBox="1"/>
+            <p:nvPr/>
+          </p:nvSpPr>
+          <p:spPr>
+            <a:xfrm>
+              <a:off x="7849137" y="1237056"/>
+              <a:ext cx="1100383" cy="323165"/>
+            </a:xfrm>
+            <a:prstGeom prst="rect">
+              <a:avLst/>
+            </a:prstGeom>
+            <a:noFill/>
+          </p:spPr>
+          <p:txBody>
+            <a:bodyPr wrap="square" rtlCol="0">
+              <a:spAutoFit/>
+            </a:bodyPr>
+            <a:lstStyle/>
+            <a:p>
+              <a:pPr algn="ctr"/>
+              <a:r>
+                <a:rPr lang="en-US" altLang="zh-CN" sz="1500" b="1" dirty="0">
+                  <a:latin typeface="Times New Roman" panose="02020603050405020304" pitchFamily="18" charset="0"/>
+                  <a:cs typeface="Times New Roman" panose="02020603050405020304" pitchFamily="18" charset="0"/>
+                </a:rPr>
+                <a:t>Tool Sets</a:t>
+              </a:r>
+            </a:p>
+          </p:txBody>
+        </p:sp>
+        <p:sp>
+          <p:nvSpPr>
+            <p:cNvPr id="31" name="Rectangle 3">
+              <a:extLst>
+                <a:ext uri="{FF2B5EF4-FFF2-40B4-BE49-F238E27FC236}">
+                  <a16:creationId xmlns:a16="http://schemas.microsoft.com/office/drawing/2014/main" id="{FA413DA0-5956-477C-B7FC-827BBA667D41}"/>
+                </a:ext>
+              </a:extLst>
+            </p:cNvPr>
+            <p:cNvSpPr/>
+            <p:nvPr/>
+          </p:nvSpPr>
+          <p:spPr>
+            <a:xfrm>
+              <a:off x="9294266" y="1592099"/>
+              <a:ext cx="1268000" cy="496686"/>
+            </a:xfrm>
+            <a:prstGeom prst="rect">
+              <a:avLst/>
+            </a:prstGeom>
+            <a:ln w="38100"/>
+          </p:spPr>
+          <p:style>
+            <a:lnRef idx="2">
+              <a:schemeClr val="dk1"/>
+            </a:lnRef>
+            <a:fillRef idx="1">
+              <a:schemeClr val="lt1"/>
+            </a:fillRef>
+            <a:effectRef idx="0">
+              <a:schemeClr val="dk1"/>
+            </a:effectRef>
+            <a:fontRef idx="minor">
+              <a:schemeClr val="dk1"/>
+            </a:fontRef>
+          </p:style>
+          <p:txBody>
+            <a:bodyPr rtlCol="0" anchor="ctr"/>
+            <a:lstStyle/>
+            <a:p>
+              <a:pPr algn="ctr"/>
+              <a:r>
+                <a:rPr lang="en-US" sz="1400" dirty="0">
+                  <a:latin typeface="Times New Roman" panose="02020603050405020304" pitchFamily="18" charset="0"/>
+                  <a:cs typeface="Times New Roman" panose="02020603050405020304" pitchFamily="18" charset="0"/>
+                </a:rPr>
+                <a:t>Data Retrieval </a:t>
+              </a:r>
+            </a:p>
+          </p:txBody>
+        </p:sp>
+        <p:sp>
+          <p:nvSpPr>
+            <p:cNvPr id="32" name="Rectangle 2">
+              <a:extLst>
+                <a:ext uri="{FF2B5EF4-FFF2-40B4-BE49-F238E27FC236}">
+                  <a16:creationId xmlns:a16="http://schemas.microsoft.com/office/drawing/2014/main" id="{D4005B12-1DE9-4B27-9F83-A82BE42BA8DE}"/>
+                </a:ext>
+              </a:extLst>
+            </p:cNvPr>
+            <p:cNvSpPr/>
+            <p:nvPr/>
+          </p:nvSpPr>
+          <p:spPr>
+            <a:xfrm>
+              <a:off x="9294266" y="2896570"/>
+              <a:ext cx="1268000" cy="841611"/>
+            </a:xfrm>
+            <a:prstGeom prst="rect">
+              <a:avLst/>
+            </a:prstGeom>
+            <a:ln w="38100"/>
+          </p:spPr>
+          <p:style>
+            <a:lnRef idx="2">
+              <a:schemeClr val="dk1"/>
+            </a:lnRef>
+            <a:fillRef idx="1">
+              <a:schemeClr val="lt1"/>
+            </a:fillRef>
+            <a:effectRef idx="0">
+              <a:schemeClr val="dk1"/>
+            </a:effectRef>
+            <a:fontRef idx="minor">
+              <a:schemeClr val="dk1"/>
+            </a:fontRef>
+          </p:style>
+          <p:txBody>
+            <a:bodyPr rtlCol="0" anchor="ctr"/>
+            <a:lstStyle/>
+            <a:p>
+              <a:pPr algn="ctr"/>
+              <a:r>
+                <a:rPr lang="en-US" sz="1400" dirty="0">
+                  <a:latin typeface="Times New Roman" panose="02020603050405020304" pitchFamily="18" charset="0"/>
+                  <a:cs typeface="Times New Roman" panose="02020603050405020304" pitchFamily="18" charset="0"/>
+                </a:rPr>
+                <a:t>Web Framework</a:t>
+              </a:r>
+            </a:p>
+          </p:txBody>
+        </p:sp>
+        <p:sp>
+          <p:nvSpPr>
+            <p:cNvPr id="33" name="Rectangle 4">
+              <a:extLst>
+                <a:ext uri="{FF2B5EF4-FFF2-40B4-BE49-F238E27FC236}">
+                  <a16:creationId xmlns:a16="http://schemas.microsoft.com/office/drawing/2014/main" id="{BADFACEA-F30A-453E-95E3-BBB20D06AAD9}"/>
+                </a:ext>
+              </a:extLst>
+            </p:cNvPr>
+            <p:cNvSpPr/>
+            <p:nvPr/>
+          </p:nvSpPr>
+          <p:spPr>
+            <a:xfrm>
+              <a:off x="9294266" y="3897539"/>
+              <a:ext cx="1268000" cy="820681"/>
+            </a:xfrm>
+            <a:prstGeom prst="rect">
+              <a:avLst/>
+            </a:prstGeom>
+            <a:ln w="38100"/>
+          </p:spPr>
+          <p:style>
+            <a:lnRef idx="2">
+              <a:schemeClr val="dk1"/>
+            </a:lnRef>
+            <a:fillRef idx="1">
+              <a:schemeClr val="lt1"/>
+            </a:fillRef>
+            <a:effectRef idx="0">
+              <a:schemeClr val="dk1"/>
+            </a:effectRef>
+            <a:fontRef idx="minor">
+              <a:schemeClr val="dk1"/>
+            </a:fontRef>
+          </p:style>
+          <p:txBody>
+            <a:bodyPr rtlCol="0" anchor="ctr"/>
+            <a:lstStyle/>
+            <a:p>
+              <a:pPr algn="ctr"/>
+              <a:r>
+                <a:rPr lang="en-US" sz="1400" dirty="0">
+                  <a:latin typeface="Times New Roman" panose="02020603050405020304" pitchFamily="18" charset="0"/>
+                  <a:cs typeface="Times New Roman" panose="02020603050405020304" pitchFamily="18" charset="0"/>
+                </a:rPr>
+                <a:t>WebGL Library</a:t>
+              </a:r>
+            </a:p>
+          </p:txBody>
+        </p:sp>
+        <p:sp>
+          <p:nvSpPr>
+            <p:cNvPr id="34" name="矩形 33">
+              <a:extLst>
+                <a:ext uri="{FF2B5EF4-FFF2-40B4-BE49-F238E27FC236}">
+                  <a16:creationId xmlns:a16="http://schemas.microsoft.com/office/drawing/2014/main" id="{E59E9A05-6EF3-49F6-A3F2-F043D3ECE2D3}"/>
+                </a:ext>
+              </a:extLst>
+            </p:cNvPr>
+            <p:cNvSpPr/>
+            <p:nvPr/>
+          </p:nvSpPr>
+          <p:spPr>
+            <a:xfrm>
+              <a:off x="9218504" y="1216828"/>
+              <a:ext cx="1442140" cy="3645988"/>
+            </a:xfrm>
+            <a:prstGeom prst="rect">
+              <a:avLst/>
+            </a:prstGeom>
+            <a:noFill/>
+            <a:ln w="31750">
+              <a:solidFill>
+                <a:schemeClr val="tx1"/>
+              </a:solidFill>
+              <a:prstDash val="dash"/>
+            </a:ln>
+          </p:spPr>
+          <p:style>
+            <a:lnRef idx="2">
+              <a:schemeClr val="accent1">
+                <a:shade val="50000"/>
+              </a:schemeClr>
+            </a:lnRef>
+            <a:fillRef idx="1">
+              <a:schemeClr val="accent1"/>
+            </a:fillRef>
+            <a:effectRef idx="0">
+              <a:schemeClr val="accent1"/>
+            </a:effectRef>
+            <a:fontRef idx="minor">
+              <a:schemeClr val="lt1"/>
+            </a:fontRef>
+          </p:style>
+          <p:txBody>
+            <a:bodyPr rtlCol="0" anchor="ctr"/>
+            <a:lstStyle/>
+            <a:p>
+              <a:pPr algn="ctr"/>
+              <a:endParaRPr lang="zh-CN" altLang="en-US"/>
+            </a:p>
+          </p:txBody>
+        </p:sp>
+        <p:sp>
+          <p:nvSpPr>
+            <p:cNvPr id="35" name="文本框 34">
+              <a:extLst>
+                <a:ext uri="{FF2B5EF4-FFF2-40B4-BE49-F238E27FC236}">
+                  <a16:creationId xmlns:a16="http://schemas.microsoft.com/office/drawing/2014/main" id="{80F59129-BBDE-4499-9F0B-E180CCF863C7}"/>
+                </a:ext>
+              </a:extLst>
+            </p:cNvPr>
+            <p:cNvSpPr txBox="1"/>
+            <p:nvPr/>
+          </p:nvSpPr>
+          <p:spPr>
+            <a:xfrm>
+              <a:off x="9294265" y="1234181"/>
+              <a:ext cx="1366378" cy="323165"/>
+            </a:xfrm>
+            <a:prstGeom prst="rect">
+              <a:avLst/>
+            </a:prstGeom>
+            <a:noFill/>
+          </p:spPr>
+          <p:txBody>
+            <a:bodyPr wrap="square" rtlCol="0">
+              <a:spAutoFit/>
+            </a:bodyPr>
+            <a:lstStyle/>
+            <a:p>
+              <a:pPr algn="ctr"/>
+              <a:r>
+                <a:rPr lang="en-US" altLang="zh-CN" sz="1500" b="1" dirty="0">
+                  <a:latin typeface="Times New Roman" panose="02020603050405020304" pitchFamily="18" charset="0"/>
+                  <a:cs typeface="Times New Roman" panose="02020603050405020304" pitchFamily="18" charset="0"/>
+                </a:rPr>
+                <a:t>Infrastructure</a:t>
+              </a:r>
+            </a:p>
+          </p:txBody>
+        </p:sp>
+        <p:sp>
+          <p:nvSpPr>
+            <p:cNvPr id="36" name="Rectangle 3">
+              <a:extLst>
+                <a:ext uri="{FF2B5EF4-FFF2-40B4-BE49-F238E27FC236}">
+                  <a16:creationId xmlns:a16="http://schemas.microsoft.com/office/drawing/2014/main" id="{DDDA2DA8-9918-4697-B5DC-38B18777F0A9}"/>
+                </a:ext>
+              </a:extLst>
+            </p:cNvPr>
+            <p:cNvSpPr/>
+            <p:nvPr/>
+          </p:nvSpPr>
+          <p:spPr>
+            <a:xfrm>
+              <a:off x="9294266" y="2240526"/>
+              <a:ext cx="1268000" cy="496686"/>
+            </a:xfrm>
+            <a:prstGeom prst="rect">
+              <a:avLst/>
+            </a:prstGeom>
+            <a:ln w="38100"/>
+          </p:spPr>
+          <p:style>
+            <a:lnRef idx="2">
+              <a:schemeClr val="dk1"/>
+            </a:lnRef>
+            <a:fillRef idx="1">
+              <a:schemeClr val="lt1"/>
+            </a:fillRef>
+            <a:effectRef idx="0">
+              <a:schemeClr val="dk1"/>
+            </a:effectRef>
+            <a:fontRef idx="minor">
+              <a:schemeClr val="dk1"/>
+            </a:fontRef>
+          </p:style>
+          <p:txBody>
+            <a:bodyPr rtlCol="0" anchor="ctr"/>
+            <a:lstStyle/>
+            <a:p>
+              <a:pPr algn="ctr"/>
+              <a:r>
+                <a:rPr lang="en-US" sz="1400" dirty="0">
+                  <a:latin typeface="Times New Roman" panose="02020603050405020304" pitchFamily="18" charset="0"/>
+                  <a:cs typeface="Times New Roman" panose="02020603050405020304" pitchFamily="18" charset="0"/>
+                </a:rPr>
+                <a:t>Data store</a:t>
+              </a:r>
+            </a:p>
+          </p:txBody>
+        </p:sp>
+        <p:sp>
+          <p:nvSpPr>
+            <p:cNvPr id="37" name="矩形 36">
+              <a:extLst>
+                <a:ext uri="{FF2B5EF4-FFF2-40B4-BE49-F238E27FC236}">
+                  <a16:creationId xmlns:a16="http://schemas.microsoft.com/office/drawing/2014/main" id="{25B22618-7D66-447E-8809-C1968CA86D59}"/>
+                </a:ext>
+              </a:extLst>
+            </p:cNvPr>
+            <p:cNvSpPr/>
+            <p:nvPr/>
+          </p:nvSpPr>
+          <p:spPr>
+            <a:xfrm>
+              <a:off x="4829992" y="746426"/>
+              <a:ext cx="5643533" cy="369332"/>
+            </a:xfrm>
+            <a:prstGeom prst="rect">
+              <a:avLst/>
+            </a:prstGeom>
+          </p:spPr>
+          <p:txBody>
+            <a:bodyPr wrap="none">
+              <a:spAutoFit/>
+            </a:bodyPr>
+            <a:lstStyle/>
+            <a:p>
+              <a:pPr algn="ctr"/>
+              <a:r>
+                <a:rPr lang="en-US" altLang="zh-CN" b="1" dirty="0">
+                  <a:latin typeface="Times New Roman" panose="02020603050405020304" pitchFamily="18" charset="0"/>
+                  <a:cs typeface="Times New Roman" panose="02020603050405020304" pitchFamily="18" charset="0"/>
+                </a:rPr>
+                <a:t>Data Management System &amp; User Interaction Platform</a:t>
+              </a:r>
+            </a:p>
+          </p:txBody>
+        </p:sp>
+        <p:cxnSp>
+          <p:nvCxnSpPr>
+            <p:cNvPr id="38" name="直接箭头连接符 37">
+              <a:extLst>
+                <a:ext uri="{FF2B5EF4-FFF2-40B4-BE49-F238E27FC236}">
+                  <a16:creationId xmlns:a16="http://schemas.microsoft.com/office/drawing/2014/main" id="{63249758-E2F4-4AAF-BAFC-2EDD1FFC7985}"/>
+                </a:ext>
+              </a:extLst>
+            </p:cNvPr>
+            <p:cNvCxnSpPr>
+              <a:cxnSpLocks/>
+              <a:stCxn id="7" idx="3"/>
+            </p:cNvCxnSpPr>
+            <p:nvPr/>
+          </p:nvCxnSpPr>
+          <p:spPr>
+            <a:xfrm flipV="1">
+              <a:off x="4290004" y="1000144"/>
+              <a:ext cx="275549" cy="2968"/>
+            </a:xfrm>
+            <a:prstGeom prst="straightConnector1">
+              <a:avLst/>
+            </a:prstGeom>
+            <a:ln w="25400">
+              <a:solidFill>
+                <a:schemeClr val="tx1"/>
+              </a:solidFill>
+              <a:headEnd type="triangle"/>
+              <a:tailEnd type="none"/>
+            </a:ln>
+          </p:spPr>
+          <p:style>
+            <a:lnRef idx="1">
+              <a:schemeClr val="accent1"/>
+            </a:lnRef>
+            <a:fillRef idx="0">
+              <a:schemeClr val="accent1"/>
+            </a:fillRef>
+            <a:effectRef idx="0">
+              <a:schemeClr val="accent1"/>
+            </a:effectRef>
+            <a:fontRef idx="minor">
+              <a:schemeClr val="tx1"/>
+            </a:fontRef>
+          </p:style>
+        </p:cxnSp>
+        <p:cxnSp>
+          <p:nvCxnSpPr>
+            <p:cNvPr id="39" name="直接箭头连接符 38">
+              <a:extLst>
+                <a:ext uri="{FF2B5EF4-FFF2-40B4-BE49-F238E27FC236}">
+                  <a16:creationId xmlns:a16="http://schemas.microsoft.com/office/drawing/2014/main" id="{226ECFDC-5104-4FA7-AA27-8C173D3E8E5A}"/>
+                </a:ext>
+              </a:extLst>
+            </p:cNvPr>
+            <p:cNvCxnSpPr>
+              <a:cxnSpLocks/>
+              <a:stCxn id="8" idx="0"/>
+              <a:endCxn id="7" idx="2"/>
+            </p:cNvCxnSpPr>
+            <p:nvPr/>
+          </p:nvCxnSpPr>
+          <p:spPr>
+            <a:xfrm flipH="1" flipV="1">
+              <a:off x="3769014" y="1362125"/>
+              <a:ext cx="3256" cy="225218"/>
+            </a:xfrm>
+            <a:prstGeom prst="straightConnector1">
+              <a:avLst/>
+            </a:prstGeom>
+            <a:ln w="25400">
+              <a:solidFill>
+                <a:schemeClr val="tx1"/>
+              </a:solidFill>
+              <a:headEnd type="triangle"/>
+              <a:tailEnd type="none"/>
+            </a:ln>
+          </p:spPr>
+          <p:style>
+            <a:lnRef idx="1">
+              <a:schemeClr val="accent1"/>
+            </a:lnRef>
+            <a:fillRef idx="0">
+              <a:schemeClr val="accent1"/>
+            </a:fillRef>
+            <a:effectRef idx="0">
+              <a:schemeClr val="accent1"/>
+            </a:effectRef>
+            <a:fontRef idx="minor">
+              <a:schemeClr val="tx1"/>
+            </a:fontRef>
+          </p:style>
+        </p:cxnSp>
+        <p:cxnSp>
+          <p:nvCxnSpPr>
+            <p:cNvPr id="40" name="直接箭头连接符 39">
+              <a:extLst>
+                <a:ext uri="{FF2B5EF4-FFF2-40B4-BE49-F238E27FC236}">
+                  <a16:creationId xmlns:a16="http://schemas.microsoft.com/office/drawing/2014/main" id="{B2DA5EEB-C651-4018-949A-DC987CDD7B73}"/>
+                </a:ext>
+              </a:extLst>
+            </p:cNvPr>
+            <p:cNvCxnSpPr>
+              <a:cxnSpLocks/>
+              <a:stCxn id="6" idx="0"/>
+              <a:endCxn id="8" idx="2"/>
+            </p:cNvCxnSpPr>
+            <p:nvPr/>
+          </p:nvCxnSpPr>
+          <p:spPr>
+            <a:xfrm flipV="1">
+              <a:off x="3772269" y="2667351"/>
+              <a:ext cx="1" cy="228184"/>
+            </a:xfrm>
+            <a:prstGeom prst="straightConnector1">
+              <a:avLst/>
+            </a:prstGeom>
+            <a:ln w="25400">
+              <a:solidFill>
+                <a:schemeClr val="tx1"/>
+              </a:solidFill>
+              <a:headEnd type="triangle"/>
+              <a:tailEnd type="none"/>
+            </a:ln>
+          </p:spPr>
+          <p:style>
+            <a:lnRef idx="1">
+              <a:schemeClr val="accent1"/>
+            </a:lnRef>
+            <a:fillRef idx="0">
+              <a:schemeClr val="accent1"/>
+            </a:fillRef>
+            <a:effectRef idx="0">
+              <a:schemeClr val="accent1"/>
+            </a:effectRef>
+            <a:fontRef idx="minor">
+              <a:schemeClr val="tx1"/>
+            </a:fontRef>
+          </p:style>
+        </p:cxnSp>
+        <p:cxnSp>
+          <p:nvCxnSpPr>
+            <p:cNvPr id="41" name="直接箭头连接符 40">
+              <a:extLst>
+                <a:ext uri="{FF2B5EF4-FFF2-40B4-BE49-F238E27FC236}">
+                  <a16:creationId xmlns:a16="http://schemas.microsoft.com/office/drawing/2014/main" id="{0A1A9A08-15DF-473D-A395-64069D133535}"/>
+                </a:ext>
+              </a:extLst>
+            </p:cNvPr>
+            <p:cNvCxnSpPr>
+              <a:cxnSpLocks/>
+            </p:cNvCxnSpPr>
+            <p:nvPr/>
+          </p:nvCxnSpPr>
+          <p:spPr>
+            <a:xfrm rot="10800000" flipV="1">
+              <a:off x="3772269" y="3975543"/>
+              <a:ext cx="0" cy="345425"/>
+            </a:xfrm>
+            <a:prstGeom prst="straightConnector1">
+              <a:avLst/>
+            </a:prstGeom>
+            <a:ln w="25400">
+              <a:solidFill>
+                <a:schemeClr val="tx1"/>
+              </a:solidFill>
+              <a:headEnd type="triangle"/>
+              <a:tailEnd type="none"/>
+            </a:ln>
+          </p:spPr>
+          <p:style>
+            <a:lnRef idx="1">
+              <a:schemeClr val="accent1"/>
+            </a:lnRef>
+            <a:fillRef idx="0">
+              <a:schemeClr val="accent1"/>
+            </a:fillRef>
+            <a:effectRef idx="0">
+              <a:schemeClr val="accent1"/>
+            </a:effectRef>
+            <a:fontRef idx="minor">
+              <a:schemeClr val="tx1"/>
+            </a:fontRef>
+          </p:style>
+        </p:cxnSp>
+        <p:cxnSp>
+          <p:nvCxnSpPr>
+            <p:cNvPr id="42" name="直接箭头连接符 41">
+              <a:extLst>
+                <a:ext uri="{FF2B5EF4-FFF2-40B4-BE49-F238E27FC236}">
+                  <a16:creationId xmlns:a16="http://schemas.microsoft.com/office/drawing/2014/main" id="{D883CE86-D027-4944-B2F7-1D333155FA12}"/>
+                </a:ext>
+              </a:extLst>
+            </p:cNvPr>
+            <p:cNvCxnSpPr>
+              <a:cxnSpLocks/>
+              <a:endCxn id="6" idx="3"/>
+            </p:cNvCxnSpPr>
+            <p:nvPr/>
+          </p:nvCxnSpPr>
+          <p:spPr>
+            <a:xfrm flipH="1" flipV="1">
+              <a:off x="4296513" y="3435539"/>
+              <a:ext cx="269040" cy="2968"/>
+            </a:xfrm>
+            <a:prstGeom prst="straightConnector1">
+              <a:avLst/>
+            </a:prstGeom>
+            <a:ln w="25400">
+              <a:solidFill>
+                <a:schemeClr val="tx1"/>
+              </a:solidFill>
+              <a:headEnd type="triangle"/>
+              <a:tailEnd type="none"/>
+            </a:ln>
+          </p:spPr>
+          <p:style>
+            <a:lnRef idx="1">
+              <a:schemeClr val="accent1"/>
+            </a:lnRef>
+            <a:fillRef idx="0">
+              <a:schemeClr val="accent1"/>
+            </a:fillRef>
+            <a:effectRef idx="0">
+              <a:schemeClr val="accent1"/>
+            </a:effectRef>
+            <a:fontRef idx="minor">
+              <a:schemeClr val="tx1"/>
+            </a:fontRef>
+          </p:style>
+        </p:cxnSp>
+        <p:cxnSp>
+          <p:nvCxnSpPr>
+            <p:cNvPr id="43" name="直接箭头连接符 42">
+              <a:extLst>
+                <a:ext uri="{FF2B5EF4-FFF2-40B4-BE49-F238E27FC236}">
+                  <a16:creationId xmlns:a16="http://schemas.microsoft.com/office/drawing/2014/main" id="{432E7329-6CA5-45BB-8935-9B7079FF4527}"/>
+                </a:ext>
+              </a:extLst>
+            </p:cNvPr>
+            <p:cNvCxnSpPr>
+              <a:cxnSpLocks/>
+              <a:endCxn id="9" idx="3"/>
+            </p:cNvCxnSpPr>
+            <p:nvPr/>
+          </p:nvCxnSpPr>
+          <p:spPr>
+            <a:xfrm flipH="1" flipV="1">
+              <a:off x="4296513" y="4679982"/>
+              <a:ext cx="269040" cy="6692"/>
+            </a:xfrm>
+            <a:prstGeom prst="straightConnector1">
+              <a:avLst/>
+            </a:prstGeom>
+            <a:ln w="25400">
+              <a:solidFill>
+                <a:schemeClr val="tx1"/>
+              </a:solidFill>
+              <a:headEnd type="triangle"/>
+              <a:tailEnd type="none"/>
+            </a:ln>
+          </p:spPr>
+          <p:style>
+            <a:lnRef idx="1">
+              <a:schemeClr val="accent1"/>
+            </a:lnRef>
+            <a:fillRef idx="0">
+              <a:schemeClr val="accent1"/>
+            </a:fillRef>
+            <a:effectRef idx="0">
+              <a:schemeClr val="accent1"/>
+            </a:effectRef>
+            <a:fontRef idx="minor">
+              <a:schemeClr val="tx1"/>
+            </a:fontRef>
+          </p:style>
+        </p:cxnSp>
+      </p:grpSp>
+    </p:spTree>
+    <p:extLst>
+      <p:ext uri="{BB962C8B-B14F-4D97-AF65-F5344CB8AC3E}">
+        <p14:creationId xmlns:p14="http://schemas.microsoft.com/office/powerpoint/2010/main" val="2123317832"/>
       </p:ext>
     </p:extLst>
   </p:cSld>

--- a/fig.pptx
+++ b/fig.pptx
@@ -1,14 +1,14 @@
 
 <file path=ppt/presentation.xml><?xml version="1.0" encoding="utf-8"?>
-<p:presentation xmlns:a="http://schemas.openxmlformats.org/drawingml/2006/main" xmlns:r="http://schemas.openxmlformats.org/officeDocument/2006/relationships" xmlns:p="http://schemas.openxmlformats.org/presentationml/2006/main" saveSubsetFonts="1">
+<p:presentation xmlns:a="http://schemas.openxmlformats.org/drawingml/2006/main" xmlns:r="http://schemas.openxmlformats.org/officeDocument/2006/relationships" xmlns:p="http://schemas.openxmlformats.org/presentationml/2006/main">
   <p:sldMasterIdLst>
-    <p:sldMasterId id="2147483660" r:id="rId1"/>
+    <p:sldMasterId id="2147483648" r:id="rId1"/>
   </p:sldMasterIdLst>
   <p:sldIdLst>
-    <p:sldId id="257" r:id="rId2"/>
-    <p:sldId id="256" r:id="rId3"/>
-    <p:sldId id="258" r:id="rId4"/>
-    <p:sldId id="259" r:id="rId5"/>
+    <p:sldId id="257" r:id="rId3"/>
+    <p:sldId id="256" r:id="rId4"/>
+    <p:sldId id="258" r:id="rId5"/>
+    <p:sldId id="259" r:id="rId6"/>
   </p:sldIdLst>
   <p:sldSz cx="12192000" cy="6858000"/>
   <p:notesSz cx="6858000" cy="9144000"/>
@@ -107,23 +107,7 @@
       </a:defRPr>
     </a:lvl9pPr>
   </p:defaultTextStyle>
-  <p:extLst>
-    <p:ext uri="{EFAFB233-063F-42B5-8137-9DF3F51BA10A}">
-      <p15:sldGuideLst xmlns:p15="http://schemas.microsoft.com/office/powerpoint/2012/main"/>
-    </p:ext>
-  </p:extLst>
 </p:presentation>
-</file>
-
-<file path=ppt/revisionInfo.xml><?xml version="1.0" encoding="utf-8"?>
-<p1510:revInfo xmlns:a="http://schemas.openxmlformats.org/drawingml/2006/main" xmlns:r="http://schemas.openxmlformats.org/officeDocument/2006/relationships" xmlns:p1510="http://schemas.microsoft.com/office/powerpoint/2015/10/main">
-  <p1510:revLst>
-    <p1510:client id="{47ED650D-FA8E-4A51-A3D2-7E6CE91CC2BE}" v="322" dt="2020-01-10T05:31:27.336"/>
-    <p1510:client id="{4BFB034F-0C3C-D16D-1DBB-AD42988784A6}" v="147" dt="2020-01-10T06:35:54.628"/>
-    <p1510:client id="{5AF17D99-3889-F056-A1A2-B19C7E4CC3A7}" v="552" dt="2020-01-10T06:16:39.490"/>
-    <p1510:client id="{BBB5B558-454D-97F0-CF16-C0DF9676D2A3}" v="704" dt="2020-01-10T08:42:09.514"/>
-  </p1510:revLst>
-</p1510:revInfo>
 </file>
 
 <file path=ppt/slideLayouts/slideLayout1.xml><?xml version="1.0" encoding="utf-8"?>
@@ -257,7 +241,6 @@
           <a:p>
             <a:fld id="{846CE7D5-CF57-46EF-B807-FDD0502418D4}" type="datetimeFigureOut">
               <a:rPr lang="en-US" smtClean="0"/>
-              <a:t>1/10/2020</a:t>
             </a:fld>
             <a:endParaRPr lang="en-US"/>
           </a:p>
@@ -299,18 +282,12 @@
           <a:p>
             <a:fld id="{330EA680-D336-4FF7-8B7A-9848BB0A1C32}" type="slidenum">
               <a:rPr lang="en-US" smtClean="0"/>
-              <a:t>‹#›</a:t>
             </a:fld>
             <a:endParaRPr lang="en-US"/>
           </a:p>
         </p:txBody>
       </p:sp>
     </p:spTree>
-    <p:extLst>
-      <p:ext uri="{BB962C8B-B14F-4D97-AF65-F5344CB8AC3E}">
-        <p14:creationId xmlns:p14="http://schemas.microsoft.com/office/powerpoint/2010/main" val="2385387890"/>
-      </p:ext>
-    </p:extLst>
   </p:cSld>
   <p:clrMapOvr>
     <a:masterClrMapping/>
@@ -378,6 +355,7 @@
               <a:rPr lang="en-US"/>
               <a:t>Click to edit Master text styles</a:t>
             </a:r>
+            <a:endParaRPr lang="en-US"/>
           </a:p>
           <a:p>
             <a:pPr lvl="1"/>
@@ -385,6 +363,7 @@
               <a:rPr lang="en-US"/>
               <a:t>Second level</a:t>
             </a:r>
+            <a:endParaRPr lang="en-US"/>
           </a:p>
           <a:p>
             <a:pPr lvl="2"/>
@@ -392,6 +371,7 @@
               <a:rPr lang="en-US"/>
               <a:t>Third level</a:t>
             </a:r>
+            <a:endParaRPr lang="en-US"/>
           </a:p>
           <a:p>
             <a:pPr lvl="3"/>
@@ -399,6 +379,7 @@
               <a:rPr lang="en-US"/>
               <a:t>Fourth level</a:t>
             </a:r>
+            <a:endParaRPr lang="en-US"/>
           </a:p>
           <a:p>
             <a:pPr lvl="4"/>
@@ -427,7 +408,6 @@
           <a:p>
             <a:fld id="{846CE7D5-CF57-46EF-B807-FDD0502418D4}" type="datetimeFigureOut">
               <a:rPr lang="en-US" smtClean="0"/>
-              <a:t>1/10/2020</a:t>
             </a:fld>
             <a:endParaRPr lang="en-US"/>
           </a:p>
@@ -469,18 +449,12 @@
           <a:p>
             <a:fld id="{330EA680-D336-4FF7-8B7A-9848BB0A1C32}" type="slidenum">
               <a:rPr lang="en-US" smtClean="0"/>
-              <a:t>‹#›</a:t>
             </a:fld>
             <a:endParaRPr lang="en-US"/>
           </a:p>
         </p:txBody>
       </p:sp>
     </p:spTree>
-    <p:extLst>
-      <p:ext uri="{BB962C8B-B14F-4D97-AF65-F5344CB8AC3E}">
-        <p14:creationId xmlns:p14="http://schemas.microsoft.com/office/powerpoint/2010/main" val="2202905451"/>
-      </p:ext>
-    </p:extLst>
   </p:cSld>
   <p:clrMapOvr>
     <a:masterClrMapping/>
@@ -558,6 +532,7 @@
               <a:rPr lang="en-US"/>
               <a:t>Click to edit Master text styles</a:t>
             </a:r>
+            <a:endParaRPr lang="en-US"/>
           </a:p>
           <a:p>
             <a:pPr lvl="1"/>
@@ -565,6 +540,7 @@
               <a:rPr lang="en-US"/>
               <a:t>Second level</a:t>
             </a:r>
+            <a:endParaRPr lang="en-US"/>
           </a:p>
           <a:p>
             <a:pPr lvl="2"/>
@@ -572,6 +548,7 @@
               <a:rPr lang="en-US"/>
               <a:t>Third level</a:t>
             </a:r>
+            <a:endParaRPr lang="en-US"/>
           </a:p>
           <a:p>
             <a:pPr lvl="3"/>
@@ -579,6 +556,7 @@
               <a:rPr lang="en-US"/>
               <a:t>Fourth level</a:t>
             </a:r>
+            <a:endParaRPr lang="en-US"/>
           </a:p>
           <a:p>
             <a:pPr lvl="4"/>
@@ -607,7 +585,6 @@
           <a:p>
             <a:fld id="{846CE7D5-CF57-46EF-B807-FDD0502418D4}" type="datetimeFigureOut">
               <a:rPr lang="en-US" smtClean="0"/>
-              <a:t>1/10/2020</a:t>
             </a:fld>
             <a:endParaRPr lang="en-US"/>
           </a:p>
@@ -649,18 +626,12 @@
           <a:p>
             <a:fld id="{330EA680-D336-4FF7-8B7A-9848BB0A1C32}" type="slidenum">
               <a:rPr lang="en-US" smtClean="0"/>
-              <a:t>‹#›</a:t>
             </a:fld>
             <a:endParaRPr lang="en-US"/>
           </a:p>
         </p:txBody>
       </p:sp>
     </p:spTree>
-    <p:extLst>
-      <p:ext uri="{BB962C8B-B14F-4D97-AF65-F5344CB8AC3E}">
-        <p14:creationId xmlns:p14="http://schemas.microsoft.com/office/powerpoint/2010/main" val="3479445657"/>
-      </p:ext>
-    </p:extLst>
   </p:cSld>
   <p:clrMapOvr>
     <a:masterClrMapping/>
@@ -728,6 +699,7 @@
               <a:rPr lang="en-US"/>
               <a:t>Click to edit Master text styles</a:t>
             </a:r>
+            <a:endParaRPr lang="en-US"/>
           </a:p>
           <a:p>
             <a:pPr lvl="1"/>
@@ -735,6 +707,7 @@
               <a:rPr lang="en-US"/>
               <a:t>Second level</a:t>
             </a:r>
+            <a:endParaRPr lang="en-US"/>
           </a:p>
           <a:p>
             <a:pPr lvl="2"/>
@@ -742,6 +715,7 @@
               <a:rPr lang="en-US"/>
               <a:t>Third level</a:t>
             </a:r>
+            <a:endParaRPr lang="en-US"/>
           </a:p>
           <a:p>
             <a:pPr lvl="3"/>
@@ -749,6 +723,7 @@
               <a:rPr lang="en-US"/>
               <a:t>Fourth level</a:t>
             </a:r>
+            <a:endParaRPr lang="en-US"/>
           </a:p>
           <a:p>
             <a:pPr lvl="4"/>
@@ -777,7 +752,6 @@
           <a:p>
             <a:fld id="{846CE7D5-CF57-46EF-B807-FDD0502418D4}" type="datetimeFigureOut">
               <a:rPr lang="en-US" smtClean="0"/>
-              <a:t>1/10/2020</a:t>
             </a:fld>
             <a:endParaRPr lang="en-US"/>
           </a:p>
@@ -819,18 +793,12 @@
           <a:p>
             <a:fld id="{330EA680-D336-4FF7-8B7A-9848BB0A1C32}" type="slidenum">
               <a:rPr lang="en-US" smtClean="0"/>
-              <a:t>‹#›</a:t>
             </a:fld>
             <a:endParaRPr lang="en-US"/>
           </a:p>
         </p:txBody>
       </p:sp>
     </p:spTree>
-    <p:extLst>
-      <p:ext uri="{BB962C8B-B14F-4D97-AF65-F5344CB8AC3E}">
-        <p14:creationId xmlns:p14="http://schemas.microsoft.com/office/powerpoint/2010/main" val="949138452"/>
-      </p:ext>
-    </p:extLst>
   </p:cSld>
   <p:clrMapOvr>
     <a:masterClrMapping/>
@@ -1003,6 +971,7 @@
               <a:rPr lang="en-US"/>
               <a:t>Click to edit Master text styles</a:t>
             </a:r>
+            <a:endParaRPr lang="en-US"/>
           </a:p>
         </p:txBody>
       </p:sp>
@@ -1023,7 +992,6 @@
           <a:p>
             <a:fld id="{846CE7D5-CF57-46EF-B807-FDD0502418D4}" type="datetimeFigureOut">
               <a:rPr lang="en-US" smtClean="0"/>
-              <a:t>1/10/2020</a:t>
             </a:fld>
             <a:endParaRPr lang="en-US"/>
           </a:p>
@@ -1065,18 +1033,12 @@
           <a:p>
             <a:fld id="{330EA680-D336-4FF7-8B7A-9848BB0A1C32}" type="slidenum">
               <a:rPr lang="en-US" smtClean="0"/>
-              <a:t>‹#›</a:t>
             </a:fld>
             <a:endParaRPr lang="en-US"/>
           </a:p>
         </p:txBody>
       </p:sp>
     </p:spTree>
-    <p:extLst>
-      <p:ext uri="{BB962C8B-B14F-4D97-AF65-F5344CB8AC3E}">
-        <p14:creationId xmlns:p14="http://schemas.microsoft.com/office/powerpoint/2010/main" val="2591524520"/>
-      </p:ext>
-    </p:extLst>
   </p:cSld>
   <p:clrMapOvr>
     <a:masterClrMapping/>
@@ -1149,6 +1111,7 @@
               <a:rPr lang="en-US"/>
               <a:t>Click to edit Master text styles</a:t>
             </a:r>
+            <a:endParaRPr lang="en-US"/>
           </a:p>
           <a:p>
             <a:pPr lvl="1"/>
@@ -1156,6 +1119,7 @@
               <a:rPr lang="en-US"/>
               <a:t>Second level</a:t>
             </a:r>
+            <a:endParaRPr lang="en-US"/>
           </a:p>
           <a:p>
             <a:pPr lvl="2"/>
@@ -1163,6 +1127,7 @@
               <a:rPr lang="en-US"/>
               <a:t>Third level</a:t>
             </a:r>
+            <a:endParaRPr lang="en-US"/>
           </a:p>
           <a:p>
             <a:pPr lvl="3"/>
@@ -1170,6 +1135,7 @@
               <a:rPr lang="en-US"/>
               <a:t>Fourth level</a:t>
             </a:r>
+            <a:endParaRPr lang="en-US"/>
           </a:p>
           <a:p>
             <a:pPr lvl="4"/>
@@ -1206,6 +1172,7 @@
               <a:rPr lang="en-US"/>
               <a:t>Click to edit Master text styles</a:t>
             </a:r>
+            <a:endParaRPr lang="en-US"/>
           </a:p>
           <a:p>
             <a:pPr lvl="1"/>
@@ -1213,6 +1180,7 @@
               <a:rPr lang="en-US"/>
               <a:t>Second level</a:t>
             </a:r>
+            <a:endParaRPr lang="en-US"/>
           </a:p>
           <a:p>
             <a:pPr lvl="2"/>
@@ -1220,6 +1188,7 @@
               <a:rPr lang="en-US"/>
               <a:t>Third level</a:t>
             </a:r>
+            <a:endParaRPr lang="en-US"/>
           </a:p>
           <a:p>
             <a:pPr lvl="3"/>
@@ -1227,6 +1196,7 @@
               <a:rPr lang="en-US"/>
               <a:t>Fourth level</a:t>
             </a:r>
+            <a:endParaRPr lang="en-US"/>
           </a:p>
           <a:p>
             <a:pPr lvl="4"/>
@@ -1255,7 +1225,6 @@
           <a:p>
             <a:fld id="{846CE7D5-CF57-46EF-B807-FDD0502418D4}" type="datetimeFigureOut">
               <a:rPr lang="en-US" smtClean="0"/>
-              <a:t>1/10/2020</a:t>
             </a:fld>
             <a:endParaRPr lang="en-US"/>
           </a:p>
@@ -1297,18 +1266,12 @@
           <a:p>
             <a:fld id="{330EA680-D336-4FF7-8B7A-9848BB0A1C32}" type="slidenum">
               <a:rPr lang="en-US" smtClean="0"/>
-              <a:t>‹#›</a:t>
             </a:fld>
             <a:endParaRPr lang="en-US"/>
           </a:p>
         </p:txBody>
       </p:sp>
     </p:spTree>
-    <p:extLst>
-      <p:ext uri="{BB962C8B-B14F-4D97-AF65-F5344CB8AC3E}">
-        <p14:creationId xmlns:p14="http://schemas.microsoft.com/office/powerpoint/2010/main" val="1203092039"/>
-      </p:ext>
-    </p:extLst>
   </p:cSld>
   <p:clrMapOvr>
     <a:masterClrMapping/>
@@ -1423,6 +1386,7 @@
               <a:rPr lang="en-US"/>
               <a:t>Click to edit Master text styles</a:t>
             </a:r>
+            <a:endParaRPr lang="en-US"/>
           </a:p>
         </p:txBody>
       </p:sp>
@@ -1451,6 +1415,7 @@
               <a:rPr lang="en-US"/>
               <a:t>Click to edit Master text styles</a:t>
             </a:r>
+            <a:endParaRPr lang="en-US"/>
           </a:p>
           <a:p>
             <a:pPr lvl="1"/>
@@ -1458,6 +1423,7 @@
               <a:rPr lang="en-US"/>
               <a:t>Second level</a:t>
             </a:r>
+            <a:endParaRPr lang="en-US"/>
           </a:p>
           <a:p>
             <a:pPr lvl="2"/>
@@ -1465,6 +1431,7 @@
               <a:rPr lang="en-US"/>
               <a:t>Third level</a:t>
             </a:r>
+            <a:endParaRPr lang="en-US"/>
           </a:p>
           <a:p>
             <a:pPr lvl="3"/>
@@ -1472,6 +1439,7 @@
               <a:rPr lang="en-US"/>
               <a:t>Fourth level</a:t>
             </a:r>
+            <a:endParaRPr lang="en-US"/>
           </a:p>
           <a:p>
             <a:pPr lvl="4"/>
@@ -1545,6 +1513,7 @@
               <a:rPr lang="en-US"/>
               <a:t>Click to edit Master text styles</a:t>
             </a:r>
+            <a:endParaRPr lang="en-US"/>
           </a:p>
         </p:txBody>
       </p:sp>
@@ -1573,6 +1542,7 @@
               <a:rPr lang="en-US"/>
               <a:t>Click to edit Master text styles</a:t>
             </a:r>
+            <a:endParaRPr lang="en-US"/>
           </a:p>
           <a:p>
             <a:pPr lvl="1"/>
@@ -1580,6 +1550,7 @@
               <a:rPr lang="en-US"/>
               <a:t>Second level</a:t>
             </a:r>
+            <a:endParaRPr lang="en-US"/>
           </a:p>
           <a:p>
             <a:pPr lvl="2"/>
@@ -1587,6 +1558,7 @@
               <a:rPr lang="en-US"/>
               <a:t>Third level</a:t>
             </a:r>
+            <a:endParaRPr lang="en-US"/>
           </a:p>
           <a:p>
             <a:pPr lvl="3"/>
@@ -1594,6 +1566,7 @@
               <a:rPr lang="en-US"/>
               <a:t>Fourth level</a:t>
             </a:r>
+            <a:endParaRPr lang="en-US"/>
           </a:p>
           <a:p>
             <a:pPr lvl="4"/>
@@ -1622,7 +1595,6 @@
           <a:p>
             <a:fld id="{846CE7D5-CF57-46EF-B807-FDD0502418D4}" type="datetimeFigureOut">
               <a:rPr lang="en-US" smtClean="0"/>
-              <a:t>1/10/2020</a:t>
             </a:fld>
             <a:endParaRPr lang="en-US"/>
           </a:p>
@@ -1664,18 +1636,12 @@
           <a:p>
             <a:fld id="{330EA680-D336-4FF7-8B7A-9848BB0A1C32}" type="slidenum">
               <a:rPr lang="en-US" smtClean="0"/>
-              <a:t>‹#›</a:t>
             </a:fld>
             <a:endParaRPr lang="en-US"/>
           </a:p>
         </p:txBody>
       </p:sp>
     </p:spTree>
-    <p:extLst>
-      <p:ext uri="{BB962C8B-B14F-4D97-AF65-F5344CB8AC3E}">
-        <p14:creationId xmlns:p14="http://schemas.microsoft.com/office/powerpoint/2010/main" val="3733172339"/>
-      </p:ext>
-    </p:extLst>
   </p:cSld>
   <p:clrMapOvr>
     <a:masterClrMapping/>
@@ -1740,7 +1706,6 @@
           <a:p>
             <a:fld id="{846CE7D5-CF57-46EF-B807-FDD0502418D4}" type="datetimeFigureOut">
               <a:rPr lang="en-US" smtClean="0"/>
-              <a:t>1/10/2020</a:t>
             </a:fld>
             <a:endParaRPr lang="en-US"/>
           </a:p>
@@ -1782,18 +1747,12 @@
           <a:p>
             <a:fld id="{330EA680-D336-4FF7-8B7A-9848BB0A1C32}" type="slidenum">
               <a:rPr lang="en-US" smtClean="0"/>
-              <a:t>‹#›</a:t>
             </a:fld>
             <a:endParaRPr lang="en-US"/>
           </a:p>
         </p:txBody>
       </p:sp>
     </p:spTree>
-    <p:extLst>
-      <p:ext uri="{BB962C8B-B14F-4D97-AF65-F5344CB8AC3E}">
-        <p14:creationId xmlns:p14="http://schemas.microsoft.com/office/powerpoint/2010/main" val="3210312558"/>
-      </p:ext>
-    </p:extLst>
   </p:cSld>
   <p:clrMapOvr>
     <a:masterClrMapping/>
@@ -1835,7 +1794,6 @@
           <a:p>
             <a:fld id="{846CE7D5-CF57-46EF-B807-FDD0502418D4}" type="datetimeFigureOut">
               <a:rPr lang="en-US" smtClean="0"/>
-              <a:t>1/10/2020</a:t>
             </a:fld>
             <a:endParaRPr lang="en-US"/>
           </a:p>
@@ -1877,18 +1835,12 @@
           <a:p>
             <a:fld id="{330EA680-D336-4FF7-8B7A-9848BB0A1C32}" type="slidenum">
               <a:rPr lang="en-US" smtClean="0"/>
-              <a:t>‹#›</a:t>
             </a:fld>
             <a:endParaRPr lang="en-US"/>
           </a:p>
         </p:txBody>
       </p:sp>
     </p:spTree>
-    <p:extLst>
-      <p:ext uri="{BB962C8B-B14F-4D97-AF65-F5344CB8AC3E}">
-        <p14:creationId xmlns:p14="http://schemas.microsoft.com/office/powerpoint/2010/main" val="3146388984"/>
-      </p:ext>
-    </p:extLst>
   </p:cSld>
   <p:clrMapOvr>
     <a:masterClrMapping/>
@@ -1998,6 +1950,7 @@
               <a:rPr lang="en-US"/>
               <a:t>Click to edit Master text styles</a:t>
             </a:r>
+            <a:endParaRPr lang="en-US"/>
           </a:p>
           <a:p>
             <a:pPr lvl="1"/>
@@ -2005,6 +1958,7 @@
               <a:rPr lang="en-US"/>
               <a:t>Second level</a:t>
             </a:r>
+            <a:endParaRPr lang="en-US"/>
           </a:p>
           <a:p>
             <a:pPr lvl="2"/>
@@ -2012,6 +1966,7 @@
               <a:rPr lang="en-US"/>
               <a:t>Third level</a:t>
             </a:r>
+            <a:endParaRPr lang="en-US"/>
           </a:p>
           <a:p>
             <a:pPr lvl="3"/>
@@ -2019,6 +1974,7 @@
               <a:rPr lang="en-US"/>
               <a:t>Fourth level</a:t>
             </a:r>
+            <a:endParaRPr lang="en-US"/>
           </a:p>
           <a:p>
             <a:pPr lvl="4"/>
@@ -2092,6 +2048,7 @@
               <a:rPr lang="en-US"/>
               <a:t>Click to edit Master text styles</a:t>
             </a:r>
+            <a:endParaRPr lang="en-US"/>
           </a:p>
         </p:txBody>
       </p:sp>
@@ -2112,7 +2069,6 @@
           <a:p>
             <a:fld id="{846CE7D5-CF57-46EF-B807-FDD0502418D4}" type="datetimeFigureOut">
               <a:rPr lang="en-US" smtClean="0"/>
-              <a:t>1/10/2020</a:t>
             </a:fld>
             <a:endParaRPr lang="en-US"/>
           </a:p>
@@ -2154,18 +2110,12 @@
           <a:p>
             <a:fld id="{330EA680-D336-4FF7-8B7A-9848BB0A1C32}" type="slidenum">
               <a:rPr lang="en-US" smtClean="0"/>
-              <a:t>‹#›</a:t>
             </a:fld>
             <a:endParaRPr lang="en-US"/>
           </a:p>
         </p:txBody>
       </p:sp>
     </p:spTree>
-    <p:extLst>
-      <p:ext uri="{BB962C8B-B14F-4D97-AF65-F5344CB8AC3E}">
-        <p14:creationId xmlns:p14="http://schemas.microsoft.com/office/powerpoint/2010/main" val="3171841454"/>
-      </p:ext>
-    </p:extLst>
   </p:cSld>
   <p:clrMapOvr>
     <a:masterClrMapping/>
@@ -2349,6 +2299,7 @@
               <a:rPr lang="en-US"/>
               <a:t>Click to edit Master text styles</a:t>
             </a:r>
+            <a:endParaRPr lang="en-US"/>
           </a:p>
         </p:txBody>
       </p:sp>
@@ -2369,7 +2320,6 @@
           <a:p>
             <a:fld id="{846CE7D5-CF57-46EF-B807-FDD0502418D4}" type="datetimeFigureOut">
               <a:rPr lang="en-US" smtClean="0"/>
-              <a:t>1/10/2020</a:t>
             </a:fld>
             <a:endParaRPr lang="en-US"/>
           </a:p>
@@ -2411,18 +2361,12 @@
           <a:p>
             <a:fld id="{330EA680-D336-4FF7-8B7A-9848BB0A1C32}" type="slidenum">
               <a:rPr lang="en-US" smtClean="0"/>
-              <a:t>‹#›</a:t>
             </a:fld>
             <a:endParaRPr lang="en-US"/>
           </a:p>
         </p:txBody>
       </p:sp>
     </p:spTree>
-    <p:extLst>
-      <p:ext uri="{BB962C8B-B14F-4D97-AF65-F5344CB8AC3E}">
-        <p14:creationId xmlns:p14="http://schemas.microsoft.com/office/powerpoint/2010/main" val="1718958274"/>
-      </p:ext>
-    </p:extLst>
   </p:cSld>
   <p:clrMapOvr>
     <a:masterClrMapping/>
@@ -2515,6 +2459,7 @@
               <a:rPr lang="en-US"/>
               <a:t>Click to edit Master text styles</a:t>
             </a:r>
+            <a:endParaRPr lang="en-US"/>
           </a:p>
           <a:p>
             <a:pPr lvl="1"/>
@@ -2522,6 +2467,7 @@
               <a:rPr lang="en-US"/>
               <a:t>Second level</a:t>
             </a:r>
+            <a:endParaRPr lang="en-US"/>
           </a:p>
           <a:p>
             <a:pPr lvl="2"/>
@@ -2529,6 +2475,7 @@
               <a:rPr lang="en-US"/>
               <a:t>Third level</a:t>
             </a:r>
+            <a:endParaRPr lang="en-US"/>
           </a:p>
           <a:p>
             <a:pPr lvl="3"/>
@@ -2536,6 +2483,7 @@
               <a:rPr lang="en-US"/>
               <a:t>Fourth level</a:t>
             </a:r>
+            <a:endParaRPr lang="en-US"/>
           </a:p>
           <a:p>
             <a:pPr lvl="4"/>
@@ -2582,7 +2530,6 @@
           <a:p>
             <a:fld id="{846CE7D5-CF57-46EF-B807-FDD0502418D4}" type="datetimeFigureOut">
               <a:rPr lang="en-US" smtClean="0"/>
-              <a:t>1/10/2020</a:t>
             </a:fld>
             <a:endParaRPr lang="en-US"/>
           </a:p>
@@ -2660,32 +2607,26 @@
           <a:p>
             <a:fld id="{330EA680-D336-4FF7-8B7A-9848BB0A1C32}" type="slidenum">
               <a:rPr lang="en-US" smtClean="0"/>
-              <a:t>‹#›</a:t>
             </a:fld>
             <a:endParaRPr lang="en-US"/>
           </a:p>
         </p:txBody>
       </p:sp>
     </p:spTree>
-    <p:extLst>
-      <p:ext uri="{BB962C8B-B14F-4D97-AF65-F5344CB8AC3E}">
-        <p14:creationId xmlns:p14="http://schemas.microsoft.com/office/powerpoint/2010/main" val="2460954070"/>
-      </p:ext>
-    </p:extLst>
   </p:cSld>
   <p:clrMap bg1="lt1" tx1="dk1" bg2="lt2" tx2="dk2" accent1="accent1" accent2="accent2" accent3="accent3" accent4="accent4" accent5="accent5" accent6="accent6" hlink="hlink" folHlink="folHlink"/>
   <p:sldLayoutIdLst>
-    <p:sldLayoutId id="2147483661" r:id="rId1"/>
-    <p:sldLayoutId id="2147483662" r:id="rId2"/>
-    <p:sldLayoutId id="2147483663" r:id="rId3"/>
-    <p:sldLayoutId id="2147483664" r:id="rId4"/>
-    <p:sldLayoutId id="2147483665" r:id="rId5"/>
-    <p:sldLayoutId id="2147483666" r:id="rId6"/>
-    <p:sldLayoutId id="2147483667" r:id="rId7"/>
-    <p:sldLayoutId id="2147483668" r:id="rId8"/>
-    <p:sldLayoutId id="2147483669" r:id="rId9"/>
-    <p:sldLayoutId id="2147483670" r:id="rId10"/>
-    <p:sldLayoutId id="2147483671" r:id="rId11"/>
+    <p:sldLayoutId id="2147483649" r:id="rId1"/>
+    <p:sldLayoutId id="2147483650" r:id="rId2"/>
+    <p:sldLayoutId id="2147483651" r:id="rId3"/>
+    <p:sldLayoutId id="2147483652" r:id="rId4"/>
+    <p:sldLayoutId id="2147483653" r:id="rId5"/>
+    <p:sldLayoutId id="2147483654" r:id="rId6"/>
+    <p:sldLayoutId id="2147483655" r:id="rId7"/>
+    <p:sldLayoutId id="2147483656" r:id="rId8"/>
+    <p:sldLayoutId id="2147483657" r:id="rId9"/>
+    <p:sldLayoutId id="2147483658" r:id="rId10"/>
+    <p:sldLayoutId id="2147483659" r:id="rId11"/>
   </p:sldLayoutIdLst>
   <p:txStyles>
     <p:titleStyle>
@@ -2989,13 +2930,7 @@
       </p:grpSpPr>
       <p:grpSp>
         <p:nvGrpSpPr>
-          <p:cNvPr id="13" name="组合 12">
-            <a:extLst>
-              <a:ext uri="{FF2B5EF4-FFF2-40B4-BE49-F238E27FC236}">
-                <a16:creationId xmlns:a16="http://schemas.microsoft.com/office/drawing/2014/main" id="{3E6F1E07-F6E0-44CB-8306-F53AE02B6368}"/>
-              </a:ext>
-            </a:extLst>
-          </p:cNvPr>
+          <p:cNvPr id="13" name="组合 12"/>
           <p:cNvGrpSpPr/>
           <p:nvPr/>
         </p:nvGrpSpPr>
@@ -3009,13 +2944,7 @@
         </p:grpSpPr>
         <p:sp>
           <p:nvSpPr>
-            <p:cNvPr id="16" name="Rectangle 3">
-              <a:extLst>
-                <a:ext uri="{FF2B5EF4-FFF2-40B4-BE49-F238E27FC236}">
-                  <a16:creationId xmlns:a16="http://schemas.microsoft.com/office/drawing/2014/main" id="{7FEF62A9-BCBC-46B3-B469-BC10E925E52E}"/>
-                </a:ext>
-              </a:extLst>
-            </p:cNvPr>
+            <p:cNvPr id="16" name="Rectangle 3"/>
             <p:cNvSpPr/>
             <p:nvPr/>
           </p:nvSpPr>
@@ -3049,10 +2978,10 @@
             <a:p>
               <a:pPr algn="ctr"/>
               <a:r>
-                <a:rPr lang="en-US" dirty="0">
+                <a:rPr lang="x-none" altLang="en-US" dirty="0">
                   <a:cs typeface="Calibri"/>
                 </a:rPr>
-                <a:t>Human </a:t>
+                <a:t>Manual</a:t>
               </a:r>
               <a:endParaRPr lang="en-US" dirty="0"/>
             </a:p>
@@ -3062,20 +2991,43 @@
                 <a:rPr lang="en-US" dirty="0">
                   <a:cs typeface="Calibri"/>
                 </a:rPr>
-                <a:t>Edit &amp; Review &amp; Adjustment</a:t>
+                <a:t>Review</a:t>
               </a:r>
+              <a:endParaRPr lang="en-US" dirty="0">
+                <a:cs typeface="Calibri"/>
+              </a:endParaRPr>
+            </a:p>
+            <a:p>
+              <a:pPr algn="ctr"/>
+              <a:r>
+                <a:rPr lang="x-none" altLang="en-US" dirty="0">
+                  <a:cs typeface="Calibri"/>
+                </a:rPr>
+                <a:t>&amp; </a:t>
+              </a:r>
+              <a:r>
+                <a:rPr lang="en-US" dirty="0">
+                  <a:cs typeface="Calibri"/>
+                  <a:sym typeface="+mn-ea"/>
+                </a:rPr>
+                <a:t>Edi</a:t>
+              </a:r>
+              <a:r>
+                <a:rPr lang="x-none" altLang="en-US" dirty="0">
+                  <a:cs typeface="Calibri"/>
+                  <a:sym typeface="+mn-ea"/>
+                </a:rPr>
+                <a:t>t</a:t>
+              </a:r>
+              <a:endParaRPr lang="x-none" altLang="en-US" dirty="0">
+                <a:cs typeface="Calibri"/>
+              </a:endParaRPr>
             </a:p>
           </p:txBody>
         </p:sp>
         <p:sp>
           <p:nvSpPr>
-            <p:cNvPr id="17" name="Rectangle 4">
-              <a:extLst>
-                <a:ext uri="{FF2B5EF4-FFF2-40B4-BE49-F238E27FC236}">
-                  <a16:creationId xmlns:a16="http://schemas.microsoft.com/office/drawing/2014/main" id="{066EDA54-2FBB-47FC-BB70-A32ED0B88599}"/>
-                </a:ext>
-              </a:extLst>
-            </p:cNvPr>
+            <p:cNvPr id="17" name="Rectangle 4"/>
             <p:cNvSpPr/>
             <p:nvPr/>
           </p:nvSpPr>
@@ -3124,6 +3076,9 @@
                 </a:rPr>
                 <a:t>Automatic </a:t>
               </a:r>
+              <a:endParaRPr lang="en-US" dirty="0">
+                <a:cs typeface="Calibri"/>
+              </a:endParaRPr>
             </a:p>
             <a:p>
               <a:pPr algn="ctr"/>
@@ -3133,18 +3088,15 @@
                 </a:rPr>
                 <a:t>Annotation</a:t>
               </a:r>
+              <a:endParaRPr lang="en-US" dirty="0">
+                <a:cs typeface="Calibri"/>
+              </a:endParaRPr>
             </a:p>
           </p:txBody>
         </p:sp>
         <p:sp>
           <p:nvSpPr>
-            <p:cNvPr id="18" name="Rectangle 5">
-              <a:extLst>
-                <a:ext uri="{FF2B5EF4-FFF2-40B4-BE49-F238E27FC236}">
-                  <a16:creationId xmlns:a16="http://schemas.microsoft.com/office/drawing/2014/main" id="{9E0B5F7F-A652-4ABF-ABA6-B62E75146FB6}"/>
-                </a:ext>
-              </a:extLst>
-            </p:cNvPr>
+            <p:cNvPr id="18" name="Rectangle 5"/>
             <p:cNvSpPr/>
             <p:nvPr/>
           </p:nvSpPr>
@@ -3183,6 +3135,9 @@
                 </a:rPr>
                 <a:t>Finely </a:t>
               </a:r>
+              <a:endParaRPr lang="en-US" dirty="0">
+                <a:cs typeface="Calibri"/>
+              </a:endParaRPr>
             </a:p>
             <a:p>
               <a:pPr algn="ctr"/>
@@ -3192,6 +3147,9 @@
                 </a:rPr>
                 <a:t>Annotated </a:t>
               </a:r>
+              <a:endParaRPr lang="en-US" dirty="0">
+                <a:cs typeface="Calibri"/>
+              </a:endParaRPr>
             </a:p>
             <a:p>
               <a:pPr algn="ctr"/>
@@ -3201,18 +3159,15 @@
                 </a:rPr>
                 <a:t>Data</a:t>
               </a:r>
+              <a:endParaRPr lang="en-US" dirty="0">
+                <a:cs typeface="Calibri"/>
+              </a:endParaRPr>
             </a:p>
           </p:txBody>
         </p:sp>
         <p:sp>
           <p:nvSpPr>
-            <p:cNvPr id="19" name="Arrow: Right 6">
-              <a:extLst>
-                <a:ext uri="{FF2B5EF4-FFF2-40B4-BE49-F238E27FC236}">
-                  <a16:creationId xmlns:a16="http://schemas.microsoft.com/office/drawing/2014/main" id="{005C3CA1-8C33-4B6A-B788-7AF3D7A0A733}"/>
-                </a:ext>
-              </a:extLst>
-            </p:cNvPr>
+            <p:cNvPr id="19" name="Arrow: Right 6"/>
             <p:cNvSpPr/>
             <p:nvPr/>
           </p:nvSpPr>
@@ -3251,20 +3206,14 @@
         </p:sp>
         <p:sp>
           <p:nvSpPr>
-            <p:cNvPr id="20" name="Arrow: Down 7">
-              <a:extLst>
-                <a:ext uri="{FF2B5EF4-FFF2-40B4-BE49-F238E27FC236}">
-                  <a16:creationId xmlns:a16="http://schemas.microsoft.com/office/drawing/2014/main" id="{9FBA81F0-4063-4174-8384-04B5E13F4C79}"/>
-                </a:ext>
-              </a:extLst>
-            </p:cNvPr>
+            <p:cNvPr id="20" name="Arrow: Down 7"/>
             <p:cNvSpPr/>
             <p:nvPr/>
           </p:nvSpPr>
           <p:spPr>
             <a:xfrm rot="10800000">
-              <a:off x="5694885" y="2699403"/>
-              <a:ext cx="335643" cy="381001"/>
+              <a:off x="5694871" y="2699228"/>
+              <a:ext cx="335915" cy="363855"/>
             </a:xfrm>
             <a:prstGeom prst="downArrow">
               <a:avLst/>
@@ -3296,13 +3245,7 @@
         </p:sp>
         <p:sp>
           <p:nvSpPr>
-            <p:cNvPr id="21" name="Rectangle 8">
-              <a:extLst>
-                <a:ext uri="{FF2B5EF4-FFF2-40B4-BE49-F238E27FC236}">
-                  <a16:creationId xmlns:a16="http://schemas.microsoft.com/office/drawing/2014/main" id="{DF6F8CC9-DEC3-47D2-AC8C-9790F80A124A}"/>
-                </a:ext>
-              </a:extLst>
-            </p:cNvPr>
+            <p:cNvPr id="21" name="Rectangle 8"/>
             <p:cNvSpPr/>
             <p:nvPr/>
           </p:nvSpPr>
@@ -3341,6 +3284,9 @@
                 </a:rPr>
                 <a:t>Artificial </a:t>
               </a:r>
+              <a:endParaRPr lang="en-US" altLang="zh-CN" dirty="0">
+                <a:cs typeface="Calibri"/>
+              </a:endParaRPr>
             </a:p>
             <a:p>
               <a:pPr algn="ctr"/>
@@ -3362,18 +3308,15 @@
                 </a:rPr>
                 <a:t>(AI) Model</a:t>
               </a:r>
+              <a:endParaRPr lang="en-US" dirty="0">
+                <a:cs typeface="Calibri"/>
+              </a:endParaRPr>
             </a:p>
           </p:txBody>
         </p:sp>
         <p:sp>
           <p:nvSpPr>
-            <p:cNvPr id="22" name="Arrow: Right 9">
-              <a:extLst>
-                <a:ext uri="{FF2B5EF4-FFF2-40B4-BE49-F238E27FC236}">
-                  <a16:creationId xmlns:a16="http://schemas.microsoft.com/office/drawing/2014/main" id="{EEF598E3-237D-49CC-8550-74EBA054F160}"/>
-                </a:ext>
-              </a:extLst>
-            </p:cNvPr>
+            <p:cNvPr id="22" name="Arrow: Right 9"/>
             <p:cNvSpPr/>
             <p:nvPr/>
           </p:nvSpPr>
@@ -3412,20 +3355,14 @@
         </p:sp>
         <p:sp>
           <p:nvSpPr>
-            <p:cNvPr id="23" name="Arrow: Down 10">
-              <a:extLst>
-                <a:ext uri="{FF2B5EF4-FFF2-40B4-BE49-F238E27FC236}">
-                  <a16:creationId xmlns:a16="http://schemas.microsoft.com/office/drawing/2014/main" id="{81588FC0-A3CA-421E-8619-185755F182D5}"/>
-                </a:ext>
-              </a:extLst>
-            </p:cNvPr>
+            <p:cNvPr id="23" name="Arrow: Down 10"/>
             <p:cNvSpPr/>
             <p:nvPr/>
           </p:nvSpPr>
           <p:spPr>
             <a:xfrm rot="10800000">
-              <a:off x="3726433" y="2699403"/>
-              <a:ext cx="335643" cy="381001"/>
+              <a:off x="3726371" y="2699228"/>
+              <a:ext cx="335915" cy="355600"/>
             </a:xfrm>
             <a:prstGeom prst="downArrow">
               <a:avLst/>
@@ -3457,13 +3394,7 @@
         </p:sp>
         <p:sp>
           <p:nvSpPr>
-            <p:cNvPr id="24" name="Rectangle 11">
-              <a:extLst>
-                <a:ext uri="{FF2B5EF4-FFF2-40B4-BE49-F238E27FC236}">
-                  <a16:creationId xmlns:a16="http://schemas.microsoft.com/office/drawing/2014/main" id="{3CF199BA-C458-4BA5-933D-2E6C47268CEB}"/>
-                </a:ext>
-              </a:extLst>
-            </p:cNvPr>
+            <p:cNvPr id="24" name="Rectangle 11"/>
             <p:cNvSpPr/>
             <p:nvPr/>
           </p:nvSpPr>
@@ -3508,20 +3439,14 @@
         </p:sp>
         <p:sp>
           <p:nvSpPr>
-            <p:cNvPr id="25" name="Arrow: Down 13">
-              <a:extLst>
-                <a:ext uri="{FF2B5EF4-FFF2-40B4-BE49-F238E27FC236}">
-                  <a16:creationId xmlns:a16="http://schemas.microsoft.com/office/drawing/2014/main" id="{577964AD-BCF4-46ED-AC73-22A1370E111F}"/>
-                </a:ext>
-              </a:extLst>
-            </p:cNvPr>
+            <p:cNvPr id="25" name="Arrow: Down 13"/>
             <p:cNvSpPr/>
             <p:nvPr/>
           </p:nvSpPr>
           <p:spPr>
             <a:xfrm>
-              <a:off x="3726433" y="1373004"/>
-              <a:ext cx="335643" cy="381001"/>
+              <a:off x="3726371" y="1398113"/>
+              <a:ext cx="335915" cy="355600"/>
             </a:xfrm>
             <a:prstGeom prst="downArrow">
               <a:avLst/>
@@ -3553,20 +3478,14 @@
         </p:sp>
         <p:sp>
           <p:nvSpPr>
-            <p:cNvPr id="26" name="Arrow: Down 14">
-              <a:extLst>
-                <a:ext uri="{FF2B5EF4-FFF2-40B4-BE49-F238E27FC236}">
-                  <a16:creationId xmlns:a16="http://schemas.microsoft.com/office/drawing/2014/main" id="{19BE9B33-2AB6-4269-BC85-09B91387447A}"/>
-                </a:ext>
-              </a:extLst>
-            </p:cNvPr>
+            <p:cNvPr id="26" name="Arrow: Down 14"/>
             <p:cNvSpPr/>
             <p:nvPr/>
           </p:nvSpPr>
           <p:spPr>
             <a:xfrm rot="10800000">
-              <a:off x="5694885" y="1373004"/>
-              <a:ext cx="335643" cy="381001"/>
+              <a:off x="5694871" y="1372713"/>
+              <a:ext cx="335915" cy="356870"/>
             </a:xfrm>
             <a:prstGeom prst="downArrow">
               <a:avLst/>
@@ -3598,11 +3517,6 @@
         </p:sp>
       </p:grpSp>
     </p:spTree>
-    <p:extLst>
-      <p:ext uri="{BB962C8B-B14F-4D97-AF65-F5344CB8AC3E}">
-        <p14:creationId xmlns:p14="http://schemas.microsoft.com/office/powerpoint/2010/main" val="1683811152"/>
-      </p:ext>
-    </p:extLst>
   </p:cSld>
   <p:clrMapOvr>
     <a:masterClrMapping/>
@@ -3629,13 +3543,7 @@
       </p:grpSpPr>
       <p:grpSp>
         <p:nvGrpSpPr>
-          <p:cNvPr id="20" name="组合 19">
-            <a:extLst>
-              <a:ext uri="{FF2B5EF4-FFF2-40B4-BE49-F238E27FC236}">
-                <a16:creationId xmlns:a16="http://schemas.microsoft.com/office/drawing/2014/main" id="{6E26802F-BEFD-45E7-9176-6E99E03BDB1B}"/>
-              </a:ext>
-            </a:extLst>
-          </p:cNvPr>
+          <p:cNvPr id="20" name="组合 19"/>
           <p:cNvGrpSpPr/>
           <p:nvPr/>
         </p:nvGrpSpPr>
@@ -3649,13 +3557,7 @@
         </p:grpSpPr>
         <p:sp>
           <p:nvSpPr>
-            <p:cNvPr id="21" name="Rectangle 12">
-              <a:extLst>
-                <a:ext uri="{FF2B5EF4-FFF2-40B4-BE49-F238E27FC236}">
-                  <a16:creationId xmlns:a16="http://schemas.microsoft.com/office/drawing/2014/main" id="{E8010EF8-F337-41C3-A2C6-8B2A458EF5E4}"/>
-                </a:ext>
-              </a:extLst>
-            </p:cNvPr>
+            <p:cNvPr id="21" name="Rectangle 12"/>
             <p:cNvSpPr/>
             <p:nvPr/>
           </p:nvSpPr>
@@ -3694,6 +3596,9 @@
                 </a:rPr>
                 <a:t>Operation</a:t>
               </a:r>
+              <a:endParaRPr lang="en-US" dirty="0">
+                <a:cs typeface="Calibri"/>
+              </a:endParaRPr>
             </a:p>
             <a:p>
               <a:pPr algn="ctr"/>
@@ -3753,13 +3658,7 @@
         </p:sp>
         <p:sp>
           <p:nvSpPr>
-            <p:cNvPr id="22" name="Rectangle 4">
-              <a:extLst>
-                <a:ext uri="{FF2B5EF4-FFF2-40B4-BE49-F238E27FC236}">
-                  <a16:creationId xmlns:a16="http://schemas.microsoft.com/office/drawing/2014/main" id="{56C3388D-5E47-44C9-B56B-7982BDD83986}"/>
-                </a:ext>
-              </a:extLst>
-            </p:cNvPr>
+            <p:cNvPr id="22" name="Rectangle 4"/>
             <p:cNvSpPr/>
             <p:nvPr/>
           </p:nvSpPr>
@@ -3798,6 +3697,9 @@
                 </a:rPr>
                 <a:t>Visualization</a:t>
               </a:r>
+              <a:endParaRPr lang="en-US" dirty="0">
+                <a:cs typeface="Calibri"/>
+              </a:endParaRPr>
             </a:p>
             <a:p>
               <a:pPr algn="ctr"/>
@@ -3857,13 +3759,7 @@
         </p:sp>
         <p:sp>
           <p:nvSpPr>
-            <p:cNvPr id="23" name="Rectangle 6">
-              <a:extLst>
-                <a:ext uri="{FF2B5EF4-FFF2-40B4-BE49-F238E27FC236}">
-                  <a16:creationId xmlns:a16="http://schemas.microsoft.com/office/drawing/2014/main" id="{CF602318-797A-4AED-A343-DE03749A70D7}"/>
-                </a:ext>
-              </a:extLst>
-            </p:cNvPr>
+            <p:cNvPr id="23" name="Rectangle 6"/>
             <p:cNvSpPr/>
             <p:nvPr/>
           </p:nvSpPr>
@@ -3928,13 +3824,7 @@
         </p:sp>
         <p:sp>
           <p:nvSpPr>
-            <p:cNvPr id="24" name="Rectangle 7">
-              <a:extLst>
-                <a:ext uri="{FF2B5EF4-FFF2-40B4-BE49-F238E27FC236}">
-                  <a16:creationId xmlns:a16="http://schemas.microsoft.com/office/drawing/2014/main" id="{609ABED1-0818-42AE-9FAE-CCA816569514}"/>
-                </a:ext>
-              </a:extLst>
-            </p:cNvPr>
+            <p:cNvPr id="24" name="Rectangle 7"/>
             <p:cNvSpPr/>
             <p:nvPr/>
           </p:nvSpPr>
@@ -3973,6 +3863,9 @@
                 </a:rPr>
                 <a:t>Space/Temporal</a:t>
               </a:r>
+              <a:endParaRPr lang="en-US" dirty="0">
+                <a:cs typeface="Calibri"/>
+              </a:endParaRPr>
             </a:p>
             <a:p>
               <a:pPr algn="ctr"/>
@@ -3982,18 +3875,15 @@
                 </a:rPr>
                 <a:t>Navigation</a:t>
               </a:r>
+              <a:endParaRPr lang="en-US" dirty="0">
+                <a:cs typeface="Calibri"/>
+              </a:endParaRPr>
             </a:p>
           </p:txBody>
         </p:sp>
         <p:sp>
           <p:nvSpPr>
-            <p:cNvPr id="29" name="Rectangle 8">
-              <a:extLst>
-                <a:ext uri="{FF2B5EF4-FFF2-40B4-BE49-F238E27FC236}">
-                  <a16:creationId xmlns:a16="http://schemas.microsoft.com/office/drawing/2014/main" id="{99424E64-C6AF-4AC3-B6A0-F0C8F313EBE0}"/>
-                </a:ext>
-              </a:extLst>
-            </p:cNvPr>
+            <p:cNvPr id="29" name="Rectangle 8"/>
             <p:cNvSpPr/>
             <p:nvPr/>
           </p:nvSpPr>
@@ -4032,18 +3922,15 @@
                 </a:rPr>
                 <a:t>Multi-View Display</a:t>
               </a:r>
+              <a:endParaRPr lang="en-US" dirty="0">
+                <a:cs typeface="Calibri"/>
+              </a:endParaRPr>
             </a:p>
           </p:txBody>
         </p:sp>
         <p:sp>
           <p:nvSpPr>
-            <p:cNvPr id="30" name="Rectangle 9">
-              <a:extLst>
-                <a:ext uri="{FF2B5EF4-FFF2-40B4-BE49-F238E27FC236}">
-                  <a16:creationId xmlns:a16="http://schemas.microsoft.com/office/drawing/2014/main" id="{55DBF4FD-3EC5-49BA-8E1F-5B7FEA47DFAC}"/>
-                </a:ext>
-              </a:extLst>
-            </p:cNvPr>
+            <p:cNvPr id="30" name="Rectangle 9"/>
             <p:cNvSpPr/>
             <p:nvPr/>
           </p:nvSpPr>
@@ -4082,6 +3969,9 @@
                 </a:rPr>
                 <a:t>Basic</a:t>
               </a:r>
+              <a:endParaRPr lang="en-US" dirty="0">
+                <a:cs typeface="Calibri"/>
+              </a:endParaRPr>
             </a:p>
             <a:p>
               <a:pPr algn="ctr"/>
@@ -4091,18 +3981,15 @@
                 </a:rPr>
                 <a:t>3D Box Edit</a:t>
               </a:r>
+              <a:endParaRPr lang="en-US" dirty="0">
+                <a:cs typeface="Calibri"/>
+              </a:endParaRPr>
             </a:p>
           </p:txBody>
         </p:sp>
         <p:sp>
           <p:nvSpPr>
-            <p:cNvPr id="31" name="Rectangle 10">
-              <a:extLst>
-                <a:ext uri="{FF2B5EF4-FFF2-40B4-BE49-F238E27FC236}">
-                  <a16:creationId xmlns:a16="http://schemas.microsoft.com/office/drawing/2014/main" id="{B7126E00-0D54-4711-B046-32DC4C0E8FA0}"/>
-                </a:ext>
-              </a:extLst>
-            </p:cNvPr>
+            <p:cNvPr id="31" name="Rectangle 10"/>
             <p:cNvSpPr/>
             <p:nvPr/>
           </p:nvSpPr>
@@ -4141,18 +4028,15 @@
                 </a:rPr>
                 <a:t>Algorithm Assisted Edit</a:t>
               </a:r>
+              <a:endParaRPr lang="en-US" dirty="0">
+                <a:cs typeface="Calibri"/>
+              </a:endParaRPr>
             </a:p>
           </p:txBody>
         </p:sp>
         <p:sp>
           <p:nvSpPr>
-            <p:cNvPr id="32" name="Rectangle 11">
-              <a:extLst>
-                <a:ext uri="{FF2B5EF4-FFF2-40B4-BE49-F238E27FC236}">
-                  <a16:creationId xmlns:a16="http://schemas.microsoft.com/office/drawing/2014/main" id="{47711DD5-4DB8-4B4F-B2FF-EECAB4086A10}"/>
-                </a:ext>
-              </a:extLst>
-            </p:cNvPr>
+            <p:cNvPr id="32" name="Rectangle 11"/>
             <p:cNvSpPr/>
             <p:nvPr/>
           </p:nvSpPr>
@@ -4191,6 +4075,9 @@
                 </a:rPr>
                 <a:t>Error</a:t>
               </a:r>
+              <a:endParaRPr lang="en-US" altLang="zh-CN" dirty="0">
+                <a:cs typeface="Calibri"/>
+              </a:endParaRPr>
             </a:p>
             <a:p>
               <a:pPr algn="ctr"/>
@@ -4206,13 +4093,7 @@
         </p:sp>
         <p:sp>
           <p:nvSpPr>
-            <p:cNvPr id="33" name="Rectangle 15">
-              <a:extLst>
-                <a:ext uri="{FF2B5EF4-FFF2-40B4-BE49-F238E27FC236}">
-                  <a16:creationId xmlns:a16="http://schemas.microsoft.com/office/drawing/2014/main" id="{26C01626-0560-471E-8A1A-4FA600922967}"/>
-                </a:ext>
-              </a:extLst>
-            </p:cNvPr>
+            <p:cNvPr id="33" name="Rectangle 15"/>
             <p:cNvSpPr/>
             <p:nvPr/>
           </p:nvSpPr>
@@ -4251,6 +4132,9 @@
                 </a:rPr>
                 <a:t>Pre-Processing</a:t>
               </a:r>
+              <a:endParaRPr lang="en-US" dirty="0">
+                <a:cs typeface="Calibri"/>
+              </a:endParaRPr>
             </a:p>
             <a:p>
               <a:pPr algn="ctr"/>
@@ -4310,13 +4194,7 @@
         </p:sp>
         <p:sp>
           <p:nvSpPr>
-            <p:cNvPr id="34" name="Rectangle 16">
-              <a:extLst>
-                <a:ext uri="{FF2B5EF4-FFF2-40B4-BE49-F238E27FC236}">
-                  <a16:creationId xmlns:a16="http://schemas.microsoft.com/office/drawing/2014/main" id="{2BF8D243-F9C4-4939-8EE5-91A7B013C42E}"/>
-                </a:ext>
-              </a:extLst>
-            </p:cNvPr>
+            <p:cNvPr id="34" name="Rectangle 16"/>
             <p:cNvSpPr/>
             <p:nvPr/>
           </p:nvSpPr>
@@ -4361,13 +4239,7 @@
         </p:sp>
         <p:sp>
           <p:nvSpPr>
-            <p:cNvPr id="35" name="Rectangle 18">
-              <a:extLst>
-                <a:ext uri="{FF2B5EF4-FFF2-40B4-BE49-F238E27FC236}">
-                  <a16:creationId xmlns:a16="http://schemas.microsoft.com/office/drawing/2014/main" id="{00DA5C8E-2322-44E1-9F80-60256BA3E762}"/>
-                </a:ext>
-              </a:extLst>
-            </p:cNvPr>
+            <p:cNvPr id="35" name="Rectangle 18"/>
             <p:cNvSpPr/>
             <p:nvPr/>
           </p:nvSpPr>
@@ -4422,6 +4294,10 @@
                 </a:rPr>
                 <a:t>Automatic Initial</a:t>
               </a:r>
+              <a:endParaRPr lang="en-US" dirty="0">
+                <a:ea typeface="+mn-lt"/>
+                <a:cs typeface="+mn-lt"/>
+              </a:endParaRPr>
             </a:p>
             <a:p>
               <a:pPr algn="ctr">
@@ -4436,6 +4312,10 @@
                 </a:rPr>
                 <a:t> Annotation</a:t>
               </a:r>
+              <a:endParaRPr lang="en-US" dirty="0">
+                <a:ea typeface="+mn-lt"/>
+                <a:cs typeface="+mn-lt"/>
+              </a:endParaRPr>
             </a:p>
             <a:p>
               <a:pPr algn="ctr">
@@ -4451,13 +4331,7 @@
         </p:sp>
         <p:sp>
           <p:nvSpPr>
-            <p:cNvPr id="36" name="Rectangle 17">
-              <a:extLst>
-                <a:ext uri="{FF2B5EF4-FFF2-40B4-BE49-F238E27FC236}">
-                  <a16:creationId xmlns:a16="http://schemas.microsoft.com/office/drawing/2014/main" id="{F79206C8-7A44-496D-9C08-FA51FD44E261}"/>
-                </a:ext>
-              </a:extLst>
-            </p:cNvPr>
+            <p:cNvPr id="36" name="Rectangle 17"/>
             <p:cNvSpPr/>
             <p:nvPr/>
           </p:nvSpPr>
@@ -4496,18 +4370,15 @@
                 </a:rPr>
                 <a:t>Calibration</a:t>
               </a:r>
+              <a:endParaRPr lang="en-US" dirty="0">
+                <a:cs typeface="Calibri"/>
+              </a:endParaRPr>
             </a:p>
           </p:txBody>
         </p:sp>
         <p:sp>
           <p:nvSpPr>
-            <p:cNvPr id="37" name="Rectangle 24">
-              <a:extLst>
-                <a:ext uri="{FF2B5EF4-FFF2-40B4-BE49-F238E27FC236}">
-                  <a16:creationId xmlns:a16="http://schemas.microsoft.com/office/drawing/2014/main" id="{BE587C43-D133-486E-AAD3-96A2E54526B3}"/>
-                </a:ext>
-              </a:extLst>
-            </p:cNvPr>
+            <p:cNvPr id="37" name="Rectangle 24"/>
             <p:cNvSpPr/>
             <p:nvPr/>
           </p:nvSpPr>
@@ -4572,13 +4443,7 @@
         </p:sp>
         <p:sp>
           <p:nvSpPr>
-            <p:cNvPr id="38" name="Arrow: Up 1">
-              <a:extLst>
-                <a:ext uri="{FF2B5EF4-FFF2-40B4-BE49-F238E27FC236}">
-                  <a16:creationId xmlns:a16="http://schemas.microsoft.com/office/drawing/2014/main" id="{37B6E0A7-30AA-4A2A-A321-6AE78702526E}"/>
-                </a:ext>
-              </a:extLst>
-            </p:cNvPr>
+            <p:cNvPr id="38" name="Arrow: Up 1"/>
             <p:cNvSpPr/>
             <p:nvPr/>
           </p:nvSpPr>
@@ -4617,13 +4482,7 @@
         </p:sp>
         <p:sp>
           <p:nvSpPr>
-            <p:cNvPr id="39" name="Arrow: Up-Down 3">
-              <a:extLst>
-                <a:ext uri="{FF2B5EF4-FFF2-40B4-BE49-F238E27FC236}">
-                  <a16:creationId xmlns:a16="http://schemas.microsoft.com/office/drawing/2014/main" id="{594A5BAA-29C0-42CC-88BA-BECE5D77FBF9}"/>
-                </a:ext>
-              </a:extLst>
-            </p:cNvPr>
+            <p:cNvPr id="39" name="Arrow: Up-Down 3"/>
             <p:cNvSpPr/>
             <p:nvPr/>
           </p:nvSpPr>
@@ -4671,13 +4530,7 @@
         </p:sp>
         <p:sp>
           <p:nvSpPr>
-            <p:cNvPr id="40" name="Arrow: Up-Down 25">
-              <a:extLst>
-                <a:ext uri="{FF2B5EF4-FFF2-40B4-BE49-F238E27FC236}">
-                  <a16:creationId xmlns:a16="http://schemas.microsoft.com/office/drawing/2014/main" id="{0A0D4A37-C976-4DDE-B761-9B08B43D767D}"/>
-                </a:ext>
-              </a:extLst>
-            </p:cNvPr>
+            <p:cNvPr id="40" name="Arrow: Up-Down 25"/>
             <p:cNvSpPr/>
             <p:nvPr/>
           </p:nvSpPr>
@@ -4725,13 +4578,7 @@
         </p:sp>
         <p:sp>
           <p:nvSpPr>
-            <p:cNvPr id="41" name="Arrow: Up-Down 26">
-              <a:extLst>
-                <a:ext uri="{FF2B5EF4-FFF2-40B4-BE49-F238E27FC236}">
-                  <a16:creationId xmlns:a16="http://schemas.microsoft.com/office/drawing/2014/main" id="{FE7C558C-C781-4A07-9065-079113BADAAF}"/>
-                </a:ext>
-              </a:extLst>
-            </p:cNvPr>
+            <p:cNvPr id="41" name="Arrow: Up-Down 26"/>
             <p:cNvSpPr/>
             <p:nvPr/>
           </p:nvSpPr>
@@ -4779,13 +4626,7 @@
         </p:sp>
         <p:sp>
           <p:nvSpPr>
-            <p:cNvPr id="42" name="Arrow: Up-Down 27">
-              <a:extLst>
-                <a:ext uri="{FF2B5EF4-FFF2-40B4-BE49-F238E27FC236}">
-                  <a16:creationId xmlns:a16="http://schemas.microsoft.com/office/drawing/2014/main" id="{CE1514E6-F3E4-4963-82F2-5985DE8F39F8}"/>
-                </a:ext>
-              </a:extLst>
-            </p:cNvPr>
+            <p:cNvPr id="42" name="Arrow: Up-Down 27"/>
             <p:cNvSpPr/>
             <p:nvPr/>
           </p:nvSpPr>
@@ -4834,13 +4675,7 @@
       </p:grpSp>
       <p:grpSp>
         <p:nvGrpSpPr>
-          <p:cNvPr id="43" name="组合 42">
-            <a:extLst>
-              <a:ext uri="{FF2B5EF4-FFF2-40B4-BE49-F238E27FC236}">
-                <a16:creationId xmlns:a16="http://schemas.microsoft.com/office/drawing/2014/main" id="{E1BF1DC0-E5E7-4CBD-A48D-55DDBDC732C0}"/>
-              </a:ext>
-            </a:extLst>
-          </p:cNvPr>
+          <p:cNvPr id="43" name="组合 42"/>
           <p:cNvGrpSpPr/>
           <p:nvPr/>
         </p:nvGrpSpPr>
@@ -4854,13 +4689,7 @@
         </p:grpSpPr>
         <p:sp>
           <p:nvSpPr>
-            <p:cNvPr id="44" name="Rectangle 3">
-              <a:extLst>
-                <a:ext uri="{FF2B5EF4-FFF2-40B4-BE49-F238E27FC236}">
-                  <a16:creationId xmlns:a16="http://schemas.microsoft.com/office/drawing/2014/main" id="{E88F1A38-F623-4CDC-8B93-F2F7F39285EB}"/>
-                </a:ext>
-              </a:extLst>
-            </p:cNvPr>
+            <p:cNvPr id="44" name="Rectangle 3"/>
             <p:cNvSpPr/>
             <p:nvPr/>
           </p:nvSpPr>
@@ -4909,18 +4738,15 @@
                 </a:rPr>
                 <a:t>Edit &amp; Review &amp; Adjustment</a:t>
               </a:r>
+              <a:endParaRPr lang="en-US" dirty="0">
+                <a:cs typeface="Calibri"/>
+              </a:endParaRPr>
             </a:p>
           </p:txBody>
         </p:sp>
         <p:sp>
           <p:nvSpPr>
-            <p:cNvPr id="45" name="Rectangle 4">
-              <a:extLst>
-                <a:ext uri="{FF2B5EF4-FFF2-40B4-BE49-F238E27FC236}">
-                  <a16:creationId xmlns:a16="http://schemas.microsoft.com/office/drawing/2014/main" id="{A55FCC92-F0D8-44A2-9E58-813D0279DAEF}"/>
-                </a:ext>
-              </a:extLst>
-            </p:cNvPr>
+            <p:cNvPr id="45" name="Rectangle 4"/>
             <p:cNvSpPr/>
             <p:nvPr/>
           </p:nvSpPr>
@@ -4969,6 +4795,9 @@
                 </a:rPr>
                 <a:t>Automatic </a:t>
               </a:r>
+              <a:endParaRPr lang="en-US" dirty="0">
+                <a:cs typeface="Calibri"/>
+              </a:endParaRPr>
             </a:p>
             <a:p>
               <a:pPr algn="ctr"/>
@@ -4978,18 +4807,15 @@
                 </a:rPr>
                 <a:t>Annotation</a:t>
               </a:r>
+              <a:endParaRPr lang="en-US" dirty="0">
+                <a:cs typeface="Calibri"/>
+              </a:endParaRPr>
             </a:p>
           </p:txBody>
         </p:sp>
         <p:sp>
           <p:nvSpPr>
-            <p:cNvPr id="46" name="Rectangle 5">
-              <a:extLst>
-                <a:ext uri="{FF2B5EF4-FFF2-40B4-BE49-F238E27FC236}">
-                  <a16:creationId xmlns:a16="http://schemas.microsoft.com/office/drawing/2014/main" id="{2624F5C5-B569-49E3-A51E-024916D7418E}"/>
-                </a:ext>
-              </a:extLst>
-            </p:cNvPr>
+            <p:cNvPr id="46" name="Rectangle 5"/>
             <p:cNvSpPr/>
             <p:nvPr/>
           </p:nvSpPr>
@@ -5028,6 +4854,9 @@
                 </a:rPr>
                 <a:t>Finely </a:t>
               </a:r>
+              <a:endParaRPr lang="en-US" dirty="0">
+                <a:cs typeface="Calibri"/>
+              </a:endParaRPr>
             </a:p>
             <a:p>
               <a:pPr algn="ctr"/>
@@ -5037,6 +4866,9 @@
                 </a:rPr>
                 <a:t>Annotated </a:t>
               </a:r>
+              <a:endParaRPr lang="en-US" dirty="0">
+                <a:cs typeface="Calibri"/>
+              </a:endParaRPr>
             </a:p>
             <a:p>
               <a:pPr algn="ctr"/>
@@ -5046,18 +4878,15 @@
                 </a:rPr>
                 <a:t>Data</a:t>
               </a:r>
+              <a:endParaRPr lang="en-US" dirty="0">
+                <a:cs typeface="Calibri"/>
+              </a:endParaRPr>
             </a:p>
           </p:txBody>
         </p:sp>
         <p:sp>
           <p:nvSpPr>
-            <p:cNvPr id="47" name="Arrow: Right 6">
-              <a:extLst>
-                <a:ext uri="{FF2B5EF4-FFF2-40B4-BE49-F238E27FC236}">
-                  <a16:creationId xmlns:a16="http://schemas.microsoft.com/office/drawing/2014/main" id="{B85B9269-B895-4120-9E9C-A9D164547C4A}"/>
-                </a:ext>
-              </a:extLst>
-            </p:cNvPr>
+            <p:cNvPr id="47" name="Arrow: Right 6"/>
             <p:cNvSpPr/>
             <p:nvPr/>
           </p:nvSpPr>
@@ -5096,13 +4925,7 @@
         </p:sp>
         <p:sp>
           <p:nvSpPr>
-            <p:cNvPr id="48" name="Arrow: Down 7">
-              <a:extLst>
-                <a:ext uri="{FF2B5EF4-FFF2-40B4-BE49-F238E27FC236}">
-                  <a16:creationId xmlns:a16="http://schemas.microsoft.com/office/drawing/2014/main" id="{A1D4C010-79B2-4E04-A059-E580701D9FFF}"/>
-                </a:ext>
-              </a:extLst>
-            </p:cNvPr>
+            <p:cNvPr id="48" name="Arrow: Down 7"/>
             <p:cNvSpPr/>
             <p:nvPr/>
           </p:nvSpPr>
@@ -5141,13 +4964,7 @@
         </p:sp>
         <p:sp>
           <p:nvSpPr>
-            <p:cNvPr id="49" name="Rectangle 8">
-              <a:extLst>
-                <a:ext uri="{FF2B5EF4-FFF2-40B4-BE49-F238E27FC236}">
-                  <a16:creationId xmlns:a16="http://schemas.microsoft.com/office/drawing/2014/main" id="{DB5BD102-1841-4D3B-8067-7B9AA7AC0EAD}"/>
-                </a:ext>
-              </a:extLst>
-            </p:cNvPr>
+            <p:cNvPr id="49" name="Rectangle 8"/>
             <p:cNvSpPr/>
             <p:nvPr/>
           </p:nvSpPr>
@@ -5186,6 +5003,9 @@
                 </a:rPr>
                 <a:t>Artificial </a:t>
               </a:r>
+              <a:endParaRPr lang="en-US" altLang="zh-CN" dirty="0">
+                <a:cs typeface="Calibri"/>
+              </a:endParaRPr>
             </a:p>
             <a:p>
               <a:pPr algn="ctr"/>
@@ -5207,18 +5027,15 @@
                 </a:rPr>
                 <a:t>(AI) Model</a:t>
               </a:r>
+              <a:endParaRPr lang="en-US" dirty="0">
+                <a:cs typeface="Calibri"/>
+              </a:endParaRPr>
             </a:p>
           </p:txBody>
         </p:sp>
         <p:sp>
           <p:nvSpPr>
-            <p:cNvPr id="50" name="Arrow: Right 9">
-              <a:extLst>
-                <a:ext uri="{FF2B5EF4-FFF2-40B4-BE49-F238E27FC236}">
-                  <a16:creationId xmlns:a16="http://schemas.microsoft.com/office/drawing/2014/main" id="{54A5FBA2-C8A8-4399-92C5-EFB405A7A3BD}"/>
-                </a:ext>
-              </a:extLst>
-            </p:cNvPr>
+            <p:cNvPr id="50" name="Arrow: Right 9"/>
             <p:cNvSpPr/>
             <p:nvPr/>
           </p:nvSpPr>
@@ -5257,13 +5074,7 @@
         </p:sp>
         <p:sp>
           <p:nvSpPr>
-            <p:cNvPr id="51" name="Arrow: Down 10">
-              <a:extLst>
-                <a:ext uri="{FF2B5EF4-FFF2-40B4-BE49-F238E27FC236}">
-                  <a16:creationId xmlns:a16="http://schemas.microsoft.com/office/drawing/2014/main" id="{23EB1552-60A8-48F7-B366-C3DDCF74979B}"/>
-                </a:ext>
-              </a:extLst>
-            </p:cNvPr>
+            <p:cNvPr id="51" name="Arrow: Down 10"/>
             <p:cNvSpPr/>
             <p:nvPr/>
           </p:nvSpPr>
@@ -5302,13 +5113,7 @@
         </p:sp>
         <p:sp>
           <p:nvSpPr>
-            <p:cNvPr id="52" name="Rectangle 11">
-              <a:extLst>
-                <a:ext uri="{FF2B5EF4-FFF2-40B4-BE49-F238E27FC236}">
-                  <a16:creationId xmlns:a16="http://schemas.microsoft.com/office/drawing/2014/main" id="{92CD6600-7187-43AA-8304-2CFF97F44B1B}"/>
-                </a:ext>
-              </a:extLst>
-            </p:cNvPr>
+            <p:cNvPr id="52" name="Rectangle 11"/>
             <p:cNvSpPr/>
             <p:nvPr/>
           </p:nvSpPr>
@@ -5353,13 +5158,7 @@
         </p:sp>
         <p:sp>
           <p:nvSpPr>
-            <p:cNvPr id="53" name="Arrow: Down 13">
-              <a:extLst>
-                <a:ext uri="{FF2B5EF4-FFF2-40B4-BE49-F238E27FC236}">
-                  <a16:creationId xmlns:a16="http://schemas.microsoft.com/office/drawing/2014/main" id="{94BE1C31-F6B0-4A07-BCEE-46F05DB6E803}"/>
-                </a:ext>
-              </a:extLst>
-            </p:cNvPr>
+            <p:cNvPr id="53" name="Arrow: Down 13"/>
             <p:cNvSpPr/>
             <p:nvPr/>
           </p:nvSpPr>
@@ -5398,13 +5197,7 @@
         </p:sp>
         <p:sp>
           <p:nvSpPr>
-            <p:cNvPr id="54" name="Arrow: Down 14">
-              <a:extLst>
-                <a:ext uri="{FF2B5EF4-FFF2-40B4-BE49-F238E27FC236}">
-                  <a16:creationId xmlns:a16="http://schemas.microsoft.com/office/drawing/2014/main" id="{C5F58032-203C-4E72-A724-49C375E95A9D}"/>
-                </a:ext>
-              </a:extLst>
-            </p:cNvPr>
+            <p:cNvPr id="54" name="Arrow: Down 14"/>
             <p:cNvSpPr/>
             <p:nvPr/>
           </p:nvSpPr>
@@ -5443,11 +5236,6 @@
         </p:sp>
       </p:grpSp>
     </p:spTree>
-    <p:extLst>
-      <p:ext uri="{BB962C8B-B14F-4D97-AF65-F5344CB8AC3E}">
-        <p14:creationId xmlns:p14="http://schemas.microsoft.com/office/powerpoint/2010/main" val="109857222"/>
-      </p:ext>
-    </p:extLst>
   </p:cSld>
   <p:clrMapOvr>
     <a:masterClrMapping/>
@@ -5474,13 +5262,7 @@
       </p:grpSpPr>
       <p:sp>
         <p:nvSpPr>
-          <p:cNvPr id="4" name="Rectangle 3">
-            <a:extLst>
-              <a:ext uri="{FF2B5EF4-FFF2-40B4-BE49-F238E27FC236}">
-                <a16:creationId xmlns:a16="http://schemas.microsoft.com/office/drawing/2014/main" id="{5DCD3175-D2EF-48A6-A639-610CB5640EE7}"/>
-              </a:ext>
-            </a:extLst>
-          </p:cNvPr>
+          <p:cNvPr id="4" name="Rectangle 3"/>
           <p:cNvSpPr/>
           <p:nvPr/>
         </p:nvSpPr>
@@ -5525,13 +5307,7 @@
       </p:sp>
       <p:sp>
         <p:nvSpPr>
-          <p:cNvPr id="3" name="Rectangle 2">
-            <a:extLst>
-              <a:ext uri="{FF2B5EF4-FFF2-40B4-BE49-F238E27FC236}">
-                <a16:creationId xmlns:a16="http://schemas.microsoft.com/office/drawing/2014/main" id="{D549870A-7FB6-4E27-9CB1-D9736DC4B781}"/>
-              </a:ext>
-            </a:extLst>
-          </p:cNvPr>
+          <p:cNvPr id="3" name="Rectangle 2"/>
           <p:cNvSpPr/>
           <p:nvPr/>
         </p:nvSpPr>
@@ -5576,13 +5352,7 @@
       </p:sp>
       <p:sp>
         <p:nvSpPr>
-          <p:cNvPr id="5" name="Rectangle 4">
-            <a:extLst>
-              <a:ext uri="{FF2B5EF4-FFF2-40B4-BE49-F238E27FC236}">
-                <a16:creationId xmlns:a16="http://schemas.microsoft.com/office/drawing/2014/main" id="{DF5BA941-C6B9-486F-B54B-5B0A15D664EF}"/>
-              </a:ext>
-            </a:extLst>
-          </p:cNvPr>
+          <p:cNvPr id="5" name="Rectangle 4"/>
           <p:cNvSpPr/>
           <p:nvPr/>
         </p:nvSpPr>
@@ -5627,13 +5397,7 @@
       </p:sp>
       <p:sp>
         <p:nvSpPr>
-          <p:cNvPr id="6" name="Rectangle 5">
-            <a:extLst>
-              <a:ext uri="{FF2B5EF4-FFF2-40B4-BE49-F238E27FC236}">
-                <a16:creationId xmlns:a16="http://schemas.microsoft.com/office/drawing/2014/main" id="{E3A6B7A8-AE76-4347-BE38-DA2FBDF58A2D}"/>
-              </a:ext>
-            </a:extLst>
-          </p:cNvPr>
+          <p:cNvPr id="6" name="Rectangle 5"/>
           <p:cNvSpPr/>
           <p:nvPr/>
         </p:nvSpPr>
@@ -5675,18 +5439,15 @@
               </a:rPr>
               <a:t>Infrastructure</a:t>
             </a:r>
+            <a:endParaRPr lang="en-US" dirty="0">
+              <a:cs typeface="Calibri"/>
+            </a:endParaRPr>
           </a:p>
         </p:txBody>
       </p:sp>
       <p:sp>
         <p:nvSpPr>
-          <p:cNvPr id="9" name="Rectangle 8">
-            <a:extLst>
-              <a:ext uri="{FF2B5EF4-FFF2-40B4-BE49-F238E27FC236}">
-                <a16:creationId xmlns:a16="http://schemas.microsoft.com/office/drawing/2014/main" id="{F0380A73-FDCA-4FEE-9090-D4AA35F94D72}"/>
-              </a:ext>
-            </a:extLst>
-          </p:cNvPr>
+          <p:cNvPr id="9" name="Rectangle 8"/>
           <p:cNvSpPr/>
           <p:nvPr/>
         </p:nvSpPr>
@@ -5731,13 +5492,7 @@
       </p:sp>
       <p:sp>
         <p:nvSpPr>
-          <p:cNvPr id="10" name="Rectangle 9">
-            <a:extLst>
-              <a:ext uri="{FF2B5EF4-FFF2-40B4-BE49-F238E27FC236}">
-                <a16:creationId xmlns:a16="http://schemas.microsoft.com/office/drawing/2014/main" id="{8DFEA111-EBCE-4911-BA39-6D24C26F4C1C}"/>
-              </a:ext>
-            </a:extLst>
-          </p:cNvPr>
+          <p:cNvPr id="10" name="Rectangle 9"/>
           <p:cNvSpPr/>
           <p:nvPr/>
         </p:nvSpPr>
@@ -5870,18 +5625,15 @@
               </a:rPr>
               <a:t>Registration</a:t>
             </a:r>
+            <a:endParaRPr lang="en-US" dirty="0">
+              <a:cs typeface="Calibri"/>
+            </a:endParaRPr>
           </a:p>
         </p:txBody>
       </p:sp>
       <p:sp>
         <p:nvSpPr>
-          <p:cNvPr id="11" name="Rectangle 10">
-            <a:extLst>
-              <a:ext uri="{FF2B5EF4-FFF2-40B4-BE49-F238E27FC236}">
-                <a16:creationId xmlns:a16="http://schemas.microsoft.com/office/drawing/2014/main" id="{07A3B828-41AB-4840-922F-21D50C3758DB}"/>
-              </a:ext>
-            </a:extLst>
-          </p:cNvPr>
+          <p:cNvPr id="11" name="Rectangle 10"/>
           <p:cNvSpPr/>
           <p:nvPr/>
         </p:nvSpPr>
@@ -6026,18 +5778,15 @@
               </a:rPr>
               <a:t>Tracking</a:t>
             </a:r>
+            <a:endParaRPr lang="en-US" dirty="0">
+              <a:cs typeface="Calibri"/>
+            </a:endParaRPr>
           </a:p>
         </p:txBody>
       </p:sp>
       <p:sp>
         <p:nvSpPr>
-          <p:cNvPr id="7" name="Rectangle 6">
-            <a:extLst>
-              <a:ext uri="{FF2B5EF4-FFF2-40B4-BE49-F238E27FC236}">
-                <a16:creationId xmlns:a16="http://schemas.microsoft.com/office/drawing/2014/main" id="{F174F5F8-EB76-4FDA-876C-F7C9EF118785}"/>
-              </a:ext>
-            </a:extLst>
-          </p:cNvPr>
+          <p:cNvPr id="7" name="Rectangle 6"/>
           <p:cNvSpPr/>
           <p:nvPr/>
         </p:nvSpPr>
@@ -6079,18 +5828,15 @@
               </a:rPr>
               <a:t>Tool Sets</a:t>
             </a:r>
+            <a:endParaRPr lang="en-US" dirty="0">
+              <a:cs typeface="Calibri"/>
+            </a:endParaRPr>
           </a:p>
         </p:txBody>
       </p:sp>
       <p:sp>
         <p:nvSpPr>
-          <p:cNvPr id="15" name="Rectangle 14">
-            <a:extLst>
-              <a:ext uri="{FF2B5EF4-FFF2-40B4-BE49-F238E27FC236}">
-                <a16:creationId xmlns:a16="http://schemas.microsoft.com/office/drawing/2014/main" id="{4EDD85B2-4A72-42FF-920B-C496ED18E540}"/>
-              </a:ext>
-            </a:extLst>
-          </p:cNvPr>
+          <p:cNvPr id="15" name="Rectangle 14"/>
           <p:cNvSpPr/>
           <p:nvPr/>
         </p:nvSpPr>
@@ -6229,13 +5975,7 @@
       </p:sp>
       <p:sp>
         <p:nvSpPr>
-          <p:cNvPr id="13" name="Rectangle 12">
-            <a:extLst>
-              <a:ext uri="{FF2B5EF4-FFF2-40B4-BE49-F238E27FC236}">
-                <a16:creationId xmlns:a16="http://schemas.microsoft.com/office/drawing/2014/main" id="{A8AE10A3-75FC-439C-9F39-E5FD61A6E689}"/>
-              </a:ext>
-            </a:extLst>
-          </p:cNvPr>
+          <p:cNvPr id="13" name="Rectangle 12"/>
           <p:cNvSpPr/>
           <p:nvPr/>
         </p:nvSpPr>
@@ -6277,18 +6017,15 @@
               </a:rPr>
               <a:t>Visualization</a:t>
             </a:r>
+            <a:endParaRPr lang="en-US" dirty="0">
+              <a:cs typeface="Calibri"/>
+            </a:endParaRPr>
           </a:p>
         </p:txBody>
       </p:sp>
       <p:sp>
         <p:nvSpPr>
-          <p:cNvPr id="19" name="Rectangle 18">
-            <a:extLst>
-              <a:ext uri="{FF2B5EF4-FFF2-40B4-BE49-F238E27FC236}">
-                <a16:creationId xmlns:a16="http://schemas.microsoft.com/office/drawing/2014/main" id="{D759419C-2DB2-41D6-8BD8-CE15C0C3820D}"/>
-              </a:ext>
-            </a:extLst>
-          </p:cNvPr>
+          <p:cNvPr id="19" name="Rectangle 18"/>
           <p:cNvSpPr/>
           <p:nvPr/>
         </p:nvSpPr>
@@ -6421,18 +6158,15 @@
               </a:rPr>
               <a:t>Multi-View</a:t>
             </a:r>
+            <a:endParaRPr lang="en-US" dirty="0">
+              <a:cs typeface="Calibri"/>
+            </a:endParaRPr>
           </a:p>
         </p:txBody>
       </p:sp>
       <p:sp>
         <p:nvSpPr>
-          <p:cNvPr id="20" name="Rectangle 19">
-            <a:extLst>
-              <a:ext uri="{FF2B5EF4-FFF2-40B4-BE49-F238E27FC236}">
-                <a16:creationId xmlns:a16="http://schemas.microsoft.com/office/drawing/2014/main" id="{429B8AB8-4FA9-4CFF-960B-556D5C812C8E}"/>
-              </a:ext>
-            </a:extLst>
-          </p:cNvPr>
+          <p:cNvPr id="20" name="Rectangle 19"/>
           <p:cNvSpPr/>
           <p:nvPr/>
         </p:nvSpPr>
@@ -6571,13 +6305,7 @@
       </p:sp>
       <p:sp>
         <p:nvSpPr>
-          <p:cNvPr id="21" name="Rectangle 20">
-            <a:extLst>
-              <a:ext uri="{FF2B5EF4-FFF2-40B4-BE49-F238E27FC236}">
-                <a16:creationId xmlns:a16="http://schemas.microsoft.com/office/drawing/2014/main" id="{B75B77E9-8F7F-4815-8995-2E3FB5F9719E}"/>
-              </a:ext>
-            </a:extLst>
-          </p:cNvPr>
+          <p:cNvPr id="21" name="Rectangle 20"/>
           <p:cNvSpPr/>
           <p:nvPr/>
         </p:nvSpPr>
@@ -6711,18 +6439,16 @@
               </a:rPr>
               <a:t>Focus Mode</a:t>
             </a:r>
+            <a:endParaRPr lang="en-US" sz="1600" dirty="0">
+              <a:ea typeface="+mn-lt"/>
+              <a:cs typeface="+mn-lt"/>
+            </a:endParaRPr>
           </a:p>
         </p:txBody>
       </p:sp>
       <p:sp>
         <p:nvSpPr>
-          <p:cNvPr id="22" name="Rectangle 21">
-            <a:extLst>
-              <a:ext uri="{FF2B5EF4-FFF2-40B4-BE49-F238E27FC236}">
-                <a16:creationId xmlns:a16="http://schemas.microsoft.com/office/drawing/2014/main" id="{035906F6-ED3D-4AC5-95BD-B76282BEC565}"/>
-              </a:ext>
-            </a:extLst>
-          </p:cNvPr>
+          <p:cNvPr id="22" name="Rectangle 21"/>
           <p:cNvSpPr/>
           <p:nvPr/>
         </p:nvSpPr>
@@ -6856,6 +6582,10 @@
               </a:rPr>
               <a:t>Auto </a:t>
             </a:r>
+            <a:endParaRPr lang="en-US" sz="1400" dirty="0">
+              <a:ea typeface="+mn-lt"/>
+              <a:cs typeface="+mn-lt"/>
+            </a:endParaRPr>
           </a:p>
           <a:p>
             <a:pPr algn="ctr"/>
@@ -6866,18 +6596,16 @@
               </a:rPr>
               <a:t>Camera Switch</a:t>
             </a:r>
+            <a:endParaRPr lang="en-US" sz="1400" dirty="0">
+              <a:ea typeface="+mn-lt"/>
+              <a:cs typeface="+mn-lt"/>
+            </a:endParaRPr>
           </a:p>
         </p:txBody>
       </p:sp>
       <p:sp>
         <p:nvSpPr>
-          <p:cNvPr id="23" name="Rectangle 22">
-            <a:extLst>
-              <a:ext uri="{FF2B5EF4-FFF2-40B4-BE49-F238E27FC236}">
-                <a16:creationId xmlns:a16="http://schemas.microsoft.com/office/drawing/2014/main" id="{DF8A20B1-C02E-4345-83CD-15DC97D90108}"/>
-              </a:ext>
-            </a:extLst>
-          </p:cNvPr>
+          <p:cNvPr id="23" name="Rectangle 22"/>
           <p:cNvSpPr/>
           <p:nvPr/>
         </p:nvSpPr>
@@ -7010,6 +6738,9 @@
               </a:rPr>
               <a:t>Multi-Mode</a:t>
             </a:r>
+            <a:endParaRPr lang="en-US" sz="1400">
+              <a:cs typeface="Calibri"/>
+            </a:endParaRPr>
           </a:p>
           <a:p>
             <a:pPr algn="ctr"/>
@@ -7027,13 +6758,7 @@
       </p:sp>
       <p:sp>
         <p:nvSpPr>
-          <p:cNvPr id="24" name="Rectangle 23">
-            <a:extLst>
-              <a:ext uri="{FF2B5EF4-FFF2-40B4-BE49-F238E27FC236}">
-                <a16:creationId xmlns:a16="http://schemas.microsoft.com/office/drawing/2014/main" id="{5A2F022C-8A60-4C97-9A0B-7BD3394420AC}"/>
-              </a:ext>
-            </a:extLst>
-          </p:cNvPr>
+          <p:cNvPr id="24" name="Rectangle 23"/>
           <p:cNvSpPr/>
           <p:nvPr/>
         </p:nvSpPr>
@@ -7166,6 +6891,9 @@
               </a:rPr>
               <a:t>Semi-Auto</a:t>
             </a:r>
+            <a:endParaRPr lang="en-US" dirty="0">
+              <a:cs typeface="Calibri"/>
+            </a:endParaRPr>
           </a:p>
           <a:p>
             <a:pPr algn="ctr"/>
@@ -7175,18 +6903,15 @@
               </a:rPr>
               <a:t>Annotation</a:t>
             </a:r>
+            <a:endParaRPr lang="en-US" dirty="0">
+              <a:cs typeface="Calibri"/>
+            </a:endParaRPr>
           </a:p>
         </p:txBody>
       </p:sp>
       <p:sp>
         <p:nvSpPr>
-          <p:cNvPr id="25" name="Rectangle 24">
-            <a:extLst>
-              <a:ext uri="{FF2B5EF4-FFF2-40B4-BE49-F238E27FC236}">
-                <a16:creationId xmlns:a16="http://schemas.microsoft.com/office/drawing/2014/main" id="{E03FC257-9061-4747-A9EB-63585739CCDA}"/>
-              </a:ext>
-            </a:extLst>
-          </p:cNvPr>
+          <p:cNvPr id="25" name="Rectangle 24"/>
           <p:cNvSpPr/>
           <p:nvPr/>
         </p:nvSpPr>
@@ -7319,18 +7044,15 @@
               </a:rPr>
               <a:t>Boundary-Aware Rotation</a:t>
             </a:r>
+            <a:endParaRPr lang="en-US" sz="1200" dirty="0">
+              <a:cs typeface="Calibri"/>
+            </a:endParaRPr>
           </a:p>
         </p:txBody>
       </p:sp>
       <p:sp>
         <p:nvSpPr>
-          <p:cNvPr id="26" name="Rectangle 25">
-            <a:extLst>
-              <a:ext uri="{FF2B5EF4-FFF2-40B4-BE49-F238E27FC236}">
-                <a16:creationId xmlns:a16="http://schemas.microsoft.com/office/drawing/2014/main" id="{2C5BCEC3-DD4D-441F-81C8-B16624B366BB}"/>
-              </a:ext>
-            </a:extLst>
-          </p:cNvPr>
+          <p:cNvPr id="26" name="Rectangle 25"/>
           <p:cNvSpPr/>
           <p:nvPr/>
         </p:nvSpPr>
@@ -7469,13 +7191,7 @@
       </p:sp>
       <p:sp>
         <p:nvSpPr>
-          <p:cNvPr id="27" name="Rectangle 26">
-            <a:extLst>
-              <a:ext uri="{FF2B5EF4-FFF2-40B4-BE49-F238E27FC236}">
-                <a16:creationId xmlns:a16="http://schemas.microsoft.com/office/drawing/2014/main" id="{378451A2-FC3D-4152-8606-CCA3D10728CE}"/>
-              </a:ext>
-            </a:extLst>
-          </p:cNvPr>
+          <p:cNvPr id="27" name="Rectangle 26"/>
           <p:cNvSpPr/>
           <p:nvPr/>
         </p:nvSpPr>
@@ -7608,6 +7324,9 @@
               </a:rPr>
               <a:t>3D&amp;2D </a:t>
             </a:r>
+            <a:endParaRPr lang="en-US" dirty="0">
+              <a:cs typeface="Calibri"/>
+            </a:endParaRPr>
           </a:p>
           <a:p>
             <a:pPr algn="ctr"/>
@@ -7623,13 +7342,7 @@
       </p:sp>
       <p:sp>
         <p:nvSpPr>
-          <p:cNvPr id="28" name="Rectangle 27">
-            <a:extLst>
-              <a:ext uri="{FF2B5EF4-FFF2-40B4-BE49-F238E27FC236}">
-                <a16:creationId xmlns:a16="http://schemas.microsoft.com/office/drawing/2014/main" id="{40EBBAF9-4ED4-407A-8E1B-F488BC552CED}"/>
-              </a:ext>
-            </a:extLst>
-          </p:cNvPr>
+          <p:cNvPr id="28" name="Rectangle 27"/>
           <p:cNvSpPr/>
           <p:nvPr/>
         </p:nvSpPr>
@@ -7770,13 +7483,7 @@
       </p:sp>
       <p:sp>
         <p:nvSpPr>
-          <p:cNvPr id="29" name="Rectangle 28">
-            <a:extLst>
-              <a:ext uri="{FF2B5EF4-FFF2-40B4-BE49-F238E27FC236}">
-                <a16:creationId xmlns:a16="http://schemas.microsoft.com/office/drawing/2014/main" id="{A2953DB4-E8A8-48A8-9EE0-00E05A8B65AC}"/>
-              </a:ext>
-            </a:extLst>
-          </p:cNvPr>
+          <p:cNvPr id="29" name="Rectangle 28"/>
           <p:cNvSpPr/>
           <p:nvPr/>
         </p:nvSpPr>
@@ -7826,13 +7533,7 @@
       </p:sp>
       <p:sp>
         <p:nvSpPr>
-          <p:cNvPr id="30" name="Rectangle 29">
-            <a:extLst>
-              <a:ext uri="{FF2B5EF4-FFF2-40B4-BE49-F238E27FC236}">
-                <a16:creationId xmlns:a16="http://schemas.microsoft.com/office/drawing/2014/main" id="{5F7DAAA5-7130-4735-9C79-FC7CCE44DD99}"/>
-              </a:ext>
-            </a:extLst>
-          </p:cNvPr>
+          <p:cNvPr id="30" name="Rectangle 29"/>
           <p:cNvSpPr/>
           <p:nvPr/>
         </p:nvSpPr>
@@ -7973,13 +7674,7 @@
       </p:sp>
       <p:sp>
         <p:nvSpPr>
-          <p:cNvPr id="8" name="矩形 7">
-            <a:extLst>
-              <a:ext uri="{FF2B5EF4-FFF2-40B4-BE49-F238E27FC236}">
-                <a16:creationId xmlns:a16="http://schemas.microsoft.com/office/drawing/2014/main" id="{48F18F0B-B9ED-4C1E-9BC3-D5A28FF5D0C4}"/>
-              </a:ext>
-            </a:extLst>
-          </p:cNvPr>
+          <p:cNvPr id="8" name="矩形 7"/>
           <p:cNvSpPr/>
           <p:nvPr/>
         </p:nvSpPr>
@@ -8026,13 +7721,7 @@
       </p:sp>
       <p:sp>
         <p:nvSpPr>
-          <p:cNvPr id="31" name="矩形 30">
-            <a:extLst>
-              <a:ext uri="{FF2B5EF4-FFF2-40B4-BE49-F238E27FC236}">
-                <a16:creationId xmlns:a16="http://schemas.microsoft.com/office/drawing/2014/main" id="{BF05AC7C-07E7-4675-90FF-DCAAB23BAB1D}"/>
-              </a:ext>
-            </a:extLst>
-          </p:cNvPr>
+          <p:cNvPr id="31" name="矩形 30"/>
           <p:cNvSpPr/>
           <p:nvPr/>
         </p:nvSpPr>
@@ -8079,13 +7768,7 @@
       </p:sp>
       <p:sp>
         <p:nvSpPr>
-          <p:cNvPr id="32" name="矩形 31">
-            <a:extLst>
-              <a:ext uri="{FF2B5EF4-FFF2-40B4-BE49-F238E27FC236}">
-                <a16:creationId xmlns:a16="http://schemas.microsoft.com/office/drawing/2014/main" id="{A492009B-BA1F-4333-ACF1-A25A7ADFB35D}"/>
-              </a:ext>
-            </a:extLst>
-          </p:cNvPr>
+          <p:cNvPr id="32" name="矩形 31"/>
           <p:cNvSpPr/>
           <p:nvPr/>
         </p:nvSpPr>
@@ -8132,13 +7815,7 @@
       </p:sp>
       <p:sp>
         <p:nvSpPr>
-          <p:cNvPr id="33" name="矩形 32">
-            <a:extLst>
-              <a:ext uri="{FF2B5EF4-FFF2-40B4-BE49-F238E27FC236}">
-                <a16:creationId xmlns:a16="http://schemas.microsoft.com/office/drawing/2014/main" id="{FD059757-DF40-4A22-B89A-5B2FA96B0345}"/>
-              </a:ext>
-            </a:extLst>
-          </p:cNvPr>
+          <p:cNvPr id="33" name="矩形 32"/>
           <p:cNvSpPr/>
           <p:nvPr/>
         </p:nvSpPr>
@@ -8184,11 +7861,6 @@
         </p:txBody>
       </p:sp>
     </p:spTree>
-    <p:extLst>
-      <p:ext uri="{BB962C8B-B14F-4D97-AF65-F5344CB8AC3E}">
-        <p14:creationId xmlns:p14="http://schemas.microsoft.com/office/powerpoint/2010/main" val="2738492383"/>
-      </p:ext>
-    </p:extLst>
   </p:cSld>
   <p:clrMapOvr>
     <a:masterClrMapping/>
@@ -8215,13 +7887,7 @@
       </p:grpSpPr>
       <p:grpSp>
         <p:nvGrpSpPr>
-          <p:cNvPr id="4" name="组合 3">
-            <a:extLst>
-              <a:ext uri="{FF2B5EF4-FFF2-40B4-BE49-F238E27FC236}">
-                <a16:creationId xmlns:a16="http://schemas.microsoft.com/office/drawing/2014/main" id="{50F2273A-66DA-41AF-A48C-64EC61AB2855}"/>
-              </a:ext>
-            </a:extLst>
-          </p:cNvPr>
+          <p:cNvPr id="4" name="组合 3"/>
           <p:cNvGrpSpPr/>
           <p:nvPr/>
         </p:nvGrpSpPr>
@@ -8235,13 +7901,7 @@
         </p:grpSpPr>
         <p:sp>
           <p:nvSpPr>
-            <p:cNvPr id="5" name="Rectangle 3">
-              <a:extLst>
-                <a:ext uri="{FF2B5EF4-FFF2-40B4-BE49-F238E27FC236}">
-                  <a16:creationId xmlns:a16="http://schemas.microsoft.com/office/drawing/2014/main" id="{2B6D3AB2-5F2A-47C4-8C63-30878B0B5C6A}"/>
-                </a:ext>
-              </a:extLst>
-            </p:cNvPr>
+            <p:cNvPr id="5" name="Rectangle 3"/>
             <p:cNvSpPr/>
             <p:nvPr/>
           </p:nvSpPr>
@@ -8283,13 +7943,7 @@
         </p:sp>
         <p:sp>
           <p:nvSpPr>
-            <p:cNvPr id="6" name="Rectangle 4">
-              <a:extLst>
-                <a:ext uri="{FF2B5EF4-FFF2-40B4-BE49-F238E27FC236}">
-                  <a16:creationId xmlns:a16="http://schemas.microsoft.com/office/drawing/2014/main" id="{6CC0ECD7-1913-4D31-8215-9F6DA80576FA}"/>
-                </a:ext>
-              </a:extLst>
-            </p:cNvPr>
+            <p:cNvPr id="6" name="Rectangle 4"/>
             <p:cNvSpPr/>
             <p:nvPr/>
           </p:nvSpPr>
@@ -8329,6 +7983,10 @@
                 </a:rPr>
                 <a:t>AI-based </a:t>
               </a:r>
+              <a:endParaRPr lang="en-US" sz="1400" dirty="0">
+                <a:latin typeface="Times New Roman" panose="02020603050405020304" pitchFamily="18" charset="0"/>
+                <a:cs typeface="Times New Roman" panose="02020603050405020304" pitchFamily="18" charset="0"/>
+              </a:endParaRPr>
             </a:p>
             <a:p>
               <a:pPr algn="ctr"/>
@@ -8339,18 +7997,16 @@
                 </a:rPr>
                 <a:t>Automatic Annotation</a:t>
               </a:r>
+              <a:endParaRPr lang="en-US" sz="1400" dirty="0">
+                <a:latin typeface="Times New Roman" panose="02020603050405020304" pitchFamily="18" charset="0"/>
+                <a:cs typeface="Times New Roman" panose="02020603050405020304" pitchFamily="18" charset="0"/>
+              </a:endParaRPr>
             </a:p>
           </p:txBody>
         </p:sp>
         <p:sp>
           <p:nvSpPr>
-            <p:cNvPr id="7" name="Rectangle 5">
-              <a:extLst>
-                <a:ext uri="{FF2B5EF4-FFF2-40B4-BE49-F238E27FC236}">
-                  <a16:creationId xmlns:a16="http://schemas.microsoft.com/office/drawing/2014/main" id="{7B788E71-7730-4954-9B15-8886B006E02F}"/>
-                </a:ext>
-              </a:extLst>
-            </p:cNvPr>
+            <p:cNvPr id="7" name="Rectangle 5"/>
             <p:cNvSpPr/>
             <p:nvPr/>
           </p:nvSpPr>
@@ -8390,6 +8046,10 @@
                 </a:rPr>
                 <a:t>Finely Annotated </a:t>
               </a:r>
+              <a:endParaRPr lang="en-US" sz="1400" dirty="0">
+                <a:latin typeface="Times New Roman" panose="02020603050405020304" pitchFamily="18" charset="0"/>
+                <a:cs typeface="Times New Roman" panose="02020603050405020304" pitchFamily="18" charset="0"/>
+              </a:endParaRPr>
             </a:p>
             <a:p>
               <a:pPr algn="ctr"/>
@@ -8400,18 +8060,16 @@
                 </a:rPr>
                 <a:t>Data</a:t>
               </a:r>
+              <a:endParaRPr lang="en-US" sz="1400" dirty="0">
+                <a:latin typeface="Times New Roman" panose="02020603050405020304" pitchFamily="18" charset="0"/>
+                <a:cs typeface="Times New Roman" panose="02020603050405020304" pitchFamily="18" charset="0"/>
+              </a:endParaRPr>
             </a:p>
           </p:txBody>
         </p:sp>
         <p:sp>
           <p:nvSpPr>
-            <p:cNvPr id="8" name="Rectangle 8">
-              <a:extLst>
-                <a:ext uri="{FF2B5EF4-FFF2-40B4-BE49-F238E27FC236}">
-                  <a16:creationId xmlns:a16="http://schemas.microsoft.com/office/drawing/2014/main" id="{BFFCA041-983A-4DCB-A175-A32C136B3957}"/>
-                </a:ext>
-              </a:extLst>
-            </p:cNvPr>
+            <p:cNvPr id="8" name="Rectangle 8"/>
             <p:cNvSpPr/>
             <p:nvPr/>
           </p:nvSpPr>
@@ -8451,6 +8109,10 @@
                 </a:rPr>
                 <a:t>Artificial Intelligence</a:t>
               </a:r>
+              <a:endParaRPr lang="en-US" altLang="zh-CN" sz="1400" dirty="0">
+                <a:latin typeface="Times New Roman" panose="02020603050405020304" pitchFamily="18" charset="0"/>
+                <a:cs typeface="Times New Roman" panose="02020603050405020304" pitchFamily="18" charset="0"/>
+              </a:endParaRPr>
             </a:p>
             <a:p>
               <a:pPr algn="ctr"/>
@@ -8468,18 +8130,16 @@
                 </a:rPr>
                 <a:t>(AI) Model</a:t>
               </a:r>
+              <a:endParaRPr lang="en-US" sz="1400" dirty="0">
+                <a:latin typeface="Times New Roman" panose="02020603050405020304" pitchFamily="18" charset="0"/>
+                <a:cs typeface="Times New Roman" panose="02020603050405020304" pitchFamily="18" charset="0"/>
+              </a:endParaRPr>
             </a:p>
           </p:txBody>
         </p:sp>
         <p:sp>
           <p:nvSpPr>
-            <p:cNvPr id="9" name="Rectangle 11">
-              <a:extLst>
-                <a:ext uri="{FF2B5EF4-FFF2-40B4-BE49-F238E27FC236}">
-                  <a16:creationId xmlns:a16="http://schemas.microsoft.com/office/drawing/2014/main" id="{93CBCB76-91D5-490D-836E-7C485E955AF4}"/>
-                </a:ext>
-              </a:extLst>
-            </p:cNvPr>
+            <p:cNvPr id="9" name="Rectangle 11"/>
             <p:cNvSpPr/>
             <p:nvPr/>
           </p:nvSpPr>
@@ -8519,18 +8179,16 @@
                 </a:rPr>
                 <a:t>Raw Data</a:t>
               </a:r>
+              <a:endParaRPr lang="en-US" sz="1400" dirty="0">
+                <a:latin typeface="Times New Roman" panose="02020603050405020304" pitchFamily="18" charset="0"/>
+                <a:cs typeface="Times New Roman" panose="02020603050405020304" pitchFamily="18" charset="0"/>
+              </a:endParaRPr>
             </a:p>
           </p:txBody>
         </p:sp>
         <p:sp>
           <p:nvSpPr>
-            <p:cNvPr id="10" name="Rectangle 23">
-              <a:extLst>
-                <a:ext uri="{FF2B5EF4-FFF2-40B4-BE49-F238E27FC236}">
-                  <a16:creationId xmlns:a16="http://schemas.microsoft.com/office/drawing/2014/main" id="{3ABE3F90-AD26-42B6-81A6-70EB305D3606}"/>
-                </a:ext>
-              </a:extLst>
-            </p:cNvPr>
+            <p:cNvPr id="10" name="Rectangle 23"/>
             <p:cNvSpPr/>
             <p:nvPr/>
           </p:nvSpPr>
@@ -8664,6 +8322,10 @@
                 </a:rPr>
                 <a:t>Semi-Auto</a:t>
               </a:r>
+              <a:endParaRPr lang="en-US" sz="1400" dirty="0">
+                <a:latin typeface="Times New Roman" panose="02020603050405020304" pitchFamily="18" charset="0"/>
+                <a:cs typeface="Times New Roman" panose="02020603050405020304" pitchFamily="18" charset="0"/>
+              </a:endParaRPr>
             </a:p>
             <a:p>
               <a:pPr algn="ctr"/>
@@ -8674,18 +8336,16 @@
                 </a:rPr>
                 <a:t>Annotation</a:t>
               </a:r>
+              <a:endParaRPr lang="en-US" sz="1400" dirty="0">
+                <a:latin typeface="Times New Roman" panose="02020603050405020304" pitchFamily="18" charset="0"/>
+                <a:cs typeface="Times New Roman" panose="02020603050405020304" pitchFamily="18" charset="0"/>
+              </a:endParaRPr>
             </a:p>
           </p:txBody>
         </p:sp>
         <p:sp>
           <p:nvSpPr>
-            <p:cNvPr id="11" name="Rectangle 24">
-              <a:extLst>
-                <a:ext uri="{FF2B5EF4-FFF2-40B4-BE49-F238E27FC236}">
-                  <a16:creationId xmlns:a16="http://schemas.microsoft.com/office/drawing/2014/main" id="{44C2E240-BDD1-419A-8F2D-2B818708968B}"/>
-                </a:ext>
-              </a:extLst>
-            </p:cNvPr>
+            <p:cNvPr id="11" name="Rectangle 24"/>
             <p:cNvSpPr/>
             <p:nvPr/>
           </p:nvSpPr>
@@ -8819,18 +8479,16 @@
                 </a:rPr>
                 <a:t>Boundary-Aware Rotation</a:t>
               </a:r>
+              <a:endParaRPr lang="en-US" sz="1400" dirty="0">
+                <a:latin typeface="Times New Roman" panose="02020603050405020304" pitchFamily="18" charset="0"/>
+                <a:cs typeface="Times New Roman" panose="02020603050405020304" pitchFamily="18" charset="0"/>
+              </a:endParaRPr>
             </a:p>
           </p:txBody>
         </p:sp>
         <p:sp>
           <p:nvSpPr>
-            <p:cNvPr id="12" name="Rectangle 25">
-              <a:extLst>
-                <a:ext uri="{FF2B5EF4-FFF2-40B4-BE49-F238E27FC236}">
-                  <a16:creationId xmlns:a16="http://schemas.microsoft.com/office/drawing/2014/main" id="{C3CDE44F-1152-42B9-B518-10EC9567941F}"/>
-                </a:ext>
-              </a:extLst>
-            </p:cNvPr>
+            <p:cNvPr id="12" name="Rectangle 25"/>
             <p:cNvSpPr/>
             <p:nvPr/>
           </p:nvSpPr>
@@ -8964,18 +8622,16 @@
                 </a:rPr>
                 <a:t>Auto-Shrink</a:t>
               </a:r>
+              <a:endParaRPr lang="en-US" sz="1400" dirty="0">
+                <a:latin typeface="Times New Roman" panose="02020603050405020304" pitchFamily="18" charset="0"/>
+                <a:cs typeface="Times New Roman" panose="02020603050405020304" pitchFamily="18" charset="0"/>
+              </a:endParaRPr>
             </a:p>
           </p:txBody>
         </p:sp>
         <p:sp>
           <p:nvSpPr>
-            <p:cNvPr id="13" name="Rectangle 26">
-              <a:extLst>
-                <a:ext uri="{FF2B5EF4-FFF2-40B4-BE49-F238E27FC236}">
-                  <a16:creationId xmlns:a16="http://schemas.microsoft.com/office/drawing/2014/main" id="{2342249F-05E6-48F8-A0AB-ADE00387A4C0}"/>
-                </a:ext>
-              </a:extLst>
-            </p:cNvPr>
+            <p:cNvPr id="13" name="Rectangle 26"/>
             <p:cNvSpPr/>
             <p:nvPr/>
           </p:nvSpPr>
@@ -9109,6 +8765,10 @@
                 </a:rPr>
                 <a:t>3D&amp;2D </a:t>
               </a:r>
+              <a:endParaRPr lang="en-US" sz="1400" dirty="0">
+                <a:latin typeface="Times New Roman" panose="02020603050405020304" pitchFamily="18" charset="0"/>
+                <a:cs typeface="Times New Roman" panose="02020603050405020304" pitchFamily="18" charset="0"/>
+              </a:endParaRPr>
             </a:p>
             <a:p>
               <a:pPr algn="ctr"/>
@@ -9119,18 +8779,16 @@
                 </a:rPr>
                 <a:t>Annotation</a:t>
               </a:r>
+              <a:endParaRPr lang="en-US" sz="1400" dirty="0">
+                <a:latin typeface="Times New Roman" panose="02020603050405020304" pitchFamily="18" charset="0"/>
+                <a:cs typeface="Times New Roman" panose="02020603050405020304" pitchFamily="18" charset="0"/>
+              </a:endParaRPr>
             </a:p>
           </p:txBody>
         </p:sp>
         <p:sp>
           <p:nvSpPr>
-            <p:cNvPr id="14" name="Rectangle 29">
-              <a:extLst>
-                <a:ext uri="{FF2B5EF4-FFF2-40B4-BE49-F238E27FC236}">
-                  <a16:creationId xmlns:a16="http://schemas.microsoft.com/office/drawing/2014/main" id="{81AB9ED5-E9B0-42AB-B7D9-CC62945238EB}"/>
-                </a:ext>
-              </a:extLst>
-            </p:cNvPr>
+            <p:cNvPr id="14" name="Rectangle 29"/>
             <p:cNvSpPr/>
             <p:nvPr/>
           </p:nvSpPr>
@@ -9264,18 +8922,16 @@
                 </a:rPr>
                 <a:t>Fast Toolbox</a:t>
               </a:r>
+              <a:endParaRPr lang="en-US" sz="1400" dirty="0">
+                <a:latin typeface="Times New Roman" panose="02020603050405020304" pitchFamily="18" charset="0"/>
+                <a:cs typeface="Times New Roman" panose="02020603050405020304" pitchFamily="18" charset="0"/>
+              </a:endParaRPr>
             </a:p>
           </p:txBody>
         </p:sp>
         <p:sp>
           <p:nvSpPr>
-            <p:cNvPr id="15" name="矩形 14">
-              <a:extLst>
-                <a:ext uri="{FF2B5EF4-FFF2-40B4-BE49-F238E27FC236}">
-                  <a16:creationId xmlns:a16="http://schemas.microsoft.com/office/drawing/2014/main" id="{9DAD2811-A8B7-4A60-8874-7B9A2DEE042D}"/>
-                </a:ext>
-              </a:extLst>
-            </p:cNvPr>
+            <p:cNvPr id="15" name="矩形 14"/>
             <p:cNvSpPr/>
             <p:nvPr/>
           </p:nvSpPr>
@@ -9322,13 +8978,7 @@
         </p:sp>
         <p:sp>
           <p:nvSpPr>
-            <p:cNvPr id="16" name="文本框 15">
-              <a:extLst>
-                <a:ext uri="{FF2B5EF4-FFF2-40B4-BE49-F238E27FC236}">
-                  <a16:creationId xmlns:a16="http://schemas.microsoft.com/office/drawing/2014/main" id="{78B470B1-2B76-4C27-A0B0-66868F3B8C33}"/>
-                </a:ext>
-              </a:extLst>
-            </p:cNvPr>
+            <p:cNvPr id="16" name="文本框 15"/>
             <p:cNvSpPr txBox="1"/>
             <p:nvPr/>
           </p:nvSpPr>
@@ -9365,13 +9015,7 @@
         </p:sp>
         <p:sp>
           <p:nvSpPr>
-            <p:cNvPr id="17" name="Rectangle 18">
-              <a:extLst>
-                <a:ext uri="{FF2B5EF4-FFF2-40B4-BE49-F238E27FC236}">
-                  <a16:creationId xmlns:a16="http://schemas.microsoft.com/office/drawing/2014/main" id="{8FDB81AD-01A9-41B8-8CF7-BDBDE021A2A5}"/>
-                </a:ext>
-              </a:extLst>
-            </p:cNvPr>
+            <p:cNvPr id="17" name="Rectangle 18"/>
             <p:cNvSpPr/>
             <p:nvPr/>
           </p:nvSpPr>
@@ -9505,18 +9149,16 @@
                 </a:rPr>
                 <a:t>Multi-View</a:t>
               </a:r>
+              <a:endParaRPr lang="en-US" sz="1400" dirty="0">
+                <a:latin typeface="Times New Roman" panose="02020603050405020304" pitchFamily="18" charset="0"/>
+                <a:cs typeface="Times New Roman" panose="02020603050405020304" pitchFamily="18" charset="0"/>
+              </a:endParaRPr>
             </a:p>
           </p:txBody>
         </p:sp>
         <p:sp>
           <p:nvSpPr>
-            <p:cNvPr id="18" name="Rectangle 19">
-              <a:extLst>
-                <a:ext uri="{FF2B5EF4-FFF2-40B4-BE49-F238E27FC236}">
-                  <a16:creationId xmlns:a16="http://schemas.microsoft.com/office/drawing/2014/main" id="{9A9B889B-7D1C-4242-AC1F-377DA784E874}"/>
-                </a:ext>
-              </a:extLst>
-            </p:cNvPr>
+            <p:cNvPr id="18" name="Rectangle 19"/>
             <p:cNvSpPr/>
             <p:nvPr/>
           </p:nvSpPr>
@@ -9650,18 +9292,16 @@
                 </a:rPr>
                 <a:t>3D-2D Fusion</a:t>
               </a:r>
+              <a:endParaRPr lang="en-US" sz="1400" dirty="0">
+                <a:latin typeface="Times New Roman" panose="02020603050405020304" pitchFamily="18" charset="0"/>
+                <a:cs typeface="Times New Roman" panose="02020603050405020304" pitchFamily="18" charset="0"/>
+              </a:endParaRPr>
             </a:p>
           </p:txBody>
         </p:sp>
         <p:sp>
           <p:nvSpPr>
-            <p:cNvPr id="19" name="Rectangle 20">
-              <a:extLst>
-                <a:ext uri="{FF2B5EF4-FFF2-40B4-BE49-F238E27FC236}">
-                  <a16:creationId xmlns:a16="http://schemas.microsoft.com/office/drawing/2014/main" id="{7657B7B8-757D-44C6-A55D-2634D2D32E33}"/>
-                </a:ext>
-              </a:extLst>
-            </p:cNvPr>
+            <p:cNvPr id="19" name="Rectangle 20"/>
             <p:cNvSpPr/>
             <p:nvPr/>
           </p:nvSpPr>
@@ -9796,18 +9436,17 @@
                 </a:rPr>
                 <a:t>Focus Mode</a:t>
               </a:r>
+              <a:endParaRPr lang="en-US" sz="1400" dirty="0">
+                <a:latin typeface="Times New Roman" panose="02020603050405020304" pitchFamily="18" charset="0"/>
+                <a:ea typeface="+mn-lt"/>
+                <a:cs typeface="Times New Roman" panose="02020603050405020304" pitchFamily="18" charset="0"/>
+              </a:endParaRPr>
             </a:p>
           </p:txBody>
         </p:sp>
         <p:sp>
           <p:nvSpPr>
-            <p:cNvPr id="20" name="Rectangle 21">
-              <a:extLst>
-                <a:ext uri="{FF2B5EF4-FFF2-40B4-BE49-F238E27FC236}">
-                  <a16:creationId xmlns:a16="http://schemas.microsoft.com/office/drawing/2014/main" id="{9F670F95-B613-4661-8EB3-6FCFB8FA036C}"/>
-                </a:ext>
-              </a:extLst>
-            </p:cNvPr>
+            <p:cNvPr id="20" name="Rectangle 21"/>
             <p:cNvSpPr/>
             <p:nvPr/>
           </p:nvSpPr>
@@ -9942,6 +9581,11 @@
                 </a:rPr>
                 <a:t>Auto </a:t>
               </a:r>
+              <a:endParaRPr lang="en-US" sz="1400" dirty="0">
+                <a:latin typeface="Times New Roman" panose="02020603050405020304" pitchFamily="18" charset="0"/>
+                <a:ea typeface="+mn-lt"/>
+                <a:cs typeface="Times New Roman" panose="02020603050405020304" pitchFamily="18" charset="0"/>
+              </a:endParaRPr>
             </a:p>
             <a:p>
               <a:pPr algn="ctr"/>
@@ -9953,18 +9597,17 @@
                 </a:rPr>
                 <a:t>Camera Switch</a:t>
               </a:r>
+              <a:endParaRPr lang="en-US" sz="1400" dirty="0">
+                <a:latin typeface="Times New Roman" panose="02020603050405020304" pitchFamily="18" charset="0"/>
+                <a:ea typeface="+mn-lt"/>
+                <a:cs typeface="Times New Roman" panose="02020603050405020304" pitchFamily="18" charset="0"/>
+              </a:endParaRPr>
             </a:p>
           </p:txBody>
         </p:sp>
         <p:sp>
           <p:nvSpPr>
-            <p:cNvPr id="21" name="Rectangle 22">
-              <a:extLst>
-                <a:ext uri="{FF2B5EF4-FFF2-40B4-BE49-F238E27FC236}">
-                  <a16:creationId xmlns:a16="http://schemas.microsoft.com/office/drawing/2014/main" id="{4608F22B-DDF9-451A-A865-588BE784A709}"/>
-                </a:ext>
-              </a:extLst>
-            </p:cNvPr>
+            <p:cNvPr id="21" name="Rectangle 22"/>
             <p:cNvSpPr/>
             <p:nvPr/>
           </p:nvSpPr>
@@ -10098,6 +9741,10 @@
                 </a:rPr>
                 <a:t>Multi-Mode</a:t>
               </a:r>
+              <a:endParaRPr lang="en-US" sz="1400" dirty="0">
+                <a:latin typeface="Times New Roman" panose="02020603050405020304" pitchFamily="18" charset="0"/>
+                <a:cs typeface="Times New Roman" panose="02020603050405020304" pitchFamily="18" charset="0"/>
+              </a:endParaRPr>
             </a:p>
             <a:p>
               <a:pPr algn="ctr"/>
@@ -10108,18 +9755,16 @@
                 </a:rPr>
                 <a:t>Navigation</a:t>
               </a:r>
+              <a:endParaRPr lang="en-US" sz="1400" dirty="0">
+                <a:latin typeface="Times New Roman" panose="02020603050405020304" pitchFamily="18" charset="0"/>
+                <a:cs typeface="Times New Roman" panose="02020603050405020304" pitchFamily="18" charset="0"/>
+              </a:endParaRPr>
             </a:p>
           </p:txBody>
         </p:sp>
         <p:sp>
           <p:nvSpPr>
-            <p:cNvPr id="22" name="矩形 21">
-              <a:extLst>
-                <a:ext uri="{FF2B5EF4-FFF2-40B4-BE49-F238E27FC236}">
-                  <a16:creationId xmlns:a16="http://schemas.microsoft.com/office/drawing/2014/main" id="{E9DFF30D-1186-4200-B740-7C0486038A48}"/>
-                </a:ext>
-              </a:extLst>
-            </p:cNvPr>
+            <p:cNvPr id="22" name="矩形 21"/>
             <p:cNvSpPr/>
             <p:nvPr/>
           </p:nvSpPr>
@@ -10166,13 +9811,7 @@
         </p:sp>
         <p:sp>
           <p:nvSpPr>
-            <p:cNvPr id="23" name="文本框 22">
-              <a:extLst>
-                <a:ext uri="{FF2B5EF4-FFF2-40B4-BE49-F238E27FC236}">
-                  <a16:creationId xmlns:a16="http://schemas.microsoft.com/office/drawing/2014/main" id="{5483E514-4982-47C1-AC09-196FEDD7F5A8}"/>
-                </a:ext>
-              </a:extLst>
-            </p:cNvPr>
+            <p:cNvPr id="23" name="文本框 22"/>
             <p:cNvSpPr txBox="1"/>
             <p:nvPr/>
           </p:nvSpPr>
@@ -10209,13 +9848,7 @@
         </p:sp>
         <p:sp>
           <p:nvSpPr>
-            <p:cNvPr id="24" name="Rectangle 8">
-              <a:extLst>
-                <a:ext uri="{FF2B5EF4-FFF2-40B4-BE49-F238E27FC236}">
-                  <a16:creationId xmlns:a16="http://schemas.microsoft.com/office/drawing/2014/main" id="{5C9B6E12-3A05-4155-8EE4-5273A7FD6E48}"/>
-                </a:ext>
-              </a:extLst>
-            </p:cNvPr>
+            <p:cNvPr id="24" name="Rectangle 8"/>
             <p:cNvSpPr/>
             <p:nvPr/>
           </p:nvSpPr>
@@ -10255,18 +9888,16 @@
                 </a:rPr>
                 <a:t>Ground Removal</a:t>
               </a:r>
+              <a:endParaRPr lang="en-US" sz="1400" dirty="0">
+                <a:latin typeface="Times New Roman" panose="02020603050405020304" pitchFamily="18" charset="0"/>
+                <a:cs typeface="Times New Roman" panose="02020603050405020304" pitchFamily="18" charset="0"/>
+              </a:endParaRPr>
             </a:p>
           </p:txBody>
         </p:sp>
         <p:sp>
           <p:nvSpPr>
-            <p:cNvPr id="25" name="Rectangle 9">
-              <a:extLst>
-                <a:ext uri="{FF2B5EF4-FFF2-40B4-BE49-F238E27FC236}">
-                  <a16:creationId xmlns:a16="http://schemas.microsoft.com/office/drawing/2014/main" id="{234DD4A8-3536-4977-8222-99BF92CECFCA}"/>
-                </a:ext>
-              </a:extLst>
-            </p:cNvPr>
+            <p:cNvPr id="25" name="Rectangle 9"/>
             <p:cNvSpPr/>
             <p:nvPr/>
           </p:nvSpPr>
@@ -10400,18 +10031,16 @@
                 </a:rPr>
                 <a:t>Registration</a:t>
               </a:r>
+              <a:endParaRPr lang="en-US" sz="1400" dirty="0">
+                <a:latin typeface="Times New Roman" panose="02020603050405020304" pitchFamily="18" charset="0"/>
+                <a:cs typeface="Times New Roman" panose="02020603050405020304" pitchFamily="18" charset="0"/>
+              </a:endParaRPr>
             </a:p>
           </p:txBody>
         </p:sp>
         <p:sp>
           <p:nvSpPr>
-            <p:cNvPr id="26" name="Rectangle 10">
-              <a:extLst>
-                <a:ext uri="{FF2B5EF4-FFF2-40B4-BE49-F238E27FC236}">
-                  <a16:creationId xmlns:a16="http://schemas.microsoft.com/office/drawing/2014/main" id="{328A6C37-31D0-4106-A76D-428D5ACAEDAF}"/>
-                </a:ext>
-              </a:extLst>
-            </p:cNvPr>
+            <p:cNvPr id="26" name="Rectangle 10"/>
             <p:cNvSpPr/>
             <p:nvPr/>
           </p:nvSpPr>
@@ -10545,6 +10174,10 @@
                 </a:rPr>
                 <a:t>Multi-Object</a:t>
               </a:r>
+              <a:endParaRPr lang="en-US" sz="1400" dirty="0">
+                <a:latin typeface="Times New Roman" panose="02020603050405020304" pitchFamily="18" charset="0"/>
+                <a:cs typeface="Times New Roman" panose="02020603050405020304" pitchFamily="18" charset="0"/>
+              </a:endParaRPr>
             </a:p>
             <a:p>
               <a:pPr algn="ctr"/>
@@ -10555,18 +10188,16 @@
                 </a:rPr>
                 <a:t>Tracking</a:t>
               </a:r>
+              <a:endParaRPr lang="en-US" sz="1400" dirty="0">
+                <a:latin typeface="Times New Roman" panose="02020603050405020304" pitchFamily="18" charset="0"/>
+                <a:cs typeface="Times New Roman" panose="02020603050405020304" pitchFamily="18" charset="0"/>
+              </a:endParaRPr>
             </a:p>
           </p:txBody>
         </p:sp>
         <p:sp>
           <p:nvSpPr>
-            <p:cNvPr id="27" name="Rectangle 14">
-              <a:extLst>
-                <a:ext uri="{FF2B5EF4-FFF2-40B4-BE49-F238E27FC236}">
-                  <a16:creationId xmlns:a16="http://schemas.microsoft.com/office/drawing/2014/main" id="{B0EDE907-86EA-46E4-BAF1-BD1E6F03A1E5}"/>
-                </a:ext>
-              </a:extLst>
-            </p:cNvPr>
+            <p:cNvPr id="27" name="Rectangle 14"/>
             <p:cNvSpPr/>
             <p:nvPr/>
           </p:nvSpPr>
@@ -10700,18 +10331,16 @@
                 </a:rPr>
                 <a:t>Geometry Projection</a:t>
               </a:r>
+              <a:endParaRPr lang="en-US" sz="1400" dirty="0">
+                <a:latin typeface="Times New Roman" panose="02020603050405020304" pitchFamily="18" charset="0"/>
+                <a:cs typeface="Times New Roman" panose="02020603050405020304" pitchFamily="18" charset="0"/>
+              </a:endParaRPr>
             </a:p>
           </p:txBody>
         </p:sp>
         <p:sp>
           <p:nvSpPr>
-            <p:cNvPr id="28" name="Rectangle 27">
-              <a:extLst>
-                <a:ext uri="{FF2B5EF4-FFF2-40B4-BE49-F238E27FC236}">
-                  <a16:creationId xmlns:a16="http://schemas.microsoft.com/office/drawing/2014/main" id="{C8F6D2C2-026D-4A8B-BE42-66699E6D4A9C}"/>
-                </a:ext>
-              </a:extLst>
-            </p:cNvPr>
+            <p:cNvPr id="28" name="Rectangle 27"/>
             <p:cNvSpPr/>
             <p:nvPr/>
           </p:nvSpPr>
@@ -10845,6 +10474,10 @@
                 </a:rPr>
                 <a:t>Point Cloud </a:t>
               </a:r>
+              <a:endParaRPr lang="en-US" sz="1400" dirty="0">
+                <a:latin typeface="Times New Roman" panose="02020603050405020304" pitchFamily="18" charset="0"/>
+                <a:cs typeface="Times New Roman" panose="02020603050405020304" pitchFamily="18" charset="0"/>
+              </a:endParaRPr>
             </a:p>
             <a:p>
               <a:pPr algn="ctr"/>
@@ -10855,18 +10488,16 @@
                 </a:rPr>
                 <a:t>Lib</a:t>
               </a:r>
+              <a:endParaRPr lang="en-US" sz="1400" dirty="0">
+                <a:latin typeface="Times New Roman" panose="02020603050405020304" pitchFamily="18" charset="0"/>
+                <a:cs typeface="Times New Roman" panose="02020603050405020304" pitchFamily="18" charset="0"/>
+              </a:endParaRPr>
             </a:p>
           </p:txBody>
         </p:sp>
         <p:sp>
           <p:nvSpPr>
-            <p:cNvPr id="29" name="矩形 28">
-              <a:extLst>
-                <a:ext uri="{FF2B5EF4-FFF2-40B4-BE49-F238E27FC236}">
-                  <a16:creationId xmlns:a16="http://schemas.microsoft.com/office/drawing/2014/main" id="{1378D87D-E6FB-4B32-B2F2-1375D9F304A8}"/>
-                </a:ext>
-              </a:extLst>
-            </p:cNvPr>
+            <p:cNvPr id="29" name="矩形 28"/>
             <p:cNvSpPr/>
             <p:nvPr/>
           </p:nvSpPr>
@@ -10913,13 +10544,7 @@
         </p:sp>
         <p:sp>
           <p:nvSpPr>
-            <p:cNvPr id="30" name="文本框 29">
-              <a:extLst>
-                <a:ext uri="{FF2B5EF4-FFF2-40B4-BE49-F238E27FC236}">
-                  <a16:creationId xmlns:a16="http://schemas.microsoft.com/office/drawing/2014/main" id="{240CB9DC-0FA4-4BCC-946B-EF13292DD0DC}"/>
-                </a:ext>
-              </a:extLst>
-            </p:cNvPr>
+            <p:cNvPr id="30" name="文本框 29"/>
             <p:cNvSpPr txBox="1"/>
             <p:nvPr/>
           </p:nvSpPr>
@@ -10947,18 +10572,16 @@
                 </a:rPr>
                 <a:t>Tool Sets</a:t>
               </a:r>
+              <a:endParaRPr lang="en-US" altLang="zh-CN" sz="1500" b="1" dirty="0">
+                <a:latin typeface="Times New Roman" panose="02020603050405020304" pitchFamily="18" charset="0"/>
+                <a:cs typeface="Times New Roman" panose="02020603050405020304" pitchFamily="18" charset="0"/>
+              </a:endParaRPr>
             </a:p>
           </p:txBody>
         </p:sp>
         <p:sp>
           <p:nvSpPr>
-            <p:cNvPr id="31" name="Rectangle 3">
-              <a:extLst>
-                <a:ext uri="{FF2B5EF4-FFF2-40B4-BE49-F238E27FC236}">
-                  <a16:creationId xmlns:a16="http://schemas.microsoft.com/office/drawing/2014/main" id="{FA413DA0-5956-477C-B7FC-827BBA667D41}"/>
-                </a:ext>
-              </a:extLst>
-            </p:cNvPr>
+            <p:cNvPr id="31" name="Rectangle 3"/>
             <p:cNvSpPr/>
             <p:nvPr/>
           </p:nvSpPr>
@@ -10998,18 +10621,16 @@
                 </a:rPr>
                 <a:t>Data Retrieval </a:t>
               </a:r>
+              <a:endParaRPr lang="en-US" sz="1400" dirty="0">
+                <a:latin typeface="Times New Roman" panose="02020603050405020304" pitchFamily="18" charset="0"/>
+                <a:cs typeface="Times New Roman" panose="02020603050405020304" pitchFamily="18" charset="0"/>
+              </a:endParaRPr>
             </a:p>
           </p:txBody>
         </p:sp>
         <p:sp>
           <p:nvSpPr>
-            <p:cNvPr id="32" name="Rectangle 2">
-              <a:extLst>
-                <a:ext uri="{FF2B5EF4-FFF2-40B4-BE49-F238E27FC236}">
-                  <a16:creationId xmlns:a16="http://schemas.microsoft.com/office/drawing/2014/main" id="{D4005B12-1DE9-4B27-9F83-A82BE42BA8DE}"/>
-                </a:ext>
-              </a:extLst>
-            </p:cNvPr>
+            <p:cNvPr id="32" name="Rectangle 2"/>
             <p:cNvSpPr/>
             <p:nvPr/>
           </p:nvSpPr>
@@ -11049,18 +10670,16 @@
                 </a:rPr>
                 <a:t>Web Framework</a:t>
               </a:r>
+              <a:endParaRPr lang="en-US" sz="1400" dirty="0">
+                <a:latin typeface="Times New Roman" panose="02020603050405020304" pitchFamily="18" charset="0"/>
+                <a:cs typeface="Times New Roman" panose="02020603050405020304" pitchFamily="18" charset="0"/>
+              </a:endParaRPr>
             </a:p>
           </p:txBody>
         </p:sp>
         <p:sp>
           <p:nvSpPr>
-            <p:cNvPr id="33" name="Rectangle 4">
-              <a:extLst>
-                <a:ext uri="{FF2B5EF4-FFF2-40B4-BE49-F238E27FC236}">
-                  <a16:creationId xmlns:a16="http://schemas.microsoft.com/office/drawing/2014/main" id="{BADFACEA-F30A-453E-95E3-BBB20D06AAD9}"/>
-                </a:ext>
-              </a:extLst>
-            </p:cNvPr>
+            <p:cNvPr id="33" name="Rectangle 4"/>
             <p:cNvSpPr/>
             <p:nvPr/>
           </p:nvSpPr>
@@ -11100,18 +10719,16 @@
                 </a:rPr>
                 <a:t>WebGL Library</a:t>
               </a:r>
+              <a:endParaRPr lang="en-US" sz="1400" dirty="0">
+                <a:latin typeface="Times New Roman" panose="02020603050405020304" pitchFamily="18" charset="0"/>
+                <a:cs typeface="Times New Roman" panose="02020603050405020304" pitchFamily="18" charset="0"/>
+              </a:endParaRPr>
             </a:p>
           </p:txBody>
         </p:sp>
         <p:sp>
           <p:nvSpPr>
-            <p:cNvPr id="34" name="矩形 33">
-              <a:extLst>
-                <a:ext uri="{FF2B5EF4-FFF2-40B4-BE49-F238E27FC236}">
-                  <a16:creationId xmlns:a16="http://schemas.microsoft.com/office/drawing/2014/main" id="{E59E9A05-6EF3-49F6-A3F2-F043D3ECE2D3}"/>
-                </a:ext>
-              </a:extLst>
-            </p:cNvPr>
+            <p:cNvPr id="34" name="矩形 33"/>
             <p:cNvSpPr/>
             <p:nvPr/>
           </p:nvSpPr>
@@ -11158,13 +10775,7 @@
         </p:sp>
         <p:sp>
           <p:nvSpPr>
-            <p:cNvPr id="35" name="文本框 34">
-              <a:extLst>
-                <a:ext uri="{FF2B5EF4-FFF2-40B4-BE49-F238E27FC236}">
-                  <a16:creationId xmlns:a16="http://schemas.microsoft.com/office/drawing/2014/main" id="{80F59129-BBDE-4499-9F0B-E180CCF863C7}"/>
-                </a:ext>
-              </a:extLst>
-            </p:cNvPr>
+            <p:cNvPr id="35" name="文本框 34"/>
             <p:cNvSpPr txBox="1"/>
             <p:nvPr/>
           </p:nvSpPr>
@@ -11192,18 +10803,16 @@
                 </a:rPr>
                 <a:t>Infrastructure</a:t>
               </a:r>
+              <a:endParaRPr lang="en-US" altLang="zh-CN" sz="1500" b="1" dirty="0">
+                <a:latin typeface="Times New Roman" panose="02020603050405020304" pitchFamily="18" charset="0"/>
+                <a:cs typeface="Times New Roman" panose="02020603050405020304" pitchFamily="18" charset="0"/>
+              </a:endParaRPr>
             </a:p>
           </p:txBody>
         </p:sp>
         <p:sp>
           <p:nvSpPr>
-            <p:cNvPr id="36" name="Rectangle 3">
-              <a:extLst>
-                <a:ext uri="{FF2B5EF4-FFF2-40B4-BE49-F238E27FC236}">
-                  <a16:creationId xmlns:a16="http://schemas.microsoft.com/office/drawing/2014/main" id="{DDDA2DA8-9918-4697-B5DC-38B18777F0A9}"/>
-                </a:ext>
-              </a:extLst>
-            </p:cNvPr>
+            <p:cNvPr id="36" name="Rectangle 3"/>
             <p:cNvSpPr/>
             <p:nvPr/>
           </p:nvSpPr>
@@ -11243,18 +10852,16 @@
                 </a:rPr>
                 <a:t>Data store</a:t>
               </a:r>
+              <a:endParaRPr lang="en-US" sz="1400" dirty="0">
+                <a:latin typeface="Times New Roman" panose="02020603050405020304" pitchFamily="18" charset="0"/>
+                <a:cs typeface="Times New Roman" panose="02020603050405020304" pitchFamily="18" charset="0"/>
+              </a:endParaRPr>
             </a:p>
           </p:txBody>
         </p:sp>
         <p:sp>
           <p:nvSpPr>
-            <p:cNvPr id="37" name="矩形 36">
-              <a:extLst>
-                <a:ext uri="{FF2B5EF4-FFF2-40B4-BE49-F238E27FC236}">
-                  <a16:creationId xmlns:a16="http://schemas.microsoft.com/office/drawing/2014/main" id="{25B22618-7D66-447E-8809-C1968CA86D59}"/>
-                </a:ext>
-              </a:extLst>
-            </p:cNvPr>
+            <p:cNvPr id="37" name="矩形 36"/>
             <p:cNvSpPr/>
             <p:nvPr/>
           </p:nvSpPr>
@@ -11281,20 +10888,17 @@
                 </a:rPr>
                 <a:t>Data Management System &amp; User Interaction Platform</a:t>
               </a:r>
+              <a:endParaRPr lang="en-US" altLang="zh-CN" b="1" dirty="0">
+                <a:latin typeface="Times New Roman" panose="02020603050405020304" pitchFamily="18" charset="0"/>
+                <a:cs typeface="Times New Roman" panose="02020603050405020304" pitchFamily="18" charset="0"/>
+              </a:endParaRPr>
             </a:p>
           </p:txBody>
         </p:sp>
         <p:cxnSp>
           <p:nvCxnSpPr>
-            <p:cNvPr id="38" name="直接箭头连接符 37">
-              <a:extLst>
-                <a:ext uri="{FF2B5EF4-FFF2-40B4-BE49-F238E27FC236}">
-                  <a16:creationId xmlns:a16="http://schemas.microsoft.com/office/drawing/2014/main" id="{63249758-E2F4-4AAF-BAFC-2EDD1FFC7985}"/>
-                </a:ext>
-              </a:extLst>
-            </p:cNvPr>
+            <p:cNvPr id="38" name="直接箭头连接符 37"/>
             <p:cNvCxnSpPr>
-              <a:cxnSpLocks/>
               <a:stCxn id="7" idx="3"/>
             </p:cNvCxnSpPr>
             <p:nvPr/>
@@ -11332,15 +10936,8 @@
         </p:cxnSp>
         <p:cxnSp>
           <p:nvCxnSpPr>
-            <p:cNvPr id="39" name="直接箭头连接符 38">
-              <a:extLst>
-                <a:ext uri="{FF2B5EF4-FFF2-40B4-BE49-F238E27FC236}">
-                  <a16:creationId xmlns:a16="http://schemas.microsoft.com/office/drawing/2014/main" id="{226ECFDC-5104-4FA7-AA27-8C173D3E8E5A}"/>
-                </a:ext>
-              </a:extLst>
-            </p:cNvPr>
+            <p:cNvPr id="39" name="直接箭头连接符 38"/>
             <p:cNvCxnSpPr>
-              <a:cxnSpLocks/>
               <a:stCxn id="8" idx="0"/>
               <a:endCxn id="7" idx="2"/>
             </p:cNvCxnSpPr>
@@ -11379,15 +10976,8 @@
         </p:cxnSp>
         <p:cxnSp>
           <p:nvCxnSpPr>
-            <p:cNvPr id="40" name="直接箭头连接符 39">
-              <a:extLst>
-                <a:ext uri="{FF2B5EF4-FFF2-40B4-BE49-F238E27FC236}">
-                  <a16:creationId xmlns:a16="http://schemas.microsoft.com/office/drawing/2014/main" id="{B2DA5EEB-C651-4018-949A-DC987CDD7B73}"/>
-                </a:ext>
-              </a:extLst>
-            </p:cNvPr>
+            <p:cNvPr id="40" name="直接箭头连接符 39"/>
             <p:cNvCxnSpPr>
-              <a:cxnSpLocks/>
               <a:stCxn id="6" idx="0"/>
               <a:endCxn id="8" idx="2"/>
             </p:cNvCxnSpPr>
@@ -11426,16 +11016,8 @@
         </p:cxnSp>
         <p:cxnSp>
           <p:nvCxnSpPr>
-            <p:cNvPr id="41" name="直接箭头连接符 40">
-              <a:extLst>
-                <a:ext uri="{FF2B5EF4-FFF2-40B4-BE49-F238E27FC236}">
-                  <a16:creationId xmlns:a16="http://schemas.microsoft.com/office/drawing/2014/main" id="{0A1A9A08-15DF-473D-A395-64069D133535}"/>
-                </a:ext>
-              </a:extLst>
-            </p:cNvPr>
-            <p:cNvCxnSpPr>
-              <a:cxnSpLocks/>
-            </p:cNvCxnSpPr>
+            <p:cNvPr id="41" name="直接箭头连接符 40"/>
+            <p:cNvCxnSpPr/>
             <p:nvPr/>
           </p:nvCxnSpPr>
           <p:spPr>
@@ -11471,15 +11053,8 @@
         </p:cxnSp>
         <p:cxnSp>
           <p:nvCxnSpPr>
-            <p:cNvPr id="42" name="直接箭头连接符 41">
-              <a:extLst>
-                <a:ext uri="{FF2B5EF4-FFF2-40B4-BE49-F238E27FC236}">
-                  <a16:creationId xmlns:a16="http://schemas.microsoft.com/office/drawing/2014/main" id="{D883CE86-D027-4944-B2F7-1D333155FA12}"/>
-                </a:ext>
-              </a:extLst>
-            </p:cNvPr>
+            <p:cNvPr id="42" name="直接箭头连接符 41"/>
             <p:cNvCxnSpPr>
-              <a:cxnSpLocks/>
               <a:endCxn id="6" idx="3"/>
             </p:cNvCxnSpPr>
             <p:nvPr/>
@@ -11517,15 +11092,8 @@
         </p:cxnSp>
         <p:cxnSp>
           <p:nvCxnSpPr>
-            <p:cNvPr id="43" name="直接箭头连接符 42">
-              <a:extLst>
-                <a:ext uri="{FF2B5EF4-FFF2-40B4-BE49-F238E27FC236}">
-                  <a16:creationId xmlns:a16="http://schemas.microsoft.com/office/drawing/2014/main" id="{432E7329-6CA5-45BB-8935-9B7079FF4527}"/>
-                </a:ext>
-              </a:extLst>
-            </p:cNvPr>
+            <p:cNvPr id="43" name="直接箭头连接符 42"/>
             <p:cNvCxnSpPr>
-              <a:cxnSpLocks/>
               <a:endCxn id="9" idx="3"/>
             </p:cNvCxnSpPr>
             <p:nvPr/>
@@ -11563,11 +11131,6 @@
         </p:cxnSp>
       </p:grpSp>
     </p:spTree>
-    <p:extLst>
-      <p:ext uri="{BB962C8B-B14F-4D97-AF65-F5344CB8AC3E}">
-        <p14:creationId xmlns:p14="http://schemas.microsoft.com/office/powerpoint/2010/main" val="2123317832"/>
-      </p:ext>
-    </p:extLst>
   </p:cSld>
   <p:clrMapOvr>
     <a:masterClrMapping/>
@@ -11618,7 +11181,7 @@
     </a:clrScheme>
     <a:fontScheme name="Office Theme">
       <a:majorFont>
-        <a:latin typeface="Calibri Light" panose="020F0302020204030204"/>
+        <a:latin typeface="Calibri Light"/>
         <a:ea typeface=""/>
         <a:cs typeface=""/>
         <a:font script="Jpan" typeface="ＭＳ Ｐゴシック"/>
@@ -11653,7 +11216,7 @@
         <a:font script="Geor" typeface="Sylfaen"/>
       </a:majorFont>
       <a:minorFont>
-        <a:latin typeface="Calibri" panose="020F0502020204030204"/>
+        <a:latin typeface="Calibri"/>
         <a:ea typeface=""/>
         <a:cs typeface=""/>
         <a:font script="Jpan" typeface="ＭＳ Ｐゴシック"/>
@@ -11826,8 +11389,6 @@
       </a:bgFillStyleLst>
     </a:fmtScheme>
   </a:themeElements>
-  <a:objectDefaults/>
-  <a:extraClrSchemeLst/>
   <a:extLst>
     <a:ext uri="{05A4C25C-085E-4340-85A3-A5531E510DB2}">
       <thm15:themeFamily xmlns:thm15="http://schemas.microsoft.com/office/thememl/2012/main" name="Office Theme" id="{62F939B6-93AF-4DB8-9C6B-D6C7DFDC589F}" vid="{4A3C46E8-61CC-4603-A589-7422A47A8E4A}"/>

--- a/fig.pptx
+++ b/fig.pptx
@@ -10,7 +10,7 @@
     <p:sldId id="258" r:id="rId5"/>
     <p:sldId id="259" r:id="rId6"/>
   </p:sldIdLst>
-  <p:sldSz cx="12192000" cy="6858000"/>
+  <p:sldSz cx="6858000" cy="2743200"/>
   <p:notesSz cx="6858000" cy="9144000"/>
   <p:defaultTextStyle>
     <a:defPPr>
@@ -139,15 +139,15 @@
         </p:nvSpPr>
         <p:spPr>
           <a:xfrm>
-            <a:off x="1524000" y="1122363"/>
-            <a:ext cx="9144000" cy="2387600"/>
+            <a:off x="857250" y="448945"/>
+            <a:ext cx="5143501" cy="955040"/>
           </a:xfrm>
         </p:spPr>
         <p:txBody>
           <a:bodyPr anchor="b"/>
           <a:lstStyle>
             <a:lvl1pPr algn="ctr">
-              <a:defRPr sz="6000"/>
+              <a:defRPr sz="2400"/>
             </a:lvl1pPr>
           </a:lstStyle>
           <a:p>
@@ -171,8 +171,8 @@
         </p:nvSpPr>
         <p:spPr>
           <a:xfrm>
-            <a:off x="1524000" y="3602038"/>
-            <a:ext cx="9144000" cy="1655762"/>
+            <a:off x="857250" y="1440815"/>
+            <a:ext cx="5143501" cy="662305"/>
           </a:xfrm>
         </p:spPr>
         <p:txBody>
@@ -180,39 +180,39 @@
           <a:lstStyle>
             <a:lvl1pPr marL="0" indent="0" algn="ctr">
               <a:buNone/>
-              <a:defRPr sz="2400"/>
+              <a:defRPr sz="960"/>
             </a:lvl1pPr>
-            <a:lvl2pPr marL="457200" indent="0" algn="ctr">
+            <a:lvl2pPr marL="182880" indent="0" algn="ctr">
               <a:buNone/>
-              <a:defRPr sz="2000"/>
+              <a:defRPr sz="795"/>
             </a:lvl2pPr>
-            <a:lvl3pPr marL="914400" indent="0" algn="ctr">
+            <a:lvl3pPr marL="365760" indent="0" algn="ctr">
               <a:buNone/>
-              <a:defRPr sz="1800"/>
+              <a:defRPr sz="720"/>
             </a:lvl3pPr>
-            <a:lvl4pPr marL="1371600" indent="0" algn="ctr">
+            <a:lvl4pPr marL="548640" indent="0" algn="ctr">
               <a:buNone/>
-              <a:defRPr sz="1600"/>
+              <a:defRPr sz="645"/>
             </a:lvl4pPr>
-            <a:lvl5pPr marL="1828800" indent="0" algn="ctr">
+            <a:lvl5pPr marL="731520" indent="0" algn="ctr">
               <a:buNone/>
-              <a:defRPr sz="1600"/>
+              <a:defRPr sz="645"/>
             </a:lvl5pPr>
-            <a:lvl6pPr marL="2286000" indent="0" algn="ctr">
+            <a:lvl6pPr marL="914400" indent="0" algn="ctr">
               <a:buNone/>
-              <a:defRPr sz="1600"/>
+              <a:defRPr sz="645"/>
             </a:lvl6pPr>
-            <a:lvl7pPr marL="2743200" indent="0" algn="ctr">
+            <a:lvl7pPr marL="1097280" indent="0" algn="ctr">
               <a:buNone/>
-              <a:defRPr sz="1600"/>
+              <a:defRPr sz="645"/>
             </a:lvl7pPr>
-            <a:lvl8pPr marL="3200400" indent="0" algn="ctr">
+            <a:lvl8pPr marL="1280160" indent="0" algn="ctr">
               <a:buNone/>
-              <a:defRPr sz="1600"/>
+              <a:defRPr sz="645"/>
             </a:lvl8pPr>
-            <a:lvl9pPr marL="3657600" indent="0" algn="ctr">
+            <a:lvl9pPr marL="1463040" indent="0" algn="ctr">
               <a:buNone/>
-              <a:defRPr sz="1600"/>
+              <a:defRPr sz="645"/>
             </a:lvl9pPr>
           </a:lstStyle>
           <a:p>
@@ -491,8 +491,8 @@
         </p:nvSpPr>
         <p:spPr>
           <a:xfrm>
-            <a:off x="8724900" y="365125"/>
-            <a:ext cx="2628900" cy="5811838"/>
+            <a:off x="4907757" y="146050"/>
+            <a:ext cx="1478757" cy="2324735"/>
           </a:xfrm>
         </p:spPr>
         <p:txBody>
@@ -519,8 +519,8 @@
         </p:nvSpPr>
         <p:spPr>
           <a:xfrm>
-            <a:off x="838200" y="365125"/>
-            <a:ext cx="7734300" cy="5811838"/>
+            <a:off x="471488" y="146050"/>
+            <a:ext cx="4350545" cy="2324735"/>
           </a:xfrm>
         </p:spPr>
         <p:txBody>
@@ -835,15 +835,15 @@
         </p:nvSpPr>
         <p:spPr>
           <a:xfrm>
-            <a:off x="831850" y="1709738"/>
-            <a:ext cx="10515600" cy="2852737"/>
+            <a:off x="467916" y="683895"/>
+            <a:ext cx="5915026" cy="1141095"/>
           </a:xfrm>
         </p:spPr>
         <p:txBody>
           <a:bodyPr anchor="b"/>
           <a:lstStyle>
             <a:lvl1pPr>
-              <a:defRPr sz="6000"/>
+              <a:defRPr sz="2400"/>
             </a:lvl1pPr>
           </a:lstStyle>
           <a:p>
@@ -867,8 +867,8 @@
         </p:nvSpPr>
         <p:spPr>
           <a:xfrm>
-            <a:off x="831850" y="4589463"/>
-            <a:ext cx="10515600" cy="1500187"/>
+            <a:off x="467916" y="1835785"/>
+            <a:ext cx="5915026" cy="600075"/>
           </a:xfrm>
         </p:spPr>
         <p:txBody>
@@ -876,7 +876,7 @@
           <a:lstStyle>
             <a:lvl1pPr marL="0" indent="0">
               <a:buNone/>
-              <a:defRPr sz="2400">
+              <a:defRPr sz="960">
                 <a:solidFill>
                   <a:schemeClr val="tx1">
                     <a:tint val="75000"/>
@@ -884,9 +884,9 @@
                 </a:solidFill>
               </a:defRPr>
             </a:lvl1pPr>
-            <a:lvl2pPr marL="457200" indent="0">
+            <a:lvl2pPr marL="182880" indent="0">
               <a:buNone/>
-              <a:defRPr sz="2000">
+              <a:defRPr sz="795">
                 <a:solidFill>
                   <a:schemeClr val="tx1">
                     <a:tint val="75000"/>
@@ -894,9 +894,9 @@
                 </a:solidFill>
               </a:defRPr>
             </a:lvl2pPr>
-            <a:lvl3pPr marL="914400" indent="0">
+            <a:lvl3pPr marL="365760" indent="0">
               <a:buNone/>
-              <a:defRPr sz="1800">
+              <a:defRPr sz="720">
                 <a:solidFill>
                   <a:schemeClr val="tx1">
                     <a:tint val="75000"/>
@@ -904,9 +904,9 @@
                 </a:solidFill>
               </a:defRPr>
             </a:lvl3pPr>
-            <a:lvl4pPr marL="1371600" indent="0">
+            <a:lvl4pPr marL="548640" indent="0">
               <a:buNone/>
-              <a:defRPr sz="1600">
+              <a:defRPr sz="645">
                 <a:solidFill>
                   <a:schemeClr val="tx1">
                     <a:tint val="75000"/>
@@ -914,9 +914,9 @@
                 </a:solidFill>
               </a:defRPr>
             </a:lvl4pPr>
-            <a:lvl5pPr marL="1828800" indent="0">
+            <a:lvl5pPr marL="731520" indent="0">
               <a:buNone/>
-              <a:defRPr sz="1600">
+              <a:defRPr sz="645">
                 <a:solidFill>
                   <a:schemeClr val="tx1">
                     <a:tint val="75000"/>
@@ -924,9 +924,9 @@
                 </a:solidFill>
               </a:defRPr>
             </a:lvl5pPr>
-            <a:lvl6pPr marL="2286000" indent="0">
+            <a:lvl6pPr marL="914400" indent="0">
               <a:buNone/>
-              <a:defRPr sz="1600">
+              <a:defRPr sz="645">
                 <a:solidFill>
                   <a:schemeClr val="tx1">
                     <a:tint val="75000"/>
@@ -934,9 +934,9 @@
                 </a:solidFill>
               </a:defRPr>
             </a:lvl6pPr>
-            <a:lvl7pPr marL="2743200" indent="0">
+            <a:lvl7pPr marL="1097280" indent="0">
               <a:buNone/>
-              <a:defRPr sz="1600">
+              <a:defRPr sz="645">
                 <a:solidFill>
                   <a:schemeClr val="tx1">
                     <a:tint val="75000"/>
@@ -944,9 +944,9 @@
                 </a:solidFill>
               </a:defRPr>
             </a:lvl7pPr>
-            <a:lvl8pPr marL="3200400" indent="0">
+            <a:lvl8pPr marL="1280160" indent="0">
               <a:buNone/>
-              <a:defRPr sz="1600">
+              <a:defRPr sz="645">
                 <a:solidFill>
                   <a:schemeClr val="tx1">
                     <a:tint val="75000"/>
@@ -954,9 +954,9 @@
                 </a:solidFill>
               </a:defRPr>
             </a:lvl8pPr>
-            <a:lvl9pPr marL="3657600" indent="0">
+            <a:lvl9pPr marL="1463040" indent="0">
               <a:buNone/>
-              <a:defRPr sz="1600">
+              <a:defRPr sz="645">
                 <a:solidFill>
                   <a:schemeClr val="tx1">
                     <a:tint val="75000"/>
@@ -1098,8 +1098,8 @@
         </p:nvSpPr>
         <p:spPr>
           <a:xfrm>
-            <a:off x="838200" y="1825625"/>
-            <a:ext cx="5181600" cy="4351338"/>
+            <a:off x="471488" y="730250"/>
+            <a:ext cx="2914651" cy="1740535"/>
           </a:xfrm>
         </p:spPr>
         <p:txBody>
@@ -1159,8 +1159,8 @@
         </p:nvSpPr>
         <p:spPr>
           <a:xfrm>
-            <a:off x="6172200" y="1825625"/>
-            <a:ext cx="5181600" cy="4351338"/>
+            <a:off x="3471863" y="730250"/>
+            <a:ext cx="2914651" cy="1740535"/>
           </a:xfrm>
         </p:spPr>
         <p:txBody>
@@ -1308,8 +1308,8 @@
         </p:nvSpPr>
         <p:spPr>
           <a:xfrm>
-            <a:off x="839788" y="365125"/>
-            <a:ext cx="10515600" cy="1325563"/>
+            <a:off x="472381" y="146050"/>
+            <a:ext cx="5915026" cy="530225"/>
           </a:xfrm>
         </p:spPr>
         <p:txBody>
@@ -1336,8 +1336,8 @@
         </p:nvSpPr>
         <p:spPr>
           <a:xfrm>
-            <a:off x="839788" y="1681163"/>
-            <a:ext cx="5157787" cy="823912"/>
+            <a:off x="472381" y="672465"/>
+            <a:ext cx="2901256" cy="329565"/>
           </a:xfrm>
         </p:spPr>
         <p:txBody>
@@ -1345,39 +1345,39 @@
           <a:lstStyle>
             <a:lvl1pPr marL="0" indent="0">
               <a:buNone/>
-              <a:defRPr sz="2400" b="1"/>
+              <a:defRPr sz="960" b="1"/>
             </a:lvl1pPr>
-            <a:lvl2pPr marL="457200" indent="0">
+            <a:lvl2pPr marL="182880" indent="0">
               <a:buNone/>
-              <a:defRPr sz="2000" b="1"/>
+              <a:defRPr sz="795" b="1"/>
             </a:lvl2pPr>
-            <a:lvl3pPr marL="914400" indent="0">
+            <a:lvl3pPr marL="365760" indent="0">
               <a:buNone/>
-              <a:defRPr sz="1800" b="1"/>
+              <a:defRPr sz="720" b="1"/>
             </a:lvl3pPr>
-            <a:lvl4pPr marL="1371600" indent="0">
+            <a:lvl4pPr marL="548640" indent="0">
               <a:buNone/>
-              <a:defRPr sz="1600" b="1"/>
+              <a:defRPr sz="645" b="1"/>
             </a:lvl4pPr>
-            <a:lvl5pPr marL="1828800" indent="0">
+            <a:lvl5pPr marL="731520" indent="0">
               <a:buNone/>
-              <a:defRPr sz="1600" b="1"/>
+              <a:defRPr sz="645" b="1"/>
             </a:lvl5pPr>
-            <a:lvl6pPr marL="2286000" indent="0">
+            <a:lvl6pPr marL="914400" indent="0">
               <a:buNone/>
-              <a:defRPr sz="1600" b="1"/>
+              <a:defRPr sz="645" b="1"/>
             </a:lvl6pPr>
-            <a:lvl7pPr marL="2743200" indent="0">
+            <a:lvl7pPr marL="1097280" indent="0">
               <a:buNone/>
-              <a:defRPr sz="1600" b="1"/>
+              <a:defRPr sz="645" b="1"/>
             </a:lvl7pPr>
-            <a:lvl8pPr marL="3200400" indent="0">
+            <a:lvl8pPr marL="1280160" indent="0">
               <a:buNone/>
-              <a:defRPr sz="1600" b="1"/>
+              <a:defRPr sz="645" b="1"/>
             </a:lvl8pPr>
-            <a:lvl9pPr marL="3657600" indent="0">
+            <a:lvl9pPr marL="1463040" indent="0">
               <a:buNone/>
-              <a:defRPr sz="1600" b="1"/>
+              <a:defRPr sz="645" b="1"/>
             </a:lvl9pPr>
           </a:lstStyle>
           <a:p>
@@ -1402,8 +1402,8 @@
         </p:nvSpPr>
         <p:spPr>
           <a:xfrm>
-            <a:off x="839788" y="2505075"/>
-            <a:ext cx="5157787" cy="3684588"/>
+            <a:off x="472381" y="1002030"/>
+            <a:ext cx="2901256" cy="1473835"/>
           </a:xfrm>
         </p:spPr>
         <p:txBody>
@@ -1463,8 +1463,8 @@
         </p:nvSpPr>
         <p:spPr>
           <a:xfrm>
-            <a:off x="6172200" y="1681163"/>
-            <a:ext cx="5183188" cy="823912"/>
+            <a:off x="3471863" y="672465"/>
+            <a:ext cx="2915544" cy="329565"/>
           </a:xfrm>
         </p:spPr>
         <p:txBody>
@@ -1472,39 +1472,39 @@
           <a:lstStyle>
             <a:lvl1pPr marL="0" indent="0">
               <a:buNone/>
-              <a:defRPr sz="2400" b="1"/>
+              <a:defRPr sz="960" b="1"/>
             </a:lvl1pPr>
-            <a:lvl2pPr marL="457200" indent="0">
+            <a:lvl2pPr marL="182880" indent="0">
               <a:buNone/>
-              <a:defRPr sz="2000" b="1"/>
+              <a:defRPr sz="795" b="1"/>
             </a:lvl2pPr>
-            <a:lvl3pPr marL="914400" indent="0">
+            <a:lvl3pPr marL="365760" indent="0">
               <a:buNone/>
-              <a:defRPr sz="1800" b="1"/>
+              <a:defRPr sz="720" b="1"/>
             </a:lvl3pPr>
-            <a:lvl4pPr marL="1371600" indent="0">
+            <a:lvl4pPr marL="548640" indent="0">
               <a:buNone/>
-              <a:defRPr sz="1600" b="1"/>
+              <a:defRPr sz="645" b="1"/>
             </a:lvl4pPr>
-            <a:lvl5pPr marL="1828800" indent="0">
+            <a:lvl5pPr marL="731520" indent="0">
               <a:buNone/>
-              <a:defRPr sz="1600" b="1"/>
+              <a:defRPr sz="645" b="1"/>
             </a:lvl5pPr>
-            <a:lvl6pPr marL="2286000" indent="0">
+            <a:lvl6pPr marL="914400" indent="0">
               <a:buNone/>
-              <a:defRPr sz="1600" b="1"/>
+              <a:defRPr sz="645" b="1"/>
             </a:lvl6pPr>
-            <a:lvl7pPr marL="2743200" indent="0">
+            <a:lvl7pPr marL="1097280" indent="0">
               <a:buNone/>
-              <a:defRPr sz="1600" b="1"/>
+              <a:defRPr sz="645" b="1"/>
             </a:lvl7pPr>
-            <a:lvl8pPr marL="3200400" indent="0">
+            <a:lvl8pPr marL="1280160" indent="0">
               <a:buNone/>
-              <a:defRPr sz="1600" b="1"/>
+              <a:defRPr sz="645" b="1"/>
             </a:lvl8pPr>
-            <a:lvl9pPr marL="3657600" indent="0">
+            <a:lvl9pPr marL="1463040" indent="0">
               <a:buNone/>
-              <a:defRPr sz="1600" b="1"/>
+              <a:defRPr sz="645" b="1"/>
             </a:lvl9pPr>
           </a:lstStyle>
           <a:p>
@@ -1529,8 +1529,8 @@
         </p:nvSpPr>
         <p:spPr>
           <a:xfrm>
-            <a:off x="6172200" y="2505075"/>
-            <a:ext cx="5183188" cy="3684588"/>
+            <a:off x="3471863" y="1002030"/>
+            <a:ext cx="2915544" cy="1473835"/>
           </a:xfrm>
         </p:spPr>
         <p:txBody>
@@ -1877,15 +1877,15 @@
         </p:nvSpPr>
         <p:spPr>
           <a:xfrm>
-            <a:off x="839788" y="457200"/>
-            <a:ext cx="3932237" cy="1600200"/>
+            <a:off x="472381" y="182880"/>
+            <a:ext cx="2211884" cy="640080"/>
           </a:xfrm>
         </p:spPr>
         <p:txBody>
           <a:bodyPr anchor="b"/>
           <a:lstStyle>
             <a:lvl1pPr>
-              <a:defRPr sz="3200"/>
+              <a:defRPr sz="1275"/>
             </a:lvl1pPr>
           </a:lstStyle>
           <a:p>
@@ -1909,39 +1909,39 @@
         </p:nvSpPr>
         <p:spPr>
           <a:xfrm>
-            <a:off x="5183188" y="987425"/>
-            <a:ext cx="6172200" cy="4873625"/>
+            <a:off x="2915544" y="394970"/>
+            <a:ext cx="3471863" cy="1949450"/>
           </a:xfrm>
         </p:spPr>
         <p:txBody>
           <a:bodyPr/>
           <a:lstStyle>
             <a:lvl1pPr>
-              <a:defRPr sz="3200"/>
+              <a:defRPr sz="1275"/>
             </a:lvl1pPr>
             <a:lvl2pPr>
-              <a:defRPr sz="2800"/>
+              <a:defRPr sz="1125"/>
             </a:lvl2pPr>
             <a:lvl3pPr>
-              <a:defRPr sz="2400"/>
+              <a:defRPr sz="960"/>
             </a:lvl3pPr>
             <a:lvl4pPr>
-              <a:defRPr sz="2000"/>
+              <a:defRPr sz="795"/>
             </a:lvl4pPr>
             <a:lvl5pPr>
-              <a:defRPr sz="2000"/>
+              <a:defRPr sz="795"/>
             </a:lvl5pPr>
             <a:lvl6pPr>
-              <a:defRPr sz="2000"/>
+              <a:defRPr sz="795"/>
             </a:lvl6pPr>
             <a:lvl7pPr>
-              <a:defRPr sz="2000"/>
+              <a:defRPr sz="795"/>
             </a:lvl7pPr>
             <a:lvl8pPr>
-              <a:defRPr sz="2000"/>
+              <a:defRPr sz="795"/>
             </a:lvl8pPr>
             <a:lvl9pPr>
-              <a:defRPr sz="2000"/>
+              <a:defRPr sz="795"/>
             </a:lvl9pPr>
           </a:lstStyle>
           <a:p>
@@ -1998,8 +1998,8 @@
         </p:nvSpPr>
         <p:spPr>
           <a:xfrm>
-            <a:off x="839788" y="2057400"/>
-            <a:ext cx="3932237" cy="3811588"/>
+            <a:off x="472381" y="822960"/>
+            <a:ext cx="2211884" cy="1524635"/>
           </a:xfrm>
         </p:spPr>
         <p:txBody>
@@ -2007,39 +2007,39 @@
           <a:lstStyle>
             <a:lvl1pPr marL="0" indent="0">
               <a:buNone/>
-              <a:defRPr sz="1600"/>
+              <a:defRPr sz="645"/>
             </a:lvl1pPr>
-            <a:lvl2pPr marL="457200" indent="0">
+            <a:lvl2pPr marL="182880" indent="0">
               <a:buNone/>
-              <a:defRPr sz="1400"/>
+              <a:defRPr sz="555"/>
             </a:lvl2pPr>
-            <a:lvl3pPr marL="914400" indent="0">
+            <a:lvl3pPr marL="365760" indent="0">
               <a:buNone/>
-              <a:defRPr sz="1200"/>
+              <a:defRPr sz="480"/>
             </a:lvl3pPr>
-            <a:lvl4pPr marL="1371600" indent="0">
+            <a:lvl4pPr marL="548640" indent="0">
               <a:buNone/>
-              <a:defRPr sz="1000"/>
+              <a:defRPr sz="405"/>
             </a:lvl4pPr>
-            <a:lvl5pPr marL="1828800" indent="0">
+            <a:lvl5pPr marL="731520" indent="0">
               <a:buNone/>
-              <a:defRPr sz="1000"/>
+              <a:defRPr sz="405"/>
             </a:lvl5pPr>
-            <a:lvl6pPr marL="2286000" indent="0">
+            <a:lvl6pPr marL="914400" indent="0">
               <a:buNone/>
-              <a:defRPr sz="1000"/>
+              <a:defRPr sz="405"/>
             </a:lvl6pPr>
-            <a:lvl7pPr marL="2743200" indent="0">
+            <a:lvl7pPr marL="1097280" indent="0">
               <a:buNone/>
-              <a:defRPr sz="1000"/>
+              <a:defRPr sz="405"/>
             </a:lvl7pPr>
-            <a:lvl8pPr marL="3200400" indent="0">
+            <a:lvl8pPr marL="1280160" indent="0">
               <a:buNone/>
-              <a:defRPr sz="1000"/>
+              <a:defRPr sz="405"/>
             </a:lvl8pPr>
-            <a:lvl9pPr marL="3657600" indent="0">
+            <a:lvl9pPr marL="1463040" indent="0">
               <a:buNone/>
-              <a:defRPr sz="1000"/>
+              <a:defRPr sz="405"/>
             </a:lvl9pPr>
           </a:lstStyle>
           <a:p>
@@ -2152,15 +2152,15 @@
         </p:nvSpPr>
         <p:spPr>
           <a:xfrm>
-            <a:off x="839788" y="457200"/>
-            <a:ext cx="3932237" cy="1600200"/>
+            <a:off x="472381" y="182880"/>
+            <a:ext cx="2211884" cy="640080"/>
           </a:xfrm>
         </p:spPr>
         <p:txBody>
           <a:bodyPr anchor="b"/>
           <a:lstStyle>
             <a:lvl1pPr>
-              <a:defRPr sz="3200"/>
+              <a:defRPr sz="1275"/>
             </a:lvl1pPr>
           </a:lstStyle>
           <a:p>
@@ -2184,8 +2184,8 @@
         </p:nvSpPr>
         <p:spPr>
           <a:xfrm>
-            <a:off x="5183188" y="987425"/>
-            <a:ext cx="6172200" cy="4873625"/>
+            <a:off x="2915544" y="394970"/>
+            <a:ext cx="3471863" cy="1949450"/>
           </a:xfrm>
         </p:spPr>
         <p:txBody>
@@ -2193,39 +2193,39 @@
           <a:lstStyle>
             <a:lvl1pPr marL="0" indent="0">
               <a:buNone/>
-              <a:defRPr sz="3200"/>
+              <a:defRPr sz="1275"/>
             </a:lvl1pPr>
-            <a:lvl2pPr marL="457200" indent="0">
+            <a:lvl2pPr marL="182880" indent="0">
               <a:buNone/>
-              <a:defRPr sz="2800"/>
+              <a:defRPr sz="1125"/>
             </a:lvl2pPr>
-            <a:lvl3pPr marL="914400" indent="0">
+            <a:lvl3pPr marL="365760" indent="0">
               <a:buNone/>
-              <a:defRPr sz="2400"/>
+              <a:defRPr sz="960"/>
             </a:lvl3pPr>
-            <a:lvl4pPr marL="1371600" indent="0">
+            <a:lvl4pPr marL="548640" indent="0">
               <a:buNone/>
-              <a:defRPr sz="2000"/>
+              <a:defRPr sz="795"/>
             </a:lvl4pPr>
-            <a:lvl5pPr marL="1828800" indent="0">
+            <a:lvl5pPr marL="731520" indent="0">
               <a:buNone/>
-              <a:defRPr sz="2000"/>
+              <a:defRPr sz="795"/>
             </a:lvl5pPr>
-            <a:lvl6pPr marL="2286000" indent="0">
+            <a:lvl6pPr marL="914400" indent="0">
               <a:buNone/>
-              <a:defRPr sz="2000"/>
+              <a:defRPr sz="795"/>
             </a:lvl6pPr>
-            <a:lvl7pPr marL="2743200" indent="0">
+            <a:lvl7pPr marL="1097280" indent="0">
               <a:buNone/>
-              <a:defRPr sz="2000"/>
+              <a:defRPr sz="795"/>
             </a:lvl7pPr>
-            <a:lvl8pPr marL="3200400" indent="0">
+            <a:lvl8pPr marL="1280160" indent="0">
               <a:buNone/>
-              <a:defRPr sz="2000"/>
+              <a:defRPr sz="795"/>
             </a:lvl8pPr>
-            <a:lvl9pPr marL="3657600" indent="0">
+            <a:lvl9pPr marL="1463040" indent="0">
               <a:buNone/>
-              <a:defRPr sz="2000"/>
+              <a:defRPr sz="795"/>
             </a:lvl9pPr>
           </a:lstStyle>
           <a:p>
@@ -2249,8 +2249,8 @@
         </p:nvSpPr>
         <p:spPr>
           <a:xfrm>
-            <a:off x="839788" y="2057400"/>
-            <a:ext cx="3932237" cy="3811588"/>
+            <a:off x="472381" y="822960"/>
+            <a:ext cx="2211884" cy="1524635"/>
           </a:xfrm>
         </p:spPr>
         <p:txBody>
@@ -2258,39 +2258,39 @@
           <a:lstStyle>
             <a:lvl1pPr marL="0" indent="0">
               <a:buNone/>
-              <a:defRPr sz="1600"/>
+              <a:defRPr sz="645"/>
             </a:lvl1pPr>
-            <a:lvl2pPr marL="457200" indent="0">
+            <a:lvl2pPr marL="182880" indent="0">
               <a:buNone/>
-              <a:defRPr sz="1400"/>
+              <a:defRPr sz="555"/>
             </a:lvl2pPr>
-            <a:lvl3pPr marL="914400" indent="0">
+            <a:lvl3pPr marL="365760" indent="0">
               <a:buNone/>
-              <a:defRPr sz="1200"/>
+              <a:defRPr sz="480"/>
             </a:lvl3pPr>
-            <a:lvl4pPr marL="1371600" indent="0">
+            <a:lvl4pPr marL="548640" indent="0">
               <a:buNone/>
-              <a:defRPr sz="1000"/>
+              <a:defRPr sz="405"/>
             </a:lvl4pPr>
-            <a:lvl5pPr marL="1828800" indent="0">
+            <a:lvl5pPr marL="731520" indent="0">
               <a:buNone/>
-              <a:defRPr sz="1000"/>
+              <a:defRPr sz="405"/>
             </a:lvl5pPr>
-            <a:lvl6pPr marL="2286000" indent="0">
+            <a:lvl6pPr marL="914400" indent="0">
               <a:buNone/>
-              <a:defRPr sz="1000"/>
+              <a:defRPr sz="405"/>
             </a:lvl6pPr>
-            <a:lvl7pPr marL="2743200" indent="0">
+            <a:lvl7pPr marL="1097280" indent="0">
               <a:buNone/>
-              <a:defRPr sz="1000"/>
+              <a:defRPr sz="405"/>
             </a:lvl7pPr>
-            <a:lvl8pPr marL="3200400" indent="0">
+            <a:lvl8pPr marL="1280160" indent="0">
               <a:buNone/>
-              <a:defRPr sz="1000"/>
+              <a:defRPr sz="405"/>
             </a:lvl8pPr>
-            <a:lvl9pPr marL="3657600" indent="0">
+            <a:lvl9pPr marL="1463040" indent="0">
               <a:buNone/>
-              <a:defRPr sz="1000"/>
+              <a:defRPr sz="405"/>
             </a:lvl9pPr>
           </a:lstStyle>
           <a:p>
@@ -2408,8 +2408,8 @@
         </p:nvSpPr>
         <p:spPr>
           <a:xfrm>
-            <a:off x="838200" y="365125"/>
-            <a:ext cx="10515600" cy="1325563"/>
+            <a:off x="471488" y="146050"/>
+            <a:ext cx="5915026" cy="530225"/>
           </a:xfrm>
           <a:prstGeom prst="rect">
             <a:avLst/>
@@ -2441,8 +2441,8 @@
         </p:nvSpPr>
         <p:spPr>
           <a:xfrm>
-            <a:off x="838200" y="1825625"/>
-            <a:ext cx="10515600" cy="4351338"/>
+            <a:off x="471488" y="730250"/>
+            <a:ext cx="5915026" cy="1740535"/>
           </a:xfrm>
           <a:prstGeom prst="rect">
             <a:avLst/>
@@ -2507,8 +2507,8 @@
         </p:nvSpPr>
         <p:spPr>
           <a:xfrm>
-            <a:off x="838200" y="6356350"/>
-            <a:ext cx="2743200" cy="365125"/>
+            <a:off x="471488" y="2542540"/>
+            <a:ext cx="1543050" cy="146050"/>
           </a:xfrm>
           <a:prstGeom prst="rect">
             <a:avLst/>
@@ -2518,7 +2518,7 @@
           <a:bodyPr vert="horz" lIns="91440" tIns="45720" rIns="91440" bIns="45720" rtlCol="0" anchor="ctr"/>
           <a:lstStyle>
             <a:lvl1pPr algn="l">
-              <a:defRPr sz="1200">
+              <a:defRPr sz="480">
                 <a:solidFill>
                   <a:schemeClr val="tx1">
                     <a:tint val="75000"/>
@@ -2547,8 +2547,8 @@
         </p:nvSpPr>
         <p:spPr>
           <a:xfrm>
-            <a:off x="4038600" y="6356350"/>
-            <a:ext cx="4114800" cy="365125"/>
+            <a:off x="2271713" y="2542540"/>
+            <a:ext cx="2314575" cy="146050"/>
           </a:xfrm>
           <a:prstGeom prst="rect">
             <a:avLst/>
@@ -2558,7 +2558,7 @@
           <a:bodyPr vert="horz" lIns="91440" tIns="45720" rIns="91440" bIns="45720" rtlCol="0" anchor="ctr"/>
           <a:lstStyle>
             <a:lvl1pPr algn="ctr">
-              <a:defRPr sz="1200">
+              <a:defRPr sz="480">
                 <a:solidFill>
                   <a:schemeClr val="tx1">
                     <a:tint val="75000"/>
@@ -2584,8 +2584,8 @@
         </p:nvSpPr>
         <p:spPr>
           <a:xfrm>
-            <a:off x="8610600" y="6356350"/>
-            <a:ext cx="2743200" cy="365125"/>
+            <a:off x="4843463" y="2542540"/>
+            <a:ext cx="1543050" cy="146050"/>
           </a:xfrm>
           <a:prstGeom prst="rect">
             <a:avLst/>
@@ -2595,7 +2595,7 @@
           <a:bodyPr vert="horz" lIns="91440" tIns="45720" rIns="91440" bIns="45720" rtlCol="0" anchor="ctr"/>
           <a:lstStyle>
             <a:lvl1pPr algn="r">
-              <a:defRPr sz="1200">
+              <a:defRPr sz="480">
                 <a:solidFill>
                   <a:schemeClr val="tx1">
                     <a:tint val="75000"/>
@@ -2630,7 +2630,7 @@
   </p:sldLayoutIdLst>
   <p:txStyles>
     <p:titleStyle>
-      <a:lvl1pPr algn="l" defTabSz="914400" rtl="0" eaLnBrk="1" latinLnBrk="0" hangingPunct="1">
+      <a:lvl1pPr algn="l" defTabSz="365760" rtl="0" eaLnBrk="1" latinLnBrk="0" hangingPunct="1">
         <a:lnSpc>
           <a:spcPct val="90000"/>
         </a:lnSpc>
@@ -2638,7 +2638,7 @@
           <a:spcPct val="0"/>
         </a:spcBef>
         <a:buNone/>
-        <a:defRPr sz="4400" kern="1200">
+        <a:defRPr sz="1755" kern="1200">
           <a:solidFill>
             <a:schemeClr val="tx1"/>
           </a:solidFill>
@@ -2649,16 +2649,16 @@
       </a:lvl1pPr>
     </p:titleStyle>
     <p:bodyStyle>
-      <a:lvl1pPr marL="228600" indent="-228600" algn="l" defTabSz="914400" rtl="0" eaLnBrk="1" latinLnBrk="0" hangingPunct="1">
+      <a:lvl1pPr marL="91440" indent="-91440" algn="l" defTabSz="365760" rtl="0" eaLnBrk="1" latinLnBrk="0" hangingPunct="1">
         <a:lnSpc>
           <a:spcPct val="90000"/>
         </a:lnSpc>
         <a:spcBef>
-          <a:spcPts val="1000"/>
+          <a:spcPct val="80000"/>
         </a:spcBef>
         <a:buFont typeface="Arial" panose="020B0604020202020204" pitchFamily="34" charset="0"/>
         <a:buChar char="•"/>
-        <a:defRPr sz="2800" kern="1200">
+        <a:defRPr sz="1125" kern="1200">
           <a:solidFill>
             <a:schemeClr val="tx1"/>
           </a:solidFill>
@@ -2667,16 +2667,16 @@
           <a:cs typeface="+mn-cs"/>
         </a:defRPr>
       </a:lvl1pPr>
-      <a:lvl2pPr marL="685800" indent="-228600" algn="l" defTabSz="914400" rtl="0" eaLnBrk="1" latinLnBrk="0" hangingPunct="1">
+      <a:lvl2pPr marL="274320" indent="-91440" algn="l" defTabSz="365760" rtl="0" eaLnBrk="1" latinLnBrk="0" hangingPunct="1">
         <a:lnSpc>
           <a:spcPct val="90000"/>
         </a:lnSpc>
         <a:spcBef>
-          <a:spcPts val="500"/>
+          <a:spcPct val="40000"/>
         </a:spcBef>
         <a:buFont typeface="Arial" panose="020B0604020202020204" pitchFamily="34" charset="0"/>
         <a:buChar char="•"/>
-        <a:defRPr sz="2400" kern="1200">
+        <a:defRPr sz="960" kern="1200">
           <a:solidFill>
             <a:schemeClr val="tx1"/>
           </a:solidFill>
@@ -2685,16 +2685,16 @@
           <a:cs typeface="+mn-cs"/>
         </a:defRPr>
       </a:lvl2pPr>
-      <a:lvl3pPr marL="1143000" indent="-228600" algn="l" defTabSz="914400" rtl="0" eaLnBrk="1" latinLnBrk="0" hangingPunct="1">
+      <a:lvl3pPr marL="457200" indent="-91440" algn="l" defTabSz="365760" rtl="0" eaLnBrk="1" latinLnBrk="0" hangingPunct="1">
         <a:lnSpc>
           <a:spcPct val="90000"/>
         </a:lnSpc>
         <a:spcBef>
-          <a:spcPts val="500"/>
+          <a:spcPct val="40000"/>
         </a:spcBef>
         <a:buFont typeface="Arial" panose="020B0604020202020204" pitchFamily="34" charset="0"/>
         <a:buChar char="•"/>
-        <a:defRPr sz="2000" kern="1200">
+        <a:defRPr sz="795" kern="1200">
           <a:solidFill>
             <a:schemeClr val="tx1"/>
           </a:solidFill>
@@ -2703,16 +2703,16 @@
           <a:cs typeface="+mn-cs"/>
         </a:defRPr>
       </a:lvl3pPr>
-      <a:lvl4pPr marL="1600200" indent="-228600" algn="l" defTabSz="914400" rtl="0" eaLnBrk="1" latinLnBrk="0" hangingPunct="1">
+      <a:lvl4pPr marL="640080" indent="-91440" algn="l" defTabSz="365760" rtl="0" eaLnBrk="1" latinLnBrk="0" hangingPunct="1">
         <a:lnSpc>
           <a:spcPct val="90000"/>
         </a:lnSpc>
         <a:spcBef>
-          <a:spcPts val="500"/>
+          <a:spcPct val="40000"/>
         </a:spcBef>
         <a:buFont typeface="Arial" panose="020B0604020202020204" pitchFamily="34" charset="0"/>
         <a:buChar char="•"/>
-        <a:defRPr sz="1800" kern="1200">
+        <a:defRPr sz="720" kern="1200">
           <a:solidFill>
             <a:schemeClr val="tx1"/>
           </a:solidFill>
@@ -2721,16 +2721,16 @@
           <a:cs typeface="+mn-cs"/>
         </a:defRPr>
       </a:lvl4pPr>
-      <a:lvl5pPr marL="2057400" indent="-228600" algn="l" defTabSz="914400" rtl="0" eaLnBrk="1" latinLnBrk="0" hangingPunct="1">
+      <a:lvl5pPr marL="822960" indent="-91440" algn="l" defTabSz="365760" rtl="0" eaLnBrk="1" latinLnBrk="0" hangingPunct="1">
         <a:lnSpc>
           <a:spcPct val="90000"/>
         </a:lnSpc>
         <a:spcBef>
-          <a:spcPts val="500"/>
+          <a:spcPct val="40000"/>
         </a:spcBef>
         <a:buFont typeface="Arial" panose="020B0604020202020204" pitchFamily="34" charset="0"/>
         <a:buChar char="•"/>
-        <a:defRPr sz="1800" kern="1200">
+        <a:defRPr sz="720" kern="1200">
           <a:solidFill>
             <a:schemeClr val="tx1"/>
           </a:solidFill>
@@ -2739,16 +2739,16 @@
           <a:cs typeface="+mn-cs"/>
         </a:defRPr>
       </a:lvl5pPr>
-      <a:lvl6pPr marL="2514600" indent="-228600" algn="l" defTabSz="914400" rtl="0" eaLnBrk="1" latinLnBrk="0" hangingPunct="1">
+      <a:lvl6pPr marL="1005840" indent="-91440" algn="l" defTabSz="365760" rtl="0" eaLnBrk="1" latinLnBrk="0" hangingPunct="1">
         <a:lnSpc>
           <a:spcPct val="90000"/>
         </a:lnSpc>
         <a:spcBef>
-          <a:spcPts val="500"/>
+          <a:spcPct val="40000"/>
         </a:spcBef>
         <a:buFont typeface="Arial" panose="020B0604020202020204" pitchFamily="34" charset="0"/>
         <a:buChar char="•"/>
-        <a:defRPr sz="1800" kern="1200">
+        <a:defRPr sz="720" kern="1200">
           <a:solidFill>
             <a:schemeClr val="tx1"/>
           </a:solidFill>
@@ -2757,16 +2757,16 @@
           <a:cs typeface="+mn-cs"/>
         </a:defRPr>
       </a:lvl6pPr>
-      <a:lvl7pPr marL="2971800" indent="-228600" algn="l" defTabSz="914400" rtl="0" eaLnBrk="1" latinLnBrk="0" hangingPunct="1">
+      <a:lvl7pPr marL="1188720" indent="-91440" algn="l" defTabSz="365760" rtl="0" eaLnBrk="1" latinLnBrk="0" hangingPunct="1">
         <a:lnSpc>
           <a:spcPct val="90000"/>
         </a:lnSpc>
         <a:spcBef>
-          <a:spcPts val="500"/>
+          <a:spcPct val="40000"/>
         </a:spcBef>
         <a:buFont typeface="Arial" panose="020B0604020202020204" pitchFamily="34" charset="0"/>
         <a:buChar char="•"/>
-        <a:defRPr sz="1800" kern="1200">
+        <a:defRPr sz="720" kern="1200">
           <a:solidFill>
             <a:schemeClr val="tx1"/>
           </a:solidFill>
@@ -2775,16 +2775,16 @@
           <a:cs typeface="+mn-cs"/>
         </a:defRPr>
       </a:lvl7pPr>
-      <a:lvl8pPr marL="3429000" indent="-228600" algn="l" defTabSz="914400" rtl="0" eaLnBrk="1" latinLnBrk="0" hangingPunct="1">
+      <a:lvl8pPr marL="1371600" indent="-91440" algn="l" defTabSz="365760" rtl="0" eaLnBrk="1" latinLnBrk="0" hangingPunct="1">
         <a:lnSpc>
           <a:spcPct val="90000"/>
         </a:lnSpc>
         <a:spcBef>
-          <a:spcPts val="500"/>
+          <a:spcPct val="40000"/>
         </a:spcBef>
         <a:buFont typeface="Arial" panose="020B0604020202020204" pitchFamily="34" charset="0"/>
         <a:buChar char="•"/>
-        <a:defRPr sz="1800" kern="1200">
+        <a:defRPr sz="720" kern="1200">
           <a:solidFill>
             <a:schemeClr val="tx1"/>
           </a:solidFill>
@@ -2793,16 +2793,16 @@
           <a:cs typeface="+mn-cs"/>
         </a:defRPr>
       </a:lvl8pPr>
-      <a:lvl9pPr marL="3886200" indent="-228600" algn="l" defTabSz="914400" rtl="0" eaLnBrk="1" latinLnBrk="0" hangingPunct="1">
+      <a:lvl9pPr marL="1554480" indent="-91440" algn="l" defTabSz="365760" rtl="0" eaLnBrk="1" latinLnBrk="0" hangingPunct="1">
         <a:lnSpc>
           <a:spcPct val="90000"/>
         </a:lnSpc>
         <a:spcBef>
-          <a:spcPts val="500"/>
+          <a:spcPct val="40000"/>
         </a:spcBef>
         <a:buFont typeface="Arial" panose="020B0604020202020204" pitchFamily="34" charset="0"/>
         <a:buChar char="•"/>
-        <a:defRPr sz="1800" kern="1200">
+        <a:defRPr sz="720" kern="1200">
           <a:solidFill>
             <a:schemeClr val="tx1"/>
           </a:solidFill>
@@ -2816,8 +2816,8 @@
       <a:defPPr>
         <a:defRPr lang="en-US"/>
       </a:defPPr>
-      <a:lvl1pPr marL="0" algn="l" defTabSz="914400" rtl="0" eaLnBrk="1" latinLnBrk="0" hangingPunct="1">
-        <a:defRPr sz="1800" kern="1200">
+      <a:lvl1pPr marL="0" algn="l" defTabSz="365760" rtl="0" eaLnBrk="1" latinLnBrk="0" hangingPunct="1">
+        <a:defRPr sz="720" kern="1200">
           <a:solidFill>
             <a:schemeClr val="tx1"/>
           </a:solidFill>
@@ -2826,8 +2826,8 @@
           <a:cs typeface="+mn-cs"/>
         </a:defRPr>
       </a:lvl1pPr>
-      <a:lvl2pPr marL="457200" algn="l" defTabSz="914400" rtl="0" eaLnBrk="1" latinLnBrk="0" hangingPunct="1">
-        <a:defRPr sz="1800" kern="1200">
+      <a:lvl2pPr marL="182880" algn="l" defTabSz="365760" rtl="0" eaLnBrk="1" latinLnBrk="0" hangingPunct="1">
+        <a:defRPr sz="720" kern="1200">
           <a:solidFill>
             <a:schemeClr val="tx1"/>
           </a:solidFill>
@@ -2836,8 +2836,8 @@
           <a:cs typeface="+mn-cs"/>
         </a:defRPr>
       </a:lvl2pPr>
-      <a:lvl3pPr marL="914400" algn="l" defTabSz="914400" rtl="0" eaLnBrk="1" latinLnBrk="0" hangingPunct="1">
-        <a:defRPr sz="1800" kern="1200">
+      <a:lvl3pPr marL="365760" algn="l" defTabSz="365760" rtl="0" eaLnBrk="1" latinLnBrk="0" hangingPunct="1">
+        <a:defRPr sz="720" kern="1200">
           <a:solidFill>
             <a:schemeClr val="tx1"/>
           </a:solidFill>
@@ -2846,8 +2846,8 @@
           <a:cs typeface="+mn-cs"/>
         </a:defRPr>
       </a:lvl3pPr>
-      <a:lvl4pPr marL="1371600" algn="l" defTabSz="914400" rtl="0" eaLnBrk="1" latinLnBrk="0" hangingPunct="1">
-        <a:defRPr sz="1800" kern="1200">
+      <a:lvl4pPr marL="548640" algn="l" defTabSz="365760" rtl="0" eaLnBrk="1" latinLnBrk="0" hangingPunct="1">
+        <a:defRPr sz="720" kern="1200">
           <a:solidFill>
             <a:schemeClr val="tx1"/>
           </a:solidFill>
@@ -2856,8 +2856,8 @@
           <a:cs typeface="+mn-cs"/>
         </a:defRPr>
       </a:lvl4pPr>
-      <a:lvl5pPr marL="1828800" algn="l" defTabSz="914400" rtl="0" eaLnBrk="1" latinLnBrk="0" hangingPunct="1">
-        <a:defRPr sz="1800" kern="1200">
+      <a:lvl5pPr marL="731520" algn="l" defTabSz="365760" rtl="0" eaLnBrk="1" latinLnBrk="0" hangingPunct="1">
+        <a:defRPr sz="720" kern="1200">
           <a:solidFill>
             <a:schemeClr val="tx1"/>
           </a:solidFill>
@@ -2866,8 +2866,8 @@
           <a:cs typeface="+mn-cs"/>
         </a:defRPr>
       </a:lvl5pPr>
-      <a:lvl6pPr marL="2286000" algn="l" defTabSz="914400" rtl="0" eaLnBrk="1" latinLnBrk="0" hangingPunct="1">
-        <a:defRPr sz="1800" kern="1200">
+      <a:lvl6pPr marL="914400" algn="l" defTabSz="365760" rtl="0" eaLnBrk="1" latinLnBrk="0" hangingPunct="1">
+        <a:defRPr sz="720" kern="1200">
           <a:solidFill>
             <a:schemeClr val="tx1"/>
           </a:solidFill>
@@ -2876,8 +2876,8 @@
           <a:cs typeface="+mn-cs"/>
         </a:defRPr>
       </a:lvl6pPr>
-      <a:lvl7pPr marL="2743200" algn="l" defTabSz="914400" rtl="0" eaLnBrk="1" latinLnBrk="0" hangingPunct="1">
-        <a:defRPr sz="1800" kern="1200">
+      <a:lvl7pPr marL="1097280" algn="l" defTabSz="365760" rtl="0" eaLnBrk="1" latinLnBrk="0" hangingPunct="1">
+        <a:defRPr sz="720" kern="1200">
           <a:solidFill>
             <a:schemeClr val="tx1"/>
           </a:solidFill>
@@ -2886,8 +2886,8 @@
           <a:cs typeface="+mn-cs"/>
         </a:defRPr>
       </a:lvl7pPr>
-      <a:lvl8pPr marL="3200400" algn="l" defTabSz="914400" rtl="0" eaLnBrk="1" latinLnBrk="0" hangingPunct="1">
-        <a:defRPr sz="1800" kern="1200">
+      <a:lvl8pPr marL="1280160" algn="l" defTabSz="365760" rtl="0" eaLnBrk="1" latinLnBrk="0" hangingPunct="1">
+        <a:defRPr sz="720" kern="1200">
           <a:solidFill>
             <a:schemeClr val="tx1"/>
           </a:solidFill>
@@ -2896,8 +2896,8 @@
           <a:cs typeface="+mn-cs"/>
         </a:defRPr>
       </a:lvl8pPr>
-      <a:lvl9pPr marL="3657600" algn="l" defTabSz="914400" rtl="0" eaLnBrk="1" latinLnBrk="0" hangingPunct="1">
-        <a:defRPr sz="1800" kern="1200">
+      <a:lvl9pPr marL="1463040" algn="l" defTabSz="365760" rtl="0" eaLnBrk="1" latinLnBrk="0" hangingPunct="1">
+        <a:defRPr sz="720" kern="1200">
           <a:solidFill>
             <a:schemeClr val="tx1"/>
           </a:solidFill>
@@ -2936,8 +2936,8 @@
         </p:nvGrpSpPr>
         <p:grpSpPr>
           <a:xfrm>
-            <a:off x="3154236" y="457043"/>
-            <a:ext cx="3417897" cy="3131613"/>
+            <a:off x="592300" y="-1494216"/>
+            <a:ext cx="3295829" cy="3019770"/>
             <a:chOff x="3154236" y="457043"/>
             <a:chExt cx="3417897" cy="3131613"/>
           </a:xfrm>
@@ -2978,48 +2978,48 @@
             <a:p>
               <a:pPr algn="ctr"/>
               <a:r>
-                <a:rPr lang="x-none" altLang="en-US" dirty="0">
+                <a:rPr lang="x-none" altLang="en-US" sz="1735" dirty="0">
                   <a:cs typeface="Calibri"/>
                 </a:rPr>
                 <a:t>Manual</a:t>
               </a:r>
-              <a:endParaRPr lang="en-US" dirty="0"/>
+              <a:endParaRPr lang="en-US" sz="1735" dirty="0"/>
             </a:p>
             <a:p>
               <a:pPr algn="ctr"/>
               <a:r>
-                <a:rPr lang="en-US" dirty="0">
+                <a:rPr lang="en-US" sz="1735" dirty="0">
                   <a:cs typeface="Calibri"/>
                 </a:rPr>
                 <a:t>Review</a:t>
               </a:r>
-              <a:endParaRPr lang="en-US" dirty="0">
+              <a:endParaRPr lang="en-US" sz="1735" dirty="0">
                 <a:cs typeface="Calibri"/>
               </a:endParaRPr>
             </a:p>
             <a:p>
               <a:pPr algn="ctr"/>
               <a:r>
-                <a:rPr lang="x-none" altLang="en-US" dirty="0">
+                <a:rPr lang="x-none" altLang="en-US" sz="1735" dirty="0">
                   <a:cs typeface="Calibri"/>
                 </a:rPr>
                 <a:t>&amp; </a:t>
               </a:r>
               <a:r>
-                <a:rPr lang="en-US" dirty="0">
+                <a:rPr lang="en-US" sz="1735" dirty="0">
                   <a:cs typeface="Calibri"/>
                   <a:sym typeface="+mn-ea"/>
                 </a:rPr>
                 <a:t>Edi</a:t>
               </a:r>
               <a:r>
-                <a:rPr lang="x-none" altLang="en-US" dirty="0">
+                <a:rPr lang="x-none" altLang="en-US" sz="1735" dirty="0">
                   <a:cs typeface="Calibri"/>
                   <a:sym typeface="+mn-ea"/>
                 </a:rPr>
                 <a:t>t</a:t>
               </a:r>
-              <a:endParaRPr lang="x-none" altLang="en-US" dirty="0">
+              <a:endParaRPr lang="x-none" altLang="en-US" sz="1735" dirty="0">
                 <a:cs typeface="Calibri"/>
               </a:endParaRPr>
             </a:p>
@@ -3061,34 +3061,34 @@
             <a:p>
               <a:pPr algn="ctr"/>
               <a:r>
-                <a:rPr lang="en-US" dirty="0">
+                <a:rPr lang="en-US" sz="1735" dirty="0">
                   <a:cs typeface="Calibri"/>
                 </a:rPr>
                 <a:t>AI-based </a:t>
               </a:r>
-              <a:endParaRPr lang="en-US" dirty="0"/>
+              <a:endParaRPr lang="en-US" sz="1735" dirty="0"/>
             </a:p>
             <a:p>
               <a:pPr algn="ctr"/>
               <a:r>
-                <a:rPr lang="en-US" dirty="0">
+                <a:rPr lang="en-US" sz="1735" dirty="0">
                   <a:cs typeface="Calibri"/>
                 </a:rPr>
                 <a:t>Automatic </a:t>
               </a:r>
-              <a:endParaRPr lang="en-US" dirty="0">
+              <a:endParaRPr lang="en-US" sz="1735" dirty="0">
                 <a:cs typeface="Calibri"/>
               </a:endParaRPr>
             </a:p>
             <a:p>
               <a:pPr algn="ctr"/>
               <a:r>
-                <a:rPr lang="en-US" dirty="0">
+                <a:rPr lang="en-US" sz="1735" dirty="0">
                   <a:cs typeface="Calibri"/>
                 </a:rPr>
                 <a:t>Annotation</a:t>
               </a:r>
-              <a:endParaRPr lang="en-US" dirty="0">
+              <a:endParaRPr lang="en-US" sz="1735" dirty="0">
                 <a:cs typeface="Calibri"/>
               </a:endParaRPr>
             </a:p>
@@ -3130,36 +3130,36 @@
             <a:p>
               <a:pPr algn="ctr"/>
               <a:r>
-                <a:rPr lang="en-US" dirty="0">
+                <a:rPr lang="en-US" sz="1735" dirty="0">
                   <a:cs typeface="Calibri"/>
                 </a:rPr>
                 <a:t>Finely </a:t>
               </a:r>
-              <a:endParaRPr lang="en-US" dirty="0">
+              <a:endParaRPr lang="en-US" sz="1735" dirty="0">
                 <a:cs typeface="Calibri"/>
               </a:endParaRPr>
             </a:p>
             <a:p>
               <a:pPr algn="ctr"/>
               <a:r>
-                <a:rPr lang="en-US" dirty="0">
+                <a:rPr lang="en-US" sz="1735" dirty="0">
                   <a:cs typeface="Calibri"/>
                 </a:rPr>
                 <a:t>Annotated </a:t>
               </a:r>
-              <a:endParaRPr lang="en-US" dirty="0">
+              <a:endParaRPr lang="en-US" sz="1735" dirty="0">
                 <a:cs typeface="Calibri"/>
               </a:endParaRPr>
             </a:p>
             <a:p>
               <a:pPr algn="ctr"/>
               <a:r>
-                <a:rPr lang="en-US" dirty="0">
+                <a:rPr lang="en-US" sz="1735" dirty="0">
                   <a:cs typeface="Calibri"/>
                 </a:rPr>
                 <a:t>Data</a:t>
               </a:r>
-              <a:endParaRPr lang="en-US" dirty="0">
+              <a:endParaRPr lang="en-US" sz="1735" dirty="0">
                 <a:cs typeface="Calibri"/>
               </a:endParaRPr>
             </a:p>
@@ -3200,7 +3200,7 @@
             <a:lstStyle/>
             <a:p>
               <a:pPr algn="ctr"/>
-              <a:endParaRPr lang="en-US"/>
+              <a:endParaRPr lang="en-US" sz="1735"/>
             </a:p>
           </p:txBody>
         </p:sp>
@@ -3239,7 +3239,7 @@
             <a:lstStyle/>
             <a:p>
               <a:pPr algn="ctr"/>
-              <a:endParaRPr lang="en-US"/>
+              <a:endParaRPr lang="en-US" sz="1735"/>
             </a:p>
           </p:txBody>
         </p:sp>
@@ -3279,36 +3279,36 @@
             <a:p>
               <a:pPr algn="ctr"/>
               <a:r>
-                <a:rPr lang="en-US" altLang="zh-CN" dirty="0">
+                <a:rPr lang="en-US" altLang="zh-CN" sz="1735" dirty="0">
                   <a:cs typeface="Calibri"/>
                 </a:rPr>
                 <a:t>Artificial </a:t>
               </a:r>
-              <a:endParaRPr lang="en-US" altLang="zh-CN" dirty="0">
+              <a:endParaRPr lang="en-US" altLang="zh-CN" sz="1735" dirty="0">
                 <a:cs typeface="Calibri"/>
               </a:endParaRPr>
             </a:p>
             <a:p>
               <a:pPr algn="ctr"/>
               <a:r>
-                <a:rPr lang="en-US" altLang="zh-CN" dirty="0">
+                <a:rPr lang="en-US" altLang="zh-CN" sz="1735" dirty="0">
                   <a:cs typeface="Calibri"/>
                 </a:rPr>
                 <a:t>Intelligence</a:t>
               </a:r>
-              <a:endParaRPr lang="en-US" dirty="0">
+              <a:endParaRPr lang="en-US" sz="1735" dirty="0">
                 <a:cs typeface="Calibri"/>
               </a:endParaRPr>
             </a:p>
             <a:p>
               <a:pPr algn="ctr"/>
               <a:r>
-                <a:rPr lang="en-US" dirty="0">
+                <a:rPr lang="en-US" sz="1735" dirty="0">
                   <a:cs typeface="Calibri"/>
                 </a:rPr>
                 <a:t>(AI) Model</a:t>
               </a:r>
-              <a:endParaRPr lang="en-US" dirty="0">
+              <a:endParaRPr lang="en-US" sz="1735" dirty="0">
                 <a:cs typeface="Calibri"/>
               </a:endParaRPr>
             </a:p>
@@ -3349,7 +3349,7 @@
             <a:lstStyle/>
             <a:p>
               <a:pPr algn="ctr"/>
-              <a:endParaRPr lang="en-US"/>
+              <a:endParaRPr lang="en-US" sz="1735"/>
             </a:p>
           </p:txBody>
         </p:sp>
@@ -3388,7 +3388,7 @@
             <a:lstStyle/>
             <a:p>
               <a:pPr algn="ctr"/>
-              <a:endParaRPr lang="en-US"/>
+              <a:endParaRPr lang="en-US" sz="1735"/>
             </a:p>
           </p:txBody>
         </p:sp>
@@ -3428,12 +3428,12 @@
             <a:p>
               <a:pPr algn="ctr"/>
               <a:r>
-                <a:rPr lang="en-US" dirty="0">
+                <a:rPr lang="en-US" sz="1735" dirty="0">
                   <a:cs typeface="Calibri"/>
                 </a:rPr>
                 <a:t>Raw Data</a:t>
               </a:r>
-              <a:endParaRPr lang="en-US" dirty="0"/>
+              <a:endParaRPr lang="en-US" sz="1735" dirty="0"/>
             </a:p>
           </p:txBody>
         </p:sp>
@@ -3472,7 +3472,7 @@
             <a:lstStyle/>
             <a:p>
               <a:pPr algn="ctr"/>
-              <a:endParaRPr lang="en-US"/>
+              <a:endParaRPr lang="en-US" sz="1735"/>
             </a:p>
           </p:txBody>
         </p:sp>
@@ -3511,7 +3511,7 @@
             <a:lstStyle/>
             <a:p>
               <a:pPr algn="ctr"/>
-              <a:endParaRPr lang="en-US"/>
+              <a:endParaRPr lang="en-US" sz="1735"/>
             </a:p>
           </p:txBody>
         </p:sp>
@@ -3549,8 +3549,8 @@
         </p:nvGrpSpPr>
         <p:grpSpPr>
           <a:xfrm>
-            <a:off x="5442390" y="836576"/>
-            <a:ext cx="6391072" cy="4132478"/>
+            <a:off x="2798734" y="-1128237"/>
+            <a:ext cx="6162819" cy="3984890"/>
             <a:chOff x="2626970" y="758755"/>
             <a:chExt cx="6391072" cy="4132478"/>
           </a:xfrm>
@@ -3591,66 +3591,66 @@
             <a:p>
               <a:pPr algn="ctr"/>
               <a:r>
-                <a:rPr lang="en-US" dirty="0">
+                <a:rPr lang="en-US" sz="1735" dirty="0">
                   <a:cs typeface="Calibri"/>
                 </a:rPr>
                 <a:t>Operation</a:t>
               </a:r>
-              <a:endParaRPr lang="en-US" dirty="0">
+              <a:endParaRPr lang="en-US" sz="1735" dirty="0">
                 <a:cs typeface="Calibri"/>
               </a:endParaRPr>
             </a:p>
             <a:p>
               <a:pPr algn="ctr"/>
-              <a:endParaRPr lang="en-US" dirty="0">
+              <a:endParaRPr lang="en-US" sz="1735" dirty="0">
                 <a:cs typeface="Calibri"/>
               </a:endParaRPr>
             </a:p>
             <a:p>
               <a:pPr algn="ctr"/>
-              <a:endParaRPr lang="en-US" dirty="0">
+              <a:endParaRPr lang="en-US" sz="1735" dirty="0">
                 <a:cs typeface="Calibri"/>
               </a:endParaRPr>
             </a:p>
             <a:p>
               <a:pPr algn="ctr"/>
-              <a:endParaRPr lang="en-US" dirty="0">
+              <a:endParaRPr lang="en-US" sz="1735" dirty="0">
                 <a:cs typeface="Calibri"/>
               </a:endParaRPr>
             </a:p>
             <a:p>
               <a:pPr algn="ctr"/>
-              <a:endParaRPr lang="en-US" dirty="0">
+              <a:endParaRPr lang="en-US" sz="1735" dirty="0">
                 <a:cs typeface="Calibri"/>
               </a:endParaRPr>
             </a:p>
             <a:p>
               <a:pPr algn="ctr"/>
-              <a:endParaRPr lang="en-US" dirty="0">
+              <a:endParaRPr lang="en-US" sz="1735" dirty="0">
                 <a:cs typeface="Calibri"/>
               </a:endParaRPr>
             </a:p>
             <a:p>
               <a:pPr algn="ctr"/>
-              <a:endParaRPr lang="en-US" dirty="0">
+              <a:endParaRPr lang="en-US" sz="1735" dirty="0">
                 <a:cs typeface="Calibri"/>
               </a:endParaRPr>
             </a:p>
             <a:p>
               <a:pPr algn="ctr"/>
-              <a:endParaRPr lang="en-US" dirty="0">
+              <a:endParaRPr lang="en-US" sz="1735" dirty="0">
                 <a:cs typeface="Calibri"/>
               </a:endParaRPr>
             </a:p>
             <a:p>
               <a:pPr algn="ctr"/>
-              <a:endParaRPr lang="en-US" dirty="0">
+              <a:endParaRPr lang="en-US" sz="1735" dirty="0">
                 <a:cs typeface="Calibri"/>
               </a:endParaRPr>
             </a:p>
             <a:p>
               <a:pPr algn="ctr"/>
-              <a:endParaRPr lang="en-US" dirty="0">
+              <a:endParaRPr lang="en-US" sz="1735" dirty="0">
                 <a:cs typeface="Calibri"/>
               </a:endParaRPr>
             </a:p>
@@ -3692,66 +3692,66 @@
             <a:p>
               <a:pPr algn="ctr"/>
               <a:r>
-                <a:rPr lang="en-US" dirty="0">
+                <a:rPr lang="en-US" sz="1735" dirty="0">
                   <a:cs typeface="Calibri"/>
                 </a:rPr>
                 <a:t>Visualization</a:t>
               </a:r>
-              <a:endParaRPr lang="en-US" dirty="0">
+              <a:endParaRPr lang="en-US" sz="1735" dirty="0">
                 <a:cs typeface="Calibri"/>
               </a:endParaRPr>
             </a:p>
             <a:p>
               <a:pPr algn="ctr"/>
-              <a:endParaRPr lang="en-US" dirty="0">
+              <a:endParaRPr lang="en-US" sz="1735" dirty="0">
                 <a:cs typeface="Calibri"/>
               </a:endParaRPr>
             </a:p>
             <a:p>
               <a:pPr algn="ctr"/>
-              <a:endParaRPr lang="en-US" dirty="0">
+              <a:endParaRPr lang="en-US" sz="1735" dirty="0">
                 <a:cs typeface="Calibri"/>
               </a:endParaRPr>
             </a:p>
             <a:p>
               <a:pPr algn="ctr"/>
-              <a:endParaRPr lang="en-US" dirty="0">
+              <a:endParaRPr lang="en-US" sz="1735" dirty="0">
                 <a:cs typeface="Calibri"/>
               </a:endParaRPr>
             </a:p>
             <a:p>
               <a:pPr algn="ctr"/>
-              <a:endParaRPr lang="en-US" dirty="0">
+              <a:endParaRPr lang="en-US" sz="1735" dirty="0">
                 <a:cs typeface="Calibri"/>
               </a:endParaRPr>
             </a:p>
             <a:p>
               <a:pPr algn="ctr"/>
-              <a:endParaRPr lang="en-US" dirty="0">
+              <a:endParaRPr lang="en-US" sz="1735" dirty="0">
                 <a:cs typeface="Calibri"/>
               </a:endParaRPr>
             </a:p>
             <a:p>
               <a:pPr algn="ctr"/>
-              <a:endParaRPr lang="en-US" dirty="0">
+              <a:endParaRPr lang="en-US" sz="1735" dirty="0">
                 <a:cs typeface="Calibri"/>
               </a:endParaRPr>
             </a:p>
             <a:p>
               <a:pPr algn="ctr"/>
-              <a:endParaRPr lang="en-US" dirty="0">
+              <a:endParaRPr lang="en-US" sz="1735" dirty="0">
                 <a:cs typeface="Calibri"/>
               </a:endParaRPr>
             </a:p>
             <a:p>
               <a:pPr algn="ctr"/>
-              <a:endParaRPr lang="en-US" dirty="0">
+              <a:endParaRPr lang="en-US" sz="1735" dirty="0">
                 <a:cs typeface="Calibri"/>
               </a:endParaRPr>
             </a:p>
             <a:p>
               <a:pPr algn="ctr"/>
-              <a:endParaRPr lang="en-US" dirty="0">
+              <a:endParaRPr lang="en-US" sz="1735" dirty="0">
                 <a:cs typeface="Calibri"/>
               </a:endParaRPr>
             </a:p>
@@ -3793,19 +3793,19 @@
             <a:p>
               <a:pPr algn="ctr"/>
               <a:r>
-                <a:rPr lang="en-US" dirty="0">
+                <a:rPr lang="en-US" sz="1735" dirty="0">
                   <a:ea typeface="+mn-lt"/>
                   <a:cs typeface="+mn-lt"/>
                 </a:rPr>
                 <a:t>3D-2D</a:t>
               </a:r>
               <a:r>
-                <a:rPr lang="en-US" dirty="0">
+                <a:rPr lang="en-US" sz="1735" dirty="0">
                   <a:cs typeface="Calibri"/>
                 </a:rPr>
                 <a:t> </a:t>
               </a:r>
-              <a:endParaRPr lang="en-US" dirty="0">
+              <a:endParaRPr lang="en-US" sz="1735" dirty="0">
                 <a:ea typeface="+mn-lt"/>
                 <a:cs typeface="+mn-lt"/>
               </a:endParaRPr>
@@ -3813,12 +3813,12 @@
             <a:p>
               <a:pPr algn="ctr"/>
               <a:r>
-                <a:rPr lang="en-US" dirty="0">
+                <a:rPr lang="en-US" sz="1735" dirty="0">
                   <a:cs typeface="Calibri"/>
                 </a:rPr>
                 <a:t>Fusion</a:t>
               </a:r>
-              <a:endParaRPr lang="en-US" dirty="0"/>
+              <a:endParaRPr lang="en-US" sz="1735" dirty="0"/>
             </a:p>
           </p:txBody>
         </p:sp>
@@ -3858,24 +3858,24 @@
             <a:p>
               <a:pPr algn="ctr"/>
               <a:r>
-                <a:rPr lang="en-US" dirty="0">
+                <a:rPr lang="en-US" sz="1735" dirty="0">
                   <a:cs typeface="Calibri"/>
                 </a:rPr>
                 <a:t>Space/Temporal</a:t>
               </a:r>
-              <a:endParaRPr lang="en-US" dirty="0">
+              <a:endParaRPr lang="en-US" sz="1735" dirty="0">
                 <a:cs typeface="Calibri"/>
               </a:endParaRPr>
             </a:p>
             <a:p>
               <a:pPr algn="ctr"/>
               <a:r>
-                <a:rPr lang="en-US" dirty="0">
+                <a:rPr lang="en-US" sz="1735" dirty="0">
                   <a:cs typeface="Calibri"/>
                 </a:rPr>
                 <a:t>Navigation</a:t>
               </a:r>
-              <a:endParaRPr lang="en-US" dirty="0">
+              <a:endParaRPr lang="en-US" sz="1735" dirty="0">
                 <a:cs typeface="Calibri"/>
               </a:endParaRPr>
             </a:p>
@@ -3917,12 +3917,12 @@
             <a:p>
               <a:pPr algn="ctr"/>
               <a:r>
-                <a:rPr lang="en-US" dirty="0">
+                <a:rPr lang="en-US" sz="1735" dirty="0">
                   <a:cs typeface="Calibri"/>
                 </a:rPr>
                 <a:t>Multi-View Display</a:t>
               </a:r>
-              <a:endParaRPr lang="en-US" dirty="0">
+              <a:endParaRPr lang="en-US" sz="1735" dirty="0">
                 <a:cs typeface="Calibri"/>
               </a:endParaRPr>
             </a:p>
@@ -3964,24 +3964,24 @@
             <a:p>
               <a:pPr algn="ctr"/>
               <a:r>
-                <a:rPr lang="en-US" dirty="0">
+                <a:rPr lang="en-US" sz="1735" dirty="0">
                   <a:cs typeface="Calibri"/>
                 </a:rPr>
                 <a:t>Basic</a:t>
               </a:r>
-              <a:endParaRPr lang="en-US" dirty="0">
+              <a:endParaRPr lang="en-US" sz="1735" dirty="0">
                 <a:cs typeface="Calibri"/>
               </a:endParaRPr>
             </a:p>
             <a:p>
               <a:pPr algn="ctr"/>
               <a:r>
-                <a:rPr lang="en-US" dirty="0">
+                <a:rPr lang="en-US" sz="1735" dirty="0">
                   <a:cs typeface="Calibri"/>
                 </a:rPr>
                 <a:t>3D Box Edit</a:t>
               </a:r>
-              <a:endParaRPr lang="en-US" dirty="0">
+              <a:endParaRPr lang="en-US" sz="1735" dirty="0">
                 <a:cs typeface="Calibri"/>
               </a:endParaRPr>
             </a:p>
@@ -4023,12 +4023,12 @@
             <a:p>
               <a:pPr algn="ctr"/>
               <a:r>
-                <a:rPr lang="en-US" dirty="0">
+                <a:rPr lang="en-US" sz="1735" dirty="0">
                   <a:cs typeface="Calibri"/>
                 </a:rPr>
                 <a:t>Algorithm Assisted Edit</a:t>
               </a:r>
-              <a:endParaRPr lang="en-US" dirty="0">
+              <a:endParaRPr lang="en-US" sz="1735" dirty="0">
                 <a:cs typeface="Calibri"/>
               </a:endParaRPr>
             </a:p>
@@ -4070,24 +4070,24 @@
             <a:p>
               <a:pPr algn="ctr"/>
               <a:r>
-                <a:rPr lang="en-US" altLang="zh-CN" dirty="0">
+                <a:rPr lang="en-US" altLang="zh-CN" sz="1735" dirty="0">
                   <a:cs typeface="Calibri"/>
                 </a:rPr>
                 <a:t>Error</a:t>
               </a:r>
-              <a:endParaRPr lang="en-US" altLang="zh-CN" dirty="0">
+              <a:endParaRPr lang="en-US" altLang="zh-CN" sz="1735" dirty="0">
                 <a:cs typeface="Calibri"/>
               </a:endParaRPr>
             </a:p>
             <a:p>
               <a:pPr algn="ctr"/>
               <a:r>
-                <a:rPr lang="en-US" dirty="0">
+                <a:rPr lang="en-US" sz="1735" dirty="0">
                   <a:cs typeface="Calibri"/>
                 </a:rPr>
                 <a:t>Detection</a:t>
               </a:r>
-              <a:endParaRPr lang="en-US" dirty="0"/>
+              <a:endParaRPr lang="en-US" sz="1735" dirty="0"/>
             </a:p>
           </p:txBody>
         </p:sp>
@@ -4127,66 +4127,66 @@
             <a:p>
               <a:pPr algn="ctr"/>
               <a:r>
-                <a:rPr lang="en-US" dirty="0">
+                <a:rPr lang="en-US" sz="1735" dirty="0">
                   <a:cs typeface="Calibri"/>
                 </a:rPr>
                 <a:t>Pre-Processing</a:t>
               </a:r>
-              <a:endParaRPr lang="en-US" dirty="0">
+              <a:endParaRPr lang="en-US" sz="1735" dirty="0">
                 <a:cs typeface="Calibri"/>
               </a:endParaRPr>
             </a:p>
             <a:p>
               <a:pPr algn="ctr"/>
-              <a:endParaRPr lang="en-US" dirty="0">
+              <a:endParaRPr lang="en-US" sz="1735" dirty="0">
                 <a:cs typeface="Calibri"/>
               </a:endParaRPr>
             </a:p>
             <a:p>
               <a:pPr algn="ctr"/>
-              <a:endParaRPr lang="en-US" dirty="0">
+              <a:endParaRPr lang="en-US" sz="1735" dirty="0">
                 <a:cs typeface="Calibri"/>
               </a:endParaRPr>
             </a:p>
             <a:p>
               <a:pPr algn="ctr"/>
-              <a:endParaRPr lang="en-US" dirty="0">
+              <a:endParaRPr lang="en-US" sz="1735" dirty="0">
                 <a:cs typeface="Calibri"/>
               </a:endParaRPr>
             </a:p>
             <a:p>
               <a:pPr algn="ctr"/>
-              <a:endParaRPr lang="en-US" dirty="0">
+              <a:endParaRPr lang="en-US" sz="1735" dirty="0">
                 <a:cs typeface="Calibri"/>
               </a:endParaRPr>
             </a:p>
             <a:p>
               <a:pPr algn="ctr"/>
-              <a:endParaRPr lang="en-US" dirty="0">
+              <a:endParaRPr lang="en-US" sz="1735" dirty="0">
                 <a:cs typeface="Calibri"/>
               </a:endParaRPr>
             </a:p>
             <a:p>
               <a:pPr algn="ctr"/>
-              <a:endParaRPr lang="en-US" dirty="0">
+              <a:endParaRPr lang="en-US" sz="1735" dirty="0">
                 <a:cs typeface="Calibri"/>
               </a:endParaRPr>
             </a:p>
             <a:p>
               <a:pPr algn="ctr"/>
-              <a:endParaRPr lang="en-US" dirty="0">
+              <a:endParaRPr lang="en-US" sz="1735" dirty="0">
                 <a:cs typeface="Calibri"/>
               </a:endParaRPr>
             </a:p>
             <a:p>
               <a:pPr algn="ctr"/>
-              <a:endParaRPr lang="en-US" dirty="0">
+              <a:endParaRPr lang="en-US" sz="1735" dirty="0">
                 <a:cs typeface="Calibri"/>
               </a:endParaRPr>
             </a:p>
             <a:p>
               <a:pPr algn="ctr"/>
-              <a:endParaRPr lang="en-US" dirty="0">
+              <a:endParaRPr lang="en-US" sz="1735" dirty="0">
                 <a:cs typeface="Calibri"/>
               </a:endParaRPr>
             </a:p>
@@ -4228,12 +4228,12 @@
             <a:p>
               <a:pPr algn="ctr"/>
               <a:r>
-                <a:rPr lang="en-US" dirty="0">
+                <a:rPr lang="en-US" sz="1735" dirty="0">
                   <a:cs typeface="Calibri"/>
                 </a:rPr>
                 <a:t>Data Clean</a:t>
               </a:r>
-              <a:endParaRPr lang="en-US" dirty="0"/>
+              <a:endParaRPr lang="en-US" sz="1735" dirty="0"/>
             </a:p>
           </p:txBody>
         </p:sp>
@@ -4276,7 +4276,7 @@
                   <a:spcPts val="2000"/>
                 </a:lnSpc>
               </a:pPr>
-              <a:endParaRPr lang="en-US" dirty="0">
+              <a:endParaRPr lang="en-US" sz="1735" dirty="0">
                 <a:ea typeface="+mn-lt"/>
                 <a:cs typeface="+mn-lt"/>
               </a:endParaRPr>
@@ -4288,13 +4288,13 @@
                 </a:lnSpc>
               </a:pPr>
               <a:r>
-                <a:rPr lang="en-US" dirty="0">
+                <a:rPr lang="en-US" sz="1735" dirty="0">
                   <a:ea typeface="+mn-lt"/>
                   <a:cs typeface="+mn-lt"/>
                 </a:rPr>
                 <a:t>Automatic Initial</a:t>
               </a:r>
-              <a:endParaRPr lang="en-US" dirty="0">
+              <a:endParaRPr lang="en-US" sz="1735" dirty="0">
                 <a:ea typeface="+mn-lt"/>
                 <a:cs typeface="+mn-lt"/>
               </a:endParaRPr>
@@ -4306,13 +4306,13 @@
                 </a:lnSpc>
               </a:pPr>
               <a:r>
-                <a:rPr lang="en-US" dirty="0">
+                <a:rPr lang="en-US" sz="1735" dirty="0">
                   <a:ea typeface="+mn-lt"/>
                   <a:cs typeface="+mn-lt"/>
                 </a:rPr>
                 <a:t> Annotation</a:t>
               </a:r>
-              <a:endParaRPr lang="en-US" dirty="0">
+              <a:endParaRPr lang="en-US" sz="1735" dirty="0">
                 <a:ea typeface="+mn-lt"/>
                 <a:cs typeface="+mn-lt"/>
               </a:endParaRPr>
@@ -4323,7 +4323,7 @@
                   <a:spcPts val="2000"/>
                 </a:lnSpc>
               </a:pPr>
-              <a:endParaRPr lang="en-US" dirty="0">
+              <a:endParaRPr lang="en-US" sz="1735" dirty="0">
                 <a:cs typeface="Calibri"/>
               </a:endParaRPr>
             </a:p>
@@ -4365,12 +4365,12 @@
             <a:p>
               <a:pPr algn="ctr"/>
               <a:r>
-                <a:rPr lang="en-US" dirty="0">
+                <a:rPr lang="en-US" sz="1735" dirty="0">
                   <a:cs typeface="Calibri"/>
                 </a:rPr>
                 <a:t>Calibration</a:t>
               </a:r>
-              <a:endParaRPr lang="en-US" dirty="0">
+              <a:endParaRPr lang="en-US" sz="1735" dirty="0">
                 <a:cs typeface="Calibri"/>
               </a:endParaRPr>
             </a:p>
@@ -4412,30 +4412,30 @@
             <a:p>
               <a:pPr algn="ctr"/>
               <a:r>
-                <a:rPr lang="en-US" dirty="0">
+                <a:rPr lang="en-US" sz="1735" dirty="0">
                   <a:cs typeface="Calibri"/>
                 </a:rPr>
                 <a:t>Data Management </a:t>
               </a:r>
               <a:r>
-                <a:rPr lang="en-US" altLang="zh-CN" dirty="0">
+                <a:rPr lang="en-US" altLang="zh-CN" sz="1735" dirty="0">
                   <a:cs typeface="Calibri"/>
                 </a:rPr>
                 <a:t>System </a:t>
               </a:r>
               <a:r>
-                <a:rPr lang="en-US" dirty="0">
+                <a:rPr lang="en-US" sz="1735" dirty="0">
                   <a:cs typeface="Calibri"/>
                 </a:rPr>
                 <a:t>&amp; </a:t>
               </a:r>
               <a:r>
-                <a:rPr lang="en-US" altLang="zh-CN" dirty="0">
+                <a:rPr lang="en-US" altLang="zh-CN" sz="1735" dirty="0">
                   <a:cs typeface="Calibri"/>
                 </a:rPr>
                 <a:t>User Interaction Platform</a:t>
               </a:r>
-              <a:endParaRPr lang="en-US" dirty="0">
+              <a:endParaRPr lang="en-US" sz="1735" dirty="0">
                 <a:cs typeface="Calibri"/>
               </a:endParaRPr>
             </a:p>
@@ -4476,7 +4476,7 @@
             <a:lstStyle/>
             <a:p>
               <a:pPr algn="ctr"/>
-              <a:endParaRPr lang="en-US"/>
+              <a:endParaRPr lang="en-US" sz="1735"/>
             </a:p>
           </p:txBody>
         </p:sp>
@@ -4524,7 +4524,7 @@
             <a:lstStyle/>
             <a:p>
               <a:pPr algn="ctr"/>
-              <a:endParaRPr lang="en-US"/>
+              <a:endParaRPr lang="en-US" sz="1735"/>
             </a:p>
           </p:txBody>
         </p:sp>
@@ -4572,7 +4572,7 @@
             <a:lstStyle/>
             <a:p>
               <a:pPr algn="ctr"/>
-              <a:endParaRPr lang="en-US"/>
+              <a:endParaRPr lang="en-US" sz="1735"/>
             </a:p>
           </p:txBody>
         </p:sp>
@@ -4620,7 +4620,7 @@
             <a:lstStyle/>
             <a:p>
               <a:pPr algn="ctr"/>
-              <a:endParaRPr lang="en-US"/>
+              <a:endParaRPr lang="en-US" sz="1735"/>
             </a:p>
           </p:txBody>
         </p:sp>
@@ -4668,7 +4668,7 @@
             <a:lstStyle/>
             <a:p>
               <a:pPr algn="ctr"/>
-              <a:endParaRPr lang="en-US"/>
+              <a:endParaRPr lang="en-US" sz="1735"/>
             </a:p>
           </p:txBody>
         </p:sp>
@@ -4681,8 +4681,8 @@
         </p:nvGrpSpPr>
         <p:grpSpPr>
           <a:xfrm>
-            <a:off x="709895" y="836576"/>
-            <a:ext cx="4336217" cy="4188074"/>
+            <a:off x="-1764743" y="-1128237"/>
+            <a:ext cx="4181352" cy="4038500"/>
             <a:chOff x="3154236" y="457043"/>
             <a:chExt cx="3417897" cy="3131613"/>
           </a:xfrm>
@@ -4723,22 +4723,22 @@
             <a:p>
               <a:pPr algn="ctr"/>
               <a:r>
-                <a:rPr lang="en-US" dirty="0">
+                <a:rPr lang="en-US" sz="1735" dirty="0">
                   <a:cs typeface="Calibri"/>
                 </a:rPr>
                 <a:t>Human </a:t>
               </a:r>
-              <a:endParaRPr lang="en-US" dirty="0"/>
+              <a:endParaRPr lang="en-US" sz="1735" dirty="0"/>
             </a:p>
             <a:p>
               <a:pPr algn="ctr"/>
               <a:r>
-                <a:rPr lang="en-US" dirty="0">
+                <a:rPr lang="en-US" sz="1735" dirty="0">
                   <a:cs typeface="Calibri"/>
                 </a:rPr>
                 <a:t>Edit &amp; Review &amp; Adjustment</a:t>
               </a:r>
-              <a:endParaRPr lang="en-US" dirty="0">
+              <a:endParaRPr lang="en-US" sz="1735" dirty="0">
                 <a:cs typeface="Calibri"/>
               </a:endParaRPr>
             </a:p>
@@ -4780,34 +4780,34 @@
             <a:p>
               <a:pPr algn="ctr"/>
               <a:r>
-                <a:rPr lang="en-US" dirty="0">
+                <a:rPr lang="en-US" sz="1735" dirty="0">
                   <a:cs typeface="Calibri"/>
                 </a:rPr>
                 <a:t>AI-based </a:t>
               </a:r>
-              <a:endParaRPr lang="en-US" dirty="0"/>
+              <a:endParaRPr lang="en-US" sz="1735" dirty="0"/>
             </a:p>
             <a:p>
               <a:pPr algn="ctr"/>
               <a:r>
-                <a:rPr lang="en-US" dirty="0">
+                <a:rPr lang="en-US" sz="1735" dirty="0">
                   <a:cs typeface="Calibri"/>
                 </a:rPr>
                 <a:t>Automatic </a:t>
               </a:r>
-              <a:endParaRPr lang="en-US" dirty="0">
+              <a:endParaRPr lang="en-US" sz="1735" dirty="0">
                 <a:cs typeface="Calibri"/>
               </a:endParaRPr>
             </a:p>
             <a:p>
               <a:pPr algn="ctr"/>
               <a:r>
-                <a:rPr lang="en-US" dirty="0">
+                <a:rPr lang="en-US" sz="1735" dirty="0">
                   <a:cs typeface="Calibri"/>
                 </a:rPr>
                 <a:t>Annotation</a:t>
               </a:r>
-              <a:endParaRPr lang="en-US" dirty="0">
+              <a:endParaRPr lang="en-US" sz="1735" dirty="0">
                 <a:cs typeface="Calibri"/>
               </a:endParaRPr>
             </a:p>
@@ -4849,36 +4849,36 @@
             <a:p>
               <a:pPr algn="ctr"/>
               <a:r>
-                <a:rPr lang="en-US" dirty="0">
+                <a:rPr lang="en-US" sz="1735" dirty="0">
                   <a:cs typeface="Calibri"/>
                 </a:rPr>
                 <a:t>Finely </a:t>
               </a:r>
-              <a:endParaRPr lang="en-US" dirty="0">
+              <a:endParaRPr lang="en-US" sz="1735" dirty="0">
                 <a:cs typeface="Calibri"/>
               </a:endParaRPr>
             </a:p>
             <a:p>
               <a:pPr algn="ctr"/>
               <a:r>
-                <a:rPr lang="en-US" dirty="0">
+                <a:rPr lang="en-US" sz="1735" dirty="0">
                   <a:cs typeface="Calibri"/>
                 </a:rPr>
                 <a:t>Annotated </a:t>
               </a:r>
-              <a:endParaRPr lang="en-US" dirty="0">
+              <a:endParaRPr lang="en-US" sz="1735" dirty="0">
                 <a:cs typeface="Calibri"/>
               </a:endParaRPr>
             </a:p>
             <a:p>
               <a:pPr algn="ctr"/>
               <a:r>
-                <a:rPr lang="en-US" dirty="0">
+                <a:rPr lang="en-US" sz="1735" dirty="0">
                   <a:cs typeface="Calibri"/>
                 </a:rPr>
                 <a:t>Data</a:t>
               </a:r>
-              <a:endParaRPr lang="en-US" dirty="0">
+              <a:endParaRPr lang="en-US" sz="1735" dirty="0">
                 <a:cs typeface="Calibri"/>
               </a:endParaRPr>
             </a:p>
@@ -4919,7 +4919,7 @@
             <a:lstStyle/>
             <a:p>
               <a:pPr algn="ctr"/>
-              <a:endParaRPr lang="en-US"/>
+              <a:endParaRPr lang="en-US" sz="1735"/>
             </a:p>
           </p:txBody>
         </p:sp>
@@ -4958,7 +4958,7 @@
             <a:lstStyle/>
             <a:p>
               <a:pPr algn="ctr"/>
-              <a:endParaRPr lang="en-US"/>
+              <a:endParaRPr lang="en-US" sz="1735"/>
             </a:p>
           </p:txBody>
         </p:sp>
@@ -4998,36 +4998,36 @@
             <a:p>
               <a:pPr algn="ctr"/>
               <a:r>
-                <a:rPr lang="en-US" altLang="zh-CN" dirty="0">
+                <a:rPr lang="en-US" altLang="zh-CN" sz="1735" dirty="0">
                   <a:cs typeface="Calibri"/>
                 </a:rPr>
                 <a:t>Artificial </a:t>
               </a:r>
-              <a:endParaRPr lang="en-US" altLang="zh-CN" dirty="0">
+              <a:endParaRPr lang="en-US" altLang="zh-CN" sz="1735" dirty="0">
                 <a:cs typeface="Calibri"/>
               </a:endParaRPr>
             </a:p>
             <a:p>
               <a:pPr algn="ctr"/>
               <a:r>
-                <a:rPr lang="en-US" altLang="zh-CN" dirty="0">
+                <a:rPr lang="en-US" altLang="zh-CN" sz="1735" dirty="0">
                   <a:cs typeface="Calibri"/>
                 </a:rPr>
                 <a:t>Intelligence</a:t>
               </a:r>
-              <a:endParaRPr lang="en-US" dirty="0">
+              <a:endParaRPr lang="en-US" sz="1735" dirty="0">
                 <a:cs typeface="Calibri"/>
               </a:endParaRPr>
             </a:p>
             <a:p>
               <a:pPr algn="ctr"/>
               <a:r>
-                <a:rPr lang="en-US" dirty="0">
+                <a:rPr lang="en-US" sz="1735" dirty="0">
                   <a:cs typeface="Calibri"/>
                 </a:rPr>
                 <a:t>(AI) Model</a:t>
               </a:r>
-              <a:endParaRPr lang="en-US" dirty="0">
+              <a:endParaRPr lang="en-US" sz="1735" dirty="0">
                 <a:cs typeface="Calibri"/>
               </a:endParaRPr>
             </a:p>
@@ -5068,7 +5068,7 @@
             <a:lstStyle/>
             <a:p>
               <a:pPr algn="ctr"/>
-              <a:endParaRPr lang="en-US"/>
+              <a:endParaRPr lang="en-US" sz="1735"/>
             </a:p>
           </p:txBody>
         </p:sp>
@@ -5107,7 +5107,7 @@
             <a:lstStyle/>
             <a:p>
               <a:pPr algn="ctr"/>
-              <a:endParaRPr lang="en-US"/>
+              <a:endParaRPr lang="en-US" sz="1735"/>
             </a:p>
           </p:txBody>
         </p:sp>
@@ -5147,12 +5147,12 @@
             <a:p>
               <a:pPr algn="ctr"/>
               <a:r>
-                <a:rPr lang="en-US" dirty="0">
+                <a:rPr lang="en-US" sz="1735" dirty="0">
                   <a:cs typeface="Calibri"/>
                 </a:rPr>
                 <a:t>Raw Data</a:t>
               </a:r>
-              <a:endParaRPr lang="en-US" dirty="0"/>
+              <a:endParaRPr lang="en-US" sz="1735" dirty="0"/>
             </a:p>
           </p:txBody>
         </p:sp>
@@ -5191,7 +5191,7 @@
             <a:lstStyle/>
             <a:p>
               <a:pPr algn="ctr"/>
-              <a:endParaRPr lang="en-US"/>
+              <a:endParaRPr lang="en-US" sz="1735"/>
             </a:p>
           </p:txBody>
         </p:sp>
@@ -5230,7 +5230,7 @@
             <a:lstStyle/>
             <a:p>
               <a:pPr algn="ctr"/>
-              <a:endParaRPr lang="en-US"/>
+              <a:endParaRPr lang="en-US" sz="1735"/>
             </a:p>
           </p:txBody>
         </p:sp>
@@ -5268,8 +5268,8 @@
         </p:nvSpPr>
         <p:spPr>
           <a:xfrm>
-            <a:off x="2707302" y="3914413"/>
-            <a:ext cx="2217608" cy="496686"/>
+            <a:off x="1470932" y="2058761"/>
+            <a:ext cx="1675039" cy="478971"/>
           </a:xfrm>
           <a:prstGeom prst="rect">
             <a:avLst/>
@@ -5296,12 +5296,20 @@
           <a:p>
             <a:pPr algn="ctr"/>
             <a:r>
-              <a:rPr lang="en-US" dirty="0">
+              <a:rPr lang="en-US" sz="1545" dirty="0">
                 <a:cs typeface="Calibri"/>
               </a:rPr>
-              <a:t>Data Retrieval &amp; store</a:t>
+              <a:t>Data </a:t>
             </a:r>
-            <a:endParaRPr lang="en-US" dirty="0"/>
+            <a:r>
+              <a:rPr lang="x-none" altLang="en-US" sz="1545" dirty="0">
+                <a:cs typeface="Calibri"/>
+              </a:rPr>
+              <a:t>Management</a:t>
+            </a:r>
+            <a:endParaRPr lang="x-none" altLang="en-US" sz="1545" dirty="0">
+              <a:cs typeface="Calibri"/>
+            </a:endParaRPr>
           </a:p>
         </p:txBody>
       </p:sp>
@@ -5313,8 +5321,8 @@
         </p:nvSpPr>
         <p:spPr>
           <a:xfrm>
-            <a:off x="5104605" y="3914413"/>
-            <a:ext cx="2174799" cy="496686"/>
+            <a:off x="3255509" y="2058761"/>
+            <a:ext cx="1675039" cy="478971"/>
           </a:xfrm>
           <a:prstGeom prst="rect">
             <a:avLst/>
@@ -5341,12 +5349,14 @@
           <a:p>
             <a:pPr algn="ctr"/>
             <a:r>
-              <a:rPr lang="en-US" dirty="0">
+              <a:rPr lang="en-US" sz="1545" dirty="0">
                 <a:cs typeface="Calibri"/>
               </a:rPr>
               <a:t>Web Framework</a:t>
             </a:r>
-            <a:endParaRPr lang="en-US" dirty="0"/>
+            <a:endParaRPr lang="en-US" sz="1545" dirty="0">
+              <a:cs typeface="Calibri"/>
+            </a:endParaRPr>
           </a:p>
         </p:txBody>
       </p:sp>
@@ -5358,8 +5368,8 @@
         </p:nvSpPr>
         <p:spPr>
           <a:xfrm>
-            <a:off x="7441975" y="3914411"/>
-            <a:ext cx="2089181" cy="496686"/>
+            <a:off x="5038725" y="2058761"/>
+            <a:ext cx="1675039" cy="478971"/>
           </a:xfrm>
           <a:prstGeom prst="rect">
             <a:avLst/>
@@ -5386,12 +5396,14 @@
           <a:p>
             <a:pPr algn="ctr"/>
             <a:r>
-              <a:rPr lang="en-US" dirty="0">
+              <a:rPr lang="en-US" sz="1545" dirty="0">
                 <a:cs typeface="Calibri"/>
               </a:rPr>
               <a:t>WebGL Library</a:t>
             </a:r>
-            <a:endParaRPr lang="en-US" dirty="0"/>
+            <a:endParaRPr lang="en-US" sz="1545" dirty="0">
+              <a:cs typeface="Calibri"/>
+            </a:endParaRPr>
           </a:p>
         </p:txBody>
       </p:sp>
@@ -5403,8 +5415,8 @@
         </p:nvSpPr>
         <p:spPr>
           <a:xfrm>
-            <a:off x="986380" y="3914412"/>
-            <a:ext cx="1481294" cy="496686"/>
+            <a:off x="-34698" y="2058761"/>
+            <a:ext cx="1488621" cy="478971"/>
           </a:xfrm>
           <a:prstGeom prst="rect">
             <a:avLst/>
@@ -5432,61 +5444,16 @@
           <a:bodyPr rtlCol="0" anchor="ctr"/>
           <a:lstStyle/>
           <a:p>
-            <a:pPr algn="ctr"/>
+            <a:pPr algn="r"/>
             <a:r>
-              <a:rPr lang="en-US" dirty="0">
+              <a:rPr lang="en-US" sz="1545" dirty="0">
                 <a:cs typeface="Calibri"/>
               </a:rPr>
               <a:t>Infrastructure</a:t>
             </a:r>
-            <a:endParaRPr lang="en-US" dirty="0">
+            <a:endParaRPr lang="en-US" sz="1545" dirty="0">
               <a:cs typeface="Calibri"/>
             </a:endParaRPr>
-          </a:p>
-        </p:txBody>
-      </p:sp>
-      <p:sp>
-        <p:nvSpPr>
-          <p:cNvPr id="9" name="Rectangle 8"/>
-          <p:cNvSpPr/>
-          <p:nvPr/>
-        </p:nvSpPr>
-        <p:spPr>
-          <a:xfrm>
-            <a:off x="4085750" y="3203782"/>
-            <a:ext cx="1301496" cy="496686"/>
-          </a:xfrm>
-          <a:prstGeom prst="rect">
-            <a:avLst/>
-          </a:prstGeom>
-          <a:ln w="28575"/>
-        </p:spPr>
-        <p:style>
-          <a:lnRef idx="2">
-            <a:schemeClr val="dk1"/>
-          </a:lnRef>
-          <a:fillRef idx="1">
-            <a:schemeClr val="lt1"/>
-          </a:fillRef>
-          <a:effectRef idx="0">
-            <a:schemeClr val="dk1"/>
-          </a:effectRef>
-          <a:fontRef idx="minor">
-            <a:schemeClr val="dk1"/>
-          </a:fontRef>
-        </p:style>
-        <p:txBody>
-          <a:bodyPr rtlCol="0" anchor="ctr"/>
-          <a:lstStyle/>
-          <a:p>
-            <a:pPr algn="ctr"/>
-            <a:r>
-              <a:rPr lang="en-US" dirty="0">
-                <a:cs typeface="Calibri"/>
-              </a:rPr>
-              <a:t>Ground Removal</a:t>
-            </a:r>
-            <a:endParaRPr lang="en-US" dirty="0"/>
           </a:p>
         </p:txBody>
       </p:sp>
@@ -5498,8 +5465,8 @@
         </p:nvSpPr>
         <p:spPr>
           <a:xfrm>
-            <a:off x="8229660" y="3203783"/>
-            <a:ext cx="1301497" cy="496686"/>
+            <a:off x="5458505" y="1373641"/>
+            <a:ext cx="1255259" cy="478971"/>
           </a:xfrm>
           <a:prstGeom prst="rect">
             <a:avLst/>
@@ -5620,12 +5587,12 @@
           <a:p>
             <a:pPr algn="ctr"/>
             <a:r>
-              <a:rPr lang="en-US" dirty="0">
+              <a:rPr lang="en-US" sz="1545" dirty="0">
                 <a:cs typeface="Calibri"/>
               </a:rPr>
               <a:t>Registration</a:t>
             </a:r>
-            <a:endParaRPr lang="en-US" dirty="0">
+            <a:endParaRPr lang="en-US" sz="1545" dirty="0">
               <a:cs typeface="Calibri"/>
             </a:endParaRPr>
           </a:p>
@@ -5633,14 +5600,64 @@
       </p:sp>
       <p:sp>
         <p:nvSpPr>
-          <p:cNvPr id="11" name="Rectangle 10"/>
+          <p:cNvPr id="7" name="Rectangle 6"/>
           <p:cNvSpPr/>
           <p:nvPr/>
         </p:nvSpPr>
         <p:spPr>
           <a:xfrm>
-            <a:off x="5472761" y="3203782"/>
-            <a:ext cx="1301497" cy="496686"/>
+            <a:off x="58511" y="1373641"/>
+            <a:ext cx="1395413" cy="478971"/>
+          </a:xfrm>
+          <a:prstGeom prst="rect">
+            <a:avLst/>
+          </a:prstGeom>
+          <a:noFill/>
+          <a:ln w="28575">
+            <a:noFill/>
+          </a:ln>
+        </p:spPr>
+        <p:style>
+          <a:lnRef idx="2">
+            <a:schemeClr val="dk1"/>
+          </a:lnRef>
+          <a:fillRef idx="1">
+            <a:schemeClr val="lt1"/>
+          </a:fillRef>
+          <a:effectRef idx="0">
+            <a:schemeClr val="dk1"/>
+          </a:effectRef>
+          <a:fontRef idx="minor">
+            <a:schemeClr val="dk1"/>
+          </a:fontRef>
+        </p:style>
+        <p:txBody>
+          <a:bodyPr rtlCol="0" anchor="ctr"/>
+          <a:lstStyle/>
+          <a:p>
+            <a:pPr algn="r"/>
+            <a:r>
+              <a:rPr lang="en-US" sz="1545" dirty="0">
+                <a:cs typeface="Calibri"/>
+              </a:rPr>
+              <a:t>Tool Sets</a:t>
+            </a:r>
+            <a:endParaRPr lang="en-US" sz="1545" dirty="0">
+              <a:cs typeface="Calibri"/>
+            </a:endParaRPr>
+          </a:p>
+        </p:txBody>
+      </p:sp>
+      <p:sp>
+        <p:nvSpPr>
+          <p:cNvPr id="15" name="Rectangle 14"/>
+          <p:cNvSpPr/>
+          <p:nvPr/>
+        </p:nvSpPr>
+        <p:spPr>
+          <a:xfrm>
+            <a:off x="4137932" y="1373641"/>
+            <a:ext cx="1255259" cy="478971"/>
           </a:xfrm>
           <a:prstGeom prst="rect">
             <a:avLst/>
@@ -5761,24 +5778,12 @@
           <a:p>
             <a:pPr algn="ctr"/>
             <a:r>
-              <a:rPr lang="en-US" dirty="0">
+              <a:rPr lang="en-US" sz="1545" dirty="0">
                 <a:cs typeface="Calibri"/>
               </a:rPr>
-              <a:t>Multi-Obj</a:t>
+              <a:t>Geometry Projection</a:t>
             </a:r>
-            <a:endParaRPr lang="en-US">
-              <a:cs typeface="Calibri"/>
-            </a:endParaRPr>
-          </a:p>
-          <a:p>
-            <a:pPr algn="ctr"/>
-            <a:r>
-              <a:rPr lang="en-US" dirty="0">
-                <a:cs typeface="Calibri"/>
-              </a:rPr>
-              <a:t>Tracking</a:t>
-            </a:r>
-            <a:endParaRPr lang="en-US" dirty="0">
+            <a:endParaRPr lang="en-US" sz="1545" dirty="0">
               <a:cs typeface="Calibri"/>
             </a:endParaRPr>
           </a:p>
@@ -5786,14 +5791,14 @@
       </p:sp>
       <p:sp>
         <p:nvSpPr>
-          <p:cNvPr id="7" name="Rectangle 6"/>
+          <p:cNvPr id="13" name="Rectangle 12"/>
           <p:cNvSpPr/>
           <p:nvPr/>
         </p:nvSpPr>
         <p:spPr>
           <a:xfrm>
-            <a:off x="1020626" y="3203782"/>
-            <a:ext cx="1447047" cy="496686"/>
+            <a:off x="-31296" y="754516"/>
+            <a:ext cx="1485220" cy="478971"/>
           </a:xfrm>
           <a:prstGeom prst="rect">
             <a:avLst/>
@@ -5821,14 +5826,14 @@
           <a:bodyPr rtlCol="0" anchor="ctr"/>
           <a:lstStyle/>
           <a:p>
-            <a:pPr algn="ctr"/>
+            <a:pPr algn="r"/>
             <a:r>
-              <a:rPr lang="en-US" dirty="0">
+              <a:rPr lang="en-US" sz="1545" dirty="0">
                 <a:cs typeface="Calibri"/>
               </a:rPr>
-              <a:t>Tool Sets</a:t>
+              <a:t>Visualization</a:t>
             </a:r>
-            <a:endParaRPr lang="en-US" dirty="0">
+            <a:endParaRPr lang="en-US" sz="1545" dirty="0">
               <a:cs typeface="Calibri"/>
             </a:endParaRPr>
           </a:p>
@@ -5836,14 +5841,14 @@
       </p:sp>
       <p:sp>
         <p:nvSpPr>
-          <p:cNvPr id="15" name="Rectangle 14"/>
+          <p:cNvPr id="19" name="Rectangle 18"/>
           <p:cNvSpPr/>
           <p:nvPr/>
         </p:nvSpPr>
         <p:spPr>
           <a:xfrm>
-            <a:off x="6842648" y="3203781"/>
-            <a:ext cx="1301497" cy="496686"/>
+            <a:off x="1470932" y="713014"/>
+            <a:ext cx="1255259" cy="478971"/>
           </a:xfrm>
           <a:prstGeom prst="rect">
             <a:avLst/>
@@ -5964,75 +5969,27 @@
           <a:p>
             <a:pPr algn="ctr"/>
             <a:r>
-              <a:rPr lang="en-US" sz="1600" dirty="0">
+              <a:rPr lang="en-US" sz="1545" dirty="0">
                 <a:cs typeface="Calibri"/>
               </a:rPr>
-              <a:t>Geometry Projection</a:t>
+              <a:t>Multi-View</a:t>
             </a:r>
-            <a:endParaRPr lang="en-US" dirty="0"/>
+            <a:endParaRPr lang="en-US" sz="1545" dirty="0">
+              <a:cs typeface="Calibri"/>
+            </a:endParaRPr>
           </a:p>
         </p:txBody>
       </p:sp>
       <p:sp>
         <p:nvSpPr>
-          <p:cNvPr id="13" name="Rectangle 12"/>
+          <p:cNvPr id="20" name="Rectangle 19"/>
           <p:cNvSpPr/>
           <p:nvPr/>
         </p:nvSpPr>
         <p:spPr>
           <a:xfrm>
-            <a:off x="1020627" y="2561647"/>
-            <a:ext cx="1447047" cy="496686"/>
-          </a:xfrm>
-          <a:prstGeom prst="rect">
-            <a:avLst/>
-          </a:prstGeom>
-          <a:noFill/>
-          <a:ln w="28575">
-            <a:noFill/>
-          </a:ln>
-        </p:spPr>
-        <p:style>
-          <a:lnRef idx="2">
-            <a:schemeClr val="dk1"/>
-          </a:lnRef>
-          <a:fillRef idx="1">
-            <a:schemeClr val="lt1"/>
-          </a:fillRef>
-          <a:effectRef idx="0">
-            <a:schemeClr val="dk1"/>
-          </a:effectRef>
-          <a:fontRef idx="minor">
-            <a:schemeClr val="dk1"/>
-          </a:fontRef>
-        </p:style>
-        <p:txBody>
-          <a:bodyPr rtlCol="0" anchor="ctr"/>
-          <a:lstStyle/>
-          <a:p>
-            <a:pPr algn="ctr"/>
-            <a:r>
-              <a:rPr lang="en-US" dirty="0">
-                <a:cs typeface="Calibri"/>
-              </a:rPr>
-              <a:t>Visualization</a:t>
-            </a:r>
-            <a:endParaRPr lang="en-US" dirty="0">
-              <a:cs typeface="Calibri"/>
-            </a:endParaRPr>
-          </a:p>
-        </p:txBody>
-      </p:sp>
-      <p:sp>
-        <p:nvSpPr>
-          <p:cNvPr id="19" name="Rectangle 18"/>
-          <p:cNvSpPr/>
-          <p:nvPr/>
-        </p:nvSpPr>
-        <p:spPr>
-          <a:xfrm>
-            <a:off x="2707299" y="2518839"/>
-            <a:ext cx="1301497" cy="496686"/>
+            <a:off x="2809875" y="1372961"/>
+            <a:ext cx="1255259" cy="478971"/>
           </a:xfrm>
           <a:prstGeom prst="rect">
             <a:avLst/>
@@ -6153,12 +6110,12 @@
           <a:p>
             <a:pPr algn="ctr"/>
             <a:r>
-              <a:rPr lang="en-US" dirty="0">
+              <a:rPr lang="x-none" altLang="en-US" sz="1545" dirty="0">
                 <a:cs typeface="Calibri"/>
               </a:rPr>
-              <a:t>Multi-View</a:t>
+              <a:t>Clustering</a:t>
             </a:r>
-            <a:endParaRPr lang="en-US" dirty="0">
+            <a:endParaRPr lang="x-none" altLang="en-US" sz="1545" dirty="0">
               <a:cs typeface="Calibri"/>
             </a:endParaRPr>
           </a:p>
@@ -6166,14 +6123,14 @@
       </p:sp>
       <p:sp>
         <p:nvSpPr>
-          <p:cNvPr id="20" name="Rectangle 19"/>
+          <p:cNvPr id="21" name="Rectangle 20"/>
           <p:cNvSpPr/>
           <p:nvPr/>
         </p:nvSpPr>
         <p:spPr>
           <a:xfrm>
-            <a:off x="4085748" y="2518838"/>
-            <a:ext cx="1301497" cy="496686"/>
+            <a:off x="4137932" y="713014"/>
+            <a:ext cx="1255259" cy="478971"/>
           </a:xfrm>
           <a:prstGeom prst="rect">
             <a:avLst/>
@@ -6294,25 +6251,43 @@
           <a:p>
             <a:pPr algn="ctr"/>
             <a:r>
-              <a:rPr lang="en-US" dirty="0">
-                <a:cs typeface="Calibri"/>
+              <a:rPr lang="en-US" sz="1545" dirty="0">
+                <a:ea typeface="+mn-lt"/>
+                <a:cs typeface="+mn-lt"/>
               </a:rPr>
-              <a:t>3D-2D Fusion</a:t>
+              <a:t>Focus </a:t>
             </a:r>
-            <a:endParaRPr lang="en-US" dirty="0"/>
+            <a:endParaRPr lang="en-US" sz="1545" dirty="0">
+              <a:ea typeface="+mn-lt"/>
+              <a:cs typeface="+mn-lt"/>
+            </a:endParaRPr>
+          </a:p>
+          <a:p>
+            <a:pPr algn="ctr"/>
+            <a:r>
+              <a:rPr lang="en-US" sz="1545" dirty="0">
+                <a:ea typeface="+mn-lt"/>
+                <a:cs typeface="+mn-lt"/>
+              </a:rPr>
+              <a:t>Mode</a:t>
+            </a:r>
+            <a:endParaRPr lang="en-US" sz="1545" dirty="0">
+              <a:ea typeface="+mn-lt"/>
+              <a:cs typeface="+mn-lt"/>
+            </a:endParaRPr>
           </a:p>
         </p:txBody>
       </p:sp>
       <p:sp>
         <p:nvSpPr>
-          <p:cNvPr id="21" name="Rectangle 20"/>
+          <p:cNvPr id="22" name="Rectangle 21"/>
           <p:cNvSpPr/>
           <p:nvPr/>
         </p:nvSpPr>
         <p:spPr>
           <a:xfrm>
-            <a:off x="5472759" y="2518837"/>
-            <a:ext cx="1301497" cy="496686"/>
+            <a:off x="5458505" y="713014"/>
+            <a:ext cx="1255259" cy="478971"/>
           </a:xfrm>
           <a:prstGeom prst="rect">
             <a:avLst/>
@@ -6433,13 +6408,20 @@
           <a:p>
             <a:pPr algn="ctr"/>
             <a:r>
-              <a:rPr lang="en-US" sz="1600" dirty="0">
+              <a:rPr lang="en-US" sz="1545" dirty="0">
                 <a:ea typeface="+mn-lt"/>
                 <a:cs typeface="+mn-lt"/>
               </a:rPr>
-              <a:t>Focus Mode</a:t>
+              <a:t>Camera Switch</a:t>
             </a:r>
-            <a:endParaRPr lang="en-US" sz="1600" dirty="0">
+            <a:r>
+              <a:rPr lang="x-none" altLang="en-US" sz="1545" dirty="0">
+                <a:ea typeface="+mn-lt"/>
+                <a:cs typeface="+mn-lt"/>
+              </a:rPr>
+              <a:t>ing</a:t>
+            </a:r>
+            <a:endParaRPr lang="x-none" altLang="en-US" sz="1545" dirty="0">
               <a:ea typeface="+mn-lt"/>
               <a:cs typeface="+mn-lt"/>
             </a:endParaRPr>
@@ -6448,14 +6430,14 @@
       </p:sp>
       <p:sp>
         <p:nvSpPr>
-          <p:cNvPr id="22" name="Rectangle 21"/>
+          <p:cNvPr id="23" name="Rectangle 22"/>
           <p:cNvSpPr/>
           <p:nvPr/>
         </p:nvSpPr>
         <p:spPr>
           <a:xfrm>
-            <a:off x="6842646" y="2518836"/>
-            <a:ext cx="1301497" cy="496686"/>
+            <a:off x="2809875" y="713014"/>
+            <a:ext cx="1255259" cy="478971"/>
           </a:xfrm>
           <a:prstGeom prst="rect">
             <a:avLst/>
@@ -6576,43 +6558,27 @@
           <a:p>
             <a:pPr algn="ctr"/>
             <a:r>
-              <a:rPr lang="en-US" sz="1400" dirty="0">
-                <a:ea typeface="+mn-lt"/>
-                <a:cs typeface="+mn-lt"/>
+              <a:rPr lang="x-none" altLang="en-US" sz="1545">
+                <a:cs typeface="Calibri"/>
               </a:rPr>
-              <a:t>Auto </a:t>
+              <a:t>Stream Playing</a:t>
             </a:r>
-            <a:endParaRPr lang="en-US" sz="1400" dirty="0">
-              <a:ea typeface="+mn-lt"/>
-              <a:cs typeface="+mn-lt"/>
-            </a:endParaRPr>
-          </a:p>
-          <a:p>
-            <a:pPr algn="ctr"/>
-            <a:r>
-              <a:rPr lang="en-US" sz="1400" dirty="0">
-                <a:ea typeface="+mn-lt"/>
-                <a:cs typeface="+mn-lt"/>
-              </a:rPr>
-              <a:t>Camera Switch</a:t>
-            </a:r>
-            <a:endParaRPr lang="en-US" sz="1400" dirty="0">
-              <a:ea typeface="+mn-lt"/>
-              <a:cs typeface="+mn-lt"/>
+            <a:endParaRPr lang="x-none" altLang="en-US" sz="1545" dirty="0">
+              <a:cs typeface="Calibri"/>
             </a:endParaRPr>
           </a:p>
         </p:txBody>
       </p:sp>
       <p:sp>
         <p:nvSpPr>
-          <p:cNvPr id="23" name="Rectangle 22"/>
+          <p:cNvPr id="24" name="Rectangle 23"/>
           <p:cNvSpPr/>
           <p:nvPr/>
         </p:nvSpPr>
         <p:spPr>
           <a:xfrm>
-            <a:off x="8229657" y="2518835"/>
-            <a:ext cx="1301497" cy="496686"/>
+            <a:off x="1470932" y="68716"/>
+            <a:ext cx="1255259" cy="478971"/>
           </a:xfrm>
           <a:prstGeom prst="rect">
             <a:avLst/>
@@ -6733,24 +6699,12 @@
           <a:p>
             <a:pPr algn="ctr"/>
             <a:r>
-              <a:rPr lang="en-US" sz="1400">
+              <a:rPr lang="x-none" altLang="en-US" sz="1545" dirty="0">
                 <a:cs typeface="Calibri"/>
               </a:rPr>
-              <a:t>Multi-Mode</a:t>
+              <a:t>Auto Box Initialization</a:t>
             </a:r>
-            <a:endParaRPr lang="en-US" sz="1400">
-              <a:cs typeface="Calibri"/>
-            </a:endParaRPr>
-          </a:p>
-          <a:p>
-            <a:pPr algn="ctr"/>
-            <a:r>
-              <a:rPr lang="en-US" sz="1400">
-                <a:cs typeface="Calibri"/>
-              </a:rPr>
-              <a:t>Navigation</a:t>
-            </a:r>
-            <a:endParaRPr lang="en-US" sz="1400" dirty="0">
+            <a:endParaRPr lang="x-none" altLang="en-US" sz="1545" dirty="0">
               <a:cs typeface="Calibri"/>
             </a:endParaRPr>
           </a:p>
@@ -6758,14 +6712,14 @@
       </p:sp>
       <p:sp>
         <p:nvSpPr>
-          <p:cNvPr id="24" name="Rectangle 23"/>
+          <p:cNvPr id="26" name="Rectangle 25"/>
           <p:cNvSpPr/>
           <p:nvPr/>
         </p:nvSpPr>
         <p:spPr>
           <a:xfrm>
-            <a:off x="2707298" y="1851018"/>
-            <a:ext cx="1301497" cy="496686"/>
+            <a:off x="4137932" y="68716"/>
+            <a:ext cx="1255259" cy="478971"/>
           </a:xfrm>
           <a:prstGeom prst="rect">
             <a:avLst/>
@@ -6886,24 +6840,33 @@
           <a:p>
             <a:pPr algn="ctr"/>
             <a:r>
-              <a:rPr lang="en-US" dirty="0">
+              <a:rPr lang="x-none" altLang="en-US" sz="1545" dirty="0">
                 <a:cs typeface="Calibri"/>
+                <a:sym typeface="+mn-ea"/>
               </a:rPr>
-              <a:t>Semi-Auto</a:t>
+              <a:t>Semi </a:t>
             </a:r>
-            <a:endParaRPr lang="en-US" dirty="0">
+            <a:r>
+              <a:rPr lang="en-US" sz="1545" dirty="0">
+                <a:cs typeface="Calibri"/>
+                <a:sym typeface="+mn-ea"/>
+              </a:rPr>
+              <a:t>Auto</a:t>
+            </a:r>
+            <a:endParaRPr lang="en-US" sz="1545" dirty="0">
               <a:cs typeface="Calibri"/>
             </a:endParaRPr>
           </a:p>
           <a:p>
             <a:pPr algn="ctr"/>
             <a:r>
-              <a:rPr lang="en-US" dirty="0">
+              <a:rPr lang="x-none" altLang="en-US" sz="1545" dirty="0">
                 <a:cs typeface="Calibri"/>
+                <a:sym typeface="+mn-ea"/>
               </a:rPr>
-              <a:t>Annotation</a:t>
+              <a:t>Box Fitting</a:t>
             </a:r>
-            <a:endParaRPr lang="en-US" dirty="0">
+            <a:endParaRPr lang="en-US" altLang="en-US" sz="1545" dirty="0">
               <a:cs typeface="Calibri"/>
             </a:endParaRPr>
           </a:p>
@@ -6911,14 +6874,14 @@
       </p:sp>
       <p:sp>
         <p:nvSpPr>
-          <p:cNvPr id="25" name="Rectangle 24"/>
+          <p:cNvPr id="27" name="Rectangle 26"/>
           <p:cNvSpPr/>
           <p:nvPr/>
         </p:nvSpPr>
         <p:spPr>
           <a:xfrm>
-            <a:off x="4085747" y="1851017"/>
-            <a:ext cx="1301497" cy="496686"/>
+            <a:off x="5458505" y="68716"/>
+            <a:ext cx="1255259" cy="478971"/>
           </a:xfrm>
           <a:prstGeom prst="rect">
             <a:avLst/>
@@ -7039,12 +7002,24 @@
           <a:p>
             <a:pPr algn="ctr"/>
             <a:r>
-              <a:rPr lang="en-US" sz="1200" dirty="0">
+              <a:rPr lang="x-none" altLang="en-US" sz="1545" dirty="0">
                 <a:cs typeface="Calibri"/>
               </a:rPr>
-              <a:t>Boundary-Aware Rotation</a:t>
+              <a:t>Annotation</a:t>
             </a:r>
-            <a:endParaRPr lang="en-US" sz="1200" dirty="0">
+            <a:endParaRPr lang="x-none" altLang="en-US" sz="1545" dirty="0">
+              <a:cs typeface="Calibri"/>
+            </a:endParaRPr>
+          </a:p>
+          <a:p>
+            <a:pPr algn="ctr"/>
+            <a:r>
+              <a:rPr lang="x-none" altLang="en-US" sz="1545" dirty="0">
+                <a:cs typeface="Calibri"/>
+              </a:rPr>
+              <a:t>Transfer</a:t>
+            </a:r>
+            <a:endParaRPr lang="x-none" altLang="en-US" sz="1545" dirty="0">
               <a:cs typeface="Calibri"/>
             </a:endParaRPr>
           </a:p>
@@ -7052,14 +7027,14 @@
       </p:sp>
       <p:sp>
         <p:nvSpPr>
-          <p:cNvPr id="26" name="Rectangle 25"/>
+          <p:cNvPr id="28" name="Rectangle 27"/>
           <p:cNvSpPr/>
           <p:nvPr/>
         </p:nvSpPr>
         <p:spPr>
           <a:xfrm>
-            <a:off x="5472758" y="1851016"/>
-            <a:ext cx="1301497" cy="496686"/>
+            <a:off x="1470932" y="1373641"/>
+            <a:ext cx="1255259" cy="478971"/>
           </a:xfrm>
           <a:prstGeom prst="rect">
             <a:avLst/>
@@ -7180,25 +7155,217 @@
           <a:p>
             <a:pPr algn="ctr"/>
             <a:r>
-              <a:rPr lang="en-US" dirty="0">
+              <a:rPr lang="en-US" sz="1545">
                 <a:cs typeface="Calibri"/>
               </a:rPr>
-              <a:t>Auto-Shrink</a:t>
+              <a:t>Point cloud Lib</a:t>
             </a:r>
-            <a:endParaRPr lang="en-US" dirty="0"/>
+            <a:endParaRPr lang="en-US" sz="1545" dirty="0">
+              <a:cs typeface="Calibri"/>
+            </a:endParaRPr>
           </a:p>
         </p:txBody>
       </p:sp>
       <p:sp>
         <p:nvSpPr>
-          <p:cNvPr id="27" name="Rectangle 26"/>
+          <p:cNvPr id="29" name="Rectangle 28"/>
           <p:cNvSpPr/>
           <p:nvPr/>
         </p:nvSpPr>
         <p:spPr>
           <a:xfrm>
-            <a:off x="6842645" y="1851015"/>
-            <a:ext cx="1301497" cy="496686"/>
+            <a:off x="58511" y="69396"/>
+            <a:ext cx="1395413" cy="478971"/>
+          </a:xfrm>
+          <a:prstGeom prst="rect">
+            <a:avLst/>
+          </a:prstGeom>
+          <a:noFill/>
+          <a:ln w="38100">
+            <a:noFill/>
+          </a:ln>
+        </p:spPr>
+        <p:style>
+          <a:lnRef idx="2">
+            <a:schemeClr val="dk1"/>
+          </a:lnRef>
+          <a:fillRef idx="1">
+            <a:schemeClr val="lt1"/>
+          </a:fillRef>
+          <a:effectRef idx="0">
+            <a:schemeClr val="dk1"/>
+          </a:effectRef>
+          <a:fontRef idx="minor">
+            <a:schemeClr val="dk1"/>
+          </a:fontRef>
+        </p:style>
+        <p:txBody>
+          <a:bodyPr rtlCol="0" anchor="ctr"/>
+          <a:lstStyle/>
+          <a:p>
+            <a:pPr algn="r"/>
+            <a:r>
+              <a:rPr lang="en-US" sz="1545" dirty="0">
+                <a:cs typeface="Calibri"/>
+              </a:rPr>
+              <a:t>Operation</a:t>
+            </a:r>
+            <a:endParaRPr lang="en-US" sz="1545" dirty="0">
+              <a:cs typeface="Calibri"/>
+            </a:endParaRPr>
+          </a:p>
+        </p:txBody>
+      </p:sp>
+      <p:cxnSp>
+        <p:nvCxnSpPr>
+          <p:cNvPr id="2" name="Straight Connector 1"/>
+          <p:cNvCxnSpPr/>
+          <p:nvPr/>
+        </p:nvCxnSpPr>
+        <p:spPr>
+          <a:xfrm>
+            <a:off x="137432" y="618445"/>
+            <a:ext cx="6583680" cy="0"/>
+          </a:xfrm>
+          <a:prstGeom prst="line">
+            <a:avLst/>
+          </a:prstGeom>
+          <a:ln w="38100">
+            <a:solidFill>
+              <a:schemeClr val="tx1"/>
+            </a:solidFill>
+          </a:ln>
+        </p:spPr>
+        <p:style>
+          <a:lnRef idx="1">
+            <a:schemeClr val="accent1"/>
+          </a:lnRef>
+          <a:fillRef idx="0">
+            <a:schemeClr val="accent1"/>
+          </a:fillRef>
+          <a:effectRef idx="0">
+            <a:schemeClr val="accent1"/>
+          </a:effectRef>
+          <a:fontRef idx="minor">
+            <a:schemeClr val="tx1"/>
+          </a:fontRef>
+        </p:style>
+      </p:cxnSp>
+      <p:cxnSp>
+        <p:nvCxnSpPr>
+          <p:cNvPr id="12" name="Straight Connector 11"/>
+          <p:cNvCxnSpPr/>
+          <p:nvPr/>
+        </p:nvCxnSpPr>
+        <p:spPr>
+          <a:xfrm>
+            <a:off x="137432" y="1281793"/>
+            <a:ext cx="6583680" cy="0"/>
+          </a:xfrm>
+          <a:prstGeom prst="line">
+            <a:avLst/>
+          </a:prstGeom>
+          <a:ln w="38100">
+            <a:solidFill>
+              <a:schemeClr val="tx1"/>
+            </a:solidFill>
+          </a:ln>
+        </p:spPr>
+        <p:style>
+          <a:lnRef idx="1">
+            <a:schemeClr val="accent1"/>
+          </a:lnRef>
+          <a:fillRef idx="0">
+            <a:schemeClr val="accent1"/>
+          </a:fillRef>
+          <a:effectRef idx="0">
+            <a:schemeClr val="accent1"/>
+          </a:effectRef>
+          <a:fontRef idx="minor">
+            <a:schemeClr val="tx1"/>
+          </a:fontRef>
+        </p:style>
+      </p:cxnSp>
+      <p:cxnSp>
+        <p:nvCxnSpPr>
+          <p:cNvPr id="14" name="Straight Connector 13"/>
+          <p:cNvCxnSpPr/>
+          <p:nvPr/>
+        </p:nvCxnSpPr>
+        <p:spPr>
+          <a:xfrm>
+            <a:off x="137432" y="1931534"/>
+            <a:ext cx="6583680" cy="0"/>
+          </a:xfrm>
+          <a:prstGeom prst="line">
+            <a:avLst/>
+          </a:prstGeom>
+          <a:ln w="38100">
+            <a:solidFill>
+              <a:schemeClr val="tx1"/>
+            </a:solidFill>
+          </a:ln>
+        </p:spPr>
+        <p:style>
+          <a:lnRef idx="1">
+            <a:schemeClr val="accent1"/>
+          </a:lnRef>
+          <a:fillRef idx="0">
+            <a:schemeClr val="accent1"/>
+          </a:fillRef>
+          <a:effectRef idx="0">
+            <a:schemeClr val="accent1"/>
+          </a:effectRef>
+          <a:fontRef idx="minor">
+            <a:schemeClr val="tx1"/>
+          </a:fontRef>
+        </p:style>
+      </p:cxnSp>
+      <p:cxnSp>
+        <p:nvCxnSpPr>
+          <p:cNvPr id="16" name="Straight Connector 15"/>
+          <p:cNvCxnSpPr/>
+          <p:nvPr/>
+        </p:nvCxnSpPr>
+        <p:spPr>
+          <a:xfrm>
+            <a:off x="137432" y="2630941"/>
+            <a:ext cx="6583680" cy="0"/>
+          </a:xfrm>
+          <a:prstGeom prst="line">
+            <a:avLst/>
+          </a:prstGeom>
+          <a:ln w="38100">
+            <a:solidFill>
+              <a:schemeClr val="tx1"/>
+            </a:solidFill>
+          </a:ln>
+        </p:spPr>
+        <p:style>
+          <a:lnRef idx="1">
+            <a:schemeClr val="accent1"/>
+          </a:lnRef>
+          <a:fillRef idx="0">
+            <a:schemeClr val="accent1"/>
+          </a:fillRef>
+          <a:effectRef idx="0">
+            <a:schemeClr val="accent1"/>
+          </a:effectRef>
+          <a:fontRef idx="minor">
+            <a:schemeClr val="tx1"/>
+          </a:fontRef>
+        </p:style>
+      </p:cxnSp>
+      <p:sp>
+        <p:nvSpPr>
+          <p:cNvPr id="17" name="Rectangle 16"/>
+          <p:cNvSpPr/>
+          <p:nvPr/>
+        </p:nvSpPr>
+        <p:spPr>
+          <a:xfrm>
+            <a:off x="2810555" y="68716"/>
+            <a:ext cx="1255259" cy="478971"/>
           </a:xfrm>
           <a:prstGeom prst="rect">
             <a:avLst/>
@@ -7319,544 +7486,28 @@
           <a:p>
             <a:pPr algn="ctr"/>
             <a:r>
-              <a:rPr lang="en-US" dirty="0">
+              <a:rPr lang="x-none" altLang="en-US" sz="1545" dirty="0">
                 <a:cs typeface="Calibri"/>
+                <a:sym typeface="+mn-ea"/>
               </a:rPr>
-              <a:t>3D&amp;2D </a:t>
+              <a:t>Multi-view</a:t>
             </a:r>
-            <a:endParaRPr lang="en-US" dirty="0">
+            <a:endParaRPr lang="x-none" altLang="en-US" sz="1545" dirty="0">
               <a:cs typeface="Calibri"/>
             </a:endParaRPr>
           </a:p>
           <a:p>
             <a:pPr algn="ctr"/>
             <a:r>
-              <a:rPr lang="en-US" dirty="0">
+              <a:rPr lang="x-none" altLang="en-US" sz="1545" dirty="0">
                 <a:cs typeface="Calibri"/>
+                <a:sym typeface="+mn-ea"/>
               </a:rPr>
-              <a:t>Annotation</a:t>
+              <a:t>Editing</a:t>
             </a:r>
-            <a:endParaRPr lang="en-US" dirty="0"/>
-          </a:p>
-        </p:txBody>
-      </p:sp>
-      <p:sp>
-        <p:nvSpPr>
-          <p:cNvPr id="28" name="Rectangle 27"/>
-          <p:cNvSpPr/>
-          <p:nvPr/>
-        </p:nvSpPr>
-        <p:spPr>
-          <a:xfrm>
-            <a:off x="2707300" y="3203782"/>
-            <a:ext cx="1301497" cy="496686"/>
-          </a:xfrm>
-          <a:prstGeom prst="rect">
-            <a:avLst/>
-          </a:prstGeom>
-          <a:ln w="28575"/>
-        </p:spPr>
-        <p:style>
-          <a:lnRef idx="2">
-            <a:schemeClr val="dk1"/>
-          </a:lnRef>
-          <a:fillRef idx="1">
-            <a:schemeClr val="lt1"/>
-          </a:fillRef>
-          <a:effectRef idx="0">
-            <a:schemeClr val="dk1"/>
-          </a:effectRef>
-          <a:fontRef idx="minor">
-            <a:schemeClr val="dk1"/>
-          </a:fontRef>
-        </p:style>
-        <p:txBody>
-          <a:bodyPr rtlCol="0" anchor="ctr"/>
-          <a:lstStyle>
-            <a:defPPr>
-              <a:defRPr lang="en-US"/>
-            </a:defPPr>
-            <a:lvl1pPr marL="0" algn="l" defTabSz="914400" rtl="0" eaLnBrk="1" latinLnBrk="0" hangingPunct="1">
-              <a:defRPr sz="1800" kern="1200">
-                <a:solidFill>
-                  <a:schemeClr val="dk1"/>
-                </a:solidFill>
-                <a:latin typeface="+mn-lt"/>
-                <a:ea typeface="+mn-ea"/>
-                <a:cs typeface="+mn-cs"/>
-              </a:defRPr>
-            </a:lvl1pPr>
-            <a:lvl2pPr marL="457200" algn="l" defTabSz="914400" rtl="0" eaLnBrk="1" latinLnBrk="0" hangingPunct="1">
-              <a:defRPr sz="1800" kern="1200">
-                <a:solidFill>
-                  <a:schemeClr val="dk1"/>
-                </a:solidFill>
-                <a:latin typeface="+mn-lt"/>
-                <a:ea typeface="+mn-ea"/>
-                <a:cs typeface="+mn-cs"/>
-              </a:defRPr>
-            </a:lvl2pPr>
-            <a:lvl3pPr marL="914400" algn="l" defTabSz="914400" rtl="0" eaLnBrk="1" latinLnBrk="0" hangingPunct="1">
-              <a:defRPr sz="1800" kern="1200">
-                <a:solidFill>
-                  <a:schemeClr val="dk1"/>
-                </a:solidFill>
-                <a:latin typeface="+mn-lt"/>
-                <a:ea typeface="+mn-ea"/>
-                <a:cs typeface="+mn-cs"/>
-              </a:defRPr>
-            </a:lvl3pPr>
-            <a:lvl4pPr marL="1371600" algn="l" defTabSz="914400" rtl="0" eaLnBrk="1" latinLnBrk="0" hangingPunct="1">
-              <a:defRPr sz="1800" kern="1200">
-                <a:solidFill>
-                  <a:schemeClr val="dk1"/>
-                </a:solidFill>
-                <a:latin typeface="+mn-lt"/>
-                <a:ea typeface="+mn-ea"/>
-                <a:cs typeface="+mn-cs"/>
-              </a:defRPr>
-            </a:lvl4pPr>
-            <a:lvl5pPr marL="1828800" algn="l" defTabSz="914400" rtl="0" eaLnBrk="1" latinLnBrk="0" hangingPunct="1">
-              <a:defRPr sz="1800" kern="1200">
-                <a:solidFill>
-                  <a:schemeClr val="dk1"/>
-                </a:solidFill>
-                <a:latin typeface="+mn-lt"/>
-                <a:ea typeface="+mn-ea"/>
-                <a:cs typeface="+mn-cs"/>
-              </a:defRPr>
-            </a:lvl5pPr>
-            <a:lvl6pPr marL="2286000" algn="l" defTabSz="914400" rtl="0" eaLnBrk="1" latinLnBrk="0" hangingPunct="1">
-              <a:defRPr sz="1800" kern="1200">
-                <a:solidFill>
-                  <a:schemeClr val="dk1"/>
-                </a:solidFill>
-                <a:latin typeface="+mn-lt"/>
-                <a:ea typeface="+mn-ea"/>
-                <a:cs typeface="+mn-cs"/>
-              </a:defRPr>
-            </a:lvl6pPr>
-            <a:lvl7pPr marL="2743200" algn="l" defTabSz="914400" rtl="0" eaLnBrk="1" latinLnBrk="0" hangingPunct="1">
-              <a:defRPr sz="1800" kern="1200">
-                <a:solidFill>
-                  <a:schemeClr val="dk1"/>
-                </a:solidFill>
-                <a:latin typeface="+mn-lt"/>
-                <a:ea typeface="+mn-ea"/>
-                <a:cs typeface="+mn-cs"/>
-              </a:defRPr>
-            </a:lvl7pPr>
-            <a:lvl8pPr marL="3200400" algn="l" defTabSz="914400" rtl="0" eaLnBrk="1" latinLnBrk="0" hangingPunct="1">
-              <a:defRPr sz="1800" kern="1200">
-                <a:solidFill>
-                  <a:schemeClr val="dk1"/>
-                </a:solidFill>
-                <a:latin typeface="+mn-lt"/>
-                <a:ea typeface="+mn-ea"/>
-                <a:cs typeface="+mn-cs"/>
-              </a:defRPr>
-            </a:lvl8pPr>
-            <a:lvl9pPr marL="3657600" algn="l" defTabSz="914400" rtl="0" eaLnBrk="1" latinLnBrk="0" hangingPunct="1">
-              <a:defRPr sz="1800" kern="1200">
-                <a:solidFill>
-                  <a:schemeClr val="dk1"/>
-                </a:solidFill>
-                <a:latin typeface="+mn-lt"/>
-                <a:ea typeface="+mn-ea"/>
-                <a:cs typeface="+mn-cs"/>
-              </a:defRPr>
-            </a:lvl9pPr>
-          </a:lstStyle>
-          <a:p>
-            <a:pPr algn="ctr"/>
-            <a:r>
-              <a:rPr lang="en-US">
-                <a:cs typeface="Calibri"/>
-              </a:rPr>
-              <a:t>Point cloud Lib</a:t>
-            </a:r>
-            <a:endParaRPr lang="en-US" dirty="0">
+            <a:endParaRPr lang="en-US" sz="1545" dirty="0">
               <a:cs typeface="Calibri"/>
             </a:endParaRPr>
-          </a:p>
-        </p:txBody>
-      </p:sp>
-      <p:sp>
-        <p:nvSpPr>
-          <p:cNvPr id="29" name="Rectangle 28"/>
-          <p:cNvSpPr/>
-          <p:nvPr/>
-        </p:nvSpPr>
-        <p:spPr>
-          <a:xfrm>
-            <a:off x="1020626" y="1851017"/>
-            <a:ext cx="1447047" cy="496686"/>
-          </a:xfrm>
-          <a:prstGeom prst="rect">
-            <a:avLst/>
-          </a:prstGeom>
-          <a:noFill/>
-          <a:ln w="38100">
-            <a:solidFill>
-              <a:schemeClr val="tx1"/>
-            </a:solidFill>
-          </a:ln>
-        </p:spPr>
-        <p:style>
-          <a:lnRef idx="2">
-            <a:schemeClr val="dk1"/>
-          </a:lnRef>
-          <a:fillRef idx="1">
-            <a:schemeClr val="lt1"/>
-          </a:fillRef>
-          <a:effectRef idx="0">
-            <a:schemeClr val="dk1"/>
-          </a:effectRef>
-          <a:fontRef idx="minor">
-            <a:schemeClr val="dk1"/>
-          </a:fontRef>
-        </p:style>
-        <p:txBody>
-          <a:bodyPr rtlCol="0" anchor="ctr"/>
-          <a:lstStyle/>
-          <a:p>
-            <a:pPr algn="ctr"/>
-            <a:r>
-              <a:rPr lang="en-US" dirty="0">
-                <a:cs typeface="Calibri"/>
-              </a:rPr>
-              <a:t>Operation</a:t>
-            </a:r>
-            <a:endParaRPr lang="en-US" dirty="0"/>
-          </a:p>
-        </p:txBody>
-      </p:sp>
-      <p:sp>
-        <p:nvSpPr>
-          <p:cNvPr id="30" name="Rectangle 29"/>
-          <p:cNvSpPr/>
-          <p:nvPr/>
-        </p:nvSpPr>
-        <p:spPr>
-          <a:xfrm>
-            <a:off x="8229656" y="1851015"/>
-            <a:ext cx="1301497" cy="496686"/>
-          </a:xfrm>
-          <a:prstGeom prst="rect">
-            <a:avLst/>
-          </a:prstGeom>
-          <a:ln w="28575"/>
-        </p:spPr>
-        <p:style>
-          <a:lnRef idx="2">
-            <a:schemeClr val="dk1"/>
-          </a:lnRef>
-          <a:fillRef idx="1">
-            <a:schemeClr val="lt1"/>
-          </a:fillRef>
-          <a:effectRef idx="0">
-            <a:schemeClr val="dk1"/>
-          </a:effectRef>
-          <a:fontRef idx="minor">
-            <a:schemeClr val="dk1"/>
-          </a:fontRef>
-        </p:style>
-        <p:txBody>
-          <a:bodyPr rtlCol="0" anchor="ctr"/>
-          <a:lstStyle>
-            <a:defPPr>
-              <a:defRPr lang="en-US"/>
-            </a:defPPr>
-            <a:lvl1pPr marL="0" algn="l" defTabSz="914400" rtl="0" eaLnBrk="1" latinLnBrk="0" hangingPunct="1">
-              <a:defRPr sz="1800" kern="1200">
-                <a:solidFill>
-                  <a:schemeClr val="dk1"/>
-                </a:solidFill>
-                <a:latin typeface="+mn-lt"/>
-                <a:ea typeface="+mn-ea"/>
-                <a:cs typeface="+mn-cs"/>
-              </a:defRPr>
-            </a:lvl1pPr>
-            <a:lvl2pPr marL="457200" algn="l" defTabSz="914400" rtl="0" eaLnBrk="1" latinLnBrk="0" hangingPunct="1">
-              <a:defRPr sz="1800" kern="1200">
-                <a:solidFill>
-                  <a:schemeClr val="dk1"/>
-                </a:solidFill>
-                <a:latin typeface="+mn-lt"/>
-                <a:ea typeface="+mn-ea"/>
-                <a:cs typeface="+mn-cs"/>
-              </a:defRPr>
-            </a:lvl2pPr>
-            <a:lvl3pPr marL="914400" algn="l" defTabSz="914400" rtl="0" eaLnBrk="1" latinLnBrk="0" hangingPunct="1">
-              <a:defRPr sz="1800" kern="1200">
-                <a:solidFill>
-                  <a:schemeClr val="dk1"/>
-                </a:solidFill>
-                <a:latin typeface="+mn-lt"/>
-                <a:ea typeface="+mn-ea"/>
-                <a:cs typeface="+mn-cs"/>
-              </a:defRPr>
-            </a:lvl3pPr>
-            <a:lvl4pPr marL="1371600" algn="l" defTabSz="914400" rtl="0" eaLnBrk="1" latinLnBrk="0" hangingPunct="1">
-              <a:defRPr sz="1800" kern="1200">
-                <a:solidFill>
-                  <a:schemeClr val="dk1"/>
-                </a:solidFill>
-                <a:latin typeface="+mn-lt"/>
-                <a:ea typeface="+mn-ea"/>
-                <a:cs typeface="+mn-cs"/>
-              </a:defRPr>
-            </a:lvl4pPr>
-            <a:lvl5pPr marL="1828800" algn="l" defTabSz="914400" rtl="0" eaLnBrk="1" latinLnBrk="0" hangingPunct="1">
-              <a:defRPr sz="1800" kern="1200">
-                <a:solidFill>
-                  <a:schemeClr val="dk1"/>
-                </a:solidFill>
-                <a:latin typeface="+mn-lt"/>
-                <a:ea typeface="+mn-ea"/>
-                <a:cs typeface="+mn-cs"/>
-              </a:defRPr>
-            </a:lvl5pPr>
-            <a:lvl6pPr marL="2286000" algn="l" defTabSz="914400" rtl="0" eaLnBrk="1" latinLnBrk="0" hangingPunct="1">
-              <a:defRPr sz="1800" kern="1200">
-                <a:solidFill>
-                  <a:schemeClr val="dk1"/>
-                </a:solidFill>
-                <a:latin typeface="+mn-lt"/>
-                <a:ea typeface="+mn-ea"/>
-                <a:cs typeface="+mn-cs"/>
-              </a:defRPr>
-            </a:lvl6pPr>
-            <a:lvl7pPr marL="2743200" algn="l" defTabSz="914400" rtl="0" eaLnBrk="1" latinLnBrk="0" hangingPunct="1">
-              <a:defRPr sz="1800" kern="1200">
-                <a:solidFill>
-                  <a:schemeClr val="dk1"/>
-                </a:solidFill>
-                <a:latin typeface="+mn-lt"/>
-                <a:ea typeface="+mn-ea"/>
-                <a:cs typeface="+mn-cs"/>
-              </a:defRPr>
-            </a:lvl7pPr>
-            <a:lvl8pPr marL="3200400" algn="l" defTabSz="914400" rtl="0" eaLnBrk="1" latinLnBrk="0" hangingPunct="1">
-              <a:defRPr sz="1800" kern="1200">
-                <a:solidFill>
-                  <a:schemeClr val="dk1"/>
-                </a:solidFill>
-                <a:latin typeface="+mn-lt"/>
-                <a:ea typeface="+mn-ea"/>
-                <a:cs typeface="+mn-cs"/>
-              </a:defRPr>
-            </a:lvl8pPr>
-            <a:lvl9pPr marL="3657600" algn="l" defTabSz="914400" rtl="0" eaLnBrk="1" latinLnBrk="0" hangingPunct="1">
-              <a:defRPr sz="1800" kern="1200">
-                <a:solidFill>
-                  <a:schemeClr val="dk1"/>
-                </a:solidFill>
-                <a:latin typeface="+mn-lt"/>
-                <a:ea typeface="+mn-ea"/>
-                <a:cs typeface="+mn-cs"/>
-              </a:defRPr>
-            </a:lvl9pPr>
-          </a:lstStyle>
-          <a:p>
-            <a:pPr algn="ctr"/>
-            <a:r>
-              <a:rPr lang="en-US">
-                <a:cs typeface="Calibri"/>
-              </a:rPr>
-              <a:t>Fast Toolbox</a:t>
-            </a:r>
-            <a:endParaRPr lang="en-US" dirty="0">
-              <a:cs typeface="Calibri"/>
-            </a:endParaRPr>
-          </a:p>
-        </p:txBody>
-      </p:sp>
-      <p:sp>
-        <p:nvSpPr>
-          <p:cNvPr id="8" name="矩形 7"/>
-          <p:cNvSpPr/>
-          <p:nvPr/>
-        </p:nvSpPr>
-        <p:spPr>
-          <a:xfrm>
-            <a:off x="924128" y="1786855"/>
-            <a:ext cx="8709111" cy="629343"/>
-          </a:xfrm>
-          <a:prstGeom prst="rect">
-            <a:avLst/>
-          </a:prstGeom>
-          <a:noFill/>
-          <a:ln w="38100">
-            <a:solidFill>
-              <a:schemeClr val="tx1"/>
-            </a:solidFill>
-            <a:prstDash val="sysDash"/>
-          </a:ln>
-        </p:spPr>
-        <p:style>
-          <a:lnRef idx="2">
-            <a:schemeClr val="accent1">
-              <a:shade val="50000"/>
-            </a:schemeClr>
-          </a:lnRef>
-          <a:fillRef idx="1">
-            <a:schemeClr val="accent1"/>
-          </a:fillRef>
-          <a:effectRef idx="0">
-            <a:schemeClr val="accent1"/>
-          </a:effectRef>
-          <a:fontRef idx="minor">
-            <a:schemeClr val="lt1"/>
-          </a:fontRef>
-        </p:style>
-        <p:txBody>
-          <a:bodyPr rtlCol="0" anchor="ctr"/>
-          <a:lstStyle/>
-          <a:p>
-            <a:pPr algn="ctr"/>
-            <a:endParaRPr lang="zh-CN" altLang="en-US"/>
-          </a:p>
-        </p:txBody>
-      </p:sp>
-      <p:sp>
-        <p:nvSpPr>
-          <p:cNvPr id="31" name="矩形 30"/>
-          <p:cNvSpPr/>
-          <p:nvPr/>
-        </p:nvSpPr>
-        <p:spPr>
-          <a:xfrm>
-            <a:off x="924127" y="2464463"/>
-            <a:ext cx="8709111" cy="629343"/>
-          </a:xfrm>
-          <a:prstGeom prst="rect">
-            <a:avLst/>
-          </a:prstGeom>
-          <a:noFill/>
-          <a:ln w="38100">
-            <a:solidFill>
-              <a:schemeClr val="tx1"/>
-            </a:solidFill>
-            <a:prstDash val="sysDash"/>
-          </a:ln>
-        </p:spPr>
-        <p:style>
-          <a:lnRef idx="2">
-            <a:schemeClr val="accent1">
-              <a:shade val="50000"/>
-            </a:schemeClr>
-          </a:lnRef>
-          <a:fillRef idx="1">
-            <a:schemeClr val="accent1"/>
-          </a:fillRef>
-          <a:effectRef idx="0">
-            <a:schemeClr val="accent1"/>
-          </a:effectRef>
-          <a:fontRef idx="minor">
-            <a:schemeClr val="lt1"/>
-          </a:fontRef>
-        </p:style>
-        <p:txBody>
-          <a:bodyPr rtlCol="0" anchor="ctr"/>
-          <a:lstStyle/>
-          <a:p>
-            <a:pPr algn="ctr"/>
-            <a:endParaRPr lang="zh-CN" altLang="en-US"/>
-          </a:p>
-        </p:txBody>
-      </p:sp>
-      <p:sp>
-        <p:nvSpPr>
-          <p:cNvPr id="32" name="矩形 31"/>
-          <p:cNvSpPr/>
-          <p:nvPr/>
-        </p:nvSpPr>
-        <p:spPr>
-          <a:xfrm>
-            <a:off x="924127" y="3155517"/>
-            <a:ext cx="8709111" cy="629343"/>
-          </a:xfrm>
-          <a:prstGeom prst="rect">
-            <a:avLst/>
-          </a:prstGeom>
-          <a:noFill/>
-          <a:ln w="38100">
-            <a:solidFill>
-              <a:schemeClr val="tx1"/>
-            </a:solidFill>
-            <a:prstDash val="sysDash"/>
-          </a:ln>
-        </p:spPr>
-        <p:style>
-          <a:lnRef idx="2">
-            <a:schemeClr val="accent1">
-              <a:shade val="50000"/>
-            </a:schemeClr>
-          </a:lnRef>
-          <a:fillRef idx="1">
-            <a:schemeClr val="accent1"/>
-          </a:fillRef>
-          <a:effectRef idx="0">
-            <a:schemeClr val="accent1"/>
-          </a:effectRef>
-          <a:fontRef idx="minor">
-            <a:schemeClr val="lt1"/>
-          </a:fontRef>
-        </p:style>
-        <p:txBody>
-          <a:bodyPr rtlCol="0" anchor="ctr"/>
-          <a:lstStyle/>
-          <a:p>
-            <a:pPr algn="ctr"/>
-            <a:endParaRPr lang="zh-CN" altLang="en-US"/>
-          </a:p>
-        </p:txBody>
-      </p:sp>
-      <p:sp>
-        <p:nvSpPr>
-          <p:cNvPr id="33" name="矩形 32"/>
-          <p:cNvSpPr/>
-          <p:nvPr/>
-        </p:nvSpPr>
-        <p:spPr>
-          <a:xfrm>
-            <a:off x="924126" y="3848082"/>
-            <a:ext cx="8709111" cy="629343"/>
-          </a:xfrm>
-          <a:prstGeom prst="rect">
-            <a:avLst/>
-          </a:prstGeom>
-          <a:noFill/>
-          <a:ln w="38100">
-            <a:solidFill>
-              <a:schemeClr val="tx1"/>
-            </a:solidFill>
-            <a:prstDash val="sysDash"/>
-          </a:ln>
-        </p:spPr>
-        <p:style>
-          <a:lnRef idx="2">
-            <a:schemeClr val="accent1">
-              <a:shade val="50000"/>
-            </a:schemeClr>
-          </a:lnRef>
-          <a:fillRef idx="1">
-            <a:schemeClr val="accent1"/>
-          </a:fillRef>
-          <a:effectRef idx="0">
-            <a:schemeClr val="accent1"/>
-          </a:effectRef>
-          <a:fontRef idx="minor">
-            <a:schemeClr val="lt1"/>
-          </a:fontRef>
-        </p:style>
-        <p:txBody>
-          <a:bodyPr rtlCol="0" anchor="ctr"/>
-          <a:lstStyle/>
-          <a:p>
-            <a:pPr algn="ctr"/>
-            <a:endParaRPr lang="zh-CN" altLang="en-US"/>
           </a:p>
         </p:txBody>
       </p:sp>
@@ -7893,8 +7544,8 @@
         </p:nvGrpSpPr>
         <p:grpSpPr>
           <a:xfrm>
-            <a:off x="3248024" y="644098"/>
-            <a:ext cx="7496448" cy="4394899"/>
+            <a:off x="682738" y="-1313841"/>
+            <a:ext cx="7228718" cy="4237938"/>
             <a:chOff x="3248024" y="644098"/>
             <a:chExt cx="7496448" cy="4394899"/>
           </a:xfrm>
@@ -7934,7 +7585,7 @@
             <a:lstStyle/>
             <a:p>
               <a:pPr algn="ctr"/>
-              <a:endParaRPr lang="en-US" sz="1400" dirty="0">
+              <a:endParaRPr lang="en-US" sz="1350" dirty="0">
                 <a:latin typeface="Times New Roman" panose="02020603050405020304" pitchFamily="18" charset="0"/>
                 <a:cs typeface="Times New Roman" panose="02020603050405020304" pitchFamily="18" charset="0"/>
               </a:endParaRPr>
@@ -7977,13 +7628,13 @@
             <a:p>
               <a:pPr algn="ctr"/>
               <a:r>
-                <a:rPr lang="en-US" sz="1400" dirty="0">
+                <a:rPr lang="en-US" sz="1350" dirty="0">
                   <a:latin typeface="Times New Roman" panose="02020603050405020304" pitchFamily="18" charset="0"/>
                   <a:cs typeface="Times New Roman" panose="02020603050405020304" pitchFamily="18" charset="0"/>
                 </a:rPr>
                 <a:t>AI-based </a:t>
               </a:r>
-              <a:endParaRPr lang="en-US" sz="1400" dirty="0">
+              <a:endParaRPr lang="en-US" sz="1350" dirty="0">
                 <a:latin typeface="Times New Roman" panose="02020603050405020304" pitchFamily="18" charset="0"/>
                 <a:cs typeface="Times New Roman" panose="02020603050405020304" pitchFamily="18" charset="0"/>
               </a:endParaRPr>
@@ -7991,13 +7642,13 @@
             <a:p>
               <a:pPr algn="ctr"/>
               <a:r>
-                <a:rPr lang="en-US" sz="1400" dirty="0">
+                <a:rPr lang="en-US" sz="1350" dirty="0">
                   <a:latin typeface="Times New Roman" panose="02020603050405020304" pitchFamily="18" charset="0"/>
                   <a:cs typeface="Times New Roman" panose="02020603050405020304" pitchFamily="18" charset="0"/>
                 </a:rPr>
                 <a:t>Automatic Annotation</a:t>
               </a:r>
-              <a:endParaRPr lang="en-US" sz="1400" dirty="0">
+              <a:endParaRPr lang="en-US" sz="1350" dirty="0">
                 <a:latin typeface="Times New Roman" panose="02020603050405020304" pitchFamily="18" charset="0"/>
                 <a:cs typeface="Times New Roman" panose="02020603050405020304" pitchFamily="18" charset="0"/>
               </a:endParaRPr>
@@ -8040,13 +7691,13 @@
             <a:p>
               <a:pPr algn="ctr"/>
               <a:r>
-                <a:rPr lang="en-US" sz="1400" dirty="0">
+                <a:rPr lang="en-US" sz="1350" dirty="0">
                   <a:latin typeface="Times New Roman" panose="02020603050405020304" pitchFamily="18" charset="0"/>
                   <a:cs typeface="Times New Roman" panose="02020603050405020304" pitchFamily="18" charset="0"/>
                 </a:rPr>
                 <a:t>Finely Annotated </a:t>
               </a:r>
-              <a:endParaRPr lang="en-US" sz="1400" dirty="0">
+              <a:endParaRPr lang="en-US" sz="1350" dirty="0">
                 <a:latin typeface="Times New Roman" panose="02020603050405020304" pitchFamily="18" charset="0"/>
                 <a:cs typeface="Times New Roman" panose="02020603050405020304" pitchFamily="18" charset="0"/>
               </a:endParaRPr>
@@ -8054,13 +7705,13 @@
             <a:p>
               <a:pPr algn="ctr"/>
               <a:r>
-                <a:rPr lang="en-US" sz="1400" dirty="0">
+                <a:rPr lang="en-US" sz="1350" dirty="0">
                   <a:latin typeface="Times New Roman" panose="02020603050405020304" pitchFamily="18" charset="0"/>
                   <a:cs typeface="Times New Roman" panose="02020603050405020304" pitchFamily="18" charset="0"/>
                 </a:rPr>
                 <a:t>Data</a:t>
               </a:r>
-              <a:endParaRPr lang="en-US" sz="1400" dirty="0">
+              <a:endParaRPr lang="en-US" sz="1350" dirty="0">
                 <a:latin typeface="Times New Roman" panose="02020603050405020304" pitchFamily="18" charset="0"/>
                 <a:cs typeface="Times New Roman" panose="02020603050405020304" pitchFamily="18" charset="0"/>
               </a:endParaRPr>
@@ -8103,13 +7754,13 @@
             <a:p>
               <a:pPr algn="ctr"/>
               <a:r>
-                <a:rPr lang="en-US" altLang="zh-CN" sz="1400" dirty="0">
+                <a:rPr lang="en-US" altLang="zh-CN" sz="1350" dirty="0">
                   <a:latin typeface="Times New Roman" panose="02020603050405020304" pitchFamily="18" charset="0"/>
                   <a:cs typeface="Times New Roman" panose="02020603050405020304" pitchFamily="18" charset="0"/>
                 </a:rPr>
                 <a:t>Artificial Intelligence</a:t>
               </a:r>
-              <a:endParaRPr lang="en-US" altLang="zh-CN" sz="1400" dirty="0">
+              <a:endParaRPr lang="en-US" altLang="zh-CN" sz="1350" dirty="0">
                 <a:latin typeface="Times New Roman" panose="02020603050405020304" pitchFamily="18" charset="0"/>
                 <a:cs typeface="Times New Roman" panose="02020603050405020304" pitchFamily="18" charset="0"/>
               </a:endParaRPr>
@@ -8117,20 +7768,20 @@
             <a:p>
               <a:pPr algn="ctr"/>
               <a:r>
-                <a:rPr lang="en-US" altLang="zh-CN" sz="1400" dirty="0">
+                <a:rPr lang="en-US" altLang="zh-CN" sz="1350" dirty="0">
                   <a:latin typeface="Times New Roman" panose="02020603050405020304" pitchFamily="18" charset="0"/>
                   <a:cs typeface="Times New Roman" panose="02020603050405020304" pitchFamily="18" charset="0"/>
                 </a:rPr>
                 <a:t> </a:t>
               </a:r>
               <a:r>
-                <a:rPr lang="en-US" sz="1400" dirty="0">
+                <a:rPr lang="en-US" sz="1350" dirty="0">
                   <a:latin typeface="Times New Roman" panose="02020603050405020304" pitchFamily="18" charset="0"/>
                   <a:cs typeface="Times New Roman" panose="02020603050405020304" pitchFamily="18" charset="0"/>
                 </a:rPr>
                 <a:t>(AI) Model</a:t>
               </a:r>
-              <a:endParaRPr lang="en-US" sz="1400" dirty="0">
+              <a:endParaRPr lang="en-US" sz="1350" dirty="0">
                 <a:latin typeface="Times New Roman" panose="02020603050405020304" pitchFamily="18" charset="0"/>
                 <a:cs typeface="Times New Roman" panose="02020603050405020304" pitchFamily="18" charset="0"/>
               </a:endParaRPr>
@@ -8173,13 +7824,13 @@
             <a:p>
               <a:pPr algn="ctr"/>
               <a:r>
-                <a:rPr lang="en-US" sz="1400" dirty="0">
+                <a:rPr lang="en-US" sz="1350" dirty="0">
                   <a:latin typeface="Times New Roman" panose="02020603050405020304" pitchFamily="18" charset="0"/>
                   <a:cs typeface="Times New Roman" panose="02020603050405020304" pitchFamily="18" charset="0"/>
                 </a:rPr>
                 <a:t>Raw Data</a:t>
               </a:r>
-              <a:endParaRPr lang="en-US" sz="1400" dirty="0">
+              <a:endParaRPr lang="en-US" sz="1350" dirty="0">
                 <a:latin typeface="Times New Roman" panose="02020603050405020304" pitchFamily="18" charset="0"/>
                 <a:cs typeface="Times New Roman" panose="02020603050405020304" pitchFamily="18" charset="0"/>
               </a:endParaRPr>
@@ -8316,13 +7967,13 @@
             <a:p>
               <a:pPr algn="ctr"/>
               <a:r>
-                <a:rPr lang="en-US" sz="1400" dirty="0">
+                <a:rPr lang="en-US" sz="1350" dirty="0">
                   <a:latin typeface="Times New Roman" panose="02020603050405020304" pitchFamily="18" charset="0"/>
                   <a:cs typeface="Times New Roman" panose="02020603050405020304" pitchFamily="18" charset="0"/>
                 </a:rPr>
                 <a:t>Semi-Auto</a:t>
               </a:r>
-              <a:endParaRPr lang="en-US" sz="1400" dirty="0">
+              <a:endParaRPr lang="en-US" sz="1350" dirty="0">
                 <a:latin typeface="Times New Roman" panose="02020603050405020304" pitchFamily="18" charset="0"/>
                 <a:cs typeface="Times New Roman" panose="02020603050405020304" pitchFamily="18" charset="0"/>
               </a:endParaRPr>
@@ -8330,13 +7981,13 @@
             <a:p>
               <a:pPr algn="ctr"/>
               <a:r>
-                <a:rPr lang="en-US" sz="1400" dirty="0">
+                <a:rPr lang="en-US" sz="1350" dirty="0">
                   <a:latin typeface="Times New Roman" panose="02020603050405020304" pitchFamily="18" charset="0"/>
                   <a:cs typeface="Times New Roman" panose="02020603050405020304" pitchFamily="18" charset="0"/>
                 </a:rPr>
                 <a:t>Annotation</a:t>
               </a:r>
-              <a:endParaRPr lang="en-US" sz="1400" dirty="0">
+              <a:endParaRPr lang="en-US" sz="1350" dirty="0">
                 <a:latin typeface="Times New Roman" panose="02020603050405020304" pitchFamily="18" charset="0"/>
                 <a:cs typeface="Times New Roman" panose="02020603050405020304" pitchFamily="18" charset="0"/>
               </a:endParaRPr>
@@ -8473,13 +8124,13 @@
             <a:p>
               <a:pPr algn="ctr"/>
               <a:r>
-                <a:rPr lang="en-US" sz="1400" dirty="0">
+                <a:rPr lang="en-US" sz="1350" dirty="0">
                   <a:latin typeface="Times New Roman" panose="02020603050405020304" pitchFamily="18" charset="0"/>
                   <a:cs typeface="Times New Roman" panose="02020603050405020304" pitchFamily="18" charset="0"/>
                 </a:rPr>
                 <a:t>Boundary-Aware Rotation</a:t>
               </a:r>
-              <a:endParaRPr lang="en-US" sz="1400" dirty="0">
+              <a:endParaRPr lang="en-US" sz="1350" dirty="0">
                 <a:latin typeface="Times New Roman" panose="02020603050405020304" pitchFamily="18" charset="0"/>
                 <a:cs typeface="Times New Roman" panose="02020603050405020304" pitchFamily="18" charset="0"/>
               </a:endParaRPr>
@@ -8616,13 +8267,13 @@
             <a:p>
               <a:pPr algn="ctr"/>
               <a:r>
-                <a:rPr lang="en-US" sz="1400" dirty="0">
+                <a:rPr lang="en-US" sz="1350" dirty="0">
                   <a:latin typeface="Times New Roman" panose="02020603050405020304" pitchFamily="18" charset="0"/>
                   <a:cs typeface="Times New Roman" panose="02020603050405020304" pitchFamily="18" charset="0"/>
                 </a:rPr>
                 <a:t>Auto-Shrink</a:t>
               </a:r>
-              <a:endParaRPr lang="en-US" sz="1400" dirty="0">
+              <a:endParaRPr lang="en-US" sz="1350" dirty="0">
                 <a:latin typeface="Times New Roman" panose="02020603050405020304" pitchFamily="18" charset="0"/>
                 <a:cs typeface="Times New Roman" panose="02020603050405020304" pitchFamily="18" charset="0"/>
               </a:endParaRPr>
@@ -8759,13 +8410,13 @@
             <a:p>
               <a:pPr algn="ctr"/>
               <a:r>
-                <a:rPr lang="en-US" sz="1400" dirty="0">
+                <a:rPr lang="en-US" sz="1350" dirty="0">
                   <a:latin typeface="Times New Roman" panose="02020603050405020304" pitchFamily="18" charset="0"/>
                   <a:cs typeface="Times New Roman" panose="02020603050405020304" pitchFamily="18" charset="0"/>
                 </a:rPr>
                 <a:t>3D&amp;2D </a:t>
               </a:r>
-              <a:endParaRPr lang="en-US" sz="1400" dirty="0">
+              <a:endParaRPr lang="en-US" sz="1350" dirty="0">
                 <a:latin typeface="Times New Roman" panose="02020603050405020304" pitchFamily="18" charset="0"/>
                 <a:cs typeface="Times New Roman" panose="02020603050405020304" pitchFamily="18" charset="0"/>
               </a:endParaRPr>
@@ -8773,13 +8424,13 @@
             <a:p>
               <a:pPr algn="ctr"/>
               <a:r>
-                <a:rPr lang="en-US" sz="1400" dirty="0">
+                <a:rPr lang="en-US" sz="1350" dirty="0">
                   <a:latin typeface="Times New Roman" panose="02020603050405020304" pitchFamily="18" charset="0"/>
                   <a:cs typeface="Times New Roman" panose="02020603050405020304" pitchFamily="18" charset="0"/>
                 </a:rPr>
                 <a:t>Annotation</a:t>
               </a:r>
-              <a:endParaRPr lang="en-US" sz="1400" dirty="0">
+              <a:endParaRPr lang="en-US" sz="1350" dirty="0">
                 <a:latin typeface="Times New Roman" panose="02020603050405020304" pitchFamily="18" charset="0"/>
                 <a:cs typeface="Times New Roman" panose="02020603050405020304" pitchFamily="18" charset="0"/>
               </a:endParaRPr>
@@ -8916,13 +8567,13 @@
             <a:p>
               <a:pPr algn="ctr"/>
               <a:r>
-                <a:rPr lang="en-US" sz="1400" dirty="0">
+                <a:rPr lang="en-US" sz="1350" dirty="0">
                   <a:latin typeface="Times New Roman" panose="02020603050405020304" pitchFamily="18" charset="0"/>
                   <a:cs typeface="Times New Roman" panose="02020603050405020304" pitchFamily="18" charset="0"/>
                 </a:rPr>
                 <a:t>Fast Toolbox</a:t>
               </a:r>
-              <a:endParaRPr lang="en-US" sz="1400" dirty="0">
+              <a:endParaRPr lang="en-US" sz="1350" dirty="0">
                 <a:latin typeface="Times New Roman" panose="02020603050405020304" pitchFamily="18" charset="0"/>
                 <a:cs typeface="Times New Roman" panose="02020603050405020304" pitchFamily="18" charset="0"/>
               </a:endParaRPr>
@@ -8972,7 +8623,7 @@
             <a:lstStyle/>
             <a:p>
               <a:pPr algn="ctr"/>
-              <a:endParaRPr lang="zh-CN" altLang="en-US"/>
+              <a:endParaRPr lang="zh-CN" altLang="en-US" sz="1735"/>
             </a:p>
           </p:txBody>
         </p:sp>
@@ -8985,7 +8636,7 @@
           <p:spPr>
             <a:xfrm>
               <a:off x="4723475" y="1216829"/>
-              <a:ext cx="1293669" cy="323165"/>
+              <a:ext cx="1293669" cy="325967"/>
             </a:xfrm>
             <a:prstGeom prst="rect">
               <a:avLst/>
@@ -9000,13 +8651,13 @@
             <a:p>
               <a:pPr algn="ctr"/>
               <a:r>
-                <a:rPr lang="en-US" altLang="zh-CN" sz="1500" b="1" dirty="0">
+                <a:rPr lang="en-US" altLang="zh-CN" sz="1445" b="1" dirty="0">
                   <a:latin typeface="Times New Roman" panose="02020603050405020304" pitchFamily="18" charset="0"/>
                   <a:cs typeface="Times New Roman" panose="02020603050405020304" pitchFamily="18" charset="0"/>
                 </a:rPr>
                 <a:t>Operation</a:t>
               </a:r>
-              <a:endParaRPr lang="zh-CN" altLang="en-US" sz="1500" b="1" dirty="0">
+              <a:endParaRPr lang="zh-CN" altLang="en-US" sz="1445" b="1" dirty="0">
                 <a:latin typeface="Times New Roman" panose="02020603050405020304" pitchFamily="18" charset="0"/>
                 <a:cs typeface="Times New Roman" panose="02020603050405020304" pitchFamily="18" charset="0"/>
               </a:endParaRPr>
@@ -9143,13 +8794,13 @@
             <a:p>
               <a:pPr algn="ctr"/>
               <a:r>
-                <a:rPr lang="en-US" sz="1400" dirty="0">
+                <a:rPr lang="en-US" sz="1350" dirty="0">
                   <a:latin typeface="Times New Roman" panose="02020603050405020304" pitchFamily="18" charset="0"/>
                   <a:cs typeface="Times New Roman" panose="02020603050405020304" pitchFamily="18" charset="0"/>
                 </a:rPr>
                 <a:t>Multi-View</a:t>
               </a:r>
-              <a:endParaRPr lang="en-US" sz="1400" dirty="0">
+              <a:endParaRPr lang="en-US" sz="1350" dirty="0">
                 <a:latin typeface="Times New Roman" panose="02020603050405020304" pitchFamily="18" charset="0"/>
                 <a:cs typeface="Times New Roman" panose="02020603050405020304" pitchFamily="18" charset="0"/>
               </a:endParaRPr>
@@ -9286,13 +8937,13 @@
             <a:p>
               <a:pPr algn="ctr"/>
               <a:r>
-                <a:rPr lang="en-US" sz="1400" dirty="0">
+                <a:rPr lang="en-US" sz="1350" dirty="0">
                   <a:latin typeface="Times New Roman" panose="02020603050405020304" pitchFamily="18" charset="0"/>
                   <a:cs typeface="Times New Roman" panose="02020603050405020304" pitchFamily="18" charset="0"/>
                 </a:rPr>
                 <a:t>3D-2D Fusion</a:t>
               </a:r>
-              <a:endParaRPr lang="en-US" sz="1400" dirty="0">
+              <a:endParaRPr lang="en-US" sz="1350" dirty="0">
                 <a:latin typeface="Times New Roman" panose="02020603050405020304" pitchFamily="18" charset="0"/>
                 <a:cs typeface="Times New Roman" panose="02020603050405020304" pitchFamily="18" charset="0"/>
               </a:endParaRPr>
@@ -9429,14 +9080,14 @@
             <a:p>
               <a:pPr algn="ctr"/>
               <a:r>
-                <a:rPr lang="en-US" sz="1400" dirty="0">
+                <a:rPr lang="en-US" sz="1350" dirty="0">
                   <a:latin typeface="Times New Roman" panose="02020603050405020304" pitchFamily="18" charset="0"/>
                   <a:ea typeface="+mn-lt"/>
                   <a:cs typeface="Times New Roman" panose="02020603050405020304" pitchFamily="18" charset="0"/>
                 </a:rPr>
                 <a:t>Focus Mode</a:t>
               </a:r>
-              <a:endParaRPr lang="en-US" sz="1400" dirty="0">
+              <a:endParaRPr lang="en-US" sz="1350" dirty="0">
                 <a:latin typeface="Times New Roman" panose="02020603050405020304" pitchFamily="18" charset="0"/>
                 <a:ea typeface="+mn-lt"/>
                 <a:cs typeface="Times New Roman" panose="02020603050405020304" pitchFamily="18" charset="0"/>
@@ -9574,14 +9225,14 @@
             <a:p>
               <a:pPr algn="ctr"/>
               <a:r>
-                <a:rPr lang="en-US" sz="1400" dirty="0">
+                <a:rPr lang="en-US" sz="1350" dirty="0">
                   <a:latin typeface="Times New Roman" panose="02020603050405020304" pitchFamily="18" charset="0"/>
                   <a:ea typeface="+mn-lt"/>
                   <a:cs typeface="Times New Roman" panose="02020603050405020304" pitchFamily="18" charset="0"/>
                 </a:rPr>
                 <a:t>Auto </a:t>
               </a:r>
-              <a:endParaRPr lang="en-US" sz="1400" dirty="0">
+              <a:endParaRPr lang="en-US" sz="1350" dirty="0">
                 <a:latin typeface="Times New Roman" panose="02020603050405020304" pitchFamily="18" charset="0"/>
                 <a:ea typeface="+mn-lt"/>
                 <a:cs typeface="Times New Roman" panose="02020603050405020304" pitchFamily="18" charset="0"/>
@@ -9590,14 +9241,14 @@
             <a:p>
               <a:pPr algn="ctr"/>
               <a:r>
-                <a:rPr lang="en-US" sz="1400" dirty="0">
+                <a:rPr lang="en-US" sz="1350" dirty="0">
                   <a:latin typeface="Times New Roman" panose="02020603050405020304" pitchFamily="18" charset="0"/>
                   <a:ea typeface="+mn-lt"/>
                   <a:cs typeface="Times New Roman" panose="02020603050405020304" pitchFamily="18" charset="0"/>
                 </a:rPr>
                 <a:t>Camera Switch</a:t>
               </a:r>
-              <a:endParaRPr lang="en-US" sz="1400" dirty="0">
+              <a:endParaRPr lang="en-US" sz="1350" dirty="0">
                 <a:latin typeface="Times New Roman" panose="02020603050405020304" pitchFamily="18" charset="0"/>
                 <a:ea typeface="+mn-lt"/>
                 <a:cs typeface="Times New Roman" panose="02020603050405020304" pitchFamily="18" charset="0"/>
@@ -9735,13 +9386,13 @@
             <a:p>
               <a:pPr algn="ctr"/>
               <a:r>
-                <a:rPr lang="en-US" sz="1400" dirty="0">
+                <a:rPr lang="en-US" sz="1350" dirty="0">
                   <a:latin typeface="Times New Roman" panose="02020603050405020304" pitchFamily="18" charset="0"/>
                   <a:cs typeface="Times New Roman" panose="02020603050405020304" pitchFamily="18" charset="0"/>
                 </a:rPr>
                 <a:t>Multi-Mode</a:t>
               </a:r>
-              <a:endParaRPr lang="en-US" sz="1400" dirty="0">
+              <a:endParaRPr lang="en-US" sz="1350" dirty="0">
                 <a:latin typeface="Times New Roman" panose="02020603050405020304" pitchFamily="18" charset="0"/>
                 <a:cs typeface="Times New Roman" panose="02020603050405020304" pitchFamily="18" charset="0"/>
               </a:endParaRPr>
@@ -9749,13 +9400,13 @@
             <a:p>
               <a:pPr algn="ctr"/>
               <a:r>
-                <a:rPr lang="en-US" sz="1400" dirty="0">
+                <a:rPr lang="en-US" sz="1350" dirty="0">
                   <a:latin typeface="Times New Roman" panose="02020603050405020304" pitchFamily="18" charset="0"/>
                   <a:cs typeface="Times New Roman" panose="02020603050405020304" pitchFamily="18" charset="0"/>
                 </a:rPr>
                 <a:t>Navigation</a:t>
               </a:r>
-              <a:endParaRPr lang="en-US" sz="1400" dirty="0">
+              <a:endParaRPr lang="en-US" sz="1350" dirty="0">
                 <a:latin typeface="Times New Roman" panose="02020603050405020304" pitchFamily="18" charset="0"/>
                 <a:cs typeface="Times New Roman" panose="02020603050405020304" pitchFamily="18" charset="0"/>
               </a:endParaRPr>
@@ -9805,7 +9456,7 @@
             <a:lstStyle/>
             <a:p>
               <a:pPr algn="ctr"/>
-              <a:endParaRPr lang="zh-CN" altLang="en-US"/>
+              <a:endParaRPr lang="zh-CN" altLang="en-US" sz="1735"/>
             </a:p>
           </p:txBody>
         </p:sp>
@@ -9818,7 +9469,7 @@
           <p:spPr>
             <a:xfrm>
               <a:off x="6233607" y="1237057"/>
-              <a:ext cx="1301498" cy="323165"/>
+              <a:ext cx="1301498" cy="325967"/>
             </a:xfrm>
             <a:prstGeom prst="rect">
               <a:avLst/>
@@ -9833,13 +9484,13 @@
             <a:p>
               <a:pPr algn="ctr"/>
               <a:r>
-                <a:rPr lang="en-US" altLang="zh-CN" sz="1500" b="1" dirty="0">
+                <a:rPr lang="en-US" altLang="zh-CN" sz="1445" b="1" dirty="0">
                   <a:latin typeface="Times New Roman" panose="02020603050405020304" pitchFamily="18" charset="0"/>
                   <a:cs typeface="Times New Roman" panose="02020603050405020304" pitchFamily="18" charset="0"/>
                 </a:rPr>
                 <a:t>Visualization</a:t>
               </a:r>
-              <a:endParaRPr lang="zh-CN" altLang="en-US" sz="1500" b="1" dirty="0">
+              <a:endParaRPr lang="zh-CN" altLang="en-US" sz="1445" b="1" dirty="0">
                 <a:latin typeface="Times New Roman" panose="02020603050405020304" pitchFamily="18" charset="0"/>
                 <a:cs typeface="Times New Roman" panose="02020603050405020304" pitchFamily="18" charset="0"/>
               </a:endParaRPr>
@@ -9882,13 +9533,13 @@
             <a:p>
               <a:pPr algn="ctr"/>
               <a:r>
-                <a:rPr lang="en-US" sz="1400" dirty="0">
+                <a:rPr lang="en-US" sz="1350" dirty="0">
                   <a:latin typeface="Times New Roman" panose="02020603050405020304" pitchFamily="18" charset="0"/>
                   <a:cs typeface="Times New Roman" panose="02020603050405020304" pitchFamily="18" charset="0"/>
                 </a:rPr>
                 <a:t>Ground Removal</a:t>
               </a:r>
-              <a:endParaRPr lang="en-US" sz="1400" dirty="0">
+              <a:endParaRPr lang="en-US" sz="1350" dirty="0">
                 <a:latin typeface="Times New Roman" panose="02020603050405020304" pitchFamily="18" charset="0"/>
                 <a:cs typeface="Times New Roman" panose="02020603050405020304" pitchFamily="18" charset="0"/>
               </a:endParaRPr>
@@ -10025,13 +9676,13 @@
             <a:p>
               <a:pPr algn="ctr"/>
               <a:r>
-                <a:rPr lang="en-US" sz="1400" dirty="0">
+                <a:rPr lang="en-US" sz="1350" dirty="0">
                   <a:latin typeface="Times New Roman" panose="02020603050405020304" pitchFamily="18" charset="0"/>
                   <a:cs typeface="Times New Roman" panose="02020603050405020304" pitchFamily="18" charset="0"/>
                 </a:rPr>
                 <a:t>Registration</a:t>
               </a:r>
-              <a:endParaRPr lang="en-US" sz="1400" dirty="0">
+              <a:endParaRPr lang="en-US" sz="1350" dirty="0">
                 <a:latin typeface="Times New Roman" panose="02020603050405020304" pitchFamily="18" charset="0"/>
                 <a:cs typeface="Times New Roman" panose="02020603050405020304" pitchFamily="18" charset="0"/>
               </a:endParaRPr>
@@ -10168,13 +9819,13 @@
             <a:p>
               <a:pPr algn="ctr"/>
               <a:r>
-                <a:rPr lang="en-US" sz="1400" dirty="0">
+                <a:rPr lang="en-US" sz="1350" dirty="0">
                   <a:latin typeface="Times New Roman" panose="02020603050405020304" pitchFamily="18" charset="0"/>
                   <a:cs typeface="Times New Roman" panose="02020603050405020304" pitchFamily="18" charset="0"/>
                 </a:rPr>
                 <a:t>Multi-Object</a:t>
               </a:r>
-              <a:endParaRPr lang="en-US" sz="1400" dirty="0">
+              <a:endParaRPr lang="en-US" sz="1350" dirty="0">
                 <a:latin typeface="Times New Roman" panose="02020603050405020304" pitchFamily="18" charset="0"/>
                 <a:cs typeface="Times New Roman" panose="02020603050405020304" pitchFamily="18" charset="0"/>
               </a:endParaRPr>
@@ -10182,13 +9833,13 @@
             <a:p>
               <a:pPr algn="ctr"/>
               <a:r>
-                <a:rPr lang="en-US" sz="1400" dirty="0">
+                <a:rPr lang="en-US" sz="1350" dirty="0">
                   <a:latin typeface="Times New Roman" panose="02020603050405020304" pitchFamily="18" charset="0"/>
                   <a:cs typeface="Times New Roman" panose="02020603050405020304" pitchFamily="18" charset="0"/>
                 </a:rPr>
                 <a:t>Tracking</a:t>
               </a:r>
-              <a:endParaRPr lang="en-US" sz="1400" dirty="0">
+              <a:endParaRPr lang="en-US" sz="1350" dirty="0">
                 <a:latin typeface="Times New Roman" panose="02020603050405020304" pitchFamily="18" charset="0"/>
                 <a:cs typeface="Times New Roman" panose="02020603050405020304" pitchFamily="18" charset="0"/>
               </a:endParaRPr>
@@ -10325,13 +9976,13 @@
             <a:p>
               <a:pPr algn="ctr"/>
               <a:r>
-                <a:rPr lang="en-US" sz="1400" dirty="0">
+                <a:rPr lang="en-US" sz="1350" dirty="0">
                   <a:latin typeface="Times New Roman" panose="02020603050405020304" pitchFamily="18" charset="0"/>
                   <a:cs typeface="Times New Roman" panose="02020603050405020304" pitchFamily="18" charset="0"/>
                 </a:rPr>
                 <a:t>Geometry Projection</a:t>
               </a:r>
-              <a:endParaRPr lang="en-US" sz="1400" dirty="0">
+              <a:endParaRPr lang="en-US" sz="1350" dirty="0">
                 <a:latin typeface="Times New Roman" panose="02020603050405020304" pitchFamily="18" charset="0"/>
                 <a:cs typeface="Times New Roman" panose="02020603050405020304" pitchFamily="18" charset="0"/>
               </a:endParaRPr>
@@ -10468,13 +10119,13 @@
             <a:p>
               <a:pPr algn="ctr"/>
               <a:r>
-                <a:rPr lang="en-US" sz="1400" dirty="0">
+                <a:rPr lang="en-US" sz="1350" dirty="0">
                   <a:latin typeface="Times New Roman" panose="02020603050405020304" pitchFamily="18" charset="0"/>
                   <a:cs typeface="Times New Roman" panose="02020603050405020304" pitchFamily="18" charset="0"/>
                 </a:rPr>
                 <a:t>Point Cloud </a:t>
               </a:r>
-              <a:endParaRPr lang="en-US" sz="1400" dirty="0">
+              <a:endParaRPr lang="en-US" sz="1350" dirty="0">
                 <a:latin typeface="Times New Roman" panose="02020603050405020304" pitchFamily="18" charset="0"/>
                 <a:cs typeface="Times New Roman" panose="02020603050405020304" pitchFamily="18" charset="0"/>
               </a:endParaRPr>
@@ -10482,13 +10133,13 @@
             <a:p>
               <a:pPr algn="ctr"/>
               <a:r>
-                <a:rPr lang="en-US" sz="1400" dirty="0">
+                <a:rPr lang="en-US" sz="1350" dirty="0">
                   <a:latin typeface="Times New Roman" panose="02020603050405020304" pitchFamily="18" charset="0"/>
                   <a:cs typeface="Times New Roman" panose="02020603050405020304" pitchFamily="18" charset="0"/>
                 </a:rPr>
                 <a:t>Lib</a:t>
               </a:r>
-              <a:endParaRPr lang="en-US" sz="1400" dirty="0">
+              <a:endParaRPr lang="en-US" sz="1350" dirty="0">
                 <a:latin typeface="Times New Roman" panose="02020603050405020304" pitchFamily="18" charset="0"/>
                 <a:cs typeface="Times New Roman" panose="02020603050405020304" pitchFamily="18" charset="0"/>
               </a:endParaRPr>
@@ -10538,7 +10189,7 @@
             <a:lstStyle/>
             <a:p>
               <a:pPr algn="ctr"/>
-              <a:endParaRPr lang="zh-CN" altLang="en-US"/>
+              <a:endParaRPr lang="zh-CN" altLang="en-US" sz="1735"/>
             </a:p>
           </p:txBody>
         </p:sp>
@@ -10551,7 +10202,7 @@
           <p:spPr>
             <a:xfrm>
               <a:off x="7849137" y="1237056"/>
-              <a:ext cx="1100383" cy="323165"/>
+              <a:ext cx="1100383" cy="325967"/>
             </a:xfrm>
             <a:prstGeom prst="rect">
               <a:avLst/>
@@ -10566,13 +10217,13 @@
             <a:p>
               <a:pPr algn="ctr"/>
               <a:r>
-                <a:rPr lang="en-US" altLang="zh-CN" sz="1500" b="1" dirty="0">
+                <a:rPr lang="en-US" altLang="zh-CN" sz="1445" b="1" dirty="0">
                   <a:latin typeface="Times New Roman" panose="02020603050405020304" pitchFamily="18" charset="0"/>
                   <a:cs typeface="Times New Roman" panose="02020603050405020304" pitchFamily="18" charset="0"/>
                 </a:rPr>
                 <a:t>Tool Sets</a:t>
               </a:r>
-              <a:endParaRPr lang="en-US" altLang="zh-CN" sz="1500" b="1" dirty="0">
+              <a:endParaRPr lang="en-US" altLang="zh-CN" sz="1445" b="1" dirty="0">
                 <a:latin typeface="Times New Roman" panose="02020603050405020304" pitchFamily="18" charset="0"/>
                 <a:cs typeface="Times New Roman" panose="02020603050405020304" pitchFamily="18" charset="0"/>
               </a:endParaRPr>
@@ -10615,13 +10266,13 @@
             <a:p>
               <a:pPr algn="ctr"/>
               <a:r>
-                <a:rPr lang="en-US" sz="1400" dirty="0">
+                <a:rPr lang="en-US" sz="1350" dirty="0">
                   <a:latin typeface="Times New Roman" panose="02020603050405020304" pitchFamily="18" charset="0"/>
                   <a:cs typeface="Times New Roman" panose="02020603050405020304" pitchFamily="18" charset="0"/>
                 </a:rPr>
                 <a:t>Data Retrieval </a:t>
               </a:r>
-              <a:endParaRPr lang="en-US" sz="1400" dirty="0">
+              <a:endParaRPr lang="en-US" sz="1350" dirty="0">
                 <a:latin typeface="Times New Roman" panose="02020603050405020304" pitchFamily="18" charset="0"/>
                 <a:cs typeface="Times New Roman" panose="02020603050405020304" pitchFamily="18" charset="0"/>
               </a:endParaRPr>
@@ -10664,13 +10315,13 @@
             <a:p>
               <a:pPr algn="ctr"/>
               <a:r>
-                <a:rPr lang="en-US" sz="1400" dirty="0">
+                <a:rPr lang="en-US" sz="1350" dirty="0">
                   <a:latin typeface="Times New Roman" panose="02020603050405020304" pitchFamily="18" charset="0"/>
                   <a:cs typeface="Times New Roman" panose="02020603050405020304" pitchFamily="18" charset="0"/>
                 </a:rPr>
                 <a:t>Web Framework</a:t>
               </a:r>
-              <a:endParaRPr lang="en-US" sz="1400" dirty="0">
+              <a:endParaRPr lang="en-US" sz="1350" dirty="0">
                 <a:latin typeface="Times New Roman" panose="02020603050405020304" pitchFamily="18" charset="0"/>
                 <a:cs typeface="Times New Roman" panose="02020603050405020304" pitchFamily="18" charset="0"/>
               </a:endParaRPr>
@@ -10713,13 +10364,13 @@
             <a:p>
               <a:pPr algn="ctr"/>
               <a:r>
-                <a:rPr lang="en-US" sz="1400" dirty="0">
+                <a:rPr lang="en-US" sz="1350" dirty="0">
                   <a:latin typeface="Times New Roman" panose="02020603050405020304" pitchFamily="18" charset="0"/>
                   <a:cs typeface="Times New Roman" panose="02020603050405020304" pitchFamily="18" charset="0"/>
                 </a:rPr>
                 <a:t>WebGL Library</a:t>
               </a:r>
-              <a:endParaRPr lang="en-US" sz="1400" dirty="0">
+              <a:endParaRPr lang="en-US" sz="1350" dirty="0">
                 <a:latin typeface="Times New Roman" panose="02020603050405020304" pitchFamily="18" charset="0"/>
                 <a:cs typeface="Times New Roman" panose="02020603050405020304" pitchFamily="18" charset="0"/>
               </a:endParaRPr>
@@ -10769,7 +10420,7 @@
             <a:lstStyle/>
             <a:p>
               <a:pPr algn="ctr"/>
-              <a:endParaRPr lang="zh-CN" altLang="en-US"/>
+              <a:endParaRPr lang="zh-CN" altLang="en-US" sz="1735"/>
             </a:p>
           </p:txBody>
         </p:sp>
@@ -10782,7 +10433,7 @@
           <p:spPr>
             <a:xfrm>
               <a:off x="9294265" y="1234181"/>
-              <a:ext cx="1366378" cy="323165"/>
+              <a:ext cx="1366378" cy="325967"/>
             </a:xfrm>
             <a:prstGeom prst="rect">
               <a:avLst/>
@@ -10797,13 +10448,13 @@
             <a:p>
               <a:pPr algn="ctr"/>
               <a:r>
-                <a:rPr lang="en-US" altLang="zh-CN" sz="1500" b="1" dirty="0">
+                <a:rPr lang="en-US" altLang="zh-CN" sz="1445" b="1" dirty="0">
                   <a:latin typeface="Times New Roman" panose="02020603050405020304" pitchFamily="18" charset="0"/>
                   <a:cs typeface="Times New Roman" panose="02020603050405020304" pitchFamily="18" charset="0"/>
                 </a:rPr>
                 <a:t>Infrastructure</a:t>
               </a:r>
-              <a:endParaRPr lang="en-US" altLang="zh-CN" sz="1500" b="1" dirty="0">
+              <a:endParaRPr lang="en-US" altLang="zh-CN" sz="1445" b="1" dirty="0">
                 <a:latin typeface="Times New Roman" panose="02020603050405020304" pitchFamily="18" charset="0"/>
                 <a:cs typeface="Times New Roman" panose="02020603050405020304" pitchFamily="18" charset="0"/>
               </a:endParaRPr>
@@ -10846,13 +10497,13 @@
             <a:p>
               <a:pPr algn="ctr"/>
               <a:r>
-                <a:rPr lang="en-US" sz="1400" dirty="0">
+                <a:rPr lang="en-US" sz="1350" dirty="0">
                   <a:latin typeface="Times New Roman" panose="02020603050405020304" pitchFamily="18" charset="0"/>
                   <a:cs typeface="Times New Roman" panose="02020603050405020304" pitchFamily="18" charset="0"/>
                 </a:rPr>
                 <a:t>Data store</a:t>
               </a:r>
-              <a:endParaRPr lang="en-US" sz="1400" dirty="0">
+              <a:endParaRPr lang="en-US" sz="1350" dirty="0">
                 <a:latin typeface="Times New Roman" panose="02020603050405020304" pitchFamily="18" charset="0"/>
                 <a:cs typeface="Times New Roman" panose="02020603050405020304" pitchFamily="18" charset="0"/>
               </a:endParaRPr>
@@ -10867,8 +10518,8 @@
           </p:nvSpPr>
           <p:spPr>
             <a:xfrm>
-              <a:off x="4829992" y="746426"/>
-              <a:ext cx="5643533" cy="369332"/>
+              <a:off x="4848774" y="746426"/>
+              <a:ext cx="5605968" cy="372063"/>
             </a:xfrm>
             <a:prstGeom prst="rect">
               <a:avLst/>
@@ -10882,13 +10533,13 @@
             <a:p>
               <a:pPr algn="ctr"/>
               <a:r>
-                <a:rPr lang="en-US" altLang="zh-CN" b="1" dirty="0">
+                <a:rPr lang="en-US" altLang="zh-CN" sz="1735" b="1" dirty="0">
                   <a:latin typeface="Times New Roman" panose="02020603050405020304" pitchFamily="18" charset="0"/>
                   <a:cs typeface="Times New Roman" panose="02020603050405020304" pitchFamily="18" charset="0"/>
                 </a:rPr>
                 <a:t>Data Management System &amp; User Interaction Platform</a:t>
               </a:r>
-              <a:endParaRPr lang="en-US" altLang="zh-CN" b="1" dirty="0">
+              <a:endParaRPr lang="en-US" altLang="zh-CN" sz="1735" b="1" dirty="0">
                 <a:latin typeface="Times New Roman" panose="02020603050405020304" pitchFamily="18" charset="0"/>
                 <a:cs typeface="Times New Roman" panose="02020603050405020304" pitchFamily="18" charset="0"/>
               </a:endParaRPr>

--- a/fig.pptx
+++ b/fig.pptx
@@ -5,12 +5,13 @@
     <p:sldMasterId id="2147483648" r:id="rId1"/>
   </p:sldMasterIdLst>
   <p:sldIdLst>
-    <p:sldId id="257" r:id="rId3"/>
-    <p:sldId id="256" r:id="rId4"/>
-    <p:sldId id="258" r:id="rId5"/>
-    <p:sldId id="259" r:id="rId6"/>
+    <p:sldId id="261" r:id="rId3"/>
+    <p:sldId id="258" r:id="rId4"/>
+    <p:sldId id="257" r:id="rId5"/>
+    <p:sldId id="256" r:id="rId6"/>
+    <p:sldId id="259" r:id="rId7"/>
   </p:sldIdLst>
-  <p:sldSz cx="6858000" cy="2743200"/>
+  <p:sldSz cx="9903460" cy="6858000" type="A4"/>
   <p:notesSz cx="6858000" cy="9144000"/>
   <p:defaultTextStyle>
     <a:defPPr>
@@ -139,15 +140,15 @@
         </p:nvSpPr>
         <p:spPr>
           <a:xfrm>
-            <a:off x="857250" y="448945"/>
-            <a:ext cx="5143501" cy="955040"/>
+            <a:off x="1237950" y="1122363"/>
+            <a:ext cx="7427702" cy="2387600"/>
           </a:xfrm>
         </p:spPr>
         <p:txBody>
           <a:bodyPr anchor="b"/>
           <a:lstStyle>
             <a:lvl1pPr algn="ctr">
-              <a:defRPr sz="2400"/>
+              <a:defRPr sz="6000"/>
             </a:lvl1pPr>
           </a:lstStyle>
           <a:p>
@@ -171,8 +172,8 @@
         </p:nvSpPr>
         <p:spPr>
           <a:xfrm>
-            <a:off x="857250" y="1440815"/>
-            <a:ext cx="5143501" cy="662305"/>
+            <a:off x="1237950" y="3602038"/>
+            <a:ext cx="7427702" cy="1655763"/>
           </a:xfrm>
         </p:spPr>
         <p:txBody>
@@ -180,39 +181,39 @@
           <a:lstStyle>
             <a:lvl1pPr marL="0" indent="0" algn="ctr">
               <a:buNone/>
-              <a:defRPr sz="960"/>
+              <a:defRPr sz="2400"/>
             </a:lvl1pPr>
-            <a:lvl2pPr marL="182880" indent="0" algn="ctr">
+            <a:lvl2pPr marL="457200" indent="0" algn="ctr">
               <a:buNone/>
-              <a:defRPr sz="795"/>
+              <a:defRPr sz="1990"/>
             </a:lvl2pPr>
-            <a:lvl3pPr marL="365760" indent="0" algn="ctr">
+            <a:lvl3pPr marL="914400" indent="0" algn="ctr">
               <a:buNone/>
-              <a:defRPr sz="720"/>
+              <a:defRPr sz="1800"/>
             </a:lvl3pPr>
-            <a:lvl4pPr marL="548640" indent="0" algn="ctr">
+            <a:lvl4pPr marL="1371600" indent="0" algn="ctr">
               <a:buNone/>
-              <a:defRPr sz="645"/>
+              <a:defRPr sz="1615"/>
             </a:lvl4pPr>
-            <a:lvl5pPr marL="731520" indent="0" algn="ctr">
+            <a:lvl5pPr marL="1828800" indent="0" algn="ctr">
               <a:buNone/>
-              <a:defRPr sz="645"/>
+              <a:defRPr sz="1615"/>
             </a:lvl5pPr>
-            <a:lvl6pPr marL="914400" indent="0" algn="ctr">
+            <a:lvl6pPr marL="2286000" indent="0" algn="ctr">
               <a:buNone/>
-              <a:defRPr sz="645"/>
+              <a:defRPr sz="1615"/>
             </a:lvl6pPr>
-            <a:lvl7pPr marL="1097280" indent="0" algn="ctr">
+            <a:lvl7pPr marL="2743200" indent="0" algn="ctr">
               <a:buNone/>
-              <a:defRPr sz="645"/>
+              <a:defRPr sz="1615"/>
             </a:lvl7pPr>
-            <a:lvl8pPr marL="1280160" indent="0" algn="ctr">
+            <a:lvl8pPr marL="3200400" indent="0" algn="ctr">
               <a:buNone/>
-              <a:defRPr sz="645"/>
+              <a:defRPr sz="1615"/>
             </a:lvl8pPr>
-            <a:lvl9pPr marL="1463040" indent="0" algn="ctr">
+            <a:lvl9pPr marL="3657600" indent="0" algn="ctr">
               <a:buNone/>
-              <a:defRPr sz="645"/>
+              <a:defRPr sz="1615"/>
             </a:lvl9pPr>
           </a:lstStyle>
           <a:p>
@@ -491,8 +492,8 @@
         </p:nvSpPr>
         <p:spPr>
           <a:xfrm>
-            <a:off x="4907757" y="146050"/>
-            <a:ext cx="1478757" cy="2324735"/>
+            <a:off x="7087265" y="365125"/>
+            <a:ext cx="2135465" cy="5811838"/>
           </a:xfrm>
         </p:spPr>
         <p:txBody>
@@ -519,8 +520,8 @@
         </p:nvSpPr>
         <p:spPr>
           <a:xfrm>
-            <a:off x="471488" y="146050"/>
-            <a:ext cx="4350545" cy="2324735"/>
+            <a:off x="680873" y="365125"/>
+            <a:ext cx="6282598" cy="5811838"/>
           </a:xfrm>
         </p:spPr>
         <p:txBody>
@@ -835,15 +836,15 @@
         </p:nvSpPr>
         <p:spPr>
           <a:xfrm>
-            <a:off x="467916" y="683895"/>
-            <a:ext cx="5915026" cy="1141095"/>
+            <a:off x="675715" y="1709738"/>
+            <a:ext cx="8541857" cy="2852738"/>
           </a:xfrm>
         </p:spPr>
         <p:txBody>
           <a:bodyPr anchor="b"/>
           <a:lstStyle>
             <a:lvl1pPr>
-              <a:defRPr sz="2400"/>
+              <a:defRPr sz="6000"/>
             </a:lvl1pPr>
           </a:lstStyle>
           <a:p>
@@ -867,8 +868,8 @@
         </p:nvSpPr>
         <p:spPr>
           <a:xfrm>
-            <a:off x="467916" y="1835785"/>
-            <a:ext cx="5915026" cy="600075"/>
+            <a:off x="675715" y="4589463"/>
+            <a:ext cx="8541857" cy="1500188"/>
           </a:xfrm>
         </p:spPr>
         <p:txBody>
@@ -876,7 +877,7 @@
           <a:lstStyle>
             <a:lvl1pPr marL="0" indent="0">
               <a:buNone/>
-              <a:defRPr sz="960">
+              <a:defRPr sz="2400">
                 <a:solidFill>
                   <a:schemeClr val="tx1">
                     <a:tint val="75000"/>
@@ -884,9 +885,9 @@
                 </a:solidFill>
               </a:defRPr>
             </a:lvl1pPr>
-            <a:lvl2pPr marL="182880" indent="0">
+            <a:lvl2pPr marL="457200" indent="0">
               <a:buNone/>
-              <a:defRPr sz="795">
+              <a:defRPr sz="1990">
                 <a:solidFill>
                   <a:schemeClr val="tx1">
                     <a:tint val="75000"/>
@@ -894,9 +895,9 @@
                 </a:solidFill>
               </a:defRPr>
             </a:lvl2pPr>
-            <a:lvl3pPr marL="365760" indent="0">
+            <a:lvl3pPr marL="914400" indent="0">
               <a:buNone/>
-              <a:defRPr sz="720">
+              <a:defRPr sz="1800">
                 <a:solidFill>
                   <a:schemeClr val="tx1">
                     <a:tint val="75000"/>
@@ -904,9 +905,9 @@
                 </a:solidFill>
               </a:defRPr>
             </a:lvl3pPr>
-            <a:lvl4pPr marL="548640" indent="0">
+            <a:lvl4pPr marL="1371600" indent="0">
               <a:buNone/>
-              <a:defRPr sz="645">
+              <a:defRPr sz="1615">
                 <a:solidFill>
                   <a:schemeClr val="tx1">
                     <a:tint val="75000"/>
@@ -914,9 +915,9 @@
                 </a:solidFill>
               </a:defRPr>
             </a:lvl4pPr>
-            <a:lvl5pPr marL="731520" indent="0">
+            <a:lvl5pPr marL="1828800" indent="0">
               <a:buNone/>
-              <a:defRPr sz="645">
+              <a:defRPr sz="1615">
                 <a:solidFill>
                   <a:schemeClr val="tx1">
                     <a:tint val="75000"/>
@@ -924,9 +925,9 @@
                 </a:solidFill>
               </a:defRPr>
             </a:lvl5pPr>
-            <a:lvl6pPr marL="914400" indent="0">
+            <a:lvl6pPr marL="2286000" indent="0">
               <a:buNone/>
-              <a:defRPr sz="645">
+              <a:defRPr sz="1615">
                 <a:solidFill>
                   <a:schemeClr val="tx1">
                     <a:tint val="75000"/>
@@ -934,9 +935,9 @@
                 </a:solidFill>
               </a:defRPr>
             </a:lvl6pPr>
-            <a:lvl7pPr marL="1097280" indent="0">
+            <a:lvl7pPr marL="2743200" indent="0">
               <a:buNone/>
-              <a:defRPr sz="645">
+              <a:defRPr sz="1615">
                 <a:solidFill>
                   <a:schemeClr val="tx1">
                     <a:tint val="75000"/>
@@ -944,9 +945,9 @@
                 </a:solidFill>
               </a:defRPr>
             </a:lvl7pPr>
-            <a:lvl8pPr marL="1280160" indent="0">
+            <a:lvl8pPr marL="3200400" indent="0">
               <a:buNone/>
-              <a:defRPr sz="645">
+              <a:defRPr sz="1615">
                 <a:solidFill>
                   <a:schemeClr val="tx1">
                     <a:tint val="75000"/>
@@ -954,9 +955,9 @@
                 </a:solidFill>
               </a:defRPr>
             </a:lvl8pPr>
-            <a:lvl9pPr marL="1463040" indent="0">
+            <a:lvl9pPr marL="3657600" indent="0">
               <a:buNone/>
-              <a:defRPr sz="645">
+              <a:defRPr sz="1615">
                 <a:solidFill>
                   <a:schemeClr val="tx1">
                     <a:tint val="75000"/>
@@ -1098,8 +1099,8 @@
         </p:nvSpPr>
         <p:spPr>
           <a:xfrm>
-            <a:off x="471488" y="730250"/>
-            <a:ext cx="2914651" cy="1740535"/>
+            <a:off x="680873" y="1825625"/>
+            <a:ext cx="4209032" cy="4351338"/>
           </a:xfrm>
         </p:spPr>
         <p:txBody>
@@ -1159,8 +1160,8 @@
         </p:nvSpPr>
         <p:spPr>
           <a:xfrm>
-            <a:off x="3471863" y="730250"/>
-            <a:ext cx="2914651" cy="1740535"/>
+            <a:off x="5013698" y="1825625"/>
+            <a:ext cx="4209032" cy="4351338"/>
           </a:xfrm>
         </p:spPr>
         <p:txBody>
@@ -1308,8 +1309,8 @@
         </p:nvSpPr>
         <p:spPr>
           <a:xfrm>
-            <a:off x="472381" y="146050"/>
-            <a:ext cx="5915026" cy="530225"/>
+            <a:off x="682163" y="365125"/>
+            <a:ext cx="8541857" cy="1325563"/>
           </a:xfrm>
         </p:spPr>
         <p:txBody>
@@ -1336,8 +1337,8 @@
         </p:nvSpPr>
         <p:spPr>
           <a:xfrm>
-            <a:off x="472381" y="672465"/>
-            <a:ext cx="2901256" cy="329565"/>
+            <a:off x="682163" y="1681163"/>
+            <a:ext cx="4189688" cy="823913"/>
           </a:xfrm>
         </p:spPr>
         <p:txBody>
@@ -1345,39 +1346,39 @@
           <a:lstStyle>
             <a:lvl1pPr marL="0" indent="0">
               <a:buNone/>
-              <a:defRPr sz="960" b="1"/>
+              <a:defRPr sz="2400" b="1"/>
             </a:lvl1pPr>
-            <a:lvl2pPr marL="182880" indent="0">
+            <a:lvl2pPr marL="457200" indent="0">
               <a:buNone/>
-              <a:defRPr sz="795" b="1"/>
+              <a:defRPr sz="1990" b="1"/>
             </a:lvl2pPr>
-            <a:lvl3pPr marL="365760" indent="0">
+            <a:lvl3pPr marL="914400" indent="0">
               <a:buNone/>
-              <a:defRPr sz="720" b="1"/>
+              <a:defRPr sz="1800" b="1"/>
             </a:lvl3pPr>
-            <a:lvl4pPr marL="548640" indent="0">
+            <a:lvl4pPr marL="1371600" indent="0">
               <a:buNone/>
-              <a:defRPr sz="645" b="1"/>
+              <a:defRPr sz="1615" b="1"/>
             </a:lvl4pPr>
-            <a:lvl5pPr marL="731520" indent="0">
+            <a:lvl5pPr marL="1828800" indent="0">
               <a:buNone/>
-              <a:defRPr sz="645" b="1"/>
+              <a:defRPr sz="1615" b="1"/>
             </a:lvl5pPr>
-            <a:lvl6pPr marL="914400" indent="0">
+            <a:lvl6pPr marL="2286000" indent="0">
               <a:buNone/>
-              <a:defRPr sz="645" b="1"/>
+              <a:defRPr sz="1615" b="1"/>
             </a:lvl6pPr>
-            <a:lvl7pPr marL="1097280" indent="0">
+            <a:lvl7pPr marL="2743200" indent="0">
               <a:buNone/>
-              <a:defRPr sz="645" b="1"/>
+              <a:defRPr sz="1615" b="1"/>
             </a:lvl7pPr>
-            <a:lvl8pPr marL="1280160" indent="0">
+            <a:lvl8pPr marL="3200400" indent="0">
               <a:buNone/>
-              <a:defRPr sz="645" b="1"/>
+              <a:defRPr sz="1615" b="1"/>
             </a:lvl8pPr>
-            <a:lvl9pPr marL="1463040" indent="0">
+            <a:lvl9pPr marL="3657600" indent="0">
               <a:buNone/>
-              <a:defRPr sz="645" b="1"/>
+              <a:defRPr sz="1615" b="1"/>
             </a:lvl9pPr>
           </a:lstStyle>
           <a:p>
@@ -1402,8 +1403,8 @@
         </p:nvSpPr>
         <p:spPr>
           <a:xfrm>
-            <a:off x="472381" y="1002030"/>
-            <a:ext cx="2901256" cy="1473835"/>
+            <a:off x="682163" y="2505075"/>
+            <a:ext cx="4189688" cy="3684588"/>
           </a:xfrm>
         </p:spPr>
         <p:txBody>
@@ -1463,8 +1464,8 @@
         </p:nvSpPr>
         <p:spPr>
           <a:xfrm>
-            <a:off x="3471863" y="672465"/>
-            <a:ext cx="2915544" cy="329565"/>
+            <a:off x="5013698" y="1681163"/>
+            <a:ext cx="4210321" cy="823913"/>
           </a:xfrm>
         </p:spPr>
         <p:txBody>
@@ -1472,39 +1473,39 @@
           <a:lstStyle>
             <a:lvl1pPr marL="0" indent="0">
               <a:buNone/>
-              <a:defRPr sz="960" b="1"/>
+              <a:defRPr sz="2400" b="1"/>
             </a:lvl1pPr>
-            <a:lvl2pPr marL="182880" indent="0">
+            <a:lvl2pPr marL="457200" indent="0">
               <a:buNone/>
-              <a:defRPr sz="795" b="1"/>
+              <a:defRPr sz="1990" b="1"/>
             </a:lvl2pPr>
-            <a:lvl3pPr marL="365760" indent="0">
+            <a:lvl3pPr marL="914400" indent="0">
               <a:buNone/>
-              <a:defRPr sz="720" b="1"/>
+              <a:defRPr sz="1800" b="1"/>
             </a:lvl3pPr>
-            <a:lvl4pPr marL="548640" indent="0">
+            <a:lvl4pPr marL="1371600" indent="0">
               <a:buNone/>
-              <a:defRPr sz="645" b="1"/>
+              <a:defRPr sz="1615" b="1"/>
             </a:lvl4pPr>
-            <a:lvl5pPr marL="731520" indent="0">
+            <a:lvl5pPr marL="1828800" indent="0">
               <a:buNone/>
-              <a:defRPr sz="645" b="1"/>
+              <a:defRPr sz="1615" b="1"/>
             </a:lvl5pPr>
-            <a:lvl6pPr marL="914400" indent="0">
+            <a:lvl6pPr marL="2286000" indent="0">
               <a:buNone/>
-              <a:defRPr sz="645" b="1"/>
+              <a:defRPr sz="1615" b="1"/>
             </a:lvl6pPr>
-            <a:lvl7pPr marL="1097280" indent="0">
+            <a:lvl7pPr marL="2743200" indent="0">
               <a:buNone/>
-              <a:defRPr sz="645" b="1"/>
+              <a:defRPr sz="1615" b="1"/>
             </a:lvl7pPr>
-            <a:lvl8pPr marL="1280160" indent="0">
+            <a:lvl8pPr marL="3200400" indent="0">
               <a:buNone/>
-              <a:defRPr sz="645" b="1"/>
+              <a:defRPr sz="1615" b="1"/>
             </a:lvl8pPr>
-            <a:lvl9pPr marL="1463040" indent="0">
+            <a:lvl9pPr marL="3657600" indent="0">
               <a:buNone/>
-              <a:defRPr sz="645" b="1"/>
+              <a:defRPr sz="1615" b="1"/>
             </a:lvl9pPr>
           </a:lstStyle>
           <a:p>
@@ -1529,8 +1530,8 @@
         </p:nvSpPr>
         <p:spPr>
           <a:xfrm>
-            <a:off x="3471863" y="1002030"/>
-            <a:ext cx="2915544" cy="1473835"/>
+            <a:off x="5013698" y="2505075"/>
+            <a:ext cx="4210321" cy="3684588"/>
           </a:xfrm>
         </p:spPr>
         <p:txBody>
@@ -1877,15 +1878,15 @@
         </p:nvSpPr>
         <p:spPr>
           <a:xfrm>
-            <a:off x="472381" y="182880"/>
-            <a:ext cx="2211884" cy="640080"/>
+            <a:off x="682163" y="457200"/>
+            <a:ext cx="3194170" cy="1600200"/>
           </a:xfrm>
         </p:spPr>
         <p:txBody>
           <a:bodyPr anchor="b"/>
           <a:lstStyle>
             <a:lvl1pPr>
-              <a:defRPr sz="1275"/>
+              <a:defRPr sz="3190"/>
             </a:lvl1pPr>
           </a:lstStyle>
           <a:p>
@@ -1909,39 +1910,39 @@
         </p:nvSpPr>
         <p:spPr>
           <a:xfrm>
-            <a:off x="2915544" y="394970"/>
-            <a:ext cx="3471863" cy="1949450"/>
+            <a:off x="4210321" y="987425"/>
+            <a:ext cx="5013698" cy="4873625"/>
           </a:xfrm>
         </p:spPr>
         <p:txBody>
           <a:bodyPr/>
           <a:lstStyle>
             <a:lvl1pPr>
-              <a:defRPr sz="1275"/>
+              <a:defRPr sz="3190"/>
             </a:lvl1pPr>
             <a:lvl2pPr>
-              <a:defRPr sz="1125"/>
+              <a:defRPr sz="2815"/>
             </a:lvl2pPr>
             <a:lvl3pPr>
-              <a:defRPr sz="960"/>
+              <a:defRPr sz="2400"/>
             </a:lvl3pPr>
             <a:lvl4pPr>
-              <a:defRPr sz="795"/>
+              <a:defRPr sz="1990"/>
             </a:lvl4pPr>
             <a:lvl5pPr>
-              <a:defRPr sz="795"/>
+              <a:defRPr sz="1990"/>
             </a:lvl5pPr>
             <a:lvl6pPr>
-              <a:defRPr sz="795"/>
+              <a:defRPr sz="1990"/>
             </a:lvl6pPr>
             <a:lvl7pPr>
-              <a:defRPr sz="795"/>
+              <a:defRPr sz="1990"/>
             </a:lvl7pPr>
             <a:lvl8pPr>
-              <a:defRPr sz="795"/>
+              <a:defRPr sz="1990"/>
             </a:lvl8pPr>
             <a:lvl9pPr>
-              <a:defRPr sz="795"/>
+              <a:defRPr sz="1990"/>
             </a:lvl9pPr>
           </a:lstStyle>
           <a:p>
@@ -1998,8 +1999,8 @@
         </p:nvSpPr>
         <p:spPr>
           <a:xfrm>
-            <a:off x="472381" y="822960"/>
-            <a:ext cx="2211884" cy="1524635"/>
+            <a:off x="682163" y="2057400"/>
+            <a:ext cx="3194170" cy="3811588"/>
           </a:xfrm>
         </p:spPr>
         <p:txBody>
@@ -2007,39 +2008,39 @@
           <a:lstStyle>
             <a:lvl1pPr marL="0" indent="0">
               <a:buNone/>
-              <a:defRPr sz="645"/>
+              <a:defRPr sz="1615"/>
             </a:lvl1pPr>
-            <a:lvl2pPr marL="182880" indent="0">
+            <a:lvl2pPr marL="457200" indent="0">
               <a:buNone/>
-              <a:defRPr sz="555"/>
+              <a:defRPr sz="1390"/>
             </a:lvl2pPr>
-            <a:lvl3pPr marL="365760" indent="0">
+            <a:lvl3pPr marL="914400" indent="0">
               <a:buNone/>
-              <a:defRPr sz="480"/>
+              <a:defRPr sz="1200"/>
             </a:lvl3pPr>
-            <a:lvl4pPr marL="548640" indent="0">
+            <a:lvl4pPr marL="1371600" indent="0">
               <a:buNone/>
-              <a:defRPr sz="405"/>
+              <a:defRPr sz="1015"/>
             </a:lvl4pPr>
-            <a:lvl5pPr marL="731520" indent="0">
+            <a:lvl5pPr marL="1828800" indent="0">
               <a:buNone/>
-              <a:defRPr sz="405"/>
+              <a:defRPr sz="1015"/>
             </a:lvl5pPr>
-            <a:lvl6pPr marL="914400" indent="0">
+            <a:lvl6pPr marL="2286000" indent="0">
               <a:buNone/>
-              <a:defRPr sz="405"/>
+              <a:defRPr sz="1015"/>
             </a:lvl6pPr>
-            <a:lvl7pPr marL="1097280" indent="0">
+            <a:lvl7pPr marL="2743200" indent="0">
               <a:buNone/>
-              <a:defRPr sz="405"/>
+              <a:defRPr sz="1015"/>
             </a:lvl7pPr>
-            <a:lvl8pPr marL="1280160" indent="0">
+            <a:lvl8pPr marL="3200400" indent="0">
               <a:buNone/>
-              <a:defRPr sz="405"/>
+              <a:defRPr sz="1015"/>
             </a:lvl8pPr>
-            <a:lvl9pPr marL="1463040" indent="0">
+            <a:lvl9pPr marL="3657600" indent="0">
               <a:buNone/>
-              <a:defRPr sz="405"/>
+              <a:defRPr sz="1015"/>
             </a:lvl9pPr>
           </a:lstStyle>
           <a:p>
@@ -2152,15 +2153,15 @@
         </p:nvSpPr>
         <p:spPr>
           <a:xfrm>
-            <a:off x="472381" y="182880"/>
-            <a:ext cx="2211884" cy="640080"/>
+            <a:off x="682163" y="457200"/>
+            <a:ext cx="3194170" cy="1600200"/>
           </a:xfrm>
         </p:spPr>
         <p:txBody>
           <a:bodyPr anchor="b"/>
           <a:lstStyle>
             <a:lvl1pPr>
-              <a:defRPr sz="1275"/>
+              <a:defRPr sz="3190"/>
             </a:lvl1pPr>
           </a:lstStyle>
           <a:p>
@@ -2184,8 +2185,8 @@
         </p:nvSpPr>
         <p:spPr>
           <a:xfrm>
-            <a:off x="2915544" y="394970"/>
-            <a:ext cx="3471863" cy="1949450"/>
+            <a:off x="4210321" y="987425"/>
+            <a:ext cx="5013698" cy="4873625"/>
           </a:xfrm>
         </p:spPr>
         <p:txBody>
@@ -2193,39 +2194,39 @@
           <a:lstStyle>
             <a:lvl1pPr marL="0" indent="0">
               <a:buNone/>
-              <a:defRPr sz="1275"/>
+              <a:defRPr sz="3190"/>
             </a:lvl1pPr>
-            <a:lvl2pPr marL="182880" indent="0">
+            <a:lvl2pPr marL="457200" indent="0">
               <a:buNone/>
-              <a:defRPr sz="1125"/>
+              <a:defRPr sz="2815"/>
             </a:lvl2pPr>
-            <a:lvl3pPr marL="365760" indent="0">
+            <a:lvl3pPr marL="914400" indent="0">
               <a:buNone/>
-              <a:defRPr sz="960"/>
+              <a:defRPr sz="2400"/>
             </a:lvl3pPr>
-            <a:lvl4pPr marL="548640" indent="0">
+            <a:lvl4pPr marL="1371600" indent="0">
               <a:buNone/>
-              <a:defRPr sz="795"/>
+              <a:defRPr sz="1990"/>
             </a:lvl4pPr>
-            <a:lvl5pPr marL="731520" indent="0">
+            <a:lvl5pPr marL="1828800" indent="0">
               <a:buNone/>
-              <a:defRPr sz="795"/>
+              <a:defRPr sz="1990"/>
             </a:lvl5pPr>
-            <a:lvl6pPr marL="914400" indent="0">
+            <a:lvl6pPr marL="2286000" indent="0">
               <a:buNone/>
-              <a:defRPr sz="795"/>
+              <a:defRPr sz="1990"/>
             </a:lvl6pPr>
-            <a:lvl7pPr marL="1097280" indent="0">
+            <a:lvl7pPr marL="2743200" indent="0">
               <a:buNone/>
-              <a:defRPr sz="795"/>
+              <a:defRPr sz="1990"/>
             </a:lvl7pPr>
-            <a:lvl8pPr marL="1280160" indent="0">
+            <a:lvl8pPr marL="3200400" indent="0">
               <a:buNone/>
-              <a:defRPr sz="795"/>
+              <a:defRPr sz="1990"/>
             </a:lvl8pPr>
-            <a:lvl9pPr marL="1463040" indent="0">
+            <a:lvl9pPr marL="3657600" indent="0">
               <a:buNone/>
-              <a:defRPr sz="795"/>
+              <a:defRPr sz="1990"/>
             </a:lvl9pPr>
           </a:lstStyle>
           <a:p>
@@ -2249,8 +2250,8 @@
         </p:nvSpPr>
         <p:spPr>
           <a:xfrm>
-            <a:off x="472381" y="822960"/>
-            <a:ext cx="2211884" cy="1524635"/>
+            <a:off x="682163" y="2057400"/>
+            <a:ext cx="3194170" cy="3811588"/>
           </a:xfrm>
         </p:spPr>
         <p:txBody>
@@ -2258,39 +2259,39 @@
           <a:lstStyle>
             <a:lvl1pPr marL="0" indent="0">
               <a:buNone/>
-              <a:defRPr sz="645"/>
+              <a:defRPr sz="1615"/>
             </a:lvl1pPr>
-            <a:lvl2pPr marL="182880" indent="0">
+            <a:lvl2pPr marL="457200" indent="0">
               <a:buNone/>
-              <a:defRPr sz="555"/>
+              <a:defRPr sz="1390"/>
             </a:lvl2pPr>
-            <a:lvl3pPr marL="365760" indent="0">
+            <a:lvl3pPr marL="914400" indent="0">
               <a:buNone/>
-              <a:defRPr sz="480"/>
+              <a:defRPr sz="1200"/>
             </a:lvl3pPr>
-            <a:lvl4pPr marL="548640" indent="0">
+            <a:lvl4pPr marL="1371600" indent="0">
               <a:buNone/>
-              <a:defRPr sz="405"/>
+              <a:defRPr sz="1015"/>
             </a:lvl4pPr>
-            <a:lvl5pPr marL="731520" indent="0">
+            <a:lvl5pPr marL="1828800" indent="0">
               <a:buNone/>
-              <a:defRPr sz="405"/>
+              <a:defRPr sz="1015"/>
             </a:lvl5pPr>
-            <a:lvl6pPr marL="914400" indent="0">
+            <a:lvl6pPr marL="2286000" indent="0">
               <a:buNone/>
-              <a:defRPr sz="405"/>
+              <a:defRPr sz="1015"/>
             </a:lvl6pPr>
-            <a:lvl7pPr marL="1097280" indent="0">
+            <a:lvl7pPr marL="2743200" indent="0">
               <a:buNone/>
-              <a:defRPr sz="405"/>
+              <a:defRPr sz="1015"/>
             </a:lvl7pPr>
-            <a:lvl8pPr marL="1280160" indent="0">
+            <a:lvl8pPr marL="3200400" indent="0">
               <a:buNone/>
-              <a:defRPr sz="405"/>
+              <a:defRPr sz="1015"/>
             </a:lvl8pPr>
-            <a:lvl9pPr marL="1463040" indent="0">
+            <a:lvl9pPr marL="3657600" indent="0">
               <a:buNone/>
-              <a:defRPr sz="405"/>
+              <a:defRPr sz="1015"/>
             </a:lvl9pPr>
           </a:lstStyle>
           <a:p>
@@ -2408,8 +2409,8 @@
         </p:nvSpPr>
         <p:spPr>
           <a:xfrm>
-            <a:off x="471488" y="146050"/>
-            <a:ext cx="5915026" cy="530225"/>
+            <a:off x="680873" y="365125"/>
+            <a:ext cx="8541857" cy="1325563"/>
           </a:xfrm>
           <a:prstGeom prst="rect">
             <a:avLst/>
@@ -2441,8 +2442,8 @@
         </p:nvSpPr>
         <p:spPr>
           <a:xfrm>
-            <a:off x="471488" y="730250"/>
-            <a:ext cx="5915026" cy="1740535"/>
+            <a:off x="680873" y="1825625"/>
+            <a:ext cx="8541857" cy="4351338"/>
           </a:xfrm>
           <a:prstGeom prst="rect">
             <a:avLst/>
@@ -2507,8 +2508,8 @@
         </p:nvSpPr>
         <p:spPr>
           <a:xfrm>
-            <a:off x="471488" y="2542540"/>
-            <a:ext cx="1543050" cy="146050"/>
+            <a:off x="680873" y="6356350"/>
+            <a:ext cx="2228310" cy="365125"/>
           </a:xfrm>
           <a:prstGeom prst="rect">
             <a:avLst/>
@@ -2518,7 +2519,7 @@
           <a:bodyPr vert="horz" lIns="91440" tIns="45720" rIns="91440" bIns="45720" rtlCol="0" anchor="ctr"/>
           <a:lstStyle>
             <a:lvl1pPr algn="l">
-              <a:defRPr sz="480">
+              <a:defRPr sz="1200">
                 <a:solidFill>
                   <a:schemeClr val="tx1">
                     <a:tint val="75000"/>
@@ -2547,8 +2548,8 @@
         </p:nvSpPr>
         <p:spPr>
           <a:xfrm>
-            <a:off x="2271713" y="2542540"/>
-            <a:ext cx="2314575" cy="146050"/>
+            <a:off x="3280568" y="6356350"/>
+            <a:ext cx="3342465" cy="365125"/>
           </a:xfrm>
           <a:prstGeom prst="rect">
             <a:avLst/>
@@ -2558,7 +2559,7 @@
           <a:bodyPr vert="horz" lIns="91440" tIns="45720" rIns="91440" bIns="45720" rtlCol="0" anchor="ctr"/>
           <a:lstStyle>
             <a:lvl1pPr algn="ctr">
-              <a:defRPr sz="480">
+              <a:defRPr sz="1200">
                 <a:solidFill>
                   <a:schemeClr val="tx1">
                     <a:tint val="75000"/>
@@ -2584,8 +2585,8 @@
         </p:nvSpPr>
         <p:spPr>
           <a:xfrm>
-            <a:off x="4843463" y="2542540"/>
-            <a:ext cx="1543050" cy="146050"/>
+            <a:off x="6994418" y="6356350"/>
+            <a:ext cx="2228310" cy="365125"/>
           </a:xfrm>
           <a:prstGeom prst="rect">
             <a:avLst/>
@@ -2595,7 +2596,7 @@
           <a:bodyPr vert="horz" lIns="91440" tIns="45720" rIns="91440" bIns="45720" rtlCol="0" anchor="ctr"/>
           <a:lstStyle>
             <a:lvl1pPr algn="r">
-              <a:defRPr sz="480">
+              <a:defRPr sz="1200">
                 <a:solidFill>
                   <a:schemeClr val="tx1">
                     <a:tint val="75000"/>
@@ -2630,7 +2631,7 @@
   </p:sldLayoutIdLst>
   <p:txStyles>
     <p:titleStyle>
-      <a:lvl1pPr algn="l" defTabSz="365760" rtl="0" eaLnBrk="1" latinLnBrk="0" hangingPunct="1">
+      <a:lvl1pPr algn="l" defTabSz="914400" rtl="0" eaLnBrk="1" latinLnBrk="0" hangingPunct="1">
         <a:lnSpc>
           <a:spcPct val="90000"/>
         </a:lnSpc>
@@ -2638,7 +2639,7 @@
           <a:spcPct val="0"/>
         </a:spcBef>
         <a:buNone/>
-        <a:defRPr sz="1755" kern="1200">
+        <a:defRPr sz="4390" kern="1200">
           <a:solidFill>
             <a:schemeClr val="tx1"/>
           </a:solidFill>
@@ -2649,16 +2650,16 @@
       </a:lvl1pPr>
     </p:titleStyle>
     <p:bodyStyle>
-      <a:lvl1pPr marL="91440" indent="-91440" algn="l" defTabSz="365760" rtl="0" eaLnBrk="1" latinLnBrk="0" hangingPunct="1">
+      <a:lvl1pPr marL="228600" indent="-228600" algn="l" defTabSz="914400" rtl="0" eaLnBrk="1" latinLnBrk="0" hangingPunct="1">
         <a:lnSpc>
           <a:spcPct val="90000"/>
         </a:lnSpc>
         <a:spcBef>
-          <a:spcPct val="80000"/>
+          <a:spcPct val="200000"/>
         </a:spcBef>
         <a:buFont typeface="Arial" panose="020B0604020202020204" pitchFamily="34" charset="0"/>
         <a:buChar char="•"/>
-        <a:defRPr sz="1125" kern="1200">
+        <a:defRPr sz="2815" kern="1200">
           <a:solidFill>
             <a:schemeClr val="tx1"/>
           </a:solidFill>
@@ -2667,16 +2668,16 @@
           <a:cs typeface="+mn-cs"/>
         </a:defRPr>
       </a:lvl1pPr>
-      <a:lvl2pPr marL="274320" indent="-91440" algn="l" defTabSz="365760" rtl="0" eaLnBrk="1" latinLnBrk="0" hangingPunct="1">
+      <a:lvl2pPr marL="685800" indent="-228600" algn="l" defTabSz="914400" rtl="0" eaLnBrk="1" latinLnBrk="0" hangingPunct="1">
         <a:lnSpc>
           <a:spcPct val="90000"/>
         </a:lnSpc>
         <a:spcBef>
-          <a:spcPct val="40000"/>
+          <a:spcPct val="100000"/>
         </a:spcBef>
         <a:buFont typeface="Arial" panose="020B0604020202020204" pitchFamily="34" charset="0"/>
         <a:buChar char="•"/>
-        <a:defRPr sz="960" kern="1200">
+        <a:defRPr sz="2400" kern="1200">
           <a:solidFill>
             <a:schemeClr val="tx1"/>
           </a:solidFill>
@@ -2685,16 +2686,16 @@
           <a:cs typeface="+mn-cs"/>
         </a:defRPr>
       </a:lvl2pPr>
-      <a:lvl3pPr marL="457200" indent="-91440" algn="l" defTabSz="365760" rtl="0" eaLnBrk="1" latinLnBrk="0" hangingPunct="1">
+      <a:lvl3pPr marL="1143000" indent="-228600" algn="l" defTabSz="914400" rtl="0" eaLnBrk="1" latinLnBrk="0" hangingPunct="1">
         <a:lnSpc>
           <a:spcPct val="90000"/>
         </a:lnSpc>
         <a:spcBef>
-          <a:spcPct val="40000"/>
+          <a:spcPct val="100000"/>
         </a:spcBef>
         <a:buFont typeface="Arial" panose="020B0604020202020204" pitchFamily="34" charset="0"/>
         <a:buChar char="•"/>
-        <a:defRPr sz="795" kern="1200">
+        <a:defRPr sz="1990" kern="1200">
           <a:solidFill>
             <a:schemeClr val="tx1"/>
           </a:solidFill>
@@ -2703,16 +2704,16 @@
           <a:cs typeface="+mn-cs"/>
         </a:defRPr>
       </a:lvl3pPr>
-      <a:lvl4pPr marL="640080" indent="-91440" algn="l" defTabSz="365760" rtl="0" eaLnBrk="1" latinLnBrk="0" hangingPunct="1">
+      <a:lvl4pPr marL="1600200" indent="-228600" algn="l" defTabSz="914400" rtl="0" eaLnBrk="1" latinLnBrk="0" hangingPunct="1">
         <a:lnSpc>
           <a:spcPct val="90000"/>
         </a:lnSpc>
         <a:spcBef>
-          <a:spcPct val="40000"/>
+          <a:spcPct val="100000"/>
         </a:spcBef>
         <a:buFont typeface="Arial" panose="020B0604020202020204" pitchFamily="34" charset="0"/>
         <a:buChar char="•"/>
-        <a:defRPr sz="720" kern="1200">
+        <a:defRPr sz="1800" kern="1200">
           <a:solidFill>
             <a:schemeClr val="tx1"/>
           </a:solidFill>
@@ -2721,16 +2722,16 @@
           <a:cs typeface="+mn-cs"/>
         </a:defRPr>
       </a:lvl4pPr>
-      <a:lvl5pPr marL="822960" indent="-91440" algn="l" defTabSz="365760" rtl="0" eaLnBrk="1" latinLnBrk="0" hangingPunct="1">
+      <a:lvl5pPr marL="2057400" indent="-228600" algn="l" defTabSz="914400" rtl="0" eaLnBrk="1" latinLnBrk="0" hangingPunct="1">
         <a:lnSpc>
           <a:spcPct val="90000"/>
         </a:lnSpc>
         <a:spcBef>
-          <a:spcPct val="40000"/>
+          <a:spcPct val="100000"/>
         </a:spcBef>
         <a:buFont typeface="Arial" panose="020B0604020202020204" pitchFamily="34" charset="0"/>
         <a:buChar char="•"/>
-        <a:defRPr sz="720" kern="1200">
+        <a:defRPr sz="1800" kern="1200">
           <a:solidFill>
             <a:schemeClr val="tx1"/>
           </a:solidFill>
@@ -2739,16 +2740,16 @@
           <a:cs typeface="+mn-cs"/>
         </a:defRPr>
       </a:lvl5pPr>
-      <a:lvl6pPr marL="1005840" indent="-91440" algn="l" defTabSz="365760" rtl="0" eaLnBrk="1" latinLnBrk="0" hangingPunct="1">
+      <a:lvl6pPr marL="2514600" indent="-228600" algn="l" defTabSz="914400" rtl="0" eaLnBrk="1" latinLnBrk="0" hangingPunct="1">
         <a:lnSpc>
           <a:spcPct val="90000"/>
         </a:lnSpc>
         <a:spcBef>
-          <a:spcPct val="40000"/>
+          <a:spcPct val="100000"/>
         </a:spcBef>
         <a:buFont typeface="Arial" panose="020B0604020202020204" pitchFamily="34" charset="0"/>
         <a:buChar char="•"/>
-        <a:defRPr sz="720" kern="1200">
+        <a:defRPr sz="1800" kern="1200">
           <a:solidFill>
             <a:schemeClr val="tx1"/>
           </a:solidFill>
@@ -2757,16 +2758,16 @@
           <a:cs typeface="+mn-cs"/>
         </a:defRPr>
       </a:lvl6pPr>
-      <a:lvl7pPr marL="1188720" indent="-91440" algn="l" defTabSz="365760" rtl="0" eaLnBrk="1" latinLnBrk="0" hangingPunct="1">
+      <a:lvl7pPr marL="2971800" indent="-228600" algn="l" defTabSz="914400" rtl="0" eaLnBrk="1" latinLnBrk="0" hangingPunct="1">
         <a:lnSpc>
           <a:spcPct val="90000"/>
         </a:lnSpc>
         <a:spcBef>
-          <a:spcPct val="40000"/>
+          <a:spcPct val="100000"/>
         </a:spcBef>
         <a:buFont typeface="Arial" panose="020B0604020202020204" pitchFamily="34" charset="0"/>
         <a:buChar char="•"/>
-        <a:defRPr sz="720" kern="1200">
+        <a:defRPr sz="1800" kern="1200">
           <a:solidFill>
             <a:schemeClr val="tx1"/>
           </a:solidFill>
@@ -2775,16 +2776,16 @@
           <a:cs typeface="+mn-cs"/>
         </a:defRPr>
       </a:lvl7pPr>
-      <a:lvl8pPr marL="1371600" indent="-91440" algn="l" defTabSz="365760" rtl="0" eaLnBrk="1" latinLnBrk="0" hangingPunct="1">
+      <a:lvl8pPr marL="3429000" indent="-228600" algn="l" defTabSz="914400" rtl="0" eaLnBrk="1" latinLnBrk="0" hangingPunct="1">
         <a:lnSpc>
           <a:spcPct val="90000"/>
         </a:lnSpc>
         <a:spcBef>
-          <a:spcPct val="40000"/>
+          <a:spcPct val="100000"/>
         </a:spcBef>
         <a:buFont typeface="Arial" panose="020B0604020202020204" pitchFamily="34" charset="0"/>
         <a:buChar char="•"/>
-        <a:defRPr sz="720" kern="1200">
+        <a:defRPr sz="1800" kern="1200">
           <a:solidFill>
             <a:schemeClr val="tx1"/>
           </a:solidFill>
@@ -2793,16 +2794,16 @@
           <a:cs typeface="+mn-cs"/>
         </a:defRPr>
       </a:lvl8pPr>
-      <a:lvl9pPr marL="1554480" indent="-91440" algn="l" defTabSz="365760" rtl="0" eaLnBrk="1" latinLnBrk="0" hangingPunct="1">
+      <a:lvl9pPr marL="3886200" indent="-228600" algn="l" defTabSz="914400" rtl="0" eaLnBrk="1" latinLnBrk="0" hangingPunct="1">
         <a:lnSpc>
           <a:spcPct val="90000"/>
         </a:lnSpc>
         <a:spcBef>
-          <a:spcPct val="40000"/>
+          <a:spcPct val="100000"/>
         </a:spcBef>
         <a:buFont typeface="Arial" panose="020B0604020202020204" pitchFamily="34" charset="0"/>
         <a:buChar char="•"/>
-        <a:defRPr sz="720" kern="1200">
+        <a:defRPr sz="1800" kern="1200">
           <a:solidFill>
             <a:schemeClr val="tx1"/>
           </a:solidFill>
@@ -2816,8 +2817,8 @@
       <a:defPPr>
         <a:defRPr lang="en-US"/>
       </a:defPPr>
-      <a:lvl1pPr marL="0" algn="l" defTabSz="365760" rtl="0" eaLnBrk="1" latinLnBrk="0" hangingPunct="1">
-        <a:defRPr sz="720" kern="1200">
+      <a:lvl1pPr marL="0" algn="l" defTabSz="914400" rtl="0" eaLnBrk="1" latinLnBrk="0" hangingPunct="1">
+        <a:defRPr sz="1800" kern="1200">
           <a:solidFill>
             <a:schemeClr val="tx1"/>
           </a:solidFill>
@@ -2826,8 +2827,8 @@
           <a:cs typeface="+mn-cs"/>
         </a:defRPr>
       </a:lvl1pPr>
-      <a:lvl2pPr marL="182880" algn="l" defTabSz="365760" rtl="0" eaLnBrk="1" latinLnBrk="0" hangingPunct="1">
-        <a:defRPr sz="720" kern="1200">
+      <a:lvl2pPr marL="457200" algn="l" defTabSz="914400" rtl="0" eaLnBrk="1" latinLnBrk="0" hangingPunct="1">
+        <a:defRPr sz="1800" kern="1200">
           <a:solidFill>
             <a:schemeClr val="tx1"/>
           </a:solidFill>
@@ -2836,8 +2837,8 @@
           <a:cs typeface="+mn-cs"/>
         </a:defRPr>
       </a:lvl2pPr>
-      <a:lvl3pPr marL="365760" algn="l" defTabSz="365760" rtl="0" eaLnBrk="1" latinLnBrk="0" hangingPunct="1">
-        <a:defRPr sz="720" kern="1200">
+      <a:lvl3pPr marL="914400" algn="l" defTabSz="914400" rtl="0" eaLnBrk="1" latinLnBrk="0" hangingPunct="1">
+        <a:defRPr sz="1800" kern="1200">
           <a:solidFill>
             <a:schemeClr val="tx1"/>
           </a:solidFill>
@@ -2846,8 +2847,8 @@
           <a:cs typeface="+mn-cs"/>
         </a:defRPr>
       </a:lvl3pPr>
-      <a:lvl4pPr marL="548640" algn="l" defTabSz="365760" rtl="0" eaLnBrk="1" latinLnBrk="0" hangingPunct="1">
-        <a:defRPr sz="720" kern="1200">
+      <a:lvl4pPr marL="1371600" algn="l" defTabSz="914400" rtl="0" eaLnBrk="1" latinLnBrk="0" hangingPunct="1">
+        <a:defRPr sz="1800" kern="1200">
           <a:solidFill>
             <a:schemeClr val="tx1"/>
           </a:solidFill>
@@ -2856,8 +2857,8 @@
           <a:cs typeface="+mn-cs"/>
         </a:defRPr>
       </a:lvl4pPr>
-      <a:lvl5pPr marL="731520" algn="l" defTabSz="365760" rtl="0" eaLnBrk="1" latinLnBrk="0" hangingPunct="1">
-        <a:defRPr sz="720" kern="1200">
+      <a:lvl5pPr marL="1828800" algn="l" defTabSz="914400" rtl="0" eaLnBrk="1" latinLnBrk="0" hangingPunct="1">
+        <a:defRPr sz="1800" kern="1200">
           <a:solidFill>
             <a:schemeClr val="tx1"/>
           </a:solidFill>
@@ -2866,8 +2867,8 @@
           <a:cs typeface="+mn-cs"/>
         </a:defRPr>
       </a:lvl5pPr>
-      <a:lvl6pPr marL="914400" algn="l" defTabSz="365760" rtl="0" eaLnBrk="1" latinLnBrk="0" hangingPunct="1">
-        <a:defRPr sz="720" kern="1200">
+      <a:lvl6pPr marL="2286000" algn="l" defTabSz="914400" rtl="0" eaLnBrk="1" latinLnBrk="0" hangingPunct="1">
+        <a:defRPr sz="1800" kern="1200">
           <a:solidFill>
             <a:schemeClr val="tx1"/>
           </a:solidFill>
@@ -2876,8 +2877,8 @@
           <a:cs typeface="+mn-cs"/>
         </a:defRPr>
       </a:lvl6pPr>
-      <a:lvl7pPr marL="1097280" algn="l" defTabSz="365760" rtl="0" eaLnBrk="1" latinLnBrk="0" hangingPunct="1">
-        <a:defRPr sz="720" kern="1200">
+      <a:lvl7pPr marL="2743200" algn="l" defTabSz="914400" rtl="0" eaLnBrk="1" latinLnBrk="0" hangingPunct="1">
+        <a:defRPr sz="1800" kern="1200">
           <a:solidFill>
             <a:schemeClr val="tx1"/>
           </a:solidFill>
@@ -2886,8 +2887,8 @@
           <a:cs typeface="+mn-cs"/>
         </a:defRPr>
       </a:lvl7pPr>
-      <a:lvl8pPr marL="1280160" algn="l" defTabSz="365760" rtl="0" eaLnBrk="1" latinLnBrk="0" hangingPunct="1">
-        <a:defRPr sz="720" kern="1200">
+      <a:lvl8pPr marL="3200400" algn="l" defTabSz="914400" rtl="0" eaLnBrk="1" latinLnBrk="0" hangingPunct="1">
+        <a:defRPr sz="1800" kern="1200">
           <a:solidFill>
             <a:schemeClr val="tx1"/>
           </a:solidFill>
@@ -2896,8 +2897,8 @@
           <a:cs typeface="+mn-cs"/>
         </a:defRPr>
       </a:lvl8pPr>
-      <a:lvl9pPr marL="1463040" algn="l" defTabSz="365760" rtl="0" eaLnBrk="1" latinLnBrk="0" hangingPunct="1">
-        <a:defRPr sz="720" kern="1200">
+      <a:lvl9pPr marL="3657600" algn="l" defTabSz="914400" rtl="0" eaLnBrk="1" latinLnBrk="0" hangingPunct="1">
+        <a:defRPr sz="1800" kern="1200">
           <a:solidFill>
             <a:schemeClr val="tx1"/>
           </a:solidFill>
@@ -2928,6 +2929,4618 @@
           <a:chExt cx="0" cy="0"/>
         </a:xfrm>
       </p:grpSpPr>
+      <p:sp>
+        <p:nvSpPr>
+          <p:cNvPr id="4" name="Rectangle 3"/>
+          <p:cNvSpPr/>
+          <p:nvPr/>
+        </p:nvSpPr>
+        <p:spPr>
+          <a:xfrm>
+            <a:off x="2124135" y="4476331"/>
+            <a:ext cx="2418880" cy="691670"/>
+          </a:xfrm>
+          <a:prstGeom prst="rect">
+            <a:avLst/>
+          </a:prstGeom>
+          <a:ln w="28575"/>
+        </p:spPr>
+        <p:style>
+          <a:lnRef idx="2">
+            <a:schemeClr val="dk1"/>
+          </a:lnRef>
+          <a:fillRef idx="1">
+            <a:schemeClr val="lt1"/>
+          </a:fillRef>
+          <a:effectRef idx="0">
+            <a:schemeClr val="dk1"/>
+          </a:effectRef>
+          <a:fontRef idx="minor">
+            <a:schemeClr val="dk1"/>
+          </a:fontRef>
+        </p:style>
+        <p:txBody>
+          <a:bodyPr rtlCol="0" anchor="ctr"/>
+          <a:lstStyle/>
+          <a:p>
+            <a:pPr algn="ctr"/>
+            <a:r>
+              <a:rPr lang="en-US" sz="2230" dirty="0">
+                <a:cs typeface="Calibri"/>
+              </a:rPr>
+              <a:t>Data </a:t>
+            </a:r>
+            <a:r>
+              <a:rPr lang="x-none" altLang="en-US" sz="2230" dirty="0">
+                <a:cs typeface="Calibri"/>
+              </a:rPr>
+              <a:t>Management</a:t>
+            </a:r>
+            <a:endParaRPr lang="x-none" altLang="en-US" sz="2230" dirty="0">
+              <a:cs typeface="Calibri"/>
+            </a:endParaRPr>
+          </a:p>
+        </p:txBody>
+      </p:sp>
+      <p:sp>
+        <p:nvSpPr>
+          <p:cNvPr id="3" name="Rectangle 2"/>
+          <p:cNvSpPr/>
+          <p:nvPr/>
+        </p:nvSpPr>
+        <p:spPr>
+          <a:xfrm>
+            <a:off x="4701196" y="4476331"/>
+            <a:ext cx="2418880" cy="691670"/>
+          </a:xfrm>
+          <a:prstGeom prst="rect">
+            <a:avLst/>
+          </a:prstGeom>
+          <a:ln w="28575"/>
+        </p:spPr>
+        <p:style>
+          <a:lnRef idx="2">
+            <a:schemeClr val="dk1"/>
+          </a:lnRef>
+          <a:fillRef idx="1">
+            <a:schemeClr val="lt1"/>
+          </a:fillRef>
+          <a:effectRef idx="0">
+            <a:schemeClr val="dk1"/>
+          </a:effectRef>
+          <a:fontRef idx="minor">
+            <a:schemeClr val="dk1"/>
+          </a:fontRef>
+        </p:style>
+        <p:txBody>
+          <a:bodyPr rtlCol="0" anchor="ctr"/>
+          <a:lstStyle/>
+          <a:p>
+            <a:pPr algn="ctr"/>
+            <a:r>
+              <a:rPr lang="en-US" sz="2230" dirty="0">
+                <a:cs typeface="Calibri"/>
+              </a:rPr>
+              <a:t>Web Framework</a:t>
+            </a:r>
+            <a:endParaRPr lang="en-US" sz="2230" dirty="0">
+              <a:cs typeface="Calibri"/>
+            </a:endParaRPr>
+          </a:p>
+        </p:txBody>
+      </p:sp>
+      <p:sp>
+        <p:nvSpPr>
+          <p:cNvPr id="5" name="Rectangle 4"/>
+          <p:cNvSpPr/>
+          <p:nvPr/>
+        </p:nvSpPr>
+        <p:spPr>
+          <a:xfrm>
+            <a:off x="7276292" y="4476331"/>
+            <a:ext cx="2418880" cy="691670"/>
+          </a:xfrm>
+          <a:prstGeom prst="rect">
+            <a:avLst/>
+          </a:prstGeom>
+          <a:ln w="28575"/>
+        </p:spPr>
+        <p:style>
+          <a:lnRef idx="2">
+            <a:schemeClr val="dk1"/>
+          </a:lnRef>
+          <a:fillRef idx="1">
+            <a:schemeClr val="lt1"/>
+          </a:fillRef>
+          <a:effectRef idx="0">
+            <a:schemeClr val="dk1"/>
+          </a:effectRef>
+          <a:fontRef idx="minor">
+            <a:schemeClr val="dk1"/>
+          </a:fontRef>
+        </p:style>
+        <p:txBody>
+          <a:bodyPr rtlCol="0" anchor="ctr"/>
+          <a:lstStyle/>
+          <a:p>
+            <a:pPr algn="ctr"/>
+            <a:r>
+              <a:rPr lang="en-US" sz="2230" dirty="0">
+                <a:cs typeface="Calibri"/>
+              </a:rPr>
+              <a:t>WebGL Library</a:t>
+            </a:r>
+            <a:endParaRPr lang="en-US" sz="2230" dirty="0">
+              <a:cs typeface="Calibri"/>
+            </a:endParaRPr>
+          </a:p>
+        </p:txBody>
+      </p:sp>
+      <p:sp>
+        <p:nvSpPr>
+          <p:cNvPr id="6" name="Rectangle 5"/>
+          <p:cNvSpPr/>
+          <p:nvPr/>
+        </p:nvSpPr>
+        <p:spPr>
+          <a:xfrm>
+            <a:off x="-50106" y="4476331"/>
+            <a:ext cx="2149679" cy="691670"/>
+          </a:xfrm>
+          <a:prstGeom prst="rect">
+            <a:avLst/>
+          </a:prstGeom>
+          <a:noFill/>
+          <a:ln w="28575">
+            <a:noFill/>
+          </a:ln>
+        </p:spPr>
+        <p:style>
+          <a:lnRef idx="2">
+            <a:schemeClr val="dk1"/>
+          </a:lnRef>
+          <a:fillRef idx="1">
+            <a:schemeClr val="lt1"/>
+          </a:fillRef>
+          <a:effectRef idx="0">
+            <a:schemeClr val="dk1"/>
+          </a:effectRef>
+          <a:fontRef idx="minor">
+            <a:schemeClr val="dk1"/>
+          </a:fontRef>
+        </p:style>
+        <p:txBody>
+          <a:bodyPr rtlCol="0" anchor="ctr"/>
+          <a:lstStyle/>
+          <a:p>
+            <a:pPr algn="r"/>
+            <a:r>
+              <a:rPr lang="en-US" sz="2230" dirty="0">
+                <a:cs typeface="Calibri"/>
+              </a:rPr>
+              <a:t>Infrastructure</a:t>
+            </a:r>
+            <a:endParaRPr lang="en-US" sz="2230" dirty="0">
+              <a:cs typeface="Calibri"/>
+            </a:endParaRPr>
+          </a:p>
+        </p:txBody>
+      </p:sp>
+      <p:sp>
+        <p:nvSpPr>
+          <p:cNvPr id="10" name="Rectangle 9"/>
+          <p:cNvSpPr/>
+          <p:nvPr/>
+        </p:nvSpPr>
+        <p:spPr>
+          <a:xfrm>
+            <a:off x="7882486" y="3486967"/>
+            <a:ext cx="1812687" cy="691670"/>
+          </a:xfrm>
+          <a:prstGeom prst="rect">
+            <a:avLst/>
+          </a:prstGeom>
+          <a:ln w="28575"/>
+        </p:spPr>
+        <p:style>
+          <a:lnRef idx="2">
+            <a:schemeClr val="dk1"/>
+          </a:lnRef>
+          <a:fillRef idx="1">
+            <a:schemeClr val="lt1"/>
+          </a:fillRef>
+          <a:effectRef idx="0">
+            <a:schemeClr val="dk1"/>
+          </a:effectRef>
+          <a:fontRef idx="minor">
+            <a:schemeClr val="dk1"/>
+          </a:fontRef>
+        </p:style>
+        <p:txBody>
+          <a:bodyPr rtlCol="0" anchor="ctr"/>
+          <a:lstStyle>
+            <a:defPPr>
+              <a:defRPr lang="en-US"/>
+            </a:defPPr>
+            <a:lvl1pPr marL="0" algn="l" defTabSz="914400" rtl="0" eaLnBrk="1" latinLnBrk="0" hangingPunct="1">
+              <a:defRPr sz="1800" kern="1200">
+                <a:solidFill>
+                  <a:schemeClr val="dk1"/>
+                </a:solidFill>
+                <a:latin typeface="+mn-lt"/>
+                <a:ea typeface="+mn-ea"/>
+                <a:cs typeface="+mn-cs"/>
+              </a:defRPr>
+            </a:lvl1pPr>
+            <a:lvl2pPr marL="457200" algn="l" defTabSz="914400" rtl="0" eaLnBrk="1" latinLnBrk="0" hangingPunct="1">
+              <a:defRPr sz="1800" kern="1200">
+                <a:solidFill>
+                  <a:schemeClr val="dk1"/>
+                </a:solidFill>
+                <a:latin typeface="+mn-lt"/>
+                <a:ea typeface="+mn-ea"/>
+                <a:cs typeface="+mn-cs"/>
+              </a:defRPr>
+            </a:lvl2pPr>
+            <a:lvl3pPr marL="914400" algn="l" defTabSz="914400" rtl="0" eaLnBrk="1" latinLnBrk="0" hangingPunct="1">
+              <a:defRPr sz="1800" kern="1200">
+                <a:solidFill>
+                  <a:schemeClr val="dk1"/>
+                </a:solidFill>
+                <a:latin typeface="+mn-lt"/>
+                <a:ea typeface="+mn-ea"/>
+                <a:cs typeface="+mn-cs"/>
+              </a:defRPr>
+            </a:lvl3pPr>
+            <a:lvl4pPr marL="1371600" algn="l" defTabSz="914400" rtl="0" eaLnBrk="1" latinLnBrk="0" hangingPunct="1">
+              <a:defRPr sz="1800" kern="1200">
+                <a:solidFill>
+                  <a:schemeClr val="dk1"/>
+                </a:solidFill>
+                <a:latin typeface="+mn-lt"/>
+                <a:ea typeface="+mn-ea"/>
+                <a:cs typeface="+mn-cs"/>
+              </a:defRPr>
+            </a:lvl4pPr>
+            <a:lvl5pPr marL="1828800" algn="l" defTabSz="914400" rtl="0" eaLnBrk="1" latinLnBrk="0" hangingPunct="1">
+              <a:defRPr sz="1800" kern="1200">
+                <a:solidFill>
+                  <a:schemeClr val="dk1"/>
+                </a:solidFill>
+                <a:latin typeface="+mn-lt"/>
+                <a:ea typeface="+mn-ea"/>
+                <a:cs typeface="+mn-cs"/>
+              </a:defRPr>
+            </a:lvl5pPr>
+            <a:lvl6pPr marL="2286000" algn="l" defTabSz="914400" rtl="0" eaLnBrk="1" latinLnBrk="0" hangingPunct="1">
+              <a:defRPr sz="1800" kern="1200">
+                <a:solidFill>
+                  <a:schemeClr val="dk1"/>
+                </a:solidFill>
+                <a:latin typeface="+mn-lt"/>
+                <a:ea typeface="+mn-ea"/>
+                <a:cs typeface="+mn-cs"/>
+              </a:defRPr>
+            </a:lvl6pPr>
+            <a:lvl7pPr marL="2743200" algn="l" defTabSz="914400" rtl="0" eaLnBrk="1" latinLnBrk="0" hangingPunct="1">
+              <a:defRPr sz="1800" kern="1200">
+                <a:solidFill>
+                  <a:schemeClr val="dk1"/>
+                </a:solidFill>
+                <a:latin typeface="+mn-lt"/>
+                <a:ea typeface="+mn-ea"/>
+                <a:cs typeface="+mn-cs"/>
+              </a:defRPr>
+            </a:lvl7pPr>
+            <a:lvl8pPr marL="3200400" algn="l" defTabSz="914400" rtl="0" eaLnBrk="1" latinLnBrk="0" hangingPunct="1">
+              <a:defRPr sz="1800" kern="1200">
+                <a:solidFill>
+                  <a:schemeClr val="dk1"/>
+                </a:solidFill>
+                <a:latin typeface="+mn-lt"/>
+                <a:ea typeface="+mn-ea"/>
+                <a:cs typeface="+mn-cs"/>
+              </a:defRPr>
+            </a:lvl8pPr>
+            <a:lvl9pPr marL="3657600" algn="l" defTabSz="914400" rtl="0" eaLnBrk="1" latinLnBrk="0" hangingPunct="1">
+              <a:defRPr sz="1800" kern="1200">
+                <a:solidFill>
+                  <a:schemeClr val="dk1"/>
+                </a:solidFill>
+                <a:latin typeface="+mn-lt"/>
+                <a:ea typeface="+mn-ea"/>
+                <a:cs typeface="+mn-cs"/>
+              </a:defRPr>
+            </a:lvl9pPr>
+          </a:lstStyle>
+          <a:p>
+            <a:pPr algn="ctr"/>
+            <a:r>
+              <a:rPr lang="x-none" altLang="en-US" sz="2230" dirty="0">
+                <a:cs typeface="Calibri"/>
+              </a:rPr>
+              <a:t>Computer</a:t>
+            </a:r>
+            <a:endParaRPr lang="x-none" altLang="en-US" sz="2230" dirty="0">
+              <a:cs typeface="Calibri"/>
+            </a:endParaRPr>
+          </a:p>
+          <a:p>
+            <a:pPr algn="ctr"/>
+            <a:r>
+              <a:rPr lang="x-none" altLang="en-US" sz="2230" dirty="0">
+                <a:cs typeface="Calibri"/>
+              </a:rPr>
+              <a:t>Graphics</a:t>
+            </a:r>
+            <a:endParaRPr lang="x-none" altLang="en-US" sz="2230" dirty="0">
+              <a:cs typeface="Calibri"/>
+            </a:endParaRPr>
+          </a:p>
+        </p:txBody>
+      </p:sp>
+      <p:sp>
+        <p:nvSpPr>
+          <p:cNvPr id="7" name="Rectangle 6"/>
+          <p:cNvSpPr/>
+          <p:nvPr/>
+        </p:nvSpPr>
+        <p:spPr>
+          <a:xfrm>
+            <a:off x="84494" y="3486967"/>
+            <a:ext cx="2015080" cy="691670"/>
+          </a:xfrm>
+          <a:prstGeom prst="rect">
+            <a:avLst/>
+          </a:prstGeom>
+          <a:noFill/>
+          <a:ln w="28575">
+            <a:noFill/>
+          </a:ln>
+        </p:spPr>
+        <p:style>
+          <a:lnRef idx="2">
+            <a:schemeClr val="dk1"/>
+          </a:lnRef>
+          <a:fillRef idx="1">
+            <a:schemeClr val="lt1"/>
+          </a:fillRef>
+          <a:effectRef idx="0">
+            <a:schemeClr val="dk1"/>
+          </a:effectRef>
+          <a:fontRef idx="minor">
+            <a:schemeClr val="dk1"/>
+          </a:fontRef>
+        </p:style>
+        <p:txBody>
+          <a:bodyPr rtlCol="0" anchor="ctr"/>
+          <a:lstStyle/>
+          <a:p>
+            <a:pPr algn="r"/>
+            <a:r>
+              <a:rPr lang="en-US" sz="2230" dirty="0">
+                <a:cs typeface="Calibri"/>
+              </a:rPr>
+              <a:t>Tool Sets</a:t>
+            </a:r>
+            <a:endParaRPr lang="en-US" sz="2230" dirty="0">
+              <a:cs typeface="Calibri"/>
+            </a:endParaRPr>
+          </a:p>
+        </p:txBody>
+      </p:sp>
+      <p:sp>
+        <p:nvSpPr>
+          <p:cNvPr id="15" name="Rectangle 14"/>
+          <p:cNvSpPr/>
+          <p:nvPr/>
+        </p:nvSpPr>
+        <p:spPr>
+          <a:xfrm>
+            <a:off x="5975480" y="3486967"/>
+            <a:ext cx="1812687" cy="691670"/>
+          </a:xfrm>
+          <a:prstGeom prst="rect">
+            <a:avLst/>
+          </a:prstGeom>
+          <a:ln w="28575"/>
+        </p:spPr>
+        <p:style>
+          <a:lnRef idx="2">
+            <a:schemeClr val="dk1"/>
+          </a:lnRef>
+          <a:fillRef idx="1">
+            <a:schemeClr val="lt1"/>
+          </a:fillRef>
+          <a:effectRef idx="0">
+            <a:schemeClr val="dk1"/>
+          </a:effectRef>
+          <a:fontRef idx="minor">
+            <a:schemeClr val="dk1"/>
+          </a:fontRef>
+        </p:style>
+        <p:txBody>
+          <a:bodyPr rtlCol="0" anchor="ctr"/>
+          <a:lstStyle>
+            <a:defPPr>
+              <a:defRPr lang="en-US"/>
+            </a:defPPr>
+            <a:lvl1pPr marL="0" algn="l" defTabSz="914400" rtl="0" eaLnBrk="1" latinLnBrk="0" hangingPunct="1">
+              <a:defRPr sz="1800" kern="1200">
+                <a:solidFill>
+                  <a:schemeClr val="dk1"/>
+                </a:solidFill>
+                <a:latin typeface="+mn-lt"/>
+                <a:ea typeface="+mn-ea"/>
+                <a:cs typeface="+mn-cs"/>
+              </a:defRPr>
+            </a:lvl1pPr>
+            <a:lvl2pPr marL="457200" algn="l" defTabSz="914400" rtl="0" eaLnBrk="1" latinLnBrk="0" hangingPunct="1">
+              <a:defRPr sz="1800" kern="1200">
+                <a:solidFill>
+                  <a:schemeClr val="dk1"/>
+                </a:solidFill>
+                <a:latin typeface="+mn-lt"/>
+                <a:ea typeface="+mn-ea"/>
+                <a:cs typeface="+mn-cs"/>
+              </a:defRPr>
+            </a:lvl2pPr>
+            <a:lvl3pPr marL="914400" algn="l" defTabSz="914400" rtl="0" eaLnBrk="1" latinLnBrk="0" hangingPunct="1">
+              <a:defRPr sz="1800" kern="1200">
+                <a:solidFill>
+                  <a:schemeClr val="dk1"/>
+                </a:solidFill>
+                <a:latin typeface="+mn-lt"/>
+                <a:ea typeface="+mn-ea"/>
+                <a:cs typeface="+mn-cs"/>
+              </a:defRPr>
+            </a:lvl3pPr>
+            <a:lvl4pPr marL="1371600" algn="l" defTabSz="914400" rtl="0" eaLnBrk="1" latinLnBrk="0" hangingPunct="1">
+              <a:defRPr sz="1800" kern="1200">
+                <a:solidFill>
+                  <a:schemeClr val="dk1"/>
+                </a:solidFill>
+                <a:latin typeface="+mn-lt"/>
+                <a:ea typeface="+mn-ea"/>
+                <a:cs typeface="+mn-cs"/>
+              </a:defRPr>
+            </a:lvl4pPr>
+            <a:lvl5pPr marL="1828800" algn="l" defTabSz="914400" rtl="0" eaLnBrk="1" latinLnBrk="0" hangingPunct="1">
+              <a:defRPr sz="1800" kern="1200">
+                <a:solidFill>
+                  <a:schemeClr val="dk1"/>
+                </a:solidFill>
+                <a:latin typeface="+mn-lt"/>
+                <a:ea typeface="+mn-ea"/>
+                <a:cs typeface="+mn-cs"/>
+              </a:defRPr>
+            </a:lvl5pPr>
+            <a:lvl6pPr marL="2286000" algn="l" defTabSz="914400" rtl="0" eaLnBrk="1" latinLnBrk="0" hangingPunct="1">
+              <a:defRPr sz="1800" kern="1200">
+                <a:solidFill>
+                  <a:schemeClr val="dk1"/>
+                </a:solidFill>
+                <a:latin typeface="+mn-lt"/>
+                <a:ea typeface="+mn-ea"/>
+                <a:cs typeface="+mn-cs"/>
+              </a:defRPr>
+            </a:lvl6pPr>
+            <a:lvl7pPr marL="2743200" algn="l" defTabSz="914400" rtl="0" eaLnBrk="1" latinLnBrk="0" hangingPunct="1">
+              <a:defRPr sz="1800" kern="1200">
+                <a:solidFill>
+                  <a:schemeClr val="dk1"/>
+                </a:solidFill>
+                <a:latin typeface="+mn-lt"/>
+                <a:ea typeface="+mn-ea"/>
+                <a:cs typeface="+mn-cs"/>
+              </a:defRPr>
+            </a:lvl7pPr>
+            <a:lvl8pPr marL="3200400" algn="l" defTabSz="914400" rtl="0" eaLnBrk="1" latinLnBrk="0" hangingPunct="1">
+              <a:defRPr sz="1800" kern="1200">
+                <a:solidFill>
+                  <a:schemeClr val="dk1"/>
+                </a:solidFill>
+                <a:latin typeface="+mn-lt"/>
+                <a:ea typeface="+mn-ea"/>
+                <a:cs typeface="+mn-cs"/>
+              </a:defRPr>
+            </a:lvl8pPr>
+            <a:lvl9pPr marL="3657600" algn="l" defTabSz="914400" rtl="0" eaLnBrk="1" latinLnBrk="0" hangingPunct="1">
+              <a:defRPr sz="1800" kern="1200">
+                <a:solidFill>
+                  <a:schemeClr val="dk1"/>
+                </a:solidFill>
+                <a:latin typeface="+mn-lt"/>
+                <a:ea typeface="+mn-ea"/>
+                <a:cs typeface="+mn-cs"/>
+              </a:defRPr>
+            </a:lvl9pPr>
+          </a:lstStyle>
+          <a:p>
+            <a:pPr algn="ctr"/>
+            <a:r>
+              <a:rPr lang="en-US" sz="2230" dirty="0">
+                <a:cs typeface="Calibri"/>
+              </a:rPr>
+              <a:t>Geometry </a:t>
+            </a:r>
+            <a:r>
+              <a:rPr lang="x-none" altLang="en-US" sz="2230" dirty="0">
+                <a:cs typeface="Calibri"/>
+              </a:rPr>
+              <a:t>Projection</a:t>
+            </a:r>
+            <a:endParaRPr lang="x-none" altLang="en-US" sz="2230" dirty="0">
+              <a:cs typeface="Calibri"/>
+            </a:endParaRPr>
+          </a:p>
+        </p:txBody>
+      </p:sp>
+      <p:sp>
+        <p:nvSpPr>
+          <p:cNvPr id="13" name="Rectangle 12"/>
+          <p:cNvSpPr/>
+          <p:nvPr/>
+        </p:nvSpPr>
+        <p:spPr>
+          <a:xfrm>
+            <a:off x="-45194" y="2592904"/>
+            <a:ext cx="2144768" cy="691670"/>
+          </a:xfrm>
+          <a:prstGeom prst="rect">
+            <a:avLst/>
+          </a:prstGeom>
+          <a:noFill/>
+          <a:ln w="28575">
+            <a:noFill/>
+          </a:ln>
+        </p:spPr>
+        <p:style>
+          <a:lnRef idx="2">
+            <a:schemeClr val="dk1"/>
+          </a:lnRef>
+          <a:fillRef idx="1">
+            <a:schemeClr val="lt1"/>
+          </a:fillRef>
+          <a:effectRef idx="0">
+            <a:schemeClr val="dk1"/>
+          </a:effectRef>
+          <a:fontRef idx="minor">
+            <a:schemeClr val="dk1"/>
+          </a:fontRef>
+        </p:style>
+        <p:txBody>
+          <a:bodyPr rtlCol="0" anchor="ctr"/>
+          <a:lstStyle/>
+          <a:p>
+            <a:pPr algn="r"/>
+            <a:r>
+              <a:rPr lang="en-US" sz="2230" dirty="0">
+                <a:cs typeface="Calibri"/>
+              </a:rPr>
+              <a:t>Visualization</a:t>
+            </a:r>
+            <a:endParaRPr lang="en-US" sz="2230" dirty="0">
+              <a:cs typeface="Calibri"/>
+            </a:endParaRPr>
+          </a:p>
+        </p:txBody>
+      </p:sp>
+      <p:sp>
+        <p:nvSpPr>
+          <p:cNvPr id="19" name="Rectangle 18"/>
+          <p:cNvSpPr/>
+          <p:nvPr/>
+        </p:nvSpPr>
+        <p:spPr>
+          <a:xfrm>
+            <a:off x="2124135" y="2532972"/>
+            <a:ext cx="1812687" cy="691670"/>
+          </a:xfrm>
+          <a:prstGeom prst="rect">
+            <a:avLst/>
+          </a:prstGeom>
+          <a:ln w="28575"/>
+        </p:spPr>
+        <p:style>
+          <a:lnRef idx="2">
+            <a:schemeClr val="dk1"/>
+          </a:lnRef>
+          <a:fillRef idx="1">
+            <a:schemeClr val="lt1"/>
+          </a:fillRef>
+          <a:effectRef idx="0">
+            <a:schemeClr val="dk1"/>
+          </a:effectRef>
+          <a:fontRef idx="minor">
+            <a:schemeClr val="dk1"/>
+          </a:fontRef>
+        </p:style>
+        <p:txBody>
+          <a:bodyPr rtlCol="0" anchor="ctr"/>
+          <a:lstStyle>
+            <a:defPPr>
+              <a:defRPr lang="en-US"/>
+            </a:defPPr>
+            <a:lvl1pPr marL="0" algn="l" defTabSz="914400" rtl="0" eaLnBrk="1" latinLnBrk="0" hangingPunct="1">
+              <a:defRPr sz="1800" kern="1200">
+                <a:solidFill>
+                  <a:schemeClr val="dk1"/>
+                </a:solidFill>
+                <a:latin typeface="+mn-lt"/>
+                <a:ea typeface="+mn-ea"/>
+                <a:cs typeface="+mn-cs"/>
+              </a:defRPr>
+            </a:lvl1pPr>
+            <a:lvl2pPr marL="457200" algn="l" defTabSz="914400" rtl="0" eaLnBrk="1" latinLnBrk="0" hangingPunct="1">
+              <a:defRPr sz="1800" kern="1200">
+                <a:solidFill>
+                  <a:schemeClr val="dk1"/>
+                </a:solidFill>
+                <a:latin typeface="+mn-lt"/>
+                <a:ea typeface="+mn-ea"/>
+                <a:cs typeface="+mn-cs"/>
+              </a:defRPr>
+            </a:lvl2pPr>
+            <a:lvl3pPr marL="914400" algn="l" defTabSz="914400" rtl="0" eaLnBrk="1" latinLnBrk="0" hangingPunct="1">
+              <a:defRPr sz="1800" kern="1200">
+                <a:solidFill>
+                  <a:schemeClr val="dk1"/>
+                </a:solidFill>
+                <a:latin typeface="+mn-lt"/>
+                <a:ea typeface="+mn-ea"/>
+                <a:cs typeface="+mn-cs"/>
+              </a:defRPr>
+            </a:lvl3pPr>
+            <a:lvl4pPr marL="1371600" algn="l" defTabSz="914400" rtl="0" eaLnBrk="1" latinLnBrk="0" hangingPunct="1">
+              <a:defRPr sz="1800" kern="1200">
+                <a:solidFill>
+                  <a:schemeClr val="dk1"/>
+                </a:solidFill>
+                <a:latin typeface="+mn-lt"/>
+                <a:ea typeface="+mn-ea"/>
+                <a:cs typeface="+mn-cs"/>
+              </a:defRPr>
+            </a:lvl4pPr>
+            <a:lvl5pPr marL="1828800" algn="l" defTabSz="914400" rtl="0" eaLnBrk="1" latinLnBrk="0" hangingPunct="1">
+              <a:defRPr sz="1800" kern="1200">
+                <a:solidFill>
+                  <a:schemeClr val="dk1"/>
+                </a:solidFill>
+                <a:latin typeface="+mn-lt"/>
+                <a:ea typeface="+mn-ea"/>
+                <a:cs typeface="+mn-cs"/>
+              </a:defRPr>
+            </a:lvl5pPr>
+            <a:lvl6pPr marL="2286000" algn="l" defTabSz="914400" rtl="0" eaLnBrk="1" latinLnBrk="0" hangingPunct="1">
+              <a:defRPr sz="1800" kern="1200">
+                <a:solidFill>
+                  <a:schemeClr val="dk1"/>
+                </a:solidFill>
+                <a:latin typeface="+mn-lt"/>
+                <a:ea typeface="+mn-ea"/>
+                <a:cs typeface="+mn-cs"/>
+              </a:defRPr>
+            </a:lvl6pPr>
+            <a:lvl7pPr marL="2743200" algn="l" defTabSz="914400" rtl="0" eaLnBrk="1" latinLnBrk="0" hangingPunct="1">
+              <a:defRPr sz="1800" kern="1200">
+                <a:solidFill>
+                  <a:schemeClr val="dk1"/>
+                </a:solidFill>
+                <a:latin typeface="+mn-lt"/>
+                <a:ea typeface="+mn-ea"/>
+                <a:cs typeface="+mn-cs"/>
+              </a:defRPr>
+            </a:lvl7pPr>
+            <a:lvl8pPr marL="3200400" algn="l" defTabSz="914400" rtl="0" eaLnBrk="1" latinLnBrk="0" hangingPunct="1">
+              <a:defRPr sz="1800" kern="1200">
+                <a:solidFill>
+                  <a:schemeClr val="dk1"/>
+                </a:solidFill>
+                <a:latin typeface="+mn-lt"/>
+                <a:ea typeface="+mn-ea"/>
+                <a:cs typeface="+mn-cs"/>
+              </a:defRPr>
+            </a:lvl8pPr>
+            <a:lvl9pPr marL="3657600" algn="l" defTabSz="914400" rtl="0" eaLnBrk="1" latinLnBrk="0" hangingPunct="1">
+              <a:defRPr sz="1800" kern="1200">
+                <a:solidFill>
+                  <a:schemeClr val="dk1"/>
+                </a:solidFill>
+                <a:latin typeface="+mn-lt"/>
+                <a:ea typeface="+mn-ea"/>
+                <a:cs typeface="+mn-cs"/>
+              </a:defRPr>
+            </a:lvl9pPr>
+          </a:lstStyle>
+          <a:p>
+            <a:pPr algn="ctr"/>
+            <a:r>
+              <a:rPr lang="en-US" sz="2230" dirty="0">
+                <a:cs typeface="Calibri"/>
+              </a:rPr>
+              <a:t>Multi</a:t>
+            </a:r>
+            <a:r>
+              <a:rPr lang="x-none" altLang="en-US" sz="2230" dirty="0">
+                <a:cs typeface="Calibri"/>
+              </a:rPr>
+              <a:t>ple</a:t>
+            </a:r>
+            <a:endParaRPr lang="x-none" altLang="en-US" sz="2230" dirty="0">
+              <a:cs typeface="Calibri"/>
+            </a:endParaRPr>
+          </a:p>
+          <a:p>
+            <a:pPr algn="ctr"/>
+            <a:r>
+              <a:rPr lang="en-US" sz="2230" dirty="0">
+                <a:cs typeface="Calibri"/>
+              </a:rPr>
+              <a:t>View</a:t>
+            </a:r>
+            <a:r>
+              <a:rPr lang="x-none" altLang="en-US" sz="2230" dirty="0">
+                <a:cs typeface="Calibri"/>
+              </a:rPr>
+              <a:t>s</a:t>
+            </a:r>
+            <a:endParaRPr lang="x-none" altLang="en-US" sz="2230" dirty="0">
+              <a:cs typeface="Calibri"/>
+            </a:endParaRPr>
+          </a:p>
+        </p:txBody>
+      </p:sp>
+      <p:sp>
+        <p:nvSpPr>
+          <p:cNvPr id="20" name="Rectangle 19"/>
+          <p:cNvSpPr/>
+          <p:nvPr/>
+        </p:nvSpPr>
+        <p:spPr>
+          <a:xfrm>
+            <a:off x="4057015" y="3486150"/>
+            <a:ext cx="1813560" cy="691515"/>
+          </a:xfrm>
+          <a:prstGeom prst="rect">
+            <a:avLst/>
+          </a:prstGeom>
+          <a:ln w="28575"/>
+        </p:spPr>
+        <p:style>
+          <a:lnRef idx="2">
+            <a:schemeClr val="dk1"/>
+          </a:lnRef>
+          <a:fillRef idx="1">
+            <a:schemeClr val="lt1"/>
+          </a:fillRef>
+          <a:effectRef idx="0">
+            <a:schemeClr val="dk1"/>
+          </a:effectRef>
+          <a:fontRef idx="minor">
+            <a:schemeClr val="dk1"/>
+          </a:fontRef>
+        </p:style>
+        <p:txBody>
+          <a:bodyPr rtlCol="0" anchor="ctr"/>
+          <a:lstStyle>
+            <a:defPPr>
+              <a:defRPr lang="en-US"/>
+            </a:defPPr>
+            <a:lvl1pPr marL="0" algn="l" defTabSz="914400" rtl="0" eaLnBrk="1" latinLnBrk="0" hangingPunct="1">
+              <a:defRPr sz="1800" kern="1200">
+                <a:solidFill>
+                  <a:schemeClr val="dk1"/>
+                </a:solidFill>
+                <a:latin typeface="+mn-lt"/>
+                <a:ea typeface="+mn-ea"/>
+                <a:cs typeface="+mn-cs"/>
+              </a:defRPr>
+            </a:lvl1pPr>
+            <a:lvl2pPr marL="457200" algn="l" defTabSz="914400" rtl="0" eaLnBrk="1" latinLnBrk="0" hangingPunct="1">
+              <a:defRPr sz="1800" kern="1200">
+                <a:solidFill>
+                  <a:schemeClr val="dk1"/>
+                </a:solidFill>
+                <a:latin typeface="+mn-lt"/>
+                <a:ea typeface="+mn-ea"/>
+                <a:cs typeface="+mn-cs"/>
+              </a:defRPr>
+            </a:lvl2pPr>
+            <a:lvl3pPr marL="914400" algn="l" defTabSz="914400" rtl="0" eaLnBrk="1" latinLnBrk="0" hangingPunct="1">
+              <a:defRPr sz="1800" kern="1200">
+                <a:solidFill>
+                  <a:schemeClr val="dk1"/>
+                </a:solidFill>
+                <a:latin typeface="+mn-lt"/>
+                <a:ea typeface="+mn-ea"/>
+                <a:cs typeface="+mn-cs"/>
+              </a:defRPr>
+            </a:lvl3pPr>
+            <a:lvl4pPr marL="1371600" algn="l" defTabSz="914400" rtl="0" eaLnBrk="1" latinLnBrk="0" hangingPunct="1">
+              <a:defRPr sz="1800" kern="1200">
+                <a:solidFill>
+                  <a:schemeClr val="dk1"/>
+                </a:solidFill>
+                <a:latin typeface="+mn-lt"/>
+                <a:ea typeface="+mn-ea"/>
+                <a:cs typeface="+mn-cs"/>
+              </a:defRPr>
+            </a:lvl4pPr>
+            <a:lvl5pPr marL="1828800" algn="l" defTabSz="914400" rtl="0" eaLnBrk="1" latinLnBrk="0" hangingPunct="1">
+              <a:defRPr sz="1800" kern="1200">
+                <a:solidFill>
+                  <a:schemeClr val="dk1"/>
+                </a:solidFill>
+                <a:latin typeface="+mn-lt"/>
+                <a:ea typeface="+mn-ea"/>
+                <a:cs typeface="+mn-cs"/>
+              </a:defRPr>
+            </a:lvl5pPr>
+            <a:lvl6pPr marL="2286000" algn="l" defTabSz="914400" rtl="0" eaLnBrk="1" latinLnBrk="0" hangingPunct="1">
+              <a:defRPr sz="1800" kern="1200">
+                <a:solidFill>
+                  <a:schemeClr val="dk1"/>
+                </a:solidFill>
+                <a:latin typeface="+mn-lt"/>
+                <a:ea typeface="+mn-ea"/>
+                <a:cs typeface="+mn-cs"/>
+              </a:defRPr>
+            </a:lvl6pPr>
+            <a:lvl7pPr marL="2743200" algn="l" defTabSz="914400" rtl="0" eaLnBrk="1" latinLnBrk="0" hangingPunct="1">
+              <a:defRPr sz="1800" kern="1200">
+                <a:solidFill>
+                  <a:schemeClr val="dk1"/>
+                </a:solidFill>
+                <a:latin typeface="+mn-lt"/>
+                <a:ea typeface="+mn-ea"/>
+                <a:cs typeface="+mn-cs"/>
+              </a:defRPr>
+            </a:lvl7pPr>
+            <a:lvl8pPr marL="3200400" algn="l" defTabSz="914400" rtl="0" eaLnBrk="1" latinLnBrk="0" hangingPunct="1">
+              <a:defRPr sz="1800" kern="1200">
+                <a:solidFill>
+                  <a:schemeClr val="dk1"/>
+                </a:solidFill>
+                <a:latin typeface="+mn-lt"/>
+                <a:ea typeface="+mn-ea"/>
+                <a:cs typeface="+mn-cs"/>
+              </a:defRPr>
+            </a:lvl8pPr>
+            <a:lvl9pPr marL="3657600" algn="l" defTabSz="914400" rtl="0" eaLnBrk="1" latinLnBrk="0" hangingPunct="1">
+              <a:defRPr sz="1800" kern="1200">
+                <a:solidFill>
+                  <a:schemeClr val="dk1"/>
+                </a:solidFill>
+                <a:latin typeface="+mn-lt"/>
+                <a:ea typeface="+mn-ea"/>
+                <a:cs typeface="+mn-cs"/>
+              </a:defRPr>
+            </a:lvl9pPr>
+          </a:lstStyle>
+          <a:p>
+            <a:pPr algn="ctr"/>
+            <a:r>
+              <a:rPr lang="x-none" altLang="en-US" sz="2230" dirty="0">
+                <a:cs typeface="Calibri"/>
+              </a:rPr>
+              <a:t>AI</a:t>
+            </a:r>
+            <a:endParaRPr lang="x-none" altLang="en-US" sz="2230" dirty="0">
+              <a:cs typeface="Calibri"/>
+            </a:endParaRPr>
+          </a:p>
+          <a:p>
+            <a:pPr algn="ctr"/>
+            <a:r>
+              <a:rPr lang="x-none" altLang="en-US" sz="2230" dirty="0">
+                <a:cs typeface="Calibri"/>
+              </a:rPr>
+              <a:t>Algorithms</a:t>
+            </a:r>
+            <a:endParaRPr lang="x-none" altLang="en-US" sz="2230" dirty="0">
+              <a:cs typeface="Calibri"/>
+            </a:endParaRPr>
+          </a:p>
+        </p:txBody>
+      </p:sp>
+      <p:sp>
+        <p:nvSpPr>
+          <p:cNvPr id="21" name="Rectangle 20"/>
+          <p:cNvSpPr/>
+          <p:nvPr/>
+        </p:nvSpPr>
+        <p:spPr>
+          <a:xfrm>
+            <a:off x="5975480" y="2532972"/>
+            <a:ext cx="1812687" cy="691670"/>
+          </a:xfrm>
+          <a:prstGeom prst="rect">
+            <a:avLst/>
+          </a:prstGeom>
+          <a:ln w="28575"/>
+        </p:spPr>
+        <p:style>
+          <a:lnRef idx="2">
+            <a:schemeClr val="dk1"/>
+          </a:lnRef>
+          <a:fillRef idx="1">
+            <a:schemeClr val="lt1"/>
+          </a:fillRef>
+          <a:effectRef idx="0">
+            <a:schemeClr val="dk1"/>
+          </a:effectRef>
+          <a:fontRef idx="minor">
+            <a:schemeClr val="dk1"/>
+          </a:fontRef>
+        </p:style>
+        <p:txBody>
+          <a:bodyPr rtlCol="0" anchor="ctr"/>
+          <a:lstStyle>
+            <a:defPPr>
+              <a:defRPr lang="en-US"/>
+            </a:defPPr>
+            <a:lvl1pPr marL="0" algn="l" defTabSz="914400" rtl="0" eaLnBrk="1" latinLnBrk="0" hangingPunct="1">
+              <a:defRPr sz="1800" kern="1200">
+                <a:solidFill>
+                  <a:schemeClr val="dk1"/>
+                </a:solidFill>
+                <a:latin typeface="+mn-lt"/>
+                <a:ea typeface="+mn-ea"/>
+                <a:cs typeface="+mn-cs"/>
+              </a:defRPr>
+            </a:lvl1pPr>
+            <a:lvl2pPr marL="457200" algn="l" defTabSz="914400" rtl="0" eaLnBrk="1" latinLnBrk="0" hangingPunct="1">
+              <a:defRPr sz="1800" kern="1200">
+                <a:solidFill>
+                  <a:schemeClr val="dk1"/>
+                </a:solidFill>
+                <a:latin typeface="+mn-lt"/>
+                <a:ea typeface="+mn-ea"/>
+                <a:cs typeface="+mn-cs"/>
+              </a:defRPr>
+            </a:lvl2pPr>
+            <a:lvl3pPr marL="914400" algn="l" defTabSz="914400" rtl="0" eaLnBrk="1" latinLnBrk="0" hangingPunct="1">
+              <a:defRPr sz="1800" kern="1200">
+                <a:solidFill>
+                  <a:schemeClr val="dk1"/>
+                </a:solidFill>
+                <a:latin typeface="+mn-lt"/>
+                <a:ea typeface="+mn-ea"/>
+                <a:cs typeface="+mn-cs"/>
+              </a:defRPr>
+            </a:lvl3pPr>
+            <a:lvl4pPr marL="1371600" algn="l" defTabSz="914400" rtl="0" eaLnBrk="1" latinLnBrk="0" hangingPunct="1">
+              <a:defRPr sz="1800" kern="1200">
+                <a:solidFill>
+                  <a:schemeClr val="dk1"/>
+                </a:solidFill>
+                <a:latin typeface="+mn-lt"/>
+                <a:ea typeface="+mn-ea"/>
+                <a:cs typeface="+mn-cs"/>
+              </a:defRPr>
+            </a:lvl4pPr>
+            <a:lvl5pPr marL="1828800" algn="l" defTabSz="914400" rtl="0" eaLnBrk="1" latinLnBrk="0" hangingPunct="1">
+              <a:defRPr sz="1800" kern="1200">
+                <a:solidFill>
+                  <a:schemeClr val="dk1"/>
+                </a:solidFill>
+                <a:latin typeface="+mn-lt"/>
+                <a:ea typeface="+mn-ea"/>
+                <a:cs typeface="+mn-cs"/>
+              </a:defRPr>
+            </a:lvl5pPr>
+            <a:lvl6pPr marL="2286000" algn="l" defTabSz="914400" rtl="0" eaLnBrk="1" latinLnBrk="0" hangingPunct="1">
+              <a:defRPr sz="1800" kern="1200">
+                <a:solidFill>
+                  <a:schemeClr val="dk1"/>
+                </a:solidFill>
+                <a:latin typeface="+mn-lt"/>
+                <a:ea typeface="+mn-ea"/>
+                <a:cs typeface="+mn-cs"/>
+              </a:defRPr>
+            </a:lvl6pPr>
+            <a:lvl7pPr marL="2743200" algn="l" defTabSz="914400" rtl="0" eaLnBrk="1" latinLnBrk="0" hangingPunct="1">
+              <a:defRPr sz="1800" kern="1200">
+                <a:solidFill>
+                  <a:schemeClr val="dk1"/>
+                </a:solidFill>
+                <a:latin typeface="+mn-lt"/>
+                <a:ea typeface="+mn-ea"/>
+                <a:cs typeface="+mn-cs"/>
+              </a:defRPr>
+            </a:lvl7pPr>
+            <a:lvl8pPr marL="3200400" algn="l" defTabSz="914400" rtl="0" eaLnBrk="1" latinLnBrk="0" hangingPunct="1">
+              <a:defRPr sz="1800" kern="1200">
+                <a:solidFill>
+                  <a:schemeClr val="dk1"/>
+                </a:solidFill>
+                <a:latin typeface="+mn-lt"/>
+                <a:ea typeface="+mn-ea"/>
+                <a:cs typeface="+mn-cs"/>
+              </a:defRPr>
+            </a:lvl8pPr>
+            <a:lvl9pPr marL="3657600" algn="l" defTabSz="914400" rtl="0" eaLnBrk="1" latinLnBrk="0" hangingPunct="1">
+              <a:defRPr sz="1800" kern="1200">
+                <a:solidFill>
+                  <a:schemeClr val="dk1"/>
+                </a:solidFill>
+                <a:latin typeface="+mn-lt"/>
+                <a:ea typeface="+mn-ea"/>
+                <a:cs typeface="+mn-cs"/>
+              </a:defRPr>
+            </a:lvl9pPr>
+          </a:lstStyle>
+          <a:p>
+            <a:pPr algn="ctr"/>
+            <a:r>
+              <a:rPr lang="en-US" sz="2230" dirty="0">
+                <a:ea typeface="+mn-lt"/>
+                <a:cs typeface="+mn-lt"/>
+              </a:rPr>
+              <a:t>Focus </a:t>
+            </a:r>
+            <a:endParaRPr lang="en-US" sz="2230" dirty="0">
+              <a:ea typeface="+mn-lt"/>
+              <a:cs typeface="+mn-lt"/>
+            </a:endParaRPr>
+          </a:p>
+          <a:p>
+            <a:pPr algn="ctr"/>
+            <a:r>
+              <a:rPr lang="en-US" sz="2230" dirty="0">
+                <a:ea typeface="+mn-lt"/>
+                <a:cs typeface="+mn-lt"/>
+              </a:rPr>
+              <a:t>Mode</a:t>
+            </a:r>
+            <a:endParaRPr lang="en-US" sz="2230" dirty="0">
+              <a:ea typeface="+mn-lt"/>
+              <a:cs typeface="+mn-lt"/>
+            </a:endParaRPr>
+          </a:p>
+        </p:txBody>
+      </p:sp>
+      <p:sp>
+        <p:nvSpPr>
+          <p:cNvPr id="22" name="Rectangle 21"/>
+          <p:cNvSpPr/>
+          <p:nvPr/>
+        </p:nvSpPr>
+        <p:spPr>
+          <a:xfrm>
+            <a:off x="7882486" y="2532972"/>
+            <a:ext cx="1812687" cy="691670"/>
+          </a:xfrm>
+          <a:prstGeom prst="rect">
+            <a:avLst/>
+          </a:prstGeom>
+          <a:ln w="28575"/>
+        </p:spPr>
+        <p:style>
+          <a:lnRef idx="2">
+            <a:schemeClr val="dk1"/>
+          </a:lnRef>
+          <a:fillRef idx="1">
+            <a:schemeClr val="lt1"/>
+          </a:fillRef>
+          <a:effectRef idx="0">
+            <a:schemeClr val="dk1"/>
+          </a:effectRef>
+          <a:fontRef idx="minor">
+            <a:schemeClr val="dk1"/>
+          </a:fontRef>
+        </p:style>
+        <p:txBody>
+          <a:bodyPr rtlCol="0" anchor="ctr"/>
+          <a:lstStyle>
+            <a:defPPr>
+              <a:defRPr lang="en-US"/>
+            </a:defPPr>
+            <a:lvl1pPr marL="0" algn="l" defTabSz="914400" rtl="0" eaLnBrk="1" latinLnBrk="0" hangingPunct="1">
+              <a:defRPr sz="1800" kern="1200">
+                <a:solidFill>
+                  <a:schemeClr val="dk1"/>
+                </a:solidFill>
+                <a:latin typeface="+mn-lt"/>
+                <a:ea typeface="+mn-ea"/>
+                <a:cs typeface="+mn-cs"/>
+              </a:defRPr>
+            </a:lvl1pPr>
+            <a:lvl2pPr marL="457200" algn="l" defTabSz="914400" rtl="0" eaLnBrk="1" latinLnBrk="0" hangingPunct="1">
+              <a:defRPr sz="1800" kern="1200">
+                <a:solidFill>
+                  <a:schemeClr val="dk1"/>
+                </a:solidFill>
+                <a:latin typeface="+mn-lt"/>
+                <a:ea typeface="+mn-ea"/>
+                <a:cs typeface="+mn-cs"/>
+              </a:defRPr>
+            </a:lvl2pPr>
+            <a:lvl3pPr marL="914400" algn="l" defTabSz="914400" rtl="0" eaLnBrk="1" latinLnBrk="0" hangingPunct="1">
+              <a:defRPr sz="1800" kern="1200">
+                <a:solidFill>
+                  <a:schemeClr val="dk1"/>
+                </a:solidFill>
+                <a:latin typeface="+mn-lt"/>
+                <a:ea typeface="+mn-ea"/>
+                <a:cs typeface="+mn-cs"/>
+              </a:defRPr>
+            </a:lvl3pPr>
+            <a:lvl4pPr marL="1371600" algn="l" defTabSz="914400" rtl="0" eaLnBrk="1" latinLnBrk="0" hangingPunct="1">
+              <a:defRPr sz="1800" kern="1200">
+                <a:solidFill>
+                  <a:schemeClr val="dk1"/>
+                </a:solidFill>
+                <a:latin typeface="+mn-lt"/>
+                <a:ea typeface="+mn-ea"/>
+                <a:cs typeface="+mn-cs"/>
+              </a:defRPr>
+            </a:lvl4pPr>
+            <a:lvl5pPr marL="1828800" algn="l" defTabSz="914400" rtl="0" eaLnBrk="1" latinLnBrk="0" hangingPunct="1">
+              <a:defRPr sz="1800" kern="1200">
+                <a:solidFill>
+                  <a:schemeClr val="dk1"/>
+                </a:solidFill>
+                <a:latin typeface="+mn-lt"/>
+                <a:ea typeface="+mn-ea"/>
+                <a:cs typeface="+mn-cs"/>
+              </a:defRPr>
+            </a:lvl5pPr>
+            <a:lvl6pPr marL="2286000" algn="l" defTabSz="914400" rtl="0" eaLnBrk="1" latinLnBrk="0" hangingPunct="1">
+              <a:defRPr sz="1800" kern="1200">
+                <a:solidFill>
+                  <a:schemeClr val="dk1"/>
+                </a:solidFill>
+                <a:latin typeface="+mn-lt"/>
+                <a:ea typeface="+mn-ea"/>
+                <a:cs typeface="+mn-cs"/>
+              </a:defRPr>
+            </a:lvl6pPr>
+            <a:lvl7pPr marL="2743200" algn="l" defTabSz="914400" rtl="0" eaLnBrk="1" latinLnBrk="0" hangingPunct="1">
+              <a:defRPr sz="1800" kern="1200">
+                <a:solidFill>
+                  <a:schemeClr val="dk1"/>
+                </a:solidFill>
+                <a:latin typeface="+mn-lt"/>
+                <a:ea typeface="+mn-ea"/>
+                <a:cs typeface="+mn-cs"/>
+              </a:defRPr>
+            </a:lvl7pPr>
+            <a:lvl8pPr marL="3200400" algn="l" defTabSz="914400" rtl="0" eaLnBrk="1" latinLnBrk="0" hangingPunct="1">
+              <a:defRPr sz="1800" kern="1200">
+                <a:solidFill>
+                  <a:schemeClr val="dk1"/>
+                </a:solidFill>
+                <a:latin typeface="+mn-lt"/>
+                <a:ea typeface="+mn-ea"/>
+                <a:cs typeface="+mn-cs"/>
+              </a:defRPr>
+            </a:lvl8pPr>
+            <a:lvl9pPr marL="3657600" algn="l" defTabSz="914400" rtl="0" eaLnBrk="1" latinLnBrk="0" hangingPunct="1">
+              <a:defRPr sz="1800" kern="1200">
+                <a:solidFill>
+                  <a:schemeClr val="dk1"/>
+                </a:solidFill>
+                <a:latin typeface="+mn-lt"/>
+                <a:ea typeface="+mn-ea"/>
+                <a:cs typeface="+mn-cs"/>
+              </a:defRPr>
+            </a:lvl9pPr>
+          </a:lstStyle>
+          <a:p>
+            <a:pPr algn="ctr"/>
+            <a:r>
+              <a:rPr lang="en-US" sz="2230" dirty="0">
+                <a:ea typeface="+mn-lt"/>
+                <a:cs typeface="+mn-lt"/>
+              </a:rPr>
+              <a:t>Camera Switch</a:t>
+            </a:r>
+            <a:r>
+              <a:rPr lang="x-none" altLang="en-US" sz="2230" dirty="0">
+                <a:ea typeface="+mn-lt"/>
+                <a:cs typeface="+mn-lt"/>
+              </a:rPr>
+              <a:t>ing</a:t>
+            </a:r>
+            <a:endParaRPr lang="x-none" altLang="en-US" sz="2230" dirty="0">
+              <a:ea typeface="+mn-lt"/>
+              <a:cs typeface="+mn-lt"/>
+            </a:endParaRPr>
+          </a:p>
+        </p:txBody>
+      </p:sp>
+      <p:sp>
+        <p:nvSpPr>
+          <p:cNvPr id="23" name="Rectangle 22"/>
+          <p:cNvSpPr/>
+          <p:nvPr/>
+        </p:nvSpPr>
+        <p:spPr>
+          <a:xfrm>
+            <a:off x="4057668" y="2532972"/>
+            <a:ext cx="1812687" cy="691670"/>
+          </a:xfrm>
+          <a:prstGeom prst="rect">
+            <a:avLst/>
+          </a:prstGeom>
+          <a:ln w="28575"/>
+        </p:spPr>
+        <p:style>
+          <a:lnRef idx="2">
+            <a:schemeClr val="dk1"/>
+          </a:lnRef>
+          <a:fillRef idx="1">
+            <a:schemeClr val="lt1"/>
+          </a:fillRef>
+          <a:effectRef idx="0">
+            <a:schemeClr val="dk1"/>
+          </a:effectRef>
+          <a:fontRef idx="minor">
+            <a:schemeClr val="dk1"/>
+          </a:fontRef>
+        </p:style>
+        <p:txBody>
+          <a:bodyPr rtlCol="0" anchor="ctr"/>
+          <a:lstStyle>
+            <a:defPPr>
+              <a:defRPr lang="en-US"/>
+            </a:defPPr>
+            <a:lvl1pPr marL="0" algn="l" defTabSz="914400" rtl="0" eaLnBrk="1" latinLnBrk="0" hangingPunct="1">
+              <a:defRPr sz="1800" kern="1200">
+                <a:solidFill>
+                  <a:schemeClr val="dk1"/>
+                </a:solidFill>
+                <a:latin typeface="+mn-lt"/>
+                <a:ea typeface="+mn-ea"/>
+                <a:cs typeface="+mn-cs"/>
+              </a:defRPr>
+            </a:lvl1pPr>
+            <a:lvl2pPr marL="457200" algn="l" defTabSz="914400" rtl="0" eaLnBrk="1" latinLnBrk="0" hangingPunct="1">
+              <a:defRPr sz="1800" kern="1200">
+                <a:solidFill>
+                  <a:schemeClr val="dk1"/>
+                </a:solidFill>
+                <a:latin typeface="+mn-lt"/>
+                <a:ea typeface="+mn-ea"/>
+                <a:cs typeface="+mn-cs"/>
+              </a:defRPr>
+            </a:lvl2pPr>
+            <a:lvl3pPr marL="914400" algn="l" defTabSz="914400" rtl="0" eaLnBrk="1" latinLnBrk="0" hangingPunct="1">
+              <a:defRPr sz="1800" kern="1200">
+                <a:solidFill>
+                  <a:schemeClr val="dk1"/>
+                </a:solidFill>
+                <a:latin typeface="+mn-lt"/>
+                <a:ea typeface="+mn-ea"/>
+                <a:cs typeface="+mn-cs"/>
+              </a:defRPr>
+            </a:lvl3pPr>
+            <a:lvl4pPr marL="1371600" algn="l" defTabSz="914400" rtl="0" eaLnBrk="1" latinLnBrk="0" hangingPunct="1">
+              <a:defRPr sz="1800" kern="1200">
+                <a:solidFill>
+                  <a:schemeClr val="dk1"/>
+                </a:solidFill>
+                <a:latin typeface="+mn-lt"/>
+                <a:ea typeface="+mn-ea"/>
+                <a:cs typeface="+mn-cs"/>
+              </a:defRPr>
+            </a:lvl4pPr>
+            <a:lvl5pPr marL="1828800" algn="l" defTabSz="914400" rtl="0" eaLnBrk="1" latinLnBrk="0" hangingPunct="1">
+              <a:defRPr sz="1800" kern="1200">
+                <a:solidFill>
+                  <a:schemeClr val="dk1"/>
+                </a:solidFill>
+                <a:latin typeface="+mn-lt"/>
+                <a:ea typeface="+mn-ea"/>
+                <a:cs typeface="+mn-cs"/>
+              </a:defRPr>
+            </a:lvl5pPr>
+            <a:lvl6pPr marL="2286000" algn="l" defTabSz="914400" rtl="0" eaLnBrk="1" latinLnBrk="0" hangingPunct="1">
+              <a:defRPr sz="1800" kern="1200">
+                <a:solidFill>
+                  <a:schemeClr val="dk1"/>
+                </a:solidFill>
+                <a:latin typeface="+mn-lt"/>
+                <a:ea typeface="+mn-ea"/>
+                <a:cs typeface="+mn-cs"/>
+              </a:defRPr>
+            </a:lvl6pPr>
+            <a:lvl7pPr marL="2743200" algn="l" defTabSz="914400" rtl="0" eaLnBrk="1" latinLnBrk="0" hangingPunct="1">
+              <a:defRPr sz="1800" kern="1200">
+                <a:solidFill>
+                  <a:schemeClr val="dk1"/>
+                </a:solidFill>
+                <a:latin typeface="+mn-lt"/>
+                <a:ea typeface="+mn-ea"/>
+                <a:cs typeface="+mn-cs"/>
+              </a:defRPr>
+            </a:lvl7pPr>
+            <a:lvl8pPr marL="3200400" algn="l" defTabSz="914400" rtl="0" eaLnBrk="1" latinLnBrk="0" hangingPunct="1">
+              <a:defRPr sz="1800" kern="1200">
+                <a:solidFill>
+                  <a:schemeClr val="dk1"/>
+                </a:solidFill>
+                <a:latin typeface="+mn-lt"/>
+                <a:ea typeface="+mn-ea"/>
+                <a:cs typeface="+mn-cs"/>
+              </a:defRPr>
+            </a:lvl8pPr>
+            <a:lvl9pPr marL="3657600" algn="l" defTabSz="914400" rtl="0" eaLnBrk="1" latinLnBrk="0" hangingPunct="1">
+              <a:defRPr sz="1800" kern="1200">
+                <a:solidFill>
+                  <a:schemeClr val="dk1"/>
+                </a:solidFill>
+                <a:latin typeface="+mn-lt"/>
+                <a:ea typeface="+mn-ea"/>
+                <a:cs typeface="+mn-cs"/>
+              </a:defRPr>
+            </a:lvl9pPr>
+          </a:lstStyle>
+          <a:p>
+            <a:pPr algn="ctr"/>
+            <a:r>
+              <a:rPr lang="x-none" altLang="en-US" sz="2230">
+                <a:cs typeface="Calibri"/>
+              </a:rPr>
+              <a:t>Stream Playing</a:t>
+            </a:r>
+            <a:endParaRPr lang="x-none" altLang="en-US" sz="2230" dirty="0">
+              <a:cs typeface="Calibri"/>
+            </a:endParaRPr>
+          </a:p>
+        </p:txBody>
+      </p:sp>
+      <p:sp>
+        <p:nvSpPr>
+          <p:cNvPr id="24" name="Rectangle 23"/>
+          <p:cNvSpPr/>
+          <p:nvPr/>
+        </p:nvSpPr>
+        <p:spPr>
+          <a:xfrm>
+            <a:off x="2124135" y="1602558"/>
+            <a:ext cx="1812687" cy="691670"/>
+          </a:xfrm>
+          <a:prstGeom prst="rect">
+            <a:avLst/>
+          </a:prstGeom>
+          <a:ln w="28575"/>
+        </p:spPr>
+        <p:style>
+          <a:lnRef idx="2">
+            <a:schemeClr val="dk1"/>
+          </a:lnRef>
+          <a:fillRef idx="1">
+            <a:schemeClr val="lt1"/>
+          </a:fillRef>
+          <a:effectRef idx="0">
+            <a:schemeClr val="dk1"/>
+          </a:effectRef>
+          <a:fontRef idx="minor">
+            <a:schemeClr val="dk1"/>
+          </a:fontRef>
+        </p:style>
+        <p:txBody>
+          <a:bodyPr rtlCol="0" anchor="ctr"/>
+          <a:lstStyle>
+            <a:defPPr>
+              <a:defRPr lang="en-US"/>
+            </a:defPPr>
+            <a:lvl1pPr marL="0" algn="l" defTabSz="914400" rtl="0" eaLnBrk="1" latinLnBrk="0" hangingPunct="1">
+              <a:defRPr sz="1800" kern="1200">
+                <a:solidFill>
+                  <a:schemeClr val="dk1"/>
+                </a:solidFill>
+                <a:latin typeface="+mn-lt"/>
+                <a:ea typeface="+mn-ea"/>
+                <a:cs typeface="+mn-cs"/>
+              </a:defRPr>
+            </a:lvl1pPr>
+            <a:lvl2pPr marL="457200" algn="l" defTabSz="914400" rtl="0" eaLnBrk="1" latinLnBrk="0" hangingPunct="1">
+              <a:defRPr sz="1800" kern="1200">
+                <a:solidFill>
+                  <a:schemeClr val="dk1"/>
+                </a:solidFill>
+                <a:latin typeface="+mn-lt"/>
+                <a:ea typeface="+mn-ea"/>
+                <a:cs typeface="+mn-cs"/>
+              </a:defRPr>
+            </a:lvl2pPr>
+            <a:lvl3pPr marL="914400" algn="l" defTabSz="914400" rtl="0" eaLnBrk="1" latinLnBrk="0" hangingPunct="1">
+              <a:defRPr sz="1800" kern="1200">
+                <a:solidFill>
+                  <a:schemeClr val="dk1"/>
+                </a:solidFill>
+                <a:latin typeface="+mn-lt"/>
+                <a:ea typeface="+mn-ea"/>
+                <a:cs typeface="+mn-cs"/>
+              </a:defRPr>
+            </a:lvl3pPr>
+            <a:lvl4pPr marL="1371600" algn="l" defTabSz="914400" rtl="0" eaLnBrk="1" latinLnBrk="0" hangingPunct="1">
+              <a:defRPr sz="1800" kern="1200">
+                <a:solidFill>
+                  <a:schemeClr val="dk1"/>
+                </a:solidFill>
+                <a:latin typeface="+mn-lt"/>
+                <a:ea typeface="+mn-ea"/>
+                <a:cs typeface="+mn-cs"/>
+              </a:defRPr>
+            </a:lvl4pPr>
+            <a:lvl5pPr marL="1828800" algn="l" defTabSz="914400" rtl="0" eaLnBrk="1" latinLnBrk="0" hangingPunct="1">
+              <a:defRPr sz="1800" kern="1200">
+                <a:solidFill>
+                  <a:schemeClr val="dk1"/>
+                </a:solidFill>
+                <a:latin typeface="+mn-lt"/>
+                <a:ea typeface="+mn-ea"/>
+                <a:cs typeface="+mn-cs"/>
+              </a:defRPr>
+            </a:lvl5pPr>
+            <a:lvl6pPr marL="2286000" algn="l" defTabSz="914400" rtl="0" eaLnBrk="1" latinLnBrk="0" hangingPunct="1">
+              <a:defRPr sz="1800" kern="1200">
+                <a:solidFill>
+                  <a:schemeClr val="dk1"/>
+                </a:solidFill>
+                <a:latin typeface="+mn-lt"/>
+                <a:ea typeface="+mn-ea"/>
+                <a:cs typeface="+mn-cs"/>
+              </a:defRPr>
+            </a:lvl6pPr>
+            <a:lvl7pPr marL="2743200" algn="l" defTabSz="914400" rtl="0" eaLnBrk="1" latinLnBrk="0" hangingPunct="1">
+              <a:defRPr sz="1800" kern="1200">
+                <a:solidFill>
+                  <a:schemeClr val="dk1"/>
+                </a:solidFill>
+                <a:latin typeface="+mn-lt"/>
+                <a:ea typeface="+mn-ea"/>
+                <a:cs typeface="+mn-cs"/>
+              </a:defRPr>
+            </a:lvl7pPr>
+            <a:lvl8pPr marL="3200400" algn="l" defTabSz="914400" rtl="0" eaLnBrk="1" latinLnBrk="0" hangingPunct="1">
+              <a:defRPr sz="1800" kern="1200">
+                <a:solidFill>
+                  <a:schemeClr val="dk1"/>
+                </a:solidFill>
+                <a:latin typeface="+mn-lt"/>
+                <a:ea typeface="+mn-ea"/>
+                <a:cs typeface="+mn-cs"/>
+              </a:defRPr>
+            </a:lvl8pPr>
+            <a:lvl9pPr marL="3657600" algn="l" defTabSz="914400" rtl="0" eaLnBrk="1" latinLnBrk="0" hangingPunct="1">
+              <a:defRPr sz="1800" kern="1200">
+                <a:solidFill>
+                  <a:schemeClr val="dk1"/>
+                </a:solidFill>
+                <a:latin typeface="+mn-lt"/>
+                <a:ea typeface="+mn-ea"/>
+                <a:cs typeface="+mn-cs"/>
+              </a:defRPr>
+            </a:lvl9pPr>
+          </a:lstStyle>
+          <a:p>
+            <a:pPr algn="ctr"/>
+            <a:r>
+              <a:rPr lang="x-none" altLang="en-US" sz="2230" dirty="0">
+                <a:cs typeface="Calibri"/>
+              </a:rPr>
+              <a:t>Auto Box Initialization</a:t>
+            </a:r>
+            <a:endParaRPr lang="x-none" altLang="en-US" sz="2230" dirty="0">
+              <a:cs typeface="Calibri"/>
+            </a:endParaRPr>
+          </a:p>
+        </p:txBody>
+      </p:sp>
+      <p:sp>
+        <p:nvSpPr>
+          <p:cNvPr id="26" name="Rectangle 25"/>
+          <p:cNvSpPr/>
+          <p:nvPr/>
+        </p:nvSpPr>
+        <p:spPr>
+          <a:xfrm>
+            <a:off x="5975480" y="1602558"/>
+            <a:ext cx="1812687" cy="691670"/>
+          </a:xfrm>
+          <a:prstGeom prst="rect">
+            <a:avLst/>
+          </a:prstGeom>
+          <a:ln w="28575"/>
+        </p:spPr>
+        <p:style>
+          <a:lnRef idx="2">
+            <a:schemeClr val="dk1"/>
+          </a:lnRef>
+          <a:fillRef idx="1">
+            <a:schemeClr val="lt1"/>
+          </a:fillRef>
+          <a:effectRef idx="0">
+            <a:schemeClr val="dk1"/>
+          </a:effectRef>
+          <a:fontRef idx="minor">
+            <a:schemeClr val="dk1"/>
+          </a:fontRef>
+        </p:style>
+        <p:txBody>
+          <a:bodyPr rtlCol="0" anchor="ctr"/>
+          <a:lstStyle>
+            <a:defPPr>
+              <a:defRPr lang="en-US"/>
+            </a:defPPr>
+            <a:lvl1pPr marL="0" algn="l" defTabSz="914400" rtl="0" eaLnBrk="1" latinLnBrk="0" hangingPunct="1">
+              <a:defRPr sz="1800" kern="1200">
+                <a:solidFill>
+                  <a:schemeClr val="dk1"/>
+                </a:solidFill>
+                <a:latin typeface="+mn-lt"/>
+                <a:ea typeface="+mn-ea"/>
+                <a:cs typeface="+mn-cs"/>
+              </a:defRPr>
+            </a:lvl1pPr>
+            <a:lvl2pPr marL="457200" algn="l" defTabSz="914400" rtl="0" eaLnBrk="1" latinLnBrk="0" hangingPunct="1">
+              <a:defRPr sz="1800" kern="1200">
+                <a:solidFill>
+                  <a:schemeClr val="dk1"/>
+                </a:solidFill>
+                <a:latin typeface="+mn-lt"/>
+                <a:ea typeface="+mn-ea"/>
+                <a:cs typeface="+mn-cs"/>
+              </a:defRPr>
+            </a:lvl2pPr>
+            <a:lvl3pPr marL="914400" algn="l" defTabSz="914400" rtl="0" eaLnBrk="1" latinLnBrk="0" hangingPunct="1">
+              <a:defRPr sz="1800" kern="1200">
+                <a:solidFill>
+                  <a:schemeClr val="dk1"/>
+                </a:solidFill>
+                <a:latin typeface="+mn-lt"/>
+                <a:ea typeface="+mn-ea"/>
+                <a:cs typeface="+mn-cs"/>
+              </a:defRPr>
+            </a:lvl3pPr>
+            <a:lvl4pPr marL="1371600" algn="l" defTabSz="914400" rtl="0" eaLnBrk="1" latinLnBrk="0" hangingPunct="1">
+              <a:defRPr sz="1800" kern="1200">
+                <a:solidFill>
+                  <a:schemeClr val="dk1"/>
+                </a:solidFill>
+                <a:latin typeface="+mn-lt"/>
+                <a:ea typeface="+mn-ea"/>
+                <a:cs typeface="+mn-cs"/>
+              </a:defRPr>
+            </a:lvl4pPr>
+            <a:lvl5pPr marL="1828800" algn="l" defTabSz="914400" rtl="0" eaLnBrk="1" latinLnBrk="0" hangingPunct="1">
+              <a:defRPr sz="1800" kern="1200">
+                <a:solidFill>
+                  <a:schemeClr val="dk1"/>
+                </a:solidFill>
+                <a:latin typeface="+mn-lt"/>
+                <a:ea typeface="+mn-ea"/>
+                <a:cs typeface="+mn-cs"/>
+              </a:defRPr>
+            </a:lvl5pPr>
+            <a:lvl6pPr marL="2286000" algn="l" defTabSz="914400" rtl="0" eaLnBrk="1" latinLnBrk="0" hangingPunct="1">
+              <a:defRPr sz="1800" kern="1200">
+                <a:solidFill>
+                  <a:schemeClr val="dk1"/>
+                </a:solidFill>
+                <a:latin typeface="+mn-lt"/>
+                <a:ea typeface="+mn-ea"/>
+                <a:cs typeface="+mn-cs"/>
+              </a:defRPr>
+            </a:lvl6pPr>
+            <a:lvl7pPr marL="2743200" algn="l" defTabSz="914400" rtl="0" eaLnBrk="1" latinLnBrk="0" hangingPunct="1">
+              <a:defRPr sz="1800" kern="1200">
+                <a:solidFill>
+                  <a:schemeClr val="dk1"/>
+                </a:solidFill>
+                <a:latin typeface="+mn-lt"/>
+                <a:ea typeface="+mn-ea"/>
+                <a:cs typeface="+mn-cs"/>
+              </a:defRPr>
+            </a:lvl7pPr>
+            <a:lvl8pPr marL="3200400" algn="l" defTabSz="914400" rtl="0" eaLnBrk="1" latinLnBrk="0" hangingPunct="1">
+              <a:defRPr sz="1800" kern="1200">
+                <a:solidFill>
+                  <a:schemeClr val="dk1"/>
+                </a:solidFill>
+                <a:latin typeface="+mn-lt"/>
+                <a:ea typeface="+mn-ea"/>
+                <a:cs typeface="+mn-cs"/>
+              </a:defRPr>
+            </a:lvl8pPr>
+            <a:lvl9pPr marL="3657600" algn="l" defTabSz="914400" rtl="0" eaLnBrk="1" latinLnBrk="0" hangingPunct="1">
+              <a:defRPr sz="1800" kern="1200">
+                <a:solidFill>
+                  <a:schemeClr val="dk1"/>
+                </a:solidFill>
+                <a:latin typeface="+mn-lt"/>
+                <a:ea typeface="+mn-ea"/>
+                <a:cs typeface="+mn-cs"/>
+              </a:defRPr>
+            </a:lvl9pPr>
+          </a:lstStyle>
+          <a:p>
+            <a:pPr algn="ctr"/>
+            <a:r>
+              <a:rPr lang="x-none" altLang="en-US" sz="2230" dirty="0">
+                <a:cs typeface="Calibri"/>
+                <a:sym typeface="+mn-ea"/>
+              </a:rPr>
+              <a:t>Semi </a:t>
+            </a:r>
+            <a:r>
+              <a:rPr lang="en-US" sz="2230" dirty="0">
+                <a:cs typeface="Calibri"/>
+                <a:sym typeface="+mn-ea"/>
+              </a:rPr>
+              <a:t>Auto</a:t>
+            </a:r>
+            <a:endParaRPr lang="en-US" sz="2230" dirty="0">
+              <a:cs typeface="Calibri"/>
+            </a:endParaRPr>
+          </a:p>
+          <a:p>
+            <a:pPr algn="ctr"/>
+            <a:r>
+              <a:rPr lang="x-none" altLang="en-US" sz="2230" dirty="0">
+                <a:cs typeface="Calibri"/>
+                <a:sym typeface="+mn-ea"/>
+              </a:rPr>
+              <a:t>Box Fitting</a:t>
+            </a:r>
+            <a:endParaRPr lang="en-US" altLang="en-US" sz="2230" dirty="0">
+              <a:cs typeface="Calibri"/>
+            </a:endParaRPr>
+          </a:p>
+        </p:txBody>
+      </p:sp>
+      <p:sp>
+        <p:nvSpPr>
+          <p:cNvPr id="27" name="Rectangle 26"/>
+          <p:cNvSpPr/>
+          <p:nvPr/>
+        </p:nvSpPr>
+        <p:spPr>
+          <a:xfrm>
+            <a:off x="7882486" y="1602558"/>
+            <a:ext cx="1812687" cy="691670"/>
+          </a:xfrm>
+          <a:prstGeom prst="rect">
+            <a:avLst/>
+          </a:prstGeom>
+          <a:ln w="28575"/>
+        </p:spPr>
+        <p:style>
+          <a:lnRef idx="2">
+            <a:schemeClr val="dk1"/>
+          </a:lnRef>
+          <a:fillRef idx="1">
+            <a:schemeClr val="lt1"/>
+          </a:fillRef>
+          <a:effectRef idx="0">
+            <a:schemeClr val="dk1"/>
+          </a:effectRef>
+          <a:fontRef idx="minor">
+            <a:schemeClr val="dk1"/>
+          </a:fontRef>
+        </p:style>
+        <p:txBody>
+          <a:bodyPr rtlCol="0" anchor="ctr"/>
+          <a:lstStyle>
+            <a:defPPr>
+              <a:defRPr lang="en-US"/>
+            </a:defPPr>
+            <a:lvl1pPr marL="0" algn="l" defTabSz="914400" rtl="0" eaLnBrk="1" latinLnBrk="0" hangingPunct="1">
+              <a:defRPr sz="1800" kern="1200">
+                <a:solidFill>
+                  <a:schemeClr val="dk1"/>
+                </a:solidFill>
+                <a:latin typeface="+mn-lt"/>
+                <a:ea typeface="+mn-ea"/>
+                <a:cs typeface="+mn-cs"/>
+              </a:defRPr>
+            </a:lvl1pPr>
+            <a:lvl2pPr marL="457200" algn="l" defTabSz="914400" rtl="0" eaLnBrk="1" latinLnBrk="0" hangingPunct="1">
+              <a:defRPr sz="1800" kern="1200">
+                <a:solidFill>
+                  <a:schemeClr val="dk1"/>
+                </a:solidFill>
+                <a:latin typeface="+mn-lt"/>
+                <a:ea typeface="+mn-ea"/>
+                <a:cs typeface="+mn-cs"/>
+              </a:defRPr>
+            </a:lvl2pPr>
+            <a:lvl3pPr marL="914400" algn="l" defTabSz="914400" rtl="0" eaLnBrk="1" latinLnBrk="0" hangingPunct="1">
+              <a:defRPr sz="1800" kern="1200">
+                <a:solidFill>
+                  <a:schemeClr val="dk1"/>
+                </a:solidFill>
+                <a:latin typeface="+mn-lt"/>
+                <a:ea typeface="+mn-ea"/>
+                <a:cs typeface="+mn-cs"/>
+              </a:defRPr>
+            </a:lvl3pPr>
+            <a:lvl4pPr marL="1371600" algn="l" defTabSz="914400" rtl="0" eaLnBrk="1" latinLnBrk="0" hangingPunct="1">
+              <a:defRPr sz="1800" kern="1200">
+                <a:solidFill>
+                  <a:schemeClr val="dk1"/>
+                </a:solidFill>
+                <a:latin typeface="+mn-lt"/>
+                <a:ea typeface="+mn-ea"/>
+                <a:cs typeface="+mn-cs"/>
+              </a:defRPr>
+            </a:lvl4pPr>
+            <a:lvl5pPr marL="1828800" algn="l" defTabSz="914400" rtl="0" eaLnBrk="1" latinLnBrk="0" hangingPunct="1">
+              <a:defRPr sz="1800" kern="1200">
+                <a:solidFill>
+                  <a:schemeClr val="dk1"/>
+                </a:solidFill>
+                <a:latin typeface="+mn-lt"/>
+                <a:ea typeface="+mn-ea"/>
+                <a:cs typeface="+mn-cs"/>
+              </a:defRPr>
+            </a:lvl5pPr>
+            <a:lvl6pPr marL="2286000" algn="l" defTabSz="914400" rtl="0" eaLnBrk="1" latinLnBrk="0" hangingPunct="1">
+              <a:defRPr sz="1800" kern="1200">
+                <a:solidFill>
+                  <a:schemeClr val="dk1"/>
+                </a:solidFill>
+                <a:latin typeface="+mn-lt"/>
+                <a:ea typeface="+mn-ea"/>
+                <a:cs typeface="+mn-cs"/>
+              </a:defRPr>
+            </a:lvl6pPr>
+            <a:lvl7pPr marL="2743200" algn="l" defTabSz="914400" rtl="0" eaLnBrk="1" latinLnBrk="0" hangingPunct="1">
+              <a:defRPr sz="1800" kern="1200">
+                <a:solidFill>
+                  <a:schemeClr val="dk1"/>
+                </a:solidFill>
+                <a:latin typeface="+mn-lt"/>
+                <a:ea typeface="+mn-ea"/>
+                <a:cs typeface="+mn-cs"/>
+              </a:defRPr>
+            </a:lvl7pPr>
+            <a:lvl8pPr marL="3200400" algn="l" defTabSz="914400" rtl="0" eaLnBrk="1" latinLnBrk="0" hangingPunct="1">
+              <a:defRPr sz="1800" kern="1200">
+                <a:solidFill>
+                  <a:schemeClr val="dk1"/>
+                </a:solidFill>
+                <a:latin typeface="+mn-lt"/>
+                <a:ea typeface="+mn-ea"/>
+                <a:cs typeface="+mn-cs"/>
+              </a:defRPr>
+            </a:lvl8pPr>
+            <a:lvl9pPr marL="3657600" algn="l" defTabSz="914400" rtl="0" eaLnBrk="1" latinLnBrk="0" hangingPunct="1">
+              <a:defRPr sz="1800" kern="1200">
+                <a:solidFill>
+                  <a:schemeClr val="dk1"/>
+                </a:solidFill>
+                <a:latin typeface="+mn-lt"/>
+                <a:ea typeface="+mn-ea"/>
+                <a:cs typeface="+mn-cs"/>
+              </a:defRPr>
+            </a:lvl9pPr>
+          </a:lstStyle>
+          <a:p>
+            <a:pPr algn="ctr"/>
+            <a:r>
+              <a:rPr lang="x-none" altLang="en-US" sz="2230" dirty="0">
+                <a:cs typeface="Calibri"/>
+              </a:rPr>
+              <a:t>Annotation</a:t>
+            </a:r>
+            <a:endParaRPr lang="x-none" altLang="en-US" sz="2230" dirty="0">
+              <a:cs typeface="Calibri"/>
+            </a:endParaRPr>
+          </a:p>
+          <a:p>
+            <a:pPr algn="ctr"/>
+            <a:r>
+              <a:rPr lang="x-none" altLang="en-US" sz="2230" dirty="0">
+                <a:cs typeface="Calibri"/>
+              </a:rPr>
+              <a:t>Transfer</a:t>
+            </a:r>
+            <a:endParaRPr lang="x-none" altLang="en-US" sz="2230" dirty="0">
+              <a:cs typeface="Calibri"/>
+            </a:endParaRPr>
+          </a:p>
+        </p:txBody>
+      </p:sp>
+      <p:sp>
+        <p:nvSpPr>
+          <p:cNvPr id="28" name="Rectangle 27"/>
+          <p:cNvSpPr/>
+          <p:nvPr/>
+        </p:nvSpPr>
+        <p:spPr>
+          <a:xfrm>
+            <a:off x="2124135" y="3486967"/>
+            <a:ext cx="1812687" cy="691670"/>
+          </a:xfrm>
+          <a:prstGeom prst="rect">
+            <a:avLst/>
+          </a:prstGeom>
+          <a:ln w="28575"/>
+        </p:spPr>
+        <p:style>
+          <a:lnRef idx="2">
+            <a:schemeClr val="dk1"/>
+          </a:lnRef>
+          <a:fillRef idx="1">
+            <a:schemeClr val="lt1"/>
+          </a:fillRef>
+          <a:effectRef idx="0">
+            <a:schemeClr val="dk1"/>
+          </a:effectRef>
+          <a:fontRef idx="minor">
+            <a:schemeClr val="dk1"/>
+          </a:fontRef>
+        </p:style>
+        <p:txBody>
+          <a:bodyPr rtlCol="0" anchor="ctr"/>
+          <a:lstStyle>
+            <a:defPPr>
+              <a:defRPr lang="en-US"/>
+            </a:defPPr>
+            <a:lvl1pPr marL="0" algn="l" defTabSz="914400" rtl="0" eaLnBrk="1" latinLnBrk="0" hangingPunct="1">
+              <a:defRPr sz="1800" kern="1200">
+                <a:solidFill>
+                  <a:schemeClr val="dk1"/>
+                </a:solidFill>
+                <a:latin typeface="+mn-lt"/>
+                <a:ea typeface="+mn-ea"/>
+                <a:cs typeface="+mn-cs"/>
+              </a:defRPr>
+            </a:lvl1pPr>
+            <a:lvl2pPr marL="457200" algn="l" defTabSz="914400" rtl="0" eaLnBrk="1" latinLnBrk="0" hangingPunct="1">
+              <a:defRPr sz="1800" kern="1200">
+                <a:solidFill>
+                  <a:schemeClr val="dk1"/>
+                </a:solidFill>
+                <a:latin typeface="+mn-lt"/>
+                <a:ea typeface="+mn-ea"/>
+                <a:cs typeface="+mn-cs"/>
+              </a:defRPr>
+            </a:lvl2pPr>
+            <a:lvl3pPr marL="914400" algn="l" defTabSz="914400" rtl="0" eaLnBrk="1" latinLnBrk="0" hangingPunct="1">
+              <a:defRPr sz="1800" kern="1200">
+                <a:solidFill>
+                  <a:schemeClr val="dk1"/>
+                </a:solidFill>
+                <a:latin typeface="+mn-lt"/>
+                <a:ea typeface="+mn-ea"/>
+                <a:cs typeface="+mn-cs"/>
+              </a:defRPr>
+            </a:lvl3pPr>
+            <a:lvl4pPr marL="1371600" algn="l" defTabSz="914400" rtl="0" eaLnBrk="1" latinLnBrk="0" hangingPunct="1">
+              <a:defRPr sz="1800" kern="1200">
+                <a:solidFill>
+                  <a:schemeClr val="dk1"/>
+                </a:solidFill>
+                <a:latin typeface="+mn-lt"/>
+                <a:ea typeface="+mn-ea"/>
+                <a:cs typeface="+mn-cs"/>
+              </a:defRPr>
+            </a:lvl4pPr>
+            <a:lvl5pPr marL="1828800" algn="l" defTabSz="914400" rtl="0" eaLnBrk="1" latinLnBrk="0" hangingPunct="1">
+              <a:defRPr sz="1800" kern="1200">
+                <a:solidFill>
+                  <a:schemeClr val="dk1"/>
+                </a:solidFill>
+                <a:latin typeface="+mn-lt"/>
+                <a:ea typeface="+mn-ea"/>
+                <a:cs typeface="+mn-cs"/>
+              </a:defRPr>
+            </a:lvl5pPr>
+            <a:lvl6pPr marL="2286000" algn="l" defTabSz="914400" rtl="0" eaLnBrk="1" latinLnBrk="0" hangingPunct="1">
+              <a:defRPr sz="1800" kern="1200">
+                <a:solidFill>
+                  <a:schemeClr val="dk1"/>
+                </a:solidFill>
+                <a:latin typeface="+mn-lt"/>
+                <a:ea typeface="+mn-ea"/>
+                <a:cs typeface="+mn-cs"/>
+              </a:defRPr>
+            </a:lvl6pPr>
+            <a:lvl7pPr marL="2743200" algn="l" defTabSz="914400" rtl="0" eaLnBrk="1" latinLnBrk="0" hangingPunct="1">
+              <a:defRPr sz="1800" kern="1200">
+                <a:solidFill>
+                  <a:schemeClr val="dk1"/>
+                </a:solidFill>
+                <a:latin typeface="+mn-lt"/>
+                <a:ea typeface="+mn-ea"/>
+                <a:cs typeface="+mn-cs"/>
+              </a:defRPr>
+            </a:lvl7pPr>
+            <a:lvl8pPr marL="3200400" algn="l" defTabSz="914400" rtl="0" eaLnBrk="1" latinLnBrk="0" hangingPunct="1">
+              <a:defRPr sz="1800" kern="1200">
+                <a:solidFill>
+                  <a:schemeClr val="dk1"/>
+                </a:solidFill>
+                <a:latin typeface="+mn-lt"/>
+                <a:ea typeface="+mn-ea"/>
+                <a:cs typeface="+mn-cs"/>
+              </a:defRPr>
+            </a:lvl8pPr>
+            <a:lvl9pPr marL="3657600" algn="l" defTabSz="914400" rtl="0" eaLnBrk="1" latinLnBrk="0" hangingPunct="1">
+              <a:defRPr sz="1800" kern="1200">
+                <a:solidFill>
+                  <a:schemeClr val="dk1"/>
+                </a:solidFill>
+                <a:latin typeface="+mn-lt"/>
+                <a:ea typeface="+mn-ea"/>
+                <a:cs typeface="+mn-cs"/>
+              </a:defRPr>
+            </a:lvl9pPr>
+          </a:lstStyle>
+          <a:p>
+            <a:pPr algn="ctr"/>
+            <a:r>
+              <a:rPr lang="en-US" sz="2230">
+                <a:cs typeface="Calibri"/>
+              </a:rPr>
+              <a:t>Point cloud </a:t>
+            </a:r>
+            <a:r>
+              <a:rPr lang="x-none" altLang="en-US" sz="2230">
+                <a:cs typeface="Calibri"/>
+              </a:rPr>
+              <a:t>Library</a:t>
+            </a:r>
+            <a:endParaRPr lang="x-none" altLang="en-US" sz="2230" dirty="0">
+              <a:cs typeface="Calibri"/>
+            </a:endParaRPr>
+          </a:p>
+        </p:txBody>
+      </p:sp>
+      <p:sp>
+        <p:nvSpPr>
+          <p:cNvPr id="29" name="Rectangle 28"/>
+          <p:cNvSpPr/>
+          <p:nvPr/>
+        </p:nvSpPr>
+        <p:spPr>
+          <a:xfrm>
+            <a:off x="84494" y="1603540"/>
+            <a:ext cx="2015080" cy="691670"/>
+          </a:xfrm>
+          <a:prstGeom prst="rect">
+            <a:avLst/>
+          </a:prstGeom>
+          <a:noFill/>
+          <a:ln w="38100">
+            <a:noFill/>
+          </a:ln>
+        </p:spPr>
+        <p:style>
+          <a:lnRef idx="2">
+            <a:schemeClr val="dk1"/>
+          </a:lnRef>
+          <a:fillRef idx="1">
+            <a:schemeClr val="lt1"/>
+          </a:fillRef>
+          <a:effectRef idx="0">
+            <a:schemeClr val="dk1"/>
+          </a:effectRef>
+          <a:fontRef idx="minor">
+            <a:schemeClr val="dk1"/>
+          </a:fontRef>
+        </p:style>
+        <p:txBody>
+          <a:bodyPr rtlCol="0" anchor="ctr"/>
+          <a:lstStyle/>
+          <a:p>
+            <a:pPr algn="r"/>
+            <a:r>
+              <a:rPr lang="en-US" sz="2230" dirty="0">
+                <a:cs typeface="Calibri"/>
+              </a:rPr>
+              <a:t>Operation</a:t>
+            </a:r>
+            <a:endParaRPr lang="en-US" sz="2230" dirty="0">
+              <a:cs typeface="Calibri"/>
+            </a:endParaRPr>
+          </a:p>
+        </p:txBody>
+      </p:sp>
+      <p:cxnSp>
+        <p:nvCxnSpPr>
+          <p:cNvPr id="2" name="Straight Connector 1"/>
+          <p:cNvCxnSpPr/>
+          <p:nvPr/>
+        </p:nvCxnSpPr>
+        <p:spPr>
+          <a:xfrm>
+            <a:off x="198462" y="2396408"/>
+            <a:ext cx="9507322" cy="0"/>
+          </a:xfrm>
+          <a:prstGeom prst="line">
+            <a:avLst/>
+          </a:prstGeom>
+          <a:ln w="31750">
+            <a:solidFill>
+              <a:schemeClr val="tx1"/>
+            </a:solidFill>
+          </a:ln>
+        </p:spPr>
+        <p:style>
+          <a:lnRef idx="1">
+            <a:schemeClr val="accent1"/>
+          </a:lnRef>
+          <a:fillRef idx="0">
+            <a:schemeClr val="accent1"/>
+          </a:fillRef>
+          <a:effectRef idx="0">
+            <a:schemeClr val="accent1"/>
+          </a:effectRef>
+          <a:fontRef idx="minor">
+            <a:schemeClr val="tx1"/>
+          </a:fontRef>
+        </p:style>
+      </p:cxnSp>
+      <p:cxnSp>
+        <p:nvCxnSpPr>
+          <p:cNvPr id="12" name="Straight Connector 11"/>
+          <p:cNvCxnSpPr/>
+          <p:nvPr/>
+        </p:nvCxnSpPr>
+        <p:spPr>
+          <a:xfrm>
+            <a:off x="198462" y="3354331"/>
+            <a:ext cx="9507322" cy="0"/>
+          </a:xfrm>
+          <a:prstGeom prst="line">
+            <a:avLst/>
+          </a:prstGeom>
+          <a:ln w="31750">
+            <a:solidFill>
+              <a:schemeClr val="tx1"/>
+            </a:solidFill>
+          </a:ln>
+        </p:spPr>
+        <p:style>
+          <a:lnRef idx="1">
+            <a:schemeClr val="accent1"/>
+          </a:lnRef>
+          <a:fillRef idx="0">
+            <a:schemeClr val="accent1"/>
+          </a:fillRef>
+          <a:effectRef idx="0">
+            <a:schemeClr val="accent1"/>
+          </a:effectRef>
+          <a:fontRef idx="minor">
+            <a:schemeClr val="tx1"/>
+          </a:fontRef>
+        </p:style>
+      </p:cxnSp>
+      <p:cxnSp>
+        <p:nvCxnSpPr>
+          <p:cNvPr id="14" name="Straight Connector 13"/>
+          <p:cNvCxnSpPr/>
+          <p:nvPr/>
+        </p:nvCxnSpPr>
+        <p:spPr>
+          <a:xfrm>
+            <a:off x="198462" y="4292605"/>
+            <a:ext cx="9507322" cy="0"/>
+          </a:xfrm>
+          <a:prstGeom prst="line">
+            <a:avLst/>
+          </a:prstGeom>
+          <a:ln w="31750">
+            <a:solidFill>
+              <a:schemeClr val="tx1"/>
+            </a:solidFill>
+          </a:ln>
+        </p:spPr>
+        <p:style>
+          <a:lnRef idx="1">
+            <a:schemeClr val="accent1"/>
+          </a:lnRef>
+          <a:fillRef idx="0">
+            <a:schemeClr val="accent1"/>
+          </a:fillRef>
+          <a:effectRef idx="0">
+            <a:schemeClr val="accent1"/>
+          </a:effectRef>
+          <a:fontRef idx="minor">
+            <a:schemeClr val="tx1"/>
+          </a:fontRef>
+        </p:style>
+      </p:cxnSp>
+      <p:cxnSp>
+        <p:nvCxnSpPr>
+          <p:cNvPr id="16" name="Straight Connector 15"/>
+          <p:cNvCxnSpPr/>
+          <p:nvPr/>
+        </p:nvCxnSpPr>
+        <p:spPr>
+          <a:xfrm>
+            <a:off x="198462" y="5302601"/>
+            <a:ext cx="9507322" cy="0"/>
+          </a:xfrm>
+          <a:prstGeom prst="line">
+            <a:avLst/>
+          </a:prstGeom>
+          <a:ln w="31750">
+            <a:solidFill>
+              <a:schemeClr val="tx1"/>
+            </a:solidFill>
+          </a:ln>
+        </p:spPr>
+        <p:style>
+          <a:lnRef idx="1">
+            <a:schemeClr val="accent1"/>
+          </a:lnRef>
+          <a:fillRef idx="0">
+            <a:schemeClr val="accent1"/>
+          </a:fillRef>
+          <a:effectRef idx="0">
+            <a:schemeClr val="accent1"/>
+          </a:effectRef>
+          <a:fontRef idx="minor">
+            <a:schemeClr val="tx1"/>
+          </a:fontRef>
+        </p:style>
+      </p:cxnSp>
+      <p:sp>
+        <p:nvSpPr>
+          <p:cNvPr id="17" name="Rectangle 16"/>
+          <p:cNvSpPr/>
+          <p:nvPr/>
+        </p:nvSpPr>
+        <p:spPr>
+          <a:xfrm>
+            <a:off x="4058650" y="1602558"/>
+            <a:ext cx="1812687" cy="691670"/>
+          </a:xfrm>
+          <a:prstGeom prst="rect">
+            <a:avLst/>
+          </a:prstGeom>
+          <a:ln w="28575"/>
+        </p:spPr>
+        <p:style>
+          <a:lnRef idx="2">
+            <a:schemeClr val="dk1"/>
+          </a:lnRef>
+          <a:fillRef idx="1">
+            <a:schemeClr val="lt1"/>
+          </a:fillRef>
+          <a:effectRef idx="0">
+            <a:schemeClr val="dk1"/>
+          </a:effectRef>
+          <a:fontRef idx="minor">
+            <a:schemeClr val="dk1"/>
+          </a:fontRef>
+        </p:style>
+        <p:txBody>
+          <a:bodyPr rtlCol="0" anchor="ctr"/>
+          <a:lstStyle>
+            <a:defPPr>
+              <a:defRPr lang="en-US"/>
+            </a:defPPr>
+            <a:lvl1pPr marL="0" algn="l" defTabSz="914400" rtl="0" eaLnBrk="1" latinLnBrk="0" hangingPunct="1">
+              <a:defRPr sz="1800" kern="1200">
+                <a:solidFill>
+                  <a:schemeClr val="dk1"/>
+                </a:solidFill>
+                <a:latin typeface="+mn-lt"/>
+                <a:ea typeface="+mn-ea"/>
+                <a:cs typeface="+mn-cs"/>
+              </a:defRPr>
+            </a:lvl1pPr>
+            <a:lvl2pPr marL="457200" algn="l" defTabSz="914400" rtl="0" eaLnBrk="1" latinLnBrk="0" hangingPunct="1">
+              <a:defRPr sz="1800" kern="1200">
+                <a:solidFill>
+                  <a:schemeClr val="dk1"/>
+                </a:solidFill>
+                <a:latin typeface="+mn-lt"/>
+                <a:ea typeface="+mn-ea"/>
+                <a:cs typeface="+mn-cs"/>
+              </a:defRPr>
+            </a:lvl2pPr>
+            <a:lvl3pPr marL="914400" algn="l" defTabSz="914400" rtl="0" eaLnBrk="1" latinLnBrk="0" hangingPunct="1">
+              <a:defRPr sz="1800" kern="1200">
+                <a:solidFill>
+                  <a:schemeClr val="dk1"/>
+                </a:solidFill>
+                <a:latin typeface="+mn-lt"/>
+                <a:ea typeface="+mn-ea"/>
+                <a:cs typeface="+mn-cs"/>
+              </a:defRPr>
+            </a:lvl3pPr>
+            <a:lvl4pPr marL="1371600" algn="l" defTabSz="914400" rtl="0" eaLnBrk="1" latinLnBrk="0" hangingPunct="1">
+              <a:defRPr sz="1800" kern="1200">
+                <a:solidFill>
+                  <a:schemeClr val="dk1"/>
+                </a:solidFill>
+                <a:latin typeface="+mn-lt"/>
+                <a:ea typeface="+mn-ea"/>
+                <a:cs typeface="+mn-cs"/>
+              </a:defRPr>
+            </a:lvl4pPr>
+            <a:lvl5pPr marL="1828800" algn="l" defTabSz="914400" rtl="0" eaLnBrk="1" latinLnBrk="0" hangingPunct="1">
+              <a:defRPr sz="1800" kern="1200">
+                <a:solidFill>
+                  <a:schemeClr val="dk1"/>
+                </a:solidFill>
+                <a:latin typeface="+mn-lt"/>
+                <a:ea typeface="+mn-ea"/>
+                <a:cs typeface="+mn-cs"/>
+              </a:defRPr>
+            </a:lvl5pPr>
+            <a:lvl6pPr marL="2286000" algn="l" defTabSz="914400" rtl="0" eaLnBrk="1" latinLnBrk="0" hangingPunct="1">
+              <a:defRPr sz="1800" kern="1200">
+                <a:solidFill>
+                  <a:schemeClr val="dk1"/>
+                </a:solidFill>
+                <a:latin typeface="+mn-lt"/>
+                <a:ea typeface="+mn-ea"/>
+                <a:cs typeface="+mn-cs"/>
+              </a:defRPr>
+            </a:lvl6pPr>
+            <a:lvl7pPr marL="2743200" algn="l" defTabSz="914400" rtl="0" eaLnBrk="1" latinLnBrk="0" hangingPunct="1">
+              <a:defRPr sz="1800" kern="1200">
+                <a:solidFill>
+                  <a:schemeClr val="dk1"/>
+                </a:solidFill>
+                <a:latin typeface="+mn-lt"/>
+                <a:ea typeface="+mn-ea"/>
+                <a:cs typeface="+mn-cs"/>
+              </a:defRPr>
+            </a:lvl7pPr>
+            <a:lvl8pPr marL="3200400" algn="l" defTabSz="914400" rtl="0" eaLnBrk="1" latinLnBrk="0" hangingPunct="1">
+              <a:defRPr sz="1800" kern="1200">
+                <a:solidFill>
+                  <a:schemeClr val="dk1"/>
+                </a:solidFill>
+                <a:latin typeface="+mn-lt"/>
+                <a:ea typeface="+mn-ea"/>
+                <a:cs typeface="+mn-cs"/>
+              </a:defRPr>
+            </a:lvl8pPr>
+            <a:lvl9pPr marL="3657600" algn="l" defTabSz="914400" rtl="0" eaLnBrk="1" latinLnBrk="0" hangingPunct="1">
+              <a:defRPr sz="1800" kern="1200">
+                <a:solidFill>
+                  <a:schemeClr val="dk1"/>
+                </a:solidFill>
+                <a:latin typeface="+mn-lt"/>
+                <a:ea typeface="+mn-ea"/>
+                <a:cs typeface="+mn-cs"/>
+              </a:defRPr>
+            </a:lvl9pPr>
+          </a:lstStyle>
+          <a:p>
+            <a:pPr algn="ctr"/>
+            <a:r>
+              <a:rPr lang="x-none" altLang="en-US" sz="2230" dirty="0">
+                <a:cs typeface="Calibri"/>
+                <a:sym typeface="+mn-ea"/>
+              </a:rPr>
+              <a:t>Multi-view</a:t>
+            </a:r>
+            <a:endParaRPr lang="x-none" altLang="en-US" sz="2230" dirty="0">
+              <a:cs typeface="Calibri"/>
+            </a:endParaRPr>
+          </a:p>
+          <a:p>
+            <a:pPr algn="ctr"/>
+            <a:r>
+              <a:rPr lang="x-none" altLang="en-US" sz="2230" dirty="0">
+                <a:cs typeface="Calibri"/>
+                <a:sym typeface="+mn-ea"/>
+              </a:rPr>
+              <a:t>Editing</a:t>
+            </a:r>
+            <a:endParaRPr lang="en-US" sz="2230" dirty="0">
+              <a:cs typeface="Calibri"/>
+            </a:endParaRPr>
+          </a:p>
+        </p:txBody>
+      </p:sp>
+    </p:spTree>
+  </p:cSld>
+  <p:clrMapOvr>
+    <a:masterClrMapping/>
+  </p:clrMapOvr>
+</p:sld>
+</file>
+
+<file path=ppt/slides/slide2.xml><?xml version="1.0" encoding="utf-8"?>
+<p:sld xmlns:a="http://schemas.openxmlformats.org/drawingml/2006/main" xmlns:r="http://schemas.openxmlformats.org/officeDocument/2006/relationships" xmlns:p="http://schemas.openxmlformats.org/presentationml/2006/main">
+  <p:cSld>
+    <p:spTree>
+      <p:nvGrpSpPr>
+        <p:cNvPr id="1" name=""/>
+        <p:cNvGrpSpPr/>
+        <p:nvPr/>
+      </p:nvGrpSpPr>
+      <p:grpSpPr>
+        <a:xfrm>
+          <a:off x="0" y="0"/>
+          <a:ext cx="0" cy="0"/>
+          <a:chOff x="0" y="0"/>
+          <a:chExt cx="0" cy="0"/>
+        </a:xfrm>
+      </p:grpSpPr>
+      <p:sp>
+        <p:nvSpPr>
+          <p:cNvPr id="4" name="Rectangle 3"/>
+          <p:cNvSpPr/>
+          <p:nvPr/>
+        </p:nvSpPr>
+        <p:spPr>
+          <a:xfrm>
+            <a:off x="2993732" y="4116161"/>
+            <a:ext cx="1675039" cy="478971"/>
+          </a:xfrm>
+          <a:prstGeom prst="rect">
+            <a:avLst/>
+          </a:prstGeom>
+          <a:ln w="28575"/>
+        </p:spPr>
+        <p:style>
+          <a:lnRef idx="2">
+            <a:schemeClr val="dk1"/>
+          </a:lnRef>
+          <a:fillRef idx="1">
+            <a:schemeClr val="lt1"/>
+          </a:fillRef>
+          <a:effectRef idx="0">
+            <a:schemeClr val="dk1"/>
+          </a:effectRef>
+          <a:fontRef idx="minor">
+            <a:schemeClr val="dk1"/>
+          </a:fontRef>
+        </p:style>
+        <p:txBody>
+          <a:bodyPr rtlCol="0" anchor="ctr"/>
+          <a:lstStyle/>
+          <a:p>
+            <a:pPr algn="ctr"/>
+            <a:r>
+              <a:rPr lang="en-US" sz="1545" dirty="0">
+                <a:cs typeface="Calibri"/>
+              </a:rPr>
+              <a:t>Data </a:t>
+            </a:r>
+            <a:r>
+              <a:rPr lang="x-none" altLang="en-US" sz="1545" dirty="0">
+                <a:cs typeface="Calibri"/>
+              </a:rPr>
+              <a:t>Management</a:t>
+            </a:r>
+            <a:endParaRPr lang="x-none" altLang="en-US" sz="1545" dirty="0">
+              <a:cs typeface="Calibri"/>
+            </a:endParaRPr>
+          </a:p>
+        </p:txBody>
+      </p:sp>
+      <p:sp>
+        <p:nvSpPr>
+          <p:cNvPr id="3" name="Rectangle 2"/>
+          <p:cNvSpPr/>
+          <p:nvPr/>
+        </p:nvSpPr>
+        <p:spPr>
+          <a:xfrm>
+            <a:off x="4778309" y="4116161"/>
+            <a:ext cx="1675039" cy="478971"/>
+          </a:xfrm>
+          <a:prstGeom prst="rect">
+            <a:avLst/>
+          </a:prstGeom>
+          <a:ln w="28575"/>
+        </p:spPr>
+        <p:style>
+          <a:lnRef idx="2">
+            <a:schemeClr val="dk1"/>
+          </a:lnRef>
+          <a:fillRef idx="1">
+            <a:schemeClr val="lt1"/>
+          </a:fillRef>
+          <a:effectRef idx="0">
+            <a:schemeClr val="dk1"/>
+          </a:effectRef>
+          <a:fontRef idx="minor">
+            <a:schemeClr val="dk1"/>
+          </a:fontRef>
+        </p:style>
+        <p:txBody>
+          <a:bodyPr rtlCol="0" anchor="ctr"/>
+          <a:lstStyle/>
+          <a:p>
+            <a:pPr algn="ctr"/>
+            <a:r>
+              <a:rPr lang="en-US" sz="1545" dirty="0">
+                <a:cs typeface="Calibri"/>
+              </a:rPr>
+              <a:t>Web Framework</a:t>
+            </a:r>
+            <a:endParaRPr lang="en-US" sz="1545" dirty="0">
+              <a:cs typeface="Calibri"/>
+            </a:endParaRPr>
+          </a:p>
+        </p:txBody>
+      </p:sp>
+      <p:sp>
+        <p:nvSpPr>
+          <p:cNvPr id="5" name="Rectangle 4"/>
+          <p:cNvSpPr/>
+          <p:nvPr/>
+        </p:nvSpPr>
+        <p:spPr>
+          <a:xfrm>
+            <a:off x="6561525" y="4116161"/>
+            <a:ext cx="1675039" cy="478971"/>
+          </a:xfrm>
+          <a:prstGeom prst="rect">
+            <a:avLst/>
+          </a:prstGeom>
+          <a:ln w="28575"/>
+        </p:spPr>
+        <p:style>
+          <a:lnRef idx="2">
+            <a:schemeClr val="dk1"/>
+          </a:lnRef>
+          <a:fillRef idx="1">
+            <a:schemeClr val="lt1"/>
+          </a:fillRef>
+          <a:effectRef idx="0">
+            <a:schemeClr val="dk1"/>
+          </a:effectRef>
+          <a:fontRef idx="minor">
+            <a:schemeClr val="dk1"/>
+          </a:fontRef>
+        </p:style>
+        <p:txBody>
+          <a:bodyPr rtlCol="0" anchor="ctr"/>
+          <a:lstStyle/>
+          <a:p>
+            <a:pPr algn="ctr"/>
+            <a:r>
+              <a:rPr lang="en-US" sz="1545" dirty="0">
+                <a:cs typeface="Calibri"/>
+              </a:rPr>
+              <a:t>WebGL Library</a:t>
+            </a:r>
+            <a:endParaRPr lang="en-US" sz="1545" dirty="0">
+              <a:cs typeface="Calibri"/>
+            </a:endParaRPr>
+          </a:p>
+        </p:txBody>
+      </p:sp>
+      <p:sp>
+        <p:nvSpPr>
+          <p:cNvPr id="6" name="Rectangle 5"/>
+          <p:cNvSpPr/>
+          <p:nvPr/>
+        </p:nvSpPr>
+        <p:spPr>
+          <a:xfrm>
+            <a:off x="1488102" y="4116161"/>
+            <a:ext cx="1488621" cy="478971"/>
+          </a:xfrm>
+          <a:prstGeom prst="rect">
+            <a:avLst/>
+          </a:prstGeom>
+          <a:noFill/>
+          <a:ln w="28575">
+            <a:noFill/>
+          </a:ln>
+        </p:spPr>
+        <p:style>
+          <a:lnRef idx="2">
+            <a:schemeClr val="dk1"/>
+          </a:lnRef>
+          <a:fillRef idx="1">
+            <a:schemeClr val="lt1"/>
+          </a:fillRef>
+          <a:effectRef idx="0">
+            <a:schemeClr val="dk1"/>
+          </a:effectRef>
+          <a:fontRef idx="minor">
+            <a:schemeClr val="dk1"/>
+          </a:fontRef>
+        </p:style>
+        <p:txBody>
+          <a:bodyPr rtlCol="0" anchor="ctr"/>
+          <a:lstStyle/>
+          <a:p>
+            <a:pPr algn="r"/>
+            <a:r>
+              <a:rPr lang="en-US" sz="1545" dirty="0">
+                <a:cs typeface="Calibri"/>
+              </a:rPr>
+              <a:t>Infrastructure</a:t>
+            </a:r>
+            <a:endParaRPr lang="en-US" sz="1545" dirty="0">
+              <a:cs typeface="Calibri"/>
+            </a:endParaRPr>
+          </a:p>
+        </p:txBody>
+      </p:sp>
+      <p:sp>
+        <p:nvSpPr>
+          <p:cNvPr id="10" name="Rectangle 9"/>
+          <p:cNvSpPr/>
+          <p:nvPr/>
+        </p:nvSpPr>
+        <p:spPr>
+          <a:xfrm>
+            <a:off x="6981305" y="3431041"/>
+            <a:ext cx="1255259" cy="478971"/>
+          </a:xfrm>
+          <a:prstGeom prst="rect">
+            <a:avLst/>
+          </a:prstGeom>
+          <a:ln w="28575"/>
+        </p:spPr>
+        <p:style>
+          <a:lnRef idx="2">
+            <a:schemeClr val="dk1"/>
+          </a:lnRef>
+          <a:fillRef idx="1">
+            <a:schemeClr val="lt1"/>
+          </a:fillRef>
+          <a:effectRef idx="0">
+            <a:schemeClr val="dk1"/>
+          </a:effectRef>
+          <a:fontRef idx="minor">
+            <a:schemeClr val="dk1"/>
+          </a:fontRef>
+        </p:style>
+        <p:txBody>
+          <a:bodyPr rtlCol="0" anchor="ctr"/>
+          <a:lstStyle>
+            <a:defPPr>
+              <a:defRPr lang="en-US"/>
+            </a:defPPr>
+            <a:lvl1pPr marL="0" algn="l" defTabSz="914400" rtl="0" eaLnBrk="1" latinLnBrk="0" hangingPunct="1">
+              <a:defRPr sz="1800" kern="1200">
+                <a:solidFill>
+                  <a:schemeClr val="dk1"/>
+                </a:solidFill>
+                <a:latin typeface="+mn-lt"/>
+                <a:ea typeface="+mn-ea"/>
+                <a:cs typeface="+mn-cs"/>
+              </a:defRPr>
+            </a:lvl1pPr>
+            <a:lvl2pPr marL="457200" algn="l" defTabSz="914400" rtl="0" eaLnBrk="1" latinLnBrk="0" hangingPunct="1">
+              <a:defRPr sz="1800" kern="1200">
+                <a:solidFill>
+                  <a:schemeClr val="dk1"/>
+                </a:solidFill>
+                <a:latin typeface="+mn-lt"/>
+                <a:ea typeface="+mn-ea"/>
+                <a:cs typeface="+mn-cs"/>
+              </a:defRPr>
+            </a:lvl2pPr>
+            <a:lvl3pPr marL="914400" algn="l" defTabSz="914400" rtl="0" eaLnBrk="1" latinLnBrk="0" hangingPunct="1">
+              <a:defRPr sz="1800" kern="1200">
+                <a:solidFill>
+                  <a:schemeClr val="dk1"/>
+                </a:solidFill>
+                <a:latin typeface="+mn-lt"/>
+                <a:ea typeface="+mn-ea"/>
+                <a:cs typeface="+mn-cs"/>
+              </a:defRPr>
+            </a:lvl3pPr>
+            <a:lvl4pPr marL="1371600" algn="l" defTabSz="914400" rtl="0" eaLnBrk="1" latinLnBrk="0" hangingPunct="1">
+              <a:defRPr sz="1800" kern="1200">
+                <a:solidFill>
+                  <a:schemeClr val="dk1"/>
+                </a:solidFill>
+                <a:latin typeface="+mn-lt"/>
+                <a:ea typeface="+mn-ea"/>
+                <a:cs typeface="+mn-cs"/>
+              </a:defRPr>
+            </a:lvl4pPr>
+            <a:lvl5pPr marL="1828800" algn="l" defTabSz="914400" rtl="0" eaLnBrk="1" latinLnBrk="0" hangingPunct="1">
+              <a:defRPr sz="1800" kern="1200">
+                <a:solidFill>
+                  <a:schemeClr val="dk1"/>
+                </a:solidFill>
+                <a:latin typeface="+mn-lt"/>
+                <a:ea typeface="+mn-ea"/>
+                <a:cs typeface="+mn-cs"/>
+              </a:defRPr>
+            </a:lvl5pPr>
+            <a:lvl6pPr marL="2286000" algn="l" defTabSz="914400" rtl="0" eaLnBrk="1" latinLnBrk="0" hangingPunct="1">
+              <a:defRPr sz="1800" kern="1200">
+                <a:solidFill>
+                  <a:schemeClr val="dk1"/>
+                </a:solidFill>
+                <a:latin typeface="+mn-lt"/>
+                <a:ea typeface="+mn-ea"/>
+                <a:cs typeface="+mn-cs"/>
+              </a:defRPr>
+            </a:lvl6pPr>
+            <a:lvl7pPr marL="2743200" algn="l" defTabSz="914400" rtl="0" eaLnBrk="1" latinLnBrk="0" hangingPunct="1">
+              <a:defRPr sz="1800" kern="1200">
+                <a:solidFill>
+                  <a:schemeClr val="dk1"/>
+                </a:solidFill>
+                <a:latin typeface="+mn-lt"/>
+                <a:ea typeface="+mn-ea"/>
+                <a:cs typeface="+mn-cs"/>
+              </a:defRPr>
+            </a:lvl7pPr>
+            <a:lvl8pPr marL="3200400" algn="l" defTabSz="914400" rtl="0" eaLnBrk="1" latinLnBrk="0" hangingPunct="1">
+              <a:defRPr sz="1800" kern="1200">
+                <a:solidFill>
+                  <a:schemeClr val="dk1"/>
+                </a:solidFill>
+                <a:latin typeface="+mn-lt"/>
+                <a:ea typeface="+mn-ea"/>
+                <a:cs typeface="+mn-cs"/>
+              </a:defRPr>
+            </a:lvl8pPr>
+            <a:lvl9pPr marL="3657600" algn="l" defTabSz="914400" rtl="0" eaLnBrk="1" latinLnBrk="0" hangingPunct="1">
+              <a:defRPr sz="1800" kern="1200">
+                <a:solidFill>
+                  <a:schemeClr val="dk1"/>
+                </a:solidFill>
+                <a:latin typeface="+mn-lt"/>
+                <a:ea typeface="+mn-ea"/>
+                <a:cs typeface="+mn-cs"/>
+              </a:defRPr>
+            </a:lvl9pPr>
+          </a:lstStyle>
+          <a:p>
+            <a:pPr algn="ctr"/>
+            <a:r>
+              <a:rPr lang="en-US" sz="1545" dirty="0">
+                <a:cs typeface="Calibri"/>
+              </a:rPr>
+              <a:t>Registration</a:t>
+            </a:r>
+            <a:endParaRPr lang="en-US" sz="1545" dirty="0">
+              <a:cs typeface="Calibri"/>
+            </a:endParaRPr>
+          </a:p>
+        </p:txBody>
+      </p:sp>
+      <p:sp>
+        <p:nvSpPr>
+          <p:cNvPr id="7" name="Rectangle 6"/>
+          <p:cNvSpPr/>
+          <p:nvPr/>
+        </p:nvSpPr>
+        <p:spPr>
+          <a:xfrm>
+            <a:off x="1581311" y="3431041"/>
+            <a:ext cx="1395413" cy="478971"/>
+          </a:xfrm>
+          <a:prstGeom prst="rect">
+            <a:avLst/>
+          </a:prstGeom>
+          <a:noFill/>
+          <a:ln w="28575">
+            <a:noFill/>
+          </a:ln>
+        </p:spPr>
+        <p:style>
+          <a:lnRef idx="2">
+            <a:schemeClr val="dk1"/>
+          </a:lnRef>
+          <a:fillRef idx="1">
+            <a:schemeClr val="lt1"/>
+          </a:fillRef>
+          <a:effectRef idx="0">
+            <a:schemeClr val="dk1"/>
+          </a:effectRef>
+          <a:fontRef idx="minor">
+            <a:schemeClr val="dk1"/>
+          </a:fontRef>
+        </p:style>
+        <p:txBody>
+          <a:bodyPr rtlCol="0" anchor="ctr"/>
+          <a:lstStyle/>
+          <a:p>
+            <a:pPr algn="r"/>
+            <a:r>
+              <a:rPr lang="en-US" sz="1545" dirty="0">
+                <a:cs typeface="Calibri"/>
+              </a:rPr>
+              <a:t>Tool Sets</a:t>
+            </a:r>
+            <a:endParaRPr lang="en-US" sz="1545" dirty="0">
+              <a:cs typeface="Calibri"/>
+            </a:endParaRPr>
+          </a:p>
+        </p:txBody>
+      </p:sp>
+      <p:sp>
+        <p:nvSpPr>
+          <p:cNvPr id="15" name="Rectangle 14"/>
+          <p:cNvSpPr/>
+          <p:nvPr/>
+        </p:nvSpPr>
+        <p:spPr>
+          <a:xfrm>
+            <a:off x="5660732" y="3431041"/>
+            <a:ext cx="1255259" cy="478971"/>
+          </a:xfrm>
+          <a:prstGeom prst="rect">
+            <a:avLst/>
+          </a:prstGeom>
+          <a:ln w="28575"/>
+        </p:spPr>
+        <p:style>
+          <a:lnRef idx="2">
+            <a:schemeClr val="dk1"/>
+          </a:lnRef>
+          <a:fillRef idx="1">
+            <a:schemeClr val="lt1"/>
+          </a:fillRef>
+          <a:effectRef idx="0">
+            <a:schemeClr val="dk1"/>
+          </a:effectRef>
+          <a:fontRef idx="minor">
+            <a:schemeClr val="dk1"/>
+          </a:fontRef>
+        </p:style>
+        <p:txBody>
+          <a:bodyPr rtlCol="0" anchor="ctr"/>
+          <a:lstStyle>
+            <a:defPPr>
+              <a:defRPr lang="en-US"/>
+            </a:defPPr>
+            <a:lvl1pPr marL="0" algn="l" defTabSz="914400" rtl="0" eaLnBrk="1" latinLnBrk="0" hangingPunct="1">
+              <a:defRPr sz="1800" kern="1200">
+                <a:solidFill>
+                  <a:schemeClr val="dk1"/>
+                </a:solidFill>
+                <a:latin typeface="+mn-lt"/>
+                <a:ea typeface="+mn-ea"/>
+                <a:cs typeface="+mn-cs"/>
+              </a:defRPr>
+            </a:lvl1pPr>
+            <a:lvl2pPr marL="457200" algn="l" defTabSz="914400" rtl="0" eaLnBrk="1" latinLnBrk="0" hangingPunct="1">
+              <a:defRPr sz="1800" kern="1200">
+                <a:solidFill>
+                  <a:schemeClr val="dk1"/>
+                </a:solidFill>
+                <a:latin typeface="+mn-lt"/>
+                <a:ea typeface="+mn-ea"/>
+                <a:cs typeface="+mn-cs"/>
+              </a:defRPr>
+            </a:lvl2pPr>
+            <a:lvl3pPr marL="914400" algn="l" defTabSz="914400" rtl="0" eaLnBrk="1" latinLnBrk="0" hangingPunct="1">
+              <a:defRPr sz="1800" kern="1200">
+                <a:solidFill>
+                  <a:schemeClr val="dk1"/>
+                </a:solidFill>
+                <a:latin typeface="+mn-lt"/>
+                <a:ea typeface="+mn-ea"/>
+                <a:cs typeface="+mn-cs"/>
+              </a:defRPr>
+            </a:lvl3pPr>
+            <a:lvl4pPr marL="1371600" algn="l" defTabSz="914400" rtl="0" eaLnBrk="1" latinLnBrk="0" hangingPunct="1">
+              <a:defRPr sz="1800" kern="1200">
+                <a:solidFill>
+                  <a:schemeClr val="dk1"/>
+                </a:solidFill>
+                <a:latin typeface="+mn-lt"/>
+                <a:ea typeface="+mn-ea"/>
+                <a:cs typeface="+mn-cs"/>
+              </a:defRPr>
+            </a:lvl4pPr>
+            <a:lvl5pPr marL="1828800" algn="l" defTabSz="914400" rtl="0" eaLnBrk="1" latinLnBrk="0" hangingPunct="1">
+              <a:defRPr sz="1800" kern="1200">
+                <a:solidFill>
+                  <a:schemeClr val="dk1"/>
+                </a:solidFill>
+                <a:latin typeface="+mn-lt"/>
+                <a:ea typeface="+mn-ea"/>
+                <a:cs typeface="+mn-cs"/>
+              </a:defRPr>
+            </a:lvl5pPr>
+            <a:lvl6pPr marL="2286000" algn="l" defTabSz="914400" rtl="0" eaLnBrk="1" latinLnBrk="0" hangingPunct="1">
+              <a:defRPr sz="1800" kern="1200">
+                <a:solidFill>
+                  <a:schemeClr val="dk1"/>
+                </a:solidFill>
+                <a:latin typeface="+mn-lt"/>
+                <a:ea typeface="+mn-ea"/>
+                <a:cs typeface="+mn-cs"/>
+              </a:defRPr>
+            </a:lvl6pPr>
+            <a:lvl7pPr marL="2743200" algn="l" defTabSz="914400" rtl="0" eaLnBrk="1" latinLnBrk="0" hangingPunct="1">
+              <a:defRPr sz="1800" kern="1200">
+                <a:solidFill>
+                  <a:schemeClr val="dk1"/>
+                </a:solidFill>
+                <a:latin typeface="+mn-lt"/>
+                <a:ea typeface="+mn-ea"/>
+                <a:cs typeface="+mn-cs"/>
+              </a:defRPr>
+            </a:lvl7pPr>
+            <a:lvl8pPr marL="3200400" algn="l" defTabSz="914400" rtl="0" eaLnBrk="1" latinLnBrk="0" hangingPunct="1">
+              <a:defRPr sz="1800" kern="1200">
+                <a:solidFill>
+                  <a:schemeClr val="dk1"/>
+                </a:solidFill>
+                <a:latin typeface="+mn-lt"/>
+                <a:ea typeface="+mn-ea"/>
+                <a:cs typeface="+mn-cs"/>
+              </a:defRPr>
+            </a:lvl8pPr>
+            <a:lvl9pPr marL="3657600" algn="l" defTabSz="914400" rtl="0" eaLnBrk="1" latinLnBrk="0" hangingPunct="1">
+              <a:defRPr sz="1800" kern="1200">
+                <a:solidFill>
+                  <a:schemeClr val="dk1"/>
+                </a:solidFill>
+                <a:latin typeface="+mn-lt"/>
+                <a:ea typeface="+mn-ea"/>
+                <a:cs typeface="+mn-cs"/>
+              </a:defRPr>
+            </a:lvl9pPr>
+          </a:lstStyle>
+          <a:p>
+            <a:pPr algn="ctr"/>
+            <a:r>
+              <a:rPr lang="en-US" sz="1545" dirty="0">
+                <a:cs typeface="Calibri"/>
+              </a:rPr>
+              <a:t>Geometry Projection</a:t>
+            </a:r>
+            <a:endParaRPr lang="en-US" sz="1545" dirty="0">
+              <a:cs typeface="Calibri"/>
+            </a:endParaRPr>
+          </a:p>
+        </p:txBody>
+      </p:sp>
+      <p:sp>
+        <p:nvSpPr>
+          <p:cNvPr id="13" name="Rectangle 12"/>
+          <p:cNvSpPr/>
+          <p:nvPr/>
+        </p:nvSpPr>
+        <p:spPr>
+          <a:xfrm>
+            <a:off x="1491504" y="2811916"/>
+            <a:ext cx="1485220" cy="478971"/>
+          </a:xfrm>
+          <a:prstGeom prst="rect">
+            <a:avLst/>
+          </a:prstGeom>
+          <a:noFill/>
+          <a:ln w="28575">
+            <a:noFill/>
+          </a:ln>
+        </p:spPr>
+        <p:style>
+          <a:lnRef idx="2">
+            <a:schemeClr val="dk1"/>
+          </a:lnRef>
+          <a:fillRef idx="1">
+            <a:schemeClr val="lt1"/>
+          </a:fillRef>
+          <a:effectRef idx="0">
+            <a:schemeClr val="dk1"/>
+          </a:effectRef>
+          <a:fontRef idx="minor">
+            <a:schemeClr val="dk1"/>
+          </a:fontRef>
+        </p:style>
+        <p:txBody>
+          <a:bodyPr rtlCol="0" anchor="ctr"/>
+          <a:lstStyle/>
+          <a:p>
+            <a:pPr algn="r"/>
+            <a:r>
+              <a:rPr lang="en-US" sz="1545" dirty="0">
+                <a:cs typeface="Calibri"/>
+              </a:rPr>
+              <a:t>Visualization</a:t>
+            </a:r>
+            <a:endParaRPr lang="en-US" sz="1545" dirty="0">
+              <a:cs typeface="Calibri"/>
+            </a:endParaRPr>
+          </a:p>
+        </p:txBody>
+      </p:sp>
+      <p:sp>
+        <p:nvSpPr>
+          <p:cNvPr id="19" name="Rectangle 18"/>
+          <p:cNvSpPr/>
+          <p:nvPr/>
+        </p:nvSpPr>
+        <p:spPr>
+          <a:xfrm>
+            <a:off x="2993732" y="2770414"/>
+            <a:ext cx="1255259" cy="478971"/>
+          </a:xfrm>
+          <a:prstGeom prst="rect">
+            <a:avLst/>
+          </a:prstGeom>
+          <a:ln w="28575"/>
+        </p:spPr>
+        <p:style>
+          <a:lnRef idx="2">
+            <a:schemeClr val="dk1"/>
+          </a:lnRef>
+          <a:fillRef idx="1">
+            <a:schemeClr val="lt1"/>
+          </a:fillRef>
+          <a:effectRef idx="0">
+            <a:schemeClr val="dk1"/>
+          </a:effectRef>
+          <a:fontRef idx="minor">
+            <a:schemeClr val="dk1"/>
+          </a:fontRef>
+        </p:style>
+        <p:txBody>
+          <a:bodyPr rtlCol="0" anchor="ctr"/>
+          <a:lstStyle>
+            <a:defPPr>
+              <a:defRPr lang="en-US"/>
+            </a:defPPr>
+            <a:lvl1pPr marL="0" algn="l" defTabSz="914400" rtl="0" eaLnBrk="1" latinLnBrk="0" hangingPunct="1">
+              <a:defRPr sz="1800" kern="1200">
+                <a:solidFill>
+                  <a:schemeClr val="dk1"/>
+                </a:solidFill>
+                <a:latin typeface="+mn-lt"/>
+                <a:ea typeface="+mn-ea"/>
+                <a:cs typeface="+mn-cs"/>
+              </a:defRPr>
+            </a:lvl1pPr>
+            <a:lvl2pPr marL="457200" algn="l" defTabSz="914400" rtl="0" eaLnBrk="1" latinLnBrk="0" hangingPunct="1">
+              <a:defRPr sz="1800" kern="1200">
+                <a:solidFill>
+                  <a:schemeClr val="dk1"/>
+                </a:solidFill>
+                <a:latin typeface="+mn-lt"/>
+                <a:ea typeface="+mn-ea"/>
+                <a:cs typeface="+mn-cs"/>
+              </a:defRPr>
+            </a:lvl2pPr>
+            <a:lvl3pPr marL="914400" algn="l" defTabSz="914400" rtl="0" eaLnBrk="1" latinLnBrk="0" hangingPunct="1">
+              <a:defRPr sz="1800" kern="1200">
+                <a:solidFill>
+                  <a:schemeClr val="dk1"/>
+                </a:solidFill>
+                <a:latin typeface="+mn-lt"/>
+                <a:ea typeface="+mn-ea"/>
+                <a:cs typeface="+mn-cs"/>
+              </a:defRPr>
+            </a:lvl3pPr>
+            <a:lvl4pPr marL="1371600" algn="l" defTabSz="914400" rtl="0" eaLnBrk="1" latinLnBrk="0" hangingPunct="1">
+              <a:defRPr sz="1800" kern="1200">
+                <a:solidFill>
+                  <a:schemeClr val="dk1"/>
+                </a:solidFill>
+                <a:latin typeface="+mn-lt"/>
+                <a:ea typeface="+mn-ea"/>
+                <a:cs typeface="+mn-cs"/>
+              </a:defRPr>
+            </a:lvl4pPr>
+            <a:lvl5pPr marL="1828800" algn="l" defTabSz="914400" rtl="0" eaLnBrk="1" latinLnBrk="0" hangingPunct="1">
+              <a:defRPr sz="1800" kern="1200">
+                <a:solidFill>
+                  <a:schemeClr val="dk1"/>
+                </a:solidFill>
+                <a:latin typeface="+mn-lt"/>
+                <a:ea typeface="+mn-ea"/>
+                <a:cs typeface="+mn-cs"/>
+              </a:defRPr>
+            </a:lvl5pPr>
+            <a:lvl6pPr marL="2286000" algn="l" defTabSz="914400" rtl="0" eaLnBrk="1" latinLnBrk="0" hangingPunct="1">
+              <a:defRPr sz="1800" kern="1200">
+                <a:solidFill>
+                  <a:schemeClr val="dk1"/>
+                </a:solidFill>
+                <a:latin typeface="+mn-lt"/>
+                <a:ea typeface="+mn-ea"/>
+                <a:cs typeface="+mn-cs"/>
+              </a:defRPr>
+            </a:lvl6pPr>
+            <a:lvl7pPr marL="2743200" algn="l" defTabSz="914400" rtl="0" eaLnBrk="1" latinLnBrk="0" hangingPunct="1">
+              <a:defRPr sz="1800" kern="1200">
+                <a:solidFill>
+                  <a:schemeClr val="dk1"/>
+                </a:solidFill>
+                <a:latin typeface="+mn-lt"/>
+                <a:ea typeface="+mn-ea"/>
+                <a:cs typeface="+mn-cs"/>
+              </a:defRPr>
+            </a:lvl7pPr>
+            <a:lvl8pPr marL="3200400" algn="l" defTabSz="914400" rtl="0" eaLnBrk="1" latinLnBrk="0" hangingPunct="1">
+              <a:defRPr sz="1800" kern="1200">
+                <a:solidFill>
+                  <a:schemeClr val="dk1"/>
+                </a:solidFill>
+                <a:latin typeface="+mn-lt"/>
+                <a:ea typeface="+mn-ea"/>
+                <a:cs typeface="+mn-cs"/>
+              </a:defRPr>
+            </a:lvl8pPr>
+            <a:lvl9pPr marL="3657600" algn="l" defTabSz="914400" rtl="0" eaLnBrk="1" latinLnBrk="0" hangingPunct="1">
+              <a:defRPr sz="1800" kern="1200">
+                <a:solidFill>
+                  <a:schemeClr val="dk1"/>
+                </a:solidFill>
+                <a:latin typeface="+mn-lt"/>
+                <a:ea typeface="+mn-ea"/>
+                <a:cs typeface="+mn-cs"/>
+              </a:defRPr>
+            </a:lvl9pPr>
+          </a:lstStyle>
+          <a:p>
+            <a:pPr algn="ctr"/>
+            <a:r>
+              <a:rPr lang="en-US" sz="1545" dirty="0">
+                <a:cs typeface="Calibri"/>
+              </a:rPr>
+              <a:t>Multi-View</a:t>
+            </a:r>
+            <a:endParaRPr lang="en-US" sz="1545" dirty="0">
+              <a:cs typeface="Calibri"/>
+            </a:endParaRPr>
+          </a:p>
+        </p:txBody>
+      </p:sp>
+      <p:sp>
+        <p:nvSpPr>
+          <p:cNvPr id="20" name="Rectangle 19"/>
+          <p:cNvSpPr/>
+          <p:nvPr/>
+        </p:nvSpPr>
+        <p:spPr>
+          <a:xfrm>
+            <a:off x="4332675" y="3430361"/>
+            <a:ext cx="1255259" cy="478971"/>
+          </a:xfrm>
+          <a:prstGeom prst="rect">
+            <a:avLst/>
+          </a:prstGeom>
+          <a:ln w="28575"/>
+        </p:spPr>
+        <p:style>
+          <a:lnRef idx="2">
+            <a:schemeClr val="dk1"/>
+          </a:lnRef>
+          <a:fillRef idx="1">
+            <a:schemeClr val="lt1"/>
+          </a:fillRef>
+          <a:effectRef idx="0">
+            <a:schemeClr val="dk1"/>
+          </a:effectRef>
+          <a:fontRef idx="minor">
+            <a:schemeClr val="dk1"/>
+          </a:fontRef>
+        </p:style>
+        <p:txBody>
+          <a:bodyPr rtlCol="0" anchor="ctr"/>
+          <a:lstStyle>
+            <a:defPPr>
+              <a:defRPr lang="en-US"/>
+            </a:defPPr>
+            <a:lvl1pPr marL="0" algn="l" defTabSz="914400" rtl="0" eaLnBrk="1" latinLnBrk="0" hangingPunct="1">
+              <a:defRPr sz="1800" kern="1200">
+                <a:solidFill>
+                  <a:schemeClr val="dk1"/>
+                </a:solidFill>
+                <a:latin typeface="+mn-lt"/>
+                <a:ea typeface="+mn-ea"/>
+                <a:cs typeface="+mn-cs"/>
+              </a:defRPr>
+            </a:lvl1pPr>
+            <a:lvl2pPr marL="457200" algn="l" defTabSz="914400" rtl="0" eaLnBrk="1" latinLnBrk="0" hangingPunct="1">
+              <a:defRPr sz="1800" kern="1200">
+                <a:solidFill>
+                  <a:schemeClr val="dk1"/>
+                </a:solidFill>
+                <a:latin typeface="+mn-lt"/>
+                <a:ea typeface="+mn-ea"/>
+                <a:cs typeface="+mn-cs"/>
+              </a:defRPr>
+            </a:lvl2pPr>
+            <a:lvl3pPr marL="914400" algn="l" defTabSz="914400" rtl="0" eaLnBrk="1" latinLnBrk="0" hangingPunct="1">
+              <a:defRPr sz="1800" kern="1200">
+                <a:solidFill>
+                  <a:schemeClr val="dk1"/>
+                </a:solidFill>
+                <a:latin typeface="+mn-lt"/>
+                <a:ea typeface="+mn-ea"/>
+                <a:cs typeface="+mn-cs"/>
+              </a:defRPr>
+            </a:lvl3pPr>
+            <a:lvl4pPr marL="1371600" algn="l" defTabSz="914400" rtl="0" eaLnBrk="1" latinLnBrk="0" hangingPunct="1">
+              <a:defRPr sz="1800" kern="1200">
+                <a:solidFill>
+                  <a:schemeClr val="dk1"/>
+                </a:solidFill>
+                <a:latin typeface="+mn-lt"/>
+                <a:ea typeface="+mn-ea"/>
+                <a:cs typeface="+mn-cs"/>
+              </a:defRPr>
+            </a:lvl4pPr>
+            <a:lvl5pPr marL="1828800" algn="l" defTabSz="914400" rtl="0" eaLnBrk="1" latinLnBrk="0" hangingPunct="1">
+              <a:defRPr sz="1800" kern="1200">
+                <a:solidFill>
+                  <a:schemeClr val="dk1"/>
+                </a:solidFill>
+                <a:latin typeface="+mn-lt"/>
+                <a:ea typeface="+mn-ea"/>
+                <a:cs typeface="+mn-cs"/>
+              </a:defRPr>
+            </a:lvl5pPr>
+            <a:lvl6pPr marL="2286000" algn="l" defTabSz="914400" rtl="0" eaLnBrk="1" latinLnBrk="0" hangingPunct="1">
+              <a:defRPr sz="1800" kern="1200">
+                <a:solidFill>
+                  <a:schemeClr val="dk1"/>
+                </a:solidFill>
+                <a:latin typeface="+mn-lt"/>
+                <a:ea typeface="+mn-ea"/>
+                <a:cs typeface="+mn-cs"/>
+              </a:defRPr>
+            </a:lvl6pPr>
+            <a:lvl7pPr marL="2743200" algn="l" defTabSz="914400" rtl="0" eaLnBrk="1" latinLnBrk="0" hangingPunct="1">
+              <a:defRPr sz="1800" kern="1200">
+                <a:solidFill>
+                  <a:schemeClr val="dk1"/>
+                </a:solidFill>
+                <a:latin typeface="+mn-lt"/>
+                <a:ea typeface="+mn-ea"/>
+                <a:cs typeface="+mn-cs"/>
+              </a:defRPr>
+            </a:lvl7pPr>
+            <a:lvl8pPr marL="3200400" algn="l" defTabSz="914400" rtl="0" eaLnBrk="1" latinLnBrk="0" hangingPunct="1">
+              <a:defRPr sz="1800" kern="1200">
+                <a:solidFill>
+                  <a:schemeClr val="dk1"/>
+                </a:solidFill>
+                <a:latin typeface="+mn-lt"/>
+                <a:ea typeface="+mn-ea"/>
+                <a:cs typeface="+mn-cs"/>
+              </a:defRPr>
+            </a:lvl8pPr>
+            <a:lvl9pPr marL="3657600" algn="l" defTabSz="914400" rtl="0" eaLnBrk="1" latinLnBrk="0" hangingPunct="1">
+              <a:defRPr sz="1800" kern="1200">
+                <a:solidFill>
+                  <a:schemeClr val="dk1"/>
+                </a:solidFill>
+                <a:latin typeface="+mn-lt"/>
+                <a:ea typeface="+mn-ea"/>
+                <a:cs typeface="+mn-cs"/>
+              </a:defRPr>
+            </a:lvl9pPr>
+          </a:lstStyle>
+          <a:p>
+            <a:pPr algn="ctr"/>
+            <a:r>
+              <a:rPr lang="x-none" altLang="en-US" sz="1545" dirty="0">
+                <a:cs typeface="Calibri"/>
+              </a:rPr>
+              <a:t>Clustering</a:t>
+            </a:r>
+            <a:endParaRPr lang="x-none" altLang="en-US" sz="1545" dirty="0">
+              <a:cs typeface="Calibri"/>
+            </a:endParaRPr>
+          </a:p>
+        </p:txBody>
+      </p:sp>
+      <p:sp>
+        <p:nvSpPr>
+          <p:cNvPr id="21" name="Rectangle 20"/>
+          <p:cNvSpPr/>
+          <p:nvPr/>
+        </p:nvSpPr>
+        <p:spPr>
+          <a:xfrm>
+            <a:off x="5660732" y="2770414"/>
+            <a:ext cx="1255259" cy="478971"/>
+          </a:xfrm>
+          <a:prstGeom prst="rect">
+            <a:avLst/>
+          </a:prstGeom>
+          <a:ln w="28575"/>
+        </p:spPr>
+        <p:style>
+          <a:lnRef idx="2">
+            <a:schemeClr val="dk1"/>
+          </a:lnRef>
+          <a:fillRef idx="1">
+            <a:schemeClr val="lt1"/>
+          </a:fillRef>
+          <a:effectRef idx="0">
+            <a:schemeClr val="dk1"/>
+          </a:effectRef>
+          <a:fontRef idx="minor">
+            <a:schemeClr val="dk1"/>
+          </a:fontRef>
+        </p:style>
+        <p:txBody>
+          <a:bodyPr rtlCol="0" anchor="ctr"/>
+          <a:lstStyle>
+            <a:defPPr>
+              <a:defRPr lang="en-US"/>
+            </a:defPPr>
+            <a:lvl1pPr marL="0" algn="l" defTabSz="914400" rtl="0" eaLnBrk="1" latinLnBrk="0" hangingPunct="1">
+              <a:defRPr sz="1800" kern="1200">
+                <a:solidFill>
+                  <a:schemeClr val="dk1"/>
+                </a:solidFill>
+                <a:latin typeface="+mn-lt"/>
+                <a:ea typeface="+mn-ea"/>
+                <a:cs typeface="+mn-cs"/>
+              </a:defRPr>
+            </a:lvl1pPr>
+            <a:lvl2pPr marL="457200" algn="l" defTabSz="914400" rtl="0" eaLnBrk="1" latinLnBrk="0" hangingPunct="1">
+              <a:defRPr sz="1800" kern="1200">
+                <a:solidFill>
+                  <a:schemeClr val="dk1"/>
+                </a:solidFill>
+                <a:latin typeface="+mn-lt"/>
+                <a:ea typeface="+mn-ea"/>
+                <a:cs typeface="+mn-cs"/>
+              </a:defRPr>
+            </a:lvl2pPr>
+            <a:lvl3pPr marL="914400" algn="l" defTabSz="914400" rtl="0" eaLnBrk="1" latinLnBrk="0" hangingPunct="1">
+              <a:defRPr sz="1800" kern="1200">
+                <a:solidFill>
+                  <a:schemeClr val="dk1"/>
+                </a:solidFill>
+                <a:latin typeface="+mn-lt"/>
+                <a:ea typeface="+mn-ea"/>
+                <a:cs typeface="+mn-cs"/>
+              </a:defRPr>
+            </a:lvl3pPr>
+            <a:lvl4pPr marL="1371600" algn="l" defTabSz="914400" rtl="0" eaLnBrk="1" latinLnBrk="0" hangingPunct="1">
+              <a:defRPr sz="1800" kern="1200">
+                <a:solidFill>
+                  <a:schemeClr val="dk1"/>
+                </a:solidFill>
+                <a:latin typeface="+mn-lt"/>
+                <a:ea typeface="+mn-ea"/>
+                <a:cs typeface="+mn-cs"/>
+              </a:defRPr>
+            </a:lvl4pPr>
+            <a:lvl5pPr marL="1828800" algn="l" defTabSz="914400" rtl="0" eaLnBrk="1" latinLnBrk="0" hangingPunct="1">
+              <a:defRPr sz="1800" kern="1200">
+                <a:solidFill>
+                  <a:schemeClr val="dk1"/>
+                </a:solidFill>
+                <a:latin typeface="+mn-lt"/>
+                <a:ea typeface="+mn-ea"/>
+                <a:cs typeface="+mn-cs"/>
+              </a:defRPr>
+            </a:lvl5pPr>
+            <a:lvl6pPr marL="2286000" algn="l" defTabSz="914400" rtl="0" eaLnBrk="1" latinLnBrk="0" hangingPunct="1">
+              <a:defRPr sz="1800" kern="1200">
+                <a:solidFill>
+                  <a:schemeClr val="dk1"/>
+                </a:solidFill>
+                <a:latin typeface="+mn-lt"/>
+                <a:ea typeface="+mn-ea"/>
+                <a:cs typeface="+mn-cs"/>
+              </a:defRPr>
+            </a:lvl6pPr>
+            <a:lvl7pPr marL="2743200" algn="l" defTabSz="914400" rtl="0" eaLnBrk="1" latinLnBrk="0" hangingPunct="1">
+              <a:defRPr sz="1800" kern="1200">
+                <a:solidFill>
+                  <a:schemeClr val="dk1"/>
+                </a:solidFill>
+                <a:latin typeface="+mn-lt"/>
+                <a:ea typeface="+mn-ea"/>
+                <a:cs typeface="+mn-cs"/>
+              </a:defRPr>
+            </a:lvl7pPr>
+            <a:lvl8pPr marL="3200400" algn="l" defTabSz="914400" rtl="0" eaLnBrk="1" latinLnBrk="0" hangingPunct="1">
+              <a:defRPr sz="1800" kern="1200">
+                <a:solidFill>
+                  <a:schemeClr val="dk1"/>
+                </a:solidFill>
+                <a:latin typeface="+mn-lt"/>
+                <a:ea typeface="+mn-ea"/>
+                <a:cs typeface="+mn-cs"/>
+              </a:defRPr>
+            </a:lvl8pPr>
+            <a:lvl9pPr marL="3657600" algn="l" defTabSz="914400" rtl="0" eaLnBrk="1" latinLnBrk="0" hangingPunct="1">
+              <a:defRPr sz="1800" kern="1200">
+                <a:solidFill>
+                  <a:schemeClr val="dk1"/>
+                </a:solidFill>
+                <a:latin typeface="+mn-lt"/>
+                <a:ea typeface="+mn-ea"/>
+                <a:cs typeface="+mn-cs"/>
+              </a:defRPr>
+            </a:lvl9pPr>
+          </a:lstStyle>
+          <a:p>
+            <a:pPr algn="ctr"/>
+            <a:r>
+              <a:rPr lang="en-US" sz="1545" dirty="0">
+                <a:ea typeface="+mn-lt"/>
+                <a:cs typeface="+mn-lt"/>
+              </a:rPr>
+              <a:t>Focus </a:t>
+            </a:r>
+            <a:endParaRPr lang="en-US" sz="1545" dirty="0">
+              <a:ea typeface="+mn-lt"/>
+              <a:cs typeface="+mn-lt"/>
+            </a:endParaRPr>
+          </a:p>
+          <a:p>
+            <a:pPr algn="ctr"/>
+            <a:r>
+              <a:rPr lang="en-US" sz="1545" dirty="0">
+                <a:ea typeface="+mn-lt"/>
+                <a:cs typeface="+mn-lt"/>
+              </a:rPr>
+              <a:t>Mode</a:t>
+            </a:r>
+            <a:endParaRPr lang="en-US" sz="1545" dirty="0">
+              <a:ea typeface="+mn-lt"/>
+              <a:cs typeface="+mn-lt"/>
+            </a:endParaRPr>
+          </a:p>
+        </p:txBody>
+      </p:sp>
+      <p:sp>
+        <p:nvSpPr>
+          <p:cNvPr id="22" name="Rectangle 21"/>
+          <p:cNvSpPr/>
+          <p:nvPr/>
+        </p:nvSpPr>
+        <p:spPr>
+          <a:xfrm>
+            <a:off x="6981305" y="2770414"/>
+            <a:ext cx="1255259" cy="478971"/>
+          </a:xfrm>
+          <a:prstGeom prst="rect">
+            <a:avLst/>
+          </a:prstGeom>
+          <a:ln w="28575"/>
+        </p:spPr>
+        <p:style>
+          <a:lnRef idx="2">
+            <a:schemeClr val="dk1"/>
+          </a:lnRef>
+          <a:fillRef idx="1">
+            <a:schemeClr val="lt1"/>
+          </a:fillRef>
+          <a:effectRef idx="0">
+            <a:schemeClr val="dk1"/>
+          </a:effectRef>
+          <a:fontRef idx="minor">
+            <a:schemeClr val="dk1"/>
+          </a:fontRef>
+        </p:style>
+        <p:txBody>
+          <a:bodyPr rtlCol="0" anchor="ctr"/>
+          <a:lstStyle>
+            <a:defPPr>
+              <a:defRPr lang="en-US"/>
+            </a:defPPr>
+            <a:lvl1pPr marL="0" algn="l" defTabSz="914400" rtl="0" eaLnBrk="1" latinLnBrk="0" hangingPunct="1">
+              <a:defRPr sz="1800" kern="1200">
+                <a:solidFill>
+                  <a:schemeClr val="dk1"/>
+                </a:solidFill>
+                <a:latin typeface="+mn-lt"/>
+                <a:ea typeface="+mn-ea"/>
+                <a:cs typeface="+mn-cs"/>
+              </a:defRPr>
+            </a:lvl1pPr>
+            <a:lvl2pPr marL="457200" algn="l" defTabSz="914400" rtl="0" eaLnBrk="1" latinLnBrk="0" hangingPunct="1">
+              <a:defRPr sz="1800" kern="1200">
+                <a:solidFill>
+                  <a:schemeClr val="dk1"/>
+                </a:solidFill>
+                <a:latin typeface="+mn-lt"/>
+                <a:ea typeface="+mn-ea"/>
+                <a:cs typeface="+mn-cs"/>
+              </a:defRPr>
+            </a:lvl2pPr>
+            <a:lvl3pPr marL="914400" algn="l" defTabSz="914400" rtl="0" eaLnBrk="1" latinLnBrk="0" hangingPunct="1">
+              <a:defRPr sz="1800" kern="1200">
+                <a:solidFill>
+                  <a:schemeClr val="dk1"/>
+                </a:solidFill>
+                <a:latin typeface="+mn-lt"/>
+                <a:ea typeface="+mn-ea"/>
+                <a:cs typeface="+mn-cs"/>
+              </a:defRPr>
+            </a:lvl3pPr>
+            <a:lvl4pPr marL="1371600" algn="l" defTabSz="914400" rtl="0" eaLnBrk="1" latinLnBrk="0" hangingPunct="1">
+              <a:defRPr sz="1800" kern="1200">
+                <a:solidFill>
+                  <a:schemeClr val="dk1"/>
+                </a:solidFill>
+                <a:latin typeface="+mn-lt"/>
+                <a:ea typeface="+mn-ea"/>
+                <a:cs typeface="+mn-cs"/>
+              </a:defRPr>
+            </a:lvl4pPr>
+            <a:lvl5pPr marL="1828800" algn="l" defTabSz="914400" rtl="0" eaLnBrk="1" latinLnBrk="0" hangingPunct="1">
+              <a:defRPr sz="1800" kern="1200">
+                <a:solidFill>
+                  <a:schemeClr val="dk1"/>
+                </a:solidFill>
+                <a:latin typeface="+mn-lt"/>
+                <a:ea typeface="+mn-ea"/>
+                <a:cs typeface="+mn-cs"/>
+              </a:defRPr>
+            </a:lvl5pPr>
+            <a:lvl6pPr marL="2286000" algn="l" defTabSz="914400" rtl="0" eaLnBrk="1" latinLnBrk="0" hangingPunct="1">
+              <a:defRPr sz="1800" kern="1200">
+                <a:solidFill>
+                  <a:schemeClr val="dk1"/>
+                </a:solidFill>
+                <a:latin typeface="+mn-lt"/>
+                <a:ea typeface="+mn-ea"/>
+                <a:cs typeface="+mn-cs"/>
+              </a:defRPr>
+            </a:lvl6pPr>
+            <a:lvl7pPr marL="2743200" algn="l" defTabSz="914400" rtl="0" eaLnBrk="1" latinLnBrk="0" hangingPunct="1">
+              <a:defRPr sz="1800" kern="1200">
+                <a:solidFill>
+                  <a:schemeClr val="dk1"/>
+                </a:solidFill>
+                <a:latin typeface="+mn-lt"/>
+                <a:ea typeface="+mn-ea"/>
+                <a:cs typeface="+mn-cs"/>
+              </a:defRPr>
+            </a:lvl7pPr>
+            <a:lvl8pPr marL="3200400" algn="l" defTabSz="914400" rtl="0" eaLnBrk="1" latinLnBrk="0" hangingPunct="1">
+              <a:defRPr sz="1800" kern="1200">
+                <a:solidFill>
+                  <a:schemeClr val="dk1"/>
+                </a:solidFill>
+                <a:latin typeface="+mn-lt"/>
+                <a:ea typeface="+mn-ea"/>
+                <a:cs typeface="+mn-cs"/>
+              </a:defRPr>
+            </a:lvl8pPr>
+            <a:lvl9pPr marL="3657600" algn="l" defTabSz="914400" rtl="0" eaLnBrk="1" latinLnBrk="0" hangingPunct="1">
+              <a:defRPr sz="1800" kern="1200">
+                <a:solidFill>
+                  <a:schemeClr val="dk1"/>
+                </a:solidFill>
+                <a:latin typeface="+mn-lt"/>
+                <a:ea typeface="+mn-ea"/>
+                <a:cs typeface="+mn-cs"/>
+              </a:defRPr>
+            </a:lvl9pPr>
+          </a:lstStyle>
+          <a:p>
+            <a:pPr algn="ctr"/>
+            <a:r>
+              <a:rPr lang="en-US" sz="1545" dirty="0">
+                <a:ea typeface="+mn-lt"/>
+                <a:cs typeface="+mn-lt"/>
+              </a:rPr>
+              <a:t>Camera Switch</a:t>
+            </a:r>
+            <a:r>
+              <a:rPr lang="x-none" altLang="en-US" sz="1545" dirty="0">
+                <a:ea typeface="+mn-lt"/>
+                <a:cs typeface="+mn-lt"/>
+              </a:rPr>
+              <a:t>ing</a:t>
+            </a:r>
+            <a:endParaRPr lang="x-none" altLang="en-US" sz="1545" dirty="0">
+              <a:ea typeface="+mn-lt"/>
+              <a:cs typeface="+mn-lt"/>
+            </a:endParaRPr>
+          </a:p>
+        </p:txBody>
+      </p:sp>
+      <p:sp>
+        <p:nvSpPr>
+          <p:cNvPr id="23" name="Rectangle 22"/>
+          <p:cNvSpPr/>
+          <p:nvPr/>
+        </p:nvSpPr>
+        <p:spPr>
+          <a:xfrm>
+            <a:off x="4332675" y="2770414"/>
+            <a:ext cx="1255259" cy="478971"/>
+          </a:xfrm>
+          <a:prstGeom prst="rect">
+            <a:avLst/>
+          </a:prstGeom>
+          <a:ln w="28575"/>
+        </p:spPr>
+        <p:style>
+          <a:lnRef idx="2">
+            <a:schemeClr val="dk1"/>
+          </a:lnRef>
+          <a:fillRef idx="1">
+            <a:schemeClr val="lt1"/>
+          </a:fillRef>
+          <a:effectRef idx="0">
+            <a:schemeClr val="dk1"/>
+          </a:effectRef>
+          <a:fontRef idx="minor">
+            <a:schemeClr val="dk1"/>
+          </a:fontRef>
+        </p:style>
+        <p:txBody>
+          <a:bodyPr rtlCol="0" anchor="ctr"/>
+          <a:lstStyle>
+            <a:defPPr>
+              <a:defRPr lang="en-US"/>
+            </a:defPPr>
+            <a:lvl1pPr marL="0" algn="l" defTabSz="914400" rtl="0" eaLnBrk="1" latinLnBrk="0" hangingPunct="1">
+              <a:defRPr sz="1800" kern="1200">
+                <a:solidFill>
+                  <a:schemeClr val="dk1"/>
+                </a:solidFill>
+                <a:latin typeface="+mn-lt"/>
+                <a:ea typeface="+mn-ea"/>
+                <a:cs typeface="+mn-cs"/>
+              </a:defRPr>
+            </a:lvl1pPr>
+            <a:lvl2pPr marL="457200" algn="l" defTabSz="914400" rtl="0" eaLnBrk="1" latinLnBrk="0" hangingPunct="1">
+              <a:defRPr sz="1800" kern="1200">
+                <a:solidFill>
+                  <a:schemeClr val="dk1"/>
+                </a:solidFill>
+                <a:latin typeface="+mn-lt"/>
+                <a:ea typeface="+mn-ea"/>
+                <a:cs typeface="+mn-cs"/>
+              </a:defRPr>
+            </a:lvl2pPr>
+            <a:lvl3pPr marL="914400" algn="l" defTabSz="914400" rtl="0" eaLnBrk="1" latinLnBrk="0" hangingPunct="1">
+              <a:defRPr sz="1800" kern="1200">
+                <a:solidFill>
+                  <a:schemeClr val="dk1"/>
+                </a:solidFill>
+                <a:latin typeface="+mn-lt"/>
+                <a:ea typeface="+mn-ea"/>
+                <a:cs typeface="+mn-cs"/>
+              </a:defRPr>
+            </a:lvl3pPr>
+            <a:lvl4pPr marL="1371600" algn="l" defTabSz="914400" rtl="0" eaLnBrk="1" latinLnBrk="0" hangingPunct="1">
+              <a:defRPr sz="1800" kern="1200">
+                <a:solidFill>
+                  <a:schemeClr val="dk1"/>
+                </a:solidFill>
+                <a:latin typeface="+mn-lt"/>
+                <a:ea typeface="+mn-ea"/>
+                <a:cs typeface="+mn-cs"/>
+              </a:defRPr>
+            </a:lvl4pPr>
+            <a:lvl5pPr marL="1828800" algn="l" defTabSz="914400" rtl="0" eaLnBrk="1" latinLnBrk="0" hangingPunct="1">
+              <a:defRPr sz="1800" kern="1200">
+                <a:solidFill>
+                  <a:schemeClr val="dk1"/>
+                </a:solidFill>
+                <a:latin typeface="+mn-lt"/>
+                <a:ea typeface="+mn-ea"/>
+                <a:cs typeface="+mn-cs"/>
+              </a:defRPr>
+            </a:lvl5pPr>
+            <a:lvl6pPr marL="2286000" algn="l" defTabSz="914400" rtl="0" eaLnBrk="1" latinLnBrk="0" hangingPunct="1">
+              <a:defRPr sz="1800" kern="1200">
+                <a:solidFill>
+                  <a:schemeClr val="dk1"/>
+                </a:solidFill>
+                <a:latin typeface="+mn-lt"/>
+                <a:ea typeface="+mn-ea"/>
+                <a:cs typeface="+mn-cs"/>
+              </a:defRPr>
+            </a:lvl6pPr>
+            <a:lvl7pPr marL="2743200" algn="l" defTabSz="914400" rtl="0" eaLnBrk="1" latinLnBrk="0" hangingPunct="1">
+              <a:defRPr sz="1800" kern="1200">
+                <a:solidFill>
+                  <a:schemeClr val="dk1"/>
+                </a:solidFill>
+                <a:latin typeface="+mn-lt"/>
+                <a:ea typeface="+mn-ea"/>
+                <a:cs typeface="+mn-cs"/>
+              </a:defRPr>
+            </a:lvl7pPr>
+            <a:lvl8pPr marL="3200400" algn="l" defTabSz="914400" rtl="0" eaLnBrk="1" latinLnBrk="0" hangingPunct="1">
+              <a:defRPr sz="1800" kern="1200">
+                <a:solidFill>
+                  <a:schemeClr val="dk1"/>
+                </a:solidFill>
+                <a:latin typeface="+mn-lt"/>
+                <a:ea typeface="+mn-ea"/>
+                <a:cs typeface="+mn-cs"/>
+              </a:defRPr>
+            </a:lvl8pPr>
+            <a:lvl9pPr marL="3657600" algn="l" defTabSz="914400" rtl="0" eaLnBrk="1" latinLnBrk="0" hangingPunct="1">
+              <a:defRPr sz="1800" kern="1200">
+                <a:solidFill>
+                  <a:schemeClr val="dk1"/>
+                </a:solidFill>
+                <a:latin typeface="+mn-lt"/>
+                <a:ea typeface="+mn-ea"/>
+                <a:cs typeface="+mn-cs"/>
+              </a:defRPr>
+            </a:lvl9pPr>
+          </a:lstStyle>
+          <a:p>
+            <a:pPr algn="ctr"/>
+            <a:r>
+              <a:rPr lang="x-none" altLang="en-US" sz="1545">
+                <a:cs typeface="Calibri"/>
+              </a:rPr>
+              <a:t>Stream Playing</a:t>
+            </a:r>
+            <a:endParaRPr lang="x-none" altLang="en-US" sz="1545" dirty="0">
+              <a:cs typeface="Calibri"/>
+            </a:endParaRPr>
+          </a:p>
+        </p:txBody>
+      </p:sp>
+      <p:sp>
+        <p:nvSpPr>
+          <p:cNvPr id="24" name="Rectangle 23"/>
+          <p:cNvSpPr/>
+          <p:nvPr/>
+        </p:nvSpPr>
+        <p:spPr>
+          <a:xfrm>
+            <a:off x="2993732" y="2126116"/>
+            <a:ext cx="1255259" cy="478971"/>
+          </a:xfrm>
+          <a:prstGeom prst="rect">
+            <a:avLst/>
+          </a:prstGeom>
+          <a:ln w="28575"/>
+        </p:spPr>
+        <p:style>
+          <a:lnRef idx="2">
+            <a:schemeClr val="dk1"/>
+          </a:lnRef>
+          <a:fillRef idx="1">
+            <a:schemeClr val="lt1"/>
+          </a:fillRef>
+          <a:effectRef idx="0">
+            <a:schemeClr val="dk1"/>
+          </a:effectRef>
+          <a:fontRef idx="minor">
+            <a:schemeClr val="dk1"/>
+          </a:fontRef>
+        </p:style>
+        <p:txBody>
+          <a:bodyPr rtlCol="0" anchor="ctr"/>
+          <a:lstStyle>
+            <a:defPPr>
+              <a:defRPr lang="en-US"/>
+            </a:defPPr>
+            <a:lvl1pPr marL="0" algn="l" defTabSz="914400" rtl="0" eaLnBrk="1" latinLnBrk="0" hangingPunct="1">
+              <a:defRPr sz="1800" kern="1200">
+                <a:solidFill>
+                  <a:schemeClr val="dk1"/>
+                </a:solidFill>
+                <a:latin typeface="+mn-lt"/>
+                <a:ea typeface="+mn-ea"/>
+                <a:cs typeface="+mn-cs"/>
+              </a:defRPr>
+            </a:lvl1pPr>
+            <a:lvl2pPr marL="457200" algn="l" defTabSz="914400" rtl="0" eaLnBrk="1" latinLnBrk="0" hangingPunct="1">
+              <a:defRPr sz="1800" kern="1200">
+                <a:solidFill>
+                  <a:schemeClr val="dk1"/>
+                </a:solidFill>
+                <a:latin typeface="+mn-lt"/>
+                <a:ea typeface="+mn-ea"/>
+                <a:cs typeface="+mn-cs"/>
+              </a:defRPr>
+            </a:lvl2pPr>
+            <a:lvl3pPr marL="914400" algn="l" defTabSz="914400" rtl="0" eaLnBrk="1" latinLnBrk="0" hangingPunct="1">
+              <a:defRPr sz="1800" kern="1200">
+                <a:solidFill>
+                  <a:schemeClr val="dk1"/>
+                </a:solidFill>
+                <a:latin typeface="+mn-lt"/>
+                <a:ea typeface="+mn-ea"/>
+                <a:cs typeface="+mn-cs"/>
+              </a:defRPr>
+            </a:lvl3pPr>
+            <a:lvl4pPr marL="1371600" algn="l" defTabSz="914400" rtl="0" eaLnBrk="1" latinLnBrk="0" hangingPunct="1">
+              <a:defRPr sz="1800" kern="1200">
+                <a:solidFill>
+                  <a:schemeClr val="dk1"/>
+                </a:solidFill>
+                <a:latin typeface="+mn-lt"/>
+                <a:ea typeface="+mn-ea"/>
+                <a:cs typeface="+mn-cs"/>
+              </a:defRPr>
+            </a:lvl4pPr>
+            <a:lvl5pPr marL="1828800" algn="l" defTabSz="914400" rtl="0" eaLnBrk="1" latinLnBrk="0" hangingPunct="1">
+              <a:defRPr sz="1800" kern="1200">
+                <a:solidFill>
+                  <a:schemeClr val="dk1"/>
+                </a:solidFill>
+                <a:latin typeface="+mn-lt"/>
+                <a:ea typeface="+mn-ea"/>
+                <a:cs typeface="+mn-cs"/>
+              </a:defRPr>
+            </a:lvl5pPr>
+            <a:lvl6pPr marL="2286000" algn="l" defTabSz="914400" rtl="0" eaLnBrk="1" latinLnBrk="0" hangingPunct="1">
+              <a:defRPr sz="1800" kern="1200">
+                <a:solidFill>
+                  <a:schemeClr val="dk1"/>
+                </a:solidFill>
+                <a:latin typeface="+mn-lt"/>
+                <a:ea typeface="+mn-ea"/>
+                <a:cs typeface="+mn-cs"/>
+              </a:defRPr>
+            </a:lvl6pPr>
+            <a:lvl7pPr marL="2743200" algn="l" defTabSz="914400" rtl="0" eaLnBrk="1" latinLnBrk="0" hangingPunct="1">
+              <a:defRPr sz="1800" kern="1200">
+                <a:solidFill>
+                  <a:schemeClr val="dk1"/>
+                </a:solidFill>
+                <a:latin typeface="+mn-lt"/>
+                <a:ea typeface="+mn-ea"/>
+                <a:cs typeface="+mn-cs"/>
+              </a:defRPr>
+            </a:lvl7pPr>
+            <a:lvl8pPr marL="3200400" algn="l" defTabSz="914400" rtl="0" eaLnBrk="1" latinLnBrk="0" hangingPunct="1">
+              <a:defRPr sz="1800" kern="1200">
+                <a:solidFill>
+                  <a:schemeClr val="dk1"/>
+                </a:solidFill>
+                <a:latin typeface="+mn-lt"/>
+                <a:ea typeface="+mn-ea"/>
+                <a:cs typeface="+mn-cs"/>
+              </a:defRPr>
+            </a:lvl8pPr>
+            <a:lvl9pPr marL="3657600" algn="l" defTabSz="914400" rtl="0" eaLnBrk="1" latinLnBrk="0" hangingPunct="1">
+              <a:defRPr sz="1800" kern="1200">
+                <a:solidFill>
+                  <a:schemeClr val="dk1"/>
+                </a:solidFill>
+                <a:latin typeface="+mn-lt"/>
+                <a:ea typeface="+mn-ea"/>
+                <a:cs typeface="+mn-cs"/>
+              </a:defRPr>
+            </a:lvl9pPr>
+          </a:lstStyle>
+          <a:p>
+            <a:pPr algn="ctr"/>
+            <a:r>
+              <a:rPr lang="x-none" altLang="en-US" sz="1545" dirty="0">
+                <a:cs typeface="Calibri"/>
+              </a:rPr>
+              <a:t>Auto Box Initialization</a:t>
+            </a:r>
+            <a:endParaRPr lang="x-none" altLang="en-US" sz="1545" dirty="0">
+              <a:cs typeface="Calibri"/>
+            </a:endParaRPr>
+          </a:p>
+        </p:txBody>
+      </p:sp>
+      <p:sp>
+        <p:nvSpPr>
+          <p:cNvPr id="26" name="Rectangle 25"/>
+          <p:cNvSpPr/>
+          <p:nvPr/>
+        </p:nvSpPr>
+        <p:spPr>
+          <a:xfrm>
+            <a:off x="5660732" y="2126116"/>
+            <a:ext cx="1255259" cy="478971"/>
+          </a:xfrm>
+          <a:prstGeom prst="rect">
+            <a:avLst/>
+          </a:prstGeom>
+          <a:ln w="28575"/>
+        </p:spPr>
+        <p:style>
+          <a:lnRef idx="2">
+            <a:schemeClr val="dk1"/>
+          </a:lnRef>
+          <a:fillRef idx="1">
+            <a:schemeClr val="lt1"/>
+          </a:fillRef>
+          <a:effectRef idx="0">
+            <a:schemeClr val="dk1"/>
+          </a:effectRef>
+          <a:fontRef idx="minor">
+            <a:schemeClr val="dk1"/>
+          </a:fontRef>
+        </p:style>
+        <p:txBody>
+          <a:bodyPr rtlCol="0" anchor="ctr"/>
+          <a:lstStyle>
+            <a:defPPr>
+              <a:defRPr lang="en-US"/>
+            </a:defPPr>
+            <a:lvl1pPr marL="0" algn="l" defTabSz="914400" rtl="0" eaLnBrk="1" latinLnBrk="0" hangingPunct="1">
+              <a:defRPr sz="1800" kern="1200">
+                <a:solidFill>
+                  <a:schemeClr val="dk1"/>
+                </a:solidFill>
+                <a:latin typeface="+mn-lt"/>
+                <a:ea typeface="+mn-ea"/>
+                <a:cs typeface="+mn-cs"/>
+              </a:defRPr>
+            </a:lvl1pPr>
+            <a:lvl2pPr marL="457200" algn="l" defTabSz="914400" rtl="0" eaLnBrk="1" latinLnBrk="0" hangingPunct="1">
+              <a:defRPr sz="1800" kern="1200">
+                <a:solidFill>
+                  <a:schemeClr val="dk1"/>
+                </a:solidFill>
+                <a:latin typeface="+mn-lt"/>
+                <a:ea typeface="+mn-ea"/>
+                <a:cs typeface="+mn-cs"/>
+              </a:defRPr>
+            </a:lvl2pPr>
+            <a:lvl3pPr marL="914400" algn="l" defTabSz="914400" rtl="0" eaLnBrk="1" latinLnBrk="0" hangingPunct="1">
+              <a:defRPr sz="1800" kern="1200">
+                <a:solidFill>
+                  <a:schemeClr val="dk1"/>
+                </a:solidFill>
+                <a:latin typeface="+mn-lt"/>
+                <a:ea typeface="+mn-ea"/>
+                <a:cs typeface="+mn-cs"/>
+              </a:defRPr>
+            </a:lvl3pPr>
+            <a:lvl4pPr marL="1371600" algn="l" defTabSz="914400" rtl="0" eaLnBrk="1" latinLnBrk="0" hangingPunct="1">
+              <a:defRPr sz="1800" kern="1200">
+                <a:solidFill>
+                  <a:schemeClr val="dk1"/>
+                </a:solidFill>
+                <a:latin typeface="+mn-lt"/>
+                <a:ea typeface="+mn-ea"/>
+                <a:cs typeface="+mn-cs"/>
+              </a:defRPr>
+            </a:lvl4pPr>
+            <a:lvl5pPr marL="1828800" algn="l" defTabSz="914400" rtl="0" eaLnBrk="1" latinLnBrk="0" hangingPunct="1">
+              <a:defRPr sz="1800" kern="1200">
+                <a:solidFill>
+                  <a:schemeClr val="dk1"/>
+                </a:solidFill>
+                <a:latin typeface="+mn-lt"/>
+                <a:ea typeface="+mn-ea"/>
+                <a:cs typeface="+mn-cs"/>
+              </a:defRPr>
+            </a:lvl5pPr>
+            <a:lvl6pPr marL="2286000" algn="l" defTabSz="914400" rtl="0" eaLnBrk="1" latinLnBrk="0" hangingPunct="1">
+              <a:defRPr sz="1800" kern="1200">
+                <a:solidFill>
+                  <a:schemeClr val="dk1"/>
+                </a:solidFill>
+                <a:latin typeface="+mn-lt"/>
+                <a:ea typeface="+mn-ea"/>
+                <a:cs typeface="+mn-cs"/>
+              </a:defRPr>
+            </a:lvl6pPr>
+            <a:lvl7pPr marL="2743200" algn="l" defTabSz="914400" rtl="0" eaLnBrk="1" latinLnBrk="0" hangingPunct="1">
+              <a:defRPr sz="1800" kern="1200">
+                <a:solidFill>
+                  <a:schemeClr val="dk1"/>
+                </a:solidFill>
+                <a:latin typeface="+mn-lt"/>
+                <a:ea typeface="+mn-ea"/>
+                <a:cs typeface="+mn-cs"/>
+              </a:defRPr>
+            </a:lvl7pPr>
+            <a:lvl8pPr marL="3200400" algn="l" defTabSz="914400" rtl="0" eaLnBrk="1" latinLnBrk="0" hangingPunct="1">
+              <a:defRPr sz="1800" kern="1200">
+                <a:solidFill>
+                  <a:schemeClr val="dk1"/>
+                </a:solidFill>
+                <a:latin typeface="+mn-lt"/>
+                <a:ea typeface="+mn-ea"/>
+                <a:cs typeface="+mn-cs"/>
+              </a:defRPr>
+            </a:lvl8pPr>
+            <a:lvl9pPr marL="3657600" algn="l" defTabSz="914400" rtl="0" eaLnBrk="1" latinLnBrk="0" hangingPunct="1">
+              <a:defRPr sz="1800" kern="1200">
+                <a:solidFill>
+                  <a:schemeClr val="dk1"/>
+                </a:solidFill>
+                <a:latin typeface="+mn-lt"/>
+                <a:ea typeface="+mn-ea"/>
+                <a:cs typeface="+mn-cs"/>
+              </a:defRPr>
+            </a:lvl9pPr>
+          </a:lstStyle>
+          <a:p>
+            <a:pPr algn="ctr"/>
+            <a:r>
+              <a:rPr lang="x-none" altLang="en-US" sz="1545" dirty="0">
+                <a:cs typeface="Calibri"/>
+                <a:sym typeface="+mn-ea"/>
+              </a:rPr>
+              <a:t>Semi </a:t>
+            </a:r>
+            <a:r>
+              <a:rPr lang="en-US" sz="1545" dirty="0">
+                <a:cs typeface="Calibri"/>
+                <a:sym typeface="+mn-ea"/>
+              </a:rPr>
+              <a:t>Auto</a:t>
+            </a:r>
+            <a:endParaRPr lang="en-US" sz="1545" dirty="0">
+              <a:cs typeface="Calibri"/>
+            </a:endParaRPr>
+          </a:p>
+          <a:p>
+            <a:pPr algn="ctr"/>
+            <a:r>
+              <a:rPr lang="x-none" altLang="en-US" sz="1545" dirty="0">
+                <a:cs typeface="Calibri"/>
+                <a:sym typeface="+mn-ea"/>
+              </a:rPr>
+              <a:t>Box Fitting</a:t>
+            </a:r>
+            <a:endParaRPr lang="en-US" altLang="en-US" sz="1545" dirty="0">
+              <a:cs typeface="Calibri"/>
+            </a:endParaRPr>
+          </a:p>
+        </p:txBody>
+      </p:sp>
+      <p:sp>
+        <p:nvSpPr>
+          <p:cNvPr id="27" name="Rectangle 26"/>
+          <p:cNvSpPr/>
+          <p:nvPr/>
+        </p:nvSpPr>
+        <p:spPr>
+          <a:xfrm>
+            <a:off x="6981305" y="2126116"/>
+            <a:ext cx="1255259" cy="478971"/>
+          </a:xfrm>
+          <a:prstGeom prst="rect">
+            <a:avLst/>
+          </a:prstGeom>
+          <a:ln w="28575"/>
+        </p:spPr>
+        <p:style>
+          <a:lnRef idx="2">
+            <a:schemeClr val="dk1"/>
+          </a:lnRef>
+          <a:fillRef idx="1">
+            <a:schemeClr val="lt1"/>
+          </a:fillRef>
+          <a:effectRef idx="0">
+            <a:schemeClr val="dk1"/>
+          </a:effectRef>
+          <a:fontRef idx="minor">
+            <a:schemeClr val="dk1"/>
+          </a:fontRef>
+        </p:style>
+        <p:txBody>
+          <a:bodyPr rtlCol="0" anchor="ctr"/>
+          <a:lstStyle>
+            <a:defPPr>
+              <a:defRPr lang="en-US"/>
+            </a:defPPr>
+            <a:lvl1pPr marL="0" algn="l" defTabSz="914400" rtl="0" eaLnBrk="1" latinLnBrk="0" hangingPunct="1">
+              <a:defRPr sz="1800" kern="1200">
+                <a:solidFill>
+                  <a:schemeClr val="dk1"/>
+                </a:solidFill>
+                <a:latin typeface="+mn-lt"/>
+                <a:ea typeface="+mn-ea"/>
+                <a:cs typeface="+mn-cs"/>
+              </a:defRPr>
+            </a:lvl1pPr>
+            <a:lvl2pPr marL="457200" algn="l" defTabSz="914400" rtl="0" eaLnBrk="1" latinLnBrk="0" hangingPunct="1">
+              <a:defRPr sz="1800" kern="1200">
+                <a:solidFill>
+                  <a:schemeClr val="dk1"/>
+                </a:solidFill>
+                <a:latin typeface="+mn-lt"/>
+                <a:ea typeface="+mn-ea"/>
+                <a:cs typeface="+mn-cs"/>
+              </a:defRPr>
+            </a:lvl2pPr>
+            <a:lvl3pPr marL="914400" algn="l" defTabSz="914400" rtl="0" eaLnBrk="1" latinLnBrk="0" hangingPunct="1">
+              <a:defRPr sz="1800" kern="1200">
+                <a:solidFill>
+                  <a:schemeClr val="dk1"/>
+                </a:solidFill>
+                <a:latin typeface="+mn-lt"/>
+                <a:ea typeface="+mn-ea"/>
+                <a:cs typeface="+mn-cs"/>
+              </a:defRPr>
+            </a:lvl3pPr>
+            <a:lvl4pPr marL="1371600" algn="l" defTabSz="914400" rtl="0" eaLnBrk="1" latinLnBrk="0" hangingPunct="1">
+              <a:defRPr sz="1800" kern="1200">
+                <a:solidFill>
+                  <a:schemeClr val="dk1"/>
+                </a:solidFill>
+                <a:latin typeface="+mn-lt"/>
+                <a:ea typeface="+mn-ea"/>
+                <a:cs typeface="+mn-cs"/>
+              </a:defRPr>
+            </a:lvl4pPr>
+            <a:lvl5pPr marL="1828800" algn="l" defTabSz="914400" rtl="0" eaLnBrk="1" latinLnBrk="0" hangingPunct="1">
+              <a:defRPr sz="1800" kern="1200">
+                <a:solidFill>
+                  <a:schemeClr val="dk1"/>
+                </a:solidFill>
+                <a:latin typeface="+mn-lt"/>
+                <a:ea typeface="+mn-ea"/>
+                <a:cs typeface="+mn-cs"/>
+              </a:defRPr>
+            </a:lvl5pPr>
+            <a:lvl6pPr marL="2286000" algn="l" defTabSz="914400" rtl="0" eaLnBrk="1" latinLnBrk="0" hangingPunct="1">
+              <a:defRPr sz="1800" kern="1200">
+                <a:solidFill>
+                  <a:schemeClr val="dk1"/>
+                </a:solidFill>
+                <a:latin typeface="+mn-lt"/>
+                <a:ea typeface="+mn-ea"/>
+                <a:cs typeface="+mn-cs"/>
+              </a:defRPr>
+            </a:lvl6pPr>
+            <a:lvl7pPr marL="2743200" algn="l" defTabSz="914400" rtl="0" eaLnBrk="1" latinLnBrk="0" hangingPunct="1">
+              <a:defRPr sz="1800" kern="1200">
+                <a:solidFill>
+                  <a:schemeClr val="dk1"/>
+                </a:solidFill>
+                <a:latin typeface="+mn-lt"/>
+                <a:ea typeface="+mn-ea"/>
+                <a:cs typeface="+mn-cs"/>
+              </a:defRPr>
+            </a:lvl7pPr>
+            <a:lvl8pPr marL="3200400" algn="l" defTabSz="914400" rtl="0" eaLnBrk="1" latinLnBrk="0" hangingPunct="1">
+              <a:defRPr sz="1800" kern="1200">
+                <a:solidFill>
+                  <a:schemeClr val="dk1"/>
+                </a:solidFill>
+                <a:latin typeface="+mn-lt"/>
+                <a:ea typeface="+mn-ea"/>
+                <a:cs typeface="+mn-cs"/>
+              </a:defRPr>
+            </a:lvl8pPr>
+            <a:lvl9pPr marL="3657600" algn="l" defTabSz="914400" rtl="0" eaLnBrk="1" latinLnBrk="0" hangingPunct="1">
+              <a:defRPr sz="1800" kern="1200">
+                <a:solidFill>
+                  <a:schemeClr val="dk1"/>
+                </a:solidFill>
+                <a:latin typeface="+mn-lt"/>
+                <a:ea typeface="+mn-ea"/>
+                <a:cs typeface="+mn-cs"/>
+              </a:defRPr>
+            </a:lvl9pPr>
+          </a:lstStyle>
+          <a:p>
+            <a:pPr algn="ctr"/>
+            <a:r>
+              <a:rPr lang="x-none" altLang="en-US" sz="1545" dirty="0">
+                <a:cs typeface="Calibri"/>
+              </a:rPr>
+              <a:t>Annotation</a:t>
+            </a:r>
+            <a:endParaRPr lang="x-none" altLang="en-US" sz="1545" dirty="0">
+              <a:cs typeface="Calibri"/>
+            </a:endParaRPr>
+          </a:p>
+          <a:p>
+            <a:pPr algn="ctr"/>
+            <a:r>
+              <a:rPr lang="x-none" altLang="en-US" sz="1545" dirty="0">
+                <a:cs typeface="Calibri"/>
+              </a:rPr>
+              <a:t>Transfer</a:t>
+            </a:r>
+            <a:endParaRPr lang="x-none" altLang="en-US" sz="1545" dirty="0">
+              <a:cs typeface="Calibri"/>
+            </a:endParaRPr>
+          </a:p>
+        </p:txBody>
+      </p:sp>
+      <p:sp>
+        <p:nvSpPr>
+          <p:cNvPr id="28" name="Rectangle 27"/>
+          <p:cNvSpPr/>
+          <p:nvPr/>
+        </p:nvSpPr>
+        <p:spPr>
+          <a:xfrm>
+            <a:off x="2993732" y="3431041"/>
+            <a:ext cx="1255259" cy="478971"/>
+          </a:xfrm>
+          <a:prstGeom prst="rect">
+            <a:avLst/>
+          </a:prstGeom>
+          <a:ln w="28575"/>
+        </p:spPr>
+        <p:style>
+          <a:lnRef idx="2">
+            <a:schemeClr val="dk1"/>
+          </a:lnRef>
+          <a:fillRef idx="1">
+            <a:schemeClr val="lt1"/>
+          </a:fillRef>
+          <a:effectRef idx="0">
+            <a:schemeClr val="dk1"/>
+          </a:effectRef>
+          <a:fontRef idx="minor">
+            <a:schemeClr val="dk1"/>
+          </a:fontRef>
+        </p:style>
+        <p:txBody>
+          <a:bodyPr rtlCol="0" anchor="ctr"/>
+          <a:lstStyle>
+            <a:defPPr>
+              <a:defRPr lang="en-US"/>
+            </a:defPPr>
+            <a:lvl1pPr marL="0" algn="l" defTabSz="914400" rtl="0" eaLnBrk="1" latinLnBrk="0" hangingPunct="1">
+              <a:defRPr sz="1800" kern="1200">
+                <a:solidFill>
+                  <a:schemeClr val="dk1"/>
+                </a:solidFill>
+                <a:latin typeface="+mn-lt"/>
+                <a:ea typeface="+mn-ea"/>
+                <a:cs typeface="+mn-cs"/>
+              </a:defRPr>
+            </a:lvl1pPr>
+            <a:lvl2pPr marL="457200" algn="l" defTabSz="914400" rtl="0" eaLnBrk="1" latinLnBrk="0" hangingPunct="1">
+              <a:defRPr sz="1800" kern="1200">
+                <a:solidFill>
+                  <a:schemeClr val="dk1"/>
+                </a:solidFill>
+                <a:latin typeface="+mn-lt"/>
+                <a:ea typeface="+mn-ea"/>
+                <a:cs typeface="+mn-cs"/>
+              </a:defRPr>
+            </a:lvl2pPr>
+            <a:lvl3pPr marL="914400" algn="l" defTabSz="914400" rtl="0" eaLnBrk="1" latinLnBrk="0" hangingPunct="1">
+              <a:defRPr sz="1800" kern="1200">
+                <a:solidFill>
+                  <a:schemeClr val="dk1"/>
+                </a:solidFill>
+                <a:latin typeface="+mn-lt"/>
+                <a:ea typeface="+mn-ea"/>
+                <a:cs typeface="+mn-cs"/>
+              </a:defRPr>
+            </a:lvl3pPr>
+            <a:lvl4pPr marL="1371600" algn="l" defTabSz="914400" rtl="0" eaLnBrk="1" latinLnBrk="0" hangingPunct="1">
+              <a:defRPr sz="1800" kern="1200">
+                <a:solidFill>
+                  <a:schemeClr val="dk1"/>
+                </a:solidFill>
+                <a:latin typeface="+mn-lt"/>
+                <a:ea typeface="+mn-ea"/>
+                <a:cs typeface="+mn-cs"/>
+              </a:defRPr>
+            </a:lvl4pPr>
+            <a:lvl5pPr marL="1828800" algn="l" defTabSz="914400" rtl="0" eaLnBrk="1" latinLnBrk="0" hangingPunct="1">
+              <a:defRPr sz="1800" kern="1200">
+                <a:solidFill>
+                  <a:schemeClr val="dk1"/>
+                </a:solidFill>
+                <a:latin typeface="+mn-lt"/>
+                <a:ea typeface="+mn-ea"/>
+                <a:cs typeface="+mn-cs"/>
+              </a:defRPr>
+            </a:lvl5pPr>
+            <a:lvl6pPr marL="2286000" algn="l" defTabSz="914400" rtl="0" eaLnBrk="1" latinLnBrk="0" hangingPunct="1">
+              <a:defRPr sz="1800" kern="1200">
+                <a:solidFill>
+                  <a:schemeClr val="dk1"/>
+                </a:solidFill>
+                <a:latin typeface="+mn-lt"/>
+                <a:ea typeface="+mn-ea"/>
+                <a:cs typeface="+mn-cs"/>
+              </a:defRPr>
+            </a:lvl6pPr>
+            <a:lvl7pPr marL="2743200" algn="l" defTabSz="914400" rtl="0" eaLnBrk="1" latinLnBrk="0" hangingPunct="1">
+              <a:defRPr sz="1800" kern="1200">
+                <a:solidFill>
+                  <a:schemeClr val="dk1"/>
+                </a:solidFill>
+                <a:latin typeface="+mn-lt"/>
+                <a:ea typeface="+mn-ea"/>
+                <a:cs typeface="+mn-cs"/>
+              </a:defRPr>
+            </a:lvl7pPr>
+            <a:lvl8pPr marL="3200400" algn="l" defTabSz="914400" rtl="0" eaLnBrk="1" latinLnBrk="0" hangingPunct="1">
+              <a:defRPr sz="1800" kern="1200">
+                <a:solidFill>
+                  <a:schemeClr val="dk1"/>
+                </a:solidFill>
+                <a:latin typeface="+mn-lt"/>
+                <a:ea typeface="+mn-ea"/>
+                <a:cs typeface="+mn-cs"/>
+              </a:defRPr>
+            </a:lvl8pPr>
+            <a:lvl9pPr marL="3657600" algn="l" defTabSz="914400" rtl="0" eaLnBrk="1" latinLnBrk="0" hangingPunct="1">
+              <a:defRPr sz="1800" kern="1200">
+                <a:solidFill>
+                  <a:schemeClr val="dk1"/>
+                </a:solidFill>
+                <a:latin typeface="+mn-lt"/>
+                <a:ea typeface="+mn-ea"/>
+                <a:cs typeface="+mn-cs"/>
+              </a:defRPr>
+            </a:lvl9pPr>
+          </a:lstStyle>
+          <a:p>
+            <a:pPr algn="ctr"/>
+            <a:r>
+              <a:rPr lang="en-US" sz="1545">
+                <a:cs typeface="Calibri"/>
+              </a:rPr>
+              <a:t>Point cloud Lib</a:t>
+            </a:r>
+            <a:endParaRPr lang="en-US" sz="1545" dirty="0">
+              <a:cs typeface="Calibri"/>
+            </a:endParaRPr>
+          </a:p>
+        </p:txBody>
+      </p:sp>
+      <p:sp>
+        <p:nvSpPr>
+          <p:cNvPr id="29" name="Rectangle 28"/>
+          <p:cNvSpPr/>
+          <p:nvPr/>
+        </p:nvSpPr>
+        <p:spPr>
+          <a:xfrm>
+            <a:off x="1581311" y="2126796"/>
+            <a:ext cx="1395413" cy="478971"/>
+          </a:xfrm>
+          <a:prstGeom prst="rect">
+            <a:avLst/>
+          </a:prstGeom>
+          <a:noFill/>
+          <a:ln w="38100">
+            <a:noFill/>
+          </a:ln>
+        </p:spPr>
+        <p:style>
+          <a:lnRef idx="2">
+            <a:schemeClr val="dk1"/>
+          </a:lnRef>
+          <a:fillRef idx="1">
+            <a:schemeClr val="lt1"/>
+          </a:fillRef>
+          <a:effectRef idx="0">
+            <a:schemeClr val="dk1"/>
+          </a:effectRef>
+          <a:fontRef idx="minor">
+            <a:schemeClr val="dk1"/>
+          </a:fontRef>
+        </p:style>
+        <p:txBody>
+          <a:bodyPr rtlCol="0" anchor="ctr"/>
+          <a:lstStyle/>
+          <a:p>
+            <a:pPr algn="r"/>
+            <a:r>
+              <a:rPr lang="en-US" sz="1545" dirty="0">
+                <a:cs typeface="Calibri"/>
+              </a:rPr>
+              <a:t>Operation</a:t>
+            </a:r>
+            <a:endParaRPr lang="en-US" sz="1545" dirty="0">
+              <a:cs typeface="Calibri"/>
+            </a:endParaRPr>
+          </a:p>
+        </p:txBody>
+      </p:sp>
+      <p:cxnSp>
+        <p:nvCxnSpPr>
+          <p:cNvPr id="2" name="Straight Connector 1"/>
+          <p:cNvCxnSpPr/>
+          <p:nvPr/>
+        </p:nvCxnSpPr>
+        <p:spPr>
+          <a:xfrm>
+            <a:off x="1660232" y="2675845"/>
+            <a:ext cx="6583680" cy="0"/>
+          </a:xfrm>
+          <a:prstGeom prst="line">
+            <a:avLst/>
+          </a:prstGeom>
+          <a:ln w="38100">
+            <a:solidFill>
+              <a:schemeClr val="tx1"/>
+            </a:solidFill>
+          </a:ln>
+        </p:spPr>
+        <p:style>
+          <a:lnRef idx="1">
+            <a:schemeClr val="accent1"/>
+          </a:lnRef>
+          <a:fillRef idx="0">
+            <a:schemeClr val="accent1"/>
+          </a:fillRef>
+          <a:effectRef idx="0">
+            <a:schemeClr val="accent1"/>
+          </a:effectRef>
+          <a:fontRef idx="minor">
+            <a:schemeClr val="tx1"/>
+          </a:fontRef>
+        </p:style>
+      </p:cxnSp>
+      <p:cxnSp>
+        <p:nvCxnSpPr>
+          <p:cNvPr id="12" name="Straight Connector 11"/>
+          <p:cNvCxnSpPr/>
+          <p:nvPr/>
+        </p:nvCxnSpPr>
+        <p:spPr>
+          <a:xfrm>
+            <a:off x="1660232" y="3339193"/>
+            <a:ext cx="6583680" cy="0"/>
+          </a:xfrm>
+          <a:prstGeom prst="line">
+            <a:avLst/>
+          </a:prstGeom>
+          <a:ln w="38100">
+            <a:solidFill>
+              <a:schemeClr val="tx1"/>
+            </a:solidFill>
+          </a:ln>
+        </p:spPr>
+        <p:style>
+          <a:lnRef idx="1">
+            <a:schemeClr val="accent1"/>
+          </a:lnRef>
+          <a:fillRef idx="0">
+            <a:schemeClr val="accent1"/>
+          </a:fillRef>
+          <a:effectRef idx="0">
+            <a:schemeClr val="accent1"/>
+          </a:effectRef>
+          <a:fontRef idx="minor">
+            <a:schemeClr val="tx1"/>
+          </a:fontRef>
+        </p:style>
+      </p:cxnSp>
+      <p:cxnSp>
+        <p:nvCxnSpPr>
+          <p:cNvPr id="14" name="Straight Connector 13"/>
+          <p:cNvCxnSpPr/>
+          <p:nvPr/>
+        </p:nvCxnSpPr>
+        <p:spPr>
+          <a:xfrm>
+            <a:off x="1660232" y="3988934"/>
+            <a:ext cx="6583680" cy="0"/>
+          </a:xfrm>
+          <a:prstGeom prst="line">
+            <a:avLst/>
+          </a:prstGeom>
+          <a:ln w="38100">
+            <a:solidFill>
+              <a:schemeClr val="tx1"/>
+            </a:solidFill>
+          </a:ln>
+        </p:spPr>
+        <p:style>
+          <a:lnRef idx="1">
+            <a:schemeClr val="accent1"/>
+          </a:lnRef>
+          <a:fillRef idx="0">
+            <a:schemeClr val="accent1"/>
+          </a:fillRef>
+          <a:effectRef idx="0">
+            <a:schemeClr val="accent1"/>
+          </a:effectRef>
+          <a:fontRef idx="minor">
+            <a:schemeClr val="tx1"/>
+          </a:fontRef>
+        </p:style>
+      </p:cxnSp>
+      <p:cxnSp>
+        <p:nvCxnSpPr>
+          <p:cNvPr id="16" name="Straight Connector 15"/>
+          <p:cNvCxnSpPr/>
+          <p:nvPr/>
+        </p:nvCxnSpPr>
+        <p:spPr>
+          <a:xfrm>
+            <a:off x="1660232" y="4688341"/>
+            <a:ext cx="6583680" cy="0"/>
+          </a:xfrm>
+          <a:prstGeom prst="line">
+            <a:avLst/>
+          </a:prstGeom>
+          <a:ln w="38100">
+            <a:solidFill>
+              <a:schemeClr val="tx1"/>
+            </a:solidFill>
+          </a:ln>
+        </p:spPr>
+        <p:style>
+          <a:lnRef idx="1">
+            <a:schemeClr val="accent1"/>
+          </a:lnRef>
+          <a:fillRef idx="0">
+            <a:schemeClr val="accent1"/>
+          </a:fillRef>
+          <a:effectRef idx="0">
+            <a:schemeClr val="accent1"/>
+          </a:effectRef>
+          <a:fontRef idx="minor">
+            <a:schemeClr val="tx1"/>
+          </a:fontRef>
+        </p:style>
+      </p:cxnSp>
+      <p:sp>
+        <p:nvSpPr>
+          <p:cNvPr id="17" name="Rectangle 16"/>
+          <p:cNvSpPr/>
+          <p:nvPr/>
+        </p:nvSpPr>
+        <p:spPr>
+          <a:xfrm>
+            <a:off x="4333355" y="2126116"/>
+            <a:ext cx="1255259" cy="478971"/>
+          </a:xfrm>
+          <a:prstGeom prst="rect">
+            <a:avLst/>
+          </a:prstGeom>
+          <a:ln w="28575"/>
+        </p:spPr>
+        <p:style>
+          <a:lnRef idx="2">
+            <a:schemeClr val="dk1"/>
+          </a:lnRef>
+          <a:fillRef idx="1">
+            <a:schemeClr val="lt1"/>
+          </a:fillRef>
+          <a:effectRef idx="0">
+            <a:schemeClr val="dk1"/>
+          </a:effectRef>
+          <a:fontRef idx="minor">
+            <a:schemeClr val="dk1"/>
+          </a:fontRef>
+        </p:style>
+        <p:txBody>
+          <a:bodyPr rtlCol="0" anchor="ctr"/>
+          <a:lstStyle>
+            <a:defPPr>
+              <a:defRPr lang="en-US"/>
+            </a:defPPr>
+            <a:lvl1pPr marL="0" algn="l" defTabSz="914400" rtl="0" eaLnBrk="1" latinLnBrk="0" hangingPunct="1">
+              <a:defRPr sz="1800" kern="1200">
+                <a:solidFill>
+                  <a:schemeClr val="dk1"/>
+                </a:solidFill>
+                <a:latin typeface="+mn-lt"/>
+                <a:ea typeface="+mn-ea"/>
+                <a:cs typeface="+mn-cs"/>
+              </a:defRPr>
+            </a:lvl1pPr>
+            <a:lvl2pPr marL="457200" algn="l" defTabSz="914400" rtl="0" eaLnBrk="1" latinLnBrk="0" hangingPunct="1">
+              <a:defRPr sz="1800" kern="1200">
+                <a:solidFill>
+                  <a:schemeClr val="dk1"/>
+                </a:solidFill>
+                <a:latin typeface="+mn-lt"/>
+                <a:ea typeface="+mn-ea"/>
+                <a:cs typeface="+mn-cs"/>
+              </a:defRPr>
+            </a:lvl2pPr>
+            <a:lvl3pPr marL="914400" algn="l" defTabSz="914400" rtl="0" eaLnBrk="1" latinLnBrk="0" hangingPunct="1">
+              <a:defRPr sz="1800" kern="1200">
+                <a:solidFill>
+                  <a:schemeClr val="dk1"/>
+                </a:solidFill>
+                <a:latin typeface="+mn-lt"/>
+                <a:ea typeface="+mn-ea"/>
+                <a:cs typeface="+mn-cs"/>
+              </a:defRPr>
+            </a:lvl3pPr>
+            <a:lvl4pPr marL="1371600" algn="l" defTabSz="914400" rtl="0" eaLnBrk="1" latinLnBrk="0" hangingPunct="1">
+              <a:defRPr sz="1800" kern="1200">
+                <a:solidFill>
+                  <a:schemeClr val="dk1"/>
+                </a:solidFill>
+                <a:latin typeface="+mn-lt"/>
+                <a:ea typeface="+mn-ea"/>
+                <a:cs typeface="+mn-cs"/>
+              </a:defRPr>
+            </a:lvl4pPr>
+            <a:lvl5pPr marL="1828800" algn="l" defTabSz="914400" rtl="0" eaLnBrk="1" latinLnBrk="0" hangingPunct="1">
+              <a:defRPr sz="1800" kern="1200">
+                <a:solidFill>
+                  <a:schemeClr val="dk1"/>
+                </a:solidFill>
+                <a:latin typeface="+mn-lt"/>
+                <a:ea typeface="+mn-ea"/>
+                <a:cs typeface="+mn-cs"/>
+              </a:defRPr>
+            </a:lvl5pPr>
+            <a:lvl6pPr marL="2286000" algn="l" defTabSz="914400" rtl="0" eaLnBrk="1" latinLnBrk="0" hangingPunct="1">
+              <a:defRPr sz="1800" kern="1200">
+                <a:solidFill>
+                  <a:schemeClr val="dk1"/>
+                </a:solidFill>
+                <a:latin typeface="+mn-lt"/>
+                <a:ea typeface="+mn-ea"/>
+                <a:cs typeface="+mn-cs"/>
+              </a:defRPr>
+            </a:lvl6pPr>
+            <a:lvl7pPr marL="2743200" algn="l" defTabSz="914400" rtl="0" eaLnBrk="1" latinLnBrk="0" hangingPunct="1">
+              <a:defRPr sz="1800" kern="1200">
+                <a:solidFill>
+                  <a:schemeClr val="dk1"/>
+                </a:solidFill>
+                <a:latin typeface="+mn-lt"/>
+                <a:ea typeface="+mn-ea"/>
+                <a:cs typeface="+mn-cs"/>
+              </a:defRPr>
+            </a:lvl7pPr>
+            <a:lvl8pPr marL="3200400" algn="l" defTabSz="914400" rtl="0" eaLnBrk="1" latinLnBrk="0" hangingPunct="1">
+              <a:defRPr sz="1800" kern="1200">
+                <a:solidFill>
+                  <a:schemeClr val="dk1"/>
+                </a:solidFill>
+                <a:latin typeface="+mn-lt"/>
+                <a:ea typeface="+mn-ea"/>
+                <a:cs typeface="+mn-cs"/>
+              </a:defRPr>
+            </a:lvl8pPr>
+            <a:lvl9pPr marL="3657600" algn="l" defTabSz="914400" rtl="0" eaLnBrk="1" latinLnBrk="0" hangingPunct="1">
+              <a:defRPr sz="1800" kern="1200">
+                <a:solidFill>
+                  <a:schemeClr val="dk1"/>
+                </a:solidFill>
+                <a:latin typeface="+mn-lt"/>
+                <a:ea typeface="+mn-ea"/>
+                <a:cs typeface="+mn-cs"/>
+              </a:defRPr>
+            </a:lvl9pPr>
+          </a:lstStyle>
+          <a:p>
+            <a:pPr algn="ctr"/>
+            <a:r>
+              <a:rPr lang="x-none" altLang="en-US" sz="1545" dirty="0">
+                <a:cs typeface="Calibri"/>
+                <a:sym typeface="+mn-ea"/>
+              </a:rPr>
+              <a:t>Multi-view</a:t>
+            </a:r>
+            <a:endParaRPr lang="x-none" altLang="en-US" sz="1545" dirty="0">
+              <a:cs typeface="Calibri"/>
+            </a:endParaRPr>
+          </a:p>
+          <a:p>
+            <a:pPr algn="ctr"/>
+            <a:r>
+              <a:rPr lang="x-none" altLang="en-US" sz="1545" dirty="0">
+                <a:cs typeface="Calibri"/>
+                <a:sym typeface="+mn-ea"/>
+              </a:rPr>
+              <a:t>Editing</a:t>
+            </a:r>
+            <a:endParaRPr lang="en-US" sz="1545" dirty="0">
+              <a:cs typeface="Calibri"/>
+            </a:endParaRPr>
+          </a:p>
+        </p:txBody>
+      </p:sp>
+    </p:spTree>
+  </p:cSld>
+  <p:clrMapOvr>
+    <a:masterClrMapping/>
+  </p:clrMapOvr>
+</p:sld>
+</file>
+
+<file path=ppt/slides/slide3.xml><?xml version="1.0" encoding="utf-8"?>
+<p:sld xmlns:a="http://schemas.openxmlformats.org/drawingml/2006/main" xmlns:r="http://schemas.openxmlformats.org/officeDocument/2006/relationships" xmlns:p="http://schemas.openxmlformats.org/presentationml/2006/main">
+  <p:cSld>
+    <p:spTree>
+      <p:nvGrpSpPr>
+        <p:cNvPr id="1" name=""/>
+        <p:cNvGrpSpPr/>
+        <p:nvPr/>
+      </p:nvGrpSpPr>
+      <p:grpSpPr>
+        <a:xfrm>
+          <a:off x="0" y="0"/>
+          <a:ext cx="0" cy="0"/>
+          <a:chOff x="0" y="0"/>
+          <a:chExt cx="0" cy="0"/>
+        </a:xfrm>
+      </p:grpSpPr>
       <p:grpSp>
         <p:nvGrpSpPr>
           <p:cNvPr id="13" name="组合 12"/>
@@ -2936,7 +7549,7 @@
         </p:nvGrpSpPr>
         <p:grpSpPr>
           <a:xfrm>
-            <a:off x="592300" y="-1494216"/>
+            <a:off x="2115100" y="563184"/>
             <a:ext cx="3295829" cy="3019770"/>
             <a:chOff x="3154236" y="457043"/>
             <a:chExt cx="3417897" cy="3131613"/>
@@ -3524,7 +8137,7 @@
 </p:sld>
 </file>
 
-<file path=ppt/slides/slide2.xml><?xml version="1.0" encoding="utf-8"?>
+<file path=ppt/slides/slide4.xml><?xml version="1.0" encoding="utf-8"?>
 <p:sld xmlns:a="http://schemas.openxmlformats.org/drawingml/2006/main" xmlns:r="http://schemas.openxmlformats.org/officeDocument/2006/relationships" xmlns:p="http://schemas.openxmlformats.org/presentationml/2006/main">
   <p:cSld>
     <p:spTree>
@@ -3549,7 +8162,7 @@
         </p:nvGrpSpPr>
         <p:grpSpPr>
           <a:xfrm>
-            <a:off x="2798734" y="-1128237"/>
+            <a:off x="4321534" y="929163"/>
             <a:ext cx="6162819" cy="3984890"/>
             <a:chOff x="2626970" y="758755"/>
             <a:chExt cx="6391072" cy="4132478"/>
@@ -3861,7 +8474,13 @@
                 <a:rPr lang="en-US" sz="1735" dirty="0">
                   <a:cs typeface="Calibri"/>
                 </a:rPr>
-                <a:t>Space/Temporal</a:t>
+                <a:t>Space/T</a:t>
+              </a:r>
+              <a:r>
+                <a:rPr lang="" altLang="en-US" sz="1735" dirty="0">
+                  <a:cs typeface="Calibri"/>
+                </a:rPr>
+                <a:t>ime</a:t>
               </a:r>
               <a:endParaRPr lang="en-US" sz="1735" dirty="0">
                 <a:cs typeface="Calibri"/>
@@ -4681,7 +9300,7 @@
         </p:nvGrpSpPr>
         <p:grpSpPr>
           <a:xfrm>
-            <a:off x="-1764743" y="-1128237"/>
+            <a:off x="-241943" y="929163"/>
             <a:ext cx="4181352" cy="4038500"/>
             <a:chOff x="3154236" y="457043"/>
             <a:chExt cx="3417897" cy="3131613"/>
@@ -5243,2283 +9862,7 @@
 </p:sld>
 </file>
 
-<file path=ppt/slides/slide3.xml><?xml version="1.0" encoding="utf-8"?>
-<p:sld xmlns:a="http://schemas.openxmlformats.org/drawingml/2006/main" xmlns:r="http://schemas.openxmlformats.org/officeDocument/2006/relationships" xmlns:p="http://schemas.openxmlformats.org/presentationml/2006/main">
-  <p:cSld>
-    <p:spTree>
-      <p:nvGrpSpPr>
-        <p:cNvPr id="1" name=""/>
-        <p:cNvGrpSpPr/>
-        <p:nvPr/>
-      </p:nvGrpSpPr>
-      <p:grpSpPr>
-        <a:xfrm>
-          <a:off x="0" y="0"/>
-          <a:ext cx="0" cy="0"/>
-          <a:chOff x="0" y="0"/>
-          <a:chExt cx="0" cy="0"/>
-        </a:xfrm>
-      </p:grpSpPr>
-      <p:sp>
-        <p:nvSpPr>
-          <p:cNvPr id="4" name="Rectangle 3"/>
-          <p:cNvSpPr/>
-          <p:nvPr/>
-        </p:nvSpPr>
-        <p:spPr>
-          <a:xfrm>
-            <a:off x="1470932" y="2058761"/>
-            <a:ext cx="1675039" cy="478971"/>
-          </a:xfrm>
-          <a:prstGeom prst="rect">
-            <a:avLst/>
-          </a:prstGeom>
-          <a:ln w="28575"/>
-        </p:spPr>
-        <p:style>
-          <a:lnRef idx="2">
-            <a:schemeClr val="dk1"/>
-          </a:lnRef>
-          <a:fillRef idx="1">
-            <a:schemeClr val="lt1"/>
-          </a:fillRef>
-          <a:effectRef idx="0">
-            <a:schemeClr val="dk1"/>
-          </a:effectRef>
-          <a:fontRef idx="minor">
-            <a:schemeClr val="dk1"/>
-          </a:fontRef>
-        </p:style>
-        <p:txBody>
-          <a:bodyPr rtlCol="0" anchor="ctr"/>
-          <a:lstStyle/>
-          <a:p>
-            <a:pPr algn="ctr"/>
-            <a:r>
-              <a:rPr lang="en-US" sz="1545" dirty="0">
-                <a:cs typeface="Calibri"/>
-              </a:rPr>
-              <a:t>Data </a:t>
-            </a:r>
-            <a:r>
-              <a:rPr lang="x-none" altLang="en-US" sz="1545" dirty="0">
-                <a:cs typeface="Calibri"/>
-              </a:rPr>
-              <a:t>Management</a:t>
-            </a:r>
-            <a:endParaRPr lang="x-none" altLang="en-US" sz="1545" dirty="0">
-              <a:cs typeface="Calibri"/>
-            </a:endParaRPr>
-          </a:p>
-        </p:txBody>
-      </p:sp>
-      <p:sp>
-        <p:nvSpPr>
-          <p:cNvPr id="3" name="Rectangle 2"/>
-          <p:cNvSpPr/>
-          <p:nvPr/>
-        </p:nvSpPr>
-        <p:spPr>
-          <a:xfrm>
-            <a:off x="3255509" y="2058761"/>
-            <a:ext cx="1675039" cy="478971"/>
-          </a:xfrm>
-          <a:prstGeom prst="rect">
-            <a:avLst/>
-          </a:prstGeom>
-          <a:ln w="28575"/>
-        </p:spPr>
-        <p:style>
-          <a:lnRef idx="2">
-            <a:schemeClr val="dk1"/>
-          </a:lnRef>
-          <a:fillRef idx="1">
-            <a:schemeClr val="lt1"/>
-          </a:fillRef>
-          <a:effectRef idx="0">
-            <a:schemeClr val="dk1"/>
-          </a:effectRef>
-          <a:fontRef idx="minor">
-            <a:schemeClr val="dk1"/>
-          </a:fontRef>
-        </p:style>
-        <p:txBody>
-          <a:bodyPr rtlCol="0" anchor="ctr"/>
-          <a:lstStyle/>
-          <a:p>
-            <a:pPr algn="ctr"/>
-            <a:r>
-              <a:rPr lang="en-US" sz="1545" dirty="0">
-                <a:cs typeface="Calibri"/>
-              </a:rPr>
-              <a:t>Web Framework</a:t>
-            </a:r>
-            <a:endParaRPr lang="en-US" sz="1545" dirty="0">
-              <a:cs typeface="Calibri"/>
-            </a:endParaRPr>
-          </a:p>
-        </p:txBody>
-      </p:sp>
-      <p:sp>
-        <p:nvSpPr>
-          <p:cNvPr id="5" name="Rectangle 4"/>
-          <p:cNvSpPr/>
-          <p:nvPr/>
-        </p:nvSpPr>
-        <p:spPr>
-          <a:xfrm>
-            <a:off x="5038725" y="2058761"/>
-            <a:ext cx="1675039" cy="478971"/>
-          </a:xfrm>
-          <a:prstGeom prst="rect">
-            <a:avLst/>
-          </a:prstGeom>
-          <a:ln w="28575"/>
-        </p:spPr>
-        <p:style>
-          <a:lnRef idx="2">
-            <a:schemeClr val="dk1"/>
-          </a:lnRef>
-          <a:fillRef idx="1">
-            <a:schemeClr val="lt1"/>
-          </a:fillRef>
-          <a:effectRef idx="0">
-            <a:schemeClr val="dk1"/>
-          </a:effectRef>
-          <a:fontRef idx="minor">
-            <a:schemeClr val="dk1"/>
-          </a:fontRef>
-        </p:style>
-        <p:txBody>
-          <a:bodyPr rtlCol="0" anchor="ctr"/>
-          <a:lstStyle/>
-          <a:p>
-            <a:pPr algn="ctr"/>
-            <a:r>
-              <a:rPr lang="en-US" sz="1545" dirty="0">
-                <a:cs typeface="Calibri"/>
-              </a:rPr>
-              <a:t>WebGL Library</a:t>
-            </a:r>
-            <a:endParaRPr lang="en-US" sz="1545" dirty="0">
-              <a:cs typeface="Calibri"/>
-            </a:endParaRPr>
-          </a:p>
-        </p:txBody>
-      </p:sp>
-      <p:sp>
-        <p:nvSpPr>
-          <p:cNvPr id="6" name="Rectangle 5"/>
-          <p:cNvSpPr/>
-          <p:nvPr/>
-        </p:nvSpPr>
-        <p:spPr>
-          <a:xfrm>
-            <a:off x="-34698" y="2058761"/>
-            <a:ext cx="1488621" cy="478971"/>
-          </a:xfrm>
-          <a:prstGeom prst="rect">
-            <a:avLst/>
-          </a:prstGeom>
-          <a:noFill/>
-          <a:ln w="28575">
-            <a:noFill/>
-          </a:ln>
-        </p:spPr>
-        <p:style>
-          <a:lnRef idx="2">
-            <a:schemeClr val="dk1"/>
-          </a:lnRef>
-          <a:fillRef idx="1">
-            <a:schemeClr val="lt1"/>
-          </a:fillRef>
-          <a:effectRef idx="0">
-            <a:schemeClr val="dk1"/>
-          </a:effectRef>
-          <a:fontRef idx="minor">
-            <a:schemeClr val="dk1"/>
-          </a:fontRef>
-        </p:style>
-        <p:txBody>
-          <a:bodyPr rtlCol="0" anchor="ctr"/>
-          <a:lstStyle/>
-          <a:p>
-            <a:pPr algn="r"/>
-            <a:r>
-              <a:rPr lang="en-US" sz="1545" dirty="0">
-                <a:cs typeface="Calibri"/>
-              </a:rPr>
-              <a:t>Infrastructure</a:t>
-            </a:r>
-            <a:endParaRPr lang="en-US" sz="1545" dirty="0">
-              <a:cs typeface="Calibri"/>
-            </a:endParaRPr>
-          </a:p>
-        </p:txBody>
-      </p:sp>
-      <p:sp>
-        <p:nvSpPr>
-          <p:cNvPr id="10" name="Rectangle 9"/>
-          <p:cNvSpPr/>
-          <p:nvPr/>
-        </p:nvSpPr>
-        <p:spPr>
-          <a:xfrm>
-            <a:off x="5458505" y="1373641"/>
-            <a:ext cx="1255259" cy="478971"/>
-          </a:xfrm>
-          <a:prstGeom prst="rect">
-            <a:avLst/>
-          </a:prstGeom>
-          <a:ln w="28575"/>
-        </p:spPr>
-        <p:style>
-          <a:lnRef idx="2">
-            <a:schemeClr val="dk1"/>
-          </a:lnRef>
-          <a:fillRef idx="1">
-            <a:schemeClr val="lt1"/>
-          </a:fillRef>
-          <a:effectRef idx="0">
-            <a:schemeClr val="dk1"/>
-          </a:effectRef>
-          <a:fontRef idx="minor">
-            <a:schemeClr val="dk1"/>
-          </a:fontRef>
-        </p:style>
-        <p:txBody>
-          <a:bodyPr rtlCol="0" anchor="ctr"/>
-          <a:lstStyle>
-            <a:defPPr>
-              <a:defRPr lang="en-US"/>
-            </a:defPPr>
-            <a:lvl1pPr marL="0" algn="l" defTabSz="914400" rtl="0" eaLnBrk="1" latinLnBrk="0" hangingPunct="1">
-              <a:defRPr sz="1800" kern="1200">
-                <a:solidFill>
-                  <a:schemeClr val="dk1"/>
-                </a:solidFill>
-                <a:latin typeface="+mn-lt"/>
-                <a:ea typeface="+mn-ea"/>
-                <a:cs typeface="+mn-cs"/>
-              </a:defRPr>
-            </a:lvl1pPr>
-            <a:lvl2pPr marL="457200" algn="l" defTabSz="914400" rtl="0" eaLnBrk="1" latinLnBrk="0" hangingPunct="1">
-              <a:defRPr sz="1800" kern="1200">
-                <a:solidFill>
-                  <a:schemeClr val="dk1"/>
-                </a:solidFill>
-                <a:latin typeface="+mn-lt"/>
-                <a:ea typeface="+mn-ea"/>
-                <a:cs typeface="+mn-cs"/>
-              </a:defRPr>
-            </a:lvl2pPr>
-            <a:lvl3pPr marL="914400" algn="l" defTabSz="914400" rtl="0" eaLnBrk="1" latinLnBrk="0" hangingPunct="1">
-              <a:defRPr sz="1800" kern="1200">
-                <a:solidFill>
-                  <a:schemeClr val="dk1"/>
-                </a:solidFill>
-                <a:latin typeface="+mn-lt"/>
-                <a:ea typeface="+mn-ea"/>
-                <a:cs typeface="+mn-cs"/>
-              </a:defRPr>
-            </a:lvl3pPr>
-            <a:lvl4pPr marL="1371600" algn="l" defTabSz="914400" rtl="0" eaLnBrk="1" latinLnBrk="0" hangingPunct="1">
-              <a:defRPr sz="1800" kern="1200">
-                <a:solidFill>
-                  <a:schemeClr val="dk1"/>
-                </a:solidFill>
-                <a:latin typeface="+mn-lt"/>
-                <a:ea typeface="+mn-ea"/>
-                <a:cs typeface="+mn-cs"/>
-              </a:defRPr>
-            </a:lvl4pPr>
-            <a:lvl5pPr marL="1828800" algn="l" defTabSz="914400" rtl="0" eaLnBrk="1" latinLnBrk="0" hangingPunct="1">
-              <a:defRPr sz="1800" kern="1200">
-                <a:solidFill>
-                  <a:schemeClr val="dk1"/>
-                </a:solidFill>
-                <a:latin typeface="+mn-lt"/>
-                <a:ea typeface="+mn-ea"/>
-                <a:cs typeface="+mn-cs"/>
-              </a:defRPr>
-            </a:lvl5pPr>
-            <a:lvl6pPr marL="2286000" algn="l" defTabSz="914400" rtl="0" eaLnBrk="1" latinLnBrk="0" hangingPunct="1">
-              <a:defRPr sz="1800" kern="1200">
-                <a:solidFill>
-                  <a:schemeClr val="dk1"/>
-                </a:solidFill>
-                <a:latin typeface="+mn-lt"/>
-                <a:ea typeface="+mn-ea"/>
-                <a:cs typeface="+mn-cs"/>
-              </a:defRPr>
-            </a:lvl6pPr>
-            <a:lvl7pPr marL="2743200" algn="l" defTabSz="914400" rtl="0" eaLnBrk="1" latinLnBrk="0" hangingPunct="1">
-              <a:defRPr sz="1800" kern="1200">
-                <a:solidFill>
-                  <a:schemeClr val="dk1"/>
-                </a:solidFill>
-                <a:latin typeface="+mn-lt"/>
-                <a:ea typeface="+mn-ea"/>
-                <a:cs typeface="+mn-cs"/>
-              </a:defRPr>
-            </a:lvl7pPr>
-            <a:lvl8pPr marL="3200400" algn="l" defTabSz="914400" rtl="0" eaLnBrk="1" latinLnBrk="0" hangingPunct="1">
-              <a:defRPr sz="1800" kern="1200">
-                <a:solidFill>
-                  <a:schemeClr val="dk1"/>
-                </a:solidFill>
-                <a:latin typeface="+mn-lt"/>
-                <a:ea typeface="+mn-ea"/>
-                <a:cs typeface="+mn-cs"/>
-              </a:defRPr>
-            </a:lvl8pPr>
-            <a:lvl9pPr marL="3657600" algn="l" defTabSz="914400" rtl="0" eaLnBrk="1" latinLnBrk="0" hangingPunct="1">
-              <a:defRPr sz="1800" kern="1200">
-                <a:solidFill>
-                  <a:schemeClr val="dk1"/>
-                </a:solidFill>
-                <a:latin typeface="+mn-lt"/>
-                <a:ea typeface="+mn-ea"/>
-                <a:cs typeface="+mn-cs"/>
-              </a:defRPr>
-            </a:lvl9pPr>
-          </a:lstStyle>
-          <a:p>
-            <a:pPr algn="ctr"/>
-            <a:r>
-              <a:rPr lang="en-US" sz="1545" dirty="0">
-                <a:cs typeface="Calibri"/>
-              </a:rPr>
-              <a:t>Registration</a:t>
-            </a:r>
-            <a:endParaRPr lang="en-US" sz="1545" dirty="0">
-              <a:cs typeface="Calibri"/>
-            </a:endParaRPr>
-          </a:p>
-        </p:txBody>
-      </p:sp>
-      <p:sp>
-        <p:nvSpPr>
-          <p:cNvPr id="7" name="Rectangle 6"/>
-          <p:cNvSpPr/>
-          <p:nvPr/>
-        </p:nvSpPr>
-        <p:spPr>
-          <a:xfrm>
-            <a:off x="58511" y="1373641"/>
-            <a:ext cx="1395413" cy="478971"/>
-          </a:xfrm>
-          <a:prstGeom prst="rect">
-            <a:avLst/>
-          </a:prstGeom>
-          <a:noFill/>
-          <a:ln w="28575">
-            <a:noFill/>
-          </a:ln>
-        </p:spPr>
-        <p:style>
-          <a:lnRef idx="2">
-            <a:schemeClr val="dk1"/>
-          </a:lnRef>
-          <a:fillRef idx="1">
-            <a:schemeClr val="lt1"/>
-          </a:fillRef>
-          <a:effectRef idx="0">
-            <a:schemeClr val="dk1"/>
-          </a:effectRef>
-          <a:fontRef idx="minor">
-            <a:schemeClr val="dk1"/>
-          </a:fontRef>
-        </p:style>
-        <p:txBody>
-          <a:bodyPr rtlCol="0" anchor="ctr"/>
-          <a:lstStyle/>
-          <a:p>
-            <a:pPr algn="r"/>
-            <a:r>
-              <a:rPr lang="en-US" sz="1545" dirty="0">
-                <a:cs typeface="Calibri"/>
-              </a:rPr>
-              <a:t>Tool Sets</a:t>
-            </a:r>
-            <a:endParaRPr lang="en-US" sz="1545" dirty="0">
-              <a:cs typeface="Calibri"/>
-            </a:endParaRPr>
-          </a:p>
-        </p:txBody>
-      </p:sp>
-      <p:sp>
-        <p:nvSpPr>
-          <p:cNvPr id="15" name="Rectangle 14"/>
-          <p:cNvSpPr/>
-          <p:nvPr/>
-        </p:nvSpPr>
-        <p:spPr>
-          <a:xfrm>
-            <a:off x="4137932" y="1373641"/>
-            <a:ext cx="1255259" cy="478971"/>
-          </a:xfrm>
-          <a:prstGeom prst="rect">
-            <a:avLst/>
-          </a:prstGeom>
-          <a:ln w="28575"/>
-        </p:spPr>
-        <p:style>
-          <a:lnRef idx="2">
-            <a:schemeClr val="dk1"/>
-          </a:lnRef>
-          <a:fillRef idx="1">
-            <a:schemeClr val="lt1"/>
-          </a:fillRef>
-          <a:effectRef idx="0">
-            <a:schemeClr val="dk1"/>
-          </a:effectRef>
-          <a:fontRef idx="minor">
-            <a:schemeClr val="dk1"/>
-          </a:fontRef>
-        </p:style>
-        <p:txBody>
-          <a:bodyPr rtlCol="0" anchor="ctr"/>
-          <a:lstStyle>
-            <a:defPPr>
-              <a:defRPr lang="en-US"/>
-            </a:defPPr>
-            <a:lvl1pPr marL="0" algn="l" defTabSz="914400" rtl="0" eaLnBrk="1" latinLnBrk="0" hangingPunct="1">
-              <a:defRPr sz="1800" kern="1200">
-                <a:solidFill>
-                  <a:schemeClr val="dk1"/>
-                </a:solidFill>
-                <a:latin typeface="+mn-lt"/>
-                <a:ea typeface="+mn-ea"/>
-                <a:cs typeface="+mn-cs"/>
-              </a:defRPr>
-            </a:lvl1pPr>
-            <a:lvl2pPr marL="457200" algn="l" defTabSz="914400" rtl="0" eaLnBrk="1" latinLnBrk="0" hangingPunct="1">
-              <a:defRPr sz="1800" kern="1200">
-                <a:solidFill>
-                  <a:schemeClr val="dk1"/>
-                </a:solidFill>
-                <a:latin typeface="+mn-lt"/>
-                <a:ea typeface="+mn-ea"/>
-                <a:cs typeface="+mn-cs"/>
-              </a:defRPr>
-            </a:lvl2pPr>
-            <a:lvl3pPr marL="914400" algn="l" defTabSz="914400" rtl="0" eaLnBrk="1" latinLnBrk="0" hangingPunct="1">
-              <a:defRPr sz="1800" kern="1200">
-                <a:solidFill>
-                  <a:schemeClr val="dk1"/>
-                </a:solidFill>
-                <a:latin typeface="+mn-lt"/>
-                <a:ea typeface="+mn-ea"/>
-                <a:cs typeface="+mn-cs"/>
-              </a:defRPr>
-            </a:lvl3pPr>
-            <a:lvl4pPr marL="1371600" algn="l" defTabSz="914400" rtl="0" eaLnBrk="1" latinLnBrk="0" hangingPunct="1">
-              <a:defRPr sz="1800" kern="1200">
-                <a:solidFill>
-                  <a:schemeClr val="dk1"/>
-                </a:solidFill>
-                <a:latin typeface="+mn-lt"/>
-                <a:ea typeface="+mn-ea"/>
-                <a:cs typeface="+mn-cs"/>
-              </a:defRPr>
-            </a:lvl4pPr>
-            <a:lvl5pPr marL="1828800" algn="l" defTabSz="914400" rtl="0" eaLnBrk="1" latinLnBrk="0" hangingPunct="1">
-              <a:defRPr sz="1800" kern="1200">
-                <a:solidFill>
-                  <a:schemeClr val="dk1"/>
-                </a:solidFill>
-                <a:latin typeface="+mn-lt"/>
-                <a:ea typeface="+mn-ea"/>
-                <a:cs typeface="+mn-cs"/>
-              </a:defRPr>
-            </a:lvl5pPr>
-            <a:lvl6pPr marL="2286000" algn="l" defTabSz="914400" rtl="0" eaLnBrk="1" latinLnBrk="0" hangingPunct="1">
-              <a:defRPr sz="1800" kern="1200">
-                <a:solidFill>
-                  <a:schemeClr val="dk1"/>
-                </a:solidFill>
-                <a:latin typeface="+mn-lt"/>
-                <a:ea typeface="+mn-ea"/>
-                <a:cs typeface="+mn-cs"/>
-              </a:defRPr>
-            </a:lvl6pPr>
-            <a:lvl7pPr marL="2743200" algn="l" defTabSz="914400" rtl="0" eaLnBrk="1" latinLnBrk="0" hangingPunct="1">
-              <a:defRPr sz="1800" kern="1200">
-                <a:solidFill>
-                  <a:schemeClr val="dk1"/>
-                </a:solidFill>
-                <a:latin typeface="+mn-lt"/>
-                <a:ea typeface="+mn-ea"/>
-                <a:cs typeface="+mn-cs"/>
-              </a:defRPr>
-            </a:lvl7pPr>
-            <a:lvl8pPr marL="3200400" algn="l" defTabSz="914400" rtl="0" eaLnBrk="1" latinLnBrk="0" hangingPunct="1">
-              <a:defRPr sz="1800" kern="1200">
-                <a:solidFill>
-                  <a:schemeClr val="dk1"/>
-                </a:solidFill>
-                <a:latin typeface="+mn-lt"/>
-                <a:ea typeface="+mn-ea"/>
-                <a:cs typeface="+mn-cs"/>
-              </a:defRPr>
-            </a:lvl8pPr>
-            <a:lvl9pPr marL="3657600" algn="l" defTabSz="914400" rtl="0" eaLnBrk="1" latinLnBrk="0" hangingPunct="1">
-              <a:defRPr sz="1800" kern="1200">
-                <a:solidFill>
-                  <a:schemeClr val="dk1"/>
-                </a:solidFill>
-                <a:latin typeface="+mn-lt"/>
-                <a:ea typeface="+mn-ea"/>
-                <a:cs typeface="+mn-cs"/>
-              </a:defRPr>
-            </a:lvl9pPr>
-          </a:lstStyle>
-          <a:p>
-            <a:pPr algn="ctr"/>
-            <a:r>
-              <a:rPr lang="en-US" sz="1545" dirty="0">
-                <a:cs typeface="Calibri"/>
-              </a:rPr>
-              <a:t>Geometry Projection</a:t>
-            </a:r>
-            <a:endParaRPr lang="en-US" sz="1545" dirty="0">
-              <a:cs typeface="Calibri"/>
-            </a:endParaRPr>
-          </a:p>
-        </p:txBody>
-      </p:sp>
-      <p:sp>
-        <p:nvSpPr>
-          <p:cNvPr id="13" name="Rectangle 12"/>
-          <p:cNvSpPr/>
-          <p:nvPr/>
-        </p:nvSpPr>
-        <p:spPr>
-          <a:xfrm>
-            <a:off x="-31296" y="754516"/>
-            <a:ext cx="1485220" cy="478971"/>
-          </a:xfrm>
-          <a:prstGeom prst="rect">
-            <a:avLst/>
-          </a:prstGeom>
-          <a:noFill/>
-          <a:ln w="28575">
-            <a:noFill/>
-          </a:ln>
-        </p:spPr>
-        <p:style>
-          <a:lnRef idx="2">
-            <a:schemeClr val="dk1"/>
-          </a:lnRef>
-          <a:fillRef idx="1">
-            <a:schemeClr val="lt1"/>
-          </a:fillRef>
-          <a:effectRef idx="0">
-            <a:schemeClr val="dk1"/>
-          </a:effectRef>
-          <a:fontRef idx="minor">
-            <a:schemeClr val="dk1"/>
-          </a:fontRef>
-        </p:style>
-        <p:txBody>
-          <a:bodyPr rtlCol="0" anchor="ctr"/>
-          <a:lstStyle/>
-          <a:p>
-            <a:pPr algn="r"/>
-            <a:r>
-              <a:rPr lang="en-US" sz="1545" dirty="0">
-                <a:cs typeface="Calibri"/>
-              </a:rPr>
-              <a:t>Visualization</a:t>
-            </a:r>
-            <a:endParaRPr lang="en-US" sz="1545" dirty="0">
-              <a:cs typeface="Calibri"/>
-            </a:endParaRPr>
-          </a:p>
-        </p:txBody>
-      </p:sp>
-      <p:sp>
-        <p:nvSpPr>
-          <p:cNvPr id="19" name="Rectangle 18"/>
-          <p:cNvSpPr/>
-          <p:nvPr/>
-        </p:nvSpPr>
-        <p:spPr>
-          <a:xfrm>
-            <a:off x="1470932" y="713014"/>
-            <a:ext cx="1255259" cy="478971"/>
-          </a:xfrm>
-          <a:prstGeom prst="rect">
-            <a:avLst/>
-          </a:prstGeom>
-          <a:ln w="28575"/>
-        </p:spPr>
-        <p:style>
-          <a:lnRef idx="2">
-            <a:schemeClr val="dk1"/>
-          </a:lnRef>
-          <a:fillRef idx="1">
-            <a:schemeClr val="lt1"/>
-          </a:fillRef>
-          <a:effectRef idx="0">
-            <a:schemeClr val="dk1"/>
-          </a:effectRef>
-          <a:fontRef idx="minor">
-            <a:schemeClr val="dk1"/>
-          </a:fontRef>
-        </p:style>
-        <p:txBody>
-          <a:bodyPr rtlCol="0" anchor="ctr"/>
-          <a:lstStyle>
-            <a:defPPr>
-              <a:defRPr lang="en-US"/>
-            </a:defPPr>
-            <a:lvl1pPr marL="0" algn="l" defTabSz="914400" rtl="0" eaLnBrk="1" latinLnBrk="0" hangingPunct="1">
-              <a:defRPr sz="1800" kern="1200">
-                <a:solidFill>
-                  <a:schemeClr val="dk1"/>
-                </a:solidFill>
-                <a:latin typeface="+mn-lt"/>
-                <a:ea typeface="+mn-ea"/>
-                <a:cs typeface="+mn-cs"/>
-              </a:defRPr>
-            </a:lvl1pPr>
-            <a:lvl2pPr marL="457200" algn="l" defTabSz="914400" rtl="0" eaLnBrk="1" latinLnBrk="0" hangingPunct="1">
-              <a:defRPr sz="1800" kern="1200">
-                <a:solidFill>
-                  <a:schemeClr val="dk1"/>
-                </a:solidFill>
-                <a:latin typeface="+mn-lt"/>
-                <a:ea typeface="+mn-ea"/>
-                <a:cs typeface="+mn-cs"/>
-              </a:defRPr>
-            </a:lvl2pPr>
-            <a:lvl3pPr marL="914400" algn="l" defTabSz="914400" rtl="0" eaLnBrk="1" latinLnBrk="0" hangingPunct="1">
-              <a:defRPr sz="1800" kern="1200">
-                <a:solidFill>
-                  <a:schemeClr val="dk1"/>
-                </a:solidFill>
-                <a:latin typeface="+mn-lt"/>
-                <a:ea typeface="+mn-ea"/>
-                <a:cs typeface="+mn-cs"/>
-              </a:defRPr>
-            </a:lvl3pPr>
-            <a:lvl4pPr marL="1371600" algn="l" defTabSz="914400" rtl="0" eaLnBrk="1" latinLnBrk="0" hangingPunct="1">
-              <a:defRPr sz="1800" kern="1200">
-                <a:solidFill>
-                  <a:schemeClr val="dk1"/>
-                </a:solidFill>
-                <a:latin typeface="+mn-lt"/>
-                <a:ea typeface="+mn-ea"/>
-                <a:cs typeface="+mn-cs"/>
-              </a:defRPr>
-            </a:lvl4pPr>
-            <a:lvl5pPr marL="1828800" algn="l" defTabSz="914400" rtl="0" eaLnBrk="1" latinLnBrk="0" hangingPunct="1">
-              <a:defRPr sz="1800" kern="1200">
-                <a:solidFill>
-                  <a:schemeClr val="dk1"/>
-                </a:solidFill>
-                <a:latin typeface="+mn-lt"/>
-                <a:ea typeface="+mn-ea"/>
-                <a:cs typeface="+mn-cs"/>
-              </a:defRPr>
-            </a:lvl5pPr>
-            <a:lvl6pPr marL="2286000" algn="l" defTabSz="914400" rtl="0" eaLnBrk="1" latinLnBrk="0" hangingPunct="1">
-              <a:defRPr sz="1800" kern="1200">
-                <a:solidFill>
-                  <a:schemeClr val="dk1"/>
-                </a:solidFill>
-                <a:latin typeface="+mn-lt"/>
-                <a:ea typeface="+mn-ea"/>
-                <a:cs typeface="+mn-cs"/>
-              </a:defRPr>
-            </a:lvl6pPr>
-            <a:lvl7pPr marL="2743200" algn="l" defTabSz="914400" rtl="0" eaLnBrk="1" latinLnBrk="0" hangingPunct="1">
-              <a:defRPr sz="1800" kern="1200">
-                <a:solidFill>
-                  <a:schemeClr val="dk1"/>
-                </a:solidFill>
-                <a:latin typeface="+mn-lt"/>
-                <a:ea typeface="+mn-ea"/>
-                <a:cs typeface="+mn-cs"/>
-              </a:defRPr>
-            </a:lvl7pPr>
-            <a:lvl8pPr marL="3200400" algn="l" defTabSz="914400" rtl="0" eaLnBrk="1" latinLnBrk="0" hangingPunct="1">
-              <a:defRPr sz="1800" kern="1200">
-                <a:solidFill>
-                  <a:schemeClr val="dk1"/>
-                </a:solidFill>
-                <a:latin typeface="+mn-lt"/>
-                <a:ea typeface="+mn-ea"/>
-                <a:cs typeface="+mn-cs"/>
-              </a:defRPr>
-            </a:lvl8pPr>
-            <a:lvl9pPr marL="3657600" algn="l" defTabSz="914400" rtl="0" eaLnBrk="1" latinLnBrk="0" hangingPunct="1">
-              <a:defRPr sz="1800" kern="1200">
-                <a:solidFill>
-                  <a:schemeClr val="dk1"/>
-                </a:solidFill>
-                <a:latin typeface="+mn-lt"/>
-                <a:ea typeface="+mn-ea"/>
-                <a:cs typeface="+mn-cs"/>
-              </a:defRPr>
-            </a:lvl9pPr>
-          </a:lstStyle>
-          <a:p>
-            <a:pPr algn="ctr"/>
-            <a:r>
-              <a:rPr lang="en-US" sz="1545" dirty="0">
-                <a:cs typeface="Calibri"/>
-              </a:rPr>
-              <a:t>Multi-View</a:t>
-            </a:r>
-            <a:endParaRPr lang="en-US" sz="1545" dirty="0">
-              <a:cs typeface="Calibri"/>
-            </a:endParaRPr>
-          </a:p>
-        </p:txBody>
-      </p:sp>
-      <p:sp>
-        <p:nvSpPr>
-          <p:cNvPr id="20" name="Rectangle 19"/>
-          <p:cNvSpPr/>
-          <p:nvPr/>
-        </p:nvSpPr>
-        <p:spPr>
-          <a:xfrm>
-            <a:off x="2809875" y="1372961"/>
-            <a:ext cx="1255259" cy="478971"/>
-          </a:xfrm>
-          <a:prstGeom prst="rect">
-            <a:avLst/>
-          </a:prstGeom>
-          <a:ln w="28575"/>
-        </p:spPr>
-        <p:style>
-          <a:lnRef idx="2">
-            <a:schemeClr val="dk1"/>
-          </a:lnRef>
-          <a:fillRef idx="1">
-            <a:schemeClr val="lt1"/>
-          </a:fillRef>
-          <a:effectRef idx="0">
-            <a:schemeClr val="dk1"/>
-          </a:effectRef>
-          <a:fontRef idx="minor">
-            <a:schemeClr val="dk1"/>
-          </a:fontRef>
-        </p:style>
-        <p:txBody>
-          <a:bodyPr rtlCol="0" anchor="ctr"/>
-          <a:lstStyle>
-            <a:defPPr>
-              <a:defRPr lang="en-US"/>
-            </a:defPPr>
-            <a:lvl1pPr marL="0" algn="l" defTabSz="914400" rtl="0" eaLnBrk="1" latinLnBrk="0" hangingPunct="1">
-              <a:defRPr sz="1800" kern="1200">
-                <a:solidFill>
-                  <a:schemeClr val="dk1"/>
-                </a:solidFill>
-                <a:latin typeface="+mn-lt"/>
-                <a:ea typeface="+mn-ea"/>
-                <a:cs typeface="+mn-cs"/>
-              </a:defRPr>
-            </a:lvl1pPr>
-            <a:lvl2pPr marL="457200" algn="l" defTabSz="914400" rtl="0" eaLnBrk="1" latinLnBrk="0" hangingPunct="1">
-              <a:defRPr sz="1800" kern="1200">
-                <a:solidFill>
-                  <a:schemeClr val="dk1"/>
-                </a:solidFill>
-                <a:latin typeface="+mn-lt"/>
-                <a:ea typeface="+mn-ea"/>
-                <a:cs typeface="+mn-cs"/>
-              </a:defRPr>
-            </a:lvl2pPr>
-            <a:lvl3pPr marL="914400" algn="l" defTabSz="914400" rtl="0" eaLnBrk="1" latinLnBrk="0" hangingPunct="1">
-              <a:defRPr sz="1800" kern="1200">
-                <a:solidFill>
-                  <a:schemeClr val="dk1"/>
-                </a:solidFill>
-                <a:latin typeface="+mn-lt"/>
-                <a:ea typeface="+mn-ea"/>
-                <a:cs typeface="+mn-cs"/>
-              </a:defRPr>
-            </a:lvl3pPr>
-            <a:lvl4pPr marL="1371600" algn="l" defTabSz="914400" rtl="0" eaLnBrk="1" latinLnBrk="0" hangingPunct="1">
-              <a:defRPr sz="1800" kern="1200">
-                <a:solidFill>
-                  <a:schemeClr val="dk1"/>
-                </a:solidFill>
-                <a:latin typeface="+mn-lt"/>
-                <a:ea typeface="+mn-ea"/>
-                <a:cs typeface="+mn-cs"/>
-              </a:defRPr>
-            </a:lvl4pPr>
-            <a:lvl5pPr marL="1828800" algn="l" defTabSz="914400" rtl="0" eaLnBrk="1" latinLnBrk="0" hangingPunct="1">
-              <a:defRPr sz="1800" kern="1200">
-                <a:solidFill>
-                  <a:schemeClr val="dk1"/>
-                </a:solidFill>
-                <a:latin typeface="+mn-lt"/>
-                <a:ea typeface="+mn-ea"/>
-                <a:cs typeface="+mn-cs"/>
-              </a:defRPr>
-            </a:lvl5pPr>
-            <a:lvl6pPr marL="2286000" algn="l" defTabSz="914400" rtl="0" eaLnBrk="1" latinLnBrk="0" hangingPunct="1">
-              <a:defRPr sz="1800" kern="1200">
-                <a:solidFill>
-                  <a:schemeClr val="dk1"/>
-                </a:solidFill>
-                <a:latin typeface="+mn-lt"/>
-                <a:ea typeface="+mn-ea"/>
-                <a:cs typeface="+mn-cs"/>
-              </a:defRPr>
-            </a:lvl6pPr>
-            <a:lvl7pPr marL="2743200" algn="l" defTabSz="914400" rtl="0" eaLnBrk="1" latinLnBrk="0" hangingPunct="1">
-              <a:defRPr sz="1800" kern="1200">
-                <a:solidFill>
-                  <a:schemeClr val="dk1"/>
-                </a:solidFill>
-                <a:latin typeface="+mn-lt"/>
-                <a:ea typeface="+mn-ea"/>
-                <a:cs typeface="+mn-cs"/>
-              </a:defRPr>
-            </a:lvl7pPr>
-            <a:lvl8pPr marL="3200400" algn="l" defTabSz="914400" rtl="0" eaLnBrk="1" latinLnBrk="0" hangingPunct="1">
-              <a:defRPr sz="1800" kern="1200">
-                <a:solidFill>
-                  <a:schemeClr val="dk1"/>
-                </a:solidFill>
-                <a:latin typeface="+mn-lt"/>
-                <a:ea typeface="+mn-ea"/>
-                <a:cs typeface="+mn-cs"/>
-              </a:defRPr>
-            </a:lvl8pPr>
-            <a:lvl9pPr marL="3657600" algn="l" defTabSz="914400" rtl="0" eaLnBrk="1" latinLnBrk="0" hangingPunct="1">
-              <a:defRPr sz="1800" kern="1200">
-                <a:solidFill>
-                  <a:schemeClr val="dk1"/>
-                </a:solidFill>
-                <a:latin typeface="+mn-lt"/>
-                <a:ea typeface="+mn-ea"/>
-                <a:cs typeface="+mn-cs"/>
-              </a:defRPr>
-            </a:lvl9pPr>
-          </a:lstStyle>
-          <a:p>
-            <a:pPr algn="ctr"/>
-            <a:r>
-              <a:rPr lang="x-none" altLang="en-US" sz="1545" dirty="0">
-                <a:cs typeface="Calibri"/>
-              </a:rPr>
-              <a:t>Clustering</a:t>
-            </a:r>
-            <a:endParaRPr lang="x-none" altLang="en-US" sz="1545" dirty="0">
-              <a:cs typeface="Calibri"/>
-            </a:endParaRPr>
-          </a:p>
-        </p:txBody>
-      </p:sp>
-      <p:sp>
-        <p:nvSpPr>
-          <p:cNvPr id="21" name="Rectangle 20"/>
-          <p:cNvSpPr/>
-          <p:nvPr/>
-        </p:nvSpPr>
-        <p:spPr>
-          <a:xfrm>
-            <a:off x="4137932" y="713014"/>
-            <a:ext cx="1255259" cy="478971"/>
-          </a:xfrm>
-          <a:prstGeom prst="rect">
-            <a:avLst/>
-          </a:prstGeom>
-          <a:ln w="28575"/>
-        </p:spPr>
-        <p:style>
-          <a:lnRef idx="2">
-            <a:schemeClr val="dk1"/>
-          </a:lnRef>
-          <a:fillRef idx="1">
-            <a:schemeClr val="lt1"/>
-          </a:fillRef>
-          <a:effectRef idx="0">
-            <a:schemeClr val="dk1"/>
-          </a:effectRef>
-          <a:fontRef idx="minor">
-            <a:schemeClr val="dk1"/>
-          </a:fontRef>
-        </p:style>
-        <p:txBody>
-          <a:bodyPr rtlCol="0" anchor="ctr"/>
-          <a:lstStyle>
-            <a:defPPr>
-              <a:defRPr lang="en-US"/>
-            </a:defPPr>
-            <a:lvl1pPr marL="0" algn="l" defTabSz="914400" rtl="0" eaLnBrk="1" latinLnBrk="0" hangingPunct="1">
-              <a:defRPr sz="1800" kern="1200">
-                <a:solidFill>
-                  <a:schemeClr val="dk1"/>
-                </a:solidFill>
-                <a:latin typeface="+mn-lt"/>
-                <a:ea typeface="+mn-ea"/>
-                <a:cs typeface="+mn-cs"/>
-              </a:defRPr>
-            </a:lvl1pPr>
-            <a:lvl2pPr marL="457200" algn="l" defTabSz="914400" rtl="0" eaLnBrk="1" latinLnBrk="0" hangingPunct="1">
-              <a:defRPr sz="1800" kern="1200">
-                <a:solidFill>
-                  <a:schemeClr val="dk1"/>
-                </a:solidFill>
-                <a:latin typeface="+mn-lt"/>
-                <a:ea typeface="+mn-ea"/>
-                <a:cs typeface="+mn-cs"/>
-              </a:defRPr>
-            </a:lvl2pPr>
-            <a:lvl3pPr marL="914400" algn="l" defTabSz="914400" rtl="0" eaLnBrk="1" latinLnBrk="0" hangingPunct="1">
-              <a:defRPr sz="1800" kern="1200">
-                <a:solidFill>
-                  <a:schemeClr val="dk1"/>
-                </a:solidFill>
-                <a:latin typeface="+mn-lt"/>
-                <a:ea typeface="+mn-ea"/>
-                <a:cs typeface="+mn-cs"/>
-              </a:defRPr>
-            </a:lvl3pPr>
-            <a:lvl4pPr marL="1371600" algn="l" defTabSz="914400" rtl="0" eaLnBrk="1" latinLnBrk="0" hangingPunct="1">
-              <a:defRPr sz="1800" kern="1200">
-                <a:solidFill>
-                  <a:schemeClr val="dk1"/>
-                </a:solidFill>
-                <a:latin typeface="+mn-lt"/>
-                <a:ea typeface="+mn-ea"/>
-                <a:cs typeface="+mn-cs"/>
-              </a:defRPr>
-            </a:lvl4pPr>
-            <a:lvl5pPr marL="1828800" algn="l" defTabSz="914400" rtl="0" eaLnBrk="1" latinLnBrk="0" hangingPunct="1">
-              <a:defRPr sz="1800" kern="1200">
-                <a:solidFill>
-                  <a:schemeClr val="dk1"/>
-                </a:solidFill>
-                <a:latin typeface="+mn-lt"/>
-                <a:ea typeface="+mn-ea"/>
-                <a:cs typeface="+mn-cs"/>
-              </a:defRPr>
-            </a:lvl5pPr>
-            <a:lvl6pPr marL="2286000" algn="l" defTabSz="914400" rtl="0" eaLnBrk="1" latinLnBrk="0" hangingPunct="1">
-              <a:defRPr sz="1800" kern="1200">
-                <a:solidFill>
-                  <a:schemeClr val="dk1"/>
-                </a:solidFill>
-                <a:latin typeface="+mn-lt"/>
-                <a:ea typeface="+mn-ea"/>
-                <a:cs typeface="+mn-cs"/>
-              </a:defRPr>
-            </a:lvl6pPr>
-            <a:lvl7pPr marL="2743200" algn="l" defTabSz="914400" rtl="0" eaLnBrk="1" latinLnBrk="0" hangingPunct="1">
-              <a:defRPr sz="1800" kern="1200">
-                <a:solidFill>
-                  <a:schemeClr val="dk1"/>
-                </a:solidFill>
-                <a:latin typeface="+mn-lt"/>
-                <a:ea typeface="+mn-ea"/>
-                <a:cs typeface="+mn-cs"/>
-              </a:defRPr>
-            </a:lvl7pPr>
-            <a:lvl8pPr marL="3200400" algn="l" defTabSz="914400" rtl="0" eaLnBrk="1" latinLnBrk="0" hangingPunct="1">
-              <a:defRPr sz="1800" kern="1200">
-                <a:solidFill>
-                  <a:schemeClr val="dk1"/>
-                </a:solidFill>
-                <a:latin typeface="+mn-lt"/>
-                <a:ea typeface="+mn-ea"/>
-                <a:cs typeface="+mn-cs"/>
-              </a:defRPr>
-            </a:lvl8pPr>
-            <a:lvl9pPr marL="3657600" algn="l" defTabSz="914400" rtl="0" eaLnBrk="1" latinLnBrk="0" hangingPunct="1">
-              <a:defRPr sz="1800" kern="1200">
-                <a:solidFill>
-                  <a:schemeClr val="dk1"/>
-                </a:solidFill>
-                <a:latin typeface="+mn-lt"/>
-                <a:ea typeface="+mn-ea"/>
-                <a:cs typeface="+mn-cs"/>
-              </a:defRPr>
-            </a:lvl9pPr>
-          </a:lstStyle>
-          <a:p>
-            <a:pPr algn="ctr"/>
-            <a:r>
-              <a:rPr lang="en-US" sz="1545" dirty="0">
-                <a:ea typeface="+mn-lt"/>
-                <a:cs typeface="+mn-lt"/>
-              </a:rPr>
-              <a:t>Focus </a:t>
-            </a:r>
-            <a:endParaRPr lang="en-US" sz="1545" dirty="0">
-              <a:ea typeface="+mn-lt"/>
-              <a:cs typeface="+mn-lt"/>
-            </a:endParaRPr>
-          </a:p>
-          <a:p>
-            <a:pPr algn="ctr"/>
-            <a:r>
-              <a:rPr lang="en-US" sz="1545" dirty="0">
-                <a:ea typeface="+mn-lt"/>
-                <a:cs typeface="+mn-lt"/>
-              </a:rPr>
-              <a:t>Mode</a:t>
-            </a:r>
-            <a:endParaRPr lang="en-US" sz="1545" dirty="0">
-              <a:ea typeface="+mn-lt"/>
-              <a:cs typeface="+mn-lt"/>
-            </a:endParaRPr>
-          </a:p>
-        </p:txBody>
-      </p:sp>
-      <p:sp>
-        <p:nvSpPr>
-          <p:cNvPr id="22" name="Rectangle 21"/>
-          <p:cNvSpPr/>
-          <p:nvPr/>
-        </p:nvSpPr>
-        <p:spPr>
-          <a:xfrm>
-            <a:off x="5458505" y="713014"/>
-            <a:ext cx="1255259" cy="478971"/>
-          </a:xfrm>
-          <a:prstGeom prst="rect">
-            <a:avLst/>
-          </a:prstGeom>
-          <a:ln w="28575"/>
-        </p:spPr>
-        <p:style>
-          <a:lnRef idx="2">
-            <a:schemeClr val="dk1"/>
-          </a:lnRef>
-          <a:fillRef idx="1">
-            <a:schemeClr val="lt1"/>
-          </a:fillRef>
-          <a:effectRef idx="0">
-            <a:schemeClr val="dk1"/>
-          </a:effectRef>
-          <a:fontRef idx="minor">
-            <a:schemeClr val="dk1"/>
-          </a:fontRef>
-        </p:style>
-        <p:txBody>
-          <a:bodyPr rtlCol="0" anchor="ctr"/>
-          <a:lstStyle>
-            <a:defPPr>
-              <a:defRPr lang="en-US"/>
-            </a:defPPr>
-            <a:lvl1pPr marL="0" algn="l" defTabSz="914400" rtl="0" eaLnBrk="1" latinLnBrk="0" hangingPunct="1">
-              <a:defRPr sz="1800" kern="1200">
-                <a:solidFill>
-                  <a:schemeClr val="dk1"/>
-                </a:solidFill>
-                <a:latin typeface="+mn-lt"/>
-                <a:ea typeface="+mn-ea"/>
-                <a:cs typeface="+mn-cs"/>
-              </a:defRPr>
-            </a:lvl1pPr>
-            <a:lvl2pPr marL="457200" algn="l" defTabSz="914400" rtl="0" eaLnBrk="1" latinLnBrk="0" hangingPunct="1">
-              <a:defRPr sz="1800" kern="1200">
-                <a:solidFill>
-                  <a:schemeClr val="dk1"/>
-                </a:solidFill>
-                <a:latin typeface="+mn-lt"/>
-                <a:ea typeface="+mn-ea"/>
-                <a:cs typeface="+mn-cs"/>
-              </a:defRPr>
-            </a:lvl2pPr>
-            <a:lvl3pPr marL="914400" algn="l" defTabSz="914400" rtl="0" eaLnBrk="1" latinLnBrk="0" hangingPunct="1">
-              <a:defRPr sz="1800" kern="1200">
-                <a:solidFill>
-                  <a:schemeClr val="dk1"/>
-                </a:solidFill>
-                <a:latin typeface="+mn-lt"/>
-                <a:ea typeface="+mn-ea"/>
-                <a:cs typeface="+mn-cs"/>
-              </a:defRPr>
-            </a:lvl3pPr>
-            <a:lvl4pPr marL="1371600" algn="l" defTabSz="914400" rtl="0" eaLnBrk="1" latinLnBrk="0" hangingPunct="1">
-              <a:defRPr sz="1800" kern="1200">
-                <a:solidFill>
-                  <a:schemeClr val="dk1"/>
-                </a:solidFill>
-                <a:latin typeface="+mn-lt"/>
-                <a:ea typeface="+mn-ea"/>
-                <a:cs typeface="+mn-cs"/>
-              </a:defRPr>
-            </a:lvl4pPr>
-            <a:lvl5pPr marL="1828800" algn="l" defTabSz="914400" rtl="0" eaLnBrk="1" latinLnBrk="0" hangingPunct="1">
-              <a:defRPr sz="1800" kern="1200">
-                <a:solidFill>
-                  <a:schemeClr val="dk1"/>
-                </a:solidFill>
-                <a:latin typeface="+mn-lt"/>
-                <a:ea typeface="+mn-ea"/>
-                <a:cs typeface="+mn-cs"/>
-              </a:defRPr>
-            </a:lvl5pPr>
-            <a:lvl6pPr marL="2286000" algn="l" defTabSz="914400" rtl="0" eaLnBrk="1" latinLnBrk="0" hangingPunct="1">
-              <a:defRPr sz="1800" kern="1200">
-                <a:solidFill>
-                  <a:schemeClr val="dk1"/>
-                </a:solidFill>
-                <a:latin typeface="+mn-lt"/>
-                <a:ea typeface="+mn-ea"/>
-                <a:cs typeface="+mn-cs"/>
-              </a:defRPr>
-            </a:lvl6pPr>
-            <a:lvl7pPr marL="2743200" algn="l" defTabSz="914400" rtl="0" eaLnBrk="1" latinLnBrk="0" hangingPunct="1">
-              <a:defRPr sz="1800" kern="1200">
-                <a:solidFill>
-                  <a:schemeClr val="dk1"/>
-                </a:solidFill>
-                <a:latin typeface="+mn-lt"/>
-                <a:ea typeface="+mn-ea"/>
-                <a:cs typeface="+mn-cs"/>
-              </a:defRPr>
-            </a:lvl7pPr>
-            <a:lvl8pPr marL="3200400" algn="l" defTabSz="914400" rtl="0" eaLnBrk="1" latinLnBrk="0" hangingPunct="1">
-              <a:defRPr sz="1800" kern="1200">
-                <a:solidFill>
-                  <a:schemeClr val="dk1"/>
-                </a:solidFill>
-                <a:latin typeface="+mn-lt"/>
-                <a:ea typeface="+mn-ea"/>
-                <a:cs typeface="+mn-cs"/>
-              </a:defRPr>
-            </a:lvl8pPr>
-            <a:lvl9pPr marL="3657600" algn="l" defTabSz="914400" rtl="0" eaLnBrk="1" latinLnBrk="0" hangingPunct="1">
-              <a:defRPr sz="1800" kern="1200">
-                <a:solidFill>
-                  <a:schemeClr val="dk1"/>
-                </a:solidFill>
-                <a:latin typeface="+mn-lt"/>
-                <a:ea typeface="+mn-ea"/>
-                <a:cs typeface="+mn-cs"/>
-              </a:defRPr>
-            </a:lvl9pPr>
-          </a:lstStyle>
-          <a:p>
-            <a:pPr algn="ctr"/>
-            <a:r>
-              <a:rPr lang="en-US" sz="1545" dirty="0">
-                <a:ea typeface="+mn-lt"/>
-                <a:cs typeface="+mn-lt"/>
-              </a:rPr>
-              <a:t>Camera Switch</a:t>
-            </a:r>
-            <a:r>
-              <a:rPr lang="x-none" altLang="en-US" sz="1545" dirty="0">
-                <a:ea typeface="+mn-lt"/>
-                <a:cs typeface="+mn-lt"/>
-              </a:rPr>
-              <a:t>ing</a:t>
-            </a:r>
-            <a:endParaRPr lang="x-none" altLang="en-US" sz="1545" dirty="0">
-              <a:ea typeface="+mn-lt"/>
-              <a:cs typeface="+mn-lt"/>
-            </a:endParaRPr>
-          </a:p>
-        </p:txBody>
-      </p:sp>
-      <p:sp>
-        <p:nvSpPr>
-          <p:cNvPr id="23" name="Rectangle 22"/>
-          <p:cNvSpPr/>
-          <p:nvPr/>
-        </p:nvSpPr>
-        <p:spPr>
-          <a:xfrm>
-            <a:off x="2809875" y="713014"/>
-            <a:ext cx="1255259" cy="478971"/>
-          </a:xfrm>
-          <a:prstGeom prst="rect">
-            <a:avLst/>
-          </a:prstGeom>
-          <a:ln w="28575"/>
-        </p:spPr>
-        <p:style>
-          <a:lnRef idx="2">
-            <a:schemeClr val="dk1"/>
-          </a:lnRef>
-          <a:fillRef idx="1">
-            <a:schemeClr val="lt1"/>
-          </a:fillRef>
-          <a:effectRef idx="0">
-            <a:schemeClr val="dk1"/>
-          </a:effectRef>
-          <a:fontRef idx="minor">
-            <a:schemeClr val="dk1"/>
-          </a:fontRef>
-        </p:style>
-        <p:txBody>
-          <a:bodyPr rtlCol="0" anchor="ctr"/>
-          <a:lstStyle>
-            <a:defPPr>
-              <a:defRPr lang="en-US"/>
-            </a:defPPr>
-            <a:lvl1pPr marL="0" algn="l" defTabSz="914400" rtl="0" eaLnBrk="1" latinLnBrk="0" hangingPunct="1">
-              <a:defRPr sz="1800" kern="1200">
-                <a:solidFill>
-                  <a:schemeClr val="dk1"/>
-                </a:solidFill>
-                <a:latin typeface="+mn-lt"/>
-                <a:ea typeface="+mn-ea"/>
-                <a:cs typeface="+mn-cs"/>
-              </a:defRPr>
-            </a:lvl1pPr>
-            <a:lvl2pPr marL="457200" algn="l" defTabSz="914400" rtl="0" eaLnBrk="1" latinLnBrk="0" hangingPunct="1">
-              <a:defRPr sz="1800" kern="1200">
-                <a:solidFill>
-                  <a:schemeClr val="dk1"/>
-                </a:solidFill>
-                <a:latin typeface="+mn-lt"/>
-                <a:ea typeface="+mn-ea"/>
-                <a:cs typeface="+mn-cs"/>
-              </a:defRPr>
-            </a:lvl2pPr>
-            <a:lvl3pPr marL="914400" algn="l" defTabSz="914400" rtl="0" eaLnBrk="1" latinLnBrk="0" hangingPunct="1">
-              <a:defRPr sz="1800" kern="1200">
-                <a:solidFill>
-                  <a:schemeClr val="dk1"/>
-                </a:solidFill>
-                <a:latin typeface="+mn-lt"/>
-                <a:ea typeface="+mn-ea"/>
-                <a:cs typeface="+mn-cs"/>
-              </a:defRPr>
-            </a:lvl3pPr>
-            <a:lvl4pPr marL="1371600" algn="l" defTabSz="914400" rtl="0" eaLnBrk="1" latinLnBrk="0" hangingPunct="1">
-              <a:defRPr sz="1800" kern="1200">
-                <a:solidFill>
-                  <a:schemeClr val="dk1"/>
-                </a:solidFill>
-                <a:latin typeface="+mn-lt"/>
-                <a:ea typeface="+mn-ea"/>
-                <a:cs typeface="+mn-cs"/>
-              </a:defRPr>
-            </a:lvl4pPr>
-            <a:lvl5pPr marL="1828800" algn="l" defTabSz="914400" rtl="0" eaLnBrk="1" latinLnBrk="0" hangingPunct="1">
-              <a:defRPr sz="1800" kern="1200">
-                <a:solidFill>
-                  <a:schemeClr val="dk1"/>
-                </a:solidFill>
-                <a:latin typeface="+mn-lt"/>
-                <a:ea typeface="+mn-ea"/>
-                <a:cs typeface="+mn-cs"/>
-              </a:defRPr>
-            </a:lvl5pPr>
-            <a:lvl6pPr marL="2286000" algn="l" defTabSz="914400" rtl="0" eaLnBrk="1" latinLnBrk="0" hangingPunct="1">
-              <a:defRPr sz="1800" kern="1200">
-                <a:solidFill>
-                  <a:schemeClr val="dk1"/>
-                </a:solidFill>
-                <a:latin typeface="+mn-lt"/>
-                <a:ea typeface="+mn-ea"/>
-                <a:cs typeface="+mn-cs"/>
-              </a:defRPr>
-            </a:lvl6pPr>
-            <a:lvl7pPr marL="2743200" algn="l" defTabSz="914400" rtl="0" eaLnBrk="1" latinLnBrk="0" hangingPunct="1">
-              <a:defRPr sz="1800" kern="1200">
-                <a:solidFill>
-                  <a:schemeClr val="dk1"/>
-                </a:solidFill>
-                <a:latin typeface="+mn-lt"/>
-                <a:ea typeface="+mn-ea"/>
-                <a:cs typeface="+mn-cs"/>
-              </a:defRPr>
-            </a:lvl7pPr>
-            <a:lvl8pPr marL="3200400" algn="l" defTabSz="914400" rtl="0" eaLnBrk="1" latinLnBrk="0" hangingPunct="1">
-              <a:defRPr sz="1800" kern="1200">
-                <a:solidFill>
-                  <a:schemeClr val="dk1"/>
-                </a:solidFill>
-                <a:latin typeface="+mn-lt"/>
-                <a:ea typeface="+mn-ea"/>
-                <a:cs typeface="+mn-cs"/>
-              </a:defRPr>
-            </a:lvl8pPr>
-            <a:lvl9pPr marL="3657600" algn="l" defTabSz="914400" rtl="0" eaLnBrk="1" latinLnBrk="0" hangingPunct="1">
-              <a:defRPr sz="1800" kern="1200">
-                <a:solidFill>
-                  <a:schemeClr val="dk1"/>
-                </a:solidFill>
-                <a:latin typeface="+mn-lt"/>
-                <a:ea typeface="+mn-ea"/>
-                <a:cs typeface="+mn-cs"/>
-              </a:defRPr>
-            </a:lvl9pPr>
-          </a:lstStyle>
-          <a:p>
-            <a:pPr algn="ctr"/>
-            <a:r>
-              <a:rPr lang="x-none" altLang="en-US" sz="1545">
-                <a:cs typeface="Calibri"/>
-              </a:rPr>
-              <a:t>Stream Playing</a:t>
-            </a:r>
-            <a:endParaRPr lang="x-none" altLang="en-US" sz="1545" dirty="0">
-              <a:cs typeface="Calibri"/>
-            </a:endParaRPr>
-          </a:p>
-        </p:txBody>
-      </p:sp>
-      <p:sp>
-        <p:nvSpPr>
-          <p:cNvPr id="24" name="Rectangle 23"/>
-          <p:cNvSpPr/>
-          <p:nvPr/>
-        </p:nvSpPr>
-        <p:spPr>
-          <a:xfrm>
-            <a:off x="1470932" y="68716"/>
-            <a:ext cx="1255259" cy="478971"/>
-          </a:xfrm>
-          <a:prstGeom prst="rect">
-            <a:avLst/>
-          </a:prstGeom>
-          <a:ln w="28575"/>
-        </p:spPr>
-        <p:style>
-          <a:lnRef idx="2">
-            <a:schemeClr val="dk1"/>
-          </a:lnRef>
-          <a:fillRef idx="1">
-            <a:schemeClr val="lt1"/>
-          </a:fillRef>
-          <a:effectRef idx="0">
-            <a:schemeClr val="dk1"/>
-          </a:effectRef>
-          <a:fontRef idx="minor">
-            <a:schemeClr val="dk1"/>
-          </a:fontRef>
-        </p:style>
-        <p:txBody>
-          <a:bodyPr rtlCol="0" anchor="ctr"/>
-          <a:lstStyle>
-            <a:defPPr>
-              <a:defRPr lang="en-US"/>
-            </a:defPPr>
-            <a:lvl1pPr marL="0" algn="l" defTabSz="914400" rtl="0" eaLnBrk="1" latinLnBrk="0" hangingPunct="1">
-              <a:defRPr sz="1800" kern="1200">
-                <a:solidFill>
-                  <a:schemeClr val="dk1"/>
-                </a:solidFill>
-                <a:latin typeface="+mn-lt"/>
-                <a:ea typeface="+mn-ea"/>
-                <a:cs typeface="+mn-cs"/>
-              </a:defRPr>
-            </a:lvl1pPr>
-            <a:lvl2pPr marL="457200" algn="l" defTabSz="914400" rtl="0" eaLnBrk="1" latinLnBrk="0" hangingPunct="1">
-              <a:defRPr sz="1800" kern="1200">
-                <a:solidFill>
-                  <a:schemeClr val="dk1"/>
-                </a:solidFill>
-                <a:latin typeface="+mn-lt"/>
-                <a:ea typeface="+mn-ea"/>
-                <a:cs typeface="+mn-cs"/>
-              </a:defRPr>
-            </a:lvl2pPr>
-            <a:lvl3pPr marL="914400" algn="l" defTabSz="914400" rtl="0" eaLnBrk="1" latinLnBrk="0" hangingPunct="1">
-              <a:defRPr sz="1800" kern="1200">
-                <a:solidFill>
-                  <a:schemeClr val="dk1"/>
-                </a:solidFill>
-                <a:latin typeface="+mn-lt"/>
-                <a:ea typeface="+mn-ea"/>
-                <a:cs typeface="+mn-cs"/>
-              </a:defRPr>
-            </a:lvl3pPr>
-            <a:lvl4pPr marL="1371600" algn="l" defTabSz="914400" rtl="0" eaLnBrk="1" latinLnBrk="0" hangingPunct="1">
-              <a:defRPr sz="1800" kern="1200">
-                <a:solidFill>
-                  <a:schemeClr val="dk1"/>
-                </a:solidFill>
-                <a:latin typeface="+mn-lt"/>
-                <a:ea typeface="+mn-ea"/>
-                <a:cs typeface="+mn-cs"/>
-              </a:defRPr>
-            </a:lvl4pPr>
-            <a:lvl5pPr marL="1828800" algn="l" defTabSz="914400" rtl="0" eaLnBrk="1" latinLnBrk="0" hangingPunct="1">
-              <a:defRPr sz="1800" kern="1200">
-                <a:solidFill>
-                  <a:schemeClr val="dk1"/>
-                </a:solidFill>
-                <a:latin typeface="+mn-lt"/>
-                <a:ea typeface="+mn-ea"/>
-                <a:cs typeface="+mn-cs"/>
-              </a:defRPr>
-            </a:lvl5pPr>
-            <a:lvl6pPr marL="2286000" algn="l" defTabSz="914400" rtl="0" eaLnBrk="1" latinLnBrk="0" hangingPunct="1">
-              <a:defRPr sz="1800" kern="1200">
-                <a:solidFill>
-                  <a:schemeClr val="dk1"/>
-                </a:solidFill>
-                <a:latin typeface="+mn-lt"/>
-                <a:ea typeface="+mn-ea"/>
-                <a:cs typeface="+mn-cs"/>
-              </a:defRPr>
-            </a:lvl6pPr>
-            <a:lvl7pPr marL="2743200" algn="l" defTabSz="914400" rtl="0" eaLnBrk="1" latinLnBrk="0" hangingPunct="1">
-              <a:defRPr sz="1800" kern="1200">
-                <a:solidFill>
-                  <a:schemeClr val="dk1"/>
-                </a:solidFill>
-                <a:latin typeface="+mn-lt"/>
-                <a:ea typeface="+mn-ea"/>
-                <a:cs typeface="+mn-cs"/>
-              </a:defRPr>
-            </a:lvl7pPr>
-            <a:lvl8pPr marL="3200400" algn="l" defTabSz="914400" rtl="0" eaLnBrk="1" latinLnBrk="0" hangingPunct="1">
-              <a:defRPr sz="1800" kern="1200">
-                <a:solidFill>
-                  <a:schemeClr val="dk1"/>
-                </a:solidFill>
-                <a:latin typeface="+mn-lt"/>
-                <a:ea typeface="+mn-ea"/>
-                <a:cs typeface="+mn-cs"/>
-              </a:defRPr>
-            </a:lvl8pPr>
-            <a:lvl9pPr marL="3657600" algn="l" defTabSz="914400" rtl="0" eaLnBrk="1" latinLnBrk="0" hangingPunct="1">
-              <a:defRPr sz="1800" kern="1200">
-                <a:solidFill>
-                  <a:schemeClr val="dk1"/>
-                </a:solidFill>
-                <a:latin typeface="+mn-lt"/>
-                <a:ea typeface="+mn-ea"/>
-                <a:cs typeface="+mn-cs"/>
-              </a:defRPr>
-            </a:lvl9pPr>
-          </a:lstStyle>
-          <a:p>
-            <a:pPr algn="ctr"/>
-            <a:r>
-              <a:rPr lang="x-none" altLang="en-US" sz="1545" dirty="0">
-                <a:cs typeface="Calibri"/>
-              </a:rPr>
-              <a:t>Auto Box Initialization</a:t>
-            </a:r>
-            <a:endParaRPr lang="x-none" altLang="en-US" sz="1545" dirty="0">
-              <a:cs typeface="Calibri"/>
-            </a:endParaRPr>
-          </a:p>
-        </p:txBody>
-      </p:sp>
-      <p:sp>
-        <p:nvSpPr>
-          <p:cNvPr id="26" name="Rectangle 25"/>
-          <p:cNvSpPr/>
-          <p:nvPr/>
-        </p:nvSpPr>
-        <p:spPr>
-          <a:xfrm>
-            <a:off x="4137932" y="68716"/>
-            <a:ext cx="1255259" cy="478971"/>
-          </a:xfrm>
-          <a:prstGeom prst="rect">
-            <a:avLst/>
-          </a:prstGeom>
-          <a:ln w="28575"/>
-        </p:spPr>
-        <p:style>
-          <a:lnRef idx="2">
-            <a:schemeClr val="dk1"/>
-          </a:lnRef>
-          <a:fillRef idx="1">
-            <a:schemeClr val="lt1"/>
-          </a:fillRef>
-          <a:effectRef idx="0">
-            <a:schemeClr val="dk1"/>
-          </a:effectRef>
-          <a:fontRef idx="minor">
-            <a:schemeClr val="dk1"/>
-          </a:fontRef>
-        </p:style>
-        <p:txBody>
-          <a:bodyPr rtlCol="0" anchor="ctr"/>
-          <a:lstStyle>
-            <a:defPPr>
-              <a:defRPr lang="en-US"/>
-            </a:defPPr>
-            <a:lvl1pPr marL="0" algn="l" defTabSz="914400" rtl="0" eaLnBrk="1" latinLnBrk="0" hangingPunct="1">
-              <a:defRPr sz="1800" kern="1200">
-                <a:solidFill>
-                  <a:schemeClr val="dk1"/>
-                </a:solidFill>
-                <a:latin typeface="+mn-lt"/>
-                <a:ea typeface="+mn-ea"/>
-                <a:cs typeface="+mn-cs"/>
-              </a:defRPr>
-            </a:lvl1pPr>
-            <a:lvl2pPr marL="457200" algn="l" defTabSz="914400" rtl="0" eaLnBrk="1" latinLnBrk="0" hangingPunct="1">
-              <a:defRPr sz="1800" kern="1200">
-                <a:solidFill>
-                  <a:schemeClr val="dk1"/>
-                </a:solidFill>
-                <a:latin typeface="+mn-lt"/>
-                <a:ea typeface="+mn-ea"/>
-                <a:cs typeface="+mn-cs"/>
-              </a:defRPr>
-            </a:lvl2pPr>
-            <a:lvl3pPr marL="914400" algn="l" defTabSz="914400" rtl="0" eaLnBrk="1" latinLnBrk="0" hangingPunct="1">
-              <a:defRPr sz="1800" kern="1200">
-                <a:solidFill>
-                  <a:schemeClr val="dk1"/>
-                </a:solidFill>
-                <a:latin typeface="+mn-lt"/>
-                <a:ea typeface="+mn-ea"/>
-                <a:cs typeface="+mn-cs"/>
-              </a:defRPr>
-            </a:lvl3pPr>
-            <a:lvl4pPr marL="1371600" algn="l" defTabSz="914400" rtl="0" eaLnBrk="1" latinLnBrk="0" hangingPunct="1">
-              <a:defRPr sz="1800" kern="1200">
-                <a:solidFill>
-                  <a:schemeClr val="dk1"/>
-                </a:solidFill>
-                <a:latin typeface="+mn-lt"/>
-                <a:ea typeface="+mn-ea"/>
-                <a:cs typeface="+mn-cs"/>
-              </a:defRPr>
-            </a:lvl4pPr>
-            <a:lvl5pPr marL="1828800" algn="l" defTabSz="914400" rtl="0" eaLnBrk="1" latinLnBrk="0" hangingPunct="1">
-              <a:defRPr sz="1800" kern="1200">
-                <a:solidFill>
-                  <a:schemeClr val="dk1"/>
-                </a:solidFill>
-                <a:latin typeface="+mn-lt"/>
-                <a:ea typeface="+mn-ea"/>
-                <a:cs typeface="+mn-cs"/>
-              </a:defRPr>
-            </a:lvl5pPr>
-            <a:lvl6pPr marL="2286000" algn="l" defTabSz="914400" rtl="0" eaLnBrk="1" latinLnBrk="0" hangingPunct="1">
-              <a:defRPr sz="1800" kern="1200">
-                <a:solidFill>
-                  <a:schemeClr val="dk1"/>
-                </a:solidFill>
-                <a:latin typeface="+mn-lt"/>
-                <a:ea typeface="+mn-ea"/>
-                <a:cs typeface="+mn-cs"/>
-              </a:defRPr>
-            </a:lvl6pPr>
-            <a:lvl7pPr marL="2743200" algn="l" defTabSz="914400" rtl="0" eaLnBrk="1" latinLnBrk="0" hangingPunct="1">
-              <a:defRPr sz="1800" kern="1200">
-                <a:solidFill>
-                  <a:schemeClr val="dk1"/>
-                </a:solidFill>
-                <a:latin typeface="+mn-lt"/>
-                <a:ea typeface="+mn-ea"/>
-                <a:cs typeface="+mn-cs"/>
-              </a:defRPr>
-            </a:lvl7pPr>
-            <a:lvl8pPr marL="3200400" algn="l" defTabSz="914400" rtl="0" eaLnBrk="1" latinLnBrk="0" hangingPunct="1">
-              <a:defRPr sz="1800" kern="1200">
-                <a:solidFill>
-                  <a:schemeClr val="dk1"/>
-                </a:solidFill>
-                <a:latin typeface="+mn-lt"/>
-                <a:ea typeface="+mn-ea"/>
-                <a:cs typeface="+mn-cs"/>
-              </a:defRPr>
-            </a:lvl8pPr>
-            <a:lvl9pPr marL="3657600" algn="l" defTabSz="914400" rtl="0" eaLnBrk="1" latinLnBrk="0" hangingPunct="1">
-              <a:defRPr sz="1800" kern="1200">
-                <a:solidFill>
-                  <a:schemeClr val="dk1"/>
-                </a:solidFill>
-                <a:latin typeface="+mn-lt"/>
-                <a:ea typeface="+mn-ea"/>
-                <a:cs typeface="+mn-cs"/>
-              </a:defRPr>
-            </a:lvl9pPr>
-          </a:lstStyle>
-          <a:p>
-            <a:pPr algn="ctr"/>
-            <a:r>
-              <a:rPr lang="x-none" altLang="en-US" sz="1545" dirty="0">
-                <a:cs typeface="Calibri"/>
-                <a:sym typeface="+mn-ea"/>
-              </a:rPr>
-              <a:t>Semi </a:t>
-            </a:r>
-            <a:r>
-              <a:rPr lang="en-US" sz="1545" dirty="0">
-                <a:cs typeface="Calibri"/>
-                <a:sym typeface="+mn-ea"/>
-              </a:rPr>
-              <a:t>Auto</a:t>
-            </a:r>
-            <a:endParaRPr lang="en-US" sz="1545" dirty="0">
-              <a:cs typeface="Calibri"/>
-            </a:endParaRPr>
-          </a:p>
-          <a:p>
-            <a:pPr algn="ctr"/>
-            <a:r>
-              <a:rPr lang="x-none" altLang="en-US" sz="1545" dirty="0">
-                <a:cs typeface="Calibri"/>
-                <a:sym typeface="+mn-ea"/>
-              </a:rPr>
-              <a:t>Box Fitting</a:t>
-            </a:r>
-            <a:endParaRPr lang="en-US" altLang="en-US" sz="1545" dirty="0">
-              <a:cs typeface="Calibri"/>
-            </a:endParaRPr>
-          </a:p>
-        </p:txBody>
-      </p:sp>
-      <p:sp>
-        <p:nvSpPr>
-          <p:cNvPr id="27" name="Rectangle 26"/>
-          <p:cNvSpPr/>
-          <p:nvPr/>
-        </p:nvSpPr>
-        <p:spPr>
-          <a:xfrm>
-            <a:off x="5458505" y="68716"/>
-            <a:ext cx="1255259" cy="478971"/>
-          </a:xfrm>
-          <a:prstGeom prst="rect">
-            <a:avLst/>
-          </a:prstGeom>
-          <a:ln w="28575"/>
-        </p:spPr>
-        <p:style>
-          <a:lnRef idx="2">
-            <a:schemeClr val="dk1"/>
-          </a:lnRef>
-          <a:fillRef idx="1">
-            <a:schemeClr val="lt1"/>
-          </a:fillRef>
-          <a:effectRef idx="0">
-            <a:schemeClr val="dk1"/>
-          </a:effectRef>
-          <a:fontRef idx="minor">
-            <a:schemeClr val="dk1"/>
-          </a:fontRef>
-        </p:style>
-        <p:txBody>
-          <a:bodyPr rtlCol="0" anchor="ctr"/>
-          <a:lstStyle>
-            <a:defPPr>
-              <a:defRPr lang="en-US"/>
-            </a:defPPr>
-            <a:lvl1pPr marL="0" algn="l" defTabSz="914400" rtl="0" eaLnBrk="1" latinLnBrk="0" hangingPunct="1">
-              <a:defRPr sz="1800" kern="1200">
-                <a:solidFill>
-                  <a:schemeClr val="dk1"/>
-                </a:solidFill>
-                <a:latin typeface="+mn-lt"/>
-                <a:ea typeface="+mn-ea"/>
-                <a:cs typeface="+mn-cs"/>
-              </a:defRPr>
-            </a:lvl1pPr>
-            <a:lvl2pPr marL="457200" algn="l" defTabSz="914400" rtl="0" eaLnBrk="1" latinLnBrk="0" hangingPunct="1">
-              <a:defRPr sz="1800" kern="1200">
-                <a:solidFill>
-                  <a:schemeClr val="dk1"/>
-                </a:solidFill>
-                <a:latin typeface="+mn-lt"/>
-                <a:ea typeface="+mn-ea"/>
-                <a:cs typeface="+mn-cs"/>
-              </a:defRPr>
-            </a:lvl2pPr>
-            <a:lvl3pPr marL="914400" algn="l" defTabSz="914400" rtl="0" eaLnBrk="1" latinLnBrk="0" hangingPunct="1">
-              <a:defRPr sz="1800" kern="1200">
-                <a:solidFill>
-                  <a:schemeClr val="dk1"/>
-                </a:solidFill>
-                <a:latin typeface="+mn-lt"/>
-                <a:ea typeface="+mn-ea"/>
-                <a:cs typeface="+mn-cs"/>
-              </a:defRPr>
-            </a:lvl3pPr>
-            <a:lvl4pPr marL="1371600" algn="l" defTabSz="914400" rtl="0" eaLnBrk="1" latinLnBrk="0" hangingPunct="1">
-              <a:defRPr sz="1800" kern="1200">
-                <a:solidFill>
-                  <a:schemeClr val="dk1"/>
-                </a:solidFill>
-                <a:latin typeface="+mn-lt"/>
-                <a:ea typeface="+mn-ea"/>
-                <a:cs typeface="+mn-cs"/>
-              </a:defRPr>
-            </a:lvl4pPr>
-            <a:lvl5pPr marL="1828800" algn="l" defTabSz="914400" rtl="0" eaLnBrk="1" latinLnBrk="0" hangingPunct="1">
-              <a:defRPr sz="1800" kern="1200">
-                <a:solidFill>
-                  <a:schemeClr val="dk1"/>
-                </a:solidFill>
-                <a:latin typeface="+mn-lt"/>
-                <a:ea typeface="+mn-ea"/>
-                <a:cs typeface="+mn-cs"/>
-              </a:defRPr>
-            </a:lvl5pPr>
-            <a:lvl6pPr marL="2286000" algn="l" defTabSz="914400" rtl="0" eaLnBrk="1" latinLnBrk="0" hangingPunct="1">
-              <a:defRPr sz="1800" kern="1200">
-                <a:solidFill>
-                  <a:schemeClr val="dk1"/>
-                </a:solidFill>
-                <a:latin typeface="+mn-lt"/>
-                <a:ea typeface="+mn-ea"/>
-                <a:cs typeface="+mn-cs"/>
-              </a:defRPr>
-            </a:lvl6pPr>
-            <a:lvl7pPr marL="2743200" algn="l" defTabSz="914400" rtl="0" eaLnBrk="1" latinLnBrk="0" hangingPunct="1">
-              <a:defRPr sz="1800" kern="1200">
-                <a:solidFill>
-                  <a:schemeClr val="dk1"/>
-                </a:solidFill>
-                <a:latin typeface="+mn-lt"/>
-                <a:ea typeface="+mn-ea"/>
-                <a:cs typeface="+mn-cs"/>
-              </a:defRPr>
-            </a:lvl7pPr>
-            <a:lvl8pPr marL="3200400" algn="l" defTabSz="914400" rtl="0" eaLnBrk="1" latinLnBrk="0" hangingPunct="1">
-              <a:defRPr sz="1800" kern="1200">
-                <a:solidFill>
-                  <a:schemeClr val="dk1"/>
-                </a:solidFill>
-                <a:latin typeface="+mn-lt"/>
-                <a:ea typeface="+mn-ea"/>
-                <a:cs typeface="+mn-cs"/>
-              </a:defRPr>
-            </a:lvl8pPr>
-            <a:lvl9pPr marL="3657600" algn="l" defTabSz="914400" rtl="0" eaLnBrk="1" latinLnBrk="0" hangingPunct="1">
-              <a:defRPr sz="1800" kern="1200">
-                <a:solidFill>
-                  <a:schemeClr val="dk1"/>
-                </a:solidFill>
-                <a:latin typeface="+mn-lt"/>
-                <a:ea typeface="+mn-ea"/>
-                <a:cs typeface="+mn-cs"/>
-              </a:defRPr>
-            </a:lvl9pPr>
-          </a:lstStyle>
-          <a:p>
-            <a:pPr algn="ctr"/>
-            <a:r>
-              <a:rPr lang="x-none" altLang="en-US" sz="1545" dirty="0">
-                <a:cs typeface="Calibri"/>
-              </a:rPr>
-              <a:t>Annotation</a:t>
-            </a:r>
-            <a:endParaRPr lang="x-none" altLang="en-US" sz="1545" dirty="0">
-              <a:cs typeface="Calibri"/>
-            </a:endParaRPr>
-          </a:p>
-          <a:p>
-            <a:pPr algn="ctr"/>
-            <a:r>
-              <a:rPr lang="x-none" altLang="en-US" sz="1545" dirty="0">
-                <a:cs typeface="Calibri"/>
-              </a:rPr>
-              <a:t>Transfer</a:t>
-            </a:r>
-            <a:endParaRPr lang="x-none" altLang="en-US" sz="1545" dirty="0">
-              <a:cs typeface="Calibri"/>
-            </a:endParaRPr>
-          </a:p>
-        </p:txBody>
-      </p:sp>
-      <p:sp>
-        <p:nvSpPr>
-          <p:cNvPr id="28" name="Rectangle 27"/>
-          <p:cNvSpPr/>
-          <p:nvPr/>
-        </p:nvSpPr>
-        <p:spPr>
-          <a:xfrm>
-            <a:off x="1470932" y="1373641"/>
-            <a:ext cx="1255259" cy="478971"/>
-          </a:xfrm>
-          <a:prstGeom prst="rect">
-            <a:avLst/>
-          </a:prstGeom>
-          <a:ln w="28575"/>
-        </p:spPr>
-        <p:style>
-          <a:lnRef idx="2">
-            <a:schemeClr val="dk1"/>
-          </a:lnRef>
-          <a:fillRef idx="1">
-            <a:schemeClr val="lt1"/>
-          </a:fillRef>
-          <a:effectRef idx="0">
-            <a:schemeClr val="dk1"/>
-          </a:effectRef>
-          <a:fontRef idx="minor">
-            <a:schemeClr val="dk1"/>
-          </a:fontRef>
-        </p:style>
-        <p:txBody>
-          <a:bodyPr rtlCol="0" anchor="ctr"/>
-          <a:lstStyle>
-            <a:defPPr>
-              <a:defRPr lang="en-US"/>
-            </a:defPPr>
-            <a:lvl1pPr marL="0" algn="l" defTabSz="914400" rtl="0" eaLnBrk="1" latinLnBrk="0" hangingPunct="1">
-              <a:defRPr sz="1800" kern="1200">
-                <a:solidFill>
-                  <a:schemeClr val="dk1"/>
-                </a:solidFill>
-                <a:latin typeface="+mn-lt"/>
-                <a:ea typeface="+mn-ea"/>
-                <a:cs typeface="+mn-cs"/>
-              </a:defRPr>
-            </a:lvl1pPr>
-            <a:lvl2pPr marL="457200" algn="l" defTabSz="914400" rtl="0" eaLnBrk="1" latinLnBrk="0" hangingPunct="1">
-              <a:defRPr sz="1800" kern="1200">
-                <a:solidFill>
-                  <a:schemeClr val="dk1"/>
-                </a:solidFill>
-                <a:latin typeface="+mn-lt"/>
-                <a:ea typeface="+mn-ea"/>
-                <a:cs typeface="+mn-cs"/>
-              </a:defRPr>
-            </a:lvl2pPr>
-            <a:lvl3pPr marL="914400" algn="l" defTabSz="914400" rtl="0" eaLnBrk="1" latinLnBrk="0" hangingPunct="1">
-              <a:defRPr sz="1800" kern="1200">
-                <a:solidFill>
-                  <a:schemeClr val="dk1"/>
-                </a:solidFill>
-                <a:latin typeface="+mn-lt"/>
-                <a:ea typeface="+mn-ea"/>
-                <a:cs typeface="+mn-cs"/>
-              </a:defRPr>
-            </a:lvl3pPr>
-            <a:lvl4pPr marL="1371600" algn="l" defTabSz="914400" rtl="0" eaLnBrk="1" latinLnBrk="0" hangingPunct="1">
-              <a:defRPr sz="1800" kern="1200">
-                <a:solidFill>
-                  <a:schemeClr val="dk1"/>
-                </a:solidFill>
-                <a:latin typeface="+mn-lt"/>
-                <a:ea typeface="+mn-ea"/>
-                <a:cs typeface="+mn-cs"/>
-              </a:defRPr>
-            </a:lvl4pPr>
-            <a:lvl5pPr marL="1828800" algn="l" defTabSz="914400" rtl="0" eaLnBrk="1" latinLnBrk="0" hangingPunct="1">
-              <a:defRPr sz="1800" kern="1200">
-                <a:solidFill>
-                  <a:schemeClr val="dk1"/>
-                </a:solidFill>
-                <a:latin typeface="+mn-lt"/>
-                <a:ea typeface="+mn-ea"/>
-                <a:cs typeface="+mn-cs"/>
-              </a:defRPr>
-            </a:lvl5pPr>
-            <a:lvl6pPr marL="2286000" algn="l" defTabSz="914400" rtl="0" eaLnBrk="1" latinLnBrk="0" hangingPunct="1">
-              <a:defRPr sz="1800" kern="1200">
-                <a:solidFill>
-                  <a:schemeClr val="dk1"/>
-                </a:solidFill>
-                <a:latin typeface="+mn-lt"/>
-                <a:ea typeface="+mn-ea"/>
-                <a:cs typeface="+mn-cs"/>
-              </a:defRPr>
-            </a:lvl6pPr>
-            <a:lvl7pPr marL="2743200" algn="l" defTabSz="914400" rtl="0" eaLnBrk="1" latinLnBrk="0" hangingPunct="1">
-              <a:defRPr sz="1800" kern="1200">
-                <a:solidFill>
-                  <a:schemeClr val="dk1"/>
-                </a:solidFill>
-                <a:latin typeface="+mn-lt"/>
-                <a:ea typeface="+mn-ea"/>
-                <a:cs typeface="+mn-cs"/>
-              </a:defRPr>
-            </a:lvl7pPr>
-            <a:lvl8pPr marL="3200400" algn="l" defTabSz="914400" rtl="0" eaLnBrk="1" latinLnBrk="0" hangingPunct="1">
-              <a:defRPr sz="1800" kern="1200">
-                <a:solidFill>
-                  <a:schemeClr val="dk1"/>
-                </a:solidFill>
-                <a:latin typeface="+mn-lt"/>
-                <a:ea typeface="+mn-ea"/>
-                <a:cs typeface="+mn-cs"/>
-              </a:defRPr>
-            </a:lvl8pPr>
-            <a:lvl9pPr marL="3657600" algn="l" defTabSz="914400" rtl="0" eaLnBrk="1" latinLnBrk="0" hangingPunct="1">
-              <a:defRPr sz="1800" kern="1200">
-                <a:solidFill>
-                  <a:schemeClr val="dk1"/>
-                </a:solidFill>
-                <a:latin typeface="+mn-lt"/>
-                <a:ea typeface="+mn-ea"/>
-                <a:cs typeface="+mn-cs"/>
-              </a:defRPr>
-            </a:lvl9pPr>
-          </a:lstStyle>
-          <a:p>
-            <a:pPr algn="ctr"/>
-            <a:r>
-              <a:rPr lang="en-US" sz="1545">
-                <a:cs typeface="Calibri"/>
-              </a:rPr>
-              <a:t>Point cloud Lib</a:t>
-            </a:r>
-            <a:endParaRPr lang="en-US" sz="1545" dirty="0">
-              <a:cs typeface="Calibri"/>
-            </a:endParaRPr>
-          </a:p>
-        </p:txBody>
-      </p:sp>
-      <p:sp>
-        <p:nvSpPr>
-          <p:cNvPr id="29" name="Rectangle 28"/>
-          <p:cNvSpPr/>
-          <p:nvPr/>
-        </p:nvSpPr>
-        <p:spPr>
-          <a:xfrm>
-            <a:off x="58511" y="69396"/>
-            <a:ext cx="1395413" cy="478971"/>
-          </a:xfrm>
-          <a:prstGeom prst="rect">
-            <a:avLst/>
-          </a:prstGeom>
-          <a:noFill/>
-          <a:ln w="38100">
-            <a:noFill/>
-          </a:ln>
-        </p:spPr>
-        <p:style>
-          <a:lnRef idx="2">
-            <a:schemeClr val="dk1"/>
-          </a:lnRef>
-          <a:fillRef idx="1">
-            <a:schemeClr val="lt1"/>
-          </a:fillRef>
-          <a:effectRef idx="0">
-            <a:schemeClr val="dk1"/>
-          </a:effectRef>
-          <a:fontRef idx="minor">
-            <a:schemeClr val="dk1"/>
-          </a:fontRef>
-        </p:style>
-        <p:txBody>
-          <a:bodyPr rtlCol="0" anchor="ctr"/>
-          <a:lstStyle/>
-          <a:p>
-            <a:pPr algn="r"/>
-            <a:r>
-              <a:rPr lang="en-US" sz="1545" dirty="0">
-                <a:cs typeface="Calibri"/>
-              </a:rPr>
-              <a:t>Operation</a:t>
-            </a:r>
-            <a:endParaRPr lang="en-US" sz="1545" dirty="0">
-              <a:cs typeface="Calibri"/>
-            </a:endParaRPr>
-          </a:p>
-        </p:txBody>
-      </p:sp>
-      <p:cxnSp>
-        <p:nvCxnSpPr>
-          <p:cNvPr id="2" name="Straight Connector 1"/>
-          <p:cNvCxnSpPr/>
-          <p:nvPr/>
-        </p:nvCxnSpPr>
-        <p:spPr>
-          <a:xfrm>
-            <a:off x="137432" y="618445"/>
-            <a:ext cx="6583680" cy="0"/>
-          </a:xfrm>
-          <a:prstGeom prst="line">
-            <a:avLst/>
-          </a:prstGeom>
-          <a:ln w="38100">
-            <a:solidFill>
-              <a:schemeClr val="tx1"/>
-            </a:solidFill>
-          </a:ln>
-        </p:spPr>
-        <p:style>
-          <a:lnRef idx="1">
-            <a:schemeClr val="accent1"/>
-          </a:lnRef>
-          <a:fillRef idx="0">
-            <a:schemeClr val="accent1"/>
-          </a:fillRef>
-          <a:effectRef idx="0">
-            <a:schemeClr val="accent1"/>
-          </a:effectRef>
-          <a:fontRef idx="minor">
-            <a:schemeClr val="tx1"/>
-          </a:fontRef>
-        </p:style>
-      </p:cxnSp>
-      <p:cxnSp>
-        <p:nvCxnSpPr>
-          <p:cNvPr id="12" name="Straight Connector 11"/>
-          <p:cNvCxnSpPr/>
-          <p:nvPr/>
-        </p:nvCxnSpPr>
-        <p:spPr>
-          <a:xfrm>
-            <a:off x="137432" y="1281793"/>
-            <a:ext cx="6583680" cy="0"/>
-          </a:xfrm>
-          <a:prstGeom prst="line">
-            <a:avLst/>
-          </a:prstGeom>
-          <a:ln w="38100">
-            <a:solidFill>
-              <a:schemeClr val="tx1"/>
-            </a:solidFill>
-          </a:ln>
-        </p:spPr>
-        <p:style>
-          <a:lnRef idx="1">
-            <a:schemeClr val="accent1"/>
-          </a:lnRef>
-          <a:fillRef idx="0">
-            <a:schemeClr val="accent1"/>
-          </a:fillRef>
-          <a:effectRef idx="0">
-            <a:schemeClr val="accent1"/>
-          </a:effectRef>
-          <a:fontRef idx="minor">
-            <a:schemeClr val="tx1"/>
-          </a:fontRef>
-        </p:style>
-      </p:cxnSp>
-      <p:cxnSp>
-        <p:nvCxnSpPr>
-          <p:cNvPr id="14" name="Straight Connector 13"/>
-          <p:cNvCxnSpPr/>
-          <p:nvPr/>
-        </p:nvCxnSpPr>
-        <p:spPr>
-          <a:xfrm>
-            <a:off x="137432" y="1931534"/>
-            <a:ext cx="6583680" cy="0"/>
-          </a:xfrm>
-          <a:prstGeom prst="line">
-            <a:avLst/>
-          </a:prstGeom>
-          <a:ln w="38100">
-            <a:solidFill>
-              <a:schemeClr val="tx1"/>
-            </a:solidFill>
-          </a:ln>
-        </p:spPr>
-        <p:style>
-          <a:lnRef idx="1">
-            <a:schemeClr val="accent1"/>
-          </a:lnRef>
-          <a:fillRef idx="0">
-            <a:schemeClr val="accent1"/>
-          </a:fillRef>
-          <a:effectRef idx="0">
-            <a:schemeClr val="accent1"/>
-          </a:effectRef>
-          <a:fontRef idx="minor">
-            <a:schemeClr val="tx1"/>
-          </a:fontRef>
-        </p:style>
-      </p:cxnSp>
-      <p:cxnSp>
-        <p:nvCxnSpPr>
-          <p:cNvPr id="16" name="Straight Connector 15"/>
-          <p:cNvCxnSpPr/>
-          <p:nvPr/>
-        </p:nvCxnSpPr>
-        <p:spPr>
-          <a:xfrm>
-            <a:off x="137432" y="2630941"/>
-            <a:ext cx="6583680" cy="0"/>
-          </a:xfrm>
-          <a:prstGeom prst="line">
-            <a:avLst/>
-          </a:prstGeom>
-          <a:ln w="38100">
-            <a:solidFill>
-              <a:schemeClr val="tx1"/>
-            </a:solidFill>
-          </a:ln>
-        </p:spPr>
-        <p:style>
-          <a:lnRef idx="1">
-            <a:schemeClr val="accent1"/>
-          </a:lnRef>
-          <a:fillRef idx="0">
-            <a:schemeClr val="accent1"/>
-          </a:fillRef>
-          <a:effectRef idx="0">
-            <a:schemeClr val="accent1"/>
-          </a:effectRef>
-          <a:fontRef idx="minor">
-            <a:schemeClr val="tx1"/>
-          </a:fontRef>
-        </p:style>
-      </p:cxnSp>
-      <p:sp>
-        <p:nvSpPr>
-          <p:cNvPr id="17" name="Rectangle 16"/>
-          <p:cNvSpPr/>
-          <p:nvPr/>
-        </p:nvSpPr>
-        <p:spPr>
-          <a:xfrm>
-            <a:off x="2810555" y="68716"/>
-            <a:ext cx="1255259" cy="478971"/>
-          </a:xfrm>
-          <a:prstGeom prst="rect">
-            <a:avLst/>
-          </a:prstGeom>
-          <a:ln w="28575"/>
-        </p:spPr>
-        <p:style>
-          <a:lnRef idx="2">
-            <a:schemeClr val="dk1"/>
-          </a:lnRef>
-          <a:fillRef idx="1">
-            <a:schemeClr val="lt1"/>
-          </a:fillRef>
-          <a:effectRef idx="0">
-            <a:schemeClr val="dk1"/>
-          </a:effectRef>
-          <a:fontRef idx="minor">
-            <a:schemeClr val="dk1"/>
-          </a:fontRef>
-        </p:style>
-        <p:txBody>
-          <a:bodyPr rtlCol="0" anchor="ctr"/>
-          <a:lstStyle>
-            <a:defPPr>
-              <a:defRPr lang="en-US"/>
-            </a:defPPr>
-            <a:lvl1pPr marL="0" algn="l" defTabSz="914400" rtl="0" eaLnBrk="1" latinLnBrk="0" hangingPunct="1">
-              <a:defRPr sz="1800" kern="1200">
-                <a:solidFill>
-                  <a:schemeClr val="dk1"/>
-                </a:solidFill>
-                <a:latin typeface="+mn-lt"/>
-                <a:ea typeface="+mn-ea"/>
-                <a:cs typeface="+mn-cs"/>
-              </a:defRPr>
-            </a:lvl1pPr>
-            <a:lvl2pPr marL="457200" algn="l" defTabSz="914400" rtl="0" eaLnBrk="1" latinLnBrk="0" hangingPunct="1">
-              <a:defRPr sz="1800" kern="1200">
-                <a:solidFill>
-                  <a:schemeClr val="dk1"/>
-                </a:solidFill>
-                <a:latin typeface="+mn-lt"/>
-                <a:ea typeface="+mn-ea"/>
-                <a:cs typeface="+mn-cs"/>
-              </a:defRPr>
-            </a:lvl2pPr>
-            <a:lvl3pPr marL="914400" algn="l" defTabSz="914400" rtl="0" eaLnBrk="1" latinLnBrk="0" hangingPunct="1">
-              <a:defRPr sz="1800" kern="1200">
-                <a:solidFill>
-                  <a:schemeClr val="dk1"/>
-                </a:solidFill>
-                <a:latin typeface="+mn-lt"/>
-                <a:ea typeface="+mn-ea"/>
-                <a:cs typeface="+mn-cs"/>
-              </a:defRPr>
-            </a:lvl3pPr>
-            <a:lvl4pPr marL="1371600" algn="l" defTabSz="914400" rtl="0" eaLnBrk="1" latinLnBrk="0" hangingPunct="1">
-              <a:defRPr sz="1800" kern="1200">
-                <a:solidFill>
-                  <a:schemeClr val="dk1"/>
-                </a:solidFill>
-                <a:latin typeface="+mn-lt"/>
-                <a:ea typeface="+mn-ea"/>
-                <a:cs typeface="+mn-cs"/>
-              </a:defRPr>
-            </a:lvl4pPr>
-            <a:lvl5pPr marL="1828800" algn="l" defTabSz="914400" rtl="0" eaLnBrk="1" latinLnBrk="0" hangingPunct="1">
-              <a:defRPr sz="1800" kern="1200">
-                <a:solidFill>
-                  <a:schemeClr val="dk1"/>
-                </a:solidFill>
-                <a:latin typeface="+mn-lt"/>
-                <a:ea typeface="+mn-ea"/>
-                <a:cs typeface="+mn-cs"/>
-              </a:defRPr>
-            </a:lvl5pPr>
-            <a:lvl6pPr marL="2286000" algn="l" defTabSz="914400" rtl="0" eaLnBrk="1" latinLnBrk="0" hangingPunct="1">
-              <a:defRPr sz="1800" kern="1200">
-                <a:solidFill>
-                  <a:schemeClr val="dk1"/>
-                </a:solidFill>
-                <a:latin typeface="+mn-lt"/>
-                <a:ea typeface="+mn-ea"/>
-                <a:cs typeface="+mn-cs"/>
-              </a:defRPr>
-            </a:lvl6pPr>
-            <a:lvl7pPr marL="2743200" algn="l" defTabSz="914400" rtl="0" eaLnBrk="1" latinLnBrk="0" hangingPunct="1">
-              <a:defRPr sz="1800" kern="1200">
-                <a:solidFill>
-                  <a:schemeClr val="dk1"/>
-                </a:solidFill>
-                <a:latin typeface="+mn-lt"/>
-                <a:ea typeface="+mn-ea"/>
-                <a:cs typeface="+mn-cs"/>
-              </a:defRPr>
-            </a:lvl7pPr>
-            <a:lvl8pPr marL="3200400" algn="l" defTabSz="914400" rtl="0" eaLnBrk="1" latinLnBrk="0" hangingPunct="1">
-              <a:defRPr sz="1800" kern="1200">
-                <a:solidFill>
-                  <a:schemeClr val="dk1"/>
-                </a:solidFill>
-                <a:latin typeface="+mn-lt"/>
-                <a:ea typeface="+mn-ea"/>
-                <a:cs typeface="+mn-cs"/>
-              </a:defRPr>
-            </a:lvl8pPr>
-            <a:lvl9pPr marL="3657600" algn="l" defTabSz="914400" rtl="0" eaLnBrk="1" latinLnBrk="0" hangingPunct="1">
-              <a:defRPr sz="1800" kern="1200">
-                <a:solidFill>
-                  <a:schemeClr val="dk1"/>
-                </a:solidFill>
-                <a:latin typeface="+mn-lt"/>
-                <a:ea typeface="+mn-ea"/>
-                <a:cs typeface="+mn-cs"/>
-              </a:defRPr>
-            </a:lvl9pPr>
-          </a:lstStyle>
-          <a:p>
-            <a:pPr algn="ctr"/>
-            <a:r>
-              <a:rPr lang="x-none" altLang="en-US" sz="1545" dirty="0">
-                <a:cs typeface="Calibri"/>
-                <a:sym typeface="+mn-ea"/>
-              </a:rPr>
-              <a:t>Multi-view</a:t>
-            </a:r>
-            <a:endParaRPr lang="x-none" altLang="en-US" sz="1545" dirty="0">
-              <a:cs typeface="Calibri"/>
-            </a:endParaRPr>
-          </a:p>
-          <a:p>
-            <a:pPr algn="ctr"/>
-            <a:r>
-              <a:rPr lang="x-none" altLang="en-US" sz="1545" dirty="0">
-                <a:cs typeface="Calibri"/>
-                <a:sym typeface="+mn-ea"/>
-              </a:rPr>
-              <a:t>Editing</a:t>
-            </a:r>
-            <a:endParaRPr lang="en-US" sz="1545" dirty="0">
-              <a:cs typeface="Calibri"/>
-            </a:endParaRPr>
-          </a:p>
-        </p:txBody>
-      </p:sp>
-    </p:spTree>
-  </p:cSld>
-  <p:clrMapOvr>
-    <a:masterClrMapping/>
-  </p:clrMapOvr>
-</p:sld>
-</file>
-
-<file path=ppt/slides/slide4.xml><?xml version="1.0" encoding="utf-8"?>
+<file path=ppt/slides/slide5.xml><?xml version="1.0" encoding="utf-8"?>
 <p:sld xmlns:a="http://schemas.openxmlformats.org/drawingml/2006/main" xmlns:r="http://schemas.openxmlformats.org/officeDocument/2006/relationships" xmlns:p="http://schemas.openxmlformats.org/presentationml/2006/main">
   <p:cSld>
     <p:spTree>
@@ -7544,7 +9887,7 @@
         </p:nvGrpSpPr>
         <p:grpSpPr>
           <a:xfrm>
-            <a:off x="682738" y="-1313841"/>
+            <a:off x="2205538" y="743559"/>
             <a:ext cx="7228718" cy="4237938"/>
             <a:chOff x="3248024" y="644098"/>
             <a:chExt cx="7496448" cy="4394899"/>
